--- a/news/2018-02-07.pptx
+++ b/news/2018-02-07.pptx
@@ -12,6 +12,10 @@
     <p:sldId id="259" r:id="rId7"/>
     <p:sldId id="260" r:id="rId8"/>
     <p:sldId id="261" r:id="rId9"/>
+    <p:sldId id="262" r:id="rId10"/>
+    <p:sldId id="263" r:id="rId11"/>
+    <p:sldId id="264" r:id="rId12"/>
+    <p:sldId id="265" r:id="rId13"/>
   </p:sldIdLst>
   <p:sldSz cx="10080625" cy="7559675"/>
   <p:notesSz cx="7559675" cy="10691812"/>
@@ -79,7 +83,8 @@
         <p:txBody>
           <a:bodyPr lIns="0" rIns="0" tIns="0" bIns="0" anchor="ctr"/>
           <a:p>
-            <a:endParaRPr b="0" lang="en-US" sz="1800" spc="-1" strike="noStrike">
+            <a:pPr algn="ctr"/>
+            <a:endParaRPr b="0" lang="en-GB" sz="4400" spc="-1" strike="noStrike">
               <a:solidFill>
                 <a:srgbClr val="000000"/>
               </a:solidFill>
@@ -115,7 +120,7 @@
         <p:txBody>
           <a:bodyPr lIns="0" rIns="0" tIns="0" bIns="0"/>
           <a:p>
-            <a:endParaRPr b="0" lang="en-US" sz="2800" spc="-1" strike="noStrike">
+            <a:endParaRPr b="0" lang="en-GB" sz="3200" spc="-1" strike="noStrike">
               <a:solidFill>
                 <a:srgbClr val="000000"/>
               </a:solidFill>
@@ -151,7 +156,7 @@
         <p:txBody>
           <a:bodyPr lIns="0" rIns="0" tIns="0" bIns="0"/>
           <a:p>
-            <a:endParaRPr b="0" lang="en-US" sz="2800" spc="-1" strike="noStrike">
+            <a:endParaRPr b="0" lang="en-GB" sz="3200" spc="-1" strike="noStrike">
               <a:solidFill>
                 <a:srgbClr val="000000"/>
               </a:solidFill>
@@ -209,7 +214,8 @@
         <p:txBody>
           <a:bodyPr lIns="0" rIns="0" tIns="0" bIns="0" anchor="ctr"/>
           <a:p>
-            <a:endParaRPr b="0" lang="en-US" sz="1800" spc="-1" strike="noStrike">
+            <a:pPr algn="ctr"/>
+            <a:endParaRPr b="0" lang="en-GB" sz="4400" spc="-1" strike="noStrike">
               <a:solidFill>
                 <a:srgbClr val="000000"/>
               </a:solidFill>
@@ -245,7 +251,7 @@
         <p:txBody>
           <a:bodyPr lIns="0" rIns="0" tIns="0" bIns="0"/>
           <a:p>
-            <a:endParaRPr b="0" lang="en-US" sz="2800" spc="-1" strike="noStrike">
+            <a:endParaRPr b="0" lang="en-GB" sz="3200" spc="-1" strike="noStrike">
               <a:solidFill>
                 <a:srgbClr val="000000"/>
               </a:solidFill>
@@ -281,7 +287,7 @@
         <p:txBody>
           <a:bodyPr lIns="0" rIns="0" tIns="0" bIns="0"/>
           <a:p>
-            <a:endParaRPr b="0" lang="en-US" sz="2800" spc="-1" strike="noStrike">
+            <a:endParaRPr b="0" lang="en-GB" sz="3200" spc="-1" strike="noStrike">
               <a:solidFill>
                 <a:srgbClr val="000000"/>
               </a:solidFill>
@@ -317,7 +323,7 @@
         <p:txBody>
           <a:bodyPr lIns="0" rIns="0" tIns="0" bIns="0"/>
           <a:p>
-            <a:endParaRPr b="0" lang="en-US" sz="2800" spc="-1" strike="noStrike">
+            <a:endParaRPr b="0" lang="en-GB" sz="3200" spc="-1" strike="noStrike">
               <a:solidFill>
                 <a:srgbClr val="000000"/>
               </a:solidFill>
@@ -353,7 +359,7 @@
         <p:txBody>
           <a:bodyPr lIns="0" rIns="0" tIns="0" bIns="0"/>
           <a:p>
-            <a:endParaRPr b="0" lang="en-US" sz="2800" spc="-1" strike="noStrike">
+            <a:endParaRPr b="0" lang="en-GB" sz="3200" spc="-1" strike="noStrike">
               <a:solidFill>
                 <a:srgbClr val="000000"/>
               </a:solidFill>
@@ -411,7 +417,8 @@
         <p:txBody>
           <a:bodyPr lIns="0" rIns="0" tIns="0" bIns="0" anchor="ctr"/>
           <a:p>
-            <a:endParaRPr b="0" lang="en-US" sz="1800" spc="-1" strike="noStrike">
+            <a:pPr algn="ctr"/>
+            <a:endParaRPr b="0" lang="en-GB" sz="4400" spc="-1" strike="noStrike">
               <a:solidFill>
                 <a:srgbClr val="000000"/>
               </a:solidFill>
@@ -447,7 +454,7 @@
         <p:txBody>
           <a:bodyPr lIns="0" rIns="0" tIns="0" bIns="0"/>
           <a:p>
-            <a:endParaRPr b="0" lang="en-US" sz="2800" spc="-1" strike="noStrike">
+            <a:endParaRPr b="0" lang="en-GB" sz="3200" spc="-1" strike="noStrike">
               <a:solidFill>
                 <a:srgbClr val="000000"/>
               </a:solidFill>
@@ -483,7 +490,7 @@
         <p:txBody>
           <a:bodyPr lIns="0" rIns="0" tIns="0" bIns="0"/>
           <a:p>
-            <a:endParaRPr b="0" lang="en-US" sz="2800" spc="-1" strike="noStrike">
+            <a:endParaRPr b="0" lang="en-GB" sz="3200" spc="-1" strike="noStrike">
               <a:solidFill>
                 <a:srgbClr val="000000"/>
               </a:solidFill>
@@ -609,7 +616,8 @@
         <p:txBody>
           <a:bodyPr lIns="0" rIns="0" tIns="0" bIns="0" anchor="ctr"/>
           <a:p>
-            <a:endParaRPr b="0" lang="en-US" sz="1800" spc="-1" strike="noStrike">
+            <a:pPr algn="ctr"/>
+            <a:endParaRPr b="0" lang="en-GB" sz="4400" spc="-1" strike="noStrike">
               <a:solidFill>
                 <a:srgbClr val="000000"/>
               </a:solidFill>
@@ -704,7 +712,8 @@
         <p:txBody>
           <a:bodyPr lIns="0" rIns="0" tIns="0" bIns="0" anchor="ctr"/>
           <a:p>
-            <a:endParaRPr b="0" lang="en-US" sz="1800" spc="-1" strike="noStrike">
+            <a:pPr algn="ctr"/>
+            <a:endParaRPr b="0" lang="en-GB" sz="4400" spc="-1" strike="noStrike">
               <a:solidFill>
                 <a:srgbClr val="000000"/>
               </a:solidFill>
@@ -740,7 +749,7 @@
         <p:txBody>
           <a:bodyPr lIns="0" rIns="0" tIns="0" bIns="0"/>
           <a:p>
-            <a:endParaRPr b="0" lang="en-US" sz="2800" spc="-1" strike="noStrike">
+            <a:endParaRPr b="0" lang="en-GB" sz="3200" spc="-1" strike="noStrike">
               <a:solidFill>
                 <a:srgbClr val="000000"/>
               </a:solidFill>
@@ -798,7 +807,8 @@
         <p:txBody>
           <a:bodyPr lIns="0" rIns="0" tIns="0" bIns="0" anchor="ctr"/>
           <a:p>
-            <a:endParaRPr b="0" lang="en-US" sz="1800" spc="-1" strike="noStrike">
+            <a:pPr algn="ctr"/>
+            <a:endParaRPr b="0" lang="en-GB" sz="4400" spc="-1" strike="noStrike">
               <a:solidFill>
                 <a:srgbClr val="000000"/>
               </a:solidFill>
@@ -834,7 +844,7 @@
         <p:txBody>
           <a:bodyPr lIns="0" rIns="0" tIns="0" bIns="0"/>
           <a:p>
-            <a:endParaRPr b="0" lang="en-US" sz="2800" spc="-1" strike="noStrike">
+            <a:endParaRPr b="0" lang="en-GB" sz="3200" spc="-1" strike="noStrike">
               <a:solidFill>
                 <a:srgbClr val="000000"/>
               </a:solidFill>
@@ -870,7 +880,7 @@
         <p:txBody>
           <a:bodyPr lIns="0" rIns="0" tIns="0" bIns="0"/>
           <a:p>
-            <a:endParaRPr b="0" lang="en-US" sz="2800" spc="-1" strike="noStrike">
+            <a:endParaRPr b="0" lang="en-GB" sz="3200" spc="-1" strike="noStrike">
               <a:solidFill>
                 <a:srgbClr val="000000"/>
               </a:solidFill>
@@ -928,7 +938,8 @@
         <p:txBody>
           <a:bodyPr lIns="0" rIns="0" tIns="0" bIns="0" anchor="ctr"/>
           <a:p>
-            <a:endParaRPr b="0" lang="en-US" sz="1800" spc="-1" strike="noStrike">
+            <a:pPr algn="ctr"/>
+            <a:endParaRPr b="0" lang="en-GB" sz="4400" spc="-1" strike="noStrike">
               <a:solidFill>
                 <a:srgbClr val="000000"/>
               </a:solidFill>
@@ -1045,7 +1056,8 @@
         <p:txBody>
           <a:bodyPr lIns="0" rIns="0" tIns="0" bIns="0" anchor="ctr"/>
           <a:p>
-            <a:endParaRPr b="0" lang="en-US" sz="1800" spc="-1" strike="noStrike">
+            <a:pPr algn="ctr"/>
+            <a:endParaRPr b="0" lang="en-GB" sz="4400" spc="-1" strike="noStrike">
               <a:solidFill>
                 <a:srgbClr val="000000"/>
               </a:solidFill>
@@ -1081,7 +1093,7 @@
         <p:txBody>
           <a:bodyPr lIns="0" rIns="0" tIns="0" bIns="0"/>
           <a:p>
-            <a:endParaRPr b="0" lang="en-US" sz="2800" spc="-1" strike="noStrike">
+            <a:endParaRPr b="0" lang="en-GB" sz="3200" spc="-1" strike="noStrike">
               <a:solidFill>
                 <a:srgbClr val="000000"/>
               </a:solidFill>
@@ -1117,7 +1129,7 @@
         <p:txBody>
           <a:bodyPr lIns="0" rIns="0" tIns="0" bIns="0"/>
           <a:p>
-            <a:endParaRPr b="0" lang="en-US" sz="2800" spc="-1" strike="noStrike">
+            <a:endParaRPr b="0" lang="en-GB" sz="3200" spc="-1" strike="noStrike">
               <a:solidFill>
                 <a:srgbClr val="000000"/>
               </a:solidFill>
@@ -1153,7 +1165,7 @@
         <p:txBody>
           <a:bodyPr lIns="0" rIns="0" tIns="0" bIns="0"/>
           <a:p>
-            <a:endParaRPr b="0" lang="en-US" sz="2800" spc="-1" strike="noStrike">
+            <a:endParaRPr b="0" lang="en-GB" sz="3200" spc="-1" strike="noStrike">
               <a:solidFill>
                 <a:srgbClr val="000000"/>
               </a:solidFill>
@@ -1211,7 +1223,8 @@
         <p:txBody>
           <a:bodyPr lIns="0" rIns="0" tIns="0" bIns="0" anchor="ctr"/>
           <a:p>
-            <a:endParaRPr b="0" lang="en-US" sz="1800" spc="-1" strike="noStrike">
+            <a:pPr algn="ctr"/>
+            <a:endParaRPr b="0" lang="en-GB" sz="4400" spc="-1" strike="noStrike">
               <a:solidFill>
                 <a:srgbClr val="000000"/>
               </a:solidFill>
@@ -1306,7 +1319,8 @@
         <p:txBody>
           <a:bodyPr lIns="0" rIns="0" tIns="0" bIns="0" anchor="ctr"/>
           <a:p>
-            <a:endParaRPr b="0" lang="en-US" sz="1800" spc="-1" strike="noStrike">
+            <a:pPr algn="ctr"/>
+            <a:endParaRPr b="0" lang="en-GB" sz="4400" spc="-1" strike="noStrike">
               <a:solidFill>
                 <a:srgbClr val="000000"/>
               </a:solidFill>
@@ -1342,7 +1356,7 @@
         <p:txBody>
           <a:bodyPr lIns="0" rIns="0" tIns="0" bIns="0"/>
           <a:p>
-            <a:endParaRPr b="0" lang="en-US" sz="2800" spc="-1" strike="noStrike">
+            <a:endParaRPr b="0" lang="en-GB" sz="3200" spc="-1" strike="noStrike">
               <a:solidFill>
                 <a:srgbClr val="000000"/>
               </a:solidFill>
@@ -1378,7 +1392,7 @@
         <p:txBody>
           <a:bodyPr lIns="0" rIns="0" tIns="0" bIns="0"/>
           <a:p>
-            <a:endParaRPr b="0" lang="en-US" sz="2800" spc="-1" strike="noStrike">
+            <a:endParaRPr b="0" lang="en-GB" sz="3200" spc="-1" strike="noStrike">
               <a:solidFill>
                 <a:srgbClr val="000000"/>
               </a:solidFill>
@@ -1414,7 +1428,7 @@
         <p:txBody>
           <a:bodyPr lIns="0" rIns="0" tIns="0" bIns="0"/>
           <a:p>
-            <a:endParaRPr b="0" lang="en-US" sz="2800" spc="-1" strike="noStrike">
+            <a:endParaRPr b="0" lang="en-GB" sz="3200" spc="-1" strike="noStrike">
               <a:solidFill>
                 <a:srgbClr val="000000"/>
               </a:solidFill>
@@ -1472,7 +1486,8 @@
         <p:txBody>
           <a:bodyPr lIns="0" rIns="0" tIns="0" bIns="0" anchor="ctr"/>
           <a:p>
-            <a:endParaRPr b="0" lang="en-US" sz="1800" spc="-1" strike="noStrike">
+            <a:pPr algn="ctr"/>
+            <a:endParaRPr b="0" lang="en-GB" sz="4400" spc="-1" strike="noStrike">
               <a:solidFill>
                 <a:srgbClr val="000000"/>
               </a:solidFill>
@@ -1508,7 +1523,7 @@
         <p:txBody>
           <a:bodyPr lIns="0" rIns="0" tIns="0" bIns="0"/>
           <a:p>
-            <a:endParaRPr b="0" lang="en-US" sz="2800" spc="-1" strike="noStrike">
+            <a:endParaRPr b="0" lang="en-GB" sz="3200" spc="-1" strike="noStrike">
               <a:solidFill>
                 <a:srgbClr val="000000"/>
               </a:solidFill>
@@ -1544,7 +1559,7 @@
         <p:txBody>
           <a:bodyPr lIns="0" rIns="0" tIns="0" bIns="0"/>
           <a:p>
-            <a:endParaRPr b="0" lang="en-US" sz="2800" spc="-1" strike="noStrike">
+            <a:endParaRPr b="0" lang="en-GB" sz="3200" spc="-1" strike="noStrike">
               <a:solidFill>
                 <a:srgbClr val="000000"/>
               </a:solidFill>
@@ -1580,7 +1595,7 @@
         <p:txBody>
           <a:bodyPr lIns="0" rIns="0" tIns="0" bIns="0"/>
           <a:p>
-            <a:endParaRPr b="0" lang="en-US" sz="2800" spc="-1" strike="noStrike">
+            <a:endParaRPr b="0" lang="en-GB" sz="3200" spc="-1" strike="noStrike">
               <a:solidFill>
                 <a:srgbClr val="000000"/>
               </a:solidFill>
@@ -1638,7 +1653,8 @@
         <p:txBody>
           <a:bodyPr lIns="0" rIns="0" tIns="0" bIns="0" anchor="ctr"/>
           <a:p>
-            <a:endParaRPr b="0" lang="en-US" sz="1800" spc="-1" strike="noStrike">
+            <a:pPr algn="ctr"/>
+            <a:endParaRPr b="0" lang="en-GB" sz="4400" spc="-1" strike="noStrike">
               <a:solidFill>
                 <a:srgbClr val="000000"/>
               </a:solidFill>
@@ -1674,7 +1690,7 @@
         <p:txBody>
           <a:bodyPr lIns="0" rIns="0" tIns="0" bIns="0"/>
           <a:p>
-            <a:endParaRPr b="0" lang="en-US" sz="2800" spc="-1" strike="noStrike">
+            <a:endParaRPr b="0" lang="en-GB" sz="3200" spc="-1" strike="noStrike">
               <a:solidFill>
                 <a:srgbClr val="000000"/>
               </a:solidFill>
@@ -1710,7 +1726,7 @@
         <p:txBody>
           <a:bodyPr lIns="0" rIns="0" tIns="0" bIns="0"/>
           <a:p>
-            <a:endParaRPr b="0" lang="en-US" sz="2800" spc="-1" strike="noStrike">
+            <a:endParaRPr b="0" lang="en-GB" sz="3200" spc="-1" strike="noStrike">
               <a:solidFill>
                 <a:srgbClr val="000000"/>
               </a:solidFill>
@@ -1768,7 +1784,8 @@
         <p:txBody>
           <a:bodyPr lIns="0" rIns="0" tIns="0" bIns="0" anchor="ctr"/>
           <a:p>
-            <a:endParaRPr b="0" lang="en-US" sz="1800" spc="-1" strike="noStrike">
+            <a:pPr algn="ctr"/>
+            <a:endParaRPr b="0" lang="en-GB" sz="4400" spc="-1" strike="noStrike">
               <a:solidFill>
                 <a:srgbClr val="000000"/>
               </a:solidFill>
@@ -1804,7 +1821,7 @@
         <p:txBody>
           <a:bodyPr lIns="0" rIns="0" tIns="0" bIns="0"/>
           <a:p>
-            <a:endParaRPr b="0" lang="en-US" sz="2800" spc="-1" strike="noStrike">
+            <a:endParaRPr b="0" lang="en-GB" sz="3200" spc="-1" strike="noStrike">
               <a:solidFill>
                 <a:srgbClr val="000000"/>
               </a:solidFill>
@@ -1840,7 +1857,7 @@
         <p:txBody>
           <a:bodyPr lIns="0" rIns="0" tIns="0" bIns="0"/>
           <a:p>
-            <a:endParaRPr b="0" lang="en-US" sz="2800" spc="-1" strike="noStrike">
+            <a:endParaRPr b="0" lang="en-GB" sz="3200" spc="-1" strike="noStrike">
               <a:solidFill>
                 <a:srgbClr val="000000"/>
               </a:solidFill>
@@ -1876,7 +1893,7 @@
         <p:txBody>
           <a:bodyPr lIns="0" rIns="0" tIns="0" bIns="0"/>
           <a:p>
-            <a:endParaRPr b="0" lang="en-US" sz="2800" spc="-1" strike="noStrike">
+            <a:endParaRPr b="0" lang="en-GB" sz="3200" spc="-1" strike="noStrike">
               <a:solidFill>
                 <a:srgbClr val="000000"/>
               </a:solidFill>
@@ -1912,7 +1929,7 @@
         <p:txBody>
           <a:bodyPr lIns="0" rIns="0" tIns="0" bIns="0"/>
           <a:p>
-            <a:endParaRPr b="0" lang="en-US" sz="2800" spc="-1" strike="noStrike">
+            <a:endParaRPr b="0" lang="en-GB" sz="3200" spc="-1" strike="noStrike">
               <a:solidFill>
                 <a:srgbClr val="000000"/>
               </a:solidFill>
@@ -1970,7 +1987,8 @@
         <p:txBody>
           <a:bodyPr lIns="0" rIns="0" tIns="0" bIns="0" anchor="ctr"/>
           <a:p>
-            <a:endParaRPr b="0" lang="en-US" sz="1800" spc="-1" strike="noStrike">
+            <a:pPr algn="ctr"/>
+            <a:endParaRPr b="0" lang="en-GB" sz="4400" spc="-1" strike="noStrike">
               <a:solidFill>
                 <a:srgbClr val="000000"/>
               </a:solidFill>
@@ -2006,7 +2024,7 @@
         <p:txBody>
           <a:bodyPr lIns="0" rIns="0" tIns="0" bIns="0"/>
           <a:p>
-            <a:endParaRPr b="0" lang="en-US" sz="2800" spc="-1" strike="noStrike">
+            <a:endParaRPr b="0" lang="en-GB" sz="3200" spc="-1" strike="noStrike">
               <a:solidFill>
                 <a:srgbClr val="000000"/>
               </a:solidFill>
@@ -2042,7 +2060,7 @@
         <p:txBody>
           <a:bodyPr lIns="0" rIns="0" tIns="0" bIns="0"/>
           <a:p>
-            <a:endParaRPr b="0" lang="en-US" sz="2800" spc="-1" strike="noStrike">
+            <a:endParaRPr b="0" lang="en-GB" sz="3200" spc="-1" strike="noStrike">
               <a:solidFill>
                 <a:srgbClr val="000000"/>
               </a:solidFill>
@@ -2146,7 +2164,8 @@
         <p:txBody>
           <a:bodyPr lIns="0" rIns="0" tIns="0" bIns="0" anchor="ctr"/>
           <a:p>
-            <a:endParaRPr b="0" lang="en-US" sz="1800" spc="-1" strike="noStrike">
+            <a:pPr algn="ctr"/>
+            <a:endParaRPr b="0" lang="en-GB" sz="4400" spc="-1" strike="noStrike">
               <a:solidFill>
                 <a:srgbClr val="000000"/>
               </a:solidFill>
@@ -2182,7 +2201,7 @@
         <p:txBody>
           <a:bodyPr lIns="0" rIns="0" tIns="0" bIns="0"/>
           <a:p>
-            <a:endParaRPr b="0" lang="en-US" sz="2800" spc="-1" strike="noStrike">
+            <a:endParaRPr b="0" lang="en-GB" sz="3200" spc="-1" strike="noStrike">
               <a:solidFill>
                 <a:srgbClr val="000000"/>
               </a:solidFill>
@@ -2240,7 +2259,8 @@
         <p:txBody>
           <a:bodyPr lIns="0" rIns="0" tIns="0" bIns="0" anchor="ctr"/>
           <a:p>
-            <a:endParaRPr b="0" lang="en-US" sz="1800" spc="-1" strike="noStrike">
+            <a:pPr algn="ctr"/>
+            <a:endParaRPr b="0" lang="en-GB" sz="4400" spc="-1" strike="noStrike">
               <a:solidFill>
                 <a:srgbClr val="000000"/>
               </a:solidFill>
@@ -2276,7 +2296,7 @@
         <p:txBody>
           <a:bodyPr lIns="0" rIns="0" tIns="0" bIns="0"/>
           <a:p>
-            <a:endParaRPr b="0" lang="en-US" sz="2800" spc="-1" strike="noStrike">
+            <a:endParaRPr b="0" lang="en-GB" sz="3200" spc="-1" strike="noStrike">
               <a:solidFill>
                 <a:srgbClr val="000000"/>
               </a:solidFill>
@@ -2312,7 +2332,7 @@
         <p:txBody>
           <a:bodyPr lIns="0" rIns="0" tIns="0" bIns="0"/>
           <a:p>
-            <a:endParaRPr b="0" lang="en-US" sz="2800" spc="-1" strike="noStrike">
+            <a:endParaRPr b="0" lang="en-GB" sz="3200" spc="-1" strike="noStrike">
               <a:solidFill>
                 <a:srgbClr val="000000"/>
               </a:solidFill>
@@ -2370,7 +2390,8 @@
         <p:txBody>
           <a:bodyPr lIns="0" rIns="0" tIns="0" bIns="0" anchor="ctr"/>
           <a:p>
-            <a:endParaRPr b="0" lang="en-US" sz="1800" spc="-1" strike="noStrike">
+            <a:pPr algn="ctr"/>
+            <a:endParaRPr b="0" lang="en-GB" sz="4400" spc="-1" strike="noStrike">
               <a:solidFill>
                 <a:srgbClr val="000000"/>
               </a:solidFill>
@@ -2487,7 +2508,8 @@
         <p:txBody>
           <a:bodyPr lIns="0" rIns="0" tIns="0" bIns="0" anchor="ctr"/>
           <a:p>
-            <a:endParaRPr b="0" lang="en-US" sz="1800" spc="-1" strike="noStrike">
+            <a:pPr algn="ctr"/>
+            <a:endParaRPr b="0" lang="en-GB" sz="4400" spc="-1" strike="noStrike">
               <a:solidFill>
                 <a:srgbClr val="000000"/>
               </a:solidFill>
@@ -2523,7 +2545,7 @@
         <p:txBody>
           <a:bodyPr lIns="0" rIns="0" tIns="0" bIns="0"/>
           <a:p>
-            <a:endParaRPr b="0" lang="en-US" sz="2800" spc="-1" strike="noStrike">
+            <a:endParaRPr b="0" lang="en-GB" sz="3200" spc="-1" strike="noStrike">
               <a:solidFill>
                 <a:srgbClr val="000000"/>
               </a:solidFill>
@@ -2559,7 +2581,7 @@
         <p:txBody>
           <a:bodyPr lIns="0" rIns="0" tIns="0" bIns="0"/>
           <a:p>
-            <a:endParaRPr b="0" lang="en-US" sz="2800" spc="-1" strike="noStrike">
+            <a:endParaRPr b="0" lang="en-GB" sz="3200" spc="-1" strike="noStrike">
               <a:solidFill>
                 <a:srgbClr val="000000"/>
               </a:solidFill>
@@ -2595,7 +2617,7 @@
         <p:txBody>
           <a:bodyPr lIns="0" rIns="0" tIns="0" bIns="0"/>
           <a:p>
-            <a:endParaRPr b="0" lang="en-US" sz="2800" spc="-1" strike="noStrike">
+            <a:endParaRPr b="0" lang="en-GB" sz="3200" spc="-1" strike="noStrike">
               <a:solidFill>
                 <a:srgbClr val="000000"/>
               </a:solidFill>
@@ -2653,7 +2675,8 @@
         <p:txBody>
           <a:bodyPr lIns="0" rIns="0" tIns="0" bIns="0" anchor="ctr"/>
           <a:p>
-            <a:endParaRPr b="0" lang="en-US" sz="1800" spc="-1" strike="noStrike">
+            <a:pPr algn="ctr"/>
+            <a:endParaRPr b="0" lang="en-GB" sz="4400" spc="-1" strike="noStrike">
               <a:solidFill>
                 <a:srgbClr val="000000"/>
               </a:solidFill>
@@ -2689,7 +2712,7 @@
         <p:txBody>
           <a:bodyPr lIns="0" rIns="0" tIns="0" bIns="0"/>
           <a:p>
-            <a:endParaRPr b="0" lang="en-US" sz="2800" spc="-1" strike="noStrike">
+            <a:endParaRPr b="0" lang="en-GB" sz="3200" spc="-1" strike="noStrike">
               <a:solidFill>
                 <a:srgbClr val="000000"/>
               </a:solidFill>
@@ -2725,7 +2748,7 @@
         <p:txBody>
           <a:bodyPr lIns="0" rIns="0" tIns="0" bIns="0"/>
           <a:p>
-            <a:endParaRPr b="0" lang="en-US" sz="2800" spc="-1" strike="noStrike">
+            <a:endParaRPr b="0" lang="en-GB" sz="3200" spc="-1" strike="noStrike">
               <a:solidFill>
                 <a:srgbClr val="000000"/>
               </a:solidFill>
@@ -2761,7 +2784,7 @@
         <p:txBody>
           <a:bodyPr lIns="0" rIns="0" tIns="0" bIns="0"/>
           <a:p>
-            <a:endParaRPr b="0" lang="en-US" sz="2800" spc="-1" strike="noStrike">
+            <a:endParaRPr b="0" lang="en-GB" sz="3200" spc="-1" strike="noStrike">
               <a:solidFill>
                 <a:srgbClr val="000000"/>
               </a:solidFill>
@@ -2819,7 +2842,8 @@
         <p:txBody>
           <a:bodyPr lIns="0" rIns="0" tIns="0" bIns="0" anchor="ctr"/>
           <a:p>
-            <a:endParaRPr b="0" lang="en-US" sz="1800" spc="-1" strike="noStrike">
+            <a:pPr algn="ctr"/>
+            <a:endParaRPr b="0" lang="en-GB" sz="4400" spc="-1" strike="noStrike">
               <a:solidFill>
                 <a:srgbClr val="000000"/>
               </a:solidFill>
@@ -2855,7 +2879,7 @@
         <p:txBody>
           <a:bodyPr lIns="0" rIns="0" tIns="0" bIns="0"/>
           <a:p>
-            <a:endParaRPr b="0" lang="en-US" sz="2800" spc="-1" strike="noStrike">
+            <a:endParaRPr b="0" lang="en-GB" sz="3200" spc="-1" strike="noStrike">
               <a:solidFill>
                 <a:srgbClr val="000000"/>
               </a:solidFill>
@@ -2891,7 +2915,7 @@
         <p:txBody>
           <a:bodyPr lIns="0" rIns="0" tIns="0" bIns="0"/>
           <a:p>
-            <a:endParaRPr b="0" lang="en-US" sz="2800" spc="-1" strike="noStrike">
+            <a:endParaRPr b="0" lang="en-GB" sz="3200" spc="-1" strike="noStrike">
               <a:solidFill>
                 <a:srgbClr val="000000"/>
               </a:solidFill>
@@ -2927,7 +2951,7 @@
         <p:txBody>
           <a:bodyPr lIns="0" rIns="0" tIns="0" bIns="0"/>
           <a:p>
-            <a:endParaRPr b="0" lang="en-US" sz="2800" spc="-1" strike="noStrike">
+            <a:endParaRPr b="0" lang="en-GB" sz="3200" spc="-1" strike="noStrike">
               <a:solidFill>
                 <a:srgbClr val="000000"/>
               </a:solidFill>
@@ -2992,8 +3016,9 @@
         <p:txBody>
           <a:bodyPr lIns="0" rIns="0" tIns="0" bIns="0" anchor="ctr"/>
           <a:p>
-            <a:r>
-              <a:rPr b="0" lang="en-US" sz="1800" spc="-1" strike="noStrike">
+            <a:pPr algn="ctr"/>
+            <a:r>
+              <a:rPr b="0" lang="en-GB" sz="4400" spc="-1" strike="noStrike">
                 <a:solidFill>
                   <a:srgbClr val="000000"/>
                 </a:solidFill>
@@ -3006,7 +3031,7 @@
               </a:rPr>
               <a:t>Click to edit the title text format</a:t>
             </a:r>
-            <a:endParaRPr b="0" lang="en-US" sz="1800" spc="-1" strike="noStrike">
+            <a:endParaRPr b="0" lang="en-GB" sz="4400" spc="-1" strike="noStrike">
               <a:solidFill>
                 <a:srgbClr val="000000"/>
               </a:solidFill>
@@ -3051,7 +3076,7 @@
               <a:buChar char=""/>
             </a:pPr>
             <a:r>
-              <a:rPr b="0" lang="en-US" sz="2800" spc="-1" strike="noStrike">
+              <a:rPr b="0" lang="en-GB" sz="3200" spc="-1" strike="noStrike">
                 <a:solidFill>
                   <a:srgbClr val="000000"/>
                 </a:solidFill>
@@ -3064,7 +3089,7 @@
               </a:rPr>
               <a:t>Click to edit the outline text format</a:t>
             </a:r>
-            <a:endParaRPr b="0" lang="en-US" sz="2800" spc="-1" strike="noStrike">
+            <a:endParaRPr b="0" lang="en-GB" sz="3200" spc="-1" strike="noStrike">
               <a:solidFill>
                 <a:srgbClr val="000000"/>
               </a:solidFill>
@@ -3086,7 +3111,7 @@
               <a:buChar char=""/>
             </a:pPr>
             <a:r>
-              <a:rPr b="0" lang="en-US" sz="2000" spc="-1" strike="noStrike">
+              <a:rPr b="0" lang="en-GB" sz="2800" spc="-1" strike="noStrike">
                 <a:solidFill>
                   <a:srgbClr val="000000"/>
                 </a:solidFill>
@@ -3099,7 +3124,7 @@
               </a:rPr>
               <a:t>Second Outline Level</a:t>
             </a:r>
-            <a:endParaRPr b="0" lang="en-US" sz="2000" spc="-1" strike="noStrike">
+            <a:endParaRPr b="0" lang="en-GB" sz="2800" spc="-1" strike="noStrike">
               <a:solidFill>
                 <a:srgbClr val="000000"/>
               </a:solidFill>
@@ -3121,7 +3146,7 @@
               <a:buChar char=""/>
             </a:pPr>
             <a:r>
-              <a:rPr b="0" lang="en-US" sz="1800" spc="-1" strike="noStrike">
+              <a:rPr b="0" lang="en-GB" sz="2400" spc="-1" strike="noStrike">
                 <a:solidFill>
                   <a:srgbClr val="000000"/>
                 </a:solidFill>
@@ -3134,7 +3159,7 @@
               </a:rPr>
               <a:t>Third Outline Level</a:t>
             </a:r>
-            <a:endParaRPr b="0" lang="en-US" sz="1800" spc="-1" strike="noStrike">
+            <a:endParaRPr b="0" lang="en-GB" sz="2400" spc="-1" strike="noStrike">
               <a:solidFill>
                 <a:srgbClr val="000000"/>
               </a:solidFill>
@@ -3156,7 +3181,7 @@
               <a:buChar char=""/>
             </a:pPr>
             <a:r>
-              <a:rPr b="0" lang="en-US" sz="1800" spc="-1" strike="noStrike">
+              <a:rPr b="0" lang="en-GB" sz="2000" spc="-1" strike="noStrike">
                 <a:solidFill>
                   <a:srgbClr val="000000"/>
                 </a:solidFill>
@@ -3169,7 +3194,7 @@
               </a:rPr>
               <a:t>Fourth Outline Level</a:t>
             </a:r>
-            <a:endParaRPr b="0" lang="en-US" sz="1800" spc="-1" strike="noStrike">
+            <a:endParaRPr b="0" lang="en-GB" sz="2000" spc="-1" strike="noStrike">
               <a:solidFill>
                 <a:srgbClr val="000000"/>
               </a:solidFill>
@@ -3191,7 +3216,7 @@
               <a:buChar char=""/>
             </a:pPr>
             <a:r>
-              <a:rPr b="0" lang="en-US" sz="2000" spc="-1" strike="noStrike">
+              <a:rPr b="0" lang="en-GB" sz="2000" spc="-1" strike="noStrike">
                 <a:solidFill>
                   <a:srgbClr val="000000"/>
                 </a:solidFill>
@@ -3204,7 +3229,7 @@
               </a:rPr>
               <a:t>Fifth Outline Level</a:t>
             </a:r>
-            <a:endParaRPr b="0" lang="en-US" sz="2000" spc="-1" strike="noStrike">
+            <a:endParaRPr b="0" lang="en-GB" sz="2000" spc="-1" strike="noStrike">
               <a:solidFill>
                 <a:srgbClr val="000000"/>
               </a:solidFill>
@@ -3226,7 +3251,7 @@
               <a:buChar char=""/>
             </a:pPr>
             <a:r>
-              <a:rPr b="0" lang="en-US" sz="2000" spc="-1" strike="noStrike">
+              <a:rPr b="0" lang="en-GB" sz="2000" spc="-1" strike="noStrike">
                 <a:solidFill>
                   <a:srgbClr val="000000"/>
                 </a:solidFill>
@@ -3239,7 +3264,7 @@
               </a:rPr>
               <a:t>Sixth Outline Level</a:t>
             </a:r>
-            <a:endParaRPr b="0" lang="en-US" sz="2000" spc="-1" strike="noStrike">
+            <a:endParaRPr b="0" lang="en-GB" sz="2000" spc="-1" strike="noStrike">
               <a:solidFill>
                 <a:srgbClr val="000000"/>
               </a:solidFill>
@@ -3261,7 +3286,7 @@
               <a:buChar char=""/>
             </a:pPr>
             <a:r>
-              <a:rPr b="0" lang="en-US" sz="2000" spc="-1" strike="noStrike">
+              <a:rPr b="0" lang="en-GB" sz="2000" spc="-1" strike="noStrike">
                 <a:solidFill>
                   <a:srgbClr val="000000"/>
                 </a:solidFill>
@@ -3274,7 +3299,7 @@
               </a:rPr>
               <a:t>Seventh Outline Level</a:t>
             </a:r>
-            <a:endParaRPr b="0" lang="en-US" sz="2000" spc="-1" strike="noStrike">
+            <a:endParaRPr b="0" lang="en-GB" sz="2000" spc="-1" strike="noStrike">
               <a:solidFill>
                 <a:srgbClr val="000000"/>
               </a:solidFill>
@@ -3354,8 +3379,9 @@
         <p:txBody>
           <a:bodyPr lIns="0" rIns="0" tIns="0" bIns="0" anchor="ctr"/>
           <a:p>
-            <a:r>
-              <a:rPr b="0" lang="en-US" sz="1800" spc="-1" strike="noStrike">
+            <a:pPr algn="ctr"/>
+            <a:r>
+              <a:rPr b="0" lang="en-GB" sz="4400" spc="-1" strike="noStrike">
                 <a:solidFill>
                   <a:srgbClr val="000000"/>
                 </a:solidFill>
@@ -3368,7 +3394,7 @@
               </a:rPr>
               <a:t>Click to edit the title text format</a:t>
             </a:r>
-            <a:endParaRPr b="0" lang="en-US" sz="1800" spc="-1" strike="noStrike">
+            <a:endParaRPr b="0" lang="en-GB" sz="4400" spc="-1" strike="noStrike">
               <a:solidFill>
                 <a:srgbClr val="000000"/>
               </a:solidFill>
@@ -3413,7 +3439,7 @@
               <a:buChar char=""/>
             </a:pPr>
             <a:r>
-              <a:rPr b="0" lang="en-US" sz="2800" spc="-1" strike="noStrike">
+              <a:rPr b="0" lang="en-GB" sz="3200" spc="-1" strike="noStrike">
                 <a:solidFill>
                   <a:srgbClr val="000000"/>
                 </a:solidFill>
@@ -3426,7 +3452,7 @@
               </a:rPr>
               <a:t>Click to edit the outline text format</a:t>
             </a:r>
-            <a:endParaRPr b="0" lang="en-US" sz="2800" spc="-1" strike="noStrike">
+            <a:endParaRPr b="0" lang="en-GB" sz="3200" spc="-1" strike="noStrike">
               <a:solidFill>
                 <a:srgbClr val="000000"/>
               </a:solidFill>
@@ -3448,7 +3474,7 @@
               <a:buChar char=""/>
             </a:pPr>
             <a:r>
-              <a:rPr b="0" lang="en-US" sz="2000" spc="-1" strike="noStrike">
+              <a:rPr b="0" lang="en-GB" sz="2800" spc="-1" strike="noStrike">
                 <a:solidFill>
                   <a:srgbClr val="000000"/>
                 </a:solidFill>
@@ -3461,7 +3487,7 @@
               </a:rPr>
               <a:t>Second Outline Level</a:t>
             </a:r>
-            <a:endParaRPr b="0" lang="en-US" sz="2000" spc="-1" strike="noStrike">
+            <a:endParaRPr b="0" lang="en-GB" sz="2800" spc="-1" strike="noStrike">
               <a:solidFill>
                 <a:srgbClr val="000000"/>
               </a:solidFill>
@@ -3483,7 +3509,7 @@
               <a:buChar char=""/>
             </a:pPr>
             <a:r>
-              <a:rPr b="0" lang="en-US" sz="1800" spc="-1" strike="noStrike">
+              <a:rPr b="0" lang="en-GB" sz="2400" spc="-1" strike="noStrike">
                 <a:solidFill>
                   <a:srgbClr val="000000"/>
                 </a:solidFill>
@@ -3496,7 +3522,7 @@
               </a:rPr>
               <a:t>Third Outline Level</a:t>
             </a:r>
-            <a:endParaRPr b="0" lang="en-US" sz="1800" spc="-1" strike="noStrike">
+            <a:endParaRPr b="0" lang="en-GB" sz="2400" spc="-1" strike="noStrike">
               <a:solidFill>
                 <a:srgbClr val="000000"/>
               </a:solidFill>
@@ -3518,7 +3544,7 @@
               <a:buChar char=""/>
             </a:pPr>
             <a:r>
-              <a:rPr b="0" lang="en-US" sz="1800" spc="-1" strike="noStrike">
+              <a:rPr b="0" lang="en-GB" sz="2000" spc="-1" strike="noStrike">
                 <a:solidFill>
                   <a:srgbClr val="000000"/>
                 </a:solidFill>
@@ -3531,7 +3557,7 @@
               </a:rPr>
               <a:t>Fourth Outline Level</a:t>
             </a:r>
-            <a:endParaRPr b="0" lang="en-US" sz="1800" spc="-1" strike="noStrike">
+            <a:endParaRPr b="0" lang="en-GB" sz="2000" spc="-1" strike="noStrike">
               <a:solidFill>
                 <a:srgbClr val="000000"/>
               </a:solidFill>
@@ -3553,7 +3579,7 @@
               <a:buChar char=""/>
             </a:pPr>
             <a:r>
-              <a:rPr b="0" lang="en-US" sz="2000" spc="-1" strike="noStrike">
+              <a:rPr b="0" lang="en-GB" sz="2000" spc="-1" strike="noStrike">
                 <a:solidFill>
                   <a:srgbClr val="000000"/>
                 </a:solidFill>
@@ -3566,7 +3592,7 @@
               </a:rPr>
               <a:t>Fifth Outline Level</a:t>
             </a:r>
-            <a:endParaRPr b="0" lang="en-US" sz="2000" spc="-1" strike="noStrike">
+            <a:endParaRPr b="0" lang="en-GB" sz="2000" spc="-1" strike="noStrike">
               <a:solidFill>
                 <a:srgbClr val="000000"/>
               </a:solidFill>
@@ -3588,7 +3614,7 @@
               <a:buChar char=""/>
             </a:pPr>
             <a:r>
-              <a:rPr b="0" lang="en-US" sz="2000" spc="-1" strike="noStrike">
+              <a:rPr b="0" lang="en-GB" sz="2000" spc="-1" strike="noStrike">
                 <a:solidFill>
                   <a:srgbClr val="000000"/>
                 </a:solidFill>
@@ -3601,7 +3627,7 @@
               </a:rPr>
               <a:t>Sixth Outline Level</a:t>
             </a:r>
-            <a:endParaRPr b="0" lang="en-US" sz="2000" spc="-1" strike="noStrike">
+            <a:endParaRPr b="0" lang="en-GB" sz="2000" spc="-1" strike="noStrike">
               <a:solidFill>
                 <a:srgbClr val="000000"/>
               </a:solidFill>
@@ -3623,7 +3649,7 @@
               <a:buChar char=""/>
             </a:pPr>
             <a:r>
-              <a:rPr b="0" lang="en-US" sz="2000" spc="-1" strike="noStrike">
+              <a:rPr b="0" lang="en-GB" sz="2000" spc="-1" strike="noStrike">
                 <a:solidFill>
                   <a:srgbClr val="000000"/>
                 </a:solidFill>
@@ -3636,7 +3662,7 @@
               </a:rPr>
               <a:t>Seventh Outline Level</a:t>
             </a:r>
-            <a:endParaRPr b="0" lang="en-US" sz="2000" spc="-1" strike="noStrike">
+            <a:endParaRPr b="0" lang="en-GB" sz="2000" spc="-1" strike="noStrike">
               <a:solidFill>
                 <a:srgbClr val="000000"/>
               </a:solidFill>
@@ -3696,7 +3722,7 @@
         <p:spPr>
           <a:xfrm>
             <a:off x="504000" y="1404360"/>
-            <a:ext cx="9069840" cy="3166200"/>
+            <a:ext cx="9069120" cy="3165480"/>
           </a:xfrm>
           <a:prstGeom prst="rect">
             <a:avLst/>
@@ -3884,7 +3910,22 @@
                 <a:ea typeface="DejaVu Sans"/>
                 <a:hlinkClick r:id="rId1"/>
               </a:rPr>
-              <a:t>tomos@aberrobotics.club</a:t>
+              <a:t>tof7@aber.ac.uk</a:t>
+            </a:r>
+            <a:r>
+              <a:rPr b="0" lang="en-GB" sz="3200" spc="-1" strike="noStrike" u="sng">
+                <a:solidFill>
+                  <a:srgbClr val="0000ff"/>
+                </a:solidFill>
+                <a:uFill>
+                  <a:solidFill>
+                    <a:srgbClr val="ffffff"/>
+                  </a:solidFill>
+                </a:uFill>
+                <a:latin typeface="Arial"/>
+                <a:ea typeface="DejaVu Sans"/>
+              </a:rPr>
+              <a:t> </a:t>
             </a:r>
             <a:r>
               <a:rPr b="0" lang="en-GB" sz="3200" spc="-1" strike="noStrike">
@@ -3928,7 +3969,7 @@
         <p:spPr>
           <a:xfrm>
             <a:off x="0" y="0"/>
-            <a:ext cx="10078200" cy="1048680"/>
+            <a:ext cx="10077480" cy="1047960"/>
           </a:xfrm>
           <a:prstGeom prst="rect">
             <a:avLst/>
@@ -3946,8 +3987,8 @@
         </p:nvSpPr>
         <p:spPr>
           <a:xfrm>
-            <a:off x="4608000" y="0"/>
-            <a:ext cx="5524920" cy="1062360"/>
+            <a:off x="2448000" y="0"/>
+            <a:ext cx="7684200" cy="1061640"/>
           </a:xfrm>
           <a:prstGeom prst="rect">
             <a:avLst/>
@@ -3984,7 +4025,7 @@
                 <a:latin typeface="Eras Bold ITC"/>
                 <a:ea typeface="DejaVu Sans"/>
               </a:rPr>
-              <a:t>www.aberrobotics.club</a:t>
+              <a:t>www.students.aberrobotics.club</a:t>
             </a:r>
             <a:endParaRPr b="0" lang="en-GB" sz="1800" spc="-1" strike="noStrike">
               <a:solidFill>
@@ -4013,7 +4054,7 @@
         <p:spPr>
           <a:xfrm>
             <a:off x="39240" y="0"/>
-            <a:ext cx="1068120" cy="1076760"/>
+            <a:ext cx="1067400" cy="1076040"/>
           </a:xfrm>
           <a:prstGeom prst="rect">
             <a:avLst/>
@@ -4036,7 +4077,7 @@
         <p:spPr>
           <a:xfrm>
             <a:off x="3718440" y="4659840"/>
-            <a:ext cx="2641320" cy="2662200"/>
+            <a:ext cx="2640600" cy="2661480"/>
           </a:xfrm>
           <a:prstGeom prst="rect">
             <a:avLst/>
@@ -4055,6 +4096,251 @@
           <p:childTnLst>
             <p:seq>
               <p:cTn id="2" nodeType="mainSeq"/>
+              <p:prevCondLst>
+                <p:cond delay="0" evt="onPrev">
+                  <p:tgtEl>
+                    <p:sldTgt/>
+                  </p:tgtEl>
+                </p:cond>
+              </p:prevCondLst>
+              <p:nextCondLst>
+                <p:cond delay="0" evt="onNext">
+                  <p:tgtEl>
+                    <p:sldTgt/>
+                  </p:tgtEl>
+                </p:cond>
+              </p:nextCondLst>
+            </p:seq>
+          </p:childTnLst>
+        </p:cTn>
+      </p:par>
+    </p:tnLst>
+  </p:timing>
+</p:sld>
+</file>
+
+<file path=ppt/slides/slide10.xml><?xml version="1.0" encoding="utf-8"?>
+<p:sld xmlns:a="http://schemas.openxmlformats.org/drawingml/2006/main" xmlns:p="http://schemas.openxmlformats.org/presentationml/2006/main" xmlns:r="http://schemas.openxmlformats.org/officeDocument/2006/relationships" xmlns:p14="http://schemas.microsoft.com/office/powerpoint/2010/main" xmlns:p15="http://schemas.microsoft.com/office/powerpoint/2012/main" xmlns:mc="http://schemas.openxmlformats.org/markup-compatibility/2006">
+  <p:cSld>
+    <p:spTree>
+      <p:nvGrpSpPr>
+        <p:cNvPr id="1" name=""/>
+        <p:cNvGrpSpPr/>
+        <p:nvPr/>
+      </p:nvGrpSpPr>
+      <p:grpSpPr>
+        <a:xfrm>
+          <a:off x="0" y="0"/>
+          <a:ext cx="0" cy="0"/>
+          <a:chOff x="0" y="0"/>
+          <a:chExt cx="0" cy="0"/>
+        </a:xfrm>
+      </p:grpSpPr>
+      <p:sp>
+        <p:nvSpPr>
+          <p:cNvPr id="117" name="CustomShape 1"/>
+          <p:cNvSpPr/>
+          <p:nvPr/>
+        </p:nvSpPr>
+        <p:spPr>
+          <a:xfrm>
+            <a:off x="504000" y="1467720"/>
+            <a:ext cx="9068760" cy="1259280"/>
+          </a:xfrm>
+          <a:prstGeom prst="rect">
+            <a:avLst/>
+          </a:prstGeom>
+          <a:noFill/>
+          <a:ln>
+            <a:noFill/>
+          </a:ln>
+        </p:spPr>
+        <p:style>
+          <a:lnRef idx="0"/>
+          <a:fillRef idx="0"/>
+          <a:effectRef idx="0"/>
+          <a:fontRef idx="minor"/>
+        </p:style>
+        <p:txBody>
+          <a:bodyPr lIns="0" rIns="0" tIns="0" bIns="0" anchor="ctr"/>
+          <a:p>
+            <a:pPr algn="ctr">
+              <a:lnSpc>
+                <a:spcPct val="100000"/>
+              </a:lnSpc>
+            </a:pPr>
+            <a:r>
+              <a:rPr b="0" lang="en-GB" sz="4400" spc="-1" strike="noStrike">
+                <a:solidFill>
+                  <a:srgbClr val="000000"/>
+                </a:solidFill>
+                <a:uFill>
+                  <a:solidFill>
+                    <a:srgbClr val="ffffff"/>
+                  </a:solidFill>
+                </a:uFill>
+                <a:latin typeface="Arial"/>
+                <a:ea typeface="DejaVu Sans"/>
+              </a:rPr>
+              <a:t>Have Fun!</a:t>
+            </a:r>
+            <a:endParaRPr b="0" lang="en-GB" sz="1800" spc="-1" strike="noStrike">
+              <a:solidFill>
+                <a:srgbClr val="000000"/>
+              </a:solidFill>
+              <a:uFill>
+                <a:solidFill>
+                  <a:srgbClr val="ffffff"/>
+                </a:solidFill>
+              </a:uFill>
+              <a:latin typeface="Arial"/>
+            </a:endParaRPr>
+          </a:p>
+        </p:txBody>
+      </p:sp>
+      <p:sp>
+        <p:nvSpPr>
+          <p:cNvPr id="118" name="CustomShape 2"/>
+          <p:cNvSpPr/>
+          <p:nvPr/>
+        </p:nvSpPr>
+        <p:spPr>
+          <a:xfrm>
+            <a:off x="504000" y="2728440"/>
+            <a:ext cx="9068760" cy="4381560"/>
+          </a:xfrm>
+          <a:prstGeom prst="rect">
+            <a:avLst/>
+          </a:prstGeom>
+          <a:noFill/>
+          <a:ln>
+            <a:noFill/>
+          </a:ln>
+        </p:spPr>
+        <p:style>
+          <a:lnRef idx="0"/>
+          <a:fillRef idx="0"/>
+          <a:effectRef idx="0"/>
+          <a:fontRef idx="minor"/>
+        </p:style>
+      </p:sp>
+      <p:pic>
+        <p:nvPicPr>
+          <p:cNvPr id="119" name="Picture 3" descr=""/>
+          <p:cNvPicPr/>
+          <p:nvPr/>
+        </p:nvPicPr>
+        <p:blipFill>
+          <a:blip r:embed="rId1"/>
+          <a:stretch/>
+        </p:blipFill>
+        <p:spPr>
+          <a:xfrm>
+            <a:off x="0" y="0"/>
+            <a:ext cx="10077120" cy="1047600"/>
+          </a:xfrm>
+          <a:prstGeom prst="rect">
+            <a:avLst/>
+          </a:prstGeom>
+          <a:ln>
+            <a:noFill/>
+          </a:ln>
+        </p:spPr>
+      </p:pic>
+      <p:pic>
+        <p:nvPicPr>
+          <p:cNvPr id="120" name="Picture 4" descr=""/>
+          <p:cNvPicPr/>
+          <p:nvPr/>
+        </p:nvPicPr>
+        <p:blipFill>
+          <a:blip r:embed="rId2"/>
+          <a:stretch/>
+        </p:blipFill>
+        <p:spPr>
+          <a:xfrm>
+            <a:off x="39240" y="0"/>
+            <a:ext cx="1067040" cy="1075680"/>
+          </a:xfrm>
+          <a:prstGeom prst="rect">
+            <a:avLst/>
+          </a:prstGeom>
+          <a:ln>
+            <a:noFill/>
+          </a:ln>
+        </p:spPr>
+      </p:pic>
+      <p:sp>
+        <p:nvSpPr>
+          <p:cNvPr id="121" name="CustomShape 3"/>
+          <p:cNvSpPr/>
+          <p:nvPr/>
+        </p:nvSpPr>
+        <p:spPr>
+          <a:xfrm>
+            <a:off x="2448000" y="0"/>
+            <a:ext cx="7684200" cy="1061640"/>
+          </a:xfrm>
+          <a:prstGeom prst="rect">
+            <a:avLst/>
+          </a:prstGeom>
+          <a:noFill/>
+          <a:ln>
+            <a:noFill/>
+          </a:ln>
+        </p:spPr>
+        <p:style>
+          <a:lnRef idx="0"/>
+          <a:fillRef idx="0"/>
+          <a:effectRef idx="0"/>
+          <a:fontRef idx="minor"/>
+        </p:style>
+        <p:txBody>
+          <a:bodyPr lIns="90000" rIns="90000" tIns="45000" bIns="45000"/>
+          <a:p>
+            <a:pPr>
+              <a:lnSpc>
+                <a:spcPct val="100000"/>
+              </a:lnSpc>
+            </a:pPr>
+            <a:r>
+              <a:rPr b="1" lang="en-GB" sz="3200" spc="-1" strike="noStrike">
+                <a:solidFill>
+                  <a:srgbClr val="000000"/>
+                </a:solidFill>
+                <a:uFill>
+                  <a:solidFill>
+                    <a:srgbClr val="ffffff"/>
+                  </a:solidFill>
+                </a:uFill>
+                <a:latin typeface="Eras Bold ITC"/>
+                <a:ea typeface="DejaVu Sans"/>
+              </a:rPr>
+              <a:t>www.students.aberrobotics.club</a:t>
+            </a:r>
+            <a:endParaRPr b="0" lang="en-GB" sz="1800" spc="-1" strike="noStrike">
+              <a:solidFill>
+                <a:srgbClr val="000000"/>
+              </a:solidFill>
+              <a:uFill>
+                <a:solidFill>
+                  <a:srgbClr val="ffffff"/>
+                </a:solidFill>
+              </a:uFill>
+              <a:latin typeface="Arial"/>
+            </a:endParaRPr>
+          </a:p>
+        </p:txBody>
+      </p:sp>
+    </p:spTree>
+  </p:cSld>
+  <p:timing>
+    <p:tnLst>
+      <p:par>
+        <p:cTn id="19" dur="indefinite" restart="never" nodeType="tmRoot">
+          <p:childTnLst>
+            <p:seq>
+              <p:cTn id="20" nodeType="mainSeq"/>
               <p:prevCondLst>
                 <p:cond delay="0" evt="onPrev">
                   <p:tgtEl>
@@ -4104,7 +4390,7 @@
         <p:spPr>
           <a:xfrm>
             <a:off x="504000" y="1467720"/>
-            <a:ext cx="9069480" cy="1260000"/>
+            <a:ext cx="9068760" cy="1259280"/>
           </a:xfrm>
           <a:prstGeom prst="rect">
             <a:avLst/>
@@ -4166,7 +4452,7 @@
         <p:spPr>
           <a:xfrm>
             <a:off x="504000" y="2728440"/>
-            <a:ext cx="9069480" cy="4382280"/>
+            <a:ext cx="9068760" cy="4381560"/>
           </a:xfrm>
           <a:prstGeom prst="rect">
             <a:avLst/>
@@ -4185,7 +4471,7 @@
         <p:txBody>
           <a:bodyPr lIns="0" rIns="0" tIns="0" bIns="0"/>
           <a:p>
-            <a:pPr marL="432000" indent="-321840">
+            <a:pPr marL="432000" indent="-321120">
               <a:lnSpc>
                 <a:spcPct val="100000"/>
               </a:lnSpc>
@@ -4209,7 +4495,7 @@
                 <a:latin typeface="Arial"/>
                 <a:ea typeface="DejaVu Sans"/>
               </a:rPr>
-              <a:t>Hope you had a good holiday, and exams went well</a:t>
+              <a:t>Hope you had a good holiday, and exams went well!</a:t>
             </a:r>
             <a:endParaRPr b="0" lang="en-GB" sz="1800" spc="-1" strike="noStrike">
               <a:solidFill>
@@ -4224,7 +4510,7 @@
             </a:endParaRPr>
           </a:p>
           <a:p>
-            <a:pPr marL="432000" indent="-321840">
+            <a:pPr marL="432000" indent="-321120">
               <a:lnSpc>
                 <a:spcPct val="100000"/>
               </a:lnSpc>
@@ -4236,6 +4522,22 @@
               <a:buChar char=""/>
             </a:pPr>
             <a:r>
+              <a:rPr b="0" lang="en-GB" sz="2800" spc="-1" strike="noStrike" u="sng">
+                <a:solidFill>
+                  <a:srgbClr val="0000ff"/>
+                </a:solidFill>
+                <a:uFill>
+                  <a:solidFill>
+                    <a:srgbClr val="ffffff"/>
+                  </a:solidFill>
+                </a:uFill>
+                <a:latin typeface="Arial"/>
+                <a:ea typeface="DejaVu Sans"/>
+                <a:hlinkClick r:id="rId1"/>
+              </a:rPr>
+              <a:t>students@aberrobotics.club</a:t>
+            </a:r>
+            <a:r>
               <a:rPr b="0" lang="en-GB" sz="2800" spc="-1" strike="noStrike">
                 <a:solidFill>
                   <a:srgbClr val="000000"/>
@@ -4247,10 +4549,33 @@
                 </a:uFill>
                 <a:latin typeface="Arial"/>
                 <a:ea typeface="DejaVu Sans"/>
-                <a:hlinkClick r:id="rId1"/>
-              </a:rPr>
-              <a:t>students@aberrobotics.club</a:t>
-            </a:r>
+              </a:rPr>
+              <a:t> - broken email server :(</a:t>
+            </a:r>
+            <a:endParaRPr b="0" lang="en-GB" sz="1800" spc="-1" strike="noStrike">
+              <a:solidFill>
+                <a:srgbClr val="000000"/>
+              </a:solidFill>
+              <a:uFill>
+                <a:solidFill>
+                  <a:srgbClr val="ffffff"/>
+                </a:solidFill>
+              </a:uFill>
+              <a:latin typeface="Arial"/>
+            </a:endParaRPr>
+          </a:p>
+          <a:p>
+            <a:pPr marL="432000" indent="-321120">
+              <a:lnSpc>
+                <a:spcPct val="100000"/>
+              </a:lnSpc>
+              <a:buClr>
+                <a:srgbClr val="000000"/>
+              </a:buClr>
+              <a:buSzPct val="45000"/>
+              <a:buFont typeface="Wingdings" charset="2"/>
+              <a:buChar char=""/>
+            </a:pPr>
             <a:r>
               <a:rPr b="0" lang="en-GB" sz="2800" spc="-1" strike="noStrike">
                 <a:solidFill>
@@ -4264,7 +4589,226 @@
                 <a:latin typeface="Arial"/>
                 <a:ea typeface="DejaVu Sans"/>
               </a:rPr>
-              <a:t> - broken email server :(</a:t>
+              <a:t> </a:t>
+            </a:r>
+            <a:endParaRPr b="0" lang="en-GB" sz="1800" spc="-1" strike="noStrike">
+              <a:solidFill>
+                <a:srgbClr val="000000"/>
+              </a:solidFill>
+              <a:uFill>
+                <a:solidFill>
+                  <a:srgbClr val="ffffff"/>
+                </a:solidFill>
+              </a:uFill>
+              <a:latin typeface="Arial"/>
+            </a:endParaRPr>
+          </a:p>
+          <a:p>
+            <a:pPr marL="432000" indent="-321120">
+              <a:lnSpc>
+                <a:spcPct val="100000"/>
+              </a:lnSpc>
+              <a:buClr>
+                <a:srgbClr val="000000"/>
+              </a:buClr>
+              <a:buSzPct val="45000"/>
+              <a:buFont typeface="Wingdings" charset="2"/>
+              <a:buChar char=""/>
+            </a:pPr>
+            <a:r>
+              <a:rPr b="0" lang="en-GB" sz="2800" spc="-1" strike="noStrike">
+                <a:solidFill>
+                  <a:srgbClr val="000000"/>
+                </a:solidFill>
+                <a:uFill>
+                  <a:solidFill>
+                    <a:srgbClr val="ffffff"/>
+                  </a:solidFill>
+                </a:uFill>
+                <a:latin typeface="Arial"/>
+                <a:ea typeface="DejaVu Sans"/>
+              </a:rPr>
+              <a:t>Contact directly:</a:t>
+            </a:r>
+            <a:endParaRPr b="0" lang="en-GB" sz="1800" spc="-1" strike="noStrike">
+              <a:solidFill>
+                <a:srgbClr val="000000"/>
+              </a:solidFill>
+              <a:uFill>
+                <a:solidFill>
+                  <a:srgbClr val="ffffff"/>
+                </a:solidFill>
+              </a:uFill>
+              <a:latin typeface="Arial"/>
+            </a:endParaRPr>
+          </a:p>
+          <a:p>
+            <a:pPr lvl="3" marL="864000" indent="-215640">
+              <a:lnSpc>
+                <a:spcPct val="100000"/>
+              </a:lnSpc>
+              <a:buClr>
+                <a:srgbClr val="000000"/>
+              </a:buClr>
+              <a:buSzPct val="45000"/>
+              <a:buFont typeface="Wingdings" charset="2"/>
+              <a:buChar char=""/>
+            </a:pPr>
+            <a:r>
+              <a:rPr b="0" lang="en-GB" sz="2800" spc="-1" strike="noStrike">
+                <a:solidFill>
+                  <a:srgbClr val="000000"/>
+                </a:solidFill>
+                <a:uFill>
+                  <a:solidFill>
+                    <a:srgbClr val="ffffff"/>
+                  </a:solidFill>
+                </a:uFill>
+                <a:latin typeface="Arial"/>
+                <a:ea typeface="DejaVu Sans"/>
+              </a:rPr>
+              <a:t>Tomos - </a:t>
+            </a:r>
+            <a:r>
+              <a:rPr b="0" lang="en-GB" sz="2800" spc="-1" strike="noStrike" u="sng">
+                <a:solidFill>
+                  <a:srgbClr val="0000ff"/>
+                </a:solidFill>
+                <a:uFill>
+                  <a:solidFill>
+                    <a:srgbClr val="ffffff"/>
+                  </a:solidFill>
+                </a:uFill>
+                <a:latin typeface="Arial"/>
+                <a:ea typeface="DejaVu Sans"/>
+                <a:hlinkClick r:id="rId2"/>
+              </a:rPr>
+              <a:t>tof7@aber.ac.uk</a:t>
+            </a:r>
+            <a:endParaRPr b="0" lang="en-GB" sz="1800" spc="-1" strike="noStrike">
+              <a:solidFill>
+                <a:srgbClr val="000000"/>
+              </a:solidFill>
+              <a:uFill>
+                <a:solidFill>
+                  <a:srgbClr val="ffffff"/>
+                </a:solidFill>
+              </a:uFill>
+              <a:latin typeface="Arial"/>
+            </a:endParaRPr>
+          </a:p>
+          <a:p>
+            <a:pPr lvl="3" marL="864000" indent="-215640">
+              <a:lnSpc>
+                <a:spcPct val="100000"/>
+              </a:lnSpc>
+              <a:buClr>
+                <a:srgbClr val="000000"/>
+              </a:buClr>
+              <a:buSzPct val="45000"/>
+              <a:buFont typeface="Wingdings" charset="2"/>
+              <a:buChar char=""/>
+            </a:pPr>
+            <a:r>
+              <a:rPr b="0" lang="en-GB" sz="2800" spc="-1" strike="noStrike">
+                <a:solidFill>
+                  <a:srgbClr val="000000"/>
+                </a:solidFill>
+                <a:uFill>
+                  <a:solidFill>
+                    <a:srgbClr val="ffffff"/>
+                  </a:solidFill>
+                </a:uFill>
+                <a:latin typeface="Arial"/>
+                <a:ea typeface="DejaVu Sans"/>
+              </a:rPr>
+              <a:t>Phoebe - </a:t>
+            </a:r>
+            <a:r>
+              <a:rPr b="0" lang="en-GB" sz="2800" spc="-1" strike="noStrike" u="sng">
+                <a:solidFill>
+                  <a:srgbClr val="0000ff"/>
+                </a:solidFill>
+                <a:uFill>
+                  <a:solidFill>
+                    <a:srgbClr val="ffffff"/>
+                  </a:solidFill>
+                </a:uFill>
+                <a:latin typeface="Arial"/>
+                <a:ea typeface="DejaVu Sans"/>
+                <a:hlinkClick r:id="rId3"/>
+              </a:rPr>
+              <a:t>psh6@aber.ac.uk</a:t>
+            </a:r>
+            <a:endParaRPr b="0" lang="en-GB" sz="1800" spc="-1" strike="noStrike">
+              <a:solidFill>
+                <a:srgbClr val="000000"/>
+              </a:solidFill>
+              <a:uFill>
+                <a:solidFill>
+                  <a:srgbClr val="ffffff"/>
+                </a:solidFill>
+              </a:uFill>
+              <a:latin typeface="Arial"/>
+            </a:endParaRPr>
+          </a:p>
+          <a:p>
+            <a:pPr lvl="3" marL="864000" indent="-215640">
+              <a:lnSpc>
+                <a:spcPct val="100000"/>
+              </a:lnSpc>
+              <a:buClr>
+                <a:srgbClr val="000000"/>
+              </a:buClr>
+              <a:buSzPct val="45000"/>
+              <a:buFont typeface="Wingdings" charset="2"/>
+              <a:buChar char=""/>
+            </a:pPr>
+            <a:r>
+              <a:rPr b="0" lang="en-GB" sz="2800" spc="-1" strike="noStrike">
+                <a:solidFill>
+                  <a:srgbClr val="000000"/>
+                </a:solidFill>
+                <a:uFill>
+                  <a:solidFill>
+                    <a:srgbClr val="ffffff"/>
+                  </a:solidFill>
+                </a:uFill>
+                <a:latin typeface="Arial"/>
+                <a:ea typeface="DejaVu Sans"/>
+              </a:rPr>
+              <a:t>Charlotte - </a:t>
+            </a:r>
+            <a:r>
+              <a:rPr b="0" lang="en-GB" sz="2800" spc="-1" strike="noStrike" u="sng">
+                <a:solidFill>
+                  <a:srgbClr val="0000ff"/>
+                </a:solidFill>
+                <a:uFill>
+                  <a:solidFill>
+                    <a:srgbClr val="ffffff"/>
+                  </a:solidFill>
+                </a:uFill>
+                <a:latin typeface="Arial"/>
+                <a:ea typeface="DejaVu Sans"/>
+                <a:hlinkClick r:id="rId4"/>
+              </a:rPr>
+              <a:t>cmp2@aber.ac.uk</a:t>
+            </a:r>
+            <a:r>
+              <a:rPr b="0" lang="en-GB" sz="2800" spc="-1" strike="noStrike">
+                <a:solidFill>
+                  <a:srgbClr val="000000"/>
+                </a:solidFill>
+                <a:uFill>
+                  <a:solidFill>
+                    <a:srgbClr val="ffffff"/>
+                  </a:solidFill>
+                </a:uFill>
+                <a:latin typeface="Arial"/>
+                <a:ea typeface="DejaVu Sans"/>
+              </a:rPr>
+              <a:t> </a:t>
             </a:r>
             <a:endParaRPr b="0" lang="en-GB" sz="1800" spc="-1" strike="noStrike">
               <a:solidFill>
@@ -4287,13 +4831,13 @@
           <p:nvPr/>
         </p:nvPicPr>
         <p:blipFill>
-          <a:blip r:embed="rId2"/>
+          <a:blip r:embed="rId5"/>
           <a:stretch/>
         </p:blipFill>
         <p:spPr>
           <a:xfrm>
             <a:off x="0" y="0"/>
-            <a:ext cx="10077840" cy="1048320"/>
+            <a:ext cx="10077120" cy="1047600"/>
           </a:xfrm>
           <a:prstGeom prst="rect">
             <a:avLst/>
@@ -4303,16 +4847,39 @@
           </a:ln>
         </p:spPr>
       </p:pic>
-      <p:sp>
-        <p:nvSpPr>
-          <p:cNvPr id="80" name="CustomShape 3"/>
+      <p:pic>
+        <p:nvPicPr>
+          <p:cNvPr id="80" name="Picture 4" descr=""/>
+          <p:cNvPicPr/>
+          <p:nvPr/>
+        </p:nvPicPr>
+        <p:blipFill>
+          <a:blip r:embed="rId6"/>
+          <a:stretch/>
+        </p:blipFill>
+        <p:spPr>
+          <a:xfrm>
+            <a:off x="39240" y="0"/>
+            <a:ext cx="1067040" cy="1075680"/>
+          </a:xfrm>
+          <a:prstGeom prst="rect">
+            <a:avLst/>
+          </a:prstGeom>
+          <a:ln>
+            <a:noFill/>
+          </a:ln>
+        </p:spPr>
+      </p:pic>
+      <p:sp>
+        <p:nvSpPr>
+          <p:cNvPr id="81" name="CustomShape 3"/>
           <p:cNvSpPr/>
           <p:nvPr/>
         </p:nvSpPr>
         <p:spPr>
           <a:xfrm>
-            <a:off x="4608000" y="0"/>
-            <a:ext cx="5524560" cy="1062000"/>
+            <a:off x="2448000" y="0"/>
+            <a:ext cx="7684200" cy="1061640"/>
           </a:xfrm>
           <a:prstGeom prst="rect">
             <a:avLst/>
@@ -4349,7 +4916,7 @@
                 <a:latin typeface="Eras Bold ITC"/>
                 <a:ea typeface="DejaVu Sans"/>
               </a:rPr>
-              <a:t>www.aberrobotics.club</a:t>
+              <a:t>www.students.aberrobotics.club</a:t>
             </a:r>
             <a:endParaRPr b="0" lang="en-GB" sz="1800" spc="-1" strike="noStrike">
               <a:solidFill>
@@ -4365,29 +4932,6 @@
           </a:p>
         </p:txBody>
       </p:sp>
-      <p:pic>
-        <p:nvPicPr>
-          <p:cNvPr id="81" name="Picture 4" descr=""/>
-          <p:cNvPicPr/>
-          <p:nvPr/>
-        </p:nvPicPr>
-        <p:blipFill>
-          <a:blip r:embed="rId3"/>
-          <a:stretch/>
-        </p:blipFill>
-        <p:spPr>
-          <a:xfrm>
-            <a:off x="39240" y="0"/>
-            <a:ext cx="1067760" cy="1076400"/>
-          </a:xfrm>
-          <a:prstGeom prst="rect">
-            <a:avLst/>
-          </a:prstGeom>
-          <a:ln>
-            <a:noFill/>
-          </a:ln>
-        </p:spPr>
-      </p:pic>
     </p:spTree>
   </p:cSld>
   <p:timing>
@@ -4446,7 +4990,7 @@
         <p:spPr>
           <a:xfrm>
             <a:off x="504000" y="1467720"/>
-            <a:ext cx="9069480" cy="1260000"/>
+            <a:ext cx="9068760" cy="1259280"/>
           </a:xfrm>
           <a:prstGeom prst="rect">
             <a:avLst/>
@@ -4483,7 +5027,7 @@
                 <a:latin typeface="Arial"/>
                 <a:ea typeface="DejaVu Sans"/>
               </a:rPr>
-              <a:t>Clothes</a:t>
+              <a:t>Projects</a:t>
             </a:r>
             <a:endParaRPr b="0" lang="en-GB" sz="1800" spc="-1" strike="noStrike">
               <a:solidFill>
@@ -4508,7 +5052,7 @@
         <p:spPr>
           <a:xfrm>
             <a:off x="504000" y="2728440"/>
-            <a:ext cx="9069480" cy="4382280"/>
+            <a:ext cx="9068760" cy="4381560"/>
           </a:xfrm>
           <a:prstGeom prst="rect">
             <a:avLst/>
@@ -4527,7 +5071,7 @@
         <p:txBody>
           <a:bodyPr lIns="0" rIns="0" tIns="0" bIns="0"/>
           <a:p>
-            <a:pPr marL="432000" indent="-321840">
+            <a:pPr marL="432000" indent="-321120">
               <a:lnSpc>
                 <a:spcPct val="100000"/>
               </a:lnSpc>
@@ -4551,38 +5095,7 @@
                 <a:latin typeface="Arial"/>
                 <a:ea typeface="DejaVu Sans"/>
               </a:rPr>
-              <a:t>Sizes and prices at: </a:t>
-            </a:r>
-            <a:r>
-              <a:rPr b="0" lang="en-GB" sz="2800" spc="-1" strike="noStrike">
-                <a:solidFill>
-                  <a:srgbClr val="000000"/>
-                </a:solidFill>
-                <a:uFill>
-                  <a:solidFill>
-                    <a:srgbClr val="ffffff"/>
-                  </a:solidFill>
-                </a:uFill>
-                <a:latin typeface="Arial"/>
-                <a:ea typeface="DejaVu Sans"/>
-                <a:hlinkClick r:id="rId1"/>
-              </a:rPr>
-              <a:t>http://students.aberrobotics.club/shop</a:t>
-            </a:r>
-            <a:r>
-              <a:rPr b="0" lang="en-GB" sz="2800" spc="-1" strike="noStrike">
-                <a:solidFill>
-                  <a:srgbClr val="000000"/>
-                </a:solidFill>
-                <a:uFill>
-                  <a:solidFill>
-                    <a:srgbClr val="ffffff"/>
-                  </a:solidFill>
-                </a:uFill>
-                <a:latin typeface="Arial"/>
-                <a:ea typeface="DejaVu Sans"/>
-              </a:rPr>
-              <a:t> </a:t>
+              <a:t>Continuing with group/individual projects</a:t>
             </a:r>
             <a:endParaRPr b="0" lang="en-GB" sz="1800" spc="-1" strike="noStrike">
               <a:solidFill>
@@ -4597,7 +5110,7 @@
             </a:endParaRPr>
           </a:p>
           <a:p>
-            <a:pPr marL="432000" indent="-321840">
+            <a:pPr marL="432000" indent="-321120">
               <a:lnSpc>
                 <a:spcPct val="100000"/>
               </a:lnSpc>
@@ -4621,37 +5134,7 @@
                 <a:latin typeface="Arial"/>
                 <a:ea typeface="DejaVu Sans"/>
               </a:rPr>
-              <a:t>We will ordering and taking </a:t>
-            </a:r>
-            <a:r>
-              <a:rPr b="1" lang="en-GB" sz="2800" spc="-1" strike="noStrike" u="sng">
-                <a:solidFill>
-                  <a:srgbClr val="000000"/>
-                </a:solidFill>
-                <a:uFill>
-                  <a:solidFill>
-                    <a:srgbClr val="ffffff"/>
-                  </a:solidFill>
-                </a:uFill>
-                <a:latin typeface="Arial"/>
-                <a:ea typeface="DejaVu Sans"/>
-              </a:rPr>
-              <a:t>cash</a:t>
-            </a:r>
-            <a:r>
-              <a:rPr b="0" lang="en-GB" sz="2800" spc="-1" strike="noStrike">
-                <a:solidFill>
-                  <a:srgbClr val="000000"/>
-                </a:solidFill>
-                <a:uFill>
-                  <a:solidFill>
-                    <a:srgbClr val="ffffff"/>
-                  </a:solidFill>
-                </a:uFill>
-                <a:latin typeface="Arial"/>
-                <a:ea typeface="DejaVu Sans"/>
-              </a:rPr>
-              <a:t> Wednesday </a:t>
+              <a:t>£10 - £15 budget for all groups :)</a:t>
             </a:r>
             <a:endParaRPr b="0" lang="en-GB" sz="1800" spc="-1" strike="noStrike">
               <a:solidFill>
@@ -4666,7 +5149,7 @@
             </a:endParaRPr>
           </a:p>
           <a:p>
-            <a:pPr lvl="4" marL="1080000" indent="-216000">
+            <a:pPr marL="432000" indent="-321120">
               <a:lnSpc>
                 <a:spcPct val="100000"/>
               </a:lnSpc>
@@ -4690,37 +5173,7 @@
                 <a:latin typeface="Arial"/>
                 <a:ea typeface="DejaVu Sans"/>
               </a:rPr>
-              <a:t>14</a:t>
-            </a:r>
-            <a:r>
-              <a:rPr b="0" lang="en-GB" sz="2800" spc="-1" strike="noStrike" baseline="101000">
-                <a:solidFill>
-                  <a:srgbClr val="000000"/>
-                </a:solidFill>
-                <a:uFill>
-                  <a:solidFill>
-                    <a:srgbClr val="ffffff"/>
-                  </a:solidFill>
-                </a:uFill>
-                <a:latin typeface="Arial"/>
-                <a:ea typeface="DejaVu Sans"/>
-              </a:rPr>
-              <a:t>th</a:t>
-            </a:r>
-            <a:r>
-              <a:rPr b="0" lang="en-GB" sz="2800" spc="-1" strike="noStrike">
-                <a:solidFill>
-                  <a:srgbClr val="000000"/>
-                </a:solidFill>
-                <a:uFill>
-                  <a:solidFill>
-                    <a:srgbClr val="ffffff"/>
-                  </a:solidFill>
-                </a:uFill>
-                <a:latin typeface="Arial"/>
-                <a:ea typeface="DejaVu Sans"/>
-              </a:rPr>
-              <a:t> February 2018</a:t>
+              <a:t>Maybe a bit more later on in the year :) :)</a:t>
             </a:r>
             <a:endParaRPr b="0" lang="en-GB" sz="1800" spc="-1" strike="noStrike">
               <a:solidFill>
@@ -4735,7 +5188,7 @@
             </a:endParaRPr>
           </a:p>
           <a:p>
-            <a:pPr lvl="4" marL="1080000" indent="-216000">
+            <a:pPr marL="432000" indent="-321120">
               <a:lnSpc>
                 <a:spcPct val="100000"/>
               </a:lnSpc>
@@ -4759,37 +5212,7 @@
                 <a:latin typeface="Arial"/>
                 <a:ea typeface="DejaVu Sans"/>
               </a:rPr>
-              <a:t>21</a:t>
-            </a:r>
-            <a:r>
-              <a:rPr b="0" lang="en-GB" sz="2800" spc="-1" strike="noStrike" baseline="101000">
-                <a:solidFill>
-                  <a:srgbClr val="000000"/>
-                </a:solidFill>
-                <a:uFill>
-                  <a:solidFill>
-                    <a:srgbClr val="ffffff"/>
-                  </a:solidFill>
-                </a:uFill>
-                <a:latin typeface="Arial"/>
-                <a:ea typeface="DejaVu Sans"/>
-              </a:rPr>
-              <a:t>st</a:t>
-            </a:r>
-            <a:r>
-              <a:rPr b="0" lang="en-GB" sz="2800" spc="-1" strike="noStrike">
-                <a:solidFill>
-                  <a:srgbClr val="000000"/>
-                </a:solidFill>
-                <a:uFill>
-                  <a:solidFill>
-                    <a:srgbClr val="ffffff"/>
-                  </a:solidFill>
-                </a:uFill>
-                <a:latin typeface="Arial"/>
-                <a:ea typeface="DejaVu Sans"/>
-              </a:rPr>
-              <a:t> February 2018</a:t>
+              <a:t>For components we don’t already have…</a:t>
             </a:r>
             <a:endParaRPr b="0" lang="en-GB" sz="1800" spc="-1" strike="noStrike">
               <a:solidFill>
@@ -4804,7 +5227,7 @@
             </a:endParaRPr>
           </a:p>
           <a:p>
-            <a:pPr lvl="4" marL="1080000" indent="-216000">
+            <a:pPr marL="432000" indent="-321120">
               <a:lnSpc>
                 <a:spcPct val="100000"/>
               </a:lnSpc>
@@ -4828,130 +5251,7 @@
                 <a:latin typeface="Arial"/>
                 <a:ea typeface="DejaVu Sans"/>
               </a:rPr>
-              <a:t>28</a:t>
-            </a:r>
-            <a:r>
-              <a:rPr b="0" lang="en-GB" sz="2800" spc="-1" strike="noStrike" baseline="101000">
-                <a:solidFill>
-                  <a:srgbClr val="000000"/>
-                </a:solidFill>
-                <a:uFill>
-                  <a:solidFill>
-                    <a:srgbClr val="ffffff"/>
-                  </a:solidFill>
-                </a:uFill>
-                <a:latin typeface="Arial"/>
-                <a:ea typeface="DejaVu Sans"/>
-              </a:rPr>
-              <a:t>th</a:t>
-            </a:r>
-            <a:r>
-              <a:rPr b="0" lang="en-GB" sz="2800" spc="-1" strike="noStrike">
-                <a:solidFill>
-                  <a:srgbClr val="000000"/>
-                </a:solidFill>
-                <a:uFill>
-                  <a:solidFill>
-                    <a:srgbClr val="ffffff"/>
-                  </a:solidFill>
-                </a:uFill>
-                <a:latin typeface="Arial"/>
-                <a:ea typeface="DejaVu Sans"/>
-              </a:rPr>
-              <a:t> February 2018 – </a:t>
-            </a:r>
-            <a:r>
-              <a:rPr b="1" lang="en-GB" sz="2800" spc="-1" strike="noStrike" u="sng">
-                <a:solidFill>
-                  <a:srgbClr val="000000"/>
-                </a:solidFill>
-                <a:uFill>
-                  <a:solidFill>
-                    <a:srgbClr val="ffffff"/>
-                  </a:solidFill>
-                </a:uFill>
-                <a:latin typeface="Arial"/>
-                <a:ea typeface="DejaVu Sans"/>
-              </a:rPr>
-              <a:t>DEADLINE</a:t>
-            </a:r>
-            <a:endParaRPr b="0" lang="en-GB" sz="1800" spc="-1" strike="noStrike">
-              <a:solidFill>
-                <a:srgbClr val="000000"/>
-              </a:solidFill>
-              <a:uFill>
-                <a:solidFill>
-                  <a:srgbClr val="ffffff"/>
-                </a:solidFill>
-              </a:uFill>
-              <a:latin typeface="Arial"/>
-            </a:endParaRPr>
-          </a:p>
-          <a:p>
-            <a:pPr marL="432000" indent="-321840">
-              <a:lnSpc>
-                <a:spcPct val="100000"/>
-              </a:lnSpc>
-              <a:buClr>
-                <a:srgbClr val="000000"/>
-              </a:buClr>
-              <a:buSzPct val="45000"/>
-              <a:buFont typeface="Wingdings" charset="2"/>
-              <a:buChar char=""/>
-            </a:pPr>
-            <a:r>
-              <a:rPr b="0" lang="en-GB" sz="2800" spc="-1" strike="noStrike">
-                <a:solidFill>
-                  <a:srgbClr val="000000"/>
-                </a:solidFill>
-                <a:uFill>
-                  <a:solidFill>
-                    <a:srgbClr val="ffffff"/>
-                  </a:solidFill>
-                </a:uFill>
-                <a:latin typeface="Arial"/>
-                <a:ea typeface="DejaVu Sans"/>
-              </a:rPr>
-              <a:t>Phoebe will be managing orders</a:t>
-            </a:r>
-            <a:endParaRPr b="0" lang="en-GB" sz="1800" spc="-1" strike="noStrike">
-              <a:solidFill>
-                <a:srgbClr val="000000"/>
-              </a:solidFill>
-              <a:uFill>
-                <a:solidFill>
-                  <a:srgbClr val="ffffff"/>
-                </a:solidFill>
-              </a:uFill>
-              <a:latin typeface="Arial"/>
-            </a:endParaRPr>
-          </a:p>
-          <a:p>
-            <a:pPr marL="432000" indent="-321840">
-              <a:lnSpc>
-                <a:spcPct val="100000"/>
-              </a:lnSpc>
-              <a:buClr>
-                <a:srgbClr val="000000"/>
-              </a:buClr>
-              <a:buSzPct val="45000"/>
-              <a:buFont typeface="Wingdings" charset="2"/>
-              <a:buChar char=""/>
-            </a:pPr>
-            <a:r>
-              <a:rPr b="0" lang="en-GB" sz="2800" spc="-1" strike="noStrike">
-                <a:solidFill>
-                  <a:srgbClr val="000000"/>
-                </a:solidFill>
-                <a:uFill>
-                  <a:solidFill>
-                    <a:srgbClr val="ffffff"/>
-                  </a:solidFill>
-                </a:uFill>
-                <a:latin typeface="Arial"/>
-                <a:ea typeface="DejaVu Sans"/>
-              </a:rPr>
-              <a:t>Delivery around middle of March 2018</a:t>
+              <a:t>May not be enough for some groups, we’ll find extra funding/sponsors</a:t>
             </a:r>
             <a:endParaRPr b="0" lang="en-GB" sz="1800" spc="-1" strike="noStrike">
               <a:solidFill>
@@ -4974,13 +5274,36 @@
           <p:nvPr/>
         </p:nvPicPr>
         <p:blipFill>
+          <a:blip r:embed="rId1"/>
+          <a:stretch/>
+        </p:blipFill>
+        <p:spPr>
+          <a:xfrm>
+            <a:off x="0" y="0"/>
+            <a:ext cx="10077120" cy="1047600"/>
+          </a:xfrm>
+          <a:prstGeom prst="rect">
+            <a:avLst/>
+          </a:prstGeom>
+          <a:ln>
+            <a:noFill/>
+          </a:ln>
+        </p:spPr>
+      </p:pic>
+      <p:pic>
+        <p:nvPicPr>
+          <p:cNvPr id="85" name="Picture 4" descr=""/>
+          <p:cNvPicPr/>
+          <p:nvPr/>
+        </p:nvPicPr>
+        <p:blipFill>
           <a:blip r:embed="rId2"/>
           <a:stretch/>
         </p:blipFill>
         <p:spPr>
           <a:xfrm>
-            <a:off x="0" y="0"/>
-            <a:ext cx="10077840" cy="1048320"/>
+            <a:off x="39240" y="0"/>
+            <a:ext cx="1067040" cy="1075680"/>
           </a:xfrm>
           <a:prstGeom prst="rect">
             <a:avLst/>
@@ -4992,14 +5315,14 @@
       </p:pic>
       <p:sp>
         <p:nvSpPr>
-          <p:cNvPr id="85" name="CustomShape 3"/>
+          <p:cNvPr id="86" name="CustomShape 3"/>
           <p:cNvSpPr/>
           <p:nvPr/>
         </p:nvSpPr>
         <p:spPr>
           <a:xfrm>
-            <a:off x="4608000" y="0"/>
-            <a:ext cx="5524560" cy="1062000"/>
+            <a:off x="2448000" y="0"/>
+            <a:ext cx="7684200" cy="1061640"/>
           </a:xfrm>
           <a:prstGeom prst="rect">
             <a:avLst/>
@@ -5036,7 +5359,7 @@
                 <a:latin typeface="Eras Bold ITC"/>
                 <a:ea typeface="DejaVu Sans"/>
               </a:rPr>
-              <a:t>www.aberrobotics.club</a:t>
+              <a:t>www.students.aberrobotics.club</a:t>
             </a:r>
             <a:endParaRPr b="0" lang="en-GB" sz="1800" spc="-1" strike="noStrike">
               <a:solidFill>
@@ -5052,29 +5375,6 @@
           </a:p>
         </p:txBody>
       </p:sp>
-      <p:pic>
-        <p:nvPicPr>
-          <p:cNvPr id="86" name="Picture 4" descr=""/>
-          <p:cNvPicPr/>
-          <p:nvPr/>
-        </p:nvPicPr>
-        <p:blipFill>
-          <a:blip r:embed="rId3"/>
-          <a:stretch/>
-        </p:blipFill>
-        <p:spPr>
-          <a:xfrm>
-            <a:off x="39240" y="0"/>
-            <a:ext cx="1067760" cy="1076400"/>
-          </a:xfrm>
-          <a:prstGeom prst="rect">
-            <a:avLst/>
-          </a:prstGeom>
-          <a:ln>
-            <a:noFill/>
-          </a:ln>
-        </p:spPr>
-      </p:pic>
     </p:spTree>
   </p:cSld>
   <p:timing>
@@ -5132,8 +5432,8 @@
         </p:nvSpPr>
         <p:spPr>
           <a:xfrm>
-            <a:off x="504000" y="1467720"/>
-            <a:ext cx="9069480" cy="1260000"/>
+            <a:off x="504000" y="1404360"/>
+            <a:ext cx="9069120" cy="3165480"/>
           </a:xfrm>
           <a:prstGeom prst="rect">
             <a:avLst/>
@@ -5158,19 +5458,19 @@
               </a:lnSpc>
             </a:pPr>
             <a:r>
-              <a:rPr b="0" lang="en-GB" sz="4400" spc="-1" strike="noStrike">
-                <a:solidFill>
-                  <a:srgbClr val="000000"/>
-                </a:solidFill>
-                <a:uFill>
-                  <a:solidFill>
-                    <a:srgbClr val="ffffff"/>
-                  </a:solidFill>
-                </a:uFill>
-                <a:latin typeface="Arial"/>
-                <a:ea typeface="DejaVu Sans"/>
-              </a:rPr>
-              <a:t>Projects</a:t>
+              <a:rPr b="0" lang="en-GB" sz="4800" spc="-1" strike="noStrike">
+                <a:solidFill>
+                  <a:srgbClr val="000000"/>
+                </a:solidFill>
+                <a:uFill>
+                  <a:solidFill>
+                    <a:srgbClr val="ffffff"/>
+                  </a:solidFill>
+                </a:uFill>
+                <a:latin typeface="Arial"/>
+                <a:ea typeface="DejaVu Sans"/>
+              </a:rPr>
+              <a:t>Events and </a:t>
             </a:r>
             <a:endParaRPr b="0" lang="en-GB" sz="1800" spc="-1" strike="noStrike">
               <a:solidFill>
@@ -5184,178 +5484,26 @@
               <a:latin typeface="Arial"/>
             </a:endParaRPr>
           </a:p>
-        </p:txBody>
-      </p:sp>
-      <p:sp>
-        <p:nvSpPr>
-          <p:cNvPr id="88" name="CustomShape 2"/>
-          <p:cNvSpPr/>
-          <p:nvPr/>
-        </p:nvSpPr>
-        <p:spPr>
-          <a:xfrm>
-            <a:off x="504000" y="2728440"/>
-            <a:ext cx="9069480" cy="4382280"/>
-          </a:xfrm>
-          <a:prstGeom prst="rect">
-            <a:avLst/>
-          </a:prstGeom>
-          <a:noFill/>
-          <a:ln>
-            <a:noFill/>
-          </a:ln>
-        </p:spPr>
-        <p:style>
-          <a:lnRef idx="0"/>
-          <a:fillRef idx="0"/>
-          <a:effectRef idx="0"/>
-          <a:fontRef idx="minor"/>
-        </p:style>
-        <p:txBody>
-          <a:bodyPr lIns="0" rIns="0" tIns="0" bIns="0"/>
-          <a:p>
-            <a:pPr marL="432000" indent="-321840">
+          <a:p>
+            <a:pPr algn="ctr">
               <a:lnSpc>
                 <a:spcPct val="100000"/>
               </a:lnSpc>
-              <a:buClr>
-                <a:srgbClr val="000000"/>
-              </a:buClr>
-              <a:buSzPct val="45000"/>
-              <a:buFont typeface="Wingdings" charset="2"/>
-              <a:buChar char=""/>
             </a:pPr>
             <a:r>
-              <a:rPr b="0" lang="en-GB" sz="2800" spc="-1" strike="noStrike">
-                <a:solidFill>
-                  <a:srgbClr val="000000"/>
-                </a:solidFill>
-                <a:uFill>
-                  <a:solidFill>
-                    <a:srgbClr val="ffffff"/>
-                  </a:solidFill>
-                </a:uFill>
-                <a:latin typeface="Arial"/>
-                <a:ea typeface="DejaVu Sans"/>
-              </a:rPr>
-              <a:t>Continuing with group/individual projects</a:t>
-            </a:r>
-            <a:endParaRPr b="0" lang="en-GB" sz="1800" spc="-1" strike="noStrike">
-              <a:solidFill>
-                <a:srgbClr val="000000"/>
-              </a:solidFill>
-              <a:uFill>
-                <a:solidFill>
-                  <a:srgbClr val="ffffff"/>
-                </a:solidFill>
-              </a:uFill>
-              <a:latin typeface="Arial"/>
-            </a:endParaRPr>
-          </a:p>
-          <a:p>
-            <a:pPr marL="432000" indent="-321840">
-              <a:lnSpc>
-                <a:spcPct val="100000"/>
-              </a:lnSpc>
-              <a:buClr>
-                <a:srgbClr val="000000"/>
-              </a:buClr>
-              <a:buSzPct val="45000"/>
-              <a:buFont typeface="Wingdings" charset="2"/>
-              <a:buChar char=""/>
-            </a:pPr>
-            <a:r>
-              <a:rPr b="0" lang="en-GB" sz="2800" spc="-1" strike="noStrike">
-                <a:solidFill>
-                  <a:srgbClr val="000000"/>
-                </a:solidFill>
-                <a:uFill>
-                  <a:solidFill>
-                    <a:srgbClr val="ffffff"/>
-                  </a:solidFill>
-                </a:uFill>
-                <a:latin typeface="Arial"/>
-                <a:ea typeface="DejaVu Sans"/>
-              </a:rPr>
-              <a:t>£10 - £15 budget for all groups :)</a:t>
-            </a:r>
-            <a:endParaRPr b="0" lang="en-GB" sz="1800" spc="-1" strike="noStrike">
-              <a:solidFill>
-                <a:srgbClr val="000000"/>
-              </a:solidFill>
-              <a:uFill>
-                <a:solidFill>
-                  <a:srgbClr val="ffffff"/>
-                </a:solidFill>
-              </a:uFill>
-              <a:latin typeface="Arial"/>
-            </a:endParaRPr>
-          </a:p>
-          <a:p>
-            <a:pPr marL="432000" indent="-321840">
-              <a:lnSpc>
-                <a:spcPct val="100000"/>
-              </a:lnSpc>
-              <a:buClr>
-                <a:srgbClr val="000000"/>
-              </a:buClr>
-              <a:buSzPct val="45000"/>
-              <a:buFont typeface="Wingdings" charset="2"/>
-              <a:buChar char=""/>
-            </a:pPr>
-            <a:r>
-              <a:rPr b="0" lang="en-GB" sz="2800" spc="-1" strike="noStrike">
-                <a:solidFill>
-                  <a:srgbClr val="000000"/>
-                </a:solidFill>
-                <a:uFill>
-                  <a:solidFill>
-                    <a:srgbClr val="ffffff"/>
-                  </a:solidFill>
-                </a:uFill>
-                <a:latin typeface="Arial"/>
-                <a:ea typeface="DejaVu Sans"/>
-              </a:rPr>
-              <a:t>For components we don’t already have…</a:t>
-            </a:r>
-            <a:endParaRPr b="0" lang="en-GB" sz="1800" spc="-1" strike="noStrike">
-              <a:solidFill>
-                <a:srgbClr val="000000"/>
-              </a:solidFill>
-              <a:uFill>
-                <a:solidFill>
-                  <a:srgbClr val="ffffff"/>
-                </a:solidFill>
-              </a:uFill>
-              <a:latin typeface="Arial"/>
-            </a:endParaRPr>
-          </a:p>
-          <a:p>
-            <a:pPr marL="432000" indent="-321840">
-              <a:lnSpc>
-                <a:spcPct val="100000"/>
-              </a:lnSpc>
-              <a:buClr>
-                <a:srgbClr val="000000"/>
-              </a:buClr>
-              <a:buSzPct val="45000"/>
-              <a:buFont typeface="Wingdings" charset="2"/>
-              <a:buChar char=""/>
-            </a:pPr>
-            <a:r>
-              <a:rPr b="0" lang="en-GB" sz="2800" spc="-1" strike="noStrike">
-                <a:solidFill>
-                  <a:srgbClr val="000000"/>
-                </a:solidFill>
-                <a:uFill>
-                  <a:solidFill>
-                    <a:srgbClr val="ffffff"/>
-                  </a:solidFill>
-                </a:uFill>
-                <a:latin typeface="Arial"/>
-                <a:ea typeface="DejaVu Sans"/>
-              </a:rPr>
-              <a:t>May not be enough for some groups, we’ll find extra funding/sponsors</a:t>
+              <a:rPr b="0" lang="en-GB" sz="4800" spc="-1" strike="noStrike">
+                <a:solidFill>
+                  <a:srgbClr val="000000"/>
+                </a:solidFill>
+                <a:uFill>
+                  <a:solidFill>
+                    <a:srgbClr val="ffffff"/>
+                  </a:solidFill>
+                </a:uFill>
+                <a:latin typeface="Arial"/>
+                <a:ea typeface="DejaVu Sans"/>
+              </a:rPr>
+              <a:t>Dates for the Diary</a:t>
             </a:r>
             <a:endParaRPr b="0" lang="en-GB" sz="1800" spc="-1" strike="noStrike">
               <a:solidFill>
@@ -5373,7 +5521,7 @@
       </p:sp>
       <p:pic>
         <p:nvPicPr>
-          <p:cNvPr id="89" name="Picture 3" descr=""/>
+          <p:cNvPr id="88" name="Picture 3" descr=""/>
           <p:cNvPicPr/>
           <p:nvPr/>
         </p:nvPicPr>
@@ -5384,7 +5532,7 @@
         <p:spPr>
           <a:xfrm>
             <a:off x="0" y="0"/>
-            <a:ext cx="10077840" cy="1048320"/>
+            <a:ext cx="10077480" cy="1047960"/>
           </a:xfrm>
           <a:prstGeom prst="rect">
             <a:avLst/>
@@ -5394,71 +5542,9 @@
           </a:ln>
         </p:spPr>
       </p:pic>
-      <p:sp>
-        <p:nvSpPr>
-          <p:cNvPr id="90" name="CustomShape 3"/>
-          <p:cNvSpPr/>
-          <p:nvPr/>
-        </p:nvSpPr>
-        <p:spPr>
-          <a:xfrm>
-            <a:off x="4608000" y="0"/>
-            <a:ext cx="5524560" cy="1062000"/>
-          </a:xfrm>
-          <a:prstGeom prst="rect">
-            <a:avLst/>
-          </a:prstGeom>
-          <a:noFill/>
-          <a:ln>
-            <a:noFill/>
-          </a:ln>
-        </p:spPr>
-        <p:style>
-          <a:lnRef idx="0"/>
-          <a:fillRef idx="0"/>
-          <a:effectRef idx="0"/>
-          <a:fontRef idx="minor"/>
-        </p:style>
-        <p:txBody>
-          <a:bodyPr lIns="90000" rIns="90000" tIns="45000" bIns="45000"/>
-          <a:p>
-            <a:pPr>
-              <a:lnSpc>
-                <a:spcPct val="100000"/>
-              </a:lnSpc>
-            </a:pPr>
-            <a:r>
-              <a:rPr b="1" lang="en-GB" sz="3200" spc="-1" strike="noStrike">
-                <a:solidFill>
-                  <a:srgbClr val="000000"/>
-                </a:solidFill>
-                <a:uFill>
-                  <a:solidFill>
-                    <a:srgbClr val="ffffff"/>
-                  </a:solidFill>
-                </a:uFill>
-                <a:latin typeface="Eras Bold ITC"/>
-                <a:ea typeface="DejaVu Sans"/>
-              </a:rPr>
-              <a:t>www.aberrobotics.club</a:t>
-            </a:r>
-            <a:endParaRPr b="0" lang="en-GB" sz="1800" spc="-1" strike="noStrike">
-              <a:solidFill>
-                <a:srgbClr val="000000"/>
-              </a:solidFill>
-              <a:uFill>
-                <a:solidFill>
-                  <a:srgbClr val="ffffff"/>
-                </a:solidFill>
-              </a:uFill>
-              <a:latin typeface="Arial"/>
-            </a:endParaRPr>
-          </a:p>
-        </p:txBody>
-      </p:sp>
       <p:pic>
         <p:nvPicPr>
-          <p:cNvPr id="91" name="Picture 4" descr=""/>
+          <p:cNvPr id="89" name="Picture 4" descr=""/>
           <p:cNvPicPr/>
           <p:nvPr/>
         </p:nvPicPr>
@@ -5469,7 +5555,7 @@
         <p:spPr>
           <a:xfrm>
             <a:off x="39240" y="0"/>
-            <a:ext cx="1067760" cy="1076400"/>
+            <a:ext cx="1067400" cy="1076040"/>
           </a:xfrm>
           <a:prstGeom prst="rect">
             <a:avLst/>
@@ -5479,6 +5565,91 @@
           </a:ln>
         </p:spPr>
       </p:pic>
+      <p:pic>
+        <p:nvPicPr>
+          <p:cNvPr id="90" name="Picture 4" descr=""/>
+          <p:cNvPicPr/>
+          <p:nvPr/>
+        </p:nvPicPr>
+        <p:blipFill>
+          <a:blip r:embed="rId3"/>
+          <a:stretch/>
+        </p:blipFill>
+        <p:spPr>
+          <a:xfrm>
+            <a:off x="3718440" y="4659840"/>
+            <a:ext cx="2640600" cy="2661480"/>
+          </a:xfrm>
+          <a:prstGeom prst="rect">
+            <a:avLst/>
+          </a:prstGeom>
+          <a:ln>
+            <a:noFill/>
+          </a:ln>
+        </p:spPr>
+      </p:pic>
+      <p:sp>
+        <p:nvSpPr>
+          <p:cNvPr id="91" name="CustomShape 2"/>
+          <p:cNvSpPr/>
+          <p:nvPr/>
+        </p:nvSpPr>
+        <p:spPr>
+          <a:xfrm>
+            <a:off x="2448000" y="0"/>
+            <a:ext cx="7684200" cy="1061640"/>
+          </a:xfrm>
+          <a:prstGeom prst="rect">
+            <a:avLst/>
+          </a:prstGeom>
+          <a:noFill/>
+          <a:ln>
+            <a:noFill/>
+          </a:ln>
+        </p:spPr>
+        <p:style>
+          <a:lnRef idx="0"/>
+          <a:fillRef idx="0"/>
+          <a:effectRef idx="0"/>
+          <a:fontRef idx="minor"/>
+        </p:style>
+        <p:txBody>
+          <a:bodyPr lIns="90000" rIns="90000" tIns="45000" bIns="45000"/>
+          <a:p>
+            <a:pPr>
+              <a:lnSpc>
+                <a:spcPct val="100000"/>
+              </a:lnSpc>
+            </a:pPr>
+            <a:r>
+              <a:rPr b="1" lang="en-GB" sz="3200" spc="-1" strike="noStrike">
+                <a:solidFill>
+                  <a:srgbClr val="000000"/>
+                </a:solidFill>
+                <a:uFill>
+                  <a:solidFill>
+                    <a:srgbClr val="ffffff"/>
+                  </a:solidFill>
+                </a:uFill>
+                <a:latin typeface="Eras Bold ITC"/>
+                <a:ea typeface="DejaVu Sans"/>
+              </a:rPr>
+              <a:t>www.students.aberrobotics.club</a:t>
+            </a:r>
+            <a:endParaRPr b="0" lang="en-GB" sz="1800" spc="-1" strike="noStrike">
+              <a:solidFill>
+                <a:srgbClr val="000000"/>
+              </a:solidFill>
+              <a:uFill>
+                <a:solidFill>
+                  <a:srgbClr val="ffffff"/>
+                </a:solidFill>
+              </a:uFill>
+              <a:latin typeface="Arial"/>
+            </a:endParaRPr>
+          </a:p>
+        </p:txBody>
+      </p:sp>
     </p:spTree>
   </p:cSld>
   <p:timing>
@@ -5537,7 +5708,7 @@
         <p:spPr>
           <a:xfrm>
             <a:off x="504000" y="1467720"/>
-            <a:ext cx="9069480" cy="1260000"/>
+            <a:ext cx="9068760" cy="1259280"/>
           </a:xfrm>
           <a:prstGeom prst="rect">
             <a:avLst/>
@@ -5574,7 +5745,7 @@
                 <a:latin typeface="Arial"/>
                 <a:ea typeface="DejaVu Sans"/>
               </a:rPr>
-              <a:t>Guest Speakers</a:t>
+              <a:t>Clothes</a:t>
             </a:r>
             <a:endParaRPr b="0" lang="en-GB" sz="1800" spc="-1" strike="noStrike">
               <a:solidFill>
@@ -5599,7 +5770,7 @@
         <p:spPr>
           <a:xfrm>
             <a:off x="504000" y="2728440"/>
-            <a:ext cx="9069480" cy="4382280"/>
+            <a:ext cx="9068760" cy="4381560"/>
           </a:xfrm>
           <a:prstGeom prst="rect">
             <a:avLst/>
@@ -5618,7 +5789,7 @@
         <p:txBody>
           <a:bodyPr lIns="0" rIns="0" tIns="0" bIns="0"/>
           <a:p>
-            <a:pPr marL="432000" indent="-321840">
+            <a:pPr marL="432000" indent="-321120">
               <a:lnSpc>
                 <a:spcPct val="100000"/>
               </a:lnSpc>
@@ -5642,7 +5813,38 @@
                 <a:latin typeface="Arial"/>
                 <a:ea typeface="DejaVu Sans"/>
               </a:rPr>
-              <a:t>We are looking for some interesting guest speakers</a:t>
+              <a:t>Sizes and prices at: </a:t>
+            </a:r>
+            <a:r>
+              <a:rPr b="0" lang="en-GB" sz="2800" spc="-1" strike="noStrike" u="sng">
+                <a:solidFill>
+                  <a:srgbClr val="0000ff"/>
+                </a:solidFill>
+                <a:uFill>
+                  <a:solidFill>
+                    <a:srgbClr val="ffffff"/>
+                  </a:solidFill>
+                </a:uFill>
+                <a:latin typeface="Arial"/>
+                <a:ea typeface="DejaVu Sans"/>
+                <a:hlinkClick r:id="rId1"/>
+              </a:rPr>
+              <a:t>http://students.aberrobotics.club/shop</a:t>
+            </a:r>
+            <a:r>
+              <a:rPr b="0" lang="en-GB" sz="2800" spc="-1" strike="noStrike">
+                <a:solidFill>
+                  <a:srgbClr val="000000"/>
+                </a:solidFill>
+                <a:uFill>
+                  <a:solidFill>
+                    <a:srgbClr val="ffffff"/>
+                  </a:solidFill>
+                </a:uFill>
+                <a:latin typeface="Arial"/>
+                <a:ea typeface="DejaVu Sans"/>
+              </a:rPr>
+              <a:t> </a:t>
             </a:r>
             <a:endParaRPr b="0" lang="en-GB" sz="1800" spc="-1" strike="noStrike">
               <a:solidFill>
@@ -5657,7 +5859,7 @@
             </a:endParaRPr>
           </a:p>
           <a:p>
-            <a:pPr marL="432000" indent="-321840">
+            <a:pPr marL="432000" indent="-321120">
               <a:lnSpc>
                 <a:spcPct val="100000"/>
               </a:lnSpc>
@@ -5681,7 +5883,37 @@
                 <a:latin typeface="Arial"/>
                 <a:ea typeface="DejaVu Sans"/>
               </a:rPr>
-              <a:t>ExoMars</a:t>
+              <a:t>We will be ordering and taking </a:t>
+            </a:r>
+            <a:r>
+              <a:rPr b="1" lang="en-GB" sz="2800" spc="-1" strike="noStrike" u="sng">
+                <a:solidFill>
+                  <a:srgbClr val="000000"/>
+                </a:solidFill>
+                <a:uFill>
+                  <a:solidFill>
+                    <a:srgbClr val="ffffff"/>
+                  </a:solidFill>
+                </a:uFill>
+                <a:latin typeface="Arial"/>
+                <a:ea typeface="DejaVu Sans"/>
+              </a:rPr>
+              <a:t>cash</a:t>
+            </a:r>
+            <a:r>
+              <a:rPr b="0" lang="en-GB" sz="2800" spc="-1" strike="noStrike">
+                <a:solidFill>
+                  <a:srgbClr val="000000"/>
+                </a:solidFill>
+                <a:uFill>
+                  <a:solidFill>
+                    <a:srgbClr val="ffffff"/>
+                  </a:solidFill>
+                </a:uFill>
+                <a:latin typeface="Arial"/>
+                <a:ea typeface="DejaVu Sans"/>
+              </a:rPr>
+              <a:t> Wednesday </a:t>
             </a:r>
             <a:endParaRPr b="0" lang="en-GB" sz="1800" spc="-1" strike="noStrike">
               <a:solidFill>
@@ -5696,7 +5928,7 @@
             </a:endParaRPr>
           </a:p>
           <a:p>
-            <a:pPr marL="432000" indent="-321840">
+            <a:pPr lvl="4" marL="1080000" indent="-215280">
               <a:lnSpc>
                 <a:spcPct val="100000"/>
               </a:lnSpc>
@@ -5720,7 +5952,37 @@
                 <a:latin typeface="Arial"/>
                 <a:ea typeface="DejaVu Sans"/>
               </a:rPr>
-              <a:t>Research – Intelligent Robotics</a:t>
+              <a:t>14</a:t>
+            </a:r>
+            <a:r>
+              <a:rPr b="0" lang="en-GB" sz="2800" spc="-1" strike="noStrike" baseline="101000">
+                <a:solidFill>
+                  <a:srgbClr val="000000"/>
+                </a:solidFill>
+                <a:uFill>
+                  <a:solidFill>
+                    <a:srgbClr val="ffffff"/>
+                  </a:solidFill>
+                </a:uFill>
+                <a:latin typeface="Arial"/>
+                <a:ea typeface="DejaVu Sans"/>
+              </a:rPr>
+              <a:t>th</a:t>
+            </a:r>
+            <a:r>
+              <a:rPr b="0" lang="en-GB" sz="2800" spc="-1" strike="noStrike">
+                <a:solidFill>
+                  <a:srgbClr val="000000"/>
+                </a:solidFill>
+                <a:uFill>
+                  <a:solidFill>
+                    <a:srgbClr val="ffffff"/>
+                  </a:solidFill>
+                </a:uFill>
+                <a:latin typeface="Arial"/>
+                <a:ea typeface="DejaVu Sans"/>
+              </a:rPr>
+              <a:t> February 2018</a:t>
             </a:r>
             <a:endParaRPr b="0" lang="en-GB" sz="1800" spc="-1" strike="noStrike">
               <a:solidFill>
@@ -5735,7 +5997,7 @@
             </a:endParaRPr>
           </a:p>
           <a:p>
-            <a:pPr lvl="4" marL="1080000" indent="-216000">
+            <a:pPr lvl="4" marL="1080000" indent="-215280">
               <a:lnSpc>
                 <a:spcPct val="100000"/>
               </a:lnSpc>
@@ -5759,7 +6021,37 @@
                 <a:latin typeface="Arial"/>
                 <a:ea typeface="DejaVu Sans"/>
               </a:rPr>
-              <a:t>iCub</a:t>
+              <a:t>21</a:t>
+            </a:r>
+            <a:r>
+              <a:rPr b="0" lang="en-GB" sz="2800" spc="-1" strike="noStrike" baseline="101000">
+                <a:solidFill>
+                  <a:srgbClr val="000000"/>
+                </a:solidFill>
+                <a:uFill>
+                  <a:solidFill>
+                    <a:srgbClr val="ffffff"/>
+                  </a:solidFill>
+                </a:uFill>
+                <a:latin typeface="Arial"/>
+                <a:ea typeface="DejaVu Sans"/>
+              </a:rPr>
+              <a:t>st</a:t>
+            </a:r>
+            <a:r>
+              <a:rPr b="0" lang="en-GB" sz="2800" spc="-1" strike="noStrike">
+                <a:solidFill>
+                  <a:srgbClr val="000000"/>
+                </a:solidFill>
+                <a:uFill>
+                  <a:solidFill>
+                    <a:srgbClr val="ffffff"/>
+                  </a:solidFill>
+                </a:uFill>
+                <a:latin typeface="Arial"/>
+                <a:ea typeface="DejaVu Sans"/>
+              </a:rPr>
+              <a:t> February 2018</a:t>
             </a:r>
             <a:endParaRPr b="0" lang="en-GB" sz="1800" spc="-1" strike="noStrike">
               <a:solidFill>
@@ -5774,7 +6066,7 @@
             </a:endParaRPr>
           </a:p>
           <a:p>
-            <a:pPr lvl="4" marL="1080000" indent="-216000">
+            <a:pPr lvl="4" marL="1080000" indent="-215280">
               <a:lnSpc>
                 <a:spcPct val="100000"/>
               </a:lnSpc>
@@ -5798,7 +6090,52 @@
                 <a:latin typeface="Arial"/>
                 <a:ea typeface="DejaVu Sans"/>
               </a:rPr>
-              <a:t>Idris – path finding using cameras and ROS</a:t>
+              <a:t>28</a:t>
+            </a:r>
+            <a:r>
+              <a:rPr b="0" lang="en-GB" sz="2800" spc="-1" strike="noStrike" baseline="101000">
+                <a:solidFill>
+                  <a:srgbClr val="000000"/>
+                </a:solidFill>
+                <a:uFill>
+                  <a:solidFill>
+                    <a:srgbClr val="ffffff"/>
+                  </a:solidFill>
+                </a:uFill>
+                <a:latin typeface="Arial"/>
+                <a:ea typeface="DejaVu Sans"/>
+              </a:rPr>
+              <a:t>th</a:t>
+            </a:r>
+            <a:r>
+              <a:rPr b="0" lang="en-GB" sz="2800" spc="-1" strike="noStrike">
+                <a:solidFill>
+                  <a:srgbClr val="000000"/>
+                </a:solidFill>
+                <a:uFill>
+                  <a:solidFill>
+                    <a:srgbClr val="ffffff"/>
+                  </a:solidFill>
+                </a:uFill>
+                <a:latin typeface="Arial"/>
+                <a:ea typeface="DejaVu Sans"/>
+              </a:rPr>
+              <a:t> February 2018 – </a:t>
+            </a:r>
+            <a:r>
+              <a:rPr b="1" lang="en-GB" sz="2800" spc="-1" strike="noStrike" u="sng">
+                <a:solidFill>
+                  <a:srgbClr val="000000"/>
+                </a:solidFill>
+                <a:uFill>
+                  <a:solidFill>
+                    <a:srgbClr val="ffffff"/>
+                  </a:solidFill>
+                </a:uFill>
+                <a:latin typeface="Arial"/>
+                <a:ea typeface="DejaVu Sans"/>
+              </a:rPr>
+              <a:t>DEADLINE</a:t>
             </a:r>
             <a:endParaRPr b="0" lang="en-GB" sz="1800" spc="-1" strike="noStrike">
               <a:solidFill>
@@ -5813,7 +6150,7 @@
             </a:endParaRPr>
           </a:p>
           <a:p>
-            <a:pPr lvl="4" marL="1080000" indent="-216000">
+            <a:pPr marL="432000" indent="-321120">
               <a:lnSpc>
                 <a:spcPct val="100000"/>
               </a:lnSpc>
@@ -5837,7 +6174,7 @@
                 <a:latin typeface="Arial"/>
                 <a:ea typeface="DejaVu Sans"/>
               </a:rPr>
-              <a:t>UAV and aerial mapping</a:t>
+              <a:t>Phoebe will be managing the orders</a:t>
             </a:r>
             <a:endParaRPr b="0" lang="en-GB" sz="1800" spc="-1" strike="noStrike">
               <a:solidFill>
@@ -5852,7 +6189,7 @@
             </a:endParaRPr>
           </a:p>
           <a:p>
-            <a:pPr marL="432000" indent="-321840">
+            <a:pPr marL="432000" indent="-321120">
               <a:lnSpc>
                 <a:spcPct val="100000"/>
               </a:lnSpc>
@@ -5876,76 +6213,7 @@
                 <a:latin typeface="Arial"/>
                 <a:ea typeface="DejaVu Sans"/>
               </a:rPr>
-              <a:t>Interactive Robotics</a:t>
-            </a:r>
-            <a:endParaRPr b="0" lang="en-GB" sz="1800" spc="-1" strike="noStrike">
-              <a:solidFill>
-                <a:srgbClr val="000000"/>
-              </a:solidFill>
-              <a:uFill>
-                <a:solidFill>
-                  <a:srgbClr val="ffffff"/>
-                </a:solidFill>
-              </a:uFill>
-              <a:latin typeface="Arial"/>
-            </a:endParaRPr>
-          </a:p>
-          <a:p>
-            <a:pPr marL="432000" indent="-321840">
-              <a:lnSpc>
-                <a:spcPct val="100000"/>
-              </a:lnSpc>
-              <a:buClr>
-                <a:srgbClr val="000000"/>
-              </a:buClr>
-              <a:buSzPct val="45000"/>
-              <a:buFont typeface="Wingdings" charset="2"/>
-              <a:buChar char=""/>
-            </a:pPr>
-            <a:r>
-              <a:rPr b="0" lang="en-GB" sz="2800" spc="-1" strike="noStrike">
-                <a:solidFill>
-                  <a:srgbClr val="000000"/>
-                </a:solidFill>
-                <a:uFill>
-                  <a:solidFill>
-                    <a:srgbClr val="ffffff"/>
-                  </a:solidFill>
-                </a:uFill>
-                <a:latin typeface="Arial"/>
-                <a:ea typeface="DejaVu Sans"/>
-              </a:rPr>
-              <a:t>3</a:t>
-            </a:r>
-            <a:r>
-              <a:rPr b="0" lang="en-GB" sz="2800" spc="-1" strike="noStrike" baseline="101000">
-                <a:solidFill>
-                  <a:srgbClr val="000000"/>
-                </a:solidFill>
-                <a:uFill>
-                  <a:solidFill>
-                    <a:srgbClr val="ffffff"/>
-                  </a:solidFill>
-                </a:uFill>
-                <a:latin typeface="Arial"/>
-                <a:ea typeface="DejaVu Sans"/>
-              </a:rPr>
-              <a:t>rd</a:t>
-            </a:r>
-            <a:r>
-              <a:rPr b="0" lang="en-GB" sz="2800" spc="-1" strike="noStrike">
-                <a:solidFill>
-                  <a:srgbClr val="000000"/>
-                </a:solidFill>
-                <a:uFill>
-                  <a:solidFill>
-                    <a:srgbClr val="ffffff"/>
-                  </a:solidFill>
-                </a:uFill>
-                <a:latin typeface="Arial"/>
-                <a:ea typeface="DejaVu Sans"/>
-              </a:rPr>
-              <a:t> Year Projects – AI and Robotics</a:t>
+              <a:t>Delivery around middle of March 2018 – ready for Science Week</a:t>
             </a:r>
             <a:endParaRPr b="0" lang="en-GB" sz="1800" spc="-1" strike="noStrike">
               <a:solidFill>
@@ -5968,13 +6236,13 @@
           <p:nvPr/>
         </p:nvPicPr>
         <p:blipFill>
-          <a:blip r:embed="rId1"/>
+          <a:blip r:embed="rId2"/>
           <a:stretch/>
         </p:blipFill>
         <p:spPr>
           <a:xfrm>
             <a:off x="0" y="0"/>
-            <a:ext cx="10077840" cy="1048320"/>
+            <a:ext cx="10077120" cy="1047600"/>
           </a:xfrm>
           <a:prstGeom prst="rect">
             <a:avLst/>
@@ -5984,16 +6252,39 @@
           </a:ln>
         </p:spPr>
       </p:pic>
-      <p:sp>
-        <p:nvSpPr>
-          <p:cNvPr id="95" name="CustomShape 3"/>
+      <p:pic>
+        <p:nvPicPr>
+          <p:cNvPr id="95" name="Picture 4" descr=""/>
+          <p:cNvPicPr/>
+          <p:nvPr/>
+        </p:nvPicPr>
+        <p:blipFill>
+          <a:blip r:embed="rId3"/>
+          <a:stretch/>
+        </p:blipFill>
+        <p:spPr>
+          <a:xfrm>
+            <a:off x="39240" y="0"/>
+            <a:ext cx="1067040" cy="1075680"/>
+          </a:xfrm>
+          <a:prstGeom prst="rect">
+            <a:avLst/>
+          </a:prstGeom>
+          <a:ln>
+            <a:noFill/>
+          </a:ln>
+        </p:spPr>
+      </p:pic>
+      <p:sp>
+        <p:nvSpPr>
+          <p:cNvPr id="96" name="CustomShape 3"/>
           <p:cNvSpPr/>
           <p:nvPr/>
         </p:nvSpPr>
         <p:spPr>
           <a:xfrm>
-            <a:off x="4608000" y="0"/>
-            <a:ext cx="5524560" cy="1062000"/>
+            <a:off x="2448000" y="0"/>
+            <a:ext cx="7684200" cy="1061640"/>
           </a:xfrm>
           <a:prstGeom prst="rect">
             <a:avLst/>
@@ -6030,7 +6321,7 @@
                 <a:latin typeface="Eras Bold ITC"/>
                 <a:ea typeface="DejaVu Sans"/>
               </a:rPr>
-              <a:t>www.aberrobotics.club</a:t>
+              <a:t>www.students.aberrobotics.club</a:t>
             </a:r>
             <a:endParaRPr b="0" lang="en-GB" sz="1800" spc="-1" strike="noStrike">
               <a:solidFill>
@@ -6046,29 +6337,6 @@
           </a:p>
         </p:txBody>
       </p:sp>
-      <p:pic>
-        <p:nvPicPr>
-          <p:cNvPr id="96" name="Picture 4" descr=""/>
-          <p:cNvPicPr/>
-          <p:nvPr/>
-        </p:nvPicPr>
-        <p:blipFill>
-          <a:blip r:embed="rId2"/>
-          <a:stretch/>
-        </p:blipFill>
-        <p:spPr>
-          <a:xfrm>
-            <a:off x="39240" y="0"/>
-            <a:ext cx="1067760" cy="1076400"/>
-          </a:xfrm>
-          <a:prstGeom prst="rect">
-            <a:avLst/>
-          </a:prstGeom>
-          <a:ln>
-            <a:noFill/>
-          </a:ln>
-        </p:spPr>
-      </p:pic>
     </p:spTree>
   </p:cSld>
   <p:timing>
@@ -6127,7 +6395,7 @@
         <p:spPr>
           <a:xfrm>
             <a:off x="504000" y="1467720"/>
-            <a:ext cx="9069480" cy="1260000"/>
+            <a:ext cx="9068760" cy="1259280"/>
           </a:xfrm>
           <a:prstGeom prst="rect">
             <a:avLst/>
@@ -6164,7 +6432,7 @@
                 <a:latin typeface="Arial"/>
                 <a:ea typeface="DejaVu Sans"/>
               </a:rPr>
-              <a:t>Have Fun!</a:t>
+              <a:t>AGM</a:t>
             </a:r>
             <a:endParaRPr b="0" lang="en-GB" sz="1800" spc="-1" strike="noStrike">
               <a:solidFill>
@@ -6189,7 +6457,7 @@
         <p:spPr>
           <a:xfrm>
             <a:off x="504000" y="2728440"/>
-            <a:ext cx="9069480" cy="4382280"/>
+            <a:ext cx="9068760" cy="4381560"/>
           </a:xfrm>
           <a:prstGeom prst="rect">
             <a:avLst/>
@@ -6205,6 +6473,289 @@
           <a:effectRef idx="0"/>
           <a:fontRef idx="minor"/>
         </p:style>
+        <p:txBody>
+          <a:bodyPr lIns="0" rIns="0" tIns="0" bIns="0"/>
+          <a:p>
+            <a:pPr marL="432000" indent="-321120">
+              <a:lnSpc>
+                <a:spcPct val="100000"/>
+              </a:lnSpc>
+              <a:buClr>
+                <a:srgbClr val="000000"/>
+              </a:buClr>
+              <a:buSzPct val="45000"/>
+              <a:buFont typeface="Wingdings" charset="2"/>
+              <a:buChar char=""/>
+            </a:pPr>
+            <a:r>
+              <a:rPr b="0" lang="en-GB" sz="2800" spc="-1" strike="noStrike">
+                <a:solidFill>
+                  <a:srgbClr val="000000"/>
+                </a:solidFill>
+                <a:uFill>
+                  <a:solidFill>
+                    <a:srgbClr val="ffffff"/>
+                  </a:solidFill>
+                </a:uFill>
+                <a:latin typeface="Arial"/>
+                <a:ea typeface="DejaVu Sans"/>
+              </a:rPr>
+              <a:t>Annual General Meeting</a:t>
+            </a:r>
+            <a:endParaRPr b="0" lang="en-GB" sz="1800" spc="-1" strike="noStrike">
+              <a:solidFill>
+                <a:srgbClr val="000000"/>
+              </a:solidFill>
+              <a:uFill>
+                <a:solidFill>
+                  <a:srgbClr val="ffffff"/>
+                </a:solidFill>
+              </a:uFill>
+              <a:latin typeface="Arial"/>
+            </a:endParaRPr>
+          </a:p>
+          <a:p>
+            <a:pPr marL="432000" indent="-321120">
+              <a:lnSpc>
+                <a:spcPct val="100000"/>
+              </a:lnSpc>
+              <a:buClr>
+                <a:srgbClr val="000000"/>
+              </a:buClr>
+              <a:buSzPct val="45000"/>
+              <a:buFont typeface="Wingdings" charset="2"/>
+              <a:buChar char=""/>
+            </a:pPr>
+            <a:r>
+              <a:rPr b="0" lang="en-GB" sz="2800" spc="-1" strike="noStrike">
+                <a:solidFill>
+                  <a:srgbClr val="000000"/>
+                </a:solidFill>
+                <a:uFill>
+                  <a:solidFill>
+                    <a:srgbClr val="ffffff"/>
+                  </a:solidFill>
+                </a:uFill>
+                <a:latin typeface="Arial"/>
+                <a:ea typeface="DejaVu Sans"/>
+              </a:rPr>
+              <a:t>28</a:t>
+            </a:r>
+            <a:r>
+              <a:rPr b="0" lang="en-GB" sz="2800" spc="-1" strike="noStrike" baseline="101000">
+                <a:solidFill>
+                  <a:srgbClr val="000000"/>
+                </a:solidFill>
+                <a:uFill>
+                  <a:solidFill>
+                    <a:srgbClr val="ffffff"/>
+                  </a:solidFill>
+                </a:uFill>
+                <a:latin typeface="Arial"/>
+                <a:ea typeface="DejaVu Sans"/>
+              </a:rPr>
+              <a:t>th</a:t>
+            </a:r>
+            <a:r>
+              <a:rPr b="0" lang="en-GB" sz="2800" spc="-1" strike="noStrike">
+                <a:solidFill>
+                  <a:srgbClr val="000000"/>
+                </a:solidFill>
+                <a:uFill>
+                  <a:solidFill>
+                    <a:srgbClr val="ffffff"/>
+                  </a:solidFill>
+                </a:uFill>
+                <a:latin typeface="Arial"/>
+                <a:ea typeface="DejaVu Sans"/>
+              </a:rPr>
+              <a:t> February 2018</a:t>
+            </a:r>
+            <a:endParaRPr b="0" lang="en-GB" sz="1800" spc="-1" strike="noStrike">
+              <a:solidFill>
+                <a:srgbClr val="000000"/>
+              </a:solidFill>
+              <a:uFill>
+                <a:solidFill>
+                  <a:srgbClr val="ffffff"/>
+                </a:solidFill>
+              </a:uFill>
+              <a:latin typeface="Arial"/>
+            </a:endParaRPr>
+          </a:p>
+          <a:p>
+            <a:pPr marL="432000" indent="-321120">
+              <a:lnSpc>
+                <a:spcPct val="100000"/>
+              </a:lnSpc>
+              <a:buClr>
+                <a:srgbClr val="000000"/>
+              </a:buClr>
+              <a:buSzPct val="45000"/>
+              <a:buFont typeface="Wingdings" charset="2"/>
+              <a:buChar char=""/>
+            </a:pPr>
+            <a:r>
+              <a:rPr b="0" lang="en-GB" sz="2800" spc="-1" strike="noStrike">
+                <a:solidFill>
+                  <a:srgbClr val="000000"/>
+                </a:solidFill>
+                <a:uFill>
+                  <a:solidFill>
+                    <a:srgbClr val="ffffff"/>
+                  </a:solidFill>
+                </a:uFill>
+                <a:latin typeface="Arial"/>
+                <a:ea typeface="DejaVu Sans"/>
+              </a:rPr>
+              <a:t>Probably take about 30 minutes</a:t>
+            </a:r>
+            <a:endParaRPr b="0" lang="en-GB" sz="1800" spc="-1" strike="noStrike">
+              <a:solidFill>
+                <a:srgbClr val="000000"/>
+              </a:solidFill>
+              <a:uFill>
+                <a:solidFill>
+                  <a:srgbClr val="ffffff"/>
+                </a:solidFill>
+              </a:uFill>
+              <a:latin typeface="Arial"/>
+            </a:endParaRPr>
+          </a:p>
+          <a:p>
+            <a:pPr marL="432000" indent="-321120">
+              <a:lnSpc>
+                <a:spcPct val="100000"/>
+              </a:lnSpc>
+              <a:buClr>
+                <a:srgbClr val="000000"/>
+              </a:buClr>
+              <a:buSzPct val="45000"/>
+              <a:buFont typeface="Wingdings" charset="2"/>
+              <a:buChar char=""/>
+            </a:pPr>
+            <a:r>
+              <a:rPr b="0" lang="en-GB" sz="2800" spc="-1" strike="noStrike">
+                <a:solidFill>
+                  <a:srgbClr val="000000"/>
+                </a:solidFill>
+                <a:uFill>
+                  <a:solidFill>
+                    <a:srgbClr val="ffffff"/>
+                  </a:solidFill>
+                </a:uFill>
+                <a:latin typeface="Arial"/>
+                <a:ea typeface="DejaVu Sans"/>
+              </a:rPr>
+              <a:t>During club times on a Wednesday 1:30-3PM</a:t>
+            </a:r>
+            <a:endParaRPr b="0" lang="en-GB" sz="1800" spc="-1" strike="noStrike">
+              <a:solidFill>
+                <a:srgbClr val="000000"/>
+              </a:solidFill>
+              <a:uFill>
+                <a:solidFill>
+                  <a:srgbClr val="ffffff"/>
+                </a:solidFill>
+              </a:uFill>
+              <a:latin typeface="Arial"/>
+            </a:endParaRPr>
+          </a:p>
+          <a:p>
+            <a:pPr marL="432000" indent="-321120" algn="ctr">
+              <a:lnSpc>
+                <a:spcPct val="100000"/>
+              </a:lnSpc>
+              <a:buClr>
+                <a:srgbClr val="000000"/>
+              </a:buClr>
+              <a:buSzPct val="45000"/>
+              <a:buFont typeface="Wingdings" charset="2"/>
+              <a:buChar char=""/>
+            </a:pPr>
+            <a:r>
+              <a:rPr b="1" lang="en-GB" sz="2800" spc="-1" strike="noStrike" u="sng">
+                <a:solidFill>
+                  <a:srgbClr val="000000"/>
+                </a:solidFill>
+                <a:uFill>
+                  <a:solidFill>
+                    <a:srgbClr val="ffffff"/>
+                  </a:solidFill>
+                </a:uFill>
+                <a:latin typeface="Arial"/>
+                <a:ea typeface="DejaVu Sans"/>
+              </a:rPr>
+              <a:t>WE WANT YOU!</a:t>
+            </a:r>
+            <a:endParaRPr b="0" lang="en-GB" sz="1800" spc="-1" strike="noStrike">
+              <a:solidFill>
+                <a:srgbClr val="000000"/>
+              </a:solidFill>
+              <a:uFill>
+                <a:solidFill>
+                  <a:srgbClr val="ffffff"/>
+                </a:solidFill>
+              </a:uFill>
+              <a:latin typeface="Arial"/>
+            </a:endParaRPr>
+          </a:p>
+          <a:p>
+            <a:pPr marL="432000" indent="-321120" algn="ctr">
+              <a:lnSpc>
+                <a:spcPct val="100000"/>
+              </a:lnSpc>
+              <a:buClr>
+                <a:srgbClr val="000000"/>
+              </a:buClr>
+              <a:buSzPct val="45000"/>
+              <a:buFont typeface="Wingdings" charset="2"/>
+              <a:buChar char=""/>
+            </a:pPr>
+            <a:r>
+              <a:rPr b="0" lang="en-GB" sz="2800" spc="-1" strike="noStrike">
+                <a:solidFill>
+                  <a:srgbClr val="000000"/>
+                </a:solidFill>
+                <a:uFill>
+                  <a:solidFill>
+                    <a:srgbClr val="ffffff"/>
+                  </a:solidFill>
+                </a:uFill>
+                <a:latin typeface="Arial"/>
+                <a:ea typeface="DejaVu Sans"/>
+                <a:hlinkClick r:id="rId1"/>
+              </a:rPr>
+              <a:t>http://students.aberrobotics.club/committee</a:t>
+            </a:r>
+            <a:r>
+              <a:rPr b="0" lang="en-GB" sz="2800" spc="-1" strike="noStrike">
+                <a:solidFill>
+                  <a:srgbClr val="000000"/>
+                </a:solidFill>
+                <a:uFill>
+                  <a:solidFill>
+                    <a:srgbClr val="ffffff"/>
+                  </a:solidFill>
+                </a:uFill>
+                <a:latin typeface="Arial"/>
+                <a:ea typeface="DejaVu Sans"/>
+              </a:rPr>
+              <a:t> </a:t>
+            </a:r>
+            <a:endParaRPr b="0" lang="en-GB" sz="1800" spc="-1" strike="noStrike">
+              <a:solidFill>
+                <a:srgbClr val="000000"/>
+              </a:solidFill>
+              <a:uFill>
+                <a:solidFill>
+                  <a:srgbClr val="ffffff"/>
+                </a:solidFill>
+              </a:uFill>
+              <a:latin typeface="Arial"/>
+            </a:endParaRPr>
+          </a:p>
+        </p:txBody>
       </p:sp>
       <p:pic>
         <p:nvPicPr>
@@ -6213,13 +6764,13 @@
           <p:nvPr/>
         </p:nvPicPr>
         <p:blipFill>
-          <a:blip r:embed="rId1"/>
+          <a:blip r:embed="rId2"/>
           <a:stretch/>
         </p:blipFill>
         <p:spPr>
           <a:xfrm>
             <a:off x="0" y="0"/>
-            <a:ext cx="10077840" cy="1048320"/>
+            <a:ext cx="10077120" cy="1047600"/>
           </a:xfrm>
           <a:prstGeom prst="rect">
             <a:avLst/>
@@ -6229,16 +6780,39 @@
           </a:ln>
         </p:spPr>
       </p:pic>
-      <p:sp>
-        <p:nvSpPr>
-          <p:cNvPr id="100" name="CustomShape 3"/>
+      <p:pic>
+        <p:nvPicPr>
+          <p:cNvPr id="100" name="Picture 4" descr=""/>
+          <p:cNvPicPr/>
+          <p:nvPr/>
+        </p:nvPicPr>
+        <p:blipFill>
+          <a:blip r:embed="rId3"/>
+          <a:stretch/>
+        </p:blipFill>
+        <p:spPr>
+          <a:xfrm>
+            <a:off x="39240" y="0"/>
+            <a:ext cx="1067040" cy="1075680"/>
+          </a:xfrm>
+          <a:prstGeom prst="rect">
+            <a:avLst/>
+          </a:prstGeom>
+          <a:ln>
+            <a:noFill/>
+          </a:ln>
+        </p:spPr>
+      </p:pic>
+      <p:sp>
+        <p:nvSpPr>
+          <p:cNvPr id="101" name="CustomShape 3"/>
           <p:cNvSpPr/>
           <p:nvPr/>
         </p:nvSpPr>
         <p:spPr>
           <a:xfrm>
-            <a:off x="4608000" y="0"/>
-            <a:ext cx="5524560" cy="1062000"/>
+            <a:off x="2448000" y="0"/>
+            <a:ext cx="7684200" cy="1061640"/>
           </a:xfrm>
           <a:prstGeom prst="rect">
             <a:avLst/>
@@ -6275,7 +6849,22 @@
                 <a:latin typeface="Eras Bold ITC"/>
                 <a:ea typeface="DejaVu Sans"/>
               </a:rPr>
-              <a:t>www.aberrobotics.club</a:t>
+              <a:t>www.students.aberrob</a:t>
+            </a:r>
+            <a:r>
+              <a:rPr b="1" lang="en-GB" sz="3200" spc="-1" strike="noStrike">
+                <a:solidFill>
+                  <a:srgbClr val="000000"/>
+                </a:solidFill>
+                <a:uFill>
+                  <a:solidFill>
+                    <a:srgbClr val="ffffff"/>
+                  </a:solidFill>
+                </a:uFill>
+                <a:latin typeface="Eras Bold ITC"/>
+                <a:ea typeface="DejaVu Sans"/>
+              </a:rPr>
+              <a:t>otics.club</a:t>
             </a:r>
             <a:endParaRPr b="0" lang="en-GB" sz="1800" spc="-1" strike="noStrike">
               <a:solidFill>
@@ -6291,29 +6880,6 @@
           </a:p>
         </p:txBody>
       </p:sp>
-      <p:pic>
-        <p:nvPicPr>
-          <p:cNvPr id="101" name="Picture 4" descr=""/>
-          <p:cNvPicPr/>
-          <p:nvPr/>
-        </p:nvPicPr>
-        <p:blipFill>
-          <a:blip r:embed="rId2"/>
-          <a:stretch/>
-        </p:blipFill>
-        <p:spPr>
-          <a:xfrm>
-            <a:off x="39240" y="0"/>
-            <a:ext cx="1067760" cy="1076400"/>
-          </a:xfrm>
-          <a:prstGeom prst="rect">
-            <a:avLst/>
-          </a:prstGeom>
-          <a:ln>
-            <a:noFill/>
-          </a:ln>
-        </p:spPr>
-      </p:pic>
     </p:spTree>
   </p:cSld>
   <p:timing>
@@ -6323,6 +6889,1728 @@
           <p:childTnLst>
             <p:seq>
               <p:cTn id="12" nodeType="mainSeq"/>
+              <p:prevCondLst>
+                <p:cond delay="0" evt="onPrev">
+                  <p:tgtEl>
+                    <p:sldTgt/>
+                  </p:tgtEl>
+                </p:cond>
+              </p:prevCondLst>
+              <p:nextCondLst>
+                <p:cond delay="0" evt="onNext">
+                  <p:tgtEl>
+                    <p:sldTgt/>
+                  </p:tgtEl>
+                </p:cond>
+              </p:nextCondLst>
+            </p:seq>
+          </p:childTnLst>
+        </p:cTn>
+      </p:par>
+    </p:tnLst>
+  </p:timing>
+</p:sld>
+</file>
+
+<file path=ppt/slides/slide7.xml><?xml version="1.0" encoding="utf-8"?>
+<p:sld xmlns:a="http://schemas.openxmlformats.org/drawingml/2006/main" xmlns:p="http://schemas.openxmlformats.org/presentationml/2006/main" xmlns:r="http://schemas.openxmlformats.org/officeDocument/2006/relationships" xmlns:p14="http://schemas.microsoft.com/office/powerpoint/2010/main" xmlns:p15="http://schemas.microsoft.com/office/powerpoint/2012/main" xmlns:mc="http://schemas.openxmlformats.org/markup-compatibility/2006">
+  <p:cSld>
+    <p:spTree>
+      <p:nvGrpSpPr>
+        <p:cNvPr id="1" name=""/>
+        <p:cNvGrpSpPr/>
+        <p:nvPr/>
+      </p:nvGrpSpPr>
+      <p:grpSpPr>
+        <a:xfrm>
+          <a:off x="0" y="0"/>
+          <a:ext cx="0" cy="0"/>
+          <a:chOff x="0" y="0"/>
+          <a:chExt cx="0" cy="0"/>
+        </a:xfrm>
+      </p:grpSpPr>
+      <p:sp>
+        <p:nvSpPr>
+          <p:cNvPr id="102" name="CustomShape 1"/>
+          <p:cNvSpPr/>
+          <p:nvPr/>
+        </p:nvSpPr>
+        <p:spPr>
+          <a:xfrm>
+            <a:off x="504000" y="1467720"/>
+            <a:ext cx="9068760" cy="1259280"/>
+          </a:xfrm>
+          <a:prstGeom prst="rect">
+            <a:avLst/>
+          </a:prstGeom>
+          <a:noFill/>
+          <a:ln>
+            <a:noFill/>
+          </a:ln>
+        </p:spPr>
+        <p:style>
+          <a:lnRef idx="0"/>
+          <a:fillRef idx="0"/>
+          <a:effectRef idx="0"/>
+          <a:fontRef idx="minor"/>
+        </p:style>
+        <p:txBody>
+          <a:bodyPr lIns="0" rIns="0" tIns="0" bIns="0" anchor="ctr"/>
+          <a:p>
+            <a:pPr algn="ctr">
+              <a:lnSpc>
+                <a:spcPct val="100000"/>
+              </a:lnSpc>
+            </a:pPr>
+            <a:r>
+              <a:rPr b="0" lang="en-GB" sz="4400" spc="-1" strike="noStrike">
+                <a:solidFill>
+                  <a:srgbClr val="000000"/>
+                </a:solidFill>
+                <a:uFill>
+                  <a:solidFill>
+                    <a:srgbClr val="ffffff"/>
+                  </a:solidFill>
+                </a:uFill>
+                <a:latin typeface="Arial"/>
+                <a:ea typeface="DejaVu Sans"/>
+              </a:rPr>
+              <a:t>Science Week 2018</a:t>
+            </a:r>
+            <a:endParaRPr b="0" lang="en-GB" sz="1800" spc="-1" strike="noStrike">
+              <a:solidFill>
+                <a:srgbClr val="000000"/>
+              </a:solidFill>
+              <a:uFill>
+                <a:solidFill>
+                  <a:srgbClr val="ffffff"/>
+                </a:solidFill>
+              </a:uFill>
+              <a:latin typeface="Arial"/>
+            </a:endParaRPr>
+          </a:p>
+          <a:p>
+            <a:pPr algn="ctr">
+              <a:lnSpc>
+                <a:spcPct val="100000"/>
+              </a:lnSpc>
+            </a:pPr>
+            <a:r>
+              <a:rPr b="0" lang="en-GB" sz="4400" spc="-1" strike="noStrike">
+                <a:solidFill>
+                  <a:srgbClr val="000000"/>
+                </a:solidFill>
+                <a:uFill>
+                  <a:solidFill>
+                    <a:srgbClr val="ffffff"/>
+                  </a:solidFill>
+                </a:uFill>
+                <a:latin typeface="Arial"/>
+                <a:ea typeface="DejaVu Sans"/>
+              </a:rPr>
+              <a:t>“</a:t>
+            </a:r>
+            <a:r>
+              <a:rPr b="0" lang="en-GB" sz="4400" spc="-1" strike="noStrike">
+                <a:solidFill>
+                  <a:srgbClr val="000000"/>
+                </a:solidFill>
+                <a:uFill>
+                  <a:solidFill>
+                    <a:srgbClr val="ffffff"/>
+                  </a:solidFill>
+                </a:uFill>
+                <a:latin typeface="Arial"/>
+                <a:ea typeface="DejaVu Sans"/>
+              </a:rPr>
+              <a:t>Exploration and Discovery”</a:t>
+            </a:r>
+            <a:endParaRPr b="0" lang="en-GB" sz="1800" spc="-1" strike="noStrike">
+              <a:solidFill>
+                <a:srgbClr val="000000"/>
+              </a:solidFill>
+              <a:uFill>
+                <a:solidFill>
+                  <a:srgbClr val="ffffff"/>
+                </a:solidFill>
+              </a:uFill>
+              <a:latin typeface="Arial"/>
+            </a:endParaRPr>
+          </a:p>
+        </p:txBody>
+      </p:sp>
+      <p:sp>
+        <p:nvSpPr>
+          <p:cNvPr id="103" name="CustomShape 2"/>
+          <p:cNvSpPr/>
+          <p:nvPr/>
+        </p:nvSpPr>
+        <p:spPr>
+          <a:xfrm>
+            <a:off x="504000" y="2728440"/>
+            <a:ext cx="9068760" cy="4381560"/>
+          </a:xfrm>
+          <a:prstGeom prst="rect">
+            <a:avLst/>
+          </a:prstGeom>
+          <a:noFill/>
+          <a:ln>
+            <a:noFill/>
+          </a:ln>
+        </p:spPr>
+        <p:style>
+          <a:lnRef idx="0"/>
+          <a:fillRef idx="0"/>
+          <a:effectRef idx="0"/>
+          <a:fontRef idx="minor"/>
+        </p:style>
+        <p:txBody>
+          <a:bodyPr lIns="0" rIns="0" tIns="0" bIns="0"/>
+          <a:p>
+            <a:pPr marL="432000" indent="-321120">
+              <a:lnSpc>
+                <a:spcPct val="100000"/>
+              </a:lnSpc>
+              <a:buClr>
+                <a:srgbClr val="000000"/>
+              </a:buClr>
+              <a:buSzPct val="45000"/>
+              <a:buFont typeface="Wingdings" charset="2"/>
+              <a:buChar char=""/>
+            </a:pPr>
+            <a:r>
+              <a:rPr b="0" lang="en-GB" sz="2800" spc="-1" strike="noStrike">
+                <a:solidFill>
+                  <a:srgbClr val="000000"/>
+                </a:solidFill>
+                <a:uFill>
+                  <a:solidFill>
+                    <a:srgbClr val="ffffff"/>
+                  </a:solidFill>
+                </a:uFill>
+                <a:latin typeface="Arial"/>
+                <a:ea typeface="DejaVu Sans"/>
+              </a:rPr>
+              <a:t>13</a:t>
+            </a:r>
+            <a:r>
+              <a:rPr b="0" lang="en-GB" sz="2800" spc="-1" strike="noStrike" baseline="101000">
+                <a:solidFill>
+                  <a:srgbClr val="000000"/>
+                </a:solidFill>
+                <a:uFill>
+                  <a:solidFill>
+                    <a:srgbClr val="ffffff"/>
+                  </a:solidFill>
+                </a:uFill>
+                <a:latin typeface="Arial"/>
+                <a:ea typeface="DejaVu Sans"/>
+              </a:rPr>
+              <a:t>th</a:t>
+            </a:r>
+            <a:r>
+              <a:rPr b="0" lang="en-GB" sz="2800" spc="-1" strike="noStrike">
+                <a:solidFill>
+                  <a:srgbClr val="000000"/>
+                </a:solidFill>
+                <a:uFill>
+                  <a:solidFill>
+                    <a:srgbClr val="ffffff"/>
+                  </a:solidFill>
+                </a:uFill>
+                <a:latin typeface="Arial"/>
+                <a:ea typeface="DejaVu Sans"/>
+              </a:rPr>
+              <a:t>, </a:t>
+            </a:r>
+            <a:r>
+              <a:rPr b="1" lang="en-GB" sz="2800" spc="-1" strike="noStrike" u="sng">
+                <a:solidFill>
+                  <a:srgbClr val="000000"/>
+                </a:solidFill>
+                <a:uFill>
+                  <a:solidFill>
+                    <a:srgbClr val="ffffff"/>
+                  </a:solidFill>
+                </a:uFill>
+                <a:latin typeface="Arial"/>
+                <a:ea typeface="DejaVu Sans"/>
+              </a:rPr>
+              <a:t>14</a:t>
+            </a:r>
+            <a:r>
+              <a:rPr b="1" lang="en-GB" sz="2800" spc="-1" strike="noStrike" u="sng" baseline="101000">
+                <a:solidFill>
+                  <a:srgbClr val="000000"/>
+                </a:solidFill>
+                <a:uFill>
+                  <a:solidFill>
+                    <a:srgbClr val="ffffff"/>
+                  </a:solidFill>
+                </a:uFill>
+                <a:latin typeface="Arial"/>
+                <a:ea typeface="DejaVu Sans"/>
+              </a:rPr>
+              <a:t>th</a:t>
+            </a:r>
+            <a:r>
+              <a:rPr b="0" lang="en-GB" sz="2800" spc="-1" strike="noStrike">
+                <a:solidFill>
+                  <a:srgbClr val="000000"/>
+                </a:solidFill>
+                <a:uFill>
+                  <a:solidFill>
+                    <a:srgbClr val="ffffff"/>
+                  </a:solidFill>
+                </a:uFill>
+                <a:latin typeface="Arial"/>
+                <a:ea typeface="DejaVu Sans"/>
+              </a:rPr>
+              <a:t> and 15</a:t>
+            </a:r>
+            <a:r>
+              <a:rPr b="0" lang="en-GB" sz="2800" spc="-1" strike="noStrike" baseline="101000">
+                <a:solidFill>
+                  <a:srgbClr val="000000"/>
+                </a:solidFill>
+                <a:uFill>
+                  <a:solidFill>
+                    <a:srgbClr val="ffffff"/>
+                  </a:solidFill>
+                </a:uFill>
+                <a:latin typeface="Arial"/>
+                <a:ea typeface="DejaVu Sans"/>
+              </a:rPr>
+              <a:t>th</a:t>
+            </a:r>
+            <a:r>
+              <a:rPr b="0" lang="en-GB" sz="2800" spc="-1" strike="noStrike">
+                <a:solidFill>
+                  <a:srgbClr val="000000"/>
+                </a:solidFill>
+                <a:uFill>
+                  <a:solidFill>
+                    <a:srgbClr val="ffffff"/>
+                  </a:solidFill>
+                </a:uFill>
+                <a:latin typeface="Arial"/>
+                <a:ea typeface="DejaVu Sans"/>
+              </a:rPr>
+              <a:t> of March 2018</a:t>
+            </a:r>
+            <a:endParaRPr b="0" lang="en-GB" sz="1800" spc="-1" strike="noStrike">
+              <a:solidFill>
+                <a:srgbClr val="000000"/>
+              </a:solidFill>
+              <a:uFill>
+                <a:solidFill>
+                  <a:srgbClr val="ffffff"/>
+                </a:solidFill>
+              </a:uFill>
+              <a:latin typeface="Arial"/>
+            </a:endParaRPr>
+          </a:p>
+          <a:p>
+            <a:pPr marL="432000" indent="-321120">
+              <a:lnSpc>
+                <a:spcPct val="100000"/>
+              </a:lnSpc>
+              <a:buClr>
+                <a:srgbClr val="000000"/>
+              </a:buClr>
+              <a:buSzPct val="45000"/>
+              <a:buFont typeface="Wingdings" charset="2"/>
+              <a:buChar char=""/>
+            </a:pPr>
+            <a:r>
+              <a:rPr b="0" lang="en-GB" sz="2800" spc="-1" strike="noStrike">
+                <a:solidFill>
+                  <a:srgbClr val="000000"/>
+                </a:solidFill>
+                <a:uFill>
+                  <a:solidFill>
+                    <a:srgbClr val="ffffff"/>
+                  </a:solidFill>
+                </a:uFill>
+                <a:latin typeface="Arial"/>
+                <a:ea typeface="DejaVu Sans"/>
+              </a:rPr>
+              <a:t>University </a:t>
+            </a:r>
+            <a:r>
+              <a:rPr b="1" lang="en-GB" sz="2800" spc="-1" strike="noStrike" u="sng">
+                <a:solidFill>
+                  <a:srgbClr val="000000"/>
+                </a:solidFill>
+                <a:uFill>
+                  <a:solidFill>
+                    <a:srgbClr val="ffffff"/>
+                  </a:solidFill>
+                </a:uFill>
+                <a:latin typeface="Arial"/>
+                <a:ea typeface="DejaVu Sans"/>
+              </a:rPr>
+              <a:t>Sports Cage</a:t>
+            </a:r>
+            <a:endParaRPr b="0" lang="en-GB" sz="1800" spc="-1" strike="noStrike">
+              <a:solidFill>
+                <a:srgbClr val="000000"/>
+              </a:solidFill>
+              <a:uFill>
+                <a:solidFill>
+                  <a:srgbClr val="ffffff"/>
+                </a:solidFill>
+              </a:uFill>
+              <a:latin typeface="Arial"/>
+            </a:endParaRPr>
+          </a:p>
+          <a:p>
+            <a:pPr marL="432000" indent="-321120">
+              <a:lnSpc>
+                <a:spcPct val="100000"/>
+              </a:lnSpc>
+              <a:buClr>
+                <a:srgbClr val="000000"/>
+              </a:buClr>
+              <a:buSzPct val="45000"/>
+              <a:buFont typeface="Wingdings" charset="2"/>
+              <a:buChar char=""/>
+            </a:pPr>
+            <a:r>
+              <a:rPr b="0" lang="en-GB" sz="2800" spc="-1" strike="noStrike">
+                <a:solidFill>
+                  <a:srgbClr val="000000"/>
+                </a:solidFill>
+                <a:uFill>
+                  <a:solidFill>
+                    <a:srgbClr val="ffffff"/>
+                  </a:solidFill>
+                </a:uFill>
+                <a:latin typeface="Arial"/>
+                <a:ea typeface="DejaVu Sans"/>
+              </a:rPr>
+              <a:t>Open to the public </a:t>
+            </a:r>
+            <a:r>
+              <a:rPr b="1" lang="en-GB" sz="2800" spc="-1" strike="noStrike" u="sng">
+                <a:solidFill>
+                  <a:srgbClr val="000000"/>
+                </a:solidFill>
+                <a:uFill>
+                  <a:solidFill>
+                    <a:srgbClr val="ffffff"/>
+                  </a:solidFill>
+                </a:uFill>
+                <a:latin typeface="Arial"/>
+                <a:ea typeface="DejaVu Sans"/>
+              </a:rPr>
+              <a:t>Wednesday</a:t>
+            </a:r>
+            <a:r>
+              <a:rPr b="0" lang="en-GB" sz="2800" spc="-1" strike="noStrike">
+                <a:solidFill>
+                  <a:srgbClr val="000000"/>
+                </a:solidFill>
+                <a:uFill>
+                  <a:solidFill>
+                    <a:srgbClr val="ffffff"/>
+                  </a:solidFill>
+                </a:uFill>
+                <a:latin typeface="Arial"/>
+                <a:ea typeface="DejaVu Sans"/>
+              </a:rPr>
+              <a:t> between 4-6PM</a:t>
+            </a:r>
+            <a:endParaRPr b="0" lang="en-GB" sz="1800" spc="-1" strike="noStrike">
+              <a:solidFill>
+                <a:srgbClr val="000000"/>
+              </a:solidFill>
+              <a:uFill>
+                <a:solidFill>
+                  <a:srgbClr val="ffffff"/>
+                </a:solidFill>
+              </a:uFill>
+              <a:latin typeface="Arial"/>
+            </a:endParaRPr>
+          </a:p>
+          <a:p>
+            <a:pPr marL="432000" indent="-321120">
+              <a:lnSpc>
+                <a:spcPct val="100000"/>
+              </a:lnSpc>
+              <a:buClr>
+                <a:srgbClr val="000000"/>
+              </a:buClr>
+              <a:buSzPct val="45000"/>
+              <a:buFont typeface="Wingdings" charset="2"/>
+              <a:buChar char=""/>
+            </a:pPr>
+            <a:r>
+              <a:rPr b="1" lang="en-GB" sz="2800" spc="-1" strike="noStrike" u="sng">
+                <a:solidFill>
+                  <a:srgbClr val="000000"/>
+                </a:solidFill>
+                <a:uFill>
+                  <a:solidFill>
+                    <a:srgbClr val="ffffff"/>
+                  </a:solidFill>
+                </a:uFill>
+                <a:latin typeface="Arial"/>
+                <a:ea typeface="DejaVu Sans"/>
+              </a:rPr>
+              <a:t>Meeting will be 3:30-5:30PM instead of 1:30-3PM</a:t>
+            </a:r>
+            <a:r>
+              <a:rPr b="0" lang="en-GB" sz="2800" spc="-1" strike="noStrike">
+                <a:solidFill>
+                  <a:srgbClr val="000000"/>
+                </a:solidFill>
+                <a:uFill>
+                  <a:solidFill>
+                    <a:srgbClr val="ffffff"/>
+                  </a:solidFill>
+                </a:uFill>
+                <a:latin typeface="Arial"/>
+                <a:ea typeface="DejaVu Sans"/>
+              </a:rPr>
+              <a:t> </a:t>
+            </a:r>
+            <a:endParaRPr b="0" lang="en-GB" sz="1800" spc="-1" strike="noStrike">
+              <a:solidFill>
+                <a:srgbClr val="000000"/>
+              </a:solidFill>
+              <a:uFill>
+                <a:solidFill>
+                  <a:srgbClr val="ffffff"/>
+                </a:solidFill>
+              </a:uFill>
+              <a:latin typeface="Arial"/>
+            </a:endParaRPr>
+          </a:p>
+          <a:p>
+            <a:pPr marL="432000" indent="-321120">
+              <a:lnSpc>
+                <a:spcPct val="100000"/>
+              </a:lnSpc>
+              <a:buClr>
+                <a:srgbClr val="000000"/>
+              </a:buClr>
+              <a:buSzPct val="45000"/>
+              <a:buFont typeface="Wingdings" charset="2"/>
+              <a:buChar char=""/>
+            </a:pPr>
+            <a:r>
+              <a:rPr b="0" lang="en-GB" sz="2800" spc="-1" strike="noStrike">
+                <a:solidFill>
+                  <a:srgbClr val="000000"/>
+                </a:solidFill>
+                <a:uFill>
+                  <a:solidFill>
+                    <a:srgbClr val="ffffff"/>
+                  </a:solidFill>
+                </a:uFill>
+                <a:latin typeface="Arial"/>
+                <a:ea typeface="DejaVu Sans"/>
+              </a:rPr>
+              <a:t>Your robots will be on display with the ARC</a:t>
+            </a:r>
+            <a:endParaRPr b="0" lang="en-GB" sz="1800" spc="-1" strike="noStrike">
+              <a:solidFill>
+                <a:srgbClr val="000000"/>
+              </a:solidFill>
+              <a:uFill>
+                <a:solidFill>
+                  <a:srgbClr val="ffffff"/>
+                </a:solidFill>
+              </a:uFill>
+              <a:latin typeface="Arial"/>
+            </a:endParaRPr>
+          </a:p>
+          <a:p>
+            <a:pPr lvl="3" marL="864000" indent="-216000">
+              <a:lnSpc>
+                <a:spcPct val="100000"/>
+              </a:lnSpc>
+              <a:buClr>
+                <a:srgbClr val="000000"/>
+              </a:buClr>
+              <a:buSzPct val="45000"/>
+              <a:buFont typeface="Wingdings" charset="2"/>
+              <a:buChar char=""/>
+            </a:pPr>
+            <a:r>
+              <a:rPr b="0" lang="en-GB" sz="2800" spc="-1" strike="noStrike">
+                <a:solidFill>
+                  <a:srgbClr val="000000"/>
+                </a:solidFill>
+                <a:uFill>
+                  <a:solidFill>
+                    <a:srgbClr val="ffffff"/>
+                  </a:solidFill>
+                </a:uFill>
+                <a:latin typeface="Arial"/>
+                <a:ea typeface="DejaVu Sans"/>
+              </a:rPr>
+              <a:t>Don’t come to the labs…</a:t>
+            </a:r>
+            <a:endParaRPr b="0" lang="en-GB" sz="1800" spc="-1" strike="noStrike">
+              <a:solidFill>
+                <a:srgbClr val="000000"/>
+              </a:solidFill>
+              <a:uFill>
+                <a:solidFill>
+                  <a:srgbClr val="ffffff"/>
+                </a:solidFill>
+              </a:uFill>
+              <a:latin typeface="Arial"/>
+            </a:endParaRPr>
+          </a:p>
+          <a:p>
+            <a:pPr lvl="3" marL="864000" indent="-216000">
+              <a:lnSpc>
+                <a:spcPct val="100000"/>
+              </a:lnSpc>
+              <a:buClr>
+                <a:srgbClr val="000000"/>
+              </a:buClr>
+              <a:buSzPct val="45000"/>
+              <a:buFont typeface="Wingdings" charset="2"/>
+              <a:buChar char=""/>
+            </a:pPr>
+            <a:r>
+              <a:rPr b="1" lang="en-GB" sz="2800" spc="-1" strike="noStrike" u="sng">
+                <a:solidFill>
+                  <a:srgbClr val="000000"/>
+                </a:solidFill>
+                <a:uFill>
+                  <a:solidFill>
+                    <a:srgbClr val="ffffff"/>
+                  </a:solidFill>
+                </a:uFill>
+                <a:latin typeface="Arial"/>
+                <a:ea typeface="DejaVu Sans"/>
+              </a:rPr>
+              <a:t>Go to the Sports Cage </a:t>
+            </a:r>
+            <a:endParaRPr b="0" lang="en-GB" sz="1800" spc="-1" strike="noStrike">
+              <a:solidFill>
+                <a:srgbClr val="000000"/>
+              </a:solidFill>
+              <a:uFill>
+                <a:solidFill>
+                  <a:srgbClr val="ffffff"/>
+                </a:solidFill>
+              </a:uFill>
+              <a:latin typeface="Arial"/>
+            </a:endParaRPr>
+          </a:p>
+          <a:p>
+            <a:pPr marL="432000" indent="-321120">
+              <a:lnSpc>
+                <a:spcPct val="100000"/>
+              </a:lnSpc>
+              <a:buClr>
+                <a:srgbClr val="000000"/>
+              </a:buClr>
+              <a:buSzPct val="45000"/>
+              <a:buFont typeface="Wingdings" charset="2"/>
+              <a:buChar char=""/>
+            </a:pPr>
+            <a:r>
+              <a:rPr b="0" lang="en-GB" sz="2800" spc="-1" strike="noStrike">
+                <a:solidFill>
+                  <a:srgbClr val="000000"/>
+                </a:solidFill>
+                <a:uFill>
+                  <a:solidFill>
+                    <a:srgbClr val="ffffff"/>
+                  </a:solidFill>
+                </a:uFill>
+                <a:latin typeface="Arial"/>
+                <a:ea typeface="DejaVu Sans"/>
+              </a:rPr>
+              <a:t>A chance to show and explain how the robots work, or just carry on developing them.</a:t>
+            </a:r>
+            <a:endParaRPr b="0" lang="en-GB" sz="1800" spc="-1" strike="noStrike">
+              <a:solidFill>
+                <a:srgbClr val="000000"/>
+              </a:solidFill>
+              <a:uFill>
+                <a:solidFill>
+                  <a:srgbClr val="ffffff"/>
+                </a:solidFill>
+              </a:uFill>
+              <a:latin typeface="Arial"/>
+            </a:endParaRPr>
+          </a:p>
+        </p:txBody>
+      </p:sp>
+      <p:pic>
+        <p:nvPicPr>
+          <p:cNvPr id="104" name="Picture 3" descr=""/>
+          <p:cNvPicPr/>
+          <p:nvPr/>
+        </p:nvPicPr>
+        <p:blipFill>
+          <a:blip r:embed="rId1"/>
+          <a:stretch/>
+        </p:blipFill>
+        <p:spPr>
+          <a:xfrm>
+            <a:off x="0" y="0"/>
+            <a:ext cx="10077120" cy="1047600"/>
+          </a:xfrm>
+          <a:prstGeom prst="rect">
+            <a:avLst/>
+          </a:prstGeom>
+          <a:ln>
+            <a:noFill/>
+          </a:ln>
+        </p:spPr>
+      </p:pic>
+      <p:pic>
+        <p:nvPicPr>
+          <p:cNvPr id="105" name="Picture 4" descr=""/>
+          <p:cNvPicPr/>
+          <p:nvPr/>
+        </p:nvPicPr>
+        <p:blipFill>
+          <a:blip r:embed="rId2"/>
+          <a:stretch/>
+        </p:blipFill>
+        <p:spPr>
+          <a:xfrm>
+            <a:off x="39240" y="0"/>
+            <a:ext cx="1067040" cy="1075680"/>
+          </a:xfrm>
+          <a:prstGeom prst="rect">
+            <a:avLst/>
+          </a:prstGeom>
+          <a:ln>
+            <a:noFill/>
+          </a:ln>
+        </p:spPr>
+      </p:pic>
+      <p:sp>
+        <p:nvSpPr>
+          <p:cNvPr id="106" name="CustomShape 3"/>
+          <p:cNvSpPr/>
+          <p:nvPr/>
+        </p:nvSpPr>
+        <p:spPr>
+          <a:xfrm>
+            <a:off x="2448000" y="0"/>
+            <a:ext cx="7684200" cy="1061640"/>
+          </a:xfrm>
+          <a:prstGeom prst="rect">
+            <a:avLst/>
+          </a:prstGeom>
+          <a:noFill/>
+          <a:ln>
+            <a:noFill/>
+          </a:ln>
+        </p:spPr>
+        <p:style>
+          <a:lnRef idx="0"/>
+          <a:fillRef idx="0"/>
+          <a:effectRef idx="0"/>
+          <a:fontRef idx="minor"/>
+        </p:style>
+        <p:txBody>
+          <a:bodyPr lIns="90000" rIns="90000" tIns="45000" bIns="45000"/>
+          <a:p>
+            <a:pPr>
+              <a:lnSpc>
+                <a:spcPct val="100000"/>
+              </a:lnSpc>
+            </a:pPr>
+            <a:r>
+              <a:rPr b="1" lang="en-GB" sz="3200" spc="-1" strike="noStrike">
+                <a:solidFill>
+                  <a:srgbClr val="000000"/>
+                </a:solidFill>
+                <a:uFill>
+                  <a:solidFill>
+                    <a:srgbClr val="ffffff"/>
+                  </a:solidFill>
+                </a:uFill>
+                <a:latin typeface="Eras Bold ITC"/>
+                <a:ea typeface="DejaVu Sans"/>
+              </a:rPr>
+              <a:t>www.students.aberrobotics.club</a:t>
+            </a:r>
+            <a:endParaRPr b="0" lang="en-GB" sz="1800" spc="-1" strike="noStrike">
+              <a:solidFill>
+                <a:srgbClr val="000000"/>
+              </a:solidFill>
+              <a:uFill>
+                <a:solidFill>
+                  <a:srgbClr val="ffffff"/>
+                </a:solidFill>
+              </a:uFill>
+              <a:latin typeface="Arial"/>
+            </a:endParaRPr>
+          </a:p>
+        </p:txBody>
+      </p:sp>
+    </p:spTree>
+  </p:cSld>
+  <p:timing>
+    <p:tnLst>
+      <p:par>
+        <p:cTn id="13" dur="indefinite" restart="never" nodeType="tmRoot">
+          <p:childTnLst>
+            <p:seq>
+              <p:cTn id="14" nodeType="mainSeq"/>
+              <p:prevCondLst>
+                <p:cond delay="0" evt="onPrev">
+                  <p:tgtEl>
+                    <p:sldTgt/>
+                  </p:tgtEl>
+                </p:cond>
+              </p:prevCondLst>
+              <p:nextCondLst>
+                <p:cond delay="0" evt="onNext">
+                  <p:tgtEl>
+                    <p:sldTgt/>
+                  </p:tgtEl>
+                </p:cond>
+              </p:nextCondLst>
+            </p:seq>
+          </p:childTnLst>
+        </p:cTn>
+      </p:par>
+    </p:tnLst>
+  </p:timing>
+</p:sld>
+</file>
+
+<file path=ppt/slides/slide8.xml><?xml version="1.0" encoding="utf-8"?>
+<p:sld xmlns:a="http://schemas.openxmlformats.org/drawingml/2006/main" xmlns:p="http://schemas.openxmlformats.org/presentationml/2006/main" xmlns:r="http://schemas.openxmlformats.org/officeDocument/2006/relationships" xmlns:p14="http://schemas.microsoft.com/office/powerpoint/2010/main" xmlns:p15="http://schemas.microsoft.com/office/powerpoint/2012/main" xmlns:mc="http://schemas.openxmlformats.org/markup-compatibility/2006">
+  <p:cSld>
+    <p:spTree>
+      <p:nvGrpSpPr>
+        <p:cNvPr id="1" name=""/>
+        <p:cNvGrpSpPr/>
+        <p:nvPr/>
+      </p:nvGrpSpPr>
+      <p:grpSpPr>
+        <a:xfrm>
+          <a:off x="0" y="0"/>
+          <a:ext cx="0" cy="0"/>
+          <a:chOff x="0" y="0"/>
+          <a:chExt cx="0" cy="0"/>
+        </a:xfrm>
+      </p:grpSpPr>
+      <p:sp>
+        <p:nvSpPr>
+          <p:cNvPr id="107" name="CustomShape 1"/>
+          <p:cNvSpPr/>
+          <p:nvPr/>
+        </p:nvSpPr>
+        <p:spPr>
+          <a:xfrm>
+            <a:off x="504000" y="1467720"/>
+            <a:ext cx="9068760" cy="1259280"/>
+          </a:xfrm>
+          <a:prstGeom prst="rect">
+            <a:avLst/>
+          </a:prstGeom>
+          <a:noFill/>
+          <a:ln>
+            <a:noFill/>
+          </a:ln>
+        </p:spPr>
+        <p:style>
+          <a:lnRef idx="0"/>
+          <a:fillRef idx="0"/>
+          <a:effectRef idx="0"/>
+          <a:fontRef idx="minor"/>
+        </p:style>
+        <p:txBody>
+          <a:bodyPr lIns="0" rIns="0" tIns="0" bIns="0" anchor="ctr"/>
+          <a:p>
+            <a:pPr algn="ctr">
+              <a:lnSpc>
+                <a:spcPct val="100000"/>
+              </a:lnSpc>
+            </a:pPr>
+            <a:r>
+              <a:rPr b="0" lang="en-GB" sz="4400" spc="-1" strike="noStrike">
+                <a:solidFill>
+                  <a:srgbClr val="000000"/>
+                </a:solidFill>
+                <a:uFill>
+                  <a:solidFill>
+                    <a:srgbClr val="ffffff"/>
+                  </a:solidFill>
+                </a:uFill>
+                <a:latin typeface="Arial"/>
+                <a:ea typeface="DejaVu Sans"/>
+              </a:rPr>
+              <a:t>Guest Speakers</a:t>
+            </a:r>
+            <a:endParaRPr b="0" lang="en-GB" sz="1800" spc="-1" strike="noStrike">
+              <a:solidFill>
+                <a:srgbClr val="000000"/>
+              </a:solidFill>
+              <a:uFill>
+                <a:solidFill>
+                  <a:srgbClr val="ffffff"/>
+                </a:solidFill>
+              </a:uFill>
+              <a:latin typeface="Arial"/>
+            </a:endParaRPr>
+          </a:p>
+        </p:txBody>
+      </p:sp>
+      <p:sp>
+        <p:nvSpPr>
+          <p:cNvPr id="108" name="CustomShape 2"/>
+          <p:cNvSpPr/>
+          <p:nvPr/>
+        </p:nvSpPr>
+        <p:spPr>
+          <a:xfrm>
+            <a:off x="504000" y="2728440"/>
+            <a:ext cx="9068760" cy="4381560"/>
+          </a:xfrm>
+          <a:prstGeom prst="rect">
+            <a:avLst/>
+          </a:prstGeom>
+          <a:noFill/>
+          <a:ln>
+            <a:noFill/>
+          </a:ln>
+        </p:spPr>
+        <p:style>
+          <a:lnRef idx="0"/>
+          <a:fillRef idx="0"/>
+          <a:effectRef idx="0"/>
+          <a:fontRef idx="minor"/>
+        </p:style>
+        <p:txBody>
+          <a:bodyPr lIns="0" rIns="0" tIns="0" bIns="0"/>
+          <a:p>
+            <a:pPr marL="432000" indent="-321120">
+              <a:lnSpc>
+                <a:spcPct val="100000"/>
+              </a:lnSpc>
+              <a:buClr>
+                <a:srgbClr val="000000"/>
+              </a:buClr>
+              <a:buSzPct val="45000"/>
+              <a:buFont typeface="Wingdings" charset="2"/>
+              <a:buChar char=""/>
+            </a:pPr>
+            <a:r>
+              <a:rPr b="0" lang="en-GB" sz="2800" spc="-1" strike="noStrike">
+                <a:solidFill>
+                  <a:srgbClr val="000000"/>
+                </a:solidFill>
+                <a:uFill>
+                  <a:solidFill>
+                    <a:srgbClr val="ffffff"/>
+                  </a:solidFill>
+                </a:uFill>
+                <a:latin typeface="Arial"/>
+                <a:ea typeface="DejaVu Sans"/>
+              </a:rPr>
+              <a:t>We are looking for some interesting guest speakers</a:t>
+            </a:r>
+            <a:endParaRPr b="0" lang="en-GB" sz="1800" spc="-1" strike="noStrike">
+              <a:solidFill>
+                <a:srgbClr val="000000"/>
+              </a:solidFill>
+              <a:uFill>
+                <a:solidFill>
+                  <a:srgbClr val="ffffff"/>
+                </a:solidFill>
+              </a:uFill>
+              <a:latin typeface="Arial"/>
+            </a:endParaRPr>
+          </a:p>
+          <a:p>
+            <a:pPr marL="432000" indent="-321120">
+              <a:lnSpc>
+                <a:spcPct val="100000"/>
+              </a:lnSpc>
+              <a:buClr>
+                <a:srgbClr val="000000"/>
+              </a:buClr>
+              <a:buSzPct val="45000"/>
+              <a:buFont typeface="Wingdings" charset="2"/>
+              <a:buChar char=""/>
+            </a:pPr>
+            <a:r>
+              <a:rPr b="0" lang="en-GB" sz="2800" spc="-1" strike="noStrike">
+                <a:solidFill>
+                  <a:srgbClr val="000000"/>
+                </a:solidFill>
+                <a:uFill>
+                  <a:solidFill>
+                    <a:srgbClr val="ffffff"/>
+                  </a:solidFill>
+                </a:uFill>
+                <a:latin typeface="Arial"/>
+                <a:ea typeface="DejaVu Sans"/>
+              </a:rPr>
+              <a:t>ExoMars</a:t>
+            </a:r>
+            <a:endParaRPr b="0" lang="en-GB" sz="1800" spc="-1" strike="noStrike">
+              <a:solidFill>
+                <a:srgbClr val="000000"/>
+              </a:solidFill>
+              <a:uFill>
+                <a:solidFill>
+                  <a:srgbClr val="ffffff"/>
+                </a:solidFill>
+              </a:uFill>
+              <a:latin typeface="Arial"/>
+            </a:endParaRPr>
+          </a:p>
+          <a:p>
+            <a:pPr marL="432000" indent="-321120">
+              <a:lnSpc>
+                <a:spcPct val="100000"/>
+              </a:lnSpc>
+              <a:buClr>
+                <a:srgbClr val="000000"/>
+              </a:buClr>
+              <a:buSzPct val="45000"/>
+              <a:buFont typeface="Wingdings" charset="2"/>
+              <a:buChar char=""/>
+            </a:pPr>
+            <a:r>
+              <a:rPr b="0" lang="en-GB" sz="2800" spc="-1" strike="noStrike">
+                <a:solidFill>
+                  <a:srgbClr val="000000"/>
+                </a:solidFill>
+                <a:uFill>
+                  <a:solidFill>
+                    <a:srgbClr val="ffffff"/>
+                  </a:solidFill>
+                </a:uFill>
+                <a:latin typeface="Arial"/>
+                <a:ea typeface="DejaVu Sans"/>
+              </a:rPr>
+              <a:t>Research – Intelligent Robotics</a:t>
+            </a:r>
+            <a:endParaRPr b="0" lang="en-GB" sz="1800" spc="-1" strike="noStrike">
+              <a:solidFill>
+                <a:srgbClr val="000000"/>
+              </a:solidFill>
+              <a:uFill>
+                <a:solidFill>
+                  <a:srgbClr val="ffffff"/>
+                </a:solidFill>
+              </a:uFill>
+              <a:latin typeface="Arial"/>
+            </a:endParaRPr>
+          </a:p>
+          <a:p>
+            <a:pPr lvl="4" marL="1080000" indent="-215280">
+              <a:lnSpc>
+                <a:spcPct val="100000"/>
+              </a:lnSpc>
+              <a:buClr>
+                <a:srgbClr val="000000"/>
+              </a:buClr>
+              <a:buSzPct val="45000"/>
+              <a:buFont typeface="Wingdings" charset="2"/>
+              <a:buChar char=""/>
+            </a:pPr>
+            <a:r>
+              <a:rPr b="0" lang="en-GB" sz="2800" spc="-1" strike="noStrike">
+                <a:solidFill>
+                  <a:srgbClr val="000000"/>
+                </a:solidFill>
+                <a:uFill>
+                  <a:solidFill>
+                    <a:srgbClr val="ffffff"/>
+                  </a:solidFill>
+                </a:uFill>
+                <a:latin typeface="Arial"/>
+                <a:ea typeface="DejaVu Sans"/>
+              </a:rPr>
+              <a:t>iCub</a:t>
+            </a:r>
+            <a:endParaRPr b="0" lang="en-GB" sz="1800" spc="-1" strike="noStrike">
+              <a:solidFill>
+                <a:srgbClr val="000000"/>
+              </a:solidFill>
+              <a:uFill>
+                <a:solidFill>
+                  <a:srgbClr val="ffffff"/>
+                </a:solidFill>
+              </a:uFill>
+              <a:latin typeface="Arial"/>
+            </a:endParaRPr>
+          </a:p>
+          <a:p>
+            <a:pPr lvl="4" marL="1080000" indent="-215280">
+              <a:lnSpc>
+                <a:spcPct val="100000"/>
+              </a:lnSpc>
+              <a:buClr>
+                <a:srgbClr val="000000"/>
+              </a:buClr>
+              <a:buSzPct val="45000"/>
+              <a:buFont typeface="Wingdings" charset="2"/>
+              <a:buChar char=""/>
+            </a:pPr>
+            <a:r>
+              <a:rPr b="0" lang="en-GB" sz="2800" spc="-1" strike="noStrike">
+                <a:solidFill>
+                  <a:srgbClr val="000000"/>
+                </a:solidFill>
+                <a:uFill>
+                  <a:solidFill>
+                    <a:srgbClr val="ffffff"/>
+                  </a:solidFill>
+                </a:uFill>
+                <a:latin typeface="Arial"/>
+                <a:ea typeface="DejaVu Sans"/>
+              </a:rPr>
+              <a:t>Idris – path finding using cameras and ROS</a:t>
+            </a:r>
+            <a:endParaRPr b="0" lang="en-GB" sz="1800" spc="-1" strike="noStrike">
+              <a:solidFill>
+                <a:srgbClr val="000000"/>
+              </a:solidFill>
+              <a:uFill>
+                <a:solidFill>
+                  <a:srgbClr val="ffffff"/>
+                </a:solidFill>
+              </a:uFill>
+              <a:latin typeface="Arial"/>
+            </a:endParaRPr>
+          </a:p>
+          <a:p>
+            <a:pPr lvl="4" marL="1080000" indent="-215280">
+              <a:lnSpc>
+                <a:spcPct val="100000"/>
+              </a:lnSpc>
+              <a:buClr>
+                <a:srgbClr val="000000"/>
+              </a:buClr>
+              <a:buSzPct val="45000"/>
+              <a:buFont typeface="Wingdings" charset="2"/>
+              <a:buChar char=""/>
+            </a:pPr>
+            <a:r>
+              <a:rPr b="0" lang="en-GB" sz="2800" spc="-1" strike="noStrike">
+                <a:solidFill>
+                  <a:srgbClr val="000000"/>
+                </a:solidFill>
+                <a:uFill>
+                  <a:solidFill>
+                    <a:srgbClr val="ffffff"/>
+                  </a:solidFill>
+                </a:uFill>
+                <a:latin typeface="Arial"/>
+                <a:ea typeface="DejaVu Sans"/>
+              </a:rPr>
+              <a:t>UAV and aerial mapping</a:t>
+            </a:r>
+            <a:endParaRPr b="0" lang="en-GB" sz="1800" spc="-1" strike="noStrike">
+              <a:solidFill>
+                <a:srgbClr val="000000"/>
+              </a:solidFill>
+              <a:uFill>
+                <a:solidFill>
+                  <a:srgbClr val="ffffff"/>
+                </a:solidFill>
+              </a:uFill>
+              <a:latin typeface="Arial"/>
+            </a:endParaRPr>
+          </a:p>
+          <a:p>
+            <a:pPr marL="432000" indent="-321120">
+              <a:lnSpc>
+                <a:spcPct val="100000"/>
+              </a:lnSpc>
+              <a:buClr>
+                <a:srgbClr val="000000"/>
+              </a:buClr>
+              <a:buSzPct val="45000"/>
+              <a:buFont typeface="Wingdings" charset="2"/>
+              <a:buChar char=""/>
+            </a:pPr>
+            <a:r>
+              <a:rPr b="0" lang="en-GB" sz="2800" spc="-1" strike="noStrike">
+                <a:solidFill>
+                  <a:srgbClr val="000000"/>
+                </a:solidFill>
+                <a:uFill>
+                  <a:solidFill>
+                    <a:srgbClr val="ffffff"/>
+                  </a:solidFill>
+                </a:uFill>
+                <a:latin typeface="Arial"/>
+                <a:ea typeface="DejaVu Sans"/>
+              </a:rPr>
+              <a:t>Interactive Robotics</a:t>
+            </a:r>
+            <a:endParaRPr b="0" lang="en-GB" sz="1800" spc="-1" strike="noStrike">
+              <a:solidFill>
+                <a:srgbClr val="000000"/>
+              </a:solidFill>
+              <a:uFill>
+                <a:solidFill>
+                  <a:srgbClr val="ffffff"/>
+                </a:solidFill>
+              </a:uFill>
+              <a:latin typeface="Arial"/>
+            </a:endParaRPr>
+          </a:p>
+          <a:p>
+            <a:pPr marL="432000" indent="-321120">
+              <a:lnSpc>
+                <a:spcPct val="100000"/>
+              </a:lnSpc>
+              <a:buClr>
+                <a:srgbClr val="000000"/>
+              </a:buClr>
+              <a:buSzPct val="45000"/>
+              <a:buFont typeface="Wingdings" charset="2"/>
+              <a:buChar char=""/>
+            </a:pPr>
+            <a:r>
+              <a:rPr b="0" lang="en-GB" sz="2800" spc="-1" strike="noStrike">
+                <a:solidFill>
+                  <a:srgbClr val="000000"/>
+                </a:solidFill>
+                <a:uFill>
+                  <a:solidFill>
+                    <a:srgbClr val="ffffff"/>
+                  </a:solidFill>
+                </a:uFill>
+                <a:latin typeface="Arial"/>
+                <a:ea typeface="DejaVu Sans"/>
+              </a:rPr>
+              <a:t>3</a:t>
+            </a:r>
+            <a:r>
+              <a:rPr b="0" lang="en-GB" sz="2800" spc="-1" strike="noStrike" baseline="101000">
+                <a:solidFill>
+                  <a:srgbClr val="000000"/>
+                </a:solidFill>
+                <a:uFill>
+                  <a:solidFill>
+                    <a:srgbClr val="ffffff"/>
+                  </a:solidFill>
+                </a:uFill>
+                <a:latin typeface="Arial"/>
+                <a:ea typeface="DejaVu Sans"/>
+              </a:rPr>
+              <a:t>rd</a:t>
+            </a:r>
+            <a:r>
+              <a:rPr b="0" lang="en-GB" sz="2800" spc="-1" strike="noStrike">
+                <a:solidFill>
+                  <a:srgbClr val="000000"/>
+                </a:solidFill>
+                <a:uFill>
+                  <a:solidFill>
+                    <a:srgbClr val="ffffff"/>
+                  </a:solidFill>
+                </a:uFill>
+                <a:latin typeface="Arial"/>
+                <a:ea typeface="DejaVu Sans"/>
+              </a:rPr>
+              <a:t> Year Projects – AI, Robotics, Space Robotics</a:t>
+            </a:r>
+            <a:endParaRPr b="0" lang="en-GB" sz="1800" spc="-1" strike="noStrike">
+              <a:solidFill>
+                <a:srgbClr val="000000"/>
+              </a:solidFill>
+              <a:uFill>
+                <a:solidFill>
+                  <a:srgbClr val="ffffff"/>
+                </a:solidFill>
+              </a:uFill>
+              <a:latin typeface="Arial"/>
+            </a:endParaRPr>
+          </a:p>
+        </p:txBody>
+      </p:sp>
+      <p:pic>
+        <p:nvPicPr>
+          <p:cNvPr id="109" name="Picture 3" descr=""/>
+          <p:cNvPicPr/>
+          <p:nvPr/>
+        </p:nvPicPr>
+        <p:blipFill>
+          <a:blip r:embed="rId1"/>
+          <a:stretch/>
+        </p:blipFill>
+        <p:spPr>
+          <a:xfrm>
+            <a:off x="0" y="0"/>
+            <a:ext cx="10077120" cy="1047600"/>
+          </a:xfrm>
+          <a:prstGeom prst="rect">
+            <a:avLst/>
+          </a:prstGeom>
+          <a:ln>
+            <a:noFill/>
+          </a:ln>
+        </p:spPr>
+      </p:pic>
+      <p:pic>
+        <p:nvPicPr>
+          <p:cNvPr id="110" name="Picture 4" descr=""/>
+          <p:cNvPicPr/>
+          <p:nvPr/>
+        </p:nvPicPr>
+        <p:blipFill>
+          <a:blip r:embed="rId2"/>
+          <a:stretch/>
+        </p:blipFill>
+        <p:spPr>
+          <a:xfrm>
+            <a:off x="39240" y="0"/>
+            <a:ext cx="1067040" cy="1075680"/>
+          </a:xfrm>
+          <a:prstGeom prst="rect">
+            <a:avLst/>
+          </a:prstGeom>
+          <a:ln>
+            <a:noFill/>
+          </a:ln>
+        </p:spPr>
+      </p:pic>
+      <p:sp>
+        <p:nvSpPr>
+          <p:cNvPr id="111" name="CustomShape 3"/>
+          <p:cNvSpPr/>
+          <p:nvPr/>
+        </p:nvSpPr>
+        <p:spPr>
+          <a:xfrm>
+            <a:off x="2448000" y="0"/>
+            <a:ext cx="7684200" cy="1061640"/>
+          </a:xfrm>
+          <a:prstGeom prst="rect">
+            <a:avLst/>
+          </a:prstGeom>
+          <a:noFill/>
+          <a:ln>
+            <a:noFill/>
+          </a:ln>
+        </p:spPr>
+        <p:style>
+          <a:lnRef idx="0"/>
+          <a:fillRef idx="0"/>
+          <a:effectRef idx="0"/>
+          <a:fontRef idx="minor"/>
+        </p:style>
+        <p:txBody>
+          <a:bodyPr lIns="90000" rIns="90000" tIns="45000" bIns="45000"/>
+          <a:p>
+            <a:pPr>
+              <a:lnSpc>
+                <a:spcPct val="100000"/>
+              </a:lnSpc>
+            </a:pPr>
+            <a:r>
+              <a:rPr b="1" lang="en-GB" sz="3200" spc="-1" strike="noStrike">
+                <a:solidFill>
+                  <a:srgbClr val="000000"/>
+                </a:solidFill>
+                <a:uFill>
+                  <a:solidFill>
+                    <a:srgbClr val="ffffff"/>
+                  </a:solidFill>
+                </a:uFill>
+                <a:latin typeface="Eras Bold ITC"/>
+                <a:ea typeface="DejaVu Sans"/>
+              </a:rPr>
+              <a:t>www.students.aberrobotics.club</a:t>
+            </a:r>
+            <a:endParaRPr b="0" lang="en-GB" sz="1800" spc="-1" strike="noStrike">
+              <a:solidFill>
+                <a:srgbClr val="000000"/>
+              </a:solidFill>
+              <a:uFill>
+                <a:solidFill>
+                  <a:srgbClr val="ffffff"/>
+                </a:solidFill>
+              </a:uFill>
+              <a:latin typeface="Arial"/>
+            </a:endParaRPr>
+          </a:p>
+        </p:txBody>
+      </p:sp>
+    </p:spTree>
+  </p:cSld>
+  <p:timing>
+    <p:tnLst>
+      <p:par>
+        <p:cTn id="15" dur="indefinite" restart="never" nodeType="tmRoot">
+          <p:childTnLst>
+            <p:seq>
+              <p:cTn id="16" nodeType="mainSeq"/>
+              <p:prevCondLst>
+                <p:cond delay="0" evt="onPrev">
+                  <p:tgtEl>
+                    <p:sldTgt/>
+                  </p:tgtEl>
+                </p:cond>
+              </p:prevCondLst>
+              <p:nextCondLst>
+                <p:cond delay="0" evt="onNext">
+                  <p:tgtEl>
+                    <p:sldTgt/>
+                  </p:tgtEl>
+                </p:cond>
+              </p:nextCondLst>
+            </p:seq>
+          </p:childTnLst>
+        </p:cTn>
+      </p:par>
+    </p:tnLst>
+  </p:timing>
+</p:sld>
+</file>
+
+<file path=ppt/slides/slide9.xml><?xml version="1.0" encoding="utf-8"?>
+<p:sld xmlns:a="http://schemas.openxmlformats.org/drawingml/2006/main" xmlns:p="http://schemas.openxmlformats.org/presentationml/2006/main" xmlns:r="http://schemas.openxmlformats.org/officeDocument/2006/relationships" xmlns:p14="http://schemas.microsoft.com/office/powerpoint/2010/main" xmlns:p15="http://schemas.microsoft.com/office/powerpoint/2012/main" xmlns:mc="http://schemas.openxmlformats.org/markup-compatibility/2006">
+  <p:cSld>
+    <p:spTree>
+      <p:nvGrpSpPr>
+        <p:cNvPr id="1" name=""/>
+        <p:cNvGrpSpPr/>
+        <p:nvPr/>
+      </p:nvGrpSpPr>
+      <p:grpSpPr>
+        <a:xfrm>
+          <a:off x="0" y="0"/>
+          <a:ext cx="0" cy="0"/>
+          <a:chOff x="0" y="0"/>
+          <a:chExt cx="0" cy="0"/>
+        </a:xfrm>
+      </p:grpSpPr>
+      <p:sp>
+        <p:nvSpPr>
+          <p:cNvPr id="112" name="CustomShape 1"/>
+          <p:cNvSpPr/>
+          <p:nvPr/>
+        </p:nvSpPr>
+        <p:spPr>
+          <a:xfrm>
+            <a:off x="504000" y="1467720"/>
+            <a:ext cx="9068760" cy="1259280"/>
+          </a:xfrm>
+          <a:prstGeom prst="rect">
+            <a:avLst/>
+          </a:prstGeom>
+          <a:noFill/>
+          <a:ln>
+            <a:noFill/>
+          </a:ln>
+        </p:spPr>
+        <p:style>
+          <a:lnRef idx="0"/>
+          <a:fillRef idx="0"/>
+          <a:effectRef idx="0"/>
+          <a:fontRef idx="minor"/>
+        </p:style>
+        <p:txBody>
+          <a:bodyPr lIns="0" rIns="0" tIns="0" bIns="0" anchor="ctr"/>
+          <a:p>
+            <a:pPr algn="ctr">
+              <a:lnSpc>
+                <a:spcPct val="100000"/>
+              </a:lnSpc>
+            </a:pPr>
+            <a:r>
+              <a:rPr b="0" lang="en-GB" sz="4400" spc="-1" strike="noStrike">
+                <a:solidFill>
+                  <a:srgbClr val="000000"/>
+                </a:solidFill>
+                <a:uFill>
+                  <a:solidFill>
+                    <a:srgbClr val="ffffff"/>
+                  </a:solidFill>
+                </a:uFill>
+                <a:latin typeface="Arial"/>
+                <a:ea typeface="DejaVu Sans"/>
+              </a:rPr>
+              <a:t>End of year Certificates </a:t>
+            </a:r>
+            <a:endParaRPr b="0" lang="en-GB" sz="1800" spc="-1" strike="noStrike">
+              <a:solidFill>
+                <a:srgbClr val="000000"/>
+              </a:solidFill>
+              <a:uFill>
+                <a:solidFill>
+                  <a:srgbClr val="ffffff"/>
+                </a:solidFill>
+              </a:uFill>
+              <a:latin typeface="Arial"/>
+            </a:endParaRPr>
+          </a:p>
+          <a:p>
+            <a:pPr algn="ctr">
+              <a:lnSpc>
+                <a:spcPct val="100000"/>
+              </a:lnSpc>
+            </a:pPr>
+            <a:r>
+              <a:rPr b="0" lang="en-GB" sz="4400" spc="-1" strike="noStrike">
+                <a:solidFill>
+                  <a:srgbClr val="000000"/>
+                </a:solidFill>
+                <a:uFill>
+                  <a:solidFill>
+                    <a:srgbClr val="ffffff"/>
+                  </a:solidFill>
+                </a:uFill>
+                <a:latin typeface="Arial"/>
+                <a:ea typeface="DejaVu Sans"/>
+              </a:rPr>
+              <a:t>and Movie Night</a:t>
+            </a:r>
+            <a:endParaRPr b="0" lang="en-GB" sz="1800" spc="-1" strike="noStrike">
+              <a:solidFill>
+                <a:srgbClr val="000000"/>
+              </a:solidFill>
+              <a:uFill>
+                <a:solidFill>
+                  <a:srgbClr val="ffffff"/>
+                </a:solidFill>
+              </a:uFill>
+              <a:latin typeface="Arial"/>
+            </a:endParaRPr>
+          </a:p>
+        </p:txBody>
+      </p:sp>
+      <p:sp>
+        <p:nvSpPr>
+          <p:cNvPr id="113" name="CustomShape 2"/>
+          <p:cNvSpPr/>
+          <p:nvPr/>
+        </p:nvSpPr>
+        <p:spPr>
+          <a:xfrm>
+            <a:off x="504000" y="2728440"/>
+            <a:ext cx="9068760" cy="4381560"/>
+          </a:xfrm>
+          <a:prstGeom prst="rect">
+            <a:avLst/>
+          </a:prstGeom>
+          <a:noFill/>
+          <a:ln>
+            <a:noFill/>
+          </a:ln>
+        </p:spPr>
+        <p:style>
+          <a:lnRef idx="0"/>
+          <a:fillRef idx="0"/>
+          <a:effectRef idx="0"/>
+          <a:fontRef idx="minor"/>
+        </p:style>
+        <p:txBody>
+          <a:bodyPr lIns="0" rIns="0" tIns="0" bIns="0"/>
+          <a:p>
+            <a:pPr marL="432000" indent="-321120">
+              <a:lnSpc>
+                <a:spcPct val="100000"/>
+              </a:lnSpc>
+              <a:buClr>
+                <a:srgbClr val="000000"/>
+              </a:buClr>
+              <a:buSzPct val="45000"/>
+              <a:buFont typeface="Wingdings" charset="2"/>
+              <a:buChar char=""/>
+            </a:pPr>
+            <a:r>
+              <a:rPr b="0" lang="en-GB" sz="2800" spc="-1" strike="noStrike">
+                <a:solidFill>
+                  <a:srgbClr val="000000"/>
+                </a:solidFill>
+                <a:uFill>
+                  <a:solidFill>
+                    <a:srgbClr val="ffffff"/>
+                  </a:solidFill>
+                </a:uFill>
+                <a:latin typeface="Arial"/>
+                <a:ea typeface="DejaVu Sans"/>
+              </a:rPr>
+              <a:t>Certificates of achievement</a:t>
+            </a:r>
+            <a:endParaRPr b="0" lang="en-GB" sz="1800" spc="-1" strike="noStrike">
+              <a:solidFill>
+                <a:srgbClr val="000000"/>
+              </a:solidFill>
+              <a:uFill>
+                <a:solidFill>
+                  <a:srgbClr val="ffffff"/>
+                </a:solidFill>
+              </a:uFill>
+              <a:latin typeface="Arial"/>
+            </a:endParaRPr>
+          </a:p>
+          <a:p>
+            <a:pPr marL="432000" indent="-321120">
+              <a:lnSpc>
+                <a:spcPct val="100000"/>
+              </a:lnSpc>
+              <a:buClr>
+                <a:srgbClr val="000000"/>
+              </a:buClr>
+              <a:buSzPct val="45000"/>
+              <a:buFont typeface="Wingdings" charset="2"/>
+              <a:buChar char=""/>
+            </a:pPr>
+            <a:r>
+              <a:rPr b="0" lang="en-GB" sz="2800" spc="-1" strike="noStrike">
+                <a:solidFill>
+                  <a:srgbClr val="000000"/>
+                </a:solidFill>
+                <a:uFill>
+                  <a:solidFill>
+                    <a:srgbClr val="ffffff"/>
+                  </a:solidFill>
+                </a:uFill>
+                <a:latin typeface="Arial"/>
+                <a:ea typeface="DejaVu Sans"/>
+              </a:rPr>
+              <a:t>Star Wars in Physics Main?</a:t>
+            </a:r>
+            <a:endParaRPr b="0" lang="en-GB" sz="1800" spc="-1" strike="noStrike">
+              <a:solidFill>
+                <a:srgbClr val="000000"/>
+              </a:solidFill>
+              <a:uFill>
+                <a:solidFill>
+                  <a:srgbClr val="ffffff"/>
+                </a:solidFill>
+              </a:uFill>
+              <a:latin typeface="Arial"/>
+            </a:endParaRPr>
+          </a:p>
+        </p:txBody>
+      </p:sp>
+      <p:pic>
+        <p:nvPicPr>
+          <p:cNvPr id="114" name="Picture 3" descr=""/>
+          <p:cNvPicPr/>
+          <p:nvPr/>
+        </p:nvPicPr>
+        <p:blipFill>
+          <a:blip r:embed="rId1"/>
+          <a:stretch/>
+        </p:blipFill>
+        <p:spPr>
+          <a:xfrm>
+            <a:off x="0" y="0"/>
+            <a:ext cx="10077120" cy="1047600"/>
+          </a:xfrm>
+          <a:prstGeom prst="rect">
+            <a:avLst/>
+          </a:prstGeom>
+          <a:ln>
+            <a:noFill/>
+          </a:ln>
+        </p:spPr>
+      </p:pic>
+      <p:pic>
+        <p:nvPicPr>
+          <p:cNvPr id="115" name="Picture 4" descr=""/>
+          <p:cNvPicPr/>
+          <p:nvPr/>
+        </p:nvPicPr>
+        <p:blipFill>
+          <a:blip r:embed="rId2"/>
+          <a:stretch/>
+        </p:blipFill>
+        <p:spPr>
+          <a:xfrm>
+            <a:off x="39240" y="0"/>
+            <a:ext cx="1067040" cy="1075680"/>
+          </a:xfrm>
+          <a:prstGeom prst="rect">
+            <a:avLst/>
+          </a:prstGeom>
+          <a:ln>
+            <a:noFill/>
+          </a:ln>
+        </p:spPr>
+      </p:pic>
+      <p:sp>
+        <p:nvSpPr>
+          <p:cNvPr id="116" name="CustomShape 3"/>
+          <p:cNvSpPr/>
+          <p:nvPr/>
+        </p:nvSpPr>
+        <p:spPr>
+          <a:xfrm>
+            <a:off x="2448000" y="0"/>
+            <a:ext cx="7684200" cy="1061640"/>
+          </a:xfrm>
+          <a:prstGeom prst="rect">
+            <a:avLst/>
+          </a:prstGeom>
+          <a:noFill/>
+          <a:ln>
+            <a:noFill/>
+          </a:ln>
+        </p:spPr>
+        <p:style>
+          <a:lnRef idx="0"/>
+          <a:fillRef idx="0"/>
+          <a:effectRef idx="0"/>
+          <a:fontRef idx="minor"/>
+        </p:style>
+        <p:txBody>
+          <a:bodyPr lIns="90000" rIns="90000" tIns="45000" bIns="45000"/>
+          <a:p>
+            <a:pPr>
+              <a:lnSpc>
+                <a:spcPct val="100000"/>
+              </a:lnSpc>
+            </a:pPr>
+            <a:r>
+              <a:rPr b="1" lang="en-GB" sz="3200" spc="-1" strike="noStrike">
+                <a:solidFill>
+                  <a:srgbClr val="000000"/>
+                </a:solidFill>
+                <a:uFill>
+                  <a:solidFill>
+                    <a:srgbClr val="ffffff"/>
+                  </a:solidFill>
+                </a:uFill>
+                <a:latin typeface="Eras Bold ITC"/>
+                <a:ea typeface="DejaVu Sans"/>
+              </a:rPr>
+              <a:t>www.students.aberrobotics.club</a:t>
+            </a:r>
+            <a:endParaRPr b="0" lang="en-GB" sz="1800" spc="-1" strike="noStrike">
+              <a:solidFill>
+                <a:srgbClr val="000000"/>
+              </a:solidFill>
+              <a:uFill>
+                <a:solidFill>
+                  <a:srgbClr val="ffffff"/>
+                </a:solidFill>
+              </a:uFill>
+              <a:latin typeface="Arial"/>
+            </a:endParaRPr>
+          </a:p>
+        </p:txBody>
+      </p:sp>
+    </p:spTree>
+  </p:cSld>
+  <p:timing>
+    <p:tnLst>
+      <p:par>
+        <p:cTn id="17" dur="indefinite" restart="never" nodeType="tmRoot">
+          <p:childTnLst>
+            <p:seq>
+              <p:cTn id="18" nodeType="mainSeq"/>
               <p:prevCondLst>
                 <p:cond delay="0" evt="onPrev">
                   <p:tgtEl>

--- a/news/2018-02-07.pptx
+++ b/news/2018-02-07.pptx
@@ -16,6 +16,7 @@
     <p:sldId id="263" r:id="rId11"/>
     <p:sldId id="264" r:id="rId12"/>
     <p:sldId id="265" r:id="rId13"/>
+    <p:sldId id="266" r:id="rId14"/>
   </p:sldIdLst>
   <p:sldSz cx="10080625" cy="7559675"/>
   <p:notesSz cx="7559675" cy="10691812"/>
@@ -3029,7 +3030,21 @@
                 </a:uFill>
                 <a:latin typeface="Arial"/>
               </a:rPr>
-              <a:t>Click to edit the title text format</a:t>
+              <a:t>Click to edit the title text </a:t>
+            </a:r>
+            <a:r>
+              <a:rPr b="0" lang="en-GB" sz="4400" spc="-1" strike="noStrike">
+                <a:solidFill>
+                  <a:srgbClr val="000000"/>
+                </a:solidFill>
+                <a:uFill>
+                  <a:solidFill>
+                    <a:srgbClr val="ffffff"/>
+                  </a:solidFill>
+                </a:uFill>
+                <a:latin typeface="Arial"/>
+              </a:rPr>
+              <a:t>format</a:t>
             </a:r>
             <a:endParaRPr b="0" lang="en-GB" sz="4400" spc="-1" strike="noStrike">
               <a:solidFill>
@@ -3722,7 +3737,7 @@
         <p:spPr>
           <a:xfrm>
             <a:off x="504000" y="1404360"/>
-            <a:ext cx="9069120" cy="3165480"/>
+            <a:ext cx="9068760" cy="3165120"/>
           </a:xfrm>
           <a:prstGeom prst="rect">
             <a:avLst/>
@@ -3969,7 +3984,7 @@
         <p:spPr>
           <a:xfrm>
             <a:off x="0" y="0"/>
-            <a:ext cx="10077480" cy="1047960"/>
+            <a:ext cx="10077120" cy="1047600"/>
           </a:xfrm>
           <a:prstGeom prst="rect">
             <a:avLst/>
@@ -3988,7 +4003,7 @@
         <p:spPr>
           <a:xfrm>
             <a:off x="2448000" y="0"/>
-            <a:ext cx="7684200" cy="1061640"/>
+            <a:ext cx="7683840" cy="1061280"/>
           </a:xfrm>
           <a:prstGeom prst="rect">
             <a:avLst/>
@@ -4054,7 +4069,7 @@
         <p:spPr>
           <a:xfrm>
             <a:off x="39240" y="0"/>
-            <a:ext cx="1067400" cy="1076040"/>
+            <a:ext cx="1067040" cy="1075680"/>
           </a:xfrm>
           <a:prstGeom prst="rect">
             <a:avLst/>
@@ -4077,7 +4092,7 @@
         <p:spPr>
           <a:xfrm>
             <a:off x="3718440" y="4659840"/>
-            <a:ext cx="2640600" cy="2661480"/>
+            <a:ext cx="2640240" cy="2661120"/>
           </a:xfrm>
           <a:prstGeom prst="rect">
             <a:avLst/>
@@ -4145,7 +4160,7 @@
         <p:spPr>
           <a:xfrm>
             <a:off x="504000" y="1467720"/>
-            <a:ext cx="9068760" cy="1259280"/>
+            <a:ext cx="9068400" cy="1258920"/>
           </a:xfrm>
           <a:prstGeom prst="rect">
             <a:avLst/>
@@ -4182,7 +4197,40 @@
                 <a:latin typeface="Arial"/>
                 <a:ea typeface="DejaVu Sans"/>
               </a:rPr>
-              <a:t>Have Fun!</a:t>
+              <a:t>End of year Certificates </a:t>
+            </a:r>
+            <a:endParaRPr b="0" lang="en-GB" sz="1800" spc="-1" strike="noStrike">
+              <a:solidFill>
+                <a:srgbClr val="000000"/>
+              </a:solidFill>
+              <a:uFill>
+                <a:solidFill>
+                  <a:srgbClr val="ffffff"/>
+                </a:solidFill>
+              </a:uFill>
+              <a:latin typeface="Arial"/>
+            </a:endParaRPr>
+          </a:p>
+          <a:p>
+            <a:pPr algn="ctr">
+              <a:lnSpc>
+                <a:spcPct val="100000"/>
+              </a:lnSpc>
+            </a:pPr>
+            <a:r>
+              <a:rPr b="0" lang="en-GB" sz="4400" spc="-1" strike="noStrike">
+                <a:solidFill>
+                  <a:srgbClr val="000000"/>
+                </a:solidFill>
+                <a:uFill>
+                  <a:solidFill>
+                    <a:srgbClr val="ffffff"/>
+                  </a:solidFill>
+                </a:uFill>
+                <a:latin typeface="Arial"/>
+                <a:ea typeface="DejaVu Sans"/>
+              </a:rPr>
+              <a:t>and Movie Night</a:t>
             </a:r>
             <a:endParaRPr b="0" lang="en-GB" sz="1800" spc="-1" strike="noStrike">
               <a:solidFill>
@@ -4207,7 +4255,7 @@
         <p:spPr>
           <a:xfrm>
             <a:off x="504000" y="2728440"/>
-            <a:ext cx="9068760" cy="4381560"/>
+            <a:ext cx="9068400" cy="4381200"/>
           </a:xfrm>
           <a:prstGeom prst="rect">
             <a:avLst/>
@@ -4223,6 +4271,126 @@
           <a:effectRef idx="0"/>
           <a:fontRef idx="minor"/>
         </p:style>
+        <p:txBody>
+          <a:bodyPr lIns="0" rIns="0" tIns="0" bIns="0"/>
+          <a:p>
+            <a:pPr marL="432000" indent="-320760">
+              <a:lnSpc>
+                <a:spcPct val="100000"/>
+              </a:lnSpc>
+              <a:buClr>
+                <a:srgbClr val="000000"/>
+              </a:buClr>
+              <a:buSzPct val="45000"/>
+              <a:buFont typeface="Wingdings" charset="2"/>
+              <a:buChar char=""/>
+            </a:pPr>
+            <a:r>
+              <a:rPr b="0" lang="en-GB" sz="2800" spc="-1" strike="noStrike">
+                <a:solidFill>
+                  <a:srgbClr val="000000"/>
+                </a:solidFill>
+                <a:uFill>
+                  <a:solidFill>
+                    <a:srgbClr val="ffffff"/>
+                  </a:solidFill>
+                </a:uFill>
+                <a:latin typeface="Arial"/>
+                <a:ea typeface="DejaVu Sans"/>
+              </a:rPr>
+              <a:t>Certificates of achievement</a:t>
+            </a:r>
+            <a:endParaRPr b="0" lang="en-GB" sz="1800" spc="-1" strike="noStrike">
+              <a:solidFill>
+                <a:srgbClr val="000000"/>
+              </a:solidFill>
+              <a:uFill>
+                <a:solidFill>
+                  <a:srgbClr val="ffffff"/>
+                </a:solidFill>
+              </a:uFill>
+              <a:latin typeface="Arial"/>
+            </a:endParaRPr>
+          </a:p>
+          <a:p>
+            <a:pPr marL="432000" indent="-320760">
+              <a:lnSpc>
+                <a:spcPct val="100000"/>
+              </a:lnSpc>
+              <a:buClr>
+                <a:srgbClr val="000000"/>
+              </a:buClr>
+              <a:buSzPct val="45000"/>
+              <a:buFont typeface="Wingdings" charset="2"/>
+              <a:buChar char=""/>
+            </a:pPr>
+            <a:r>
+              <a:rPr b="0" lang="en-GB" sz="2800" spc="-1" strike="noStrike">
+                <a:solidFill>
+                  <a:srgbClr val="000000"/>
+                </a:solidFill>
+                <a:uFill>
+                  <a:solidFill>
+                    <a:srgbClr val="ffffff"/>
+                  </a:solidFill>
+                </a:uFill>
+                <a:latin typeface="Arial"/>
+                <a:ea typeface="DejaVu Sans"/>
+              </a:rPr>
+              <a:t>Star Wars in Physics Main?</a:t>
+            </a:r>
+            <a:endParaRPr b="0" lang="en-GB" sz="1800" spc="-1" strike="noStrike">
+              <a:solidFill>
+                <a:srgbClr val="000000"/>
+              </a:solidFill>
+              <a:uFill>
+                <a:solidFill>
+                  <a:srgbClr val="ffffff"/>
+                </a:solidFill>
+              </a:uFill>
+              <a:latin typeface="Arial"/>
+            </a:endParaRPr>
+          </a:p>
+          <a:p>
+            <a:pPr marL="432000" indent="-320760">
+              <a:lnSpc>
+                <a:spcPct val="100000"/>
+              </a:lnSpc>
+              <a:buClr>
+                <a:srgbClr val="000000"/>
+              </a:buClr>
+              <a:buSzPct val="45000"/>
+              <a:buFont typeface="Wingdings" charset="2"/>
+              <a:buChar char=""/>
+            </a:pPr>
+            <a:r>
+              <a:rPr b="0" lang="en-GB" sz="2800" spc="-1" strike="noStrike">
+                <a:solidFill>
+                  <a:srgbClr val="000000"/>
+                </a:solidFill>
+                <a:uFill>
+                  <a:solidFill>
+                    <a:srgbClr val="ffffff"/>
+                  </a:solidFill>
+                </a:uFill>
+                <a:latin typeface="Arial"/>
+                <a:ea typeface="DejaVu Sans"/>
+              </a:rPr>
+              <a:t>Pizza or Cake?</a:t>
+            </a:r>
+            <a:endParaRPr b="0" lang="en-GB" sz="1800" spc="-1" strike="noStrike">
+              <a:solidFill>
+                <a:srgbClr val="000000"/>
+              </a:solidFill>
+              <a:uFill>
+                <a:solidFill>
+                  <a:srgbClr val="ffffff"/>
+                </a:solidFill>
+              </a:uFill>
+              <a:latin typeface="Arial"/>
+            </a:endParaRPr>
+          </a:p>
+        </p:txBody>
       </p:sp>
       <p:pic>
         <p:nvPicPr>
@@ -4237,7 +4405,7 @@
         <p:spPr>
           <a:xfrm>
             <a:off x="0" y="0"/>
-            <a:ext cx="10077120" cy="1047600"/>
+            <a:ext cx="10076760" cy="1047240"/>
           </a:xfrm>
           <a:prstGeom prst="rect">
             <a:avLst/>
@@ -4260,7 +4428,7 @@
         <p:spPr>
           <a:xfrm>
             <a:off x="39240" y="0"/>
-            <a:ext cx="1067040" cy="1075680"/>
+            <a:ext cx="1066680" cy="1075320"/>
           </a:xfrm>
           <a:prstGeom prst="rect">
             <a:avLst/>
@@ -4279,7 +4447,7 @@
         <p:spPr>
           <a:xfrm>
             <a:off x="2448000" y="0"/>
-            <a:ext cx="7684200" cy="1061640"/>
+            <a:ext cx="7683840" cy="1061280"/>
           </a:xfrm>
           <a:prstGeom prst="rect">
             <a:avLst/>
@@ -4337,10 +4505,405 @@
   <p:timing>
     <p:tnLst>
       <p:par>
-        <p:cTn id="19" dur="indefinite" restart="never" nodeType="tmRoot">
+        <p:cTn id="179" dur="indefinite" restart="never" nodeType="tmRoot">
           <p:childTnLst>
             <p:seq>
-              <p:cTn id="20" nodeType="mainSeq"/>
+              <p:cTn id="180" nodeType="mainSeq">
+                <p:childTnLst>
+                  <p:par>
+                    <p:cTn id="181" fill="freeze">
+                      <p:stCondLst>
+                        <p:cond delay="indefinite"/>
+                      </p:stCondLst>
+                      <p:childTnLst>
+                        <p:par>
+                          <p:cTn id="182" fill="freeze">
+                            <p:stCondLst>
+                              <p:cond delay="0"/>
+                            </p:stCondLst>
+                            <p:childTnLst>
+                              <p:par>
+                                <p:cTn id="183" nodeType="clickEffect" fill="hold" presetClass="entr" presetID="1">
+                                  <p:stCondLst>
+                                    <p:cond delay="0"/>
+                                  </p:stCondLst>
+                                  <p:childTnLst>
+                                    <p:set>
+                                      <p:cBhvr>
+                                        <p:cTn id="184" dur="1" fill="hold">
+                                          <p:stCondLst>
+                                            <p:cond delay="0"/>
+                                          </p:stCondLst>
+                                        </p:cTn>
+                                        <p:tgtEl>
+                                          <p:spTgt spid="118">
+                                            <p:txEl>
+                                              <p:pRg st="0" end="28"/>
+                                            </p:txEl>
+                                          </p:spTgt>
+                                        </p:tgtEl>
+                                        <p:attrNameLst>
+                                          <p:attrName>style.visibility</p:attrName>
+                                        </p:attrNameLst>
+                                      </p:cBhvr>
+                                      <p:to>
+                                        <p:strVal val="visible"/>
+                                      </p:to>
+                                    </p:set>
+                                  </p:childTnLst>
+                                </p:cTn>
+                              </p:par>
+                            </p:childTnLst>
+                          </p:cTn>
+                        </p:par>
+                      </p:childTnLst>
+                    </p:cTn>
+                  </p:par>
+                  <p:par>
+                    <p:cTn id="185" fill="freeze">
+                      <p:stCondLst>
+                        <p:cond delay="indefinite"/>
+                      </p:stCondLst>
+                      <p:childTnLst>
+                        <p:par>
+                          <p:cTn id="186" fill="freeze">
+                            <p:stCondLst>
+                              <p:cond delay="0"/>
+                            </p:stCondLst>
+                            <p:childTnLst>
+                              <p:par>
+                                <p:cTn id="187" nodeType="clickEffect" fill="hold" presetClass="entr" presetID="1">
+                                  <p:stCondLst>
+                                    <p:cond delay="0"/>
+                                  </p:stCondLst>
+                                  <p:childTnLst>
+                                    <p:set>
+                                      <p:cBhvr>
+                                        <p:cTn id="188" dur="1" fill="hold">
+                                          <p:stCondLst>
+                                            <p:cond delay="0"/>
+                                          </p:stCondLst>
+                                        </p:cTn>
+                                        <p:tgtEl>
+                                          <p:spTgt spid="118">
+                                            <p:txEl>
+                                              <p:pRg st="28" end="55"/>
+                                            </p:txEl>
+                                          </p:spTgt>
+                                        </p:tgtEl>
+                                        <p:attrNameLst>
+                                          <p:attrName>style.visibility</p:attrName>
+                                        </p:attrNameLst>
+                                      </p:cBhvr>
+                                      <p:to>
+                                        <p:strVal val="visible"/>
+                                      </p:to>
+                                    </p:set>
+                                  </p:childTnLst>
+                                </p:cTn>
+                              </p:par>
+                            </p:childTnLst>
+                          </p:cTn>
+                        </p:par>
+                      </p:childTnLst>
+                    </p:cTn>
+                  </p:par>
+                  <p:par>
+                    <p:cTn id="189" fill="freeze">
+                      <p:stCondLst>
+                        <p:cond delay="indefinite"/>
+                      </p:stCondLst>
+                      <p:childTnLst>
+                        <p:par>
+                          <p:cTn id="190" fill="freeze">
+                            <p:stCondLst>
+                              <p:cond delay="0"/>
+                            </p:stCondLst>
+                            <p:childTnLst>
+                              <p:par>
+                                <p:cTn id="191" nodeType="clickEffect" fill="hold" presetClass="entr" presetID="1">
+                                  <p:stCondLst>
+                                    <p:cond delay="0"/>
+                                  </p:stCondLst>
+                                  <p:childTnLst>
+                                    <p:set>
+                                      <p:cBhvr>
+                                        <p:cTn id="192" dur="1" fill="hold">
+                                          <p:stCondLst>
+                                            <p:cond delay="0"/>
+                                          </p:stCondLst>
+                                        </p:cTn>
+                                        <p:tgtEl>
+                                          <p:spTgt spid="118">
+                                            <p:txEl>
+                                              <p:pRg st="55" end="70"/>
+                                            </p:txEl>
+                                          </p:spTgt>
+                                        </p:tgtEl>
+                                        <p:attrNameLst>
+                                          <p:attrName>style.visibility</p:attrName>
+                                        </p:attrNameLst>
+                                      </p:cBhvr>
+                                      <p:to>
+                                        <p:strVal val="visible"/>
+                                      </p:to>
+                                    </p:set>
+                                  </p:childTnLst>
+                                </p:cTn>
+                              </p:par>
+                            </p:childTnLst>
+                          </p:cTn>
+                        </p:par>
+                      </p:childTnLst>
+                    </p:cTn>
+                  </p:par>
+                </p:childTnLst>
+              </p:cTn>
+              <p:prevCondLst>
+                <p:cond delay="0" evt="onPrev">
+                  <p:tgtEl>
+                    <p:sldTgt/>
+                  </p:tgtEl>
+                </p:cond>
+              </p:prevCondLst>
+              <p:nextCondLst>
+                <p:cond delay="0" evt="onNext">
+                  <p:tgtEl>
+                    <p:sldTgt/>
+                  </p:tgtEl>
+                </p:cond>
+              </p:nextCondLst>
+            </p:seq>
+          </p:childTnLst>
+        </p:cTn>
+      </p:par>
+    </p:tnLst>
+  </p:timing>
+</p:sld>
+</file>
+
+<file path=ppt/slides/slide11.xml><?xml version="1.0" encoding="utf-8"?>
+<p:sld xmlns:a="http://schemas.openxmlformats.org/drawingml/2006/main" xmlns:p="http://schemas.openxmlformats.org/presentationml/2006/main" xmlns:r="http://schemas.openxmlformats.org/officeDocument/2006/relationships" xmlns:p14="http://schemas.microsoft.com/office/powerpoint/2010/main" xmlns:p15="http://schemas.microsoft.com/office/powerpoint/2012/main" xmlns:mc="http://schemas.openxmlformats.org/markup-compatibility/2006">
+  <p:cSld>
+    <p:spTree>
+      <p:nvGrpSpPr>
+        <p:cNvPr id="1" name=""/>
+        <p:cNvGrpSpPr/>
+        <p:nvPr/>
+      </p:nvGrpSpPr>
+      <p:grpSpPr>
+        <a:xfrm>
+          <a:off x="0" y="0"/>
+          <a:ext cx="0" cy="0"/>
+          <a:chOff x="0" y="0"/>
+          <a:chExt cx="0" cy="0"/>
+        </a:xfrm>
+      </p:grpSpPr>
+      <p:sp>
+        <p:nvSpPr>
+          <p:cNvPr id="122" name="CustomShape 1"/>
+          <p:cNvSpPr/>
+          <p:nvPr/>
+        </p:nvSpPr>
+        <p:spPr>
+          <a:xfrm>
+            <a:off x="504000" y="1467720"/>
+            <a:ext cx="9068400" cy="1258920"/>
+          </a:xfrm>
+          <a:prstGeom prst="rect">
+            <a:avLst/>
+          </a:prstGeom>
+          <a:noFill/>
+          <a:ln>
+            <a:noFill/>
+          </a:ln>
+        </p:spPr>
+        <p:style>
+          <a:lnRef idx="0"/>
+          <a:fillRef idx="0"/>
+          <a:effectRef idx="0"/>
+          <a:fontRef idx="minor"/>
+        </p:style>
+        <p:txBody>
+          <a:bodyPr lIns="0" rIns="0" tIns="0" bIns="0" anchor="ctr"/>
+          <a:p>
+            <a:pPr algn="ctr">
+              <a:lnSpc>
+                <a:spcPct val="100000"/>
+              </a:lnSpc>
+            </a:pPr>
+            <a:r>
+              <a:rPr b="0" lang="en-GB" sz="4400" spc="-1" strike="noStrike">
+                <a:solidFill>
+                  <a:srgbClr val="000000"/>
+                </a:solidFill>
+                <a:uFill>
+                  <a:solidFill>
+                    <a:srgbClr val="ffffff"/>
+                  </a:solidFill>
+                </a:uFill>
+                <a:latin typeface="Arial"/>
+                <a:ea typeface="DejaVu Sans"/>
+              </a:rPr>
+              <a:t>Have Fun!</a:t>
+            </a:r>
+            <a:endParaRPr b="0" lang="en-GB" sz="1800" spc="-1" strike="noStrike">
+              <a:solidFill>
+                <a:srgbClr val="000000"/>
+              </a:solidFill>
+              <a:uFill>
+                <a:solidFill>
+                  <a:srgbClr val="ffffff"/>
+                </a:solidFill>
+              </a:uFill>
+              <a:latin typeface="Arial"/>
+            </a:endParaRPr>
+          </a:p>
+        </p:txBody>
+      </p:sp>
+      <p:sp>
+        <p:nvSpPr>
+          <p:cNvPr id="123" name="CustomShape 2"/>
+          <p:cNvSpPr/>
+          <p:nvPr/>
+        </p:nvSpPr>
+        <p:spPr>
+          <a:xfrm>
+            <a:off x="504000" y="2728440"/>
+            <a:ext cx="9068400" cy="4381200"/>
+          </a:xfrm>
+          <a:prstGeom prst="rect">
+            <a:avLst/>
+          </a:prstGeom>
+          <a:noFill/>
+          <a:ln>
+            <a:noFill/>
+          </a:ln>
+        </p:spPr>
+        <p:style>
+          <a:lnRef idx="0"/>
+          <a:fillRef idx="0"/>
+          <a:effectRef idx="0"/>
+          <a:fontRef idx="minor"/>
+        </p:style>
+      </p:sp>
+      <p:pic>
+        <p:nvPicPr>
+          <p:cNvPr id="124" name="Picture 3" descr=""/>
+          <p:cNvPicPr/>
+          <p:nvPr/>
+        </p:nvPicPr>
+        <p:blipFill>
+          <a:blip r:embed="rId1"/>
+          <a:stretch/>
+        </p:blipFill>
+        <p:spPr>
+          <a:xfrm>
+            <a:off x="0" y="0"/>
+            <a:ext cx="10076760" cy="1047240"/>
+          </a:xfrm>
+          <a:prstGeom prst="rect">
+            <a:avLst/>
+          </a:prstGeom>
+          <a:ln>
+            <a:noFill/>
+          </a:ln>
+        </p:spPr>
+      </p:pic>
+      <p:pic>
+        <p:nvPicPr>
+          <p:cNvPr id="125" name="Picture 4" descr=""/>
+          <p:cNvPicPr/>
+          <p:nvPr/>
+        </p:nvPicPr>
+        <p:blipFill>
+          <a:blip r:embed="rId2"/>
+          <a:stretch/>
+        </p:blipFill>
+        <p:spPr>
+          <a:xfrm>
+            <a:off x="39240" y="0"/>
+            <a:ext cx="1066680" cy="1075320"/>
+          </a:xfrm>
+          <a:prstGeom prst="rect">
+            <a:avLst/>
+          </a:prstGeom>
+          <a:ln>
+            <a:noFill/>
+          </a:ln>
+        </p:spPr>
+      </p:pic>
+      <p:sp>
+        <p:nvSpPr>
+          <p:cNvPr id="126" name="CustomShape 3"/>
+          <p:cNvSpPr/>
+          <p:nvPr/>
+        </p:nvSpPr>
+        <p:spPr>
+          <a:xfrm>
+            <a:off x="2448000" y="0"/>
+            <a:ext cx="7683840" cy="1061280"/>
+          </a:xfrm>
+          <a:prstGeom prst="rect">
+            <a:avLst/>
+          </a:prstGeom>
+          <a:noFill/>
+          <a:ln>
+            <a:noFill/>
+          </a:ln>
+        </p:spPr>
+        <p:style>
+          <a:lnRef idx="0"/>
+          <a:fillRef idx="0"/>
+          <a:effectRef idx="0"/>
+          <a:fontRef idx="minor"/>
+        </p:style>
+        <p:txBody>
+          <a:bodyPr lIns="90000" rIns="90000" tIns="45000" bIns="45000"/>
+          <a:p>
+            <a:pPr>
+              <a:lnSpc>
+                <a:spcPct val="100000"/>
+              </a:lnSpc>
+            </a:pPr>
+            <a:r>
+              <a:rPr b="1" lang="en-GB" sz="3200" spc="-1" strike="noStrike">
+                <a:solidFill>
+                  <a:srgbClr val="000000"/>
+                </a:solidFill>
+                <a:uFill>
+                  <a:solidFill>
+                    <a:srgbClr val="ffffff"/>
+                  </a:solidFill>
+                </a:uFill>
+                <a:latin typeface="Eras Bold ITC"/>
+                <a:ea typeface="DejaVu Sans"/>
+              </a:rPr>
+              <a:t>www.students.aberrobotics.club</a:t>
+            </a:r>
+            <a:endParaRPr b="0" lang="en-GB" sz="1800" spc="-1" strike="noStrike">
+              <a:solidFill>
+                <a:srgbClr val="000000"/>
+              </a:solidFill>
+              <a:uFill>
+                <a:solidFill>
+                  <a:srgbClr val="ffffff"/>
+                </a:solidFill>
+              </a:uFill>
+              <a:latin typeface="Arial"/>
+            </a:endParaRPr>
+          </a:p>
+        </p:txBody>
+      </p:sp>
+    </p:spTree>
+  </p:cSld>
+  <p:timing>
+    <p:tnLst>
+      <p:par>
+        <p:cTn id="193" dur="indefinite" restart="never" nodeType="tmRoot">
+          <p:childTnLst>
+            <p:seq>
+              <p:cTn id="194" nodeType="mainSeq"/>
               <p:prevCondLst>
                 <p:cond delay="0" evt="onPrev">
                   <p:tgtEl>
@@ -4390,7 +4953,7 @@
         <p:spPr>
           <a:xfrm>
             <a:off x="504000" y="1467720"/>
-            <a:ext cx="9068760" cy="1259280"/>
+            <a:ext cx="9068400" cy="1258920"/>
           </a:xfrm>
           <a:prstGeom prst="rect">
             <a:avLst/>
@@ -4452,7 +5015,7 @@
         <p:spPr>
           <a:xfrm>
             <a:off x="504000" y="2728440"/>
-            <a:ext cx="9068760" cy="4381560"/>
+            <a:ext cx="9068400" cy="4381200"/>
           </a:xfrm>
           <a:prstGeom prst="rect">
             <a:avLst/>
@@ -4471,7 +5034,7 @@
         <p:txBody>
           <a:bodyPr lIns="0" rIns="0" tIns="0" bIns="0"/>
           <a:p>
-            <a:pPr marL="432000" indent="-321120">
+            <a:pPr marL="432000" indent="-320760">
               <a:lnSpc>
                 <a:spcPct val="100000"/>
               </a:lnSpc>
@@ -4510,7 +5073,7 @@
             </a:endParaRPr>
           </a:p>
           <a:p>
-            <a:pPr marL="432000" indent="-321120">
+            <a:pPr marL="432000" indent="-320760">
               <a:lnSpc>
                 <a:spcPct val="100000"/>
               </a:lnSpc>
@@ -4565,7 +5128,7 @@
             </a:endParaRPr>
           </a:p>
           <a:p>
-            <a:pPr marL="432000" indent="-321120">
+            <a:pPr marL="432000" indent="-320760">
               <a:lnSpc>
                 <a:spcPct val="100000"/>
               </a:lnSpc>
@@ -4604,7 +5167,7 @@
             </a:endParaRPr>
           </a:p>
           <a:p>
-            <a:pPr marL="432000" indent="-321120">
+            <a:pPr marL="432000" indent="-320760">
               <a:lnSpc>
                 <a:spcPct val="100000"/>
               </a:lnSpc>
@@ -4643,7 +5206,7 @@
             </a:endParaRPr>
           </a:p>
           <a:p>
-            <a:pPr lvl="3" marL="864000" indent="-215640">
+            <a:pPr lvl="3" marL="864000" indent="-215280">
               <a:lnSpc>
                 <a:spcPct val="100000"/>
               </a:lnSpc>
@@ -4698,7 +5261,7 @@
             </a:endParaRPr>
           </a:p>
           <a:p>
-            <a:pPr lvl="3" marL="864000" indent="-215640">
+            <a:pPr lvl="3" marL="864000" indent="-215280">
               <a:lnSpc>
                 <a:spcPct val="100000"/>
               </a:lnSpc>
@@ -4753,7 +5316,7 @@
             </a:endParaRPr>
           </a:p>
           <a:p>
-            <a:pPr lvl="3" marL="864000" indent="-215640">
+            <a:pPr lvl="3" marL="864000" indent="-215280">
               <a:lnSpc>
                 <a:spcPct val="100000"/>
               </a:lnSpc>
@@ -4837,7 +5400,7 @@
         <p:spPr>
           <a:xfrm>
             <a:off x="0" y="0"/>
-            <a:ext cx="10077120" cy="1047600"/>
+            <a:ext cx="10076760" cy="1047240"/>
           </a:xfrm>
           <a:prstGeom prst="rect">
             <a:avLst/>
@@ -4860,7 +5423,7 @@
         <p:spPr>
           <a:xfrm>
             <a:off x="39240" y="0"/>
-            <a:ext cx="1067040" cy="1075680"/>
+            <a:ext cx="1066680" cy="1075320"/>
           </a:xfrm>
           <a:prstGeom prst="rect">
             <a:avLst/>
@@ -4879,7 +5442,7 @@
         <p:spPr>
           <a:xfrm>
             <a:off x="2448000" y="0"/>
-            <a:ext cx="7684200" cy="1061640"/>
+            <a:ext cx="7683840" cy="1061280"/>
           </a:xfrm>
           <a:prstGeom prst="rect">
             <a:avLst/>
@@ -4940,7 +5503,250 @@
         <p:cTn id="3" dur="indefinite" restart="never" nodeType="tmRoot">
           <p:childTnLst>
             <p:seq>
-              <p:cTn id="4" nodeType="mainSeq"/>
+              <p:cTn id="4" nodeType="mainSeq">
+                <p:childTnLst>
+                  <p:par>
+                    <p:cTn id="5" fill="freeze">
+                      <p:stCondLst>
+                        <p:cond delay="indefinite"/>
+                      </p:stCondLst>
+                      <p:childTnLst>
+                        <p:par>
+                          <p:cTn id="6" fill="freeze">
+                            <p:stCondLst>
+                              <p:cond delay="0"/>
+                            </p:stCondLst>
+                            <p:childTnLst>
+                              <p:par>
+                                <p:cTn id="7" nodeType="clickEffect" fill="hold" presetClass="entr" presetID="1">
+                                  <p:stCondLst>
+                                    <p:cond delay="0"/>
+                                  </p:stCondLst>
+                                  <p:childTnLst>
+                                    <p:set>
+                                      <p:cBhvr>
+                                        <p:cTn id="8" dur="1" fill="hold">
+                                          <p:stCondLst>
+                                            <p:cond delay="0"/>
+                                          </p:stCondLst>
+                                        </p:cTn>
+                                        <p:tgtEl>
+                                          <p:spTgt spid="78">
+                                            <p:txEl>
+                                              <p:pRg st="0" end="50"/>
+                                            </p:txEl>
+                                          </p:spTgt>
+                                        </p:tgtEl>
+                                        <p:attrNameLst>
+                                          <p:attrName>style.visibility</p:attrName>
+                                        </p:attrNameLst>
+                                      </p:cBhvr>
+                                      <p:to>
+                                        <p:strVal val="visible"/>
+                                      </p:to>
+                                    </p:set>
+                                  </p:childTnLst>
+                                </p:cTn>
+                              </p:par>
+                            </p:childTnLst>
+                          </p:cTn>
+                        </p:par>
+                      </p:childTnLst>
+                    </p:cTn>
+                  </p:par>
+                  <p:par>
+                    <p:cTn id="9" fill="freeze">
+                      <p:stCondLst>
+                        <p:cond delay="indefinite"/>
+                      </p:stCondLst>
+                      <p:childTnLst>
+                        <p:par>
+                          <p:cTn id="10" fill="freeze">
+                            <p:stCondLst>
+                              <p:cond delay="0"/>
+                            </p:stCondLst>
+                            <p:childTnLst>
+                              <p:par>
+                                <p:cTn id="11" nodeType="clickEffect" fill="hold" presetClass="entr" presetID="1">
+                                  <p:stCondLst>
+                                    <p:cond delay="0"/>
+                                  </p:stCondLst>
+                                  <p:childTnLst>
+                                    <p:set>
+                                      <p:cBhvr>
+                                        <p:cTn id="12" dur="1" fill="hold">
+                                          <p:stCondLst>
+                                            <p:cond delay="0"/>
+                                          </p:stCondLst>
+                                        </p:cTn>
+                                        <p:tgtEl>
+                                          <p:spTgt spid="78">
+                                            <p:txEl>
+                                              <p:pRg st="50" end="102"/>
+                                            </p:txEl>
+                                          </p:spTgt>
+                                        </p:tgtEl>
+                                        <p:attrNameLst>
+                                          <p:attrName>style.visibility</p:attrName>
+                                        </p:attrNameLst>
+                                      </p:cBhvr>
+                                      <p:to>
+                                        <p:strVal val="visible"/>
+                                      </p:to>
+                                    </p:set>
+                                  </p:childTnLst>
+                                </p:cTn>
+                              </p:par>
+                            </p:childTnLst>
+                          </p:cTn>
+                        </p:par>
+                      </p:childTnLst>
+                    </p:cTn>
+                  </p:par>
+                  <p:par>
+                    <p:cTn id="13" fill="freeze">
+                      <p:stCondLst>
+                        <p:cond delay="indefinite"/>
+                      </p:stCondLst>
+                      <p:childTnLst>
+                        <p:par>
+                          <p:cTn id="14" fill="freeze">
+                            <p:stCondLst>
+                              <p:cond delay="0"/>
+                            </p:stCondLst>
+                            <p:childTnLst>
+                              <p:par>
+                                <p:cTn id="15" nodeType="clickEffect" fill="hold" presetClass="entr" presetID="1">
+                                  <p:stCondLst>
+                                    <p:cond delay="0"/>
+                                  </p:stCondLst>
+                                  <p:childTnLst>
+                                    <p:set>
+                                      <p:cBhvr>
+                                        <p:cTn id="16" dur="1" fill="hold">
+                                          <p:stCondLst>
+                                            <p:cond delay="0"/>
+                                          </p:stCondLst>
+                                        </p:cTn>
+                                        <p:tgtEl>
+                                          <p:spTgt spid="78">
+                                            <p:txEl>
+                                              <p:pRg st="104" end="122"/>
+                                            </p:txEl>
+                                          </p:spTgt>
+                                        </p:tgtEl>
+                                        <p:attrNameLst>
+                                          <p:attrName>style.visibility</p:attrName>
+                                        </p:attrNameLst>
+                                      </p:cBhvr>
+                                      <p:to>
+                                        <p:strVal val="visible"/>
+                                      </p:to>
+                                    </p:set>
+                                  </p:childTnLst>
+                                </p:cTn>
+                              </p:par>
+                              <p:par>
+                                <p:cTn id="17" nodeType="withEffect" fill="hold" presetClass="entr" presetID="1">
+                                  <p:stCondLst>
+                                    <p:cond delay="0"/>
+                                  </p:stCondLst>
+                                  <p:childTnLst>
+                                    <p:set>
+                                      <p:cBhvr>
+                                        <p:cTn id="18" dur="1" fill="hold">
+                                          <p:stCondLst>
+                                            <p:cond delay="0"/>
+                                          </p:stCondLst>
+                                        </p:cTn>
+                                        <p:tgtEl>
+                                          <p:spTgt spid="78">
+                                            <p:txEl>
+                                              <p:pRg st="122" end="146"/>
+                                            </p:txEl>
+                                          </p:spTgt>
+                                        </p:tgtEl>
+                                        <p:attrNameLst>
+                                          <p:attrName>style.visibility</p:attrName>
+                                        </p:attrNameLst>
+                                      </p:cBhvr>
+                                      <p:to>
+                                        <p:strVal val="visible"/>
+                                      </p:to>
+                                    </p:set>
+                                  </p:childTnLst>
+                                </p:cTn>
+                              </p:par>
+                              <p:par>
+                                <p:cTn id="19" nodeType="withEffect" fill="hold" presetClass="entr" presetID="1">
+                                  <p:stCondLst>
+                                    <p:cond delay="0"/>
+                                  </p:stCondLst>
+                                  <p:childTnLst>
+                                    <p:set>
+                                      <p:cBhvr>
+                                        <p:cTn id="20" dur="1" fill="hold">
+                                          <p:stCondLst>
+                                            <p:cond delay="0"/>
+                                          </p:stCondLst>
+                                        </p:cTn>
+                                        <p:tgtEl>
+                                          <p:spTgt spid="78">
+                                            <p:txEl>
+                                              <p:pRg st="146" end="171"/>
+                                            </p:txEl>
+                                          </p:spTgt>
+                                        </p:tgtEl>
+                                        <p:attrNameLst>
+                                          <p:attrName>style.visibility</p:attrName>
+                                        </p:attrNameLst>
+                                      </p:cBhvr>
+                                      <p:to>
+                                        <p:strVal val="visible"/>
+                                      </p:to>
+                                    </p:set>
+                                  </p:childTnLst>
+                                </p:cTn>
+                              </p:par>
+                              <p:par>
+                                <p:cTn id="21" nodeType="withEffect" fill="hold" presetClass="entr" presetID="1">
+                                  <p:stCondLst>
+                                    <p:cond delay="0"/>
+                                  </p:stCondLst>
+                                  <p:childTnLst>
+                                    <p:set>
+                                      <p:cBhvr>
+                                        <p:cTn id="22" dur="1" fill="hold">
+                                          <p:stCondLst>
+                                            <p:cond delay="0"/>
+                                          </p:stCondLst>
+                                        </p:cTn>
+                                        <p:tgtEl>
+                                          <p:spTgt spid="78">
+                                            <p:txEl>
+                                              <p:pRg st="171" end="200"/>
+                                            </p:txEl>
+                                          </p:spTgt>
+                                        </p:tgtEl>
+                                        <p:attrNameLst>
+                                          <p:attrName>style.visibility</p:attrName>
+                                        </p:attrNameLst>
+                                      </p:cBhvr>
+                                      <p:to>
+                                        <p:strVal val="visible"/>
+                                      </p:to>
+                                    </p:set>
+                                  </p:childTnLst>
+                                </p:cTn>
+                              </p:par>
+                            </p:childTnLst>
+                          </p:cTn>
+                        </p:par>
+                      </p:childTnLst>
+                    </p:cTn>
+                  </p:par>
+                </p:childTnLst>
+              </p:cTn>
               <p:prevCondLst>
                 <p:cond delay="0" evt="onPrev">
                   <p:tgtEl>
@@ -4990,7 +5796,7 @@
         <p:spPr>
           <a:xfrm>
             <a:off x="504000" y="1467720"/>
-            <a:ext cx="9068760" cy="1259280"/>
+            <a:ext cx="9068400" cy="1258920"/>
           </a:xfrm>
           <a:prstGeom prst="rect">
             <a:avLst/>
@@ -5052,7 +5858,7 @@
         <p:spPr>
           <a:xfrm>
             <a:off x="504000" y="2728440"/>
-            <a:ext cx="9068760" cy="4381560"/>
+            <a:ext cx="9068400" cy="4381200"/>
           </a:xfrm>
           <a:prstGeom prst="rect">
             <a:avLst/>
@@ -5071,7 +5877,7 @@
         <p:txBody>
           <a:bodyPr lIns="0" rIns="0" tIns="0" bIns="0"/>
           <a:p>
-            <a:pPr marL="432000" indent="-321120">
+            <a:pPr marL="432000" indent="-320760">
               <a:lnSpc>
                 <a:spcPct val="100000"/>
               </a:lnSpc>
@@ -5110,7 +5916,7 @@
             </a:endParaRPr>
           </a:p>
           <a:p>
-            <a:pPr marL="432000" indent="-321120">
+            <a:pPr marL="432000" indent="-320760">
               <a:lnSpc>
                 <a:spcPct val="100000"/>
               </a:lnSpc>
@@ -5149,7 +5955,7 @@
             </a:endParaRPr>
           </a:p>
           <a:p>
-            <a:pPr marL="432000" indent="-321120">
+            <a:pPr marL="432000" indent="-320760">
               <a:lnSpc>
                 <a:spcPct val="100000"/>
               </a:lnSpc>
@@ -5188,7 +5994,7 @@
             </a:endParaRPr>
           </a:p>
           <a:p>
-            <a:pPr marL="432000" indent="-321120">
+            <a:pPr marL="432000" indent="-320760">
               <a:lnSpc>
                 <a:spcPct val="100000"/>
               </a:lnSpc>
@@ -5227,7 +6033,7 @@
             </a:endParaRPr>
           </a:p>
           <a:p>
-            <a:pPr marL="432000" indent="-321120">
+            <a:pPr marL="432000" indent="-320760">
               <a:lnSpc>
                 <a:spcPct val="100000"/>
               </a:lnSpc>
@@ -5280,7 +6086,7 @@
         <p:spPr>
           <a:xfrm>
             <a:off x="0" y="0"/>
-            <a:ext cx="10077120" cy="1047600"/>
+            <a:ext cx="10076760" cy="1047240"/>
           </a:xfrm>
           <a:prstGeom prst="rect">
             <a:avLst/>
@@ -5303,7 +6109,7 @@
         <p:spPr>
           <a:xfrm>
             <a:off x="39240" y="0"/>
-            <a:ext cx="1067040" cy="1075680"/>
+            <a:ext cx="1066680" cy="1075320"/>
           </a:xfrm>
           <a:prstGeom prst="rect">
             <a:avLst/>
@@ -5322,7 +6128,7 @@
         <p:spPr>
           <a:xfrm>
             <a:off x="2448000" y="0"/>
-            <a:ext cx="7684200" cy="1061640"/>
+            <a:ext cx="7683840" cy="1061280"/>
           </a:xfrm>
           <a:prstGeom prst="rect">
             <a:avLst/>
@@ -5380,10 +6186,258 @@
   <p:timing>
     <p:tnLst>
       <p:par>
-        <p:cTn id="5" dur="indefinite" restart="never" nodeType="tmRoot">
+        <p:cTn id="23" dur="indefinite" restart="never" nodeType="tmRoot">
           <p:childTnLst>
             <p:seq>
-              <p:cTn id="6" nodeType="mainSeq"/>
+              <p:cTn id="24" nodeType="mainSeq">
+                <p:childTnLst>
+                  <p:par>
+                    <p:cTn id="25" fill="freeze">
+                      <p:stCondLst>
+                        <p:cond delay="indefinite"/>
+                      </p:stCondLst>
+                      <p:childTnLst>
+                        <p:par>
+                          <p:cTn id="26" fill="freeze">
+                            <p:stCondLst>
+                              <p:cond delay="0"/>
+                            </p:stCondLst>
+                            <p:childTnLst>
+                              <p:par>
+                                <p:cTn id="27" nodeType="clickEffect" fill="hold" presetClass="entr" presetID="1">
+                                  <p:stCondLst>
+                                    <p:cond delay="0"/>
+                                  </p:stCondLst>
+                                  <p:childTnLst>
+                                    <p:set>
+                                      <p:cBhvr>
+                                        <p:cTn id="28" dur="1" fill="hold">
+                                          <p:stCondLst>
+                                            <p:cond delay="0"/>
+                                          </p:stCondLst>
+                                        </p:cTn>
+                                        <p:tgtEl>
+                                          <p:spTgt spid="83">
+                                            <p:txEl>
+                                              <p:pRg st="0" end="42"/>
+                                            </p:txEl>
+                                          </p:spTgt>
+                                        </p:tgtEl>
+                                        <p:attrNameLst>
+                                          <p:attrName>style.visibility</p:attrName>
+                                        </p:attrNameLst>
+                                      </p:cBhvr>
+                                      <p:to>
+                                        <p:strVal val="visible"/>
+                                      </p:to>
+                                    </p:set>
+                                  </p:childTnLst>
+                                </p:cTn>
+                              </p:par>
+                            </p:childTnLst>
+                          </p:cTn>
+                        </p:par>
+                      </p:childTnLst>
+                    </p:cTn>
+                  </p:par>
+                  <p:par>
+                    <p:cTn id="29" fill="freeze">
+                      <p:stCondLst>
+                        <p:cond delay="indefinite"/>
+                      </p:stCondLst>
+                      <p:childTnLst>
+                        <p:par>
+                          <p:cTn id="30" fill="freeze">
+                            <p:stCondLst>
+                              <p:cond delay="0"/>
+                            </p:stCondLst>
+                            <p:childTnLst>
+                              <p:par>
+                                <p:cTn id="31" nodeType="clickEffect" fill="hold" presetClass="entr" presetID="1">
+                                  <p:stCondLst>
+                                    <p:cond delay="0"/>
+                                  </p:stCondLst>
+                                  <p:childTnLst>
+                                    <p:set>
+                                      <p:cBhvr>
+                                        <p:cTn id="32" dur="1" fill="hold">
+                                          <p:stCondLst>
+                                            <p:cond delay="0"/>
+                                          </p:stCondLst>
+                                        </p:cTn>
+                                        <p:tgtEl>
+                                          <p:spTgt spid="83">
+                                            <p:txEl>
+                                              <p:pRg st="42" end="77"/>
+                                            </p:txEl>
+                                          </p:spTgt>
+                                        </p:tgtEl>
+                                        <p:attrNameLst>
+                                          <p:attrName>style.visibility</p:attrName>
+                                        </p:attrNameLst>
+                                      </p:cBhvr>
+                                      <p:to>
+                                        <p:strVal val="visible"/>
+                                      </p:to>
+                                    </p:set>
+                                  </p:childTnLst>
+                                </p:cTn>
+                              </p:par>
+                            </p:childTnLst>
+                          </p:cTn>
+                        </p:par>
+                      </p:childTnLst>
+                    </p:cTn>
+                  </p:par>
+                  <p:par>
+                    <p:cTn id="33" fill="freeze">
+                      <p:stCondLst>
+                        <p:cond delay="indefinite"/>
+                      </p:stCondLst>
+                      <p:childTnLst>
+                        <p:par>
+                          <p:cTn id="34" fill="freeze">
+                            <p:stCondLst>
+                              <p:cond delay="0"/>
+                            </p:stCondLst>
+                            <p:childTnLst>
+                              <p:par>
+                                <p:cTn id="35" nodeType="clickEffect" fill="hold" presetClass="entr" presetID="1">
+                                  <p:stCondLst>
+                                    <p:cond delay="0"/>
+                                  </p:stCondLst>
+                                  <p:childTnLst>
+                                    <p:set>
+                                      <p:cBhvr>
+                                        <p:cTn id="36" dur="1" fill="hold">
+                                          <p:stCondLst>
+                                            <p:cond delay="0"/>
+                                          </p:stCondLst>
+                                        </p:cTn>
+                                        <p:tgtEl>
+                                          <p:spTgt spid="83">
+                                            <p:txEl>
+                                              <p:pRg st="77" end="121"/>
+                                            </p:txEl>
+                                          </p:spTgt>
+                                        </p:tgtEl>
+                                        <p:attrNameLst>
+                                          <p:attrName>style.visibility</p:attrName>
+                                        </p:attrNameLst>
+                                      </p:cBhvr>
+                                      <p:to>
+                                        <p:strVal val="visible"/>
+                                      </p:to>
+                                    </p:set>
+                                  </p:childTnLst>
+                                </p:cTn>
+                              </p:par>
+                            </p:childTnLst>
+                          </p:cTn>
+                        </p:par>
+                      </p:childTnLst>
+                    </p:cTn>
+                  </p:par>
+                  <p:par>
+                    <p:cTn id="37" fill="freeze">
+                      <p:stCondLst>
+                        <p:cond delay="indefinite"/>
+                      </p:stCondLst>
+                      <p:childTnLst>
+                        <p:par>
+                          <p:cTn id="38" fill="freeze">
+                            <p:stCondLst>
+                              <p:cond delay="0"/>
+                            </p:stCondLst>
+                            <p:childTnLst>
+                              <p:par>
+                                <p:cTn id="39" nodeType="clickEffect" fill="hold" presetClass="entr" presetID="1">
+                                  <p:stCondLst>
+                                    <p:cond delay="0"/>
+                                  </p:stCondLst>
+                                  <p:childTnLst>
+                                    <p:set>
+                                      <p:cBhvr>
+                                        <p:cTn id="40" dur="1" fill="hold">
+                                          <p:stCondLst>
+                                            <p:cond delay="0"/>
+                                          </p:stCondLst>
+                                        </p:cTn>
+                                        <p:tgtEl>
+                                          <p:spTgt spid="83">
+                                            <p:txEl>
+                                              <p:pRg st="121" end="159"/>
+                                            </p:txEl>
+                                          </p:spTgt>
+                                        </p:tgtEl>
+                                        <p:attrNameLst>
+                                          <p:attrName>style.visibility</p:attrName>
+                                        </p:attrNameLst>
+                                      </p:cBhvr>
+                                      <p:to>
+                                        <p:strVal val="visible"/>
+                                      </p:to>
+                                    </p:set>
+                                  </p:childTnLst>
+                                </p:cTn>
+                              </p:par>
+                            </p:childTnLst>
+                          </p:cTn>
+                        </p:par>
+                      </p:childTnLst>
+                    </p:cTn>
+                  </p:par>
+                  <p:par>
+                    <p:cTn id="41" fill="freeze">
+                      <p:stCondLst>
+                        <p:cond delay="indefinite"/>
+                      </p:stCondLst>
+                      <p:childTnLst>
+                        <p:par>
+                          <p:cTn id="42" fill="freeze">
+                            <p:stCondLst>
+                              <p:cond delay="0"/>
+                            </p:stCondLst>
+                            <p:childTnLst>
+                              <p:par>
+                                <p:cTn id="43" nodeType="clickEffect" fill="hold" presetClass="entr" presetID="1">
+                                  <p:stCondLst>
+                                    <p:cond delay="0"/>
+                                  </p:stCondLst>
+                                  <p:childTnLst>
+                                    <p:set>
+                                      <p:cBhvr>
+                                        <p:cTn id="44" dur="1" fill="hold">
+                                          <p:stCondLst>
+                                            <p:cond delay="0"/>
+                                          </p:stCondLst>
+                                        </p:cTn>
+                                        <p:tgtEl>
+                                          <p:spTgt spid="83">
+                                            <p:txEl>
+                                              <p:pRg st="159" end="228"/>
+                                            </p:txEl>
+                                          </p:spTgt>
+                                        </p:tgtEl>
+                                        <p:attrNameLst>
+                                          <p:attrName>style.visibility</p:attrName>
+                                        </p:attrNameLst>
+                                      </p:cBhvr>
+                                      <p:to>
+                                        <p:strVal val="visible"/>
+                                      </p:to>
+                                    </p:set>
+                                  </p:childTnLst>
+                                </p:cTn>
+                              </p:par>
+                            </p:childTnLst>
+                          </p:cTn>
+                        </p:par>
+                      </p:childTnLst>
+                    </p:cTn>
+                  </p:par>
+                </p:childTnLst>
+              </p:cTn>
               <p:prevCondLst>
                 <p:cond delay="0" evt="onPrev">
                   <p:tgtEl>
@@ -5432,8 +6486,8 @@
         </p:nvSpPr>
         <p:spPr>
           <a:xfrm>
-            <a:off x="504000" y="1404360"/>
-            <a:ext cx="9069120" cy="3165480"/>
+            <a:off x="504000" y="1467720"/>
+            <a:ext cx="9068400" cy="1258920"/>
           </a:xfrm>
           <a:prstGeom prst="rect">
             <a:avLst/>
@@ -5458,7 +6512,7 @@
               </a:lnSpc>
             </a:pPr>
             <a:r>
-              <a:rPr b="0" lang="en-GB" sz="4800" spc="-1" strike="noStrike">
+              <a:rPr b="0" lang="en-GB" sz="4400" spc="-1" strike="noStrike">
                 <a:solidFill>
                   <a:srgbClr val="000000"/>
                 </a:solidFill>
@@ -5470,7 +6524,7 @@
                 <a:latin typeface="Arial"/>
                 <a:ea typeface="DejaVu Sans"/>
               </a:rPr>
-              <a:t>Events and </a:t>
+              <a:t>Times</a:t>
             </a:r>
             <a:endParaRPr b="0" lang="en-GB" sz="1800" spc="-1" strike="noStrike">
               <a:solidFill>
@@ -5484,14 +6538,49 @@
               <a:latin typeface="Arial"/>
             </a:endParaRPr>
           </a:p>
-          <a:p>
-            <a:pPr algn="ctr">
+        </p:txBody>
+      </p:sp>
+      <p:sp>
+        <p:nvSpPr>
+          <p:cNvPr id="88" name="CustomShape 2"/>
+          <p:cNvSpPr/>
+          <p:nvPr/>
+        </p:nvSpPr>
+        <p:spPr>
+          <a:xfrm>
+            <a:off x="504000" y="2728440"/>
+            <a:ext cx="9068400" cy="4381200"/>
+          </a:xfrm>
+          <a:prstGeom prst="rect">
+            <a:avLst/>
+          </a:prstGeom>
+          <a:noFill/>
+          <a:ln>
+            <a:noFill/>
+          </a:ln>
+        </p:spPr>
+        <p:style>
+          <a:lnRef idx="0"/>
+          <a:fillRef idx="0"/>
+          <a:effectRef idx="0"/>
+          <a:fontRef idx="minor"/>
+        </p:style>
+        <p:txBody>
+          <a:bodyPr lIns="0" rIns="0" tIns="0" bIns="0"/>
+          <a:p>
+            <a:pPr marL="432000" indent="-320760">
               <a:lnSpc>
                 <a:spcPct val="100000"/>
               </a:lnSpc>
+              <a:buClr>
+                <a:srgbClr val="000000"/>
+              </a:buClr>
+              <a:buSzPct val="45000"/>
+              <a:buFont typeface="Wingdings" charset="2"/>
+              <a:buChar char=""/>
             </a:pPr>
             <a:r>
-              <a:rPr b="0" lang="en-GB" sz="4800" spc="-1" strike="noStrike">
+              <a:rPr b="0" lang="en-GB" sz="2800" spc="-1" strike="noStrike">
                 <a:solidFill>
                   <a:srgbClr val="000000"/>
                 </a:solidFill>
@@ -5503,7 +6592,163 @@
                 <a:latin typeface="Arial"/>
                 <a:ea typeface="DejaVu Sans"/>
               </a:rPr>
-              <a:t>Dates for the Diary</a:t>
+              <a:t>Usual time 1:30 – 3PM</a:t>
+            </a:r>
+            <a:endParaRPr b="0" lang="en-GB" sz="1800" spc="-1" strike="noStrike">
+              <a:solidFill>
+                <a:srgbClr val="000000"/>
+              </a:solidFill>
+              <a:uFill>
+                <a:solidFill>
+                  <a:srgbClr val="ffffff"/>
+                </a:solidFill>
+              </a:uFill>
+              <a:latin typeface="Arial"/>
+            </a:endParaRPr>
+          </a:p>
+          <a:p>
+            <a:pPr marL="432000" indent="-320760">
+              <a:lnSpc>
+                <a:spcPct val="100000"/>
+              </a:lnSpc>
+              <a:buClr>
+                <a:srgbClr val="000000"/>
+              </a:buClr>
+              <a:buSzPct val="45000"/>
+              <a:buFont typeface="Wingdings" charset="2"/>
+              <a:buChar char=""/>
+            </a:pPr>
+            <a:r>
+              <a:rPr b="0" lang="en-GB" sz="2800" spc="-1" strike="noStrike">
+                <a:solidFill>
+                  <a:srgbClr val="000000"/>
+                </a:solidFill>
+                <a:uFill>
+                  <a:solidFill>
+                    <a:srgbClr val="ffffff"/>
+                  </a:solidFill>
+                </a:uFill>
+                <a:latin typeface="Arial"/>
+                <a:ea typeface="DejaVu Sans"/>
+              </a:rPr>
+              <a:t>We are timetabled to start at 1:30</a:t>
+            </a:r>
+            <a:endParaRPr b="0" lang="en-GB" sz="1800" spc="-1" strike="noStrike">
+              <a:solidFill>
+                <a:srgbClr val="000000"/>
+              </a:solidFill>
+              <a:uFill>
+                <a:solidFill>
+                  <a:srgbClr val="ffffff"/>
+                </a:solidFill>
+              </a:uFill>
+              <a:latin typeface="Arial"/>
+            </a:endParaRPr>
+          </a:p>
+          <a:p>
+            <a:pPr marL="432000" indent="-320760">
+              <a:lnSpc>
+                <a:spcPct val="100000"/>
+              </a:lnSpc>
+              <a:buClr>
+                <a:srgbClr val="000000"/>
+              </a:buClr>
+              <a:buSzPct val="45000"/>
+              <a:buFont typeface="Wingdings" charset="2"/>
+              <a:buChar char=""/>
+            </a:pPr>
+            <a:r>
+              <a:rPr b="0" lang="en-GB" sz="2800" spc="-1" strike="noStrike">
+                <a:solidFill>
+                  <a:srgbClr val="000000"/>
+                </a:solidFill>
+                <a:uFill>
+                  <a:solidFill>
+                    <a:srgbClr val="ffffff"/>
+                  </a:solidFill>
+                </a:uFill>
+                <a:latin typeface="Arial"/>
+                <a:ea typeface="DejaVu Sans"/>
+              </a:rPr>
+              <a:t>Labs running beforehand</a:t>
+            </a:r>
+            <a:endParaRPr b="0" lang="en-GB" sz="1800" spc="-1" strike="noStrike">
+              <a:solidFill>
+                <a:srgbClr val="000000"/>
+              </a:solidFill>
+              <a:uFill>
+                <a:solidFill>
+                  <a:srgbClr val="ffffff"/>
+                </a:solidFill>
+              </a:uFill>
+              <a:latin typeface="Arial"/>
+            </a:endParaRPr>
+          </a:p>
+          <a:p>
+            <a:pPr lvl="4" marL="1080000" indent="-216000">
+              <a:lnSpc>
+                <a:spcPct val="100000"/>
+              </a:lnSpc>
+              <a:buClr>
+                <a:srgbClr val="000000"/>
+              </a:buClr>
+              <a:buSzPct val="45000"/>
+              <a:buFont typeface="Wingdings" charset="2"/>
+              <a:buChar char=""/>
+            </a:pPr>
+            <a:r>
+              <a:rPr b="0" lang="en-GB" sz="2800" spc="-1" strike="noStrike">
+                <a:solidFill>
+                  <a:srgbClr val="000000"/>
+                </a:solidFill>
+                <a:uFill>
+                  <a:solidFill>
+                    <a:srgbClr val="ffffff"/>
+                  </a:solidFill>
+                </a:uFill>
+                <a:latin typeface="Arial"/>
+                <a:ea typeface="DejaVu Sans"/>
+              </a:rPr>
+              <a:t>Please wait until they have finished</a:t>
+            </a:r>
+            <a:endParaRPr b="0" lang="en-GB" sz="1800" spc="-1" strike="noStrike">
+              <a:solidFill>
+                <a:srgbClr val="000000"/>
+              </a:solidFill>
+              <a:uFill>
+                <a:solidFill>
+                  <a:srgbClr val="ffffff"/>
+                </a:solidFill>
+              </a:uFill>
+              <a:latin typeface="Arial"/>
+            </a:endParaRPr>
+          </a:p>
+          <a:p>
+            <a:pPr lvl="4" marL="1080000" indent="-216000">
+              <a:lnSpc>
+                <a:spcPct val="100000"/>
+              </a:lnSpc>
+              <a:buClr>
+                <a:srgbClr val="000000"/>
+              </a:buClr>
+              <a:buSzPct val="45000"/>
+              <a:buFont typeface="Wingdings" charset="2"/>
+              <a:buChar char=""/>
+            </a:pPr>
+            <a:r>
+              <a:rPr b="0" lang="en-GB" sz="2800" spc="-1" strike="noStrike">
+                <a:solidFill>
+                  <a:srgbClr val="000000"/>
+                </a:solidFill>
+                <a:uFill>
+                  <a:solidFill>
+                    <a:srgbClr val="ffffff"/>
+                  </a:solidFill>
+                </a:uFill>
+                <a:latin typeface="Arial"/>
+                <a:ea typeface="DejaVu Sans"/>
+              </a:rPr>
+              <a:t>They finish at 1PM</a:t>
             </a:r>
             <a:endParaRPr b="0" lang="en-GB" sz="1800" spc="-1" strike="noStrike">
               <a:solidFill>
@@ -5521,7 +6766,7 @@
       </p:sp>
       <p:pic>
         <p:nvPicPr>
-          <p:cNvPr id="88" name="Picture 3" descr=""/>
+          <p:cNvPr id="89" name="Picture 3" descr=""/>
           <p:cNvPicPr/>
           <p:nvPr/>
         </p:nvPicPr>
@@ -5532,30 +6777,7 @@
         <p:spPr>
           <a:xfrm>
             <a:off x="0" y="0"/>
-            <a:ext cx="10077480" cy="1047960"/>
-          </a:xfrm>
-          <a:prstGeom prst="rect">
-            <a:avLst/>
-          </a:prstGeom>
-          <a:ln>
-            <a:noFill/>
-          </a:ln>
-        </p:spPr>
-      </p:pic>
-      <p:pic>
-        <p:nvPicPr>
-          <p:cNvPr id="89" name="Picture 4" descr=""/>
-          <p:cNvPicPr/>
-          <p:nvPr/>
-        </p:nvPicPr>
-        <p:blipFill>
-          <a:blip r:embed="rId2"/>
-          <a:stretch/>
-        </p:blipFill>
-        <p:spPr>
-          <a:xfrm>
-            <a:off x="39240" y="0"/>
-            <a:ext cx="1067400" cy="1076040"/>
+            <a:ext cx="10076760" cy="1047240"/>
           </a:xfrm>
           <a:prstGeom prst="rect">
             <a:avLst/>
@@ -5572,13 +6794,13 @@
           <p:nvPr/>
         </p:nvPicPr>
         <p:blipFill>
-          <a:blip r:embed="rId3"/>
+          <a:blip r:embed="rId2"/>
           <a:stretch/>
         </p:blipFill>
         <p:spPr>
           <a:xfrm>
-            <a:off x="3718440" y="4659840"/>
-            <a:ext cx="2640600" cy="2661480"/>
+            <a:off x="39240" y="0"/>
+            <a:ext cx="1066680" cy="1075320"/>
           </a:xfrm>
           <a:prstGeom prst="rect">
             <a:avLst/>
@@ -5590,14 +6812,14 @@
       </p:pic>
       <p:sp>
         <p:nvSpPr>
-          <p:cNvPr id="91" name="CustomShape 2"/>
+          <p:cNvPr id="91" name="CustomShape 3"/>
           <p:cNvSpPr/>
           <p:nvPr/>
         </p:nvSpPr>
         <p:spPr>
           <a:xfrm>
             <a:off x="2448000" y="0"/>
-            <a:ext cx="7684200" cy="1061640"/>
+            <a:ext cx="7683840" cy="1061280"/>
           </a:xfrm>
           <a:prstGeom prst="rect">
             <a:avLst/>
@@ -5655,10 +6877,258 @@
   <p:timing>
     <p:tnLst>
       <p:par>
-        <p:cTn id="7" dur="indefinite" restart="never" nodeType="tmRoot">
+        <p:cTn id="45" dur="indefinite" restart="never" nodeType="tmRoot">
           <p:childTnLst>
             <p:seq>
-              <p:cTn id="8" nodeType="mainSeq"/>
+              <p:cTn id="46" nodeType="mainSeq">
+                <p:childTnLst>
+                  <p:par>
+                    <p:cTn id="47" fill="freeze">
+                      <p:stCondLst>
+                        <p:cond delay="indefinite"/>
+                      </p:stCondLst>
+                      <p:childTnLst>
+                        <p:par>
+                          <p:cTn id="48" fill="freeze">
+                            <p:stCondLst>
+                              <p:cond delay="0"/>
+                            </p:stCondLst>
+                            <p:childTnLst>
+                              <p:par>
+                                <p:cTn id="49" nodeType="clickEffect" fill="hold" presetClass="entr" presetID="1">
+                                  <p:stCondLst>
+                                    <p:cond delay="0"/>
+                                  </p:stCondLst>
+                                  <p:childTnLst>
+                                    <p:set>
+                                      <p:cBhvr>
+                                        <p:cTn id="50" dur="1" fill="hold">
+                                          <p:stCondLst>
+                                            <p:cond delay="0"/>
+                                          </p:stCondLst>
+                                        </p:cTn>
+                                        <p:tgtEl>
+                                          <p:spTgt spid="88">
+                                            <p:txEl>
+                                              <p:pRg st="0" end="22"/>
+                                            </p:txEl>
+                                          </p:spTgt>
+                                        </p:tgtEl>
+                                        <p:attrNameLst>
+                                          <p:attrName>style.visibility</p:attrName>
+                                        </p:attrNameLst>
+                                      </p:cBhvr>
+                                      <p:to>
+                                        <p:strVal val="visible"/>
+                                      </p:to>
+                                    </p:set>
+                                  </p:childTnLst>
+                                </p:cTn>
+                              </p:par>
+                            </p:childTnLst>
+                          </p:cTn>
+                        </p:par>
+                      </p:childTnLst>
+                    </p:cTn>
+                  </p:par>
+                  <p:par>
+                    <p:cTn id="51" fill="freeze">
+                      <p:stCondLst>
+                        <p:cond delay="indefinite"/>
+                      </p:stCondLst>
+                      <p:childTnLst>
+                        <p:par>
+                          <p:cTn id="52" fill="freeze">
+                            <p:stCondLst>
+                              <p:cond delay="0"/>
+                            </p:stCondLst>
+                            <p:childTnLst>
+                              <p:par>
+                                <p:cTn id="53" nodeType="clickEffect" fill="hold" presetClass="entr" presetID="1">
+                                  <p:stCondLst>
+                                    <p:cond delay="0"/>
+                                  </p:stCondLst>
+                                  <p:childTnLst>
+                                    <p:set>
+                                      <p:cBhvr>
+                                        <p:cTn id="54" dur="1" fill="hold">
+                                          <p:stCondLst>
+                                            <p:cond delay="0"/>
+                                          </p:stCondLst>
+                                        </p:cTn>
+                                        <p:tgtEl>
+                                          <p:spTgt spid="88">
+                                            <p:txEl>
+                                              <p:pRg st="22" end="57"/>
+                                            </p:txEl>
+                                          </p:spTgt>
+                                        </p:tgtEl>
+                                        <p:attrNameLst>
+                                          <p:attrName>style.visibility</p:attrName>
+                                        </p:attrNameLst>
+                                      </p:cBhvr>
+                                      <p:to>
+                                        <p:strVal val="visible"/>
+                                      </p:to>
+                                    </p:set>
+                                  </p:childTnLst>
+                                </p:cTn>
+                              </p:par>
+                            </p:childTnLst>
+                          </p:cTn>
+                        </p:par>
+                      </p:childTnLst>
+                    </p:cTn>
+                  </p:par>
+                  <p:par>
+                    <p:cTn id="55" fill="freeze">
+                      <p:stCondLst>
+                        <p:cond delay="indefinite"/>
+                      </p:stCondLst>
+                      <p:childTnLst>
+                        <p:par>
+                          <p:cTn id="56" fill="freeze">
+                            <p:stCondLst>
+                              <p:cond delay="0"/>
+                            </p:stCondLst>
+                            <p:childTnLst>
+                              <p:par>
+                                <p:cTn id="57" nodeType="clickEffect" fill="hold" presetClass="entr" presetID="1">
+                                  <p:stCondLst>
+                                    <p:cond delay="0"/>
+                                  </p:stCondLst>
+                                  <p:childTnLst>
+                                    <p:set>
+                                      <p:cBhvr>
+                                        <p:cTn id="58" dur="1" fill="hold">
+                                          <p:stCondLst>
+                                            <p:cond delay="0"/>
+                                          </p:stCondLst>
+                                        </p:cTn>
+                                        <p:tgtEl>
+                                          <p:spTgt spid="88">
+                                            <p:txEl>
+                                              <p:pRg st="57" end="81"/>
+                                            </p:txEl>
+                                          </p:spTgt>
+                                        </p:tgtEl>
+                                        <p:attrNameLst>
+                                          <p:attrName>style.visibility</p:attrName>
+                                        </p:attrNameLst>
+                                      </p:cBhvr>
+                                      <p:to>
+                                        <p:strVal val="visible"/>
+                                      </p:to>
+                                    </p:set>
+                                  </p:childTnLst>
+                                </p:cTn>
+                              </p:par>
+                            </p:childTnLst>
+                          </p:cTn>
+                        </p:par>
+                      </p:childTnLst>
+                    </p:cTn>
+                  </p:par>
+                  <p:par>
+                    <p:cTn id="59" fill="freeze">
+                      <p:stCondLst>
+                        <p:cond delay="indefinite"/>
+                      </p:stCondLst>
+                      <p:childTnLst>
+                        <p:par>
+                          <p:cTn id="60" fill="freeze">
+                            <p:stCondLst>
+                              <p:cond delay="0"/>
+                            </p:stCondLst>
+                            <p:childTnLst>
+                              <p:par>
+                                <p:cTn id="61" nodeType="clickEffect" fill="hold" presetClass="entr" presetID="1">
+                                  <p:stCondLst>
+                                    <p:cond delay="0"/>
+                                  </p:stCondLst>
+                                  <p:childTnLst>
+                                    <p:set>
+                                      <p:cBhvr>
+                                        <p:cTn id="62" dur="1" fill="hold">
+                                          <p:stCondLst>
+                                            <p:cond delay="0"/>
+                                          </p:stCondLst>
+                                        </p:cTn>
+                                        <p:tgtEl>
+                                          <p:spTgt spid="88">
+                                            <p:txEl>
+                                              <p:pRg st="81" end="118"/>
+                                            </p:txEl>
+                                          </p:spTgt>
+                                        </p:tgtEl>
+                                        <p:attrNameLst>
+                                          <p:attrName>style.visibility</p:attrName>
+                                        </p:attrNameLst>
+                                      </p:cBhvr>
+                                      <p:to>
+                                        <p:strVal val="visible"/>
+                                      </p:to>
+                                    </p:set>
+                                  </p:childTnLst>
+                                </p:cTn>
+                              </p:par>
+                            </p:childTnLst>
+                          </p:cTn>
+                        </p:par>
+                      </p:childTnLst>
+                    </p:cTn>
+                  </p:par>
+                  <p:par>
+                    <p:cTn id="63" fill="freeze">
+                      <p:stCondLst>
+                        <p:cond delay="indefinite"/>
+                      </p:stCondLst>
+                      <p:childTnLst>
+                        <p:par>
+                          <p:cTn id="64" fill="freeze">
+                            <p:stCondLst>
+                              <p:cond delay="0"/>
+                            </p:stCondLst>
+                            <p:childTnLst>
+                              <p:par>
+                                <p:cTn id="65" nodeType="clickEffect" fill="hold" presetClass="entr" presetID="1">
+                                  <p:stCondLst>
+                                    <p:cond delay="0"/>
+                                  </p:stCondLst>
+                                  <p:childTnLst>
+                                    <p:set>
+                                      <p:cBhvr>
+                                        <p:cTn id="66" dur="1" fill="hold">
+                                          <p:stCondLst>
+                                            <p:cond delay="0"/>
+                                          </p:stCondLst>
+                                        </p:cTn>
+                                        <p:tgtEl>
+                                          <p:spTgt spid="88">
+                                            <p:txEl>
+                                              <p:pRg st="118" end="137"/>
+                                            </p:txEl>
+                                          </p:spTgt>
+                                        </p:tgtEl>
+                                        <p:attrNameLst>
+                                          <p:attrName>style.visibility</p:attrName>
+                                        </p:attrNameLst>
+                                      </p:cBhvr>
+                                      <p:to>
+                                        <p:strVal val="visible"/>
+                                      </p:to>
+                                    </p:set>
+                                  </p:childTnLst>
+                                </p:cTn>
+                              </p:par>
+                            </p:childTnLst>
+                          </p:cTn>
+                        </p:par>
+                      </p:childTnLst>
+                    </p:cTn>
+                  </p:par>
+                </p:childTnLst>
+              </p:cTn>
               <p:prevCondLst>
                 <p:cond delay="0" evt="onPrev">
                   <p:tgtEl>
@@ -5707,8 +7177,8 @@
         </p:nvSpPr>
         <p:spPr>
           <a:xfrm>
-            <a:off x="504000" y="1467720"/>
-            <a:ext cx="9068760" cy="1259280"/>
+            <a:off x="504000" y="1404360"/>
+            <a:ext cx="9068760" cy="3165120"/>
           </a:xfrm>
           <a:prstGeom prst="rect">
             <a:avLst/>
@@ -5733,7 +7203,7 @@
               </a:lnSpc>
             </a:pPr>
             <a:r>
-              <a:rPr b="0" lang="en-GB" sz="4400" spc="-1" strike="noStrike">
+              <a:rPr b="0" lang="en-GB" sz="4800" spc="-1" strike="noStrike">
                 <a:solidFill>
                   <a:srgbClr val="000000"/>
                 </a:solidFill>
@@ -5745,7 +7215,7 @@
                 <a:latin typeface="Arial"/>
                 <a:ea typeface="DejaVu Sans"/>
               </a:rPr>
-              <a:t>Clothes</a:t>
+              <a:t>Events and </a:t>
             </a:r>
             <a:endParaRPr b="0" lang="en-GB" sz="1800" spc="-1" strike="noStrike">
               <a:solidFill>
@@ -5759,49 +7229,14 @@
               <a:latin typeface="Arial"/>
             </a:endParaRPr>
           </a:p>
-        </p:txBody>
-      </p:sp>
-      <p:sp>
-        <p:nvSpPr>
-          <p:cNvPr id="93" name="CustomShape 2"/>
-          <p:cNvSpPr/>
-          <p:nvPr/>
-        </p:nvSpPr>
-        <p:spPr>
-          <a:xfrm>
-            <a:off x="504000" y="2728440"/>
-            <a:ext cx="9068760" cy="4381560"/>
-          </a:xfrm>
-          <a:prstGeom prst="rect">
-            <a:avLst/>
-          </a:prstGeom>
-          <a:noFill/>
-          <a:ln>
-            <a:noFill/>
-          </a:ln>
-        </p:spPr>
-        <p:style>
-          <a:lnRef idx="0"/>
-          <a:fillRef idx="0"/>
-          <a:effectRef idx="0"/>
-          <a:fontRef idx="minor"/>
-        </p:style>
-        <p:txBody>
-          <a:bodyPr lIns="0" rIns="0" tIns="0" bIns="0"/>
-          <a:p>
-            <a:pPr marL="432000" indent="-321120">
+          <a:p>
+            <a:pPr algn="ctr">
               <a:lnSpc>
                 <a:spcPct val="100000"/>
               </a:lnSpc>
-              <a:buClr>
-                <a:srgbClr val="000000"/>
-              </a:buClr>
-              <a:buSzPct val="45000"/>
-              <a:buFont typeface="Wingdings" charset="2"/>
-              <a:buChar char=""/>
             </a:pPr>
             <a:r>
-              <a:rPr b="0" lang="en-GB" sz="2800" spc="-1" strike="noStrike">
+              <a:rPr b="0" lang="en-GB" sz="4800" spc="-1" strike="noStrike">
                 <a:solidFill>
                   <a:srgbClr val="000000"/>
                 </a:solidFill>
@@ -5813,407 +7248,7 @@
                 <a:latin typeface="Arial"/>
                 <a:ea typeface="DejaVu Sans"/>
               </a:rPr>
-              <a:t>Sizes and prices at: </a:t>
-            </a:r>
-            <a:r>
-              <a:rPr b="0" lang="en-GB" sz="2800" spc="-1" strike="noStrike" u="sng">
-                <a:solidFill>
-                  <a:srgbClr val="0000ff"/>
-                </a:solidFill>
-                <a:uFill>
-                  <a:solidFill>
-                    <a:srgbClr val="ffffff"/>
-                  </a:solidFill>
-                </a:uFill>
-                <a:latin typeface="Arial"/>
-                <a:ea typeface="DejaVu Sans"/>
-                <a:hlinkClick r:id="rId1"/>
-              </a:rPr>
-              <a:t>http://students.aberrobotics.club/shop</a:t>
-            </a:r>
-            <a:r>
-              <a:rPr b="0" lang="en-GB" sz="2800" spc="-1" strike="noStrike">
-                <a:solidFill>
-                  <a:srgbClr val="000000"/>
-                </a:solidFill>
-                <a:uFill>
-                  <a:solidFill>
-                    <a:srgbClr val="ffffff"/>
-                  </a:solidFill>
-                </a:uFill>
-                <a:latin typeface="Arial"/>
-                <a:ea typeface="DejaVu Sans"/>
-              </a:rPr>
-              <a:t> </a:t>
-            </a:r>
-            <a:endParaRPr b="0" lang="en-GB" sz="1800" spc="-1" strike="noStrike">
-              <a:solidFill>
-                <a:srgbClr val="000000"/>
-              </a:solidFill>
-              <a:uFill>
-                <a:solidFill>
-                  <a:srgbClr val="ffffff"/>
-                </a:solidFill>
-              </a:uFill>
-              <a:latin typeface="Arial"/>
-            </a:endParaRPr>
-          </a:p>
-          <a:p>
-            <a:pPr marL="432000" indent="-321120">
-              <a:lnSpc>
-                <a:spcPct val="100000"/>
-              </a:lnSpc>
-              <a:buClr>
-                <a:srgbClr val="000000"/>
-              </a:buClr>
-              <a:buSzPct val="45000"/>
-              <a:buFont typeface="Wingdings" charset="2"/>
-              <a:buChar char=""/>
-            </a:pPr>
-            <a:r>
-              <a:rPr b="0" lang="en-GB" sz="2800" spc="-1" strike="noStrike">
-                <a:solidFill>
-                  <a:srgbClr val="000000"/>
-                </a:solidFill>
-                <a:uFill>
-                  <a:solidFill>
-                    <a:srgbClr val="ffffff"/>
-                  </a:solidFill>
-                </a:uFill>
-                <a:latin typeface="Arial"/>
-                <a:ea typeface="DejaVu Sans"/>
-              </a:rPr>
-              <a:t>We will be ordering and taking </a:t>
-            </a:r>
-            <a:r>
-              <a:rPr b="1" lang="en-GB" sz="2800" spc="-1" strike="noStrike" u="sng">
-                <a:solidFill>
-                  <a:srgbClr val="000000"/>
-                </a:solidFill>
-                <a:uFill>
-                  <a:solidFill>
-                    <a:srgbClr val="ffffff"/>
-                  </a:solidFill>
-                </a:uFill>
-                <a:latin typeface="Arial"/>
-                <a:ea typeface="DejaVu Sans"/>
-              </a:rPr>
-              <a:t>cash</a:t>
-            </a:r>
-            <a:r>
-              <a:rPr b="0" lang="en-GB" sz="2800" spc="-1" strike="noStrike">
-                <a:solidFill>
-                  <a:srgbClr val="000000"/>
-                </a:solidFill>
-                <a:uFill>
-                  <a:solidFill>
-                    <a:srgbClr val="ffffff"/>
-                  </a:solidFill>
-                </a:uFill>
-                <a:latin typeface="Arial"/>
-                <a:ea typeface="DejaVu Sans"/>
-              </a:rPr>
-              <a:t> Wednesday </a:t>
-            </a:r>
-            <a:endParaRPr b="0" lang="en-GB" sz="1800" spc="-1" strike="noStrike">
-              <a:solidFill>
-                <a:srgbClr val="000000"/>
-              </a:solidFill>
-              <a:uFill>
-                <a:solidFill>
-                  <a:srgbClr val="ffffff"/>
-                </a:solidFill>
-              </a:uFill>
-              <a:latin typeface="Arial"/>
-            </a:endParaRPr>
-          </a:p>
-          <a:p>
-            <a:pPr lvl="4" marL="1080000" indent="-215280">
-              <a:lnSpc>
-                <a:spcPct val="100000"/>
-              </a:lnSpc>
-              <a:buClr>
-                <a:srgbClr val="000000"/>
-              </a:buClr>
-              <a:buSzPct val="45000"/>
-              <a:buFont typeface="Wingdings" charset="2"/>
-              <a:buChar char=""/>
-            </a:pPr>
-            <a:r>
-              <a:rPr b="0" lang="en-GB" sz="2800" spc="-1" strike="noStrike">
-                <a:solidFill>
-                  <a:srgbClr val="000000"/>
-                </a:solidFill>
-                <a:uFill>
-                  <a:solidFill>
-                    <a:srgbClr val="ffffff"/>
-                  </a:solidFill>
-                </a:uFill>
-                <a:latin typeface="Arial"/>
-                <a:ea typeface="DejaVu Sans"/>
-              </a:rPr>
-              <a:t>14</a:t>
-            </a:r>
-            <a:r>
-              <a:rPr b="0" lang="en-GB" sz="2800" spc="-1" strike="noStrike" baseline="101000">
-                <a:solidFill>
-                  <a:srgbClr val="000000"/>
-                </a:solidFill>
-                <a:uFill>
-                  <a:solidFill>
-                    <a:srgbClr val="ffffff"/>
-                  </a:solidFill>
-                </a:uFill>
-                <a:latin typeface="Arial"/>
-                <a:ea typeface="DejaVu Sans"/>
-              </a:rPr>
-              <a:t>th</a:t>
-            </a:r>
-            <a:r>
-              <a:rPr b="0" lang="en-GB" sz="2800" spc="-1" strike="noStrike">
-                <a:solidFill>
-                  <a:srgbClr val="000000"/>
-                </a:solidFill>
-                <a:uFill>
-                  <a:solidFill>
-                    <a:srgbClr val="ffffff"/>
-                  </a:solidFill>
-                </a:uFill>
-                <a:latin typeface="Arial"/>
-                <a:ea typeface="DejaVu Sans"/>
-              </a:rPr>
-              <a:t> February 2018</a:t>
-            </a:r>
-            <a:endParaRPr b="0" lang="en-GB" sz="1800" spc="-1" strike="noStrike">
-              <a:solidFill>
-                <a:srgbClr val="000000"/>
-              </a:solidFill>
-              <a:uFill>
-                <a:solidFill>
-                  <a:srgbClr val="ffffff"/>
-                </a:solidFill>
-              </a:uFill>
-              <a:latin typeface="Arial"/>
-            </a:endParaRPr>
-          </a:p>
-          <a:p>
-            <a:pPr lvl="4" marL="1080000" indent="-215280">
-              <a:lnSpc>
-                <a:spcPct val="100000"/>
-              </a:lnSpc>
-              <a:buClr>
-                <a:srgbClr val="000000"/>
-              </a:buClr>
-              <a:buSzPct val="45000"/>
-              <a:buFont typeface="Wingdings" charset="2"/>
-              <a:buChar char=""/>
-            </a:pPr>
-            <a:r>
-              <a:rPr b="0" lang="en-GB" sz="2800" spc="-1" strike="noStrike">
-                <a:solidFill>
-                  <a:srgbClr val="000000"/>
-                </a:solidFill>
-                <a:uFill>
-                  <a:solidFill>
-                    <a:srgbClr val="ffffff"/>
-                  </a:solidFill>
-                </a:uFill>
-                <a:latin typeface="Arial"/>
-                <a:ea typeface="DejaVu Sans"/>
-              </a:rPr>
-              <a:t>21</a:t>
-            </a:r>
-            <a:r>
-              <a:rPr b="0" lang="en-GB" sz="2800" spc="-1" strike="noStrike" baseline="101000">
-                <a:solidFill>
-                  <a:srgbClr val="000000"/>
-                </a:solidFill>
-                <a:uFill>
-                  <a:solidFill>
-                    <a:srgbClr val="ffffff"/>
-                  </a:solidFill>
-                </a:uFill>
-                <a:latin typeface="Arial"/>
-                <a:ea typeface="DejaVu Sans"/>
-              </a:rPr>
-              <a:t>st</a:t>
-            </a:r>
-            <a:r>
-              <a:rPr b="0" lang="en-GB" sz="2800" spc="-1" strike="noStrike">
-                <a:solidFill>
-                  <a:srgbClr val="000000"/>
-                </a:solidFill>
-                <a:uFill>
-                  <a:solidFill>
-                    <a:srgbClr val="ffffff"/>
-                  </a:solidFill>
-                </a:uFill>
-                <a:latin typeface="Arial"/>
-                <a:ea typeface="DejaVu Sans"/>
-              </a:rPr>
-              <a:t> February 2018</a:t>
-            </a:r>
-            <a:endParaRPr b="0" lang="en-GB" sz="1800" spc="-1" strike="noStrike">
-              <a:solidFill>
-                <a:srgbClr val="000000"/>
-              </a:solidFill>
-              <a:uFill>
-                <a:solidFill>
-                  <a:srgbClr val="ffffff"/>
-                </a:solidFill>
-              </a:uFill>
-              <a:latin typeface="Arial"/>
-            </a:endParaRPr>
-          </a:p>
-          <a:p>
-            <a:pPr lvl="4" marL="1080000" indent="-215280">
-              <a:lnSpc>
-                <a:spcPct val="100000"/>
-              </a:lnSpc>
-              <a:buClr>
-                <a:srgbClr val="000000"/>
-              </a:buClr>
-              <a:buSzPct val="45000"/>
-              <a:buFont typeface="Wingdings" charset="2"/>
-              <a:buChar char=""/>
-            </a:pPr>
-            <a:r>
-              <a:rPr b="0" lang="en-GB" sz="2800" spc="-1" strike="noStrike">
-                <a:solidFill>
-                  <a:srgbClr val="000000"/>
-                </a:solidFill>
-                <a:uFill>
-                  <a:solidFill>
-                    <a:srgbClr val="ffffff"/>
-                  </a:solidFill>
-                </a:uFill>
-                <a:latin typeface="Arial"/>
-                <a:ea typeface="DejaVu Sans"/>
-              </a:rPr>
-              <a:t>28</a:t>
-            </a:r>
-            <a:r>
-              <a:rPr b="0" lang="en-GB" sz="2800" spc="-1" strike="noStrike" baseline="101000">
-                <a:solidFill>
-                  <a:srgbClr val="000000"/>
-                </a:solidFill>
-                <a:uFill>
-                  <a:solidFill>
-                    <a:srgbClr val="ffffff"/>
-                  </a:solidFill>
-                </a:uFill>
-                <a:latin typeface="Arial"/>
-                <a:ea typeface="DejaVu Sans"/>
-              </a:rPr>
-              <a:t>th</a:t>
-            </a:r>
-            <a:r>
-              <a:rPr b="0" lang="en-GB" sz="2800" spc="-1" strike="noStrike">
-                <a:solidFill>
-                  <a:srgbClr val="000000"/>
-                </a:solidFill>
-                <a:uFill>
-                  <a:solidFill>
-                    <a:srgbClr val="ffffff"/>
-                  </a:solidFill>
-                </a:uFill>
-                <a:latin typeface="Arial"/>
-                <a:ea typeface="DejaVu Sans"/>
-              </a:rPr>
-              <a:t> February 2018 – </a:t>
-            </a:r>
-            <a:r>
-              <a:rPr b="1" lang="en-GB" sz="2800" spc="-1" strike="noStrike" u="sng">
-                <a:solidFill>
-                  <a:srgbClr val="000000"/>
-                </a:solidFill>
-                <a:uFill>
-                  <a:solidFill>
-                    <a:srgbClr val="ffffff"/>
-                  </a:solidFill>
-                </a:uFill>
-                <a:latin typeface="Arial"/>
-                <a:ea typeface="DejaVu Sans"/>
-              </a:rPr>
-              <a:t>DEADLINE</a:t>
-            </a:r>
-            <a:endParaRPr b="0" lang="en-GB" sz="1800" spc="-1" strike="noStrike">
-              <a:solidFill>
-                <a:srgbClr val="000000"/>
-              </a:solidFill>
-              <a:uFill>
-                <a:solidFill>
-                  <a:srgbClr val="ffffff"/>
-                </a:solidFill>
-              </a:uFill>
-              <a:latin typeface="Arial"/>
-            </a:endParaRPr>
-          </a:p>
-          <a:p>
-            <a:pPr marL="432000" indent="-321120">
-              <a:lnSpc>
-                <a:spcPct val="100000"/>
-              </a:lnSpc>
-              <a:buClr>
-                <a:srgbClr val="000000"/>
-              </a:buClr>
-              <a:buSzPct val="45000"/>
-              <a:buFont typeface="Wingdings" charset="2"/>
-              <a:buChar char=""/>
-            </a:pPr>
-            <a:r>
-              <a:rPr b="0" lang="en-GB" sz="2800" spc="-1" strike="noStrike">
-                <a:solidFill>
-                  <a:srgbClr val="000000"/>
-                </a:solidFill>
-                <a:uFill>
-                  <a:solidFill>
-                    <a:srgbClr val="ffffff"/>
-                  </a:solidFill>
-                </a:uFill>
-                <a:latin typeface="Arial"/>
-                <a:ea typeface="DejaVu Sans"/>
-              </a:rPr>
-              <a:t>Phoebe will be managing the orders</a:t>
-            </a:r>
-            <a:endParaRPr b="0" lang="en-GB" sz="1800" spc="-1" strike="noStrike">
-              <a:solidFill>
-                <a:srgbClr val="000000"/>
-              </a:solidFill>
-              <a:uFill>
-                <a:solidFill>
-                  <a:srgbClr val="ffffff"/>
-                </a:solidFill>
-              </a:uFill>
-              <a:latin typeface="Arial"/>
-            </a:endParaRPr>
-          </a:p>
-          <a:p>
-            <a:pPr marL="432000" indent="-321120">
-              <a:lnSpc>
-                <a:spcPct val="100000"/>
-              </a:lnSpc>
-              <a:buClr>
-                <a:srgbClr val="000000"/>
-              </a:buClr>
-              <a:buSzPct val="45000"/>
-              <a:buFont typeface="Wingdings" charset="2"/>
-              <a:buChar char=""/>
-            </a:pPr>
-            <a:r>
-              <a:rPr b="0" lang="en-GB" sz="2800" spc="-1" strike="noStrike">
-                <a:solidFill>
-                  <a:srgbClr val="000000"/>
-                </a:solidFill>
-                <a:uFill>
-                  <a:solidFill>
-                    <a:srgbClr val="ffffff"/>
-                  </a:solidFill>
-                </a:uFill>
-                <a:latin typeface="Arial"/>
-                <a:ea typeface="DejaVu Sans"/>
-              </a:rPr>
-              <a:t>Delivery around middle of March 2018 – ready for Science Week</a:t>
+              <a:t>Dates for the Diary</a:t>
             </a:r>
             <a:endParaRPr b="0" lang="en-GB" sz="1800" spc="-1" strike="noStrike">
               <a:solidFill>
@@ -6231,7 +7266,30 @@
       </p:sp>
       <p:pic>
         <p:nvPicPr>
-          <p:cNvPr id="94" name="Picture 3" descr=""/>
+          <p:cNvPr id="93" name="Picture 3" descr=""/>
+          <p:cNvPicPr/>
+          <p:nvPr/>
+        </p:nvPicPr>
+        <p:blipFill>
+          <a:blip r:embed="rId1"/>
+          <a:stretch/>
+        </p:blipFill>
+        <p:spPr>
+          <a:xfrm>
+            <a:off x="0" y="0"/>
+            <a:ext cx="10077120" cy="1047600"/>
+          </a:xfrm>
+          <a:prstGeom prst="rect">
+            <a:avLst/>
+          </a:prstGeom>
+          <a:ln>
+            <a:noFill/>
+          </a:ln>
+        </p:spPr>
+      </p:pic>
+      <p:pic>
+        <p:nvPicPr>
+          <p:cNvPr id="94" name="Picture 4" descr=""/>
           <p:cNvPicPr/>
           <p:nvPr/>
         </p:nvPicPr>
@@ -6241,8 +7299,8 @@
         </p:blipFill>
         <p:spPr>
           <a:xfrm>
-            <a:off x="0" y="0"/>
-            <a:ext cx="10077120" cy="1047600"/>
+            <a:off x="39240" y="0"/>
+            <a:ext cx="1067040" cy="1075680"/>
           </a:xfrm>
           <a:prstGeom prst="rect">
             <a:avLst/>
@@ -6264,8 +7322,8 @@
         </p:blipFill>
         <p:spPr>
           <a:xfrm>
-            <a:off x="39240" y="0"/>
-            <a:ext cx="1067040" cy="1075680"/>
+            <a:off x="3718440" y="4659840"/>
+            <a:ext cx="2640240" cy="2661120"/>
           </a:xfrm>
           <a:prstGeom prst="rect">
             <a:avLst/>
@@ -6277,14 +7335,14 @@
       </p:pic>
       <p:sp>
         <p:nvSpPr>
-          <p:cNvPr id="96" name="CustomShape 3"/>
+          <p:cNvPr id="96" name="CustomShape 2"/>
           <p:cNvSpPr/>
           <p:nvPr/>
         </p:nvSpPr>
         <p:spPr>
           <a:xfrm>
             <a:off x="2448000" y="0"/>
-            <a:ext cx="7684200" cy="1061640"/>
+            <a:ext cx="7683840" cy="1061280"/>
           </a:xfrm>
           <a:prstGeom prst="rect">
             <a:avLst/>
@@ -6342,10 +7400,10 @@
   <p:timing>
     <p:tnLst>
       <p:par>
-        <p:cTn id="9" dur="indefinite" restart="never" nodeType="tmRoot">
+        <p:cTn id="67" dur="indefinite" restart="never" nodeType="tmRoot">
           <p:childTnLst>
             <p:seq>
-              <p:cTn id="10" nodeType="mainSeq"/>
+              <p:cTn id="68" nodeType="mainSeq"/>
               <p:prevCondLst>
                 <p:cond delay="0" evt="onPrev">
                   <p:tgtEl>
@@ -6395,7 +7453,7 @@
         <p:spPr>
           <a:xfrm>
             <a:off x="504000" y="1467720"/>
-            <a:ext cx="9068760" cy="1259280"/>
+            <a:ext cx="9068400" cy="1258920"/>
           </a:xfrm>
           <a:prstGeom prst="rect">
             <a:avLst/>
@@ -6432,7 +7490,7 @@
                 <a:latin typeface="Arial"/>
                 <a:ea typeface="DejaVu Sans"/>
               </a:rPr>
-              <a:t>AGM</a:t>
+              <a:t>Clothes</a:t>
             </a:r>
             <a:endParaRPr b="0" lang="en-GB" sz="1800" spc="-1" strike="noStrike">
               <a:solidFill>
@@ -6457,7 +7515,7 @@
         <p:spPr>
           <a:xfrm>
             <a:off x="504000" y="2728440"/>
-            <a:ext cx="9068760" cy="4381560"/>
+            <a:ext cx="9068400" cy="4381200"/>
           </a:xfrm>
           <a:prstGeom prst="rect">
             <a:avLst/>
@@ -6476,7 +7534,7 @@
         <p:txBody>
           <a:bodyPr lIns="0" rIns="0" tIns="0" bIns="0"/>
           <a:p>
-            <a:pPr marL="432000" indent="-321120">
+            <a:pPr marL="432000" indent="-320760">
               <a:lnSpc>
                 <a:spcPct val="100000"/>
               </a:lnSpc>
@@ -6500,7 +7558,38 @@
                 <a:latin typeface="Arial"/>
                 <a:ea typeface="DejaVu Sans"/>
               </a:rPr>
-              <a:t>Annual General Meeting</a:t>
+              <a:t>Sizes and prices at: </a:t>
+            </a:r>
+            <a:r>
+              <a:rPr b="0" lang="en-GB" sz="2800" spc="-1" strike="noStrike" u="sng">
+                <a:solidFill>
+                  <a:srgbClr val="0000ff"/>
+                </a:solidFill>
+                <a:uFill>
+                  <a:solidFill>
+                    <a:srgbClr val="ffffff"/>
+                  </a:solidFill>
+                </a:uFill>
+                <a:latin typeface="Arial"/>
+                <a:ea typeface="DejaVu Sans"/>
+                <a:hlinkClick r:id="rId1"/>
+              </a:rPr>
+              <a:t>http://students.aberrobotics.club/shop</a:t>
+            </a:r>
+            <a:r>
+              <a:rPr b="0" lang="en-GB" sz="2800" spc="-1" strike="noStrike">
+                <a:solidFill>
+                  <a:srgbClr val="000000"/>
+                </a:solidFill>
+                <a:uFill>
+                  <a:solidFill>
+                    <a:srgbClr val="ffffff"/>
+                  </a:solidFill>
+                </a:uFill>
+                <a:latin typeface="Arial"/>
+                <a:ea typeface="DejaVu Sans"/>
+              </a:rPr>
+              <a:t> </a:t>
             </a:r>
             <a:endParaRPr b="0" lang="en-GB" sz="1800" spc="-1" strike="noStrike">
               <a:solidFill>
@@ -6515,7 +7604,7 @@
             </a:endParaRPr>
           </a:p>
           <a:p>
-            <a:pPr marL="432000" indent="-321120">
+            <a:pPr marL="432000" indent="-320760">
               <a:lnSpc>
                 <a:spcPct val="100000"/>
               </a:lnSpc>
@@ -6539,10 +7628,10 @@
                 <a:latin typeface="Arial"/>
                 <a:ea typeface="DejaVu Sans"/>
               </a:rPr>
-              <a:t>28</a:t>
-            </a:r>
-            <a:r>
-              <a:rPr b="0" lang="en-GB" sz="2800" spc="-1" strike="noStrike" baseline="101000">
+              <a:t>We will be ordering and taking </a:t>
+            </a:r>
+            <a:r>
+              <a:rPr b="1" lang="en-GB" sz="2800" spc="-1" strike="noStrike" u="sng">
                 <a:solidFill>
                   <a:srgbClr val="000000"/>
                 </a:solidFill>
@@ -6554,7 +7643,7 @@
                 <a:latin typeface="Arial"/>
                 <a:ea typeface="DejaVu Sans"/>
               </a:rPr>
-              <a:t>th</a:t>
+              <a:t>cash</a:t>
             </a:r>
             <a:r>
               <a:rPr b="0" lang="en-GB" sz="2800" spc="-1" strike="noStrike">
@@ -6569,7 +7658,7 @@
                 <a:latin typeface="Arial"/>
                 <a:ea typeface="DejaVu Sans"/>
               </a:rPr>
-              <a:t> February 2018</a:t>
+              <a:t> Wednesday </a:t>
             </a:r>
             <a:endParaRPr b="0" lang="en-GB" sz="1800" spc="-1" strike="noStrike">
               <a:solidFill>
@@ -6584,7 +7673,7 @@
             </a:endParaRPr>
           </a:p>
           <a:p>
-            <a:pPr marL="432000" indent="-321120">
+            <a:pPr lvl="4" marL="1080000" indent="-214920">
               <a:lnSpc>
                 <a:spcPct val="100000"/>
               </a:lnSpc>
@@ -6608,7 +7697,37 @@
                 <a:latin typeface="Arial"/>
                 <a:ea typeface="DejaVu Sans"/>
               </a:rPr>
-              <a:t>Probably take about 30 minutes</a:t>
+              <a:t>14</a:t>
+            </a:r>
+            <a:r>
+              <a:rPr b="0" lang="en-GB" sz="2800" spc="-1" strike="noStrike" baseline="101000">
+                <a:solidFill>
+                  <a:srgbClr val="000000"/>
+                </a:solidFill>
+                <a:uFill>
+                  <a:solidFill>
+                    <a:srgbClr val="ffffff"/>
+                  </a:solidFill>
+                </a:uFill>
+                <a:latin typeface="Arial"/>
+                <a:ea typeface="DejaVu Sans"/>
+              </a:rPr>
+              <a:t>th</a:t>
+            </a:r>
+            <a:r>
+              <a:rPr b="0" lang="en-GB" sz="2800" spc="-1" strike="noStrike">
+                <a:solidFill>
+                  <a:srgbClr val="000000"/>
+                </a:solidFill>
+                <a:uFill>
+                  <a:solidFill>
+                    <a:srgbClr val="ffffff"/>
+                  </a:solidFill>
+                </a:uFill>
+                <a:latin typeface="Arial"/>
+                <a:ea typeface="DejaVu Sans"/>
+              </a:rPr>
+              <a:t> February 2018</a:t>
             </a:r>
             <a:endParaRPr b="0" lang="en-GB" sz="1800" spc="-1" strike="noStrike">
               <a:solidFill>
@@ -6623,7 +7742,7 @@
             </a:endParaRPr>
           </a:p>
           <a:p>
-            <a:pPr marL="432000" indent="-321120">
+            <a:pPr lvl="4" marL="1080000" indent="-214920">
               <a:lnSpc>
                 <a:spcPct val="100000"/>
               </a:lnSpc>
@@ -6647,7 +7766,37 @@
                 <a:latin typeface="Arial"/>
                 <a:ea typeface="DejaVu Sans"/>
               </a:rPr>
-              <a:t>During club times on a Wednesday 1:30-3PM</a:t>
+              <a:t>21</a:t>
+            </a:r>
+            <a:r>
+              <a:rPr b="0" lang="en-GB" sz="2800" spc="-1" strike="noStrike" baseline="101000">
+                <a:solidFill>
+                  <a:srgbClr val="000000"/>
+                </a:solidFill>
+                <a:uFill>
+                  <a:solidFill>
+                    <a:srgbClr val="ffffff"/>
+                  </a:solidFill>
+                </a:uFill>
+                <a:latin typeface="Arial"/>
+                <a:ea typeface="DejaVu Sans"/>
+              </a:rPr>
+              <a:t>st</a:t>
+            </a:r>
+            <a:r>
+              <a:rPr b="0" lang="en-GB" sz="2800" spc="-1" strike="noStrike">
+                <a:solidFill>
+                  <a:srgbClr val="000000"/>
+                </a:solidFill>
+                <a:uFill>
+                  <a:solidFill>
+                    <a:srgbClr val="ffffff"/>
+                  </a:solidFill>
+                </a:uFill>
+                <a:latin typeface="Arial"/>
+                <a:ea typeface="DejaVu Sans"/>
+              </a:rPr>
+              <a:t> February 2018</a:t>
             </a:r>
             <a:endParaRPr b="0" lang="en-GB" sz="1800" spc="-1" strike="noStrike">
               <a:solidFill>
@@ -6662,7 +7811,7 @@
             </a:endParaRPr>
           </a:p>
           <a:p>
-            <a:pPr marL="432000" indent="-321120" algn="ctr">
+            <a:pPr lvl="4" marL="1080000" indent="-214920">
               <a:lnSpc>
                 <a:spcPct val="100000"/>
               </a:lnSpc>
@@ -6674,6 +7823,51 @@
               <a:buChar char=""/>
             </a:pPr>
             <a:r>
+              <a:rPr b="0" lang="en-GB" sz="2800" spc="-1" strike="noStrike">
+                <a:solidFill>
+                  <a:srgbClr val="000000"/>
+                </a:solidFill>
+                <a:uFill>
+                  <a:solidFill>
+                    <a:srgbClr val="ffffff"/>
+                  </a:solidFill>
+                </a:uFill>
+                <a:latin typeface="Arial"/>
+                <a:ea typeface="DejaVu Sans"/>
+              </a:rPr>
+              <a:t>28</a:t>
+            </a:r>
+            <a:r>
+              <a:rPr b="0" lang="en-GB" sz="2800" spc="-1" strike="noStrike" baseline="101000">
+                <a:solidFill>
+                  <a:srgbClr val="000000"/>
+                </a:solidFill>
+                <a:uFill>
+                  <a:solidFill>
+                    <a:srgbClr val="ffffff"/>
+                  </a:solidFill>
+                </a:uFill>
+                <a:latin typeface="Arial"/>
+                <a:ea typeface="DejaVu Sans"/>
+              </a:rPr>
+              <a:t>th</a:t>
+            </a:r>
+            <a:r>
+              <a:rPr b="0" lang="en-GB" sz="2800" spc="-1" strike="noStrike">
+                <a:solidFill>
+                  <a:srgbClr val="000000"/>
+                </a:solidFill>
+                <a:uFill>
+                  <a:solidFill>
+                    <a:srgbClr val="ffffff"/>
+                  </a:solidFill>
+                </a:uFill>
+                <a:latin typeface="Arial"/>
+                <a:ea typeface="DejaVu Sans"/>
+              </a:rPr>
+              <a:t> February 2018 – </a:t>
+            </a:r>
+            <a:r>
               <a:rPr b="1" lang="en-GB" sz="2800" spc="-1" strike="noStrike" u="sng">
                 <a:solidFill>
                   <a:srgbClr val="000000"/>
@@ -6686,7 +7880,22 @@
                 <a:latin typeface="Arial"/>
                 <a:ea typeface="DejaVu Sans"/>
               </a:rPr>
-              <a:t>WE WANT YOU!</a:t>
+              <a:t>DEADLINE </a:t>
+            </a:r>
+            <a:r>
+              <a:rPr b="1" lang="en-GB" sz="2400" spc="-1" strike="noStrike" u="sng">
+                <a:solidFill>
+                  <a:srgbClr val="000000"/>
+                </a:solidFill>
+                <a:uFill>
+                  <a:solidFill>
+                    <a:srgbClr val="ffffff"/>
+                  </a:solidFill>
+                </a:uFill>
+                <a:latin typeface="Arial"/>
+                <a:ea typeface="DejaVu Sans"/>
+              </a:rPr>
+              <a:t>(sooner the better)</a:t>
             </a:r>
             <a:endParaRPr b="0" lang="en-GB" sz="1800" spc="-1" strike="noStrike">
               <a:solidFill>
@@ -6701,7 +7910,7 @@
             </a:endParaRPr>
           </a:p>
           <a:p>
-            <a:pPr marL="432000" indent="-321120" algn="ctr">
+            <a:pPr marL="432000" indent="-320760">
               <a:lnSpc>
                 <a:spcPct val="100000"/>
               </a:lnSpc>
@@ -6724,10 +7933,33 @@
                 </a:uFill>
                 <a:latin typeface="Arial"/>
                 <a:ea typeface="DejaVu Sans"/>
-                <a:hlinkClick r:id="rId1"/>
-              </a:rPr>
-              <a:t>http://students.aberrobotics.club/committee</a:t>
-            </a:r>
+              </a:rPr>
+              <a:t>Phoebe will be managing the orders</a:t>
+            </a:r>
+            <a:endParaRPr b="0" lang="en-GB" sz="1800" spc="-1" strike="noStrike">
+              <a:solidFill>
+                <a:srgbClr val="000000"/>
+              </a:solidFill>
+              <a:uFill>
+                <a:solidFill>
+                  <a:srgbClr val="ffffff"/>
+                </a:solidFill>
+              </a:uFill>
+              <a:latin typeface="Arial"/>
+            </a:endParaRPr>
+          </a:p>
+          <a:p>
+            <a:pPr marL="432000" indent="-320760">
+              <a:lnSpc>
+                <a:spcPct val="100000"/>
+              </a:lnSpc>
+              <a:buClr>
+                <a:srgbClr val="000000"/>
+              </a:buClr>
+              <a:buSzPct val="45000"/>
+              <a:buFont typeface="Wingdings" charset="2"/>
+              <a:buChar char=""/>
+            </a:pPr>
             <a:r>
               <a:rPr b="0" lang="en-GB" sz="2800" spc="-1" strike="noStrike">
                 <a:solidFill>
@@ -6741,7 +7973,7 @@
                 <a:latin typeface="Arial"/>
                 <a:ea typeface="DejaVu Sans"/>
               </a:rPr>
-              <a:t> </a:t>
+              <a:t>Delivery around middle of March 2018 – ready for Science Week</a:t>
             </a:r>
             <a:endParaRPr b="0" lang="en-GB" sz="1800" spc="-1" strike="noStrike">
               <a:solidFill>
@@ -6770,7 +8002,7 @@
         <p:spPr>
           <a:xfrm>
             <a:off x="0" y="0"/>
-            <a:ext cx="10077120" cy="1047600"/>
+            <a:ext cx="10076760" cy="1047240"/>
           </a:xfrm>
           <a:prstGeom prst="rect">
             <a:avLst/>
@@ -6793,7 +8025,7 @@
         <p:spPr>
           <a:xfrm>
             <a:off x="39240" y="0"/>
-            <a:ext cx="1067040" cy="1075680"/>
+            <a:ext cx="1066680" cy="1075320"/>
           </a:xfrm>
           <a:prstGeom prst="rect">
             <a:avLst/>
@@ -6812,7 +8044,7 @@
         <p:spPr>
           <a:xfrm>
             <a:off x="2448000" y="0"/>
-            <a:ext cx="7684200" cy="1061640"/>
+            <a:ext cx="7683840" cy="1061280"/>
           </a:xfrm>
           <a:prstGeom prst="rect">
             <a:avLst/>
@@ -6849,22 +8081,7 @@
                 <a:latin typeface="Eras Bold ITC"/>
                 <a:ea typeface="DejaVu Sans"/>
               </a:rPr>
-              <a:t>www.students.aberrob</a:t>
-            </a:r>
-            <a:r>
-              <a:rPr b="1" lang="en-GB" sz="3200" spc="-1" strike="noStrike">
-                <a:solidFill>
-                  <a:srgbClr val="000000"/>
-                </a:solidFill>
-                <a:uFill>
-                  <a:solidFill>
-                    <a:srgbClr val="ffffff"/>
-                  </a:solidFill>
-                </a:uFill>
-                <a:latin typeface="Eras Bold ITC"/>
-                <a:ea typeface="DejaVu Sans"/>
-              </a:rPr>
-              <a:t>otics.club</a:t>
+              <a:t>www.students.aberrobotics.club</a:t>
             </a:r>
             <a:endParaRPr b="0" lang="en-GB" sz="1800" spc="-1" strike="noStrike">
               <a:solidFill>
@@ -6885,10 +8102,320 @@
   <p:timing>
     <p:tnLst>
       <p:par>
-        <p:cTn id="11" dur="indefinite" restart="never" nodeType="tmRoot">
+        <p:cTn id="69" dur="indefinite" restart="never" nodeType="tmRoot">
           <p:childTnLst>
             <p:seq>
-              <p:cTn id="12" nodeType="mainSeq"/>
+              <p:cTn id="70" nodeType="mainSeq">
+                <p:childTnLst>
+                  <p:par>
+                    <p:cTn id="71" fill="freeze">
+                      <p:stCondLst>
+                        <p:cond delay="indefinite"/>
+                      </p:stCondLst>
+                      <p:childTnLst>
+                        <p:par>
+                          <p:cTn id="72" fill="freeze">
+                            <p:stCondLst>
+                              <p:cond delay="0"/>
+                            </p:stCondLst>
+                            <p:childTnLst>
+                              <p:par>
+                                <p:cTn id="73" nodeType="clickEffect" fill="hold" presetClass="entr" presetID="1">
+                                  <p:stCondLst>
+                                    <p:cond delay="0"/>
+                                  </p:stCondLst>
+                                  <p:childTnLst>
+                                    <p:set>
+                                      <p:cBhvr>
+                                        <p:cTn id="74" dur="1" fill="hold">
+                                          <p:stCondLst>
+                                            <p:cond delay="0"/>
+                                          </p:stCondLst>
+                                        </p:cTn>
+                                        <p:tgtEl>
+                                          <p:spTgt spid="98">
+                                            <p:txEl>
+                                              <p:pRg st="0" end="61"/>
+                                            </p:txEl>
+                                          </p:spTgt>
+                                        </p:tgtEl>
+                                        <p:attrNameLst>
+                                          <p:attrName>style.visibility</p:attrName>
+                                        </p:attrNameLst>
+                                      </p:cBhvr>
+                                      <p:to>
+                                        <p:strVal val="visible"/>
+                                      </p:to>
+                                    </p:set>
+                                  </p:childTnLst>
+                                </p:cTn>
+                              </p:par>
+                            </p:childTnLst>
+                          </p:cTn>
+                        </p:par>
+                      </p:childTnLst>
+                    </p:cTn>
+                  </p:par>
+                  <p:par>
+                    <p:cTn id="75" fill="freeze">
+                      <p:stCondLst>
+                        <p:cond delay="indefinite"/>
+                      </p:stCondLst>
+                      <p:childTnLst>
+                        <p:par>
+                          <p:cTn id="76" fill="freeze">
+                            <p:stCondLst>
+                              <p:cond delay="0"/>
+                            </p:stCondLst>
+                            <p:childTnLst>
+                              <p:par>
+                                <p:cTn id="77" nodeType="clickEffect" fill="hold" presetClass="entr" presetID="1">
+                                  <p:stCondLst>
+                                    <p:cond delay="0"/>
+                                  </p:stCondLst>
+                                  <p:childTnLst>
+                                    <p:set>
+                                      <p:cBhvr>
+                                        <p:cTn id="78" dur="1" fill="hold">
+                                          <p:stCondLst>
+                                            <p:cond delay="0"/>
+                                          </p:stCondLst>
+                                        </p:cTn>
+                                        <p:tgtEl>
+                                          <p:spTgt spid="98">
+                                            <p:txEl>
+                                              <p:pRg st="61" end="108"/>
+                                            </p:txEl>
+                                          </p:spTgt>
+                                        </p:tgtEl>
+                                        <p:attrNameLst>
+                                          <p:attrName>style.visibility</p:attrName>
+                                        </p:attrNameLst>
+                                      </p:cBhvr>
+                                      <p:to>
+                                        <p:strVal val="visible"/>
+                                      </p:to>
+                                    </p:set>
+                                  </p:childTnLst>
+                                </p:cTn>
+                              </p:par>
+                            </p:childTnLst>
+                          </p:cTn>
+                        </p:par>
+                      </p:childTnLst>
+                    </p:cTn>
+                  </p:par>
+                  <p:par>
+                    <p:cTn id="79" fill="freeze">
+                      <p:stCondLst>
+                        <p:cond delay="indefinite"/>
+                      </p:stCondLst>
+                      <p:childTnLst>
+                        <p:par>
+                          <p:cTn id="80" fill="freeze">
+                            <p:stCondLst>
+                              <p:cond delay="0"/>
+                            </p:stCondLst>
+                            <p:childTnLst>
+                              <p:par>
+                                <p:cTn id="81" nodeType="clickEffect" fill="hold" presetClass="entr" presetID="1">
+                                  <p:stCondLst>
+                                    <p:cond delay="0"/>
+                                  </p:stCondLst>
+                                  <p:childTnLst>
+                                    <p:set>
+                                      <p:cBhvr>
+                                        <p:cTn id="82" dur="1" fill="hold">
+                                          <p:stCondLst>
+                                            <p:cond delay="0"/>
+                                          </p:stCondLst>
+                                        </p:cTn>
+                                        <p:tgtEl>
+                                          <p:spTgt spid="98">
+                                            <p:txEl>
+                                              <p:pRg st="108" end="127"/>
+                                            </p:txEl>
+                                          </p:spTgt>
+                                        </p:tgtEl>
+                                        <p:attrNameLst>
+                                          <p:attrName>style.visibility</p:attrName>
+                                        </p:attrNameLst>
+                                      </p:cBhvr>
+                                      <p:to>
+                                        <p:strVal val="visible"/>
+                                      </p:to>
+                                    </p:set>
+                                  </p:childTnLst>
+                                </p:cTn>
+                              </p:par>
+                              <p:par>
+                                <p:cTn id="83" nodeType="withEffect" fill="hold" presetClass="entr" presetID="1">
+                                  <p:stCondLst>
+                                    <p:cond delay="0"/>
+                                  </p:stCondLst>
+                                  <p:childTnLst>
+                                    <p:set>
+                                      <p:cBhvr>
+                                        <p:cTn id="84" dur="1" fill="hold">
+                                          <p:stCondLst>
+                                            <p:cond delay="0"/>
+                                          </p:stCondLst>
+                                        </p:cTn>
+                                        <p:tgtEl>
+                                          <p:spTgt spid="98">
+                                            <p:txEl>
+                                              <p:pRg st="127" end="146"/>
+                                            </p:txEl>
+                                          </p:spTgt>
+                                        </p:tgtEl>
+                                        <p:attrNameLst>
+                                          <p:attrName>style.visibility</p:attrName>
+                                        </p:attrNameLst>
+                                      </p:cBhvr>
+                                      <p:to>
+                                        <p:strVal val="visible"/>
+                                      </p:to>
+                                    </p:set>
+                                  </p:childTnLst>
+                                </p:cTn>
+                              </p:par>
+                              <p:par>
+                                <p:cTn id="85" nodeType="withEffect" fill="hold" presetClass="entr" presetID="1">
+                                  <p:stCondLst>
+                                    <p:cond delay="0"/>
+                                  </p:stCondLst>
+                                  <p:childTnLst>
+                                    <p:set>
+                                      <p:cBhvr>
+                                        <p:cTn id="86" dur="1" fill="hold">
+                                          <p:stCondLst>
+                                            <p:cond delay="0"/>
+                                          </p:stCondLst>
+                                        </p:cTn>
+                                        <p:tgtEl>
+                                          <p:spTgt spid="98">
+                                            <p:txEl>
+                                              <p:pRg st="146" end="196"/>
+                                            </p:txEl>
+                                          </p:spTgt>
+                                        </p:tgtEl>
+                                        <p:attrNameLst>
+                                          <p:attrName>style.visibility</p:attrName>
+                                        </p:attrNameLst>
+                                      </p:cBhvr>
+                                      <p:to>
+                                        <p:strVal val="visible"/>
+                                      </p:to>
+                                    </p:set>
+                                  </p:childTnLst>
+                                </p:cTn>
+                              </p:par>
+                            </p:childTnLst>
+                          </p:cTn>
+                        </p:par>
+                      </p:childTnLst>
+                    </p:cTn>
+                  </p:par>
+                  <p:par>
+                    <p:cTn id="87" fill="freeze">
+                      <p:stCondLst>
+                        <p:cond delay="indefinite"/>
+                      </p:stCondLst>
+                      <p:childTnLst>
+                        <p:par>
+                          <p:cTn id="88" fill="freeze">
+                            <p:stCondLst>
+                              <p:cond delay="0"/>
+                            </p:stCondLst>
+                            <p:childTnLst>
+                              <p:par>
+                                <p:cTn id="89" nodeType="clickEffect" fill="hold" presetClass="entr" presetID="1">
+                                  <p:stCondLst>
+                                    <p:cond delay="0"/>
+                                  </p:stCondLst>
+                                  <p:childTnLst>
+                                    <p:set>
+                                      <p:cBhvr>
+                                        <p:cTn id="90" dur="1" fill="hold">
+                                          <p:stCondLst>
+                                            <p:cond delay="0"/>
+                                          </p:stCondLst>
+                                        </p:cTn>
+                                        <p:tgtEl>
+                                          <p:spTgt spid="98">
+                                            <p:txEl>
+                                              <p:pRg st="196" end="231"/>
+                                            </p:txEl>
+                                          </p:spTgt>
+                                        </p:tgtEl>
+                                        <p:attrNameLst>
+                                          <p:attrName>style.visibility</p:attrName>
+                                        </p:attrNameLst>
+                                      </p:cBhvr>
+                                      <p:to>
+                                        <p:strVal val="visible"/>
+                                      </p:to>
+                                    </p:set>
+                                  </p:childTnLst>
+                                </p:cTn>
+                              </p:par>
+                            </p:childTnLst>
+                          </p:cTn>
+                        </p:par>
+                      </p:childTnLst>
+                    </p:cTn>
+                  </p:par>
+                  <p:par>
+                    <p:cTn id="91" fill="freeze">
+                      <p:stCondLst>
+                        <p:cond delay="indefinite"/>
+                      </p:stCondLst>
+                      <p:childTnLst>
+                        <p:par>
+                          <p:cTn id="92" fill="freeze">
+                            <p:stCondLst>
+                              <p:cond delay="0"/>
+                            </p:stCondLst>
+                            <p:childTnLst>
+                              <p:par>
+                                <p:cTn id="93" nodeType="clickEffect" fill="hold" presetClass="entr" presetID="1">
+                                  <p:stCondLst>
+                                    <p:cond delay="0"/>
+                                  </p:stCondLst>
+                                  <p:childTnLst>
+                                    <p:set>
+                                      <p:cBhvr>
+                                        <p:cTn id="94" dur="1" fill="hold">
+                                          <p:stCondLst>
+                                            <p:cond delay="0"/>
+                                          </p:stCondLst>
+                                        </p:cTn>
+                                        <p:tgtEl>
+                                          <p:spTgt spid="98">
+                                            <p:txEl>
+                                              <p:pRg st="231" end="293"/>
+                                            </p:txEl>
+                                          </p:spTgt>
+                                        </p:tgtEl>
+                                        <p:attrNameLst>
+                                          <p:attrName>style.visibility</p:attrName>
+                                        </p:attrNameLst>
+                                      </p:cBhvr>
+                                      <p:to>
+                                        <p:strVal val="visible"/>
+                                      </p:to>
+                                    </p:set>
+                                  </p:childTnLst>
+                                </p:cTn>
+                              </p:par>
+                            </p:childTnLst>
+                          </p:cTn>
+                        </p:par>
+                      </p:childTnLst>
+                    </p:cTn>
+                  </p:par>
+                </p:childTnLst>
+              </p:cTn>
               <p:prevCondLst>
                 <p:cond delay="0" evt="onPrev">
                   <p:tgtEl>
@@ -6938,7 +8465,7 @@
         <p:spPr>
           <a:xfrm>
             <a:off x="504000" y="1467720"/>
-            <a:ext cx="9068760" cy="1259280"/>
+            <a:ext cx="9068400" cy="1258920"/>
           </a:xfrm>
           <a:prstGeom prst="rect">
             <a:avLst/>
@@ -6975,55 +8502,7 @@
                 <a:latin typeface="Arial"/>
                 <a:ea typeface="DejaVu Sans"/>
               </a:rPr>
-              <a:t>Science Week 2018</a:t>
-            </a:r>
-            <a:endParaRPr b="0" lang="en-GB" sz="1800" spc="-1" strike="noStrike">
-              <a:solidFill>
-                <a:srgbClr val="000000"/>
-              </a:solidFill>
-              <a:uFill>
-                <a:solidFill>
-                  <a:srgbClr val="ffffff"/>
-                </a:solidFill>
-              </a:uFill>
-              <a:latin typeface="Arial"/>
-            </a:endParaRPr>
-          </a:p>
-          <a:p>
-            <a:pPr algn="ctr">
-              <a:lnSpc>
-                <a:spcPct val="100000"/>
-              </a:lnSpc>
-            </a:pPr>
-            <a:r>
-              <a:rPr b="0" lang="en-GB" sz="4400" spc="-1" strike="noStrike">
-                <a:solidFill>
-                  <a:srgbClr val="000000"/>
-                </a:solidFill>
-                <a:uFill>
-                  <a:solidFill>
-                    <a:srgbClr val="ffffff"/>
-                  </a:solidFill>
-                </a:uFill>
-                <a:latin typeface="Arial"/>
-                <a:ea typeface="DejaVu Sans"/>
-              </a:rPr>
-              <a:t>“</a:t>
-            </a:r>
-            <a:r>
-              <a:rPr b="0" lang="en-GB" sz="4400" spc="-1" strike="noStrike">
-                <a:solidFill>
-                  <a:srgbClr val="000000"/>
-                </a:solidFill>
-                <a:uFill>
-                  <a:solidFill>
-                    <a:srgbClr val="ffffff"/>
-                  </a:solidFill>
-                </a:uFill>
-                <a:latin typeface="Arial"/>
-                <a:ea typeface="DejaVu Sans"/>
-              </a:rPr>
-              <a:t>Exploration and Discovery”</a:t>
+              <a:t>AGM</a:t>
             </a:r>
             <a:endParaRPr b="0" lang="en-GB" sz="1800" spc="-1" strike="noStrike">
               <a:solidFill>
@@ -7048,7 +8527,7 @@
         <p:spPr>
           <a:xfrm>
             <a:off x="504000" y="2728440"/>
-            <a:ext cx="9068760" cy="4381560"/>
+            <a:ext cx="9068400" cy="4381200"/>
           </a:xfrm>
           <a:prstGeom prst="rect">
             <a:avLst/>
@@ -7067,7 +8546,7 @@
         <p:txBody>
           <a:bodyPr lIns="0" rIns="0" tIns="0" bIns="0"/>
           <a:p>
-            <a:pPr marL="432000" indent="-321120">
+            <a:pPr marL="432000" indent="-320760">
               <a:lnSpc>
                 <a:spcPct val="100000"/>
               </a:lnSpc>
@@ -7091,112 +8570,7 @@
                 <a:latin typeface="Arial"/>
                 <a:ea typeface="DejaVu Sans"/>
               </a:rPr>
-              <a:t>13</a:t>
-            </a:r>
-            <a:r>
-              <a:rPr b="0" lang="en-GB" sz="2800" spc="-1" strike="noStrike" baseline="101000">
-                <a:solidFill>
-                  <a:srgbClr val="000000"/>
-                </a:solidFill>
-                <a:uFill>
-                  <a:solidFill>
-                    <a:srgbClr val="ffffff"/>
-                  </a:solidFill>
-                </a:uFill>
-                <a:latin typeface="Arial"/>
-                <a:ea typeface="DejaVu Sans"/>
-              </a:rPr>
-              <a:t>th</a:t>
-            </a:r>
-            <a:r>
-              <a:rPr b="0" lang="en-GB" sz="2800" spc="-1" strike="noStrike">
-                <a:solidFill>
-                  <a:srgbClr val="000000"/>
-                </a:solidFill>
-                <a:uFill>
-                  <a:solidFill>
-                    <a:srgbClr val="ffffff"/>
-                  </a:solidFill>
-                </a:uFill>
-                <a:latin typeface="Arial"/>
-                <a:ea typeface="DejaVu Sans"/>
-              </a:rPr>
-              <a:t>, </a:t>
-            </a:r>
-            <a:r>
-              <a:rPr b="1" lang="en-GB" sz="2800" spc="-1" strike="noStrike" u="sng">
-                <a:solidFill>
-                  <a:srgbClr val="000000"/>
-                </a:solidFill>
-                <a:uFill>
-                  <a:solidFill>
-                    <a:srgbClr val="ffffff"/>
-                  </a:solidFill>
-                </a:uFill>
-                <a:latin typeface="Arial"/>
-                <a:ea typeface="DejaVu Sans"/>
-              </a:rPr>
-              <a:t>14</a:t>
-            </a:r>
-            <a:r>
-              <a:rPr b="1" lang="en-GB" sz="2800" spc="-1" strike="noStrike" u="sng" baseline="101000">
-                <a:solidFill>
-                  <a:srgbClr val="000000"/>
-                </a:solidFill>
-                <a:uFill>
-                  <a:solidFill>
-                    <a:srgbClr val="ffffff"/>
-                  </a:solidFill>
-                </a:uFill>
-                <a:latin typeface="Arial"/>
-                <a:ea typeface="DejaVu Sans"/>
-              </a:rPr>
-              <a:t>th</a:t>
-            </a:r>
-            <a:r>
-              <a:rPr b="0" lang="en-GB" sz="2800" spc="-1" strike="noStrike">
-                <a:solidFill>
-                  <a:srgbClr val="000000"/>
-                </a:solidFill>
-                <a:uFill>
-                  <a:solidFill>
-                    <a:srgbClr val="ffffff"/>
-                  </a:solidFill>
-                </a:uFill>
-                <a:latin typeface="Arial"/>
-                <a:ea typeface="DejaVu Sans"/>
-              </a:rPr>
-              <a:t> and 15</a:t>
-            </a:r>
-            <a:r>
-              <a:rPr b="0" lang="en-GB" sz="2800" spc="-1" strike="noStrike" baseline="101000">
-                <a:solidFill>
-                  <a:srgbClr val="000000"/>
-                </a:solidFill>
-                <a:uFill>
-                  <a:solidFill>
-                    <a:srgbClr val="ffffff"/>
-                  </a:solidFill>
-                </a:uFill>
-                <a:latin typeface="Arial"/>
-                <a:ea typeface="DejaVu Sans"/>
-              </a:rPr>
-              <a:t>th</a:t>
-            </a:r>
-            <a:r>
-              <a:rPr b="0" lang="en-GB" sz="2800" spc="-1" strike="noStrike">
-                <a:solidFill>
-                  <a:srgbClr val="000000"/>
-                </a:solidFill>
-                <a:uFill>
-                  <a:solidFill>
-                    <a:srgbClr val="ffffff"/>
-                  </a:solidFill>
-                </a:uFill>
-                <a:latin typeface="Arial"/>
-                <a:ea typeface="DejaVu Sans"/>
-              </a:rPr>
-              <a:t> of March 2018</a:t>
+              <a:t>Annual General Meeting</a:t>
             </a:r>
             <a:endParaRPr b="0" lang="en-GB" sz="1800" spc="-1" strike="noStrike">
               <a:solidFill>
@@ -7211,7 +8585,7 @@
             </a:endParaRPr>
           </a:p>
           <a:p>
-            <a:pPr marL="432000" indent="-321120">
+            <a:pPr marL="432000" indent="-320760">
               <a:lnSpc>
                 <a:spcPct val="100000"/>
               </a:lnSpc>
@@ -7235,10 +8609,10 @@
                 <a:latin typeface="Arial"/>
                 <a:ea typeface="DejaVu Sans"/>
               </a:rPr>
-              <a:t>University </a:t>
-            </a:r>
-            <a:r>
-              <a:rPr b="1" lang="en-GB" sz="2800" spc="-1" strike="noStrike" u="sng">
+              <a:t>28</a:t>
+            </a:r>
+            <a:r>
+              <a:rPr b="0" lang="en-GB" sz="2800" spc="-1" strike="noStrike" baseline="101000">
                 <a:solidFill>
                   <a:srgbClr val="000000"/>
                 </a:solidFill>
@@ -7250,7 +8624,22 @@
                 <a:latin typeface="Arial"/>
                 <a:ea typeface="DejaVu Sans"/>
               </a:rPr>
-              <a:t>Sports Cage</a:t>
+              <a:t>th</a:t>
+            </a:r>
+            <a:r>
+              <a:rPr b="0" lang="en-GB" sz="2800" spc="-1" strike="noStrike">
+                <a:solidFill>
+                  <a:srgbClr val="000000"/>
+                </a:solidFill>
+                <a:uFill>
+                  <a:solidFill>
+                    <a:srgbClr val="ffffff"/>
+                  </a:solidFill>
+                </a:uFill>
+                <a:latin typeface="Arial"/>
+                <a:ea typeface="DejaVu Sans"/>
+              </a:rPr>
+              <a:t> February 2018</a:t>
             </a:r>
             <a:endParaRPr b="0" lang="en-GB" sz="1800" spc="-1" strike="noStrike">
               <a:solidFill>
@@ -7265,7 +8654,7 @@
             </a:endParaRPr>
           </a:p>
           <a:p>
-            <a:pPr marL="432000" indent="-321120">
+            <a:pPr marL="432000" indent="-320760">
               <a:lnSpc>
                 <a:spcPct val="100000"/>
               </a:lnSpc>
@@ -7289,37 +8678,7 @@
                 <a:latin typeface="Arial"/>
                 <a:ea typeface="DejaVu Sans"/>
               </a:rPr>
-              <a:t>Open to the public </a:t>
-            </a:r>
-            <a:r>
-              <a:rPr b="1" lang="en-GB" sz="2800" spc="-1" strike="noStrike" u="sng">
-                <a:solidFill>
-                  <a:srgbClr val="000000"/>
-                </a:solidFill>
-                <a:uFill>
-                  <a:solidFill>
-                    <a:srgbClr val="ffffff"/>
-                  </a:solidFill>
-                </a:uFill>
-                <a:latin typeface="Arial"/>
-                <a:ea typeface="DejaVu Sans"/>
-              </a:rPr>
-              <a:t>Wednesday</a:t>
-            </a:r>
-            <a:r>
-              <a:rPr b="0" lang="en-GB" sz="2800" spc="-1" strike="noStrike">
-                <a:solidFill>
-                  <a:srgbClr val="000000"/>
-                </a:solidFill>
-                <a:uFill>
-                  <a:solidFill>
-                    <a:srgbClr val="ffffff"/>
-                  </a:solidFill>
-                </a:uFill>
-                <a:latin typeface="Arial"/>
-                <a:ea typeface="DejaVu Sans"/>
-              </a:rPr>
-              <a:t> between 4-6PM</a:t>
+              <a:t>Probably take about 30 minutes</a:t>
             </a:r>
             <a:endParaRPr b="0" lang="en-GB" sz="1800" spc="-1" strike="noStrike">
               <a:solidFill>
@@ -7334,7 +8693,7 @@
             </a:endParaRPr>
           </a:p>
           <a:p>
-            <a:pPr marL="432000" indent="-321120">
+            <a:pPr marL="432000" indent="-320760">
               <a:lnSpc>
                 <a:spcPct val="100000"/>
               </a:lnSpc>
@@ -7346,7 +8705,7 @@
               <a:buChar char=""/>
             </a:pPr>
             <a:r>
-              <a:rPr b="1" lang="en-GB" sz="2800" spc="-1" strike="noStrike" u="sng">
+              <a:rPr b="0" lang="en-GB" sz="2800" spc="-1" strike="noStrike">
                 <a:solidFill>
                   <a:srgbClr val="000000"/>
                 </a:solidFill>
@@ -7358,22 +8717,7 @@
                 <a:latin typeface="Arial"/>
                 <a:ea typeface="DejaVu Sans"/>
               </a:rPr>
-              <a:t>Meeting will be 3:30-5:30PM instead of 1:30-3PM</a:t>
-            </a:r>
-            <a:r>
-              <a:rPr b="0" lang="en-GB" sz="2800" spc="-1" strike="noStrike">
-                <a:solidFill>
-                  <a:srgbClr val="000000"/>
-                </a:solidFill>
-                <a:uFill>
-                  <a:solidFill>
-                    <a:srgbClr val="ffffff"/>
-                  </a:solidFill>
-                </a:uFill>
-                <a:latin typeface="Arial"/>
-                <a:ea typeface="DejaVu Sans"/>
-              </a:rPr>
-              <a:t> </a:t>
+              <a:t>During club times on a Wednesday 1:30-3PM</a:t>
             </a:r>
             <a:endParaRPr b="0" lang="en-GB" sz="1800" spc="-1" strike="noStrike">
               <a:solidFill>
@@ -7388,7 +8732,7 @@
             </a:endParaRPr>
           </a:p>
           <a:p>
-            <a:pPr marL="432000" indent="-321120">
+            <a:pPr marL="432000" indent="-320760" algn="ctr">
               <a:lnSpc>
                 <a:spcPct val="100000"/>
               </a:lnSpc>
@@ -7400,7 +8744,7 @@
               <a:buChar char=""/>
             </a:pPr>
             <a:r>
-              <a:rPr b="0" lang="en-GB" sz="2800" spc="-1" strike="noStrike">
+              <a:rPr b="1" lang="en-GB" sz="2800" spc="-1" strike="noStrike" u="sng">
                 <a:solidFill>
                   <a:srgbClr val="000000"/>
                 </a:solidFill>
@@ -7412,7 +8756,7 @@
                 <a:latin typeface="Arial"/>
                 <a:ea typeface="DejaVu Sans"/>
               </a:rPr>
-              <a:t>Your robots will be on display with the ARC</a:t>
+              <a:t>WE WANT YOU!</a:t>
             </a:r>
             <a:endParaRPr b="0" lang="en-GB" sz="1800" spc="-1" strike="noStrike">
               <a:solidFill>
@@ -7427,7 +8771,7 @@
             </a:endParaRPr>
           </a:p>
           <a:p>
-            <a:pPr lvl="3" marL="864000" indent="-216000">
+            <a:pPr marL="432000" indent="-320760" algn="ctr">
               <a:lnSpc>
                 <a:spcPct val="100000"/>
               </a:lnSpc>
@@ -7439,6 +8783,22 @@
               <a:buChar char=""/>
             </a:pPr>
             <a:r>
+              <a:rPr b="0" lang="en-GB" sz="2800" spc="-1" strike="noStrike" u="sng">
+                <a:solidFill>
+                  <a:srgbClr val="0000ff"/>
+                </a:solidFill>
+                <a:uFill>
+                  <a:solidFill>
+                    <a:srgbClr val="ffffff"/>
+                  </a:solidFill>
+                </a:uFill>
+                <a:latin typeface="Arial"/>
+                <a:ea typeface="DejaVu Sans"/>
+                <a:hlinkClick r:id="rId1"/>
+              </a:rPr>
+              <a:t>http://students.aberrobotics.club/committee</a:t>
+            </a:r>
+            <a:r>
               <a:rPr b="0" lang="en-GB" sz="2800" spc="-1" strike="noStrike">
                 <a:solidFill>
                   <a:srgbClr val="000000"/>
@@ -7451,85 +8811,7 @@
                 <a:latin typeface="Arial"/>
                 <a:ea typeface="DejaVu Sans"/>
               </a:rPr>
-              <a:t>Don’t come to the labs…</a:t>
-            </a:r>
-            <a:endParaRPr b="0" lang="en-GB" sz="1800" spc="-1" strike="noStrike">
-              <a:solidFill>
-                <a:srgbClr val="000000"/>
-              </a:solidFill>
-              <a:uFill>
-                <a:solidFill>
-                  <a:srgbClr val="ffffff"/>
-                </a:solidFill>
-              </a:uFill>
-              <a:latin typeface="Arial"/>
-            </a:endParaRPr>
-          </a:p>
-          <a:p>
-            <a:pPr lvl="3" marL="864000" indent="-216000">
-              <a:lnSpc>
-                <a:spcPct val="100000"/>
-              </a:lnSpc>
-              <a:buClr>
-                <a:srgbClr val="000000"/>
-              </a:buClr>
-              <a:buSzPct val="45000"/>
-              <a:buFont typeface="Wingdings" charset="2"/>
-              <a:buChar char=""/>
-            </a:pPr>
-            <a:r>
-              <a:rPr b="1" lang="en-GB" sz="2800" spc="-1" strike="noStrike" u="sng">
-                <a:solidFill>
-                  <a:srgbClr val="000000"/>
-                </a:solidFill>
-                <a:uFill>
-                  <a:solidFill>
-                    <a:srgbClr val="ffffff"/>
-                  </a:solidFill>
-                </a:uFill>
-                <a:latin typeface="Arial"/>
-                <a:ea typeface="DejaVu Sans"/>
-              </a:rPr>
-              <a:t>Go to the Sports Cage </a:t>
-            </a:r>
-            <a:endParaRPr b="0" lang="en-GB" sz="1800" spc="-1" strike="noStrike">
-              <a:solidFill>
-                <a:srgbClr val="000000"/>
-              </a:solidFill>
-              <a:uFill>
-                <a:solidFill>
-                  <a:srgbClr val="ffffff"/>
-                </a:solidFill>
-              </a:uFill>
-              <a:latin typeface="Arial"/>
-            </a:endParaRPr>
-          </a:p>
-          <a:p>
-            <a:pPr marL="432000" indent="-321120">
-              <a:lnSpc>
-                <a:spcPct val="100000"/>
-              </a:lnSpc>
-              <a:buClr>
-                <a:srgbClr val="000000"/>
-              </a:buClr>
-              <a:buSzPct val="45000"/>
-              <a:buFont typeface="Wingdings" charset="2"/>
-              <a:buChar char=""/>
-            </a:pPr>
-            <a:r>
-              <a:rPr b="0" lang="en-GB" sz="2800" spc="-1" strike="noStrike">
-                <a:solidFill>
-                  <a:srgbClr val="000000"/>
-                </a:solidFill>
-                <a:uFill>
-                  <a:solidFill>
-                    <a:srgbClr val="ffffff"/>
-                  </a:solidFill>
-                </a:uFill>
-                <a:latin typeface="Arial"/>
-                <a:ea typeface="DejaVu Sans"/>
-              </a:rPr>
-              <a:t>A chance to show and explain how the robots work, or just carry on developing them.</a:t>
+              <a:t> </a:t>
             </a:r>
             <a:endParaRPr b="0" lang="en-GB" sz="1800" spc="-1" strike="noStrike">
               <a:solidFill>
@@ -7552,13 +8834,13 @@
           <p:nvPr/>
         </p:nvPicPr>
         <p:blipFill>
-          <a:blip r:embed="rId1"/>
+          <a:blip r:embed="rId2"/>
           <a:stretch/>
         </p:blipFill>
         <p:spPr>
           <a:xfrm>
             <a:off x="0" y="0"/>
-            <a:ext cx="10077120" cy="1047600"/>
+            <a:ext cx="10076760" cy="1047240"/>
           </a:xfrm>
           <a:prstGeom prst="rect">
             <a:avLst/>
@@ -7575,13 +8857,13 @@
           <p:nvPr/>
         </p:nvPicPr>
         <p:blipFill>
-          <a:blip r:embed="rId2"/>
+          <a:blip r:embed="rId3"/>
           <a:stretch/>
         </p:blipFill>
         <p:spPr>
           <a:xfrm>
             <a:off x="39240" y="0"/>
-            <a:ext cx="1067040" cy="1075680"/>
+            <a:ext cx="1066680" cy="1075320"/>
           </a:xfrm>
           <a:prstGeom prst="rect">
             <a:avLst/>
@@ -7600,7 +8882,7 @@
         <p:spPr>
           <a:xfrm>
             <a:off x="2448000" y="0"/>
-            <a:ext cx="7684200" cy="1061640"/>
+            <a:ext cx="7683840" cy="1061280"/>
           </a:xfrm>
           <a:prstGeom prst="rect">
             <a:avLst/>
@@ -7658,10 +8940,289 @@
   <p:timing>
     <p:tnLst>
       <p:par>
-        <p:cTn id="13" dur="indefinite" restart="never" nodeType="tmRoot">
+        <p:cTn id="95" dur="indefinite" restart="never" nodeType="tmRoot">
           <p:childTnLst>
             <p:seq>
-              <p:cTn id="14" nodeType="mainSeq"/>
+              <p:cTn id="96" nodeType="mainSeq">
+                <p:childTnLst>
+                  <p:par>
+                    <p:cTn id="97" fill="freeze">
+                      <p:stCondLst>
+                        <p:cond delay="indefinite"/>
+                      </p:stCondLst>
+                      <p:childTnLst>
+                        <p:par>
+                          <p:cTn id="98" fill="freeze">
+                            <p:stCondLst>
+                              <p:cond delay="0"/>
+                            </p:stCondLst>
+                            <p:childTnLst>
+                              <p:par>
+                                <p:cTn id="99" nodeType="clickEffect" fill="hold" presetClass="entr" presetID="1">
+                                  <p:stCondLst>
+                                    <p:cond delay="0"/>
+                                  </p:stCondLst>
+                                  <p:childTnLst>
+                                    <p:set>
+                                      <p:cBhvr>
+                                        <p:cTn id="100" dur="1" fill="hold">
+                                          <p:stCondLst>
+                                            <p:cond delay="0"/>
+                                          </p:stCondLst>
+                                        </p:cTn>
+                                        <p:tgtEl>
+                                          <p:spTgt spid="103">
+                                            <p:txEl>
+                                              <p:pRg st="0" end="23"/>
+                                            </p:txEl>
+                                          </p:spTgt>
+                                        </p:tgtEl>
+                                        <p:attrNameLst>
+                                          <p:attrName>style.visibility</p:attrName>
+                                        </p:attrNameLst>
+                                      </p:cBhvr>
+                                      <p:to>
+                                        <p:strVal val="visible"/>
+                                      </p:to>
+                                    </p:set>
+                                  </p:childTnLst>
+                                </p:cTn>
+                              </p:par>
+                            </p:childTnLst>
+                          </p:cTn>
+                        </p:par>
+                      </p:childTnLst>
+                    </p:cTn>
+                  </p:par>
+                  <p:par>
+                    <p:cTn id="101" fill="freeze">
+                      <p:stCondLst>
+                        <p:cond delay="indefinite"/>
+                      </p:stCondLst>
+                      <p:childTnLst>
+                        <p:par>
+                          <p:cTn id="102" fill="freeze">
+                            <p:stCondLst>
+                              <p:cond delay="0"/>
+                            </p:stCondLst>
+                            <p:childTnLst>
+                              <p:par>
+                                <p:cTn id="103" nodeType="clickEffect" fill="hold" presetClass="entr" presetID="1">
+                                  <p:stCondLst>
+                                    <p:cond delay="0"/>
+                                  </p:stCondLst>
+                                  <p:childTnLst>
+                                    <p:set>
+                                      <p:cBhvr>
+                                        <p:cTn id="104" dur="1" fill="hold">
+                                          <p:stCondLst>
+                                            <p:cond delay="0"/>
+                                          </p:stCondLst>
+                                        </p:cTn>
+                                        <p:tgtEl>
+                                          <p:spTgt spid="103">
+                                            <p:txEl>
+                                              <p:pRg st="23" end="42"/>
+                                            </p:txEl>
+                                          </p:spTgt>
+                                        </p:tgtEl>
+                                        <p:attrNameLst>
+                                          <p:attrName>style.visibility</p:attrName>
+                                        </p:attrNameLst>
+                                      </p:cBhvr>
+                                      <p:to>
+                                        <p:strVal val="visible"/>
+                                      </p:to>
+                                    </p:set>
+                                  </p:childTnLst>
+                                </p:cTn>
+                              </p:par>
+                            </p:childTnLst>
+                          </p:cTn>
+                        </p:par>
+                      </p:childTnLst>
+                    </p:cTn>
+                  </p:par>
+                  <p:par>
+                    <p:cTn id="105" fill="freeze">
+                      <p:stCondLst>
+                        <p:cond delay="indefinite"/>
+                      </p:stCondLst>
+                      <p:childTnLst>
+                        <p:par>
+                          <p:cTn id="106" fill="freeze">
+                            <p:stCondLst>
+                              <p:cond delay="0"/>
+                            </p:stCondLst>
+                            <p:childTnLst>
+                              <p:par>
+                                <p:cTn id="107" nodeType="clickEffect" fill="hold" presetClass="entr" presetID="1">
+                                  <p:stCondLst>
+                                    <p:cond delay="0"/>
+                                  </p:stCondLst>
+                                  <p:childTnLst>
+                                    <p:set>
+                                      <p:cBhvr>
+                                        <p:cTn id="108" dur="1" fill="hold">
+                                          <p:stCondLst>
+                                            <p:cond delay="0"/>
+                                          </p:stCondLst>
+                                        </p:cTn>
+                                        <p:tgtEl>
+                                          <p:spTgt spid="103">
+                                            <p:txEl>
+                                              <p:pRg st="42" end="73"/>
+                                            </p:txEl>
+                                          </p:spTgt>
+                                        </p:tgtEl>
+                                        <p:attrNameLst>
+                                          <p:attrName>style.visibility</p:attrName>
+                                        </p:attrNameLst>
+                                      </p:cBhvr>
+                                      <p:to>
+                                        <p:strVal val="visible"/>
+                                      </p:to>
+                                    </p:set>
+                                  </p:childTnLst>
+                                </p:cTn>
+                              </p:par>
+                            </p:childTnLst>
+                          </p:cTn>
+                        </p:par>
+                      </p:childTnLst>
+                    </p:cTn>
+                  </p:par>
+                  <p:par>
+                    <p:cTn id="109" fill="freeze">
+                      <p:stCondLst>
+                        <p:cond delay="indefinite"/>
+                      </p:stCondLst>
+                      <p:childTnLst>
+                        <p:par>
+                          <p:cTn id="110" fill="freeze">
+                            <p:stCondLst>
+                              <p:cond delay="0"/>
+                            </p:stCondLst>
+                            <p:childTnLst>
+                              <p:par>
+                                <p:cTn id="111" nodeType="clickEffect" fill="hold" presetClass="entr" presetID="1">
+                                  <p:stCondLst>
+                                    <p:cond delay="0"/>
+                                  </p:stCondLst>
+                                  <p:childTnLst>
+                                    <p:set>
+                                      <p:cBhvr>
+                                        <p:cTn id="112" dur="1" fill="hold">
+                                          <p:stCondLst>
+                                            <p:cond delay="0"/>
+                                          </p:stCondLst>
+                                        </p:cTn>
+                                        <p:tgtEl>
+                                          <p:spTgt spid="103">
+                                            <p:txEl>
+                                              <p:pRg st="73" end="115"/>
+                                            </p:txEl>
+                                          </p:spTgt>
+                                        </p:tgtEl>
+                                        <p:attrNameLst>
+                                          <p:attrName>style.visibility</p:attrName>
+                                        </p:attrNameLst>
+                                      </p:cBhvr>
+                                      <p:to>
+                                        <p:strVal val="visible"/>
+                                      </p:to>
+                                    </p:set>
+                                  </p:childTnLst>
+                                </p:cTn>
+                              </p:par>
+                            </p:childTnLst>
+                          </p:cTn>
+                        </p:par>
+                      </p:childTnLst>
+                    </p:cTn>
+                  </p:par>
+                  <p:par>
+                    <p:cTn id="113" fill="freeze">
+                      <p:stCondLst>
+                        <p:cond delay="indefinite"/>
+                      </p:stCondLst>
+                      <p:childTnLst>
+                        <p:par>
+                          <p:cTn id="114" fill="freeze">
+                            <p:stCondLst>
+                              <p:cond delay="0"/>
+                            </p:stCondLst>
+                            <p:childTnLst>
+                              <p:par>
+                                <p:cTn id="115" nodeType="clickEffect" fill="hold" presetClass="entr" presetID="1">
+                                  <p:stCondLst>
+                                    <p:cond delay="0"/>
+                                  </p:stCondLst>
+                                  <p:childTnLst>
+                                    <p:set>
+                                      <p:cBhvr>
+                                        <p:cTn id="116" dur="1" fill="hold">
+                                          <p:stCondLst>
+                                            <p:cond delay="0"/>
+                                          </p:stCondLst>
+                                        </p:cTn>
+                                        <p:tgtEl>
+                                          <p:spTgt spid="103">
+                                            <p:txEl>
+                                              <p:pRg st="115" end="128"/>
+                                            </p:txEl>
+                                          </p:spTgt>
+                                        </p:tgtEl>
+                                        <p:attrNameLst>
+                                          <p:attrName>style.visibility</p:attrName>
+                                        </p:attrNameLst>
+                                      </p:cBhvr>
+                                      <p:to>
+                                        <p:strVal val="visible"/>
+                                      </p:to>
+                                    </p:set>
+                                  </p:childTnLst>
+                                </p:cTn>
+                              </p:par>
+                              <p:par>
+                                <p:cTn id="117" nodeType="withEffect" fill="hold" presetClass="entr" presetID="1">
+                                  <p:stCondLst>
+                                    <p:cond delay="0"/>
+                                  </p:stCondLst>
+                                  <p:childTnLst>
+                                    <p:set>
+                                      <p:cBhvr>
+                                        <p:cTn id="118" dur="1" fill="hold">
+                                          <p:stCondLst>
+                                            <p:cond delay="0"/>
+                                          </p:stCondLst>
+                                        </p:cTn>
+                                        <p:tgtEl>
+                                          <p:spTgt spid="103">
+                                            <p:txEl>
+                                              <p:pRg st="128" end="173"/>
+                                            </p:txEl>
+                                          </p:spTgt>
+                                        </p:tgtEl>
+                                        <p:attrNameLst>
+                                          <p:attrName>style.visibility</p:attrName>
+                                        </p:attrNameLst>
+                                      </p:cBhvr>
+                                      <p:to>
+                                        <p:strVal val="visible"/>
+                                      </p:to>
+                                    </p:set>
+                                  </p:childTnLst>
+                                </p:cTn>
+                              </p:par>
+                            </p:childTnLst>
+                          </p:cTn>
+                        </p:par>
+                      </p:childTnLst>
+                    </p:cTn>
+                  </p:par>
+                </p:childTnLst>
+              </p:cTn>
               <p:prevCondLst>
                 <p:cond delay="0" evt="onPrev">
                   <p:tgtEl>
@@ -7711,7 +9272,7 @@
         <p:spPr>
           <a:xfrm>
             <a:off x="504000" y="1467720"/>
-            <a:ext cx="9068760" cy="1259280"/>
+            <a:ext cx="9068400" cy="1258920"/>
           </a:xfrm>
           <a:prstGeom prst="rect">
             <a:avLst/>
@@ -7748,7 +9309,55 @@
                 <a:latin typeface="Arial"/>
                 <a:ea typeface="DejaVu Sans"/>
               </a:rPr>
-              <a:t>Guest Speakers</a:t>
+              <a:t>Science Week 2018</a:t>
+            </a:r>
+            <a:endParaRPr b="0" lang="en-GB" sz="1800" spc="-1" strike="noStrike">
+              <a:solidFill>
+                <a:srgbClr val="000000"/>
+              </a:solidFill>
+              <a:uFill>
+                <a:solidFill>
+                  <a:srgbClr val="ffffff"/>
+                </a:solidFill>
+              </a:uFill>
+              <a:latin typeface="Arial"/>
+            </a:endParaRPr>
+          </a:p>
+          <a:p>
+            <a:pPr algn="ctr">
+              <a:lnSpc>
+                <a:spcPct val="100000"/>
+              </a:lnSpc>
+            </a:pPr>
+            <a:r>
+              <a:rPr b="0" lang="en-GB" sz="4400" spc="-1" strike="noStrike">
+                <a:solidFill>
+                  <a:srgbClr val="000000"/>
+                </a:solidFill>
+                <a:uFill>
+                  <a:solidFill>
+                    <a:srgbClr val="ffffff"/>
+                  </a:solidFill>
+                </a:uFill>
+                <a:latin typeface="Arial"/>
+                <a:ea typeface="DejaVu Sans"/>
+              </a:rPr>
+              <a:t>“</a:t>
+            </a:r>
+            <a:r>
+              <a:rPr b="0" lang="en-GB" sz="4400" spc="-1" strike="noStrike">
+                <a:solidFill>
+                  <a:srgbClr val="000000"/>
+                </a:solidFill>
+                <a:uFill>
+                  <a:solidFill>
+                    <a:srgbClr val="ffffff"/>
+                  </a:solidFill>
+                </a:uFill>
+                <a:latin typeface="Arial"/>
+                <a:ea typeface="DejaVu Sans"/>
+              </a:rPr>
+              <a:t>Exploration and Discovery”</a:t>
             </a:r>
             <a:endParaRPr b="0" lang="en-GB" sz="1800" spc="-1" strike="noStrike">
               <a:solidFill>
@@ -7773,7 +9382,7 @@
         <p:spPr>
           <a:xfrm>
             <a:off x="504000" y="2728440"/>
-            <a:ext cx="9068760" cy="4381560"/>
+            <a:ext cx="9068400" cy="4381200"/>
           </a:xfrm>
           <a:prstGeom prst="rect">
             <a:avLst/>
@@ -7792,7 +9401,7 @@
         <p:txBody>
           <a:bodyPr lIns="0" rIns="0" tIns="0" bIns="0"/>
           <a:p>
-            <a:pPr marL="432000" indent="-321120">
+            <a:pPr marL="432000" indent="-320760">
               <a:lnSpc>
                 <a:spcPct val="100000"/>
               </a:lnSpc>
@@ -7816,7 +9425,112 @@
                 <a:latin typeface="Arial"/>
                 <a:ea typeface="DejaVu Sans"/>
               </a:rPr>
-              <a:t>We are looking for some interesting guest speakers</a:t>
+              <a:t>13</a:t>
+            </a:r>
+            <a:r>
+              <a:rPr b="0" lang="en-GB" sz="2800" spc="-1" strike="noStrike" baseline="101000">
+                <a:solidFill>
+                  <a:srgbClr val="000000"/>
+                </a:solidFill>
+                <a:uFill>
+                  <a:solidFill>
+                    <a:srgbClr val="ffffff"/>
+                  </a:solidFill>
+                </a:uFill>
+                <a:latin typeface="Arial"/>
+                <a:ea typeface="DejaVu Sans"/>
+              </a:rPr>
+              <a:t>th</a:t>
+            </a:r>
+            <a:r>
+              <a:rPr b="0" lang="en-GB" sz="2800" spc="-1" strike="noStrike">
+                <a:solidFill>
+                  <a:srgbClr val="000000"/>
+                </a:solidFill>
+                <a:uFill>
+                  <a:solidFill>
+                    <a:srgbClr val="ffffff"/>
+                  </a:solidFill>
+                </a:uFill>
+                <a:latin typeface="Arial"/>
+                <a:ea typeface="DejaVu Sans"/>
+              </a:rPr>
+              <a:t>, </a:t>
+            </a:r>
+            <a:r>
+              <a:rPr b="1" lang="en-GB" sz="2800" spc="-1" strike="noStrike" u="sng">
+                <a:solidFill>
+                  <a:srgbClr val="000000"/>
+                </a:solidFill>
+                <a:uFill>
+                  <a:solidFill>
+                    <a:srgbClr val="ffffff"/>
+                  </a:solidFill>
+                </a:uFill>
+                <a:latin typeface="Arial"/>
+                <a:ea typeface="DejaVu Sans"/>
+              </a:rPr>
+              <a:t>14</a:t>
+            </a:r>
+            <a:r>
+              <a:rPr b="1" lang="en-GB" sz="2800" spc="-1" strike="noStrike" u="sng" baseline="101000">
+                <a:solidFill>
+                  <a:srgbClr val="000000"/>
+                </a:solidFill>
+                <a:uFill>
+                  <a:solidFill>
+                    <a:srgbClr val="ffffff"/>
+                  </a:solidFill>
+                </a:uFill>
+                <a:latin typeface="Arial"/>
+                <a:ea typeface="DejaVu Sans"/>
+              </a:rPr>
+              <a:t>th</a:t>
+            </a:r>
+            <a:r>
+              <a:rPr b="0" lang="en-GB" sz="2800" spc="-1" strike="noStrike">
+                <a:solidFill>
+                  <a:srgbClr val="000000"/>
+                </a:solidFill>
+                <a:uFill>
+                  <a:solidFill>
+                    <a:srgbClr val="ffffff"/>
+                  </a:solidFill>
+                </a:uFill>
+                <a:latin typeface="Arial"/>
+                <a:ea typeface="DejaVu Sans"/>
+              </a:rPr>
+              <a:t> and 15</a:t>
+            </a:r>
+            <a:r>
+              <a:rPr b="0" lang="en-GB" sz="2800" spc="-1" strike="noStrike" baseline="101000">
+                <a:solidFill>
+                  <a:srgbClr val="000000"/>
+                </a:solidFill>
+                <a:uFill>
+                  <a:solidFill>
+                    <a:srgbClr val="ffffff"/>
+                  </a:solidFill>
+                </a:uFill>
+                <a:latin typeface="Arial"/>
+                <a:ea typeface="DejaVu Sans"/>
+              </a:rPr>
+              <a:t>th</a:t>
+            </a:r>
+            <a:r>
+              <a:rPr b="0" lang="en-GB" sz="2800" spc="-1" strike="noStrike">
+                <a:solidFill>
+                  <a:srgbClr val="000000"/>
+                </a:solidFill>
+                <a:uFill>
+                  <a:solidFill>
+                    <a:srgbClr val="ffffff"/>
+                  </a:solidFill>
+                </a:uFill>
+                <a:latin typeface="Arial"/>
+                <a:ea typeface="DejaVu Sans"/>
+              </a:rPr>
+              <a:t> of March 2018</a:t>
             </a:r>
             <a:endParaRPr b="0" lang="en-GB" sz="1800" spc="-1" strike="noStrike">
               <a:solidFill>
@@ -7831,7 +9545,7 @@
             </a:endParaRPr>
           </a:p>
           <a:p>
-            <a:pPr marL="432000" indent="-321120">
+            <a:pPr marL="432000" indent="-320760">
               <a:lnSpc>
                 <a:spcPct val="100000"/>
               </a:lnSpc>
@@ -7855,7 +9569,22 @@
                 <a:latin typeface="Arial"/>
                 <a:ea typeface="DejaVu Sans"/>
               </a:rPr>
-              <a:t>ExoMars</a:t>
+              <a:t>University </a:t>
+            </a:r>
+            <a:r>
+              <a:rPr b="1" lang="en-GB" sz="2800" spc="-1" strike="noStrike" u="sng">
+                <a:solidFill>
+                  <a:srgbClr val="000000"/>
+                </a:solidFill>
+                <a:uFill>
+                  <a:solidFill>
+                    <a:srgbClr val="ffffff"/>
+                  </a:solidFill>
+                </a:uFill>
+                <a:latin typeface="Arial"/>
+                <a:ea typeface="DejaVu Sans"/>
+              </a:rPr>
+              <a:t>Sports Cage</a:t>
             </a:r>
             <a:endParaRPr b="0" lang="en-GB" sz="1800" spc="-1" strike="noStrike">
               <a:solidFill>
@@ -7870,7 +9599,7 @@
             </a:endParaRPr>
           </a:p>
           <a:p>
-            <a:pPr marL="432000" indent="-321120">
+            <a:pPr marL="432000" indent="-320760">
               <a:lnSpc>
                 <a:spcPct val="100000"/>
               </a:lnSpc>
@@ -7894,7 +9623,37 @@
                 <a:latin typeface="Arial"/>
                 <a:ea typeface="DejaVu Sans"/>
               </a:rPr>
-              <a:t>Research – Intelligent Robotics</a:t>
+              <a:t>Open to the public </a:t>
+            </a:r>
+            <a:r>
+              <a:rPr b="1" lang="en-GB" sz="2800" spc="-1" strike="noStrike" u="sng">
+                <a:solidFill>
+                  <a:srgbClr val="000000"/>
+                </a:solidFill>
+                <a:uFill>
+                  <a:solidFill>
+                    <a:srgbClr val="ffffff"/>
+                  </a:solidFill>
+                </a:uFill>
+                <a:latin typeface="Arial"/>
+                <a:ea typeface="DejaVu Sans"/>
+              </a:rPr>
+              <a:t>Wednesday</a:t>
+            </a:r>
+            <a:r>
+              <a:rPr b="0" lang="en-GB" sz="2800" spc="-1" strike="noStrike">
+                <a:solidFill>
+                  <a:srgbClr val="000000"/>
+                </a:solidFill>
+                <a:uFill>
+                  <a:solidFill>
+                    <a:srgbClr val="ffffff"/>
+                  </a:solidFill>
+                </a:uFill>
+                <a:latin typeface="Arial"/>
+                <a:ea typeface="DejaVu Sans"/>
+              </a:rPr>
+              <a:t> between 4-6PM</a:t>
             </a:r>
             <a:endParaRPr b="0" lang="en-GB" sz="1800" spc="-1" strike="noStrike">
               <a:solidFill>
@@ -7909,7 +9668,7 @@
             </a:endParaRPr>
           </a:p>
           <a:p>
-            <a:pPr lvl="4" marL="1080000" indent="-215280">
+            <a:pPr marL="432000" indent="-320760">
               <a:lnSpc>
                 <a:spcPct val="100000"/>
               </a:lnSpc>
@@ -7921,6 +9680,21 @@
               <a:buChar char=""/>
             </a:pPr>
             <a:r>
+              <a:rPr b="1" lang="en-GB" sz="2800" spc="-1" strike="noStrike" u="sng">
+                <a:solidFill>
+                  <a:srgbClr val="000000"/>
+                </a:solidFill>
+                <a:uFill>
+                  <a:solidFill>
+                    <a:srgbClr val="ffffff"/>
+                  </a:solidFill>
+                </a:uFill>
+                <a:latin typeface="Arial"/>
+                <a:ea typeface="DejaVu Sans"/>
+              </a:rPr>
+              <a:t>Meeting will be 3:30-5:30PM instead of 1:30-3PM</a:t>
+            </a:r>
+            <a:r>
               <a:rPr b="0" lang="en-GB" sz="2800" spc="-1" strike="noStrike">
                 <a:solidFill>
                   <a:srgbClr val="000000"/>
@@ -7933,7 +9707,7 @@
                 <a:latin typeface="Arial"/>
                 <a:ea typeface="DejaVu Sans"/>
               </a:rPr>
-              <a:t>iCub</a:t>
+              <a:t> </a:t>
             </a:r>
             <a:endParaRPr b="0" lang="en-GB" sz="1800" spc="-1" strike="noStrike">
               <a:solidFill>
@@ -7948,7 +9722,7 @@
             </a:endParaRPr>
           </a:p>
           <a:p>
-            <a:pPr lvl="4" marL="1080000" indent="-215280">
+            <a:pPr marL="432000" indent="-320760">
               <a:lnSpc>
                 <a:spcPct val="100000"/>
               </a:lnSpc>
@@ -7972,7 +9746,7 @@
                 <a:latin typeface="Arial"/>
                 <a:ea typeface="DejaVu Sans"/>
               </a:rPr>
-              <a:t>Idris – path finding using cameras and ROS</a:t>
+              <a:t>Your robots will be on display with the ARC</a:t>
             </a:r>
             <a:endParaRPr b="0" lang="en-GB" sz="1800" spc="-1" strike="noStrike">
               <a:solidFill>
@@ -7987,7 +9761,7 @@
             </a:endParaRPr>
           </a:p>
           <a:p>
-            <a:pPr lvl="4" marL="1080000" indent="-215280">
+            <a:pPr lvl="3" marL="864000" indent="-215640">
               <a:lnSpc>
                 <a:spcPct val="100000"/>
               </a:lnSpc>
@@ -8011,7 +9785,7 @@
                 <a:latin typeface="Arial"/>
                 <a:ea typeface="DejaVu Sans"/>
               </a:rPr>
-              <a:t>UAV and aerial mapping</a:t>
+              <a:t>Don’t come to the labs…</a:t>
             </a:r>
             <a:endParaRPr b="0" lang="en-GB" sz="1800" spc="-1" strike="noStrike">
               <a:solidFill>
@@ -8026,7 +9800,7 @@
             </a:endParaRPr>
           </a:p>
           <a:p>
-            <a:pPr marL="432000" indent="-321120">
+            <a:pPr lvl="3" marL="864000" indent="-215640">
               <a:lnSpc>
                 <a:spcPct val="100000"/>
               </a:lnSpc>
@@ -8038,7 +9812,7 @@
               <a:buChar char=""/>
             </a:pPr>
             <a:r>
-              <a:rPr b="0" lang="en-GB" sz="2800" spc="-1" strike="noStrike">
+              <a:rPr b="1" lang="en-GB" sz="2800" spc="-1" strike="noStrike" u="sng">
                 <a:solidFill>
                   <a:srgbClr val="000000"/>
                 </a:solidFill>
@@ -8050,7 +9824,7 @@
                 <a:latin typeface="Arial"/>
                 <a:ea typeface="DejaVu Sans"/>
               </a:rPr>
-              <a:t>Interactive Robotics</a:t>
+              <a:t>Go to the Sports Cage </a:t>
             </a:r>
             <a:endParaRPr b="0" lang="en-GB" sz="1800" spc="-1" strike="noStrike">
               <a:solidFill>
@@ -8065,7 +9839,7 @@
             </a:endParaRPr>
           </a:p>
           <a:p>
-            <a:pPr marL="432000" indent="-321120">
+            <a:pPr marL="432000" indent="-320760">
               <a:lnSpc>
                 <a:spcPct val="100000"/>
               </a:lnSpc>
@@ -8089,37 +9863,7 @@
                 <a:latin typeface="Arial"/>
                 <a:ea typeface="DejaVu Sans"/>
               </a:rPr>
-              <a:t>3</a:t>
-            </a:r>
-            <a:r>
-              <a:rPr b="0" lang="en-GB" sz="2800" spc="-1" strike="noStrike" baseline="101000">
-                <a:solidFill>
-                  <a:srgbClr val="000000"/>
-                </a:solidFill>
-                <a:uFill>
-                  <a:solidFill>
-                    <a:srgbClr val="ffffff"/>
-                  </a:solidFill>
-                </a:uFill>
-                <a:latin typeface="Arial"/>
-                <a:ea typeface="DejaVu Sans"/>
-              </a:rPr>
-              <a:t>rd</a:t>
-            </a:r>
-            <a:r>
-              <a:rPr b="0" lang="en-GB" sz="2800" spc="-1" strike="noStrike">
-                <a:solidFill>
-                  <a:srgbClr val="000000"/>
-                </a:solidFill>
-                <a:uFill>
-                  <a:solidFill>
-                    <a:srgbClr val="ffffff"/>
-                  </a:solidFill>
-                </a:uFill>
-                <a:latin typeface="Arial"/>
-                <a:ea typeface="DejaVu Sans"/>
-              </a:rPr>
-              <a:t> Year Projects – AI, Robotics, Space Robotics</a:t>
+              <a:t>A chance to show and explain how the robots work, or just carry on developing them.</a:t>
             </a:r>
             <a:endParaRPr b="0" lang="en-GB" sz="1800" spc="-1" strike="noStrike">
               <a:solidFill>
@@ -8148,7 +9892,7 @@
         <p:spPr>
           <a:xfrm>
             <a:off x="0" y="0"/>
-            <a:ext cx="10077120" cy="1047600"/>
+            <a:ext cx="10076760" cy="1047240"/>
           </a:xfrm>
           <a:prstGeom prst="rect">
             <a:avLst/>
@@ -8171,7 +9915,7 @@
         <p:spPr>
           <a:xfrm>
             <a:off x="39240" y="0"/>
-            <a:ext cx="1067040" cy="1075680"/>
+            <a:ext cx="1066680" cy="1075320"/>
           </a:xfrm>
           <a:prstGeom prst="rect">
             <a:avLst/>
@@ -8190,7 +9934,7 @@
         <p:spPr>
           <a:xfrm>
             <a:off x="2448000" y="0"/>
-            <a:ext cx="7684200" cy="1061640"/>
+            <a:ext cx="7683840" cy="1061280"/>
           </a:xfrm>
           <a:prstGeom prst="rect">
             <a:avLst/>
@@ -8248,10 +9992,387 @@
   <p:timing>
     <p:tnLst>
       <p:par>
-        <p:cTn id="15" dur="indefinite" restart="never" nodeType="tmRoot">
+        <p:cTn id="119" dur="indefinite" restart="never" nodeType="tmRoot">
           <p:childTnLst>
             <p:seq>
-              <p:cTn id="16" nodeType="mainSeq"/>
+              <p:cTn id="120" nodeType="mainSeq">
+                <p:childTnLst>
+                  <p:par>
+                    <p:cTn id="121" fill="freeze">
+                      <p:stCondLst>
+                        <p:cond delay="indefinite"/>
+                      </p:stCondLst>
+                      <p:childTnLst>
+                        <p:par>
+                          <p:cTn id="122" fill="freeze">
+                            <p:stCondLst>
+                              <p:cond delay="0"/>
+                            </p:stCondLst>
+                            <p:childTnLst>
+                              <p:par>
+                                <p:cTn id="123" nodeType="clickEffect" fill="hold" presetClass="entr" presetID="1">
+                                  <p:stCondLst>
+                                    <p:cond delay="0"/>
+                                  </p:stCondLst>
+                                  <p:childTnLst>
+                                    <p:set>
+                                      <p:cBhvr>
+                                        <p:cTn id="124" dur="1" fill="hold">
+                                          <p:stCondLst>
+                                            <p:cond delay="0"/>
+                                          </p:stCondLst>
+                                        </p:cTn>
+                                        <p:tgtEl>
+                                          <p:spTgt spid="108">
+                                            <p:txEl>
+                                              <p:pRg st="0" end="34"/>
+                                            </p:txEl>
+                                          </p:spTgt>
+                                        </p:tgtEl>
+                                        <p:attrNameLst>
+                                          <p:attrName>style.visibility</p:attrName>
+                                        </p:attrNameLst>
+                                      </p:cBhvr>
+                                      <p:to>
+                                        <p:strVal val="visible"/>
+                                      </p:to>
+                                    </p:set>
+                                  </p:childTnLst>
+                                </p:cTn>
+                              </p:par>
+                            </p:childTnLst>
+                          </p:cTn>
+                        </p:par>
+                      </p:childTnLst>
+                    </p:cTn>
+                  </p:par>
+                  <p:par>
+                    <p:cTn id="125" fill="freeze">
+                      <p:stCondLst>
+                        <p:cond delay="indefinite"/>
+                      </p:stCondLst>
+                      <p:childTnLst>
+                        <p:par>
+                          <p:cTn id="126" fill="freeze">
+                            <p:stCondLst>
+                              <p:cond delay="0"/>
+                            </p:stCondLst>
+                            <p:childTnLst>
+                              <p:par>
+                                <p:cTn id="127" nodeType="clickEffect" fill="hold" presetClass="entr" presetID="1">
+                                  <p:stCondLst>
+                                    <p:cond delay="0"/>
+                                  </p:stCondLst>
+                                  <p:childTnLst>
+                                    <p:set>
+                                      <p:cBhvr>
+                                        <p:cTn id="128" dur="1" fill="hold">
+                                          <p:stCondLst>
+                                            <p:cond delay="0"/>
+                                          </p:stCondLst>
+                                        </p:cTn>
+                                        <p:tgtEl>
+                                          <p:spTgt spid="108">
+                                            <p:txEl>
+                                              <p:pRg st="34" end="57"/>
+                                            </p:txEl>
+                                          </p:spTgt>
+                                        </p:tgtEl>
+                                        <p:attrNameLst>
+                                          <p:attrName>style.visibility</p:attrName>
+                                        </p:attrNameLst>
+                                      </p:cBhvr>
+                                      <p:to>
+                                        <p:strVal val="visible"/>
+                                      </p:to>
+                                    </p:set>
+                                  </p:childTnLst>
+                                </p:cTn>
+                              </p:par>
+                            </p:childTnLst>
+                          </p:cTn>
+                        </p:par>
+                      </p:childTnLst>
+                    </p:cTn>
+                  </p:par>
+                  <p:par>
+                    <p:cTn id="129" fill="freeze">
+                      <p:stCondLst>
+                        <p:cond delay="indefinite"/>
+                      </p:stCondLst>
+                      <p:childTnLst>
+                        <p:par>
+                          <p:cTn id="130" fill="freeze">
+                            <p:stCondLst>
+                              <p:cond delay="0"/>
+                            </p:stCondLst>
+                            <p:childTnLst>
+                              <p:par>
+                                <p:cTn id="131" nodeType="clickEffect" fill="hold" presetClass="entr" presetID="1">
+                                  <p:stCondLst>
+                                    <p:cond delay="0"/>
+                                  </p:stCondLst>
+                                  <p:childTnLst>
+                                    <p:set>
+                                      <p:cBhvr>
+                                        <p:cTn id="132" dur="1" fill="hold">
+                                          <p:stCondLst>
+                                            <p:cond delay="0"/>
+                                          </p:stCondLst>
+                                        </p:cTn>
+                                        <p:tgtEl>
+                                          <p:spTgt spid="108">
+                                            <p:txEl>
+                                              <p:pRg st="57" end="100"/>
+                                            </p:txEl>
+                                          </p:spTgt>
+                                        </p:tgtEl>
+                                        <p:attrNameLst>
+                                          <p:attrName>style.visibility</p:attrName>
+                                        </p:attrNameLst>
+                                      </p:cBhvr>
+                                      <p:to>
+                                        <p:strVal val="visible"/>
+                                      </p:to>
+                                    </p:set>
+                                  </p:childTnLst>
+                                </p:cTn>
+                              </p:par>
+                            </p:childTnLst>
+                          </p:cTn>
+                        </p:par>
+                      </p:childTnLst>
+                    </p:cTn>
+                  </p:par>
+                  <p:par>
+                    <p:cTn id="133" fill="freeze">
+                      <p:stCondLst>
+                        <p:cond delay="indefinite"/>
+                      </p:stCondLst>
+                      <p:childTnLst>
+                        <p:par>
+                          <p:cTn id="134" fill="freeze">
+                            <p:stCondLst>
+                              <p:cond delay="0"/>
+                            </p:stCondLst>
+                            <p:childTnLst>
+                              <p:par>
+                                <p:cTn id="135" nodeType="clickEffect" fill="hold" presetClass="entr" presetID="1">
+                                  <p:stCondLst>
+                                    <p:cond delay="0"/>
+                                  </p:stCondLst>
+                                  <p:childTnLst>
+                                    <p:set>
+                                      <p:cBhvr>
+                                        <p:cTn id="136" dur="1" fill="hold">
+                                          <p:stCondLst>
+                                            <p:cond delay="0"/>
+                                          </p:stCondLst>
+                                        </p:cTn>
+                                        <p:tgtEl>
+                                          <p:spTgt spid="108">
+                                            <p:txEl>
+                                              <p:pRg st="100" end="149"/>
+                                            </p:txEl>
+                                          </p:spTgt>
+                                        </p:tgtEl>
+                                        <p:attrNameLst>
+                                          <p:attrName>style.visibility</p:attrName>
+                                        </p:attrNameLst>
+                                      </p:cBhvr>
+                                      <p:to>
+                                        <p:strVal val="visible"/>
+                                      </p:to>
+                                    </p:set>
+                                  </p:childTnLst>
+                                </p:cTn>
+                              </p:par>
+                            </p:childTnLst>
+                          </p:cTn>
+                        </p:par>
+                      </p:childTnLst>
+                    </p:cTn>
+                  </p:par>
+                  <p:par>
+                    <p:cTn id="137" fill="freeze">
+                      <p:stCondLst>
+                        <p:cond delay="indefinite"/>
+                      </p:stCondLst>
+                      <p:childTnLst>
+                        <p:par>
+                          <p:cTn id="138" fill="freeze">
+                            <p:stCondLst>
+                              <p:cond delay="0"/>
+                            </p:stCondLst>
+                            <p:childTnLst>
+                              <p:par>
+                                <p:cTn id="139" nodeType="clickEffect" fill="hold" presetClass="entr" presetID="1">
+                                  <p:stCondLst>
+                                    <p:cond delay="0"/>
+                                  </p:stCondLst>
+                                  <p:childTnLst>
+                                    <p:set>
+                                      <p:cBhvr>
+                                        <p:cTn id="140" dur="1" fill="hold">
+                                          <p:stCondLst>
+                                            <p:cond delay="0"/>
+                                          </p:stCondLst>
+                                        </p:cTn>
+                                        <p:tgtEl>
+                                          <p:spTgt spid="108">
+                                            <p:txEl>
+                                              <p:pRg st="149" end="193"/>
+                                            </p:txEl>
+                                          </p:spTgt>
+                                        </p:tgtEl>
+                                        <p:attrNameLst>
+                                          <p:attrName>style.visibility</p:attrName>
+                                        </p:attrNameLst>
+                                      </p:cBhvr>
+                                      <p:to>
+                                        <p:strVal val="visible"/>
+                                      </p:to>
+                                    </p:set>
+                                  </p:childTnLst>
+                                </p:cTn>
+                              </p:par>
+                            </p:childTnLst>
+                          </p:cTn>
+                        </p:par>
+                      </p:childTnLst>
+                    </p:cTn>
+                  </p:par>
+                  <p:par>
+                    <p:cTn id="141" fill="freeze">
+                      <p:stCondLst>
+                        <p:cond delay="indefinite"/>
+                      </p:stCondLst>
+                      <p:childTnLst>
+                        <p:par>
+                          <p:cTn id="142" fill="freeze">
+                            <p:stCondLst>
+                              <p:cond delay="0"/>
+                            </p:stCondLst>
+                            <p:childTnLst>
+                              <p:par>
+                                <p:cTn id="143" nodeType="clickEffect" fill="hold" presetClass="entr" presetID="1">
+                                  <p:stCondLst>
+                                    <p:cond delay="0"/>
+                                  </p:stCondLst>
+                                  <p:childTnLst>
+                                    <p:set>
+                                      <p:cBhvr>
+                                        <p:cTn id="144" dur="1" fill="hold">
+                                          <p:stCondLst>
+                                            <p:cond delay="0"/>
+                                          </p:stCondLst>
+                                        </p:cTn>
+                                        <p:tgtEl>
+                                          <p:spTgt spid="108">
+                                            <p:txEl>
+                                              <p:pRg st="193" end="217"/>
+                                            </p:txEl>
+                                          </p:spTgt>
+                                        </p:tgtEl>
+                                        <p:attrNameLst>
+                                          <p:attrName>style.visibility</p:attrName>
+                                        </p:attrNameLst>
+                                      </p:cBhvr>
+                                      <p:to>
+                                        <p:strVal val="visible"/>
+                                      </p:to>
+                                    </p:set>
+                                  </p:childTnLst>
+                                </p:cTn>
+                              </p:par>
+                              <p:par>
+                                <p:cTn id="145" nodeType="withEffect" fill="hold" presetClass="entr" presetID="1">
+                                  <p:stCondLst>
+                                    <p:cond delay="0"/>
+                                  </p:stCondLst>
+                                  <p:childTnLst>
+                                    <p:set>
+                                      <p:cBhvr>
+                                        <p:cTn id="146" dur="1" fill="hold">
+                                          <p:stCondLst>
+                                            <p:cond delay="0"/>
+                                          </p:stCondLst>
+                                        </p:cTn>
+                                        <p:tgtEl>
+                                          <p:spTgt spid="108">
+                                            <p:txEl>
+                                              <p:pRg st="217" end="240"/>
+                                            </p:txEl>
+                                          </p:spTgt>
+                                        </p:tgtEl>
+                                        <p:attrNameLst>
+                                          <p:attrName>style.visibility</p:attrName>
+                                        </p:attrNameLst>
+                                      </p:cBhvr>
+                                      <p:to>
+                                        <p:strVal val="visible"/>
+                                      </p:to>
+                                    </p:set>
+                                  </p:childTnLst>
+                                </p:cTn>
+                              </p:par>
+                            </p:childTnLst>
+                          </p:cTn>
+                        </p:par>
+                      </p:childTnLst>
+                    </p:cTn>
+                  </p:par>
+                  <p:par>
+                    <p:cTn id="147" fill="freeze">
+                      <p:stCondLst>
+                        <p:cond delay="indefinite"/>
+                      </p:stCondLst>
+                      <p:childTnLst>
+                        <p:par>
+                          <p:cTn id="148" fill="freeze">
+                            <p:stCondLst>
+                              <p:cond delay="0"/>
+                            </p:stCondLst>
+                            <p:childTnLst>
+                              <p:par>
+                                <p:cTn id="149" nodeType="clickEffect" fill="hold" presetClass="entr" presetID="1">
+                                  <p:stCondLst>
+                                    <p:cond delay="0"/>
+                                  </p:stCondLst>
+                                  <p:childTnLst>
+                                    <p:set>
+                                      <p:cBhvr>
+                                        <p:cTn id="150" dur="1" fill="hold">
+                                          <p:stCondLst>
+                                            <p:cond delay="0"/>
+                                          </p:stCondLst>
+                                        </p:cTn>
+                                        <p:tgtEl>
+                                          <p:spTgt spid="108">
+                                            <p:txEl>
+                                              <p:pRg st="240" end="324"/>
+                                            </p:txEl>
+                                          </p:spTgt>
+                                        </p:tgtEl>
+                                        <p:attrNameLst>
+                                          <p:attrName>style.visibility</p:attrName>
+                                        </p:attrNameLst>
+                                      </p:cBhvr>
+                                      <p:to>
+                                        <p:strVal val="visible"/>
+                                      </p:to>
+                                    </p:set>
+                                  </p:childTnLst>
+                                </p:cTn>
+                              </p:par>
+                            </p:childTnLst>
+                          </p:cTn>
+                        </p:par>
+                      </p:childTnLst>
+                    </p:cTn>
+                  </p:par>
+                </p:childTnLst>
+              </p:cTn>
               <p:prevCondLst>
                 <p:cond delay="0" evt="onPrev">
                   <p:tgtEl>
@@ -8301,7 +10422,7 @@
         <p:spPr>
           <a:xfrm>
             <a:off x="504000" y="1467720"/>
-            <a:ext cx="9068760" cy="1259280"/>
+            <a:ext cx="9068400" cy="1258920"/>
           </a:xfrm>
           <a:prstGeom prst="rect">
             <a:avLst/>
@@ -8338,40 +10459,7 @@
                 <a:latin typeface="Arial"/>
                 <a:ea typeface="DejaVu Sans"/>
               </a:rPr>
-              <a:t>End of year Certificates </a:t>
-            </a:r>
-            <a:endParaRPr b="0" lang="en-GB" sz="1800" spc="-1" strike="noStrike">
-              <a:solidFill>
-                <a:srgbClr val="000000"/>
-              </a:solidFill>
-              <a:uFill>
-                <a:solidFill>
-                  <a:srgbClr val="ffffff"/>
-                </a:solidFill>
-              </a:uFill>
-              <a:latin typeface="Arial"/>
-            </a:endParaRPr>
-          </a:p>
-          <a:p>
-            <a:pPr algn="ctr">
-              <a:lnSpc>
-                <a:spcPct val="100000"/>
-              </a:lnSpc>
-            </a:pPr>
-            <a:r>
-              <a:rPr b="0" lang="en-GB" sz="4400" spc="-1" strike="noStrike">
-                <a:solidFill>
-                  <a:srgbClr val="000000"/>
-                </a:solidFill>
-                <a:uFill>
-                  <a:solidFill>
-                    <a:srgbClr val="ffffff"/>
-                  </a:solidFill>
-                </a:uFill>
-                <a:latin typeface="Arial"/>
-                <a:ea typeface="DejaVu Sans"/>
-              </a:rPr>
-              <a:t>and Movie Night</a:t>
+              <a:t>Guest Speakers</a:t>
             </a:r>
             <a:endParaRPr b="0" lang="en-GB" sz="1800" spc="-1" strike="noStrike">
               <a:solidFill>
@@ -8396,7 +10484,7 @@
         <p:spPr>
           <a:xfrm>
             <a:off x="504000" y="2728440"/>
-            <a:ext cx="9068760" cy="4381560"/>
+            <a:ext cx="9068400" cy="4381200"/>
           </a:xfrm>
           <a:prstGeom prst="rect">
             <a:avLst/>
@@ -8415,7 +10503,7 @@
         <p:txBody>
           <a:bodyPr lIns="0" rIns="0" tIns="0" bIns="0"/>
           <a:p>
-            <a:pPr marL="432000" indent="-321120">
+            <a:pPr marL="432000" indent="-320760">
               <a:lnSpc>
                 <a:spcPct val="100000"/>
               </a:lnSpc>
@@ -8439,7 +10527,7 @@
                 <a:latin typeface="Arial"/>
                 <a:ea typeface="DejaVu Sans"/>
               </a:rPr>
-              <a:t>Certificates of achievement</a:t>
+              <a:t>We are looking for some interesting guest speakers</a:t>
             </a:r>
             <a:endParaRPr b="0" lang="en-GB" sz="1800" spc="-1" strike="noStrike">
               <a:solidFill>
@@ -8454,7 +10542,7 @@
             </a:endParaRPr>
           </a:p>
           <a:p>
-            <a:pPr marL="432000" indent="-321120">
+            <a:pPr marL="432000" indent="-320760">
               <a:lnSpc>
                 <a:spcPct val="100000"/>
               </a:lnSpc>
@@ -8478,7 +10566,271 @@
                 <a:latin typeface="Arial"/>
                 <a:ea typeface="DejaVu Sans"/>
               </a:rPr>
-              <a:t>Star Wars in Physics Main?</a:t>
+              <a:t>ExoMars</a:t>
+            </a:r>
+            <a:endParaRPr b="0" lang="en-GB" sz="1800" spc="-1" strike="noStrike">
+              <a:solidFill>
+                <a:srgbClr val="000000"/>
+              </a:solidFill>
+              <a:uFill>
+                <a:solidFill>
+                  <a:srgbClr val="ffffff"/>
+                </a:solidFill>
+              </a:uFill>
+              <a:latin typeface="Arial"/>
+            </a:endParaRPr>
+          </a:p>
+          <a:p>
+            <a:pPr marL="432000" indent="-320760">
+              <a:lnSpc>
+                <a:spcPct val="100000"/>
+              </a:lnSpc>
+              <a:buClr>
+                <a:srgbClr val="000000"/>
+              </a:buClr>
+              <a:buSzPct val="45000"/>
+              <a:buFont typeface="Wingdings" charset="2"/>
+              <a:buChar char=""/>
+            </a:pPr>
+            <a:r>
+              <a:rPr b="0" lang="en-GB" sz="2800" spc="-1" strike="noStrike">
+                <a:solidFill>
+                  <a:srgbClr val="000000"/>
+                </a:solidFill>
+                <a:uFill>
+                  <a:solidFill>
+                    <a:srgbClr val="ffffff"/>
+                  </a:solidFill>
+                </a:uFill>
+                <a:latin typeface="Arial"/>
+                <a:ea typeface="DejaVu Sans"/>
+              </a:rPr>
+              <a:t>Research – Intelligent Robotics</a:t>
+            </a:r>
+            <a:endParaRPr b="0" lang="en-GB" sz="1800" spc="-1" strike="noStrike">
+              <a:solidFill>
+                <a:srgbClr val="000000"/>
+              </a:solidFill>
+              <a:uFill>
+                <a:solidFill>
+                  <a:srgbClr val="ffffff"/>
+                </a:solidFill>
+              </a:uFill>
+              <a:latin typeface="Arial"/>
+            </a:endParaRPr>
+          </a:p>
+          <a:p>
+            <a:pPr lvl="4" marL="1080000" indent="-214920">
+              <a:lnSpc>
+                <a:spcPct val="100000"/>
+              </a:lnSpc>
+              <a:buClr>
+                <a:srgbClr val="000000"/>
+              </a:buClr>
+              <a:buSzPct val="45000"/>
+              <a:buFont typeface="Wingdings" charset="2"/>
+              <a:buChar char=""/>
+            </a:pPr>
+            <a:r>
+              <a:rPr b="0" lang="en-GB" sz="2800" spc="-1" strike="noStrike">
+                <a:solidFill>
+                  <a:srgbClr val="000000"/>
+                </a:solidFill>
+                <a:uFill>
+                  <a:solidFill>
+                    <a:srgbClr val="ffffff"/>
+                  </a:solidFill>
+                </a:uFill>
+                <a:latin typeface="Arial"/>
+                <a:ea typeface="DejaVu Sans"/>
+              </a:rPr>
+              <a:t>iCub</a:t>
+            </a:r>
+            <a:endParaRPr b="0" lang="en-GB" sz="1800" spc="-1" strike="noStrike">
+              <a:solidFill>
+                <a:srgbClr val="000000"/>
+              </a:solidFill>
+              <a:uFill>
+                <a:solidFill>
+                  <a:srgbClr val="ffffff"/>
+                </a:solidFill>
+              </a:uFill>
+              <a:latin typeface="Arial"/>
+            </a:endParaRPr>
+          </a:p>
+          <a:p>
+            <a:pPr lvl="4" marL="1080000" indent="-214920">
+              <a:lnSpc>
+                <a:spcPct val="100000"/>
+              </a:lnSpc>
+              <a:buClr>
+                <a:srgbClr val="000000"/>
+              </a:buClr>
+              <a:buSzPct val="45000"/>
+              <a:buFont typeface="Wingdings" charset="2"/>
+              <a:buChar char=""/>
+            </a:pPr>
+            <a:r>
+              <a:rPr b="0" lang="en-GB" sz="2800" spc="-1" strike="noStrike">
+                <a:solidFill>
+                  <a:srgbClr val="000000"/>
+                </a:solidFill>
+                <a:uFill>
+                  <a:solidFill>
+                    <a:srgbClr val="ffffff"/>
+                  </a:solidFill>
+                </a:uFill>
+                <a:latin typeface="Arial"/>
+                <a:ea typeface="DejaVu Sans"/>
+              </a:rPr>
+              <a:t>Idris – path finding using cameras and ROS</a:t>
+            </a:r>
+            <a:endParaRPr b="0" lang="en-GB" sz="1800" spc="-1" strike="noStrike">
+              <a:solidFill>
+                <a:srgbClr val="000000"/>
+              </a:solidFill>
+              <a:uFill>
+                <a:solidFill>
+                  <a:srgbClr val="ffffff"/>
+                </a:solidFill>
+              </a:uFill>
+              <a:latin typeface="Arial"/>
+            </a:endParaRPr>
+          </a:p>
+          <a:p>
+            <a:pPr lvl="4" marL="1080000" indent="-214920">
+              <a:lnSpc>
+                <a:spcPct val="100000"/>
+              </a:lnSpc>
+              <a:buClr>
+                <a:srgbClr val="000000"/>
+              </a:buClr>
+              <a:buSzPct val="45000"/>
+              <a:buFont typeface="Wingdings" charset="2"/>
+              <a:buChar char=""/>
+            </a:pPr>
+            <a:r>
+              <a:rPr b="0" lang="en-GB" sz="2800" spc="-1" strike="noStrike">
+                <a:solidFill>
+                  <a:srgbClr val="000000"/>
+                </a:solidFill>
+                <a:uFill>
+                  <a:solidFill>
+                    <a:srgbClr val="ffffff"/>
+                  </a:solidFill>
+                </a:uFill>
+                <a:latin typeface="Arial"/>
+                <a:ea typeface="DejaVu Sans"/>
+              </a:rPr>
+              <a:t>UAV and aerial mapping</a:t>
+            </a:r>
+            <a:endParaRPr b="0" lang="en-GB" sz="1800" spc="-1" strike="noStrike">
+              <a:solidFill>
+                <a:srgbClr val="000000"/>
+              </a:solidFill>
+              <a:uFill>
+                <a:solidFill>
+                  <a:srgbClr val="ffffff"/>
+                </a:solidFill>
+              </a:uFill>
+              <a:latin typeface="Arial"/>
+            </a:endParaRPr>
+          </a:p>
+          <a:p>
+            <a:pPr marL="432000" indent="-320760">
+              <a:lnSpc>
+                <a:spcPct val="100000"/>
+              </a:lnSpc>
+              <a:buClr>
+                <a:srgbClr val="000000"/>
+              </a:buClr>
+              <a:buSzPct val="45000"/>
+              <a:buFont typeface="Wingdings" charset="2"/>
+              <a:buChar char=""/>
+            </a:pPr>
+            <a:r>
+              <a:rPr b="0" lang="en-GB" sz="2800" spc="-1" strike="noStrike">
+                <a:solidFill>
+                  <a:srgbClr val="000000"/>
+                </a:solidFill>
+                <a:uFill>
+                  <a:solidFill>
+                    <a:srgbClr val="ffffff"/>
+                  </a:solidFill>
+                </a:uFill>
+                <a:latin typeface="Arial"/>
+                <a:ea typeface="DejaVu Sans"/>
+              </a:rPr>
+              <a:t>Interactive Robotics</a:t>
+            </a:r>
+            <a:endParaRPr b="0" lang="en-GB" sz="1800" spc="-1" strike="noStrike">
+              <a:solidFill>
+                <a:srgbClr val="000000"/>
+              </a:solidFill>
+              <a:uFill>
+                <a:solidFill>
+                  <a:srgbClr val="ffffff"/>
+                </a:solidFill>
+              </a:uFill>
+              <a:latin typeface="Arial"/>
+            </a:endParaRPr>
+          </a:p>
+          <a:p>
+            <a:pPr marL="432000" indent="-320760">
+              <a:lnSpc>
+                <a:spcPct val="100000"/>
+              </a:lnSpc>
+              <a:buClr>
+                <a:srgbClr val="000000"/>
+              </a:buClr>
+              <a:buSzPct val="45000"/>
+              <a:buFont typeface="Wingdings" charset="2"/>
+              <a:buChar char=""/>
+            </a:pPr>
+            <a:r>
+              <a:rPr b="0" lang="en-GB" sz="2800" spc="-1" strike="noStrike">
+                <a:solidFill>
+                  <a:srgbClr val="000000"/>
+                </a:solidFill>
+                <a:uFill>
+                  <a:solidFill>
+                    <a:srgbClr val="ffffff"/>
+                  </a:solidFill>
+                </a:uFill>
+                <a:latin typeface="Arial"/>
+                <a:ea typeface="DejaVu Sans"/>
+              </a:rPr>
+              <a:t>3</a:t>
+            </a:r>
+            <a:r>
+              <a:rPr b="0" lang="en-GB" sz="2800" spc="-1" strike="noStrike" baseline="101000">
+                <a:solidFill>
+                  <a:srgbClr val="000000"/>
+                </a:solidFill>
+                <a:uFill>
+                  <a:solidFill>
+                    <a:srgbClr val="ffffff"/>
+                  </a:solidFill>
+                </a:uFill>
+                <a:latin typeface="Arial"/>
+                <a:ea typeface="DejaVu Sans"/>
+              </a:rPr>
+              <a:t>rd</a:t>
+            </a:r>
+            <a:r>
+              <a:rPr b="0" lang="en-GB" sz="2800" spc="-1" strike="noStrike">
+                <a:solidFill>
+                  <a:srgbClr val="000000"/>
+                </a:solidFill>
+                <a:uFill>
+                  <a:solidFill>
+                    <a:srgbClr val="ffffff"/>
+                  </a:solidFill>
+                </a:uFill>
+                <a:latin typeface="Arial"/>
+                <a:ea typeface="DejaVu Sans"/>
+              </a:rPr>
+              <a:t> Year Projects – AI, Robotics, Space Robotics</a:t>
             </a:r>
             <a:endParaRPr b="0" lang="en-GB" sz="1800" spc="-1" strike="noStrike">
               <a:solidFill>
@@ -8507,7 +10859,7 @@
         <p:spPr>
           <a:xfrm>
             <a:off x="0" y="0"/>
-            <a:ext cx="10077120" cy="1047600"/>
+            <a:ext cx="10076760" cy="1047240"/>
           </a:xfrm>
           <a:prstGeom prst="rect">
             <a:avLst/>
@@ -8530,7 +10882,7 @@
         <p:spPr>
           <a:xfrm>
             <a:off x="39240" y="0"/>
-            <a:ext cx="1067040" cy="1075680"/>
+            <a:ext cx="1066680" cy="1075320"/>
           </a:xfrm>
           <a:prstGeom prst="rect">
             <a:avLst/>
@@ -8549,7 +10901,7 @@
         <p:spPr>
           <a:xfrm>
             <a:off x="2448000" y="0"/>
-            <a:ext cx="7684200" cy="1061640"/>
+            <a:ext cx="7683840" cy="1061280"/>
           </a:xfrm>
           <a:prstGeom prst="rect">
             <a:avLst/>
@@ -8607,10 +10959,351 @@
   <p:timing>
     <p:tnLst>
       <p:par>
-        <p:cTn id="17" dur="indefinite" restart="never" nodeType="tmRoot">
+        <p:cTn id="151" dur="indefinite" restart="never" nodeType="tmRoot">
           <p:childTnLst>
             <p:seq>
-              <p:cTn id="18" nodeType="mainSeq"/>
+              <p:cTn id="152" nodeType="mainSeq">
+                <p:childTnLst>
+                  <p:par>
+                    <p:cTn id="153" fill="freeze">
+                      <p:stCondLst>
+                        <p:cond delay="indefinite"/>
+                      </p:stCondLst>
+                      <p:childTnLst>
+                        <p:par>
+                          <p:cTn id="154" fill="freeze">
+                            <p:stCondLst>
+                              <p:cond delay="0"/>
+                            </p:stCondLst>
+                            <p:childTnLst>
+                              <p:par>
+                                <p:cTn id="155" nodeType="clickEffect" fill="hold" presetClass="entr" presetID="1">
+                                  <p:stCondLst>
+                                    <p:cond delay="0"/>
+                                  </p:stCondLst>
+                                  <p:childTnLst>
+                                    <p:set>
+                                      <p:cBhvr>
+                                        <p:cTn id="156" dur="1" fill="hold">
+                                          <p:stCondLst>
+                                            <p:cond delay="0"/>
+                                          </p:stCondLst>
+                                        </p:cTn>
+                                        <p:tgtEl>
+                                          <p:spTgt spid="113">
+                                            <p:txEl>
+                                              <p:pRg st="0" end="51"/>
+                                            </p:txEl>
+                                          </p:spTgt>
+                                        </p:tgtEl>
+                                        <p:attrNameLst>
+                                          <p:attrName>style.visibility</p:attrName>
+                                        </p:attrNameLst>
+                                      </p:cBhvr>
+                                      <p:to>
+                                        <p:strVal val="visible"/>
+                                      </p:to>
+                                    </p:set>
+                                  </p:childTnLst>
+                                </p:cTn>
+                              </p:par>
+                            </p:childTnLst>
+                          </p:cTn>
+                        </p:par>
+                      </p:childTnLst>
+                    </p:cTn>
+                  </p:par>
+                  <p:par>
+                    <p:cTn id="157" fill="freeze">
+                      <p:stCondLst>
+                        <p:cond delay="indefinite"/>
+                      </p:stCondLst>
+                      <p:childTnLst>
+                        <p:par>
+                          <p:cTn id="158" fill="freeze">
+                            <p:stCondLst>
+                              <p:cond delay="0"/>
+                            </p:stCondLst>
+                            <p:childTnLst>
+                              <p:par>
+                                <p:cTn id="159" nodeType="clickEffect" fill="hold" presetClass="entr" presetID="1">
+                                  <p:stCondLst>
+                                    <p:cond delay="0"/>
+                                  </p:stCondLst>
+                                  <p:childTnLst>
+                                    <p:set>
+                                      <p:cBhvr>
+                                        <p:cTn id="160" dur="1" fill="hold">
+                                          <p:stCondLst>
+                                            <p:cond delay="0"/>
+                                          </p:stCondLst>
+                                        </p:cTn>
+                                        <p:tgtEl>
+                                          <p:spTgt spid="113">
+                                            <p:txEl>
+                                              <p:pRg st="51" end="59"/>
+                                            </p:txEl>
+                                          </p:spTgt>
+                                        </p:tgtEl>
+                                        <p:attrNameLst>
+                                          <p:attrName>style.visibility</p:attrName>
+                                        </p:attrNameLst>
+                                      </p:cBhvr>
+                                      <p:to>
+                                        <p:strVal val="visible"/>
+                                      </p:to>
+                                    </p:set>
+                                  </p:childTnLst>
+                                </p:cTn>
+                              </p:par>
+                            </p:childTnLst>
+                          </p:cTn>
+                        </p:par>
+                      </p:childTnLst>
+                    </p:cTn>
+                  </p:par>
+                  <p:par>
+                    <p:cTn id="161" fill="freeze">
+                      <p:stCondLst>
+                        <p:cond delay="indefinite"/>
+                      </p:stCondLst>
+                      <p:childTnLst>
+                        <p:par>
+                          <p:cTn id="162" fill="freeze">
+                            <p:stCondLst>
+                              <p:cond delay="0"/>
+                            </p:stCondLst>
+                            <p:childTnLst>
+                              <p:par>
+                                <p:cTn id="163" nodeType="clickEffect" fill="hold" presetClass="entr" presetID="1">
+                                  <p:stCondLst>
+                                    <p:cond delay="0"/>
+                                  </p:stCondLst>
+                                  <p:childTnLst>
+                                    <p:set>
+                                      <p:cBhvr>
+                                        <p:cTn id="164" dur="1" fill="hold">
+                                          <p:stCondLst>
+                                            <p:cond delay="0"/>
+                                          </p:stCondLst>
+                                        </p:cTn>
+                                        <p:tgtEl>
+                                          <p:spTgt spid="113">
+                                            <p:txEl>
+                                              <p:pRg st="59" end="91"/>
+                                            </p:txEl>
+                                          </p:spTgt>
+                                        </p:tgtEl>
+                                        <p:attrNameLst>
+                                          <p:attrName>style.visibility</p:attrName>
+                                        </p:attrNameLst>
+                                      </p:cBhvr>
+                                      <p:to>
+                                        <p:strVal val="visible"/>
+                                      </p:to>
+                                    </p:set>
+                                  </p:childTnLst>
+                                </p:cTn>
+                              </p:par>
+                              <p:par>
+                                <p:cTn id="165" nodeType="withEffect" fill="hold" presetClass="entr" presetID="1">
+                                  <p:stCondLst>
+                                    <p:cond delay="0"/>
+                                  </p:stCondLst>
+                                  <p:childTnLst>
+                                    <p:set>
+                                      <p:cBhvr>
+                                        <p:cTn id="166" dur="1" fill="hold">
+                                          <p:stCondLst>
+                                            <p:cond delay="0"/>
+                                          </p:stCondLst>
+                                        </p:cTn>
+                                        <p:tgtEl>
+                                          <p:spTgt spid="113">
+                                            <p:txEl>
+                                              <p:pRg st="91" end="96"/>
+                                            </p:txEl>
+                                          </p:spTgt>
+                                        </p:tgtEl>
+                                        <p:attrNameLst>
+                                          <p:attrName>style.visibility</p:attrName>
+                                        </p:attrNameLst>
+                                      </p:cBhvr>
+                                      <p:to>
+                                        <p:strVal val="visible"/>
+                                      </p:to>
+                                    </p:set>
+                                  </p:childTnLst>
+                                </p:cTn>
+                              </p:par>
+                              <p:par>
+                                <p:cTn id="167" nodeType="withEffect" fill="hold" presetClass="entr" presetID="1">
+                                  <p:stCondLst>
+                                    <p:cond delay="0"/>
+                                  </p:stCondLst>
+                                  <p:childTnLst>
+                                    <p:set>
+                                      <p:cBhvr>
+                                        <p:cTn id="168" dur="1" fill="hold">
+                                          <p:stCondLst>
+                                            <p:cond delay="0"/>
+                                          </p:stCondLst>
+                                        </p:cTn>
+                                        <p:tgtEl>
+                                          <p:spTgt spid="113">
+                                            <p:txEl>
+                                              <p:pRg st="96" end="139"/>
+                                            </p:txEl>
+                                          </p:spTgt>
+                                        </p:tgtEl>
+                                        <p:attrNameLst>
+                                          <p:attrName>style.visibility</p:attrName>
+                                        </p:attrNameLst>
+                                      </p:cBhvr>
+                                      <p:to>
+                                        <p:strVal val="visible"/>
+                                      </p:to>
+                                    </p:set>
+                                  </p:childTnLst>
+                                </p:cTn>
+                              </p:par>
+                              <p:par>
+                                <p:cTn id="169" nodeType="withEffect" fill="hold" presetClass="entr" presetID="1">
+                                  <p:stCondLst>
+                                    <p:cond delay="0"/>
+                                  </p:stCondLst>
+                                  <p:childTnLst>
+                                    <p:set>
+                                      <p:cBhvr>
+                                        <p:cTn id="170" dur="1" fill="hold">
+                                          <p:stCondLst>
+                                            <p:cond delay="0"/>
+                                          </p:stCondLst>
+                                        </p:cTn>
+                                        <p:tgtEl>
+                                          <p:spTgt spid="113">
+                                            <p:txEl>
+                                              <p:pRg st="139" end="162"/>
+                                            </p:txEl>
+                                          </p:spTgt>
+                                        </p:tgtEl>
+                                        <p:attrNameLst>
+                                          <p:attrName>style.visibility</p:attrName>
+                                        </p:attrNameLst>
+                                      </p:cBhvr>
+                                      <p:to>
+                                        <p:strVal val="visible"/>
+                                      </p:to>
+                                    </p:set>
+                                  </p:childTnLst>
+                                </p:cTn>
+                              </p:par>
+                            </p:childTnLst>
+                          </p:cTn>
+                        </p:par>
+                      </p:childTnLst>
+                    </p:cTn>
+                  </p:par>
+                  <p:par>
+                    <p:cTn id="171" fill="freeze">
+                      <p:stCondLst>
+                        <p:cond delay="indefinite"/>
+                      </p:stCondLst>
+                      <p:childTnLst>
+                        <p:par>
+                          <p:cTn id="172" fill="freeze">
+                            <p:stCondLst>
+                              <p:cond delay="0"/>
+                            </p:stCondLst>
+                            <p:childTnLst>
+                              <p:par>
+                                <p:cTn id="173" nodeType="clickEffect" fill="hold" presetClass="entr" presetID="1">
+                                  <p:stCondLst>
+                                    <p:cond delay="0"/>
+                                  </p:stCondLst>
+                                  <p:childTnLst>
+                                    <p:set>
+                                      <p:cBhvr>
+                                        <p:cTn id="174" dur="1" fill="hold">
+                                          <p:stCondLst>
+                                            <p:cond delay="0"/>
+                                          </p:stCondLst>
+                                        </p:cTn>
+                                        <p:tgtEl>
+                                          <p:spTgt spid="113">
+                                            <p:txEl>
+                                              <p:pRg st="162" end="183"/>
+                                            </p:txEl>
+                                          </p:spTgt>
+                                        </p:tgtEl>
+                                        <p:attrNameLst>
+                                          <p:attrName>style.visibility</p:attrName>
+                                        </p:attrNameLst>
+                                      </p:cBhvr>
+                                      <p:to>
+                                        <p:strVal val="visible"/>
+                                      </p:to>
+                                    </p:set>
+                                  </p:childTnLst>
+                                </p:cTn>
+                              </p:par>
+                            </p:childTnLst>
+                          </p:cTn>
+                        </p:par>
+                      </p:childTnLst>
+                    </p:cTn>
+                  </p:par>
+                  <p:par>
+                    <p:cTn id="175" fill="freeze">
+                      <p:stCondLst>
+                        <p:cond delay="indefinite"/>
+                      </p:stCondLst>
+                      <p:childTnLst>
+                        <p:par>
+                          <p:cTn id="176" fill="freeze">
+                            <p:stCondLst>
+                              <p:cond delay="0"/>
+                            </p:stCondLst>
+                            <p:childTnLst>
+                              <p:par>
+                                <p:cTn id="177" nodeType="clickEffect" fill="hold" presetClass="entr" presetID="1">
+                                  <p:stCondLst>
+                                    <p:cond delay="0"/>
+                                  </p:stCondLst>
+                                  <p:childTnLst>
+                                    <p:set>
+                                      <p:cBhvr>
+                                        <p:cTn id="178" dur="1" fill="hold">
+                                          <p:stCondLst>
+                                            <p:cond delay="0"/>
+                                          </p:stCondLst>
+                                        </p:cTn>
+                                        <p:tgtEl>
+                                          <p:spTgt spid="113">
+                                            <p:txEl>
+                                              <p:pRg st="183" end="232"/>
+                                            </p:txEl>
+                                          </p:spTgt>
+                                        </p:tgtEl>
+                                        <p:attrNameLst>
+                                          <p:attrName>style.visibility</p:attrName>
+                                        </p:attrNameLst>
+                                      </p:cBhvr>
+                                      <p:to>
+                                        <p:strVal val="visible"/>
+                                      </p:to>
+                                    </p:set>
+                                  </p:childTnLst>
+                                </p:cTn>
+                              </p:par>
+                            </p:childTnLst>
+                          </p:cTn>
+                        </p:par>
+                      </p:childTnLst>
+                    </p:cTn>
+                  </p:par>
+                </p:childTnLst>
+              </p:cTn>
               <p:prevCondLst>
                 <p:cond delay="0" evt="onPrev">
                   <p:tgtEl>

--- a/news/2018-02-07.pptx
+++ b/news/2018-02-07.pptx
@@ -3030,21 +3030,7 @@
                 </a:uFill>
                 <a:latin typeface="Arial"/>
               </a:rPr>
-              <a:t>Click to edit the title text </a:t>
-            </a:r>
-            <a:r>
-              <a:rPr b="0" lang="en-GB" sz="4400" spc="-1" strike="noStrike">
-                <a:solidFill>
-                  <a:srgbClr val="000000"/>
-                </a:solidFill>
-                <a:uFill>
-                  <a:solidFill>
-                    <a:srgbClr val="ffffff"/>
-                  </a:solidFill>
-                </a:uFill>
-                <a:latin typeface="Arial"/>
-              </a:rPr>
-              <a:t>format</a:t>
+              <a:t>Click to edit the title text format</a:t>
             </a:r>
             <a:endParaRPr b="0" lang="en-GB" sz="4400" spc="-1" strike="noStrike">
               <a:solidFill>
@@ -3737,7 +3723,7 @@
         <p:spPr>
           <a:xfrm>
             <a:off x="504000" y="1404360"/>
-            <a:ext cx="9068760" cy="3165120"/>
+            <a:ext cx="9068400" cy="3164760"/>
           </a:xfrm>
           <a:prstGeom prst="rect">
             <a:avLst/>
@@ -3984,7 +3970,7 @@
         <p:spPr>
           <a:xfrm>
             <a:off x="0" y="0"/>
-            <a:ext cx="10077120" cy="1047600"/>
+            <a:ext cx="10076760" cy="1047240"/>
           </a:xfrm>
           <a:prstGeom prst="rect">
             <a:avLst/>
@@ -4003,7 +3989,7 @@
         <p:spPr>
           <a:xfrm>
             <a:off x="2448000" y="0"/>
-            <a:ext cx="7683840" cy="1061280"/>
+            <a:ext cx="7683480" cy="1060920"/>
           </a:xfrm>
           <a:prstGeom prst="rect">
             <a:avLst/>
@@ -4069,7 +4055,7 @@
         <p:spPr>
           <a:xfrm>
             <a:off x="39240" y="0"/>
-            <a:ext cx="1067040" cy="1075680"/>
+            <a:ext cx="1066680" cy="1075320"/>
           </a:xfrm>
           <a:prstGeom prst="rect">
             <a:avLst/>
@@ -4092,7 +4078,7 @@
         <p:spPr>
           <a:xfrm>
             <a:off x="3718440" y="4659840"/>
-            <a:ext cx="2640240" cy="2661120"/>
+            <a:ext cx="2639880" cy="2660760"/>
           </a:xfrm>
           <a:prstGeom prst="rect">
             <a:avLst/>
@@ -4160,7 +4146,7 @@
         <p:spPr>
           <a:xfrm>
             <a:off x="504000" y="1467720"/>
-            <a:ext cx="9068400" cy="1258920"/>
+            <a:ext cx="9068040" cy="1258560"/>
           </a:xfrm>
           <a:prstGeom prst="rect">
             <a:avLst/>
@@ -4255,7 +4241,7 @@
         <p:spPr>
           <a:xfrm>
             <a:off x="504000" y="2728440"/>
-            <a:ext cx="9068400" cy="4381200"/>
+            <a:ext cx="9068040" cy="4380840"/>
           </a:xfrm>
           <a:prstGeom prst="rect">
             <a:avLst/>
@@ -4274,7 +4260,7 @@
         <p:txBody>
           <a:bodyPr lIns="0" rIns="0" tIns="0" bIns="0"/>
           <a:p>
-            <a:pPr marL="432000" indent="-320760">
+            <a:pPr marL="432000" indent="-320400">
               <a:lnSpc>
                 <a:spcPct val="100000"/>
               </a:lnSpc>
@@ -4313,7 +4299,7 @@
             </a:endParaRPr>
           </a:p>
           <a:p>
-            <a:pPr marL="432000" indent="-320760">
+            <a:pPr marL="432000" indent="-320400">
               <a:lnSpc>
                 <a:spcPct val="100000"/>
               </a:lnSpc>
@@ -4352,7 +4338,7 @@
             </a:endParaRPr>
           </a:p>
           <a:p>
-            <a:pPr marL="432000" indent="-320760">
+            <a:pPr marL="432000" indent="-320400">
               <a:lnSpc>
                 <a:spcPct val="100000"/>
               </a:lnSpc>
@@ -4405,7 +4391,7 @@
         <p:spPr>
           <a:xfrm>
             <a:off x="0" y="0"/>
-            <a:ext cx="10076760" cy="1047240"/>
+            <a:ext cx="10076400" cy="1046880"/>
           </a:xfrm>
           <a:prstGeom prst="rect">
             <a:avLst/>
@@ -4428,7 +4414,7 @@
         <p:spPr>
           <a:xfrm>
             <a:off x="39240" y="0"/>
-            <a:ext cx="1066680" cy="1075320"/>
+            <a:ext cx="1066320" cy="1074960"/>
           </a:xfrm>
           <a:prstGeom prst="rect">
             <a:avLst/>
@@ -4447,7 +4433,7 @@
         <p:spPr>
           <a:xfrm>
             <a:off x="2448000" y="0"/>
-            <a:ext cx="7683840" cy="1061280"/>
+            <a:ext cx="7683480" cy="1060920"/>
           </a:xfrm>
           <a:prstGeom prst="rect">
             <a:avLst/>
@@ -4505,160 +4491,10 @@
   <p:timing>
     <p:tnLst>
       <p:par>
-        <p:cTn id="179" dur="indefinite" restart="never" nodeType="tmRoot">
+        <p:cTn id="19" dur="indefinite" restart="never" nodeType="tmRoot">
           <p:childTnLst>
             <p:seq>
-              <p:cTn id="180" nodeType="mainSeq">
-                <p:childTnLst>
-                  <p:par>
-                    <p:cTn id="181" fill="freeze">
-                      <p:stCondLst>
-                        <p:cond delay="indefinite"/>
-                      </p:stCondLst>
-                      <p:childTnLst>
-                        <p:par>
-                          <p:cTn id="182" fill="freeze">
-                            <p:stCondLst>
-                              <p:cond delay="0"/>
-                            </p:stCondLst>
-                            <p:childTnLst>
-                              <p:par>
-                                <p:cTn id="183" nodeType="clickEffect" fill="hold" presetClass="entr" presetID="1">
-                                  <p:stCondLst>
-                                    <p:cond delay="0"/>
-                                  </p:stCondLst>
-                                  <p:childTnLst>
-                                    <p:set>
-                                      <p:cBhvr>
-                                        <p:cTn id="184" dur="1" fill="hold">
-                                          <p:stCondLst>
-                                            <p:cond delay="0"/>
-                                          </p:stCondLst>
-                                        </p:cTn>
-                                        <p:tgtEl>
-                                          <p:spTgt spid="118">
-                                            <p:txEl>
-                                              <p:pRg st="0" end="28"/>
-                                            </p:txEl>
-                                          </p:spTgt>
-                                        </p:tgtEl>
-                                        <p:attrNameLst>
-                                          <p:attrName>style.visibility</p:attrName>
-                                        </p:attrNameLst>
-                                      </p:cBhvr>
-                                      <p:to>
-                                        <p:strVal val="visible"/>
-                                      </p:to>
-                                    </p:set>
-                                  </p:childTnLst>
-                                </p:cTn>
-                              </p:par>
-                            </p:childTnLst>
-                          </p:cTn>
-                        </p:par>
-                      </p:childTnLst>
-                    </p:cTn>
-                  </p:par>
-                  <p:par>
-                    <p:cTn id="185" fill="freeze">
-                      <p:stCondLst>
-                        <p:cond delay="indefinite"/>
-                      </p:stCondLst>
-                      <p:childTnLst>
-                        <p:par>
-                          <p:cTn id="186" fill="freeze">
-                            <p:stCondLst>
-                              <p:cond delay="0"/>
-                            </p:stCondLst>
-                            <p:childTnLst>
-                              <p:par>
-                                <p:cTn id="187" nodeType="clickEffect" fill="hold" presetClass="entr" presetID="1">
-                                  <p:stCondLst>
-                                    <p:cond delay="0"/>
-                                  </p:stCondLst>
-                                  <p:childTnLst>
-                                    <p:set>
-                                      <p:cBhvr>
-                                        <p:cTn id="188" dur="1" fill="hold">
-                                          <p:stCondLst>
-                                            <p:cond delay="0"/>
-                                          </p:stCondLst>
-                                        </p:cTn>
-                                        <p:tgtEl>
-                                          <p:spTgt spid="118">
-                                            <p:txEl>
-                                              <p:pRg st="28" end="55"/>
-                                            </p:txEl>
-                                          </p:spTgt>
-                                        </p:tgtEl>
-                                        <p:attrNameLst>
-                                          <p:attrName>style.visibility</p:attrName>
-                                        </p:attrNameLst>
-                                      </p:cBhvr>
-                                      <p:to>
-                                        <p:strVal val="visible"/>
-                                      </p:to>
-                                    </p:set>
-                                  </p:childTnLst>
-                                </p:cTn>
-                              </p:par>
-                            </p:childTnLst>
-                          </p:cTn>
-                        </p:par>
-                      </p:childTnLst>
-                    </p:cTn>
-                  </p:par>
-                  <p:par>
-                    <p:cTn id="189" fill="freeze">
-                      <p:stCondLst>
-                        <p:cond delay="indefinite"/>
-                      </p:stCondLst>
-                      <p:childTnLst>
-                        <p:par>
-                          <p:cTn id="190" fill="freeze">
-                            <p:stCondLst>
-                              <p:cond delay="0"/>
-                            </p:stCondLst>
-                            <p:childTnLst>
-                              <p:par>
-                                <p:cTn id="191" nodeType="clickEffect" fill="hold" presetClass="entr" presetID="1">
-                                  <p:stCondLst>
-                                    <p:cond delay="0"/>
-                                  </p:stCondLst>
-                                  <p:childTnLst>
-                                    <p:set>
-                                      <p:cBhvr>
-                                        <p:cTn id="192" dur="1" fill="hold">
-                                          <p:stCondLst>
-                                            <p:cond delay="0"/>
-                                          </p:stCondLst>
-                                        </p:cTn>
-                                        <p:tgtEl>
-                                          <p:spTgt spid="118">
-                                            <p:txEl>
-                                              <p:pRg st="55" end="70"/>
-                                            </p:txEl>
-                                          </p:spTgt>
-                                        </p:tgtEl>
-                                        <p:attrNameLst>
-                                          <p:attrName>style.visibility</p:attrName>
-                                        </p:attrNameLst>
-                                      </p:cBhvr>
-                                      <p:to>
-                                        <p:strVal val="visible"/>
-                                      </p:to>
-                                    </p:set>
-                                  </p:childTnLst>
-                                </p:cTn>
-                              </p:par>
-                            </p:childTnLst>
-                          </p:cTn>
-                        </p:par>
-                      </p:childTnLst>
-                    </p:cTn>
-                  </p:par>
-                </p:childTnLst>
-              </p:cTn>
+              <p:cTn id="20" nodeType="mainSeq"/>
               <p:prevCondLst>
                 <p:cond delay="0" evt="onPrev">
                   <p:tgtEl>
@@ -4708,7 +4544,7 @@
         <p:spPr>
           <a:xfrm>
             <a:off x="504000" y="1467720"/>
-            <a:ext cx="9068400" cy="1258920"/>
+            <a:ext cx="9068040" cy="1258560"/>
           </a:xfrm>
           <a:prstGeom prst="rect">
             <a:avLst/>
@@ -4770,7 +4606,7 @@
         <p:spPr>
           <a:xfrm>
             <a:off x="504000" y="2728440"/>
-            <a:ext cx="9068400" cy="4381200"/>
+            <a:ext cx="9068040" cy="4380840"/>
           </a:xfrm>
           <a:prstGeom prst="rect">
             <a:avLst/>
@@ -4800,7 +4636,7 @@
         <p:spPr>
           <a:xfrm>
             <a:off x="0" y="0"/>
-            <a:ext cx="10076760" cy="1047240"/>
+            <a:ext cx="10076400" cy="1046880"/>
           </a:xfrm>
           <a:prstGeom prst="rect">
             <a:avLst/>
@@ -4823,7 +4659,7 @@
         <p:spPr>
           <a:xfrm>
             <a:off x="39240" y="0"/>
-            <a:ext cx="1066680" cy="1075320"/>
+            <a:ext cx="1066320" cy="1074960"/>
           </a:xfrm>
           <a:prstGeom prst="rect">
             <a:avLst/>
@@ -4842,7 +4678,7 @@
         <p:spPr>
           <a:xfrm>
             <a:off x="2448000" y="0"/>
-            <a:ext cx="7683840" cy="1061280"/>
+            <a:ext cx="7683480" cy="1060920"/>
           </a:xfrm>
           <a:prstGeom prst="rect">
             <a:avLst/>
@@ -4900,10 +4736,10 @@
   <p:timing>
     <p:tnLst>
       <p:par>
-        <p:cTn id="193" dur="indefinite" restart="never" nodeType="tmRoot">
+        <p:cTn id="21" dur="indefinite" restart="never" nodeType="tmRoot">
           <p:childTnLst>
             <p:seq>
-              <p:cTn id="194" nodeType="mainSeq"/>
+              <p:cTn id="22" nodeType="mainSeq"/>
               <p:prevCondLst>
                 <p:cond delay="0" evt="onPrev">
                   <p:tgtEl>
@@ -4953,7 +4789,7 @@
         <p:spPr>
           <a:xfrm>
             <a:off x="504000" y="1467720"/>
-            <a:ext cx="9068400" cy="1258920"/>
+            <a:ext cx="9068040" cy="1258560"/>
           </a:xfrm>
           <a:prstGeom prst="rect">
             <a:avLst/>
@@ -5015,7 +4851,7 @@
         <p:spPr>
           <a:xfrm>
             <a:off x="504000" y="2728440"/>
-            <a:ext cx="9068400" cy="4381200"/>
+            <a:ext cx="9068040" cy="4380840"/>
           </a:xfrm>
           <a:prstGeom prst="rect">
             <a:avLst/>
@@ -5034,7 +4870,7 @@
         <p:txBody>
           <a:bodyPr lIns="0" rIns="0" tIns="0" bIns="0"/>
           <a:p>
-            <a:pPr marL="432000" indent="-320760">
+            <a:pPr marL="432000" indent="-320400">
               <a:lnSpc>
                 <a:spcPct val="100000"/>
               </a:lnSpc>
@@ -5073,7 +4909,7 @@
             </a:endParaRPr>
           </a:p>
           <a:p>
-            <a:pPr marL="432000" indent="-320760">
+            <a:pPr marL="432000" indent="-320400">
               <a:lnSpc>
                 <a:spcPct val="100000"/>
               </a:lnSpc>
@@ -5128,7 +4964,7 @@
             </a:endParaRPr>
           </a:p>
           <a:p>
-            <a:pPr marL="432000" indent="-320760">
+            <a:pPr marL="432000" indent="-320400">
               <a:lnSpc>
                 <a:spcPct val="100000"/>
               </a:lnSpc>
@@ -5167,7 +5003,7 @@
             </a:endParaRPr>
           </a:p>
           <a:p>
-            <a:pPr marL="432000" indent="-320760">
+            <a:pPr marL="432000" indent="-320400">
               <a:lnSpc>
                 <a:spcPct val="100000"/>
               </a:lnSpc>
@@ -5206,7 +5042,7 @@
             </a:endParaRPr>
           </a:p>
           <a:p>
-            <a:pPr lvl="3" marL="864000" indent="-215280">
+            <a:pPr lvl="3" marL="864000" indent="-214920">
               <a:lnSpc>
                 <a:spcPct val="100000"/>
               </a:lnSpc>
@@ -5261,7 +5097,7 @@
             </a:endParaRPr>
           </a:p>
           <a:p>
-            <a:pPr lvl="3" marL="864000" indent="-215280">
+            <a:pPr lvl="3" marL="864000" indent="-214920">
               <a:lnSpc>
                 <a:spcPct val="100000"/>
               </a:lnSpc>
@@ -5316,7 +5152,7 @@
             </a:endParaRPr>
           </a:p>
           <a:p>
-            <a:pPr lvl="3" marL="864000" indent="-215280">
+            <a:pPr lvl="3" marL="864000" indent="-214920">
               <a:lnSpc>
                 <a:spcPct val="100000"/>
               </a:lnSpc>
@@ -5400,7 +5236,7 @@
         <p:spPr>
           <a:xfrm>
             <a:off x="0" y="0"/>
-            <a:ext cx="10076760" cy="1047240"/>
+            <a:ext cx="10076400" cy="1046880"/>
           </a:xfrm>
           <a:prstGeom prst="rect">
             <a:avLst/>
@@ -5423,7 +5259,7 @@
         <p:spPr>
           <a:xfrm>
             <a:off x="39240" y="0"/>
-            <a:ext cx="1066680" cy="1075320"/>
+            <a:ext cx="1066320" cy="1074960"/>
           </a:xfrm>
           <a:prstGeom prst="rect">
             <a:avLst/>
@@ -5442,7 +5278,7 @@
         <p:spPr>
           <a:xfrm>
             <a:off x="2448000" y="0"/>
-            <a:ext cx="7683840" cy="1061280"/>
+            <a:ext cx="7683480" cy="1060920"/>
           </a:xfrm>
           <a:prstGeom prst="rect">
             <a:avLst/>
@@ -5503,250 +5339,7 @@
         <p:cTn id="3" dur="indefinite" restart="never" nodeType="tmRoot">
           <p:childTnLst>
             <p:seq>
-              <p:cTn id="4" nodeType="mainSeq">
-                <p:childTnLst>
-                  <p:par>
-                    <p:cTn id="5" fill="freeze">
-                      <p:stCondLst>
-                        <p:cond delay="indefinite"/>
-                      </p:stCondLst>
-                      <p:childTnLst>
-                        <p:par>
-                          <p:cTn id="6" fill="freeze">
-                            <p:stCondLst>
-                              <p:cond delay="0"/>
-                            </p:stCondLst>
-                            <p:childTnLst>
-                              <p:par>
-                                <p:cTn id="7" nodeType="clickEffect" fill="hold" presetClass="entr" presetID="1">
-                                  <p:stCondLst>
-                                    <p:cond delay="0"/>
-                                  </p:stCondLst>
-                                  <p:childTnLst>
-                                    <p:set>
-                                      <p:cBhvr>
-                                        <p:cTn id="8" dur="1" fill="hold">
-                                          <p:stCondLst>
-                                            <p:cond delay="0"/>
-                                          </p:stCondLst>
-                                        </p:cTn>
-                                        <p:tgtEl>
-                                          <p:spTgt spid="78">
-                                            <p:txEl>
-                                              <p:pRg st="0" end="50"/>
-                                            </p:txEl>
-                                          </p:spTgt>
-                                        </p:tgtEl>
-                                        <p:attrNameLst>
-                                          <p:attrName>style.visibility</p:attrName>
-                                        </p:attrNameLst>
-                                      </p:cBhvr>
-                                      <p:to>
-                                        <p:strVal val="visible"/>
-                                      </p:to>
-                                    </p:set>
-                                  </p:childTnLst>
-                                </p:cTn>
-                              </p:par>
-                            </p:childTnLst>
-                          </p:cTn>
-                        </p:par>
-                      </p:childTnLst>
-                    </p:cTn>
-                  </p:par>
-                  <p:par>
-                    <p:cTn id="9" fill="freeze">
-                      <p:stCondLst>
-                        <p:cond delay="indefinite"/>
-                      </p:stCondLst>
-                      <p:childTnLst>
-                        <p:par>
-                          <p:cTn id="10" fill="freeze">
-                            <p:stCondLst>
-                              <p:cond delay="0"/>
-                            </p:stCondLst>
-                            <p:childTnLst>
-                              <p:par>
-                                <p:cTn id="11" nodeType="clickEffect" fill="hold" presetClass="entr" presetID="1">
-                                  <p:stCondLst>
-                                    <p:cond delay="0"/>
-                                  </p:stCondLst>
-                                  <p:childTnLst>
-                                    <p:set>
-                                      <p:cBhvr>
-                                        <p:cTn id="12" dur="1" fill="hold">
-                                          <p:stCondLst>
-                                            <p:cond delay="0"/>
-                                          </p:stCondLst>
-                                        </p:cTn>
-                                        <p:tgtEl>
-                                          <p:spTgt spid="78">
-                                            <p:txEl>
-                                              <p:pRg st="50" end="102"/>
-                                            </p:txEl>
-                                          </p:spTgt>
-                                        </p:tgtEl>
-                                        <p:attrNameLst>
-                                          <p:attrName>style.visibility</p:attrName>
-                                        </p:attrNameLst>
-                                      </p:cBhvr>
-                                      <p:to>
-                                        <p:strVal val="visible"/>
-                                      </p:to>
-                                    </p:set>
-                                  </p:childTnLst>
-                                </p:cTn>
-                              </p:par>
-                            </p:childTnLst>
-                          </p:cTn>
-                        </p:par>
-                      </p:childTnLst>
-                    </p:cTn>
-                  </p:par>
-                  <p:par>
-                    <p:cTn id="13" fill="freeze">
-                      <p:stCondLst>
-                        <p:cond delay="indefinite"/>
-                      </p:stCondLst>
-                      <p:childTnLst>
-                        <p:par>
-                          <p:cTn id="14" fill="freeze">
-                            <p:stCondLst>
-                              <p:cond delay="0"/>
-                            </p:stCondLst>
-                            <p:childTnLst>
-                              <p:par>
-                                <p:cTn id="15" nodeType="clickEffect" fill="hold" presetClass="entr" presetID="1">
-                                  <p:stCondLst>
-                                    <p:cond delay="0"/>
-                                  </p:stCondLst>
-                                  <p:childTnLst>
-                                    <p:set>
-                                      <p:cBhvr>
-                                        <p:cTn id="16" dur="1" fill="hold">
-                                          <p:stCondLst>
-                                            <p:cond delay="0"/>
-                                          </p:stCondLst>
-                                        </p:cTn>
-                                        <p:tgtEl>
-                                          <p:spTgt spid="78">
-                                            <p:txEl>
-                                              <p:pRg st="104" end="122"/>
-                                            </p:txEl>
-                                          </p:spTgt>
-                                        </p:tgtEl>
-                                        <p:attrNameLst>
-                                          <p:attrName>style.visibility</p:attrName>
-                                        </p:attrNameLst>
-                                      </p:cBhvr>
-                                      <p:to>
-                                        <p:strVal val="visible"/>
-                                      </p:to>
-                                    </p:set>
-                                  </p:childTnLst>
-                                </p:cTn>
-                              </p:par>
-                              <p:par>
-                                <p:cTn id="17" nodeType="withEffect" fill="hold" presetClass="entr" presetID="1">
-                                  <p:stCondLst>
-                                    <p:cond delay="0"/>
-                                  </p:stCondLst>
-                                  <p:childTnLst>
-                                    <p:set>
-                                      <p:cBhvr>
-                                        <p:cTn id="18" dur="1" fill="hold">
-                                          <p:stCondLst>
-                                            <p:cond delay="0"/>
-                                          </p:stCondLst>
-                                        </p:cTn>
-                                        <p:tgtEl>
-                                          <p:spTgt spid="78">
-                                            <p:txEl>
-                                              <p:pRg st="122" end="146"/>
-                                            </p:txEl>
-                                          </p:spTgt>
-                                        </p:tgtEl>
-                                        <p:attrNameLst>
-                                          <p:attrName>style.visibility</p:attrName>
-                                        </p:attrNameLst>
-                                      </p:cBhvr>
-                                      <p:to>
-                                        <p:strVal val="visible"/>
-                                      </p:to>
-                                    </p:set>
-                                  </p:childTnLst>
-                                </p:cTn>
-                              </p:par>
-                              <p:par>
-                                <p:cTn id="19" nodeType="withEffect" fill="hold" presetClass="entr" presetID="1">
-                                  <p:stCondLst>
-                                    <p:cond delay="0"/>
-                                  </p:stCondLst>
-                                  <p:childTnLst>
-                                    <p:set>
-                                      <p:cBhvr>
-                                        <p:cTn id="20" dur="1" fill="hold">
-                                          <p:stCondLst>
-                                            <p:cond delay="0"/>
-                                          </p:stCondLst>
-                                        </p:cTn>
-                                        <p:tgtEl>
-                                          <p:spTgt spid="78">
-                                            <p:txEl>
-                                              <p:pRg st="146" end="171"/>
-                                            </p:txEl>
-                                          </p:spTgt>
-                                        </p:tgtEl>
-                                        <p:attrNameLst>
-                                          <p:attrName>style.visibility</p:attrName>
-                                        </p:attrNameLst>
-                                      </p:cBhvr>
-                                      <p:to>
-                                        <p:strVal val="visible"/>
-                                      </p:to>
-                                    </p:set>
-                                  </p:childTnLst>
-                                </p:cTn>
-                              </p:par>
-                              <p:par>
-                                <p:cTn id="21" nodeType="withEffect" fill="hold" presetClass="entr" presetID="1">
-                                  <p:stCondLst>
-                                    <p:cond delay="0"/>
-                                  </p:stCondLst>
-                                  <p:childTnLst>
-                                    <p:set>
-                                      <p:cBhvr>
-                                        <p:cTn id="22" dur="1" fill="hold">
-                                          <p:stCondLst>
-                                            <p:cond delay="0"/>
-                                          </p:stCondLst>
-                                        </p:cTn>
-                                        <p:tgtEl>
-                                          <p:spTgt spid="78">
-                                            <p:txEl>
-                                              <p:pRg st="171" end="200"/>
-                                            </p:txEl>
-                                          </p:spTgt>
-                                        </p:tgtEl>
-                                        <p:attrNameLst>
-                                          <p:attrName>style.visibility</p:attrName>
-                                        </p:attrNameLst>
-                                      </p:cBhvr>
-                                      <p:to>
-                                        <p:strVal val="visible"/>
-                                      </p:to>
-                                    </p:set>
-                                  </p:childTnLst>
-                                </p:cTn>
-                              </p:par>
-                            </p:childTnLst>
-                          </p:cTn>
-                        </p:par>
-                      </p:childTnLst>
-                    </p:cTn>
-                  </p:par>
-                </p:childTnLst>
-              </p:cTn>
+              <p:cTn id="4" nodeType="mainSeq"/>
               <p:prevCondLst>
                 <p:cond delay="0" evt="onPrev">
                   <p:tgtEl>
@@ -5796,7 +5389,7 @@
         <p:spPr>
           <a:xfrm>
             <a:off x="504000" y="1467720"/>
-            <a:ext cx="9068400" cy="1258920"/>
+            <a:ext cx="9068040" cy="1258560"/>
           </a:xfrm>
           <a:prstGeom prst="rect">
             <a:avLst/>
@@ -5858,7 +5451,7 @@
         <p:spPr>
           <a:xfrm>
             <a:off x="504000" y="2728440"/>
-            <a:ext cx="9068400" cy="4381200"/>
+            <a:ext cx="9068040" cy="4380840"/>
           </a:xfrm>
           <a:prstGeom prst="rect">
             <a:avLst/>
@@ -5877,7 +5470,7 @@
         <p:txBody>
           <a:bodyPr lIns="0" rIns="0" tIns="0" bIns="0"/>
           <a:p>
-            <a:pPr marL="432000" indent="-320760">
+            <a:pPr marL="432000" indent="-320400">
               <a:lnSpc>
                 <a:spcPct val="100000"/>
               </a:lnSpc>
@@ -5916,7 +5509,7 @@
             </a:endParaRPr>
           </a:p>
           <a:p>
-            <a:pPr marL="432000" indent="-320760">
+            <a:pPr marL="432000" indent="-320400">
               <a:lnSpc>
                 <a:spcPct val="100000"/>
               </a:lnSpc>
@@ -5955,7 +5548,7 @@
             </a:endParaRPr>
           </a:p>
           <a:p>
-            <a:pPr marL="432000" indent="-320760">
+            <a:pPr marL="432000" indent="-320400">
               <a:lnSpc>
                 <a:spcPct val="100000"/>
               </a:lnSpc>
@@ -5994,7 +5587,7 @@
             </a:endParaRPr>
           </a:p>
           <a:p>
-            <a:pPr marL="432000" indent="-320760">
+            <a:pPr marL="432000" indent="-320400">
               <a:lnSpc>
                 <a:spcPct val="100000"/>
               </a:lnSpc>
@@ -6033,7 +5626,7 @@
             </a:endParaRPr>
           </a:p>
           <a:p>
-            <a:pPr marL="432000" indent="-320760">
+            <a:pPr marL="432000" indent="-320400">
               <a:lnSpc>
                 <a:spcPct val="100000"/>
               </a:lnSpc>
@@ -6086,7 +5679,7 @@
         <p:spPr>
           <a:xfrm>
             <a:off x="0" y="0"/>
-            <a:ext cx="10076760" cy="1047240"/>
+            <a:ext cx="10076400" cy="1046880"/>
           </a:xfrm>
           <a:prstGeom prst="rect">
             <a:avLst/>
@@ -6109,7 +5702,7 @@
         <p:spPr>
           <a:xfrm>
             <a:off x="39240" y="0"/>
-            <a:ext cx="1066680" cy="1075320"/>
+            <a:ext cx="1066320" cy="1074960"/>
           </a:xfrm>
           <a:prstGeom prst="rect">
             <a:avLst/>
@@ -6128,7 +5721,7 @@
         <p:spPr>
           <a:xfrm>
             <a:off x="2448000" y="0"/>
-            <a:ext cx="7683840" cy="1061280"/>
+            <a:ext cx="7683480" cy="1060920"/>
           </a:xfrm>
           <a:prstGeom prst="rect">
             <a:avLst/>
@@ -6186,258 +5779,10 @@
   <p:timing>
     <p:tnLst>
       <p:par>
-        <p:cTn id="23" dur="indefinite" restart="never" nodeType="tmRoot">
+        <p:cTn id="5" dur="indefinite" restart="never" nodeType="tmRoot">
           <p:childTnLst>
             <p:seq>
-              <p:cTn id="24" nodeType="mainSeq">
-                <p:childTnLst>
-                  <p:par>
-                    <p:cTn id="25" fill="freeze">
-                      <p:stCondLst>
-                        <p:cond delay="indefinite"/>
-                      </p:stCondLst>
-                      <p:childTnLst>
-                        <p:par>
-                          <p:cTn id="26" fill="freeze">
-                            <p:stCondLst>
-                              <p:cond delay="0"/>
-                            </p:stCondLst>
-                            <p:childTnLst>
-                              <p:par>
-                                <p:cTn id="27" nodeType="clickEffect" fill="hold" presetClass="entr" presetID="1">
-                                  <p:stCondLst>
-                                    <p:cond delay="0"/>
-                                  </p:stCondLst>
-                                  <p:childTnLst>
-                                    <p:set>
-                                      <p:cBhvr>
-                                        <p:cTn id="28" dur="1" fill="hold">
-                                          <p:stCondLst>
-                                            <p:cond delay="0"/>
-                                          </p:stCondLst>
-                                        </p:cTn>
-                                        <p:tgtEl>
-                                          <p:spTgt spid="83">
-                                            <p:txEl>
-                                              <p:pRg st="0" end="42"/>
-                                            </p:txEl>
-                                          </p:spTgt>
-                                        </p:tgtEl>
-                                        <p:attrNameLst>
-                                          <p:attrName>style.visibility</p:attrName>
-                                        </p:attrNameLst>
-                                      </p:cBhvr>
-                                      <p:to>
-                                        <p:strVal val="visible"/>
-                                      </p:to>
-                                    </p:set>
-                                  </p:childTnLst>
-                                </p:cTn>
-                              </p:par>
-                            </p:childTnLst>
-                          </p:cTn>
-                        </p:par>
-                      </p:childTnLst>
-                    </p:cTn>
-                  </p:par>
-                  <p:par>
-                    <p:cTn id="29" fill="freeze">
-                      <p:stCondLst>
-                        <p:cond delay="indefinite"/>
-                      </p:stCondLst>
-                      <p:childTnLst>
-                        <p:par>
-                          <p:cTn id="30" fill="freeze">
-                            <p:stCondLst>
-                              <p:cond delay="0"/>
-                            </p:stCondLst>
-                            <p:childTnLst>
-                              <p:par>
-                                <p:cTn id="31" nodeType="clickEffect" fill="hold" presetClass="entr" presetID="1">
-                                  <p:stCondLst>
-                                    <p:cond delay="0"/>
-                                  </p:stCondLst>
-                                  <p:childTnLst>
-                                    <p:set>
-                                      <p:cBhvr>
-                                        <p:cTn id="32" dur="1" fill="hold">
-                                          <p:stCondLst>
-                                            <p:cond delay="0"/>
-                                          </p:stCondLst>
-                                        </p:cTn>
-                                        <p:tgtEl>
-                                          <p:spTgt spid="83">
-                                            <p:txEl>
-                                              <p:pRg st="42" end="77"/>
-                                            </p:txEl>
-                                          </p:spTgt>
-                                        </p:tgtEl>
-                                        <p:attrNameLst>
-                                          <p:attrName>style.visibility</p:attrName>
-                                        </p:attrNameLst>
-                                      </p:cBhvr>
-                                      <p:to>
-                                        <p:strVal val="visible"/>
-                                      </p:to>
-                                    </p:set>
-                                  </p:childTnLst>
-                                </p:cTn>
-                              </p:par>
-                            </p:childTnLst>
-                          </p:cTn>
-                        </p:par>
-                      </p:childTnLst>
-                    </p:cTn>
-                  </p:par>
-                  <p:par>
-                    <p:cTn id="33" fill="freeze">
-                      <p:stCondLst>
-                        <p:cond delay="indefinite"/>
-                      </p:stCondLst>
-                      <p:childTnLst>
-                        <p:par>
-                          <p:cTn id="34" fill="freeze">
-                            <p:stCondLst>
-                              <p:cond delay="0"/>
-                            </p:stCondLst>
-                            <p:childTnLst>
-                              <p:par>
-                                <p:cTn id="35" nodeType="clickEffect" fill="hold" presetClass="entr" presetID="1">
-                                  <p:stCondLst>
-                                    <p:cond delay="0"/>
-                                  </p:stCondLst>
-                                  <p:childTnLst>
-                                    <p:set>
-                                      <p:cBhvr>
-                                        <p:cTn id="36" dur="1" fill="hold">
-                                          <p:stCondLst>
-                                            <p:cond delay="0"/>
-                                          </p:stCondLst>
-                                        </p:cTn>
-                                        <p:tgtEl>
-                                          <p:spTgt spid="83">
-                                            <p:txEl>
-                                              <p:pRg st="77" end="121"/>
-                                            </p:txEl>
-                                          </p:spTgt>
-                                        </p:tgtEl>
-                                        <p:attrNameLst>
-                                          <p:attrName>style.visibility</p:attrName>
-                                        </p:attrNameLst>
-                                      </p:cBhvr>
-                                      <p:to>
-                                        <p:strVal val="visible"/>
-                                      </p:to>
-                                    </p:set>
-                                  </p:childTnLst>
-                                </p:cTn>
-                              </p:par>
-                            </p:childTnLst>
-                          </p:cTn>
-                        </p:par>
-                      </p:childTnLst>
-                    </p:cTn>
-                  </p:par>
-                  <p:par>
-                    <p:cTn id="37" fill="freeze">
-                      <p:stCondLst>
-                        <p:cond delay="indefinite"/>
-                      </p:stCondLst>
-                      <p:childTnLst>
-                        <p:par>
-                          <p:cTn id="38" fill="freeze">
-                            <p:stCondLst>
-                              <p:cond delay="0"/>
-                            </p:stCondLst>
-                            <p:childTnLst>
-                              <p:par>
-                                <p:cTn id="39" nodeType="clickEffect" fill="hold" presetClass="entr" presetID="1">
-                                  <p:stCondLst>
-                                    <p:cond delay="0"/>
-                                  </p:stCondLst>
-                                  <p:childTnLst>
-                                    <p:set>
-                                      <p:cBhvr>
-                                        <p:cTn id="40" dur="1" fill="hold">
-                                          <p:stCondLst>
-                                            <p:cond delay="0"/>
-                                          </p:stCondLst>
-                                        </p:cTn>
-                                        <p:tgtEl>
-                                          <p:spTgt spid="83">
-                                            <p:txEl>
-                                              <p:pRg st="121" end="159"/>
-                                            </p:txEl>
-                                          </p:spTgt>
-                                        </p:tgtEl>
-                                        <p:attrNameLst>
-                                          <p:attrName>style.visibility</p:attrName>
-                                        </p:attrNameLst>
-                                      </p:cBhvr>
-                                      <p:to>
-                                        <p:strVal val="visible"/>
-                                      </p:to>
-                                    </p:set>
-                                  </p:childTnLst>
-                                </p:cTn>
-                              </p:par>
-                            </p:childTnLst>
-                          </p:cTn>
-                        </p:par>
-                      </p:childTnLst>
-                    </p:cTn>
-                  </p:par>
-                  <p:par>
-                    <p:cTn id="41" fill="freeze">
-                      <p:stCondLst>
-                        <p:cond delay="indefinite"/>
-                      </p:stCondLst>
-                      <p:childTnLst>
-                        <p:par>
-                          <p:cTn id="42" fill="freeze">
-                            <p:stCondLst>
-                              <p:cond delay="0"/>
-                            </p:stCondLst>
-                            <p:childTnLst>
-                              <p:par>
-                                <p:cTn id="43" nodeType="clickEffect" fill="hold" presetClass="entr" presetID="1">
-                                  <p:stCondLst>
-                                    <p:cond delay="0"/>
-                                  </p:stCondLst>
-                                  <p:childTnLst>
-                                    <p:set>
-                                      <p:cBhvr>
-                                        <p:cTn id="44" dur="1" fill="hold">
-                                          <p:stCondLst>
-                                            <p:cond delay="0"/>
-                                          </p:stCondLst>
-                                        </p:cTn>
-                                        <p:tgtEl>
-                                          <p:spTgt spid="83">
-                                            <p:txEl>
-                                              <p:pRg st="159" end="228"/>
-                                            </p:txEl>
-                                          </p:spTgt>
-                                        </p:tgtEl>
-                                        <p:attrNameLst>
-                                          <p:attrName>style.visibility</p:attrName>
-                                        </p:attrNameLst>
-                                      </p:cBhvr>
-                                      <p:to>
-                                        <p:strVal val="visible"/>
-                                      </p:to>
-                                    </p:set>
-                                  </p:childTnLst>
-                                </p:cTn>
-                              </p:par>
-                            </p:childTnLst>
-                          </p:cTn>
-                        </p:par>
-                      </p:childTnLst>
-                    </p:cTn>
-                  </p:par>
-                </p:childTnLst>
-              </p:cTn>
+              <p:cTn id="6" nodeType="mainSeq"/>
               <p:prevCondLst>
                 <p:cond delay="0" evt="onPrev">
                   <p:tgtEl>
@@ -6487,7 +5832,7 @@
         <p:spPr>
           <a:xfrm>
             <a:off x="504000" y="1467720"/>
-            <a:ext cx="9068400" cy="1258920"/>
+            <a:ext cx="9068040" cy="1258560"/>
           </a:xfrm>
           <a:prstGeom prst="rect">
             <a:avLst/>
@@ -6549,7 +5894,7 @@
         <p:spPr>
           <a:xfrm>
             <a:off x="504000" y="2728440"/>
-            <a:ext cx="9068400" cy="4381200"/>
+            <a:ext cx="9068040" cy="4380840"/>
           </a:xfrm>
           <a:prstGeom prst="rect">
             <a:avLst/>
@@ -6568,7 +5913,7 @@
         <p:txBody>
           <a:bodyPr lIns="0" rIns="0" tIns="0" bIns="0"/>
           <a:p>
-            <a:pPr marL="432000" indent="-320760">
+            <a:pPr marL="432000" indent="-320400">
               <a:lnSpc>
                 <a:spcPct val="100000"/>
               </a:lnSpc>
@@ -6607,7 +5952,7 @@
             </a:endParaRPr>
           </a:p>
           <a:p>
-            <a:pPr marL="432000" indent="-320760">
+            <a:pPr marL="432000" indent="-320400">
               <a:lnSpc>
                 <a:spcPct val="100000"/>
               </a:lnSpc>
@@ -6646,7 +5991,7 @@
             </a:endParaRPr>
           </a:p>
           <a:p>
-            <a:pPr marL="432000" indent="-320760">
+            <a:pPr marL="432000" indent="-320400">
               <a:lnSpc>
                 <a:spcPct val="100000"/>
               </a:lnSpc>
@@ -6685,7 +6030,7 @@
             </a:endParaRPr>
           </a:p>
           <a:p>
-            <a:pPr lvl="4" marL="1080000" indent="-216000">
+            <a:pPr lvl="4" marL="1080000" indent="-215640">
               <a:lnSpc>
                 <a:spcPct val="100000"/>
               </a:lnSpc>
@@ -6724,7 +6069,7 @@
             </a:endParaRPr>
           </a:p>
           <a:p>
-            <a:pPr lvl="4" marL="1080000" indent="-216000">
+            <a:pPr lvl="4" marL="1080000" indent="-215640">
               <a:lnSpc>
                 <a:spcPct val="100000"/>
               </a:lnSpc>
@@ -6777,7 +6122,7 @@
         <p:spPr>
           <a:xfrm>
             <a:off x="0" y="0"/>
-            <a:ext cx="10076760" cy="1047240"/>
+            <a:ext cx="10076400" cy="1046880"/>
           </a:xfrm>
           <a:prstGeom prst="rect">
             <a:avLst/>
@@ -6800,7 +6145,7 @@
         <p:spPr>
           <a:xfrm>
             <a:off x="39240" y="0"/>
-            <a:ext cx="1066680" cy="1075320"/>
+            <a:ext cx="1066320" cy="1074960"/>
           </a:xfrm>
           <a:prstGeom prst="rect">
             <a:avLst/>
@@ -6819,7 +6164,7 @@
         <p:spPr>
           <a:xfrm>
             <a:off x="2448000" y="0"/>
-            <a:ext cx="7683840" cy="1061280"/>
+            <a:ext cx="7683480" cy="1060920"/>
           </a:xfrm>
           <a:prstGeom prst="rect">
             <a:avLst/>
@@ -6877,258 +6222,10 @@
   <p:timing>
     <p:tnLst>
       <p:par>
-        <p:cTn id="45" dur="indefinite" restart="never" nodeType="tmRoot">
+        <p:cTn id="7" dur="indefinite" restart="never" nodeType="tmRoot">
           <p:childTnLst>
             <p:seq>
-              <p:cTn id="46" nodeType="mainSeq">
-                <p:childTnLst>
-                  <p:par>
-                    <p:cTn id="47" fill="freeze">
-                      <p:stCondLst>
-                        <p:cond delay="indefinite"/>
-                      </p:stCondLst>
-                      <p:childTnLst>
-                        <p:par>
-                          <p:cTn id="48" fill="freeze">
-                            <p:stCondLst>
-                              <p:cond delay="0"/>
-                            </p:stCondLst>
-                            <p:childTnLst>
-                              <p:par>
-                                <p:cTn id="49" nodeType="clickEffect" fill="hold" presetClass="entr" presetID="1">
-                                  <p:stCondLst>
-                                    <p:cond delay="0"/>
-                                  </p:stCondLst>
-                                  <p:childTnLst>
-                                    <p:set>
-                                      <p:cBhvr>
-                                        <p:cTn id="50" dur="1" fill="hold">
-                                          <p:stCondLst>
-                                            <p:cond delay="0"/>
-                                          </p:stCondLst>
-                                        </p:cTn>
-                                        <p:tgtEl>
-                                          <p:spTgt spid="88">
-                                            <p:txEl>
-                                              <p:pRg st="0" end="22"/>
-                                            </p:txEl>
-                                          </p:spTgt>
-                                        </p:tgtEl>
-                                        <p:attrNameLst>
-                                          <p:attrName>style.visibility</p:attrName>
-                                        </p:attrNameLst>
-                                      </p:cBhvr>
-                                      <p:to>
-                                        <p:strVal val="visible"/>
-                                      </p:to>
-                                    </p:set>
-                                  </p:childTnLst>
-                                </p:cTn>
-                              </p:par>
-                            </p:childTnLst>
-                          </p:cTn>
-                        </p:par>
-                      </p:childTnLst>
-                    </p:cTn>
-                  </p:par>
-                  <p:par>
-                    <p:cTn id="51" fill="freeze">
-                      <p:stCondLst>
-                        <p:cond delay="indefinite"/>
-                      </p:stCondLst>
-                      <p:childTnLst>
-                        <p:par>
-                          <p:cTn id="52" fill="freeze">
-                            <p:stCondLst>
-                              <p:cond delay="0"/>
-                            </p:stCondLst>
-                            <p:childTnLst>
-                              <p:par>
-                                <p:cTn id="53" nodeType="clickEffect" fill="hold" presetClass="entr" presetID="1">
-                                  <p:stCondLst>
-                                    <p:cond delay="0"/>
-                                  </p:stCondLst>
-                                  <p:childTnLst>
-                                    <p:set>
-                                      <p:cBhvr>
-                                        <p:cTn id="54" dur="1" fill="hold">
-                                          <p:stCondLst>
-                                            <p:cond delay="0"/>
-                                          </p:stCondLst>
-                                        </p:cTn>
-                                        <p:tgtEl>
-                                          <p:spTgt spid="88">
-                                            <p:txEl>
-                                              <p:pRg st="22" end="57"/>
-                                            </p:txEl>
-                                          </p:spTgt>
-                                        </p:tgtEl>
-                                        <p:attrNameLst>
-                                          <p:attrName>style.visibility</p:attrName>
-                                        </p:attrNameLst>
-                                      </p:cBhvr>
-                                      <p:to>
-                                        <p:strVal val="visible"/>
-                                      </p:to>
-                                    </p:set>
-                                  </p:childTnLst>
-                                </p:cTn>
-                              </p:par>
-                            </p:childTnLst>
-                          </p:cTn>
-                        </p:par>
-                      </p:childTnLst>
-                    </p:cTn>
-                  </p:par>
-                  <p:par>
-                    <p:cTn id="55" fill="freeze">
-                      <p:stCondLst>
-                        <p:cond delay="indefinite"/>
-                      </p:stCondLst>
-                      <p:childTnLst>
-                        <p:par>
-                          <p:cTn id="56" fill="freeze">
-                            <p:stCondLst>
-                              <p:cond delay="0"/>
-                            </p:stCondLst>
-                            <p:childTnLst>
-                              <p:par>
-                                <p:cTn id="57" nodeType="clickEffect" fill="hold" presetClass="entr" presetID="1">
-                                  <p:stCondLst>
-                                    <p:cond delay="0"/>
-                                  </p:stCondLst>
-                                  <p:childTnLst>
-                                    <p:set>
-                                      <p:cBhvr>
-                                        <p:cTn id="58" dur="1" fill="hold">
-                                          <p:stCondLst>
-                                            <p:cond delay="0"/>
-                                          </p:stCondLst>
-                                        </p:cTn>
-                                        <p:tgtEl>
-                                          <p:spTgt spid="88">
-                                            <p:txEl>
-                                              <p:pRg st="57" end="81"/>
-                                            </p:txEl>
-                                          </p:spTgt>
-                                        </p:tgtEl>
-                                        <p:attrNameLst>
-                                          <p:attrName>style.visibility</p:attrName>
-                                        </p:attrNameLst>
-                                      </p:cBhvr>
-                                      <p:to>
-                                        <p:strVal val="visible"/>
-                                      </p:to>
-                                    </p:set>
-                                  </p:childTnLst>
-                                </p:cTn>
-                              </p:par>
-                            </p:childTnLst>
-                          </p:cTn>
-                        </p:par>
-                      </p:childTnLst>
-                    </p:cTn>
-                  </p:par>
-                  <p:par>
-                    <p:cTn id="59" fill="freeze">
-                      <p:stCondLst>
-                        <p:cond delay="indefinite"/>
-                      </p:stCondLst>
-                      <p:childTnLst>
-                        <p:par>
-                          <p:cTn id="60" fill="freeze">
-                            <p:stCondLst>
-                              <p:cond delay="0"/>
-                            </p:stCondLst>
-                            <p:childTnLst>
-                              <p:par>
-                                <p:cTn id="61" nodeType="clickEffect" fill="hold" presetClass="entr" presetID="1">
-                                  <p:stCondLst>
-                                    <p:cond delay="0"/>
-                                  </p:stCondLst>
-                                  <p:childTnLst>
-                                    <p:set>
-                                      <p:cBhvr>
-                                        <p:cTn id="62" dur="1" fill="hold">
-                                          <p:stCondLst>
-                                            <p:cond delay="0"/>
-                                          </p:stCondLst>
-                                        </p:cTn>
-                                        <p:tgtEl>
-                                          <p:spTgt spid="88">
-                                            <p:txEl>
-                                              <p:pRg st="81" end="118"/>
-                                            </p:txEl>
-                                          </p:spTgt>
-                                        </p:tgtEl>
-                                        <p:attrNameLst>
-                                          <p:attrName>style.visibility</p:attrName>
-                                        </p:attrNameLst>
-                                      </p:cBhvr>
-                                      <p:to>
-                                        <p:strVal val="visible"/>
-                                      </p:to>
-                                    </p:set>
-                                  </p:childTnLst>
-                                </p:cTn>
-                              </p:par>
-                            </p:childTnLst>
-                          </p:cTn>
-                        </p:par>
-                      </p:childTnLst>
-                    </p:cTn>
-                  </p:par>
-                  <p:par>
-                    <p:cTn id="63" fill="freeze">
-                      <p:stCondLst>
-                        <p:cond delay="indefinite"/>
-                      </p:stCondLst>
-                      <p:childTnLst>
-                        <p:par>
-                          <p:cTn id="64" fill="freeze">
-                            <p:stCondLst>
-                              <p:cond delay="0"/>
-                            </p:stCondLst>
-                            <p:childTnLst>
-                              <p:par>
-                                <p:cTn id="65" nodeType="clickEffect" fill="hold" presetClass="entr" presetID="1">
-                                  <p:stCondLst>
-                                    <p:cond delay="0"/>
-                                  </p:stCondLst>
-                                  <p:childTnLst>
-                                    <p:set>
-                                      <p:cBhvr>
-                                        <p:cTn id="66" dur="1" fill="hold">
-                                          <p:stCondLst>
-                                            <p:cond delay="0"/>
-                                          </p:stCondLst>
-                                        </p:cTn>
-                                        <p:tgtEl>
-                                          <p:spTgt spid="88">
-                                            <p:txEl>
-                                              <p:pRg st="118" end="137"/>
-                                            </p:txEl>
-                                          </p:spTgt>
-                                        </p:tgtEl>
-                                        <p:attrNameLst>
-                                          <p:attrName>style.visibility</p:attrName>
-                                        </p:attrNameLst>
-                                      </p:cBhvr>
-                                      <p:to>
-                                        <p:strVal val="visible"/>
-                                      </p:to>
-                                    </p:set>
-                                  </p:childTnLst>
-                                </p:cTn>
-                              </p:par>
-                            </p:childTnLst>
-                          </p:cTn>
-                        </p:par>
-                      </p:childTnLst>
-                    </p:cTn>
-                  </p:par>
-                </p:childTnLst>
-              </p:cTn>
+              <p:cTn id="8" nodeType="mainSeq"/>
               <p:prevCondLst>
                 <p:cond delay="0" evt="onPrev">
                   <p:tgtEl>
@@ -7178,7 +6275,7 @@
         <p:spPr>
           <a:xfrm>
             <a:off x="504000" y="1404360"/>
-            <a:ext cx="9068760" cy="3165120"/>
+            <a:ext cx="9068400" cy="3164760"/>
           </a:xfrm>
           <a:prstGeom prst="rect">
             <a:avLst/>
@@ -7277,7 +6374,7 @@
         <p:spPr>
           <a:xfrm>
             <a:off x="0" y="0"/>
-            <a:ext cx="10077120" cy="1047600"/>
+            <a:ext cx="10076760" cy="1047240"/>
           </a:xfrm>
           <a:prstGeom prst="rect">
             <a:avLst/>
@@ -7300,7 +6397,7 @@
         <p:spPr>
           <a:xfrm>
             <a:off x="39240" y="0"/>
-            <a:ext cx="1067040" cy="1075680"/>
+            <a:ext cx="1066680" cy="1075320"/>
           </a:xfrm>
           <a:prstGeom prst="rect">
             <a:avLst/>
@@ -7323,7 +6420,7 @@
         <p:spPr>
           <a:xfrm>
             <a:off x="3718440" y="4659840"/>
-            <a:ext cx="2640240" cy="2661120"/>
+            <a:ext cx="2639880" cy="2660760"/>
           </a:xfrm>
           <a:prstGeom prst="rect">
             <a:avLst/>
@@ -7342,7 +6439,7 @@
         <p:spPr>
           <a:xfrm>
             <a:off x="2448000" y="0"/>
-            <a:ext cx="7683840" cy="1061280"/>
+            <a:ext cx="7683480" cy="1060920"/>
           </a:xfrm>
           <a:prstGeom prst="rect">
             <a:avLst/>
@@ -7400,10 +6497,10 @@
   <p:timing>
     <p:tnLst>
       <p:par>
-        <p:cTn id="67" dur="indefinite" restart="never" nodeType="tmRoot">
+        <p:cTn id="9" dur="indefinite" restart="never" nodeType="tmRoot">
           <p:childTnLst>
             <p:seq>
-              <p:cTn id="68" nodeType="mainSeq"/>
+              <p:cTn id="10" nodeType="mainSeq"/>
               <p:prevCondLst>
                 <p:cond delay="0" evt="onPrev">
                   <p:tgtEl>
@@ -7453,7 +6550,7 @@
         <p:spPr>
           <a:xfrm>
             <a:off x="504000" y="1467720"/>
-            <a:ext cx="9068400" cy="1258920"/>
+            <a:ext cx="9068040" cy="1258560"/>
           </a:xfrm>
           <a:prstGeom prst="rect">
             <a:avLst/>
@@ -7515,7 +6612,7 @@
         <p:spPr>
           <a:xfrm>
             <a:off x="504000" y="2728440"/>
-            <a:ext cx="9068400" cy="4381200"/>
+            <a:ext cx="9068040" cy="4380840"/>
           </a:xfrm>
           <a:prstGeom prst="rect">
             <a:avLst/>
@@ -7534,7 +6631,7 @@
         <p:txBody>
           <a:bodyPr lIns="0" rIns="0" tIns="0" bIns="0"/>
           <a:p>
-            <a:pPr marL="432000" indent="-320760">
+            <a:pPr marL="432000" indent="-320400">
               <a:lnSpc>
                 <a:spcPct val="100000"/>
               </a:lnSpc>
@@ -7604,7 +6701,7 @@
             </a:endParaRPr>
           </a:p>
           <a:p>
-            <a:pPr marL="432000" indent="-320760">
+            <a:pPr marL="432000" indent="-320400">
               <a:lnSpc>
                 <a:spcPct val="100000"/>
               </a:lnSpc>
@@ -7673,7 +6770,7 @@
             </a:endParaRPr>
           </a:p>
           <a:p>
-            <a:pPr lvl="4" marL="1080000" indent="-214920">
+            <a:pPr lvl="4" marL="1080000" indent="-214560">
               <a:lnSpc>
                 <a:spcPct val="100000"/>
               </a:lnSpc>
@@ -7697,7 +6794,7 @@
                 <a:latin typeface="Arial"/>
                 <a:ea typeface="DejaVu Sans"/>
               </a:rPr>
-              <a:t>14</a:t>
+              <a:t>7</a:t>
             </a:r>
             <a:r>
               <a:rPr b="0" lang="en-GB" sz="2800" spc="-1" strike="noStrike" baseline="101000">
@@ -7742,7 +6839,7 @@
             </a:endParaRPr>
           </a:p>
           <a:p>
-            <a:pPr lvl="4" marL="1080000" indent="-214920">
+            <a:pPr lvl="4" marL="1080000" indent="-214560">
               <a:lnSpc>
                 <a:spcPct val="100000"/>
               </a:lnSpc>
@@ -7766,7 +6863,7 @@
                 <a:latin typeface="Arial"/>
                 <a:ea typeface="DejaVu Sans"/>
               </a:rPr>
-              <a:t>21</a:t>
+              <a:t>14</a:t>
             </a:r>
             <a:r>
               <a:rPr b="0" lang="en-GB" sz="2800" spc="-1" strike="noStrike" baseline="101000">
@@ -7781,7 +6878,7 @@
                 <a:latin typeface="Arial"/>
                 <a:ea typeface="DejaVu Sans"/>
               </a:rPr>
-              <a:t>st</a:t>
+              <a:t>th</a:t>
             </a:r>
             <a:r>
               <a:rPr b="0" lang="en-GB" sz="2800" spc="-1" strike="noStrike">
@@ -7811,7 +6908,7 @@
             </a:endParaRPr>
           </a:p>
           <a:p>
-            <a:pPr lvl="4" marL="1080000" indent="-214920">
+            <a:pPr lvl="4" marL="1080000" indent="-214560">
               <a:lnSpc>
                 <a:spcPct val="100000"/>
               </a:lnSpc>
@@ -7835,7 +6932,7 @@
                 <a:latin typeface="Arial"/>
                 <a:ea typeface="DejaVu Sans"/>
               </a:rPr>
-              <a:t>28</a:t>
+              <a:t>21</a:t>
             </a:r>
             <a:r>
               <a:rPr b="0" lang="en-GB" sz="2800" spc="-1" strike="noStrike" baseline="101000">
@@ -7850,7 +6947,7 @@
                 <a:latin typeface="Arial"/>
                 <a:ea typeface="DejaVu Sans"/>
               </a:rPr>
-              <a:t>th</a:t>
+              <a:t>st</a:t>
             </a:r>
             <a:r>
               <a:rPr b="0" lang="en-GB" sz="2800" spc="-1" strike="noStrike">
@@ -7865,37 +6962,7 @@
                 <a:latin typeface="Arial"/>
                 <a:ea typeface="DejaVu Sans"/>
               </a:rPr>
-              <a:t> February 2018 – </a:t>
-            </a:r>
-            <a:r>
-              <a:rPr b="1" lang="en-GB" sz="2800" spc="-1" strike="noStrike" u="sng">
-                <a:solidFill>
-                  <a:srgbClr val="000000"/>
-                </a:solidFill>
-                <a:uFill>
-                  <a:solidFill>
-                    <a:srgbClr val="ffffff"/>
-                  </a:solidFill>
-                </a:uFill>
-                <a:latin typeface="Arial"/>
-                <a:ea typeface="DejaVu Sans"/>
-              </a:rPr>
-              <a:t>DEADLINE </a:t>
-            </a:r>
-            <a:r>
-              <a:rPr b="1" lang="en-GB" sz="2400" spc="-1" strike="noStrike" u="sng">
-                <a:solidFill>
-                  <a:srgbClr val="000000"/>
-                </a:solidFill>
-                <a:uFill>
-                  <a:solidFill>
-                    <a:srgbClr val="ffffff"/>
-                  </a:solidFill>
-                </a:uFill>
-                <a:latin typeface="Arial"/>
-                <a:ea typeface="DejaVu Sans"/>
-              </a:rPr>
-              <a:t>(sooner the better)</a:t>
+              <a:t> February 2018</a:t>
             </a:r>
             <a:endParaRPr b="0" lang="en-GB" sz="1800" spc="-1" strike="noStrike">
               <a:solidFill>
@@ -7910,7 +6977,7 @@
             </a:endParaRPr>
           </a:p>
           <a:p>
-            <a:pPr marL="432000" indent="-320760">
+            <a:pPr lvl="4" marL="1080000" indent="-214560">
               <a:lnSpc>
                 <a:spcPct val="100000"/>
               </a:lnSpc>
@@ -7934,6 +7001,105 @@
                 <a:latin typeface="Arial"/>
                 <a:ea typeface="DejaVu Sans"/>
               </a:rPr>
+              <a:t>28</a:t>
+            </a:r>
+            <a:r>
+              <a:rPr b="0" lang="en-GB" sz="2800" spc="-1" strike="noStrike" baseline="101000">
+                <a:solidFill>
+                  <a:srgbClr val="000000"/>
+                </a:solidFill>
+                <a:uFill>
+                  <a:solidFill>
+                    <a:srgbClr val="ffffff"/>
+                  </a:solidFill>
+                </a:uFill>
+                <a:latin typeface="Arial"/>
+                <a:ea typeface="DejaVu Sans"/>
+              </a:rPr>
+              <a:t>th</a:t>
+            </a:r>
+            <a:r>
+              <a:rPr b="0" lang="en-GB" sz="2800" spc="-1" strike="noStrike">
+                <a:solidFill>
+                  <a:srgbClr val="000000"/>
+                </a:solidFill>
+                <a:uFill>
+                  <a:solidFill>
+                    <a:srgbClr val="ffffff"/>
+                  </a:solidFill>
+                </a:uFill>
+                <a:latin typeface="Arial"/>
+                <a:ea typeface="DejaVu Sans"/>
+              </a:rPr>
+              <a:t> February 2018 – </a:t>
+            </a:r>
+            <a:r>
+              <a:rPr b="1" lang="en-GB" sz="2800" spc="-1" strike="noStrike" u="sng">
+                <a:solidFill>
+                  <a:srgbClr val="000000"/>
+                </a:solidFill>
+                <a:uFill>
+                  <a:solidFill>
+                    <a:srgbClr val="ffffff"/>
+                  </a:solidFill>
+                </a:uFill>
+                <a:latin typeface="Arial"/>
+                <a:ea typeface="DejaVu Sans"/>
+              </a:rPr>
+              <a:t>DEADLINE </a:t>
+            </a:r>
+            <a:r>
+              <a:rPr b="1" lang="en-GB" sz="2400" spc="-1" strike="noStrike" u="sng">
+                <a:solidFill>
+                  <a:srgbClr val="000000"/>
+                </a:solidFill>
+                <a:uFill>
+                  <a:solidFill>
+                    <a:srgbClr val="ffffff"/>
+                  </a:solidFill>
+                </a:uFill>
+                <a:latin typeface="Arial"/>
+                <a:ea typeface="DejaVu Sans"/>
+              </a:rPr>
+              <a:t>(sooner the better)</a:t>
+            </a:r>
+            <a:endParaRPr b="0" lang="en-GB" sz="1800" spc="-1" strike="noStrike">
+              <a:solidFill>
+                <a:srgbClr val="000000"/>
+              </a:solidFill>
+              <a:uFill>
+                <a:solidFill>
+                  <a:srgbClr val="ffffff"/>
+                </a:solidFill>
+              </a:uFill>
+              <a:latin typeface="Arial"/>
+            </a:endParaRPr>
+          </a:p>
+          <a:p>
+            <a:pPr marL="432000" indent="-320400">
+              <a:lnSpc>
+                <a:spcPct val="100000"/>
+              </a:lnSpc>
+              <a:buClr>
+                <a:srgbClr val="000000"/>
+              </a:buClr>
+              <a:buSzPct val="45000"/>
+              <a:buFont typeface="Wingdings" charset="2"/>
+              <a:buChar char=""/>
+            </a:pPr>
+            <a:r>
+              <a:rPr b="0" lang="en-GB" sz="2800" spc="-1" strike="noStrike">
+                <a:solidFill>
+                  <a:srgbClr val="000000"/>
+                </a:solidFill>
+                <a:uFill>
+                  <a:solidFill>
+                    <a:srgbClr val="ffffff"/>
+                  </a:solidFill>
+                </a:uFill>
+                <a:latin typeface="Arial"/>
+                <a:ea typeface="DejaVu Sans"/>
+              </a:rPr>
               <a:t>Phoebe will be managing the orders</a:t>
             </a:r>
             <a:endParaRPr b="0" lang="en-GB" sz="1800" spc="-1" strike="noStrike">
@@ -7949,7 +7115,7 @@
             </a:endParaRPr>
           </a:p>
           <a:p>
-            <a:pPr marL="432000" indent="-320760">
+            <a:pPr marL="432000" indent="-320400">
               <a:lnSpc>
                 <a:spcPct val="100000"/>
               </a:lnSpc>
@@ -8002,7 +7168,7 @@
         <p:spPr>
           <a:xfrm>
             <a:off x="0" y="0"/>
-            <a:ext cx="10076760" cy="1047240"/>
+            <a:ext cx="10076400" cy="1046880"/>
           </a:xfrm>
           <a:prstGeom prst="rect">
             <a:avLst/>
@@ -8025,7 +7191,7 @@
         <p:spPr>
           <a:xfrm>
             <a:off x="39240" y="0"/>
-            <a:ext cx="1066680" cy="1075320"/>
+            <a:ext cx="1066320" cy="1074960"/>
           </a:xfrm>
           <a:prstGeom prst="rect">
             <a:avLst/>
@@ -8044,7 +7210,7 @@
         <p:spPr>
           <a:xfrm>
             <a:off x="2448000" y="0"/>
-            <a:ext cx="7683840" cy="1061280"/>
+            <a:ext cx="7683480" cy="1060920"/>
           </a:xfrm>
           <a:prstGeom prst="rect">
             <a:avLst/>
@@ -8102,320 +7268,10 @@
   <p:timing>
     <p:tnLst>
       <p:par>
-        <p:cTn id="69" dur="indefinite" restart="never" nodeType="tmRoot">
+        <p:cTn id="11" dur="indefinite" restart="never" nodeType="tmRoot">
           <p:childTnLst>
             <p:seq>
-              <p:cTn id="70" nodeType="mainSeq">
-                <p:childTnLst>
-                  <p:par>
-                    <p:cTn id="71" fill="freeze">
-                      <p:stCondLst>
-                        <p:cond delay="indefinite"/>
-                      </p:stCondLst>
-                      <p:childTnLst>
-                        <p:par>
-                          <p:cTn id="72" fill="freeze">
-                            <p:stCondLst>
-                              <p:cond delay="0"/>
-                            </p:stCondLst>
-                            <p:childTnLst>
-                              <p:par>
-                                <p:cTn id="73" nodeType="clickEffect" fill="hold" presetClass="entr" presetID="1">
-                                  <p:stCondLst>
-                                    <p:cond delay="0"/>
-                                  </p:stCondLst>
-                                  <p:childTnLst>
-                                    <p:set>
-                                      <p:cBhvr>
-                                        <p:cTn id="74" dur="1" fill="hold">
-                                          <p:stCondLst>
-                                            <p:cond delay="0"/>
-                                          </p:stCondLst>
-                                        </p:cTn>
-                                        <p:tgtEl>
-                                          <p:spTgt spid="98">
-                                            <p:txEl>
-                                              <p:pRg st="0" end="61"/>
-                                            </p:txEl>
-                                          </p:spTgt>
-                                        </p:tgtEl>
-                                        <p:attrNameLst>
-                                          <p:attrName>style.visibility</p:attrName>
-                                        </p:attrNameLst>
-                                      </p:cBhvr>
-                                      <p:to>
-                                        <p:strVal val="visible"/>
-                                      </p:to>
-                                    </p:set>
-                                  </p:childTnLst>
-                                </p:cTn>
-                              </p:par>
-                            </p:childTnLst>
-                          </p:cTn>
-                        </p:par>
-                      </p:childTnLst>
-                    </p:cTn>
-                  </p:par>
-                  <p:par>
-                    <p:cTn id="75" fill="freeze">
-                      <p:stCondLst>
-                        <p:cond delay="indefinite"/>
-                      </p:stCondLst>
-                      <p:childTnLst>
-                        <p:par>
-                          <p:cTn id="76" fill="freeze">
-                            <p:stCondLst>
-                              <p:cond delay="0"/>
-                            </p:stCondLst>
-                            <p:childTnLst>
-                              <p:par>
-                                <p:cTn id="77" nodeType="clickEffect" fill="hold" presetClass="entr" presetID="1">
-                                  <p:stCondLst>
-                                    <p:cond delay="0"/>
-                                  </p:stCondLst>
-                                  <p:childTnLst>
-                                    <p:set>
-                                      <p:cBhvr>
-                                        <p:cTn id="78" dur="1" fill="hold">
-                                          <p:stCondLst>
-                                            <p:cond delay="0"/>
-                                          </p:stCondLst>
-                                        </p:cTn>
-                                        <p:tgtEl>
-                                          <p:spTgt spid="98">
-                                            <p:txEl>
-                                              <p:pRg st="61" end="108"/>
-                                            </p:txEl>
-                                          </p:spTgt>
-                                        </p:tgtEl>
-                                        <p:attrNameLst>
-                                          <p:attrName>style.visibility</p:attrName>
-                                        </p:attrNameLst>
-                                      </p:cBhvr>
-                                      <p:to>
-                                        <p:strVal val="visible"/>
-                                      </p:to>
-                                    </p:set>
-                                  </p:childTnLst>
-                                </p:cTn>
-                              </p:par>
-                            </p:childTnLst>
-                          </p:cTn>
-                        </p:par>
-                      </p:childTnLst>
-                    </p:cTn>
-                  </p:par>
-                  <p:par>
-                    <p:cTn id="79" fill="freeze">
-                      <p:stCondLst>
-                        <p:cond delay="indefinite"/>
-                      </p:stCondLst>
-                      <p:childTnLst>
-                        <p:par>
-                          <p:cTn id="80" fill="freeze">
-                            <p:stCondLst>
-                              <p:cond delay="0"/>
-                            </p:stCondLst>
-                            <p:childTnLst>
-                              <p:par>
-                                <p:cTn id="81" nodeType="clickEffect" fill="hold" presetClass="entr" presetID="1">
-                                  <p:stCondLst>
-                                    <p:cond delay="0"/>
-                                  </p:stCondLst>
-                                  <p:childTnLst>
-                                    <p:set>
-                                      <p:cBhvr>
-                                        <p:cTn id="82" dur="1" fill="hold">
-                                          <p:stCondLst>
-                                            <p:cond delay="0"/>
-                                          </p:stCondLst>
-                                        </p:cTn>
-                                        <p:tgtEl>
-                                          <p:spTgt spid="98">
-                                            <p:txEl>
-                                              <p:pRg st="108" end="127"/>
-                                            </p:txEl>
-                                          </p:spTgt>
-                                        </p:tgtEl>
-                                        <p:attrNameLst>
-                                          <p:attrName>style.visibility</p:attrName>
-                                        </p:attrNameLst>
-                                      </p:cBhvr>
-                                      <p:to>
-                                        <p:strVal val="visible"/>
-                                      </p:to>
-                                    </p:set>
-                                  </p:childTnLst>
-                                </p:cTn>
-                              </p:par>
-                              <p:par>
-                                <p:cTn id="83" nodeType="withEffect" fill="hold" presetClass="entr" presetID="1">
-                                  <p:stCondLst>
-                                    <p:cond delay="0"/>
-                                  </p:stCondLst>
-                                  <p:childTnLst>
-                                    <p:set>
-                                      <p:cBhvr>
-                                        <p:cTn id="84" dur="1" fill="hold">
-                                          <p:stCondLst>
-                                            <p:cond delay="0"/>
-                                          </p:stCondLst>
-                                        </p:cTn>
-                                        <p:tgtEl>
-                                          <p:spTgt spid="98">
-                                            <p:txEl>
-                                              <p:pRg st="127" end="146"/>
-                                            </p:txEl>
-                                          </p:spTgt>
-                                        </p:tgtEl>
-                                        <p:attrNameLst>
-                                          <p:attrName>style.visibility</p:attrName>
-                                        </p:attrNameLst>
-                                      </p:cBhvr>
-                                      <p:to>
-                                        <p:strVal val="visible"/>
-                                      </p:to>
-                                    </p:set>
-                                  </p:childTnLst>
-                                </p:cTn>
-                              </p:par>
-                              <p:par>
-                                <p:cTn id="85" nodeType="withEffect" fill="hold" presetClass="entr" presetID="1">
-                                  <p:stCondLst>
-                                    <p:cond delay="0"/>
-                                  </p:stCondLst>
-                                  <p:childTnLst>
-                                    <p:set>
-                                      <p:cBhvr>
-                                        <p:cTn id="86" dur="1" fill="hold">
-                                          <p:stCondLst>
-                                            <p:cond delay="0"/>
-                                          </p:stCondLst>
-                                        </p:cTn>
-                                        <p:tgtEl>
-                                          <p:spTgt spid="98">
-                                            <p:txEl>
-                                              <p:pRg st="146" end="196"/>
-                                            </p:txEl>
-                                          </p:spTgt>
-                                        </p:tgtEl>
-                                        <p:attrNameLst>
-                                          <p:attrName>style.visibility</p:attrName>
-                                        </p:attrNameLst>
-                                      </p:cBhvr>
-                                      <p:to>
-                                        <p:strVal val="visible"/>
-                                      </p:to>
-                                    </p:set>
-                                  </p:childTnLst>
-                                </p:cTn>
-                              </p:par>
-                            </p:childTnLst>
-                          </p:cTn>
-                        </p:par>
-                      </p:childTnLst>
-                    </p:cTn>
-                  </p:par>
-                  <p:par>
-                    <p:cTn id="87" fill="freeze">
-                      <p:stCondLst>
-                        <p:cond delay="indefinite"/>
-                      </p:stCondLst>
-                      <p:childTnLst>
-                        <p:par>
-                          <p:cTn id="88" fill="freeze">
-                            <p:stCondLst>
-                              <p:cond delay="0"/>
-                            </p:stCondLst>
-                            <p:childTnLst>
-                              <p:par>
-                                <p:cTn id="89" nodeType="clickEffect" fill="hold" presetClass="entr" presetID="1">
-                                  <p:stCondLst>
-                                    <p:cond delay="0"/>
-                                  </p:stCondLst>
-                                  <p:childTnLst>
-                                    <p:set>
-                                      <p:cBhvr>
-                                        <p:cTn id="90" dur="1" fill="hold">
-                                          <p:stCondLst>
-                                            <p:cond delay="0"/>
-                                          </p:stCondLst>
-                                        </p:cTn>
-                                        <p:tgtEl>
-                                          <p:spTgt spid="98">
-                                            <p:txEl>
-                                              <p:pRg st="196" end="231"/>
-                                            </p:txEl>
-                                          </p:spTgt>
-                                        </p:tgtEl>
-                                        <p:attrNameLst>
-                                          <p:attrName>style.visibility</p:attrName>
-                                        </p:attrNameLst>
-                                      </p:cBhvr>
-                                      <p:to>
-                                        <p:strVal val="visible"/>
-                                      </p:to>
-                                    </p:set>
-                                  </p:childTnLst>
-                                </p:cTn>
-                              </p:par>
-                            </p:childTnLst>
-                          </p:cTn>
-                        </p:par>
-                      </p:childTnLst>
-                    </p:cTn>
-                  </p:par>
-                  <p:par>
-                    <p:cTn id="91" fill="freeze">
-                      <p:stCondLst>
-                        <p:cond delay="indefinite"/>
-                      </p:stCondLst>
-                      <p:childTnLst>
-                        <p:par>
-                          <p:cTn id="92" fill="freeze">
-                            <p:stCondLst>
-                              <p:cond delay="0"/>
-                            </p:stCondLst>
-                            <p:childTnLst>
-                              <p:par>
-                                <p:cTn id="93" nodeType="clickEffect" fill="hold" presetClass="entr" presetID="1">
-                                  <p:stCondLst>
-                                    <p:cond delay="0"/>
-                                  </p:stCondLst>
-                                  <p:childTnLst>
-                                    <p:set>
-                                      <p:cBhvr>
-                                        <p:cTn id="94" dur="1" fill="hold">
-                                          <p:stCondLst>
-                                            <p:cond delay="0"/>
-                                          </p:stCondLst>
-                                        </p:cTn>
-                                        <p:tgtEl>
-                                          <p:spTgt spid="98">
-                                            <p:txEl>
-                                              <p:pRg st="231" end="293"/>
-                                            </p:txEl>
-                                          </p:spTgt>
-                                        </p:tgtEl>
-                                        <p:attrNameLst>
-                                          <p:attrName>style.visibility</p:attrName>
-                                        </p:attrNameLst>
-                                      </p:cBhvr>
-                                      <p:to>
-                                        <p:strVal val="visible"/>
-                                      </p:to>
-                                    </p:set>
-                                  </p:childTnLst>
-                                </p:cTn>
-                              </p:par>
-                            </p:childTnLst>
-                          </p:cTn>
-                        </p:par>
-                      </p:childTnLst>
-                    </p:cTn>
-                  </p:par>
-                </p:childTnLst>
-              </p:cTn>
+              <p:cTn id="12" nodeType="mainSeq"/>
               <p:prevCondLst>
                 <p:cond delay="0" evt="onPrev">
                   <p:tgtEl>
@@ -8465,7 +7321,7 @@
         <p:spPr>
           <a:xfrm>
             <a:off x="504000" y="1467720"/>
-            <a:ext cx="9068400" cy="1258920"/>
+            <a:ext cx="9068040" cy="1258560"/>
           </a:xfrm>
           <a:prstGeom prst="rect">
             <a:avLst/>
@@ -8527,7 +7383,7 @@
         <p:spPr>
           <a:xfrm>
             <a:off x="504000" y="2728440"/>
-            <a:ext cx="9068400" cy="4381200"/>
+            <a:ext cx="9068040" cy="4380840"/>
           </a:xfrm>
           <a:prstGeom prst="rect">
             <a:avLst/>
@@ -8546,7 +7402,7 @@
         <p:txBody>
           <a:bodyPr lIns="0" rIns="0" tIns="0" bIns="0"/>
           <a:p>
-            <a:pPr marL="432000" indent="-320760">
+            <a:pPr marL="432000" indent="-320400">
               <a:lnSpc>
                 <a:spcPct val="100000"/>
               </a:lnSpc>
@@ -8585,7 +7441,7 @@
             </a:endParaRPr>
           </a:p>
           <a:p>
-            <a:pPr marL="432000" indent="-320760">
+            <a:pPr marL="432000" indent="-320400">
               <a:lnSpc>
                 <a:spcPct val="100000"/>
               </a:lnSpc>
@@ -8654,7 +7510,7 @@
             </a:endParaRPr>
           </a:p>
           <a:p>
-            <a:pPr marL="432000" indent="-320760">
+            <a:pPr marL="432000" indent="-320400">
               <a:lnSpc>
                 <a:spcPct val="100000"/>
               </a:lnSpc>
@@ -8693,7 +7549,7 @@
             </a:endParaRPr>
           </a:p>
           <a:p>
-            <a:pPr marL="432000" indent="-320760">
+            <a:pPr marL="432000" indent="-320400">
               <a:lnSpc>
                 <a:spcPct val="100000"/>
               </a:lnSpc>
@@ -8732,7 +7588,7 @@
             </a:endParaRPr>
           </a:p>
           <a:p>
-            <a:pPr marL="432000" indent="-320760" algn="ctr">
+            <a:pPr marL="432000" indent="-320400" algn="ctr">
               <a:lnSpc>
                 <a:spcPct val="100000"/>
               </a:lnSpc>
@@ -8771,7 +7627,7 @@
             </a:endParaRPr>
           </a:p>
           <a:p>
-            <a:pPr marL="432000" indent="-320760" algn="ctr">
+            <a:pPr marL="432000" indent="-320400" algn="ctr">
               <a:lnSpc>
                 <a:spcPct val="100000"/>
               </a:lnSpc>
@@ -8840,7 +7696,7 @@
         <p:spPr>
           <a:xfrm>
             <a:off x="0" y="0"/>
-            <a:ext cx="10076760" cy="1047240"/>
+            <a:ext cx="10076400" cy="1046880"/>
           </a:xfrm>
           <a:prstGeom prst="rect">
             <a:avLst/>
@@ -8863,7 +7719,7 @@
         <p:spPr>
           <a:xfrm>
             <a:off x="39240" y="0"/>
-            <a:ext cx="1066680" cy="1075320"/>
+            <a:ext cx="1066320" cy="1074960"/>
           </a:xfrm>
           <a:prstGeom prst="rect">
             <a:avLst/>
@@ -8882,7 +7738,7 @@
         <p:spPr>
           <a:xfrm>
             <a:off x="2448000" y="0"/>
-            <a:ext cx="7683840" cy="1061280"/>
+            <a:ext cx="7683480" cy="1060920"/>
           </a:xfrm>
           <a:prstGeom prst="rect">
             <a:avLst/>
@@ -8940,289 +7796,10 @@
   <p:timing>
     <p:tnLst>
       <p:par>
-        <p:cTn id="95" dur="indefinite" restart="never" nodeType="tmRoot">
+        <p:cTn id="13" dur="indefinite" restart="never" nodeType="tmRoot">
           <p:childTnLst>
             <p:seq>
-              <p:cTn id="96" nodeType="mainSeq">
-                <p:childTnLst>
-                  <p:par>
-                    <p:cTn id="97" fill="freeze">
-                      <p:stCondLst>
-                        <p:cond delay="indefinite"/>
-                      </p:stCondLst>
-                      <p:childTnLst>
-                        <p:par>
-                          <p:cTn id="98" fill="freeze">
-                            <p:stCondLst>
-                              <p:cond delay="0"/>
-                            </p:stCondLst>
-                            <p:childTnLst>
-                              <p:par>
-                                <p:cTn id="99" nodeType="clickEffect" fill="hold" presetClass="entr" presetID="1">
-                                  <p:stCondLst>
-                                    <p:cond delay="0"/>
-                                  </p:stCondLst>
-                                  <p:childTnLst>
-                                    <p:set>
-                                      <p:cBhvr>
-                                        <p:cTn id="100" dur="1" fill="hold">
-                                          <p:stCondLst>
-                                            <p:cond delay="0"/>
-                                          </p:stCondLst>
-                                        </p:cTn>
-                                        <p:tgtEl>
-                                          <p:spTgt spid="103">
-                                            <p:txEl>
-                                              <p:pRg st="0" end="23"/>
-                                            </p:txEl>
-                                          </p:spTgt>
-                                        </p:tgtEl>
-                                        <p:attrNameLst>
-                                          <p:attrName>style.visibility</p:attrName>
-                                        </p:attrNameLst>
-                                      </p:cBhvr>
-                                      <p:to>
-                                        <p:strVal val="visible"/>
-                                      </p:to>
-                                    </p:set>
-                                  </p:childTnLst>
-                                </p:cTn>
-                              </p:par>
-                            </p:childTnLst>
-                          </p:cTn>
-                        </p:par>
-                      </p:childTnLst>
-                    </p:cTn>
-                  </p:par>
-                  <p:par>
-                    <p:cTn id="101" fill="freeze">
-                      <p:stCondLst>
-                        <p:cond delay="indefinite"/>
-                      </p:stCondLst>
-                      <p:childTnLst>
-                        <p:par>
-                          <p:cTn id="102" fill="freeze">
-                            <p:stCondLst>
-                              <p:cond delay="0"/>
-                            </p:stCondLst>
-                            <p:childTnLst>
-                              <p:par>
-                                <p:cTn id="103" nodeType="clickEffect" fill="hold" presetClass="entr" presetID="1">
-                                  <p:stCondLst>
-                                    <p:cond delay="0"/>
-                                  </p:stCondLst>
-                                  <p:childTnLst>
-                                    <p:set>
-                                      <p:cBhvr>
-                                        <p:cTn id="104" dur="1" fill="hold">
-                                          <p:stCondLst>
-                                            <p:cond delay="0"/>
-                                          </p:stCondLst>
-                                        </p:cTn>
-                                        <p:tgtEl>
-                                          <p:spTgt spid="103">
-                                            <p:txEl>
-                                              <p:pRg st="23" end="42"/>
-                                            </p:txEl>
-                                          </p:spTgt>
-                                        </p:tgtEl>
-                                        <p:attrNameLst>
-                                          <p:attrName>style.visibility</p:attrName>
-                                        </p:attrNameLst>
-                                      </p:cBhvr>
-                                      <p:to>
-                                        <p:strVal val="visible"/>
-                                      </p:to>
-                                    </p:set>
-                                  </p:childTnLst>
-                                </p:cTn>
-                              </p:par>
-                            </p:childTnLst>
-                          </p:cTn>
-                        </p:par>
-                      </p:childTnLst>
-                    </p:cTn>
-                  </p:par>
-                  <p:par>
-                    <p:cTn id="105" fill="freeze">
-                      <p:stCondLst>
-                        <p:cond delay="indefinite"/>
-                      </p:stCondLst>
-                      <p:childTnLst>
-                        <p:par>
-                          <p:cTn id="106" fill="freeze">
-                            <p:stCondLst>
-                              <p:cond delay="0"/>
-                            </p:stCondLst>
-                            <p:childTnLst>
-                              <p:par>
-                                <p:cTn id="107" nodeType="clickEffect" fill="hold" presetClass="entr" presetID="1">
-                                  <p:stCondLst>
-                                    <p:cond delay="0"/>
-                                  </p:stCondLst>
-                                  <p:childTnLst>
-                                    <p:set>
-                                      <p:cBhvr>
-                                        <p:cTn id="108" dur="1" fill="hold">
-                                          <p:stCondLst>
-                                            <p:cond delay="0"/>
-                                          </p:stCondLst>
-                                        </p:cTn>
-                                        <p:tgtEl>
-                                          <p:spTgt spid="103">
-                                            <p:txEl>
-                                              <p:pRg st="42" end="73"/>
-                                            </p:txEl>
-                                          </p:spTgt>
-                                        </p:tgtEl>
-                                        <p:attrNameLst>
-                                          <p:attrName>style.visibility</p:attrName>
-                                        </p:attrNameLst>
-                                      </p:cBhvr>
-                                      <p:to>
-                                        <p:strVal val="visible"/>
-                                      </p:to>
-                                    </p:set>
-                                  </p:childTnLst>
-                                </p:cTn>
-                              </p:par>
-                            </p:childTnLst>
-                          </p:cTn>
-                        </p:par>
-                      </p:childTnLst>
-                    </p:cTn>
-                  </p:par>
-                  <p:par>
-                    <p:cTn id="109" fill="freeze">
-                      <p:stCondLst>
-                        <p:cond delay="indefinite"/>
-                      </p:stCondLst>
-                      <p:childTnLst>
-                        <p:par>
-                          <p:cTn id="110" fill="freeze">
-                            <p:stCondLst>
-                              <p:cond delay="0"/>
-                            </p:stCondLst>
-                            <p:childTnLst>
-                              <p:par>
-                                <p:cTn id="111" nodeType="clickEffect" fill="hold" presetClass="entr" presetID="1">
-                                  <p:stCondLst>
-                                    <p:cond delay="0"/>
-                                  </p:stCondLst>
-                                  <p:childTnLst>
-                                    <p:set>
-                                      <p:cBhvr>
-                                        <p:cTn id="112" dur="1" fill="hold">
-                                          <p:stCondLst>
-                                            <p:cond delay="0"/>
-                                          </p:stCondLst>
-                                        </p:cTn>
-                                        <p:tgtEl>
-                                          <p:spTgt spid="103">
-                                            <p:txEl>
-                                              <p:pRg st="73" end="115"/>
-                                            </p:txEl>
-                                          </p:spTgt>
-                                        </p:tgtEl>
-                                        <p:attrNameLst>
-                                          <p:attrName>style.visibility</p:attrName>
-                                        </p:attrNameLst>
-                                      </p:cBhvr>
-                                      <p:to>
-                                        <p:strVal val="visible"/>
-                                      </p:to>
-                                    </p:set>
-                                  </p:childTnLst>
-                                </p:cTn>
-                              </p:par>
-                            </p:childTnLst>
-                          </p:cTn>
-                        </p:par>
-                      </p:childTnLst>
-                    </p:cTn>
-                  </p:par>
-                  <p:par>
-                    <p:cTn id="113" fill="freeze">
-                      <p:stCondLst>
-                        <p:cond delay="indefinite"/>
-                      </p:stCondLst>
-                      <p:childTnLst>
-                        <p:par>
-                          <p:cTn id="114" fill="freeze">
-                            <p:stCondLst>
-                              <p:cond delay="0"/>
-                            </p:stCondLst>
-                            <p:childTnLst>
-                              <p:par>
-                                <p:cTn id="115" nodeType="clickEffect" fill="hold" presetClass="entr" presetID="1">
-                                  <p:stCondLst>
-                                    <p:cond delay="0"/>
-                                  </p:stCondLst>
-                                  <p:childTnLst>
-                                    <p:set>
-                                      <p:cBhvr>
-                                        <p:cTn id="116" dur="1" fill="hold">
-                                          <p:stCondLst>
-                                            <p:cond delay="0"/>
-                                          </p:stCondLst>
-                                        </p:cTn>
-                                        <p:tgtEl>
-                                          <p:spTgt spid="103">
-                                            <p:txEl>
-                                              <p:pRg st="115" end="128"/>
-                                            </p:txEl>
-                                          </p:spTgt>
-                                        </p:tgtEl>
-                                        <p:attrNameLst>
-                                          <p:attrName>style.visibility</p:attrName>
-                                        </p:attrNameLst>
-                                      </p:cBhvr>
-                                      <p:to>
-                                        <p:strVal val="visible"/>
-                                      </p:to>
-                                    </p:set>
-                                  </p:childTnLst>
-                                </p:cTn>
-                              </p:par>
-                              <p:par>
-                                <p:cTn id="117" nodeType="withEffect" fill="hold" presetClass="entr" presetID="1">
-                                  <p:stCondLst>
-                                    <p:cond delay="0"/>
-                                  </p:stCondLst>
-                                  <p:childTnLst>
-                                    <p:set>
-                                      <p:cBhvr>
-                                        <p:cTn id="118" dur="1" fill="hold">
-                                          <p:stCondLst>
-                                            <p:cond delay="0"/>
-                                          </p:stCondLst>
-                                        </p:cTn>
-                                        <p:tgtEl>
-                                          <p:spTgt spid="103">
-                                            <p:txEl>
-                                              <p:pRg st="128" end="173"/>
-                                            </p:txEl>
-                                          </p:spTgt>
-                                        </p:tgtEl>
-                                        <p:attrNameLst>
-                                          <p:attrName>style.visibility</p:attrName>
-                                        </p:attrNameLst>
-                                      </p:cBhvr>
-                                      <p:to>
-                                        <p:strVal val="visible"/>
-                                      </p:to>
-                                    </p:set>
-                                  </p:childTnLst>
-                                </p:cTn>
-                              </p:par>
-                            </p:childTnLst>
-                          </p:cTn>
-                        </p:par>
-                      </p:childTnLst>
-                    </p:cTn>
-                  </p:par>
-                </p:childTnLst>
-              </p:cTn>
+              <p:cTn id="14" nodeType="mainSeq"/>
               <p:prevCondLst>
                 <p:cond delay="0" evt="onPrev">
                   <p:tgtEl>
@@ -9272,7 +7849,7 @@
         <p:spPr>
           <a:xfrm>
             <a:off x="504000" y="1467720"/>
-            <a:ext cx="9068400" cy="1258920"/>
+            <a:ext cx="9068040" cy="1258560"/>
           </a:xfrm>
           <a:prstGeom prst="rect">
             <a:avLst/>
@@ -9382,7 +7959,7 @@
         <p:spPr>
           <a:xfrm>
             <a:off x="504000" y="2728440"/>
-            <a:ext cx="9068400" cy="4381200"/>
+            <a:ext cx="9068040" cy="4380840"/>
           </a:xfrm>
           <a:prstGeom prst="rect">
             <a:avLst/>
@@ -9401,7 +7978,7 @@
         <p:txBody>
           <a:bodyPr lIns="0" rIns="0" tIns="0" bIns="0"/>
           <a:p>
-            <a:pPr marL="432000" indent="-320760">
+            <a:pPr marL="432000" indent="-320400">
               <a:lnSpc>
                 <a:spcPct val="100000"/>
               </a:lnSpc>
@@ -9545,7 +8122,7 @@
             </a:endParaRPr>
           </a:p>
           <a:p>
-            <a:pPr marL="432000" indent="-320760">
+            <a:pPr marL="432000" indent="-320400">
               <a:lnSpc>
                 <a:spcPct val="100000"/>
               </a:lnSpc>
@@ -9599,7 +8176,7 @@
             </a:endParaRPr>
           </a:p>
           <a:p>
-            <a:pPr marL="432000" indent="-320760">
+            <a:pPr marL="432000" indent="-320400">
               <a:lnSpc>
                 <a:spcPct val="100000"/>
               </a:lnSpc>
@@ -9668,7 +8245,7 @@
             </a:endParaRPr>
           </a:p>
           <a:p>
-            <a:pPr marL="432000" indent="-320760">
+            <a:pPr marL="432000" indent="-320400">
               <a:lnSpc>
                 <a:spcPct val="100000"/>
               </a:lnSpc>
@@ -9722,7 +8299,7 @@
             </a:endParaRPr>
           </a:p>
           <a:p>
-            <a:pPr marL="432000" indent="-320760">
+            <a:pPr marL="432000" indent="-320400">
               <a:lnSpc>
                 <a:spcPct val="100000"/>
               </a:lnSpc>
@@ -9761,7 +8338,7 @@
             </a:endParaRPr>
           </a:p>
           <a:p>
-            <a:pPr lvl="3" marL="864000" indent="-215640">
+            <a:pPr lvl="3" marL="864000" indent="-215280">
               <a:lnSpc>
                 <a:spcPct val="100000"/>
               </a:lnSpc>
@@ -9800,7 +8377,7 @@
             </a:endParaRPr>
           </a:p>
           <a:p>
-            <a:pPr lvl="3" marL="864000" indent="-215640">
+            <a:pPr lvl="3" marL="864000" indent="-215280">
               <a:lnSpc>
                 <a:spcPct val="100000"/>
               </a:lnSpc>
@@ -9839,7 +8416,7 @@
             </a:endParaRPr>
           </a:p>
           <a:p>
-            <a:pPr marL="432000" indent="-320760">
+            <a:pPr marL="432000" indent="-320400">
               <a:lnSpc>
                 <a:spcPct val="100000"/>
               </a:lnSpc>
@@ -9892,7 +8469,7 @@
         <p:spPr>
           <a:xfrm>
             <a:off x="0" y="0"/>
-            <a:ext cx="10076760" cy="1047240"/>
+            <a:ext cx="10076400" cy="1046880"/>
           </a:xfrm>
           <a:prstGeom prst="rect">
             <a:avLst/>
@@ -9915,7 +8492,7 @@
         <p:spPr>
           <a:xfrm>
             <a:off x="39240" y="0"/>
-            <a:ext cx="1066680" cy="1075320"/>
+            <a:ext cx="1066320" cy="1074960"/>
           </a:xfrm>
           <a:prstGeom prst="rect">
             <a:avLst/>
@@ -9934,7 +8511,7 @@
         <p:spPr>
           <a:xfrm>
             <a:off x="2448000" y="0"/>
-            <a:ext cx="7683840" cy="1061280"/>
+            <a:ext cx="7683480" cy="1060920"/>
           </a:xfrm>
           <a:prstGeom prst="rect">
             <a:avLst/>
@@ -9992,387 +8569,10 @@
   <p:timing>
     <p:tnLst>
       <p:par>
-        <p:cTn id="119" dur="indefinite" restart="never" nodeType="tmRoot">
+        <p:cTn id="15" dur="indefinite" restart="never" nodeType="tmRoot">
           <p:childTnLst>
             <p:seq>
-              <p:cTn id="120" nodeType="mainSeq">
-                <p:childTnLst>
-                  <p:par>
-                    <p:cTn id="121" fill="freeze">
-                      <p:stCondLst>
-                        <p:cond delay="indefinite"/>
-                      </p:stCondLst>
-                      <p:childTnLst>
-                        <p:par>
-                          <p:cTn id="122" fill="freeze">
-                            <p:stCondLst>
-                              <p:cond delay="0"/>
-                            </p:stCondLst>
-                            <p:childTnLst>
-                              <p:par>
-                                <p:cTn id="123" nodeType="clickEffect" fill="hold" presetClass="entr" presetID="1">
-                                  <p:stCondLst>
-                                    <p:cond delay="0"/>
-                                  </p:stCondLst>
-                                  <p:childTnLst>
-                                    <p:set>
-                                      <p:cBhvr>
-                                        <p:cTn id="124" dur="1" fill="hold">
-                                          <p:stCondLst>
-                                            <p:cond delay="0"/>
-                                          </p:stCondLst>
-                                        </p:cTn>
-                                        <p:tgtEl>
-                                          <p:spTgt spid="108">
-                                            <p:txEl>
-                                              <p:pRg st="0" end="34"/>
-                                            </p:txEl>
-                                          </p:spTgt>
-                                        </p:tgtEl>
-                                        <p:attrNameLst>
-                                          <p:attrName>style.visibility</p:attrName>
-                                        </p:attrNameLst>
-                                      </p:cBhvr>
-                                      <p:to>
-                                        <p:strVal val="visible"/>
-                                      </p:to>
-                                    </p:set>
-                                  </p:childTnLst>
-                                </p:cTn>
-                              </p:par>
-                            </p:childTnLst>
-                          </p:cTn>
-                        </p:par>
-                      </p:childTnLst>
-                    </p:cTn>
-                  </p:par>
-                  <p:par>
-                    <p:cTn id="125" fill="freeze">
-                      <p:stCondLst>
-                        <p:cond delay="indefinite"/>
-                      </p:stCondLst>
-                      <p:childTnLst>
-                        <p:par>
-                          <p:cTn id="126" fill="freeze">
-                            <p:stCondLst>
-                              <p:cond delay="0"/>
-                            </p:stCondLst>
-                            <p:childTnLst>
-                              <p:par>
-                                <p:cTn id="127" nodeType="clickEffect" fill="hold" presetClass="entr" presetID="1">
-                                  <p:stCondLst>
-                                    <p:cond delay="0"/>
-                                  </p:stCondLst>
-                                  <p:childTnLst>
-                                    <p:set>
-                                      <p:cBhvr>
-                                        <p:cTn id="128" dur="1" fill="hold">
-                                          <p:stCondLst>
-                                            <p:cond delay="0"/>
-                                          </p:stCondLst>
-                                        </p:cTn>
-                                        <p:tgtEl>
-                                          <p:spTgt spid="108">
-                                            <p:txEl>
-                                              <p:pRg st="34" end="57"/>
-                                            </p:txEl>
-                                          </p:spTgt>
-                                        </p:tgtEl>
-                                        <p:attrNameLst>
-                                          <p:attrName>style.visibility</p:attrName>
-                                        </p:attrNameLst>
-                                      </p:cBhvr>
-                                      <p:to>
-                                        <p:strVal val="visible"/>
-                                      </p:to>
-                                    </p:set>
-                                  </p:childTnLst>
-                                </p:cTn>
-                              </p:par>
-                            </p:childTnLst>
-                          </p:cTn>
-                        </p:par>
-                      </p:childTnLst>
-                    </p:cTn>
-                  </p:par>
-                  <p:par>
-                    <p:cTn id="129" fill="freeze">
-                      <p:stCondLst>
-                        <p:cond delay="indefinite"/>
-                      </p:stCondLst>
-                      <p:childTnLst>
-                        <p:par>
-                          <p:cTn id="130" fill="freeze">
-                            <p:stCondLst>
-                              <p:cond delay="0"/>
-                            </p:stCondLst>
-                            <p:childTnLst>
-                              <p:par>
-                                <p:cTn id="131" nodeType="clickEffect" fill="hold" presetClass="entr" presetID="1">
-                                  <p:stCondLst>
-                                    <p:cond delay="0"/>
-                                  </p:stCondLst>
-                                  <p:childTnLst>
-                                    <p:set>
-                                      <p:cBhvr>
-                                        <p:cTn id="132" dur="1" fill="hold">
-                                          <p:stCondLst>
-                                            <p:cond delay="0"/>
-                                          </p:stCondLst>
-                                        </p:cTn>
-                                        <p:tgtEl>
-                                          <p:spTgt spid="108">
-                                            <p:txEl>
-                                              <p:pRg st="57" end="100"/>
-                                            </p:txEl>
-                                          </p:spTgt>
-                                        </p:tgtEl>
-                                        <p:attrNameLst>
-                                          <p:attrName>style.visibility</p:attrName>
-                                        </p:attrNameLst>
-                                      </p:cBhvr>
-                                      <p:to>
-                                        <p:strVal val="visible"/>
-                                      </p:to>
-                                    </p:set>
-                                  </p:childTnLst>
-                                </p:cTn>
-                              </p:par>
-                            </p:childTnLst>
-                          </p:cTn>
-                        </p:par>
-                      </p:childTnLst>
-                    </p:cTn>
-                  </p:par>
-                  <p:par>
-                    <p:cTn id="133" fill="freeze">
-                      <p:stCondLst>
-                        <p:cond delay="indefinite"/>
-                      </p:stCondLst>
-                      <p:childTnLst>
-                        <p:par>
-                          <p:cTn id="134" fill="freeze">
-                            <p:stCondLst>
-                              <p:cond delay="0"/>
-                            </p:stCondLst>
-                            <p:childTnLst>
-                              <p:par>
-                                <p:cTn id="135" nodeType="clickEffect" fill="hold" presetClass="entr" presetID="1">
-                                  <p:stCondLst>
-                                    <p:cond delay="0"/>
-                                  </p:stCondLst>
-                                  <p:childTnLst>
-                                    <p:set>
-                                      <p:cBhvr>
-                                        <p:cTn id="136" dur="1" fill="hold">
-                                          <p:stCondLst>
-                                            <p:cond delay="0"/>
-                                          </p:stCondLst>
-                                        </p:cTn>
-                                        <p:tgtEl>
-                                          <p:spTgt spid="108">
-                                            <p:txEl>
-                                              <p:pRg st="100" end="149"/>
-                                            </p:txEl>
-                                          </p:spTgt>
-                                        </p:tgtEl>
-                                        <p:attrNameLst>
-                                          <p:attrName>style.visibility</p:attrName>
-                                        </p:attrNameLst>
-                                      </p:cBhvr>
-                                      <p:to>
-                                        <p:strVal val="visible"/>
-                                      </p:to>
-                                    </p:set>
-                                  </p:childTnLst>
-                                </p:cTn>
-                              </p:par>
-                            </p:childTnLst>
-                          </p:cTn>
-                        </p:par>
-                      </p:childTnLst>
-                    </p:cTn>
-                  </p:par>
-                  <p:par>
-                    <p:cTn id="137" fill="freeze">
-                      <p:stCondLst>
-                        <p:cond delay="indefinite"/>
-                      </p:stCondLst>
-                      <p:childTnLst>
-                        <p:par>
-                          <p:cTn id="138" fill="freeze">
-                            <p:stCondLst>
-                              <p:cond delay="0"/>
-                            </p:stCondLst>
-                            <p:childTnLst>
-                              <p:par>
-                                <p:cTn id="139" nodeType="clickEffect" fill="hold" presetClass="entr" presetID="1">
-                                  <p:stCondLst>
-                                    <p:cond delay="0"/>
-                                  </p:stCondLst>
-                                  <p:childTnLst>
-                                    <p:set>
-                                      <p:cBhvr>
-                                        <p:cTn id="140" dur="1" fill="hold">
-                                          <p:stCondLst>
-                                            <p:cond delay="0"/>
-                                          </p:stCondLst>
-                                        </p:cTn>
-                                        <p:tgtEl>
-                                          <p:spTgt spid="108">
-                                            <p:txEl>
-                                              <p:pRg st="149" end="193"/>
-                                            </p:txEl>
-                                          </p:spTgt>
-                                        </p:tgtEl>
-                                        <p:attrNameLst>
-                                          <p:attrName>style.visibility</p:attrName>
-                                        </p:attrNameLst>
-                                      </p:cBhvr>
-                                      <p:to>
-                                        <p:strVal val="visible"/>
-                                      </p:to>
-                                    </p:set>
-                                  </p:childTnLst>
-                                </p:cTn>
-                              </p:par>
-                            </p:childTnLst>
-                          </p:cTn>
-                        </p:par>
-                      </p:childTnLst>
-                    </p:cTn>
-                  </p:par>
-                  <p:par>
-                    <p:cTn id="141" fill="freeze">
-                      <p:stCondLst>
-                        <p:cond delay="indefinite"/>
-                      </p:stCondLst>
-                      <p:childTnLst>
-                        <p:par>
-                          <p:cTn id="142" fill="freeze">
-                            <p:stCondLst>
-                              <p:cond delay="0"/>
-                            </p:stCondLst>
-                            <p:childTnLst>
-                              <p:par>
-                                <p:cTn id="143" nodeType="clickEffect" fill="hold" presetClass="entr" presetID="1">
-                                  <p:stCondLst>
-                                    <p:cond delay="0"/>
-                                  </p:stCondLst>
-                                  <p:childTnLst>
-                                    <p:set>
-                                      <p:cBhvr>
-                                        <p:cTn id="144" dur="1" fill="hold">
-                                          <p:stCondLst>
-                                            <p:cond delay="0"/>
-                                          </p:stCondLst>
-                                        </p:cTn>
-                                        <p:tgtEl>
-                                          <p:spTgt spid="108">
-                                            <p:txEl>
-                                              <p:pRg st="193" end="217"/>
-                                            </p:txEl>
-                                          </p:spTgt>
-                                        </p:tgtEl>
-                                        <p:attrNameLst>
-                                          <p:attrName>style.visibility</p:attrName>
-                                        </p:attrNameLst>
-                                      </p:cBhvr>
-                                      <p:to>
-                                        <p:strVal val="visible"/>
-                                      </p:to>
-                                    </p:set>
-                                  </p:childTnLst>
-                                </p:cTn>
-                              </p:par>
-                              <p:par>
-                                <p:cTn id="145" nodeType="withEffect" fill="hold" presetClass="entr" presetID="1">
-                                  <p:stCondLst>
-                                    <p:cond delay="0"/>
-                                  </p:stCondLst>
-                                  <p:childTnLst>
-                                    <p:set>
-                                      <p:cBhvr>
-                                        <p:cTn id="146" dur="1" fill="hold">
-                                          <p:stCondLst>
-                                            <p:cond delay="0"/>
-                                          </p:stCondLst>
-                                        </p:cTn>
-                                        <p:tgtEl>
-                                          <p:spTgt spid="108">
-                                            <p:txEl>
-                                              <p:pRg st="217" end="240"/>
-                                            </p:txEl>
-                                          </p:spTgt>
-                                        </p:tgtEl>
-                                        <p:attrNameLst>
-                                          <p:attrName>style.visibility</p:attrName>
-                                        </p:attrNameLst>
-                                      </p:cBhvr>
-                                      <p:to>
-                                        <p:strVal val="visible"/>
-                                      </p:to>
-                                    </p:set>
-                                  </p:childTnLst>
-                                </p:cTn>
-                              </p:par>
-                            </p:childTnLst>
-                          </p:cTn>
-                        </p:par>
-                      </p:childTnLst>
-                    </p:cTn>
-                  </p:par>
-                  <p:par>
-                    <p:cTn id="147" fill="freeze">
-                      <p:stCondLst>
-                        <p:cond delay="indefinite"/>
-                      </p:stCondLst>
-                      <p:childTnLst>
-                        <p:par>
-                          <p:cTn id="148" fill="freeze">
-                            <p:stCondLst>
-                              <p:cond delay="0"/>
-                            </p:stCondLst>
-                            <p:childTnLst>
-                              <p:par>
-                                <p:cTn id="149" nodeType="clickEffect" fill="hold" presetClass="entr" presetID="1">
-                                  <p:stCondLst>
-                                    <p:cond delay="0"/>
-                                  </p:stCondLst>
-                                  <p:childTnLst>
-                                    <p:set>
-                                      <p:cBhvr>
-                                        <p:cTn id="150" dur="1" fill="hold">
-                                          <p:stCondLst>
-                                            <p:cond delay="0"/>
-                                          </p:stCondLst>
-                                        </p:cTn>
-                                        <p:tgtEl>
-                                          <p:spTgt spid="108">
-                                            <p:txEl>
-                                              <p:pRg st="240" end="324"/>
-                                            </p:txEl>
-                                          </p:spTgt>
-                                        </p:tgtEl>
-                                        <p:attrNameLst>
-                                          <p:attrName>style.visibility</p:attrName>
-                                        </p:attrNameLst>
-                                      </p:cBhvr>
-                                      <p:to>
-                                        <p:strVal val="visible"/>
-                                      </p:to>
-                                    </p:set>
-                                  </p:childTnLst>
-                                </p:cTn>
-                              </p:par>
-                            </p:childTnLst>
-                          </p:cTn>
-                        </p:par>
-                      </p:childTnLst>
-                    </p:cTn>
-                  </p:par>
-                </p:childTnLst>
-              </p:cTn>
+              <p:cTn id="16" nodeType="mainSeq"/>
               <p:prevCondLst>
                 <p:cond delay="0" evt="onPrev">
                   <p:tgtEl>
@@ -10422,7 +8622,7 @@
         <p:spPr>
           <a:xfrm>
             <a:off x="504000" y="1467720"/>
-            <a:ext cx="9068400" cy="1258920"/>
+            <a:ext cx="9068040" cy="1258560"/>
           </a:xfrm>
           <a:prstGeom prst="rect">
             <a:avLst/>
@@ -10484,7 +8684,7 @@
         <p:spPr>
           <a:xfrm>
             <a:off x="504000" y="2728440"/>
-            <a:ext cx="9068400" cy="4381200"/>
+            <a:ext cx="9068040" cy="4380840"/>
           </a:xfrm>
           <a:prstGeom prst="rect">
             <a:avLst/>
@@ -10503,7 +8703,7 @@
         <p:txBody>
           <a:bodyPr lIns="0" rIns="0" tIns="0" bIns="0"/>
           <a:p>
-            <a:pPr marL="432000" indent="-320760">
+            <a:pPr marL="432000" indent="-320400">
               <a:lnSpc>
                 <a:spcPct val="100000"/>
               </a:lnSpc>
@@ -10542,7 +8742,7 @@
             </a:endParaRPr>
           </a:p>
           <a:p>
-            <a:pPr marL="432000" indent="-320760">
+            <a:pPr marL="432000" indent="-320400">
               <a:lnSpc>
                 <a:spcPct val="100000"/>
               </a:lnSpc>
@@ -10581,7 +8781,7 @@
             </a:endParaRPr>
           </a:p>
           <a:p>
-            <a:pPr marL="432000" indent="-320760">
+            <a:pPr marL="432000" indent="-320400">
               <a:lnSpc>
                 <a:spcPct val="100000"/>
               </a:lnSpc>
@@ -10620,7 +8820,7 @@
             </a:endParaRPr>
           </a:p>
           <a:p>
-            <a:pPr lvl="4" marL="1080000" indent="-214920">
+            <a:pPr lvl="4" marL="1080000" indent="-214560">
               <a:lnSpc>
                 <a:spcPct val="100000"/>
               </a:lnSpc>
@@ -10659,7 +8859,7 @@
             </a:endParaRPr>
           </a:p>
           <a:p>
-            <a:pPr lvl="4" marL="1080000" indent="-214920">
+            <a:pPr lvl="4" marL="1080000" indent="-214560">
               <a:lnSpc>
                 <a:spcPct val="100000"/>
               </a:lnSpc>
@@ -10698,7 +8898,7 @@
             </a:endParaRPr>
           </a:p>
           <a:p>
-            <a:pPr lvl="4" marL="1080000" indent="-214920">
+            <a:pPr lvl="4" marL="1080000" indent="-214560">
               <a:lnSpc>
                 <a:spcPct val="100000"/>
               </a:lnSpc>
@@ -10737,7 +8937,7 @@
             </a:endParaRPr>
           </a:p>
           <a:p>
-            <a:pPr marL="432000" indent="-320760">
+            <a:pPr marL="432000" indent="-320400">
               <a:lnSpc>
                 <a:spcPct val="100000"/>
               </a:lnSpc>
@@ -10776,7 +8976,7 @@
             </a:endParaRPr>
           </a:p>
           <a:p>
-            <a:pPr marL="432000" indent="-320760">
+            <a:pPr marL="432000" indent="-320400">
               <a:lnSpc>
                 <a:spcPct val="100000"/>
               </a:lnSpc>
@@ -10859,7 +9059,7 @@
         <p:spPr>
           <a:xfrm>
             <a:off x="0" y="0"/>
-            <a:ext cx="10076760" cy="1047240"/>
+            <a:ext cx="10076400" cy="1046880"/>
           </a:xfrm>
           <a:prstGeom prst="rect">
             <a:avLst/>
@@ -10882,7 +9082,7 @@
         <p:spPr>
           <a:xfrm>
             <a:off x="39240" y="0"/>
-            <a:ext cx="1066680" cy="1075320"/>
+            <a:ext cx="1066320" cy="1074960"/>
           </a:xfrm>
           <a:prstGeom prst="rect">
             <a:avLst/>
@@ -10901,7 +9101,7 @@
         <p:spPr>
           <a:xfrm>
             <a:off x="2448000" y="0"/>
-            <a:ext cx="7683840" cy="1061280"/>
+            <a:ext cx="7683480" cy="1060920"/>
           </a:xfrm>
           <a:prstGeom prst="rect">
             <a:avLst/>
@@ -10959,351 +9159,10 @@
   <p:timing>
     <p:tnLst>
       <p:par>
-        <p:cTn id="151" dur="indefinite" restart="never" nodeType="tmRoot">
+        <p:cTn id="17" dur="indefinite" restart="never" nodeType="tmRoot">
           <p:childTnLst>
             <p:seq>
-              <p:cTn id="152" nodeType="mainSeq">
-                <p:childTnLst>
-                  <p:par>
-                    <p:cTn id="153" fill="freeze">
-                      <p:stCondLst>
-                        <p:cond delay="indefinite"/>
-                      </p:stCondLst>
-                      <p:childTnLst>
-                        <p:par>
-                          <p:cTn id="154" fill="freeze">
-                            <p:stCondLst>
-                              <p:cond delay="0"/>
-                            </p:stCondLst>
-                            <p:childTnLst>
-                              <p:par>
-                                <p:cTn id="155" nodeType="clickEffect" fill="hold" presetClass="entr" presetID="1">
-                                  <p:stCondLst>
-                                    <p:cond delay="0"/>
-                                  </p:stCondLst>
-                                  <p:childTnLst>
-                                    <p:set>
-                                      <p:cBhvr>
-                                        <p:cTn id="156" dur="1" fill="hold">
-                                          <p:stCondLst>
-                                            <p:cond delay="0"/>
-                                          </p:stCondLst>
-                                        </p:cTn>
-                                        <p:tgtEl>
-                                          <p:spTgt spid="113">
-                                            <p:txEl>
-                                              <p:pRg st="0" end="51"/>
-                                            </p:txEl>
-                                          </p:spTgt>
-                                        </p:tgtEl>
-                                        <p:attrNameLst>
-                                          <p:attrName>style.visibility</p:attrName>
-                                        </p:attrNameLst>
-                                      </p:cBhvr>
-                                      <p:to>
-                                        <p:strVal val="visible"/>
-                                      </p:to>
-                                    </p:set>
-                                  </p:childTnLst>
-                                </p:cTn>
-                              </p:par>
-                            </p:childTnLst>
-                          </p:cTn>
-                        </p:par>
-                      </p:childTnLst>
-                    </p:cTn>
-                  </p:par>
-                  <p:par>
-                    <p:cTn id="157" fill="freeze">
-                      <p:stCondLst>
-                        <p:cond delay="indefinite"/>
-                      </p:stCondLst>
-                      <p:childTnLst>
-                        <p:par>
-                          <p:cTn id="158" fill="freeze">
-                            <p:stCondLst>
-                              <p:cond delay="0"/>
-                            </p:stCondLst>
-                            <p:childTnLst>
-                              <p:par>
-                                <p:cTn id="159" nodeType="clickEffect" fill="hold" presetClass="entr" presetID="1">
-                                  <p:stCondLst>
-                                    <p:cond delay="0"/>
-                                  </p:stCondLst>
-                                  <p:childTnLst>
-                                    <p:set>
-                                      <p:cBhvr>
-                                        <p:cTn id="160" dur="1" fill="hold">
-                                          <p:stCondLst>
-                                            <p:cond delay="0"/>
-                                          </p:stCondLst>
-                                        </p:cTn>
-                                        <p:tgtEl>
-                                          <p:spTgt spid="113">
-                                            <p:txEl>
-                                              <p:pRg st="51" end="59"/>
-                                            </p:txEl>
-                                          </p:spTgt>
-                                        </p:tgtEl>
-                                        <p:attrNameLst>
-                                          <p:attrName>style.visibility</p:attrName>
-                                        </p:attrNameLst>
-                                      </p:cBhvr>
-                                      <p:to>
-                                        <p:strVal val="visible"/>
-                                      </p:to>
-                                    </p:set>
-                                  </p:childTnLst>
-                                </p:cTn>
-                              </p:par>
-                            </p:childTnLst>
-                          </p:cTn>
-                        </p:par>
-                      </p:childTnLst>
-                    </p:cTn>
-                  </p:par>
-                  <p:par>
-                    <p:cTn id="161" fill="freeze">
-                      <p:stCondLst>
-                        <p:cond delay="indefinite"/>
-                      </p:stCondLst>
-                      <p:childTnLst>
-                        <p:par>
-                          <p:cTn id="162" fill="freeze">
-                            <p:stCondLst>
-                              <p:cond delay="0"/>
-                            </p:stCondLst>
-                            <p:childTnLst>
-                              <p:par>
-                                <p:cTn id="163" nodeType="clickEffect" fill="hold" presetClass="entr" presetID="1">
-                                  <p:stCondLst>
-                                    <p:cond delay="0"/>
-                                  </p:stCondLst>
-                                  <p:childTnLst>
-                                    <p:set>
-                                      <p:cBhvr>
-                                        <p:cTn id="164" dur="1" fill="hold">
-                                          <p:stCondLst>
-                                            <p:cond delay="0"/>
-                                          </p:stCondLst>
-                                        </p:cTn>
-                                        <p:tgtEl>
-                                          <p:spTgt spid="113">
-                                            <p:txEl>
-                                              <p:pRg st="59" end="91"/>
-                                            </p:txEl>
-                                          </p:spTgt>
-                                        </p:tgtEl>
-                                        <p:attrNameLst>
-                                          <p:attrName>style.visibility</p:attrName>
-                                        </p:attrNameLst>
-                                      </p:cBhvr>
-                                      <p:to>
-                                        <p:strVal val="visible"/>
-                                      </p:to>
-                                    </p:set>
-                                  </p:childTnLst>
-                                </p:cTn>
-                              </p:par>
-                              <p:par>
-                                <p:cTn id="165" nodeType="withEffect" fill="hold" presetClass="entr" presetID="1">
-                                  <p:stCondLst>
-                                    <p:cond delay="0"/>
-                                  </p:stCondLst>
-                                  <p:childTnLst>
-                                    <p:set>
-                                      <p:cBhvr>
-                                        <p:cTn id="166" dur="1" fill="hold">
-                                          <p:stCondLst>
-                                            <p:cond delay="0"/>
-                                          </p:stCondLst>
-                                        </p:cTn>
-                                        <p:tgtEl>
-                                          <p:spTgt spid="113">
-                                            <p:txEl>
-                                              <p:pRg st="91" end="96"/>
-                                            </p:txEl>
-                                          </p:spTgt>
-                                        </p:tgtEl>
-                                        <p:attrNameLst>
-                                          <p:attrName>style.visibility</p:attrName>
-                                        </p:attrNameLst>
-                                      </p:cBhvr>
-                                      <p:to>
-                                        <p:strVal val="visible"/>
-                                      </p:to>
-                                    </p:set>
-                                  </p:childTnLst>
-                                </p:cTn>
-                              </p:par>
-                              <p:par>
-                                <p:cTn id="167" nodeType="withEffect" fill="hold" presetClass="entr" presetID="1">
-                                  <p:stCondLst>
-                                    <p:cond delay="0"/>
-                                  </p:stCondLst>
-                                  <p:childTnLst>
-                                    <p:set>
-                                      <p:cBhvr>
-                                        <p:cTn id="168" dur="1" fill="hold">
-                                          <p:stCondLst>
-                                            <p:cond delay="0"/>
-                                          </p:stCondLst>
-                                        </p:cTn>
-                                        <p:tgtEl>
-                                          <p:spTgt spid="113">
-                                            <p:txEl>
-                                              <p:pRg st="96" end="139"/>
-                                            </p:txEl>
-                                          </p:spTgt>
-                                        </p:tgtEl>
-                                        <p:attrNameLst>
-                                          <p:attrName>style.visibility</p:attrName>
-                                        </p:attrNameLst>
-                                      </p:cBhvr>
-                                      <p:to>
-                                        <p:strVal val="visible"/>
-                                      </p:to>
-                                    </p:set>
-                                  </p:childTnLst>
-                                </p:cTn>
-                              </p:par>
-                              <p:par>
-                                <p:cTn id="169" nodeType="withEffect" fill="hold" presetClass="entr" presetID="1">
-                                  <p:stCondLst>
-                                    <p:cond delay="0"/>
-                                  </p:stCondLst>
-                                  <p:childTnLst>
-                                    <p:set>
-                                      <p:cBhvr>
-                                        <p:cTn id="170" dur="1" fill="hold">
-                                          <p:stCondLst>
-                                            <p:cond delay="0"/>
-                                          </p:stCondLst>
-                                        </p:cTn>
-                                        <p:tgtEl>
-                                          <p:spTgt spid="113">
-                                            <p:txEl>
-                                              <p:pRg st="139" end="162"/>
-                                            </p:txEl>
-                                          </p:spTgt>
-                                        </p:tgtEl>
-                                        <p:attrNameLst>
-                                          <p:attrName>style.visibility</p:attrName>
-                                        </p:attrNameLst>
-                                      </p:cBhvr>
-                                      <p:to>
-                                        <p:strVal val="visible"/>
-                                      </p:to>
-                                    </p:set>
-                                  </p:childTnLst>
-                                </p:cTn>
-                              </p:par>
-                            </p:childTnLst>
-                          </p:cTn>
-                        </p:par>
-                      </p:childTnLst>
-                    </p:cTn>
-                  </p:par>
-                  <p:par>
-                    <p:cTn id="171" fill="freeze">
-                      <p:stCondLst>
-                        <p:cond delay="indefinite"/>
-                      </p:stCondLst>
-                      <p:childTnLst>
-                        <p:par>
-                          <p:cTn id="172" fill="freeze">
-                            <p:stCondLst>
-                              <p:cond delay="0"/>
-                            </p:stCondLst>
-                            <p:childTnLst>
-                              <p:par>
-                                <p:cTn id="173" nodeType="clickEffect" fill="hold" presetClass="entr" presetID="1">
-                                  <p:stCondLst>
-                                    <p:cond delay="0"/>
-                                  </p:stCondLst>
-                                  <p:childTnLst>
-                                    <p:set>
-                                      <p:cBhvr>
-                                        <p:cTn id="174" dur="1" fill="hold">
-                                          <p:stCondLst>
-                                            <p:cond delay="0"/>
-                                          </p:stCondLst>
-                                        </p:cTn>
-                                        <p:tgtEl>
-                                          <p:spTgt spid="113">
-                                            <p:txEl>
-                                              <p:pRg st="162" end="183"/>
-                                            </p:txEl>
-                                          </p:spTgt>
-                                        </p:tgtEl>
-                                        <p:attrNameLst>
-                                          <p:attrName>style.visibility</p:attrName>
-                                        </p:attrNameLst>
-                                      </p:cBhvr>
-                                      <p:to>
-                                        <p:strVal val="visible"/>
-                                      </p:to>
-                                    </p:set>
-                                  </p:childTnLst>
-                                </p:cTn>
-                              </p:par>
-                            </p:childTnLst>
-                          </p:cTn>
-                        </p:par>
-                      </p:childTnLst>
-                    </p:cTn>
-                  </p:par>
-                  <p:par>
-                    <p:cTn id="175" fill="freeze">
-                      <p:stCondLst>
-                        <p:cond delay="indefinite"/>
-                      </p:stCondLst>
-                      <p:childTnLst>
-                        <p:par>
-                          <p:cTn id="176" fill="freeze">
-                            <p:stCondLst>
-                              <p:cond delay="0"/>
-                            </p:stCondLst>
-                            <p:childTnLst>
-                              <p:par>
-                                <p:cTn id="177" nodeType="clickEffect" fill="hold" presetClass="entr" presetID="1">
-                                  <p:stCondLst>
-                                    <p:cond delay="0"/>
-                                  </p:stCondLst>
-                                  <p:childTnLst>
-                                    <p:set>
-                                      <p:cBhvr>
-                                        <p:cTn id="178" dur="1" fill="hold">
-                                          <p:stCondLst>
-                                            <p:cond delay="0"/>
-                                          </p:stCondLst>
-                                        </p:cTn>
-                                        <p:tgtEl>
-                                          <p:spTgt spid="113">
-                                            <p:txEl>
-                                              <p:pRg st="183" end="232"/>
-                                            </p:txEl>
-                                          </p:spTgt>
-                                        </p:tgtEl>
-                                        <p:attrNameLst>
-                                          <p:attrName>style.visibility</p:attrName>
-                                        </p:attrNameLst>
-                                      </p:cBhvr>
-                                      <p:to>
-                                        <p:strVal val="visible"/>
-                                      </p:to>
-                                    </p:set>
-                                  </p:childTnLst>
-                                </p:cTn>
-                              </p:par>
-                            </p:childTnLst>
-                          </p:cTn>
-                        </p:par>
-                      </p:childTnLst>
-                    </p:cTn>
-                  </p:par>
-                </p:childTnLst>
-              </p:cTn>
+              <p:cTn id="18" nodeType="mainSeq"/>
               <p:prevCondLst>
                 <p:cond delay="0" evt="onPrev">
                   <p:tgtEl>

--- a/news/2018-02-07.pptx
+++ b/news/2018-02-07.pptx
@@ -1,30 +1,125 @@
 
 <file path=ppt/presentation.xml><?xml version="1.0" encoding="utf-8"?>
-<p:presentation xmlns:a="http://schemas.openxmlformats.org/drawingml/2006/main" xmlns:p="http://schemas.openxmlformats.org/presentationml/2006/main" xmlns:r="http://schemas.openxmlformats.org/officeDocument/2006/relationships" xmlns:p14="http://schemas.microsoft.com/office/powerpoint/2010/main" xmlns:p15="http://schemas.microsoft.com/office/powerpoint/2012/main" xmlns:mc="http://schemas.openxmlformats.org/markup-compatibility/2006">
+<p:presentation xmlns:a="http://schemas.openxmlformats.org/drawingml/2006/main" xmlns:r="http://schemas.openxmlformats.org/officeDocument/2006/relationships" xmlns:p="http://schemas.openxmlformats.org/presentationml/2006/main">
   <p:sldMasterIdLst>
-    <p:sldMasterId id="2147483648" r:id="rId2"/>
-    <p:sldMasterId id="2147483661" r:id="rId3"/>
+    <p:sldMasterId id="2147483648" r:id="rId1"/>
+    <p:sldMasterId id="2147483661" r:id="rId2"/>
   </p:sldMasterIdLst>
   <p:sldIdLst>
-    <p:sldId id="256" r:id="rId4"/>
-    <p:sldId id="257" r:id="rId5"/>
-    <p:sldId id="258" r:id="rId6"/>
-    <p:sldId id="259" r:id="rId7"/>
-    <p:sldId id="260" r:id="rId8"/>
-    <p:sldId id="261" r:id="rId9"/>
-    <p:sldId id="262" r:id="rId10"/>
-    <p:sldId id="263" r:id="rId11"/>
-    <p:sldId id="264" r:id="rId12"/>
-    <p:sldId id="265" r:id="rId13"/>
-    <p:sldId id="266" r:id="rId14"/>
+    <p:sldId id="256" r:id="rId3"/>
+    <p:sldId id="257" r:id="rId4"/>
+    <p:sldId id="258" r:id="rId5"/>
+    <p:sldId id="259" r:id="rId6"/>
+    <p:sldId id="260" r:id="rId7"/>
+    <p:sldId id="261" r:id="rId8"/>
+    <p:sldId id="262" r:id="rId9"/>
+    <p:sldId id="263" r:id="rId10"/>
+    <p:sldId id="264" r:id="rId11"/>
+    <p:sldId id="265" r:id="rId12"/>
+    <p:sldId id="266" r:id="rId13"/>
   </p:sldIdLst>
   <p:sldSz cx="10080625" cy="7559675"/>
-  <p:notesSz cx="7559675" cy="10691812"/>
+  <p:notesSz cx="7559675" cy="10691813"/>
+  <p:defaultTextStyle>
+    <a:defPPr>
+      <a:defRPr lang="en-US"/>
+    </a:defPPr>
+    <a:lvl1pPr marL="0" algn="l" defTabSz="914400" rtl="0" eaLnBrk="1" latinLnBrk="0" hangingPunct="1">
+      <a:defRPr sz="1800" kern="1200">
+        <a:solidFill>
+          <a:schemeClr val="tx1"/>
+        </a:solidFill>
+        <a:latin typeface="+mn-lt"/>
+        <a:ea typeface="+mn-ea"/>
+        <a:cs typeface="+mn-cs"/>
+      </a:defRPr>
+    </a:lvl1pPr>
+    <a:lvl2pPr marL="457200" algn="l" defTabSz="914400" rtl="0" eaLnBrk="1" latinLnBrk="0" hangingPunct="1">
+      <a:defRPr sz="1800" kern="1200">
+        <a:solidFill>
+          <a:schemeClr val="tx1"/>
+        </a:solidFill>
+        <a:latin typeface="+mn-lt"/>
+        <a:ea typeface="+mn-ea"/>
+        <a:cs typeface="+mn-cs"/>
+      </a:defRPr>
+    </a:lvl2pPr>
+    <a:lvl3pPr marL="914400" algn="l" defTabSz="914400" rtl="0" eaLnBrk="1" latinLnBrk="0" hangingPunct="1">
+      <a:defRPr sz="1800" kern="1200">
+        <a:solidFill>
+          <a:schemeClr val="tx1"/>
+        </a:solidFill>
+        <a:latin typeface="+mn-lt"/>
+        <a:ea typeface="+mn-ea"/>
+        <a:cs typeface="+mn-cs"/>
+      </a:defRPr>
+    </a:lvl3pPr>
+    <a:lvl4pPr marL="1371600" algn="l" defTabSz="914400" rtl="0" eaLnBrk="1" latinLnBrk="0" hangingPunct="1">
+      <a:defRPr sz="1800" kern="1200">
+        <a:solidFill>
+          <a:schemeClr val="tx1"/>
+        </a:solidFill>
+        <a:latin typeface="+mn-lt"/>
+        <a:ea typeface="+mn-ea"/>
+        <a:cs typeface="+mn-cs"/>
+      </a:defRPr>
+    </a:lvl4pPr>
+    <a:lvl5pPr marL="1828800" algn="l" defTabSz="914400" rtl="0" eaLnBrk="1" latinLnBrk="0" hangingPunct="1">
+      <a:defRPr sz="1800" kern="1200">
+        <a:solidFill>
+          <a:schemeClr val="tx1"/>
+        </a:solidFill>
+        <a:latin typeface="+mn-lt"/>
+        <a:ea typeface="+mn-ea"/>
+        <a:cs typeface="+mn-cs"/>
+      </a:defRPr>
+    </a:lvl5pPr>
+    <a:lvl6pPr marL="2286000" algn="l" defTabSz="914400" rtl="0" eaLnBrk="1" latinLnBrk="0" hangingPunct="1">
+      <a:defRPr sz="1800" kern="1200">
+        <a:solidFill>
+          <a:schemeClr val="tx1"/>
+        </a:solidFill>
+        <a:latin typeface="+mn-lt"/>
+        <a:ea typeface="+mn-ea"/>
+        <a:cs typeface="+mn-cs"/>
+      </a:defRPr>
+    </a:lvl6pPr>
+    <a:lvl7pPr marL="2743200" algn="l" defTabSz="914400" rtl="0" eaLnBrk="1" latinLnBrk="0" hangingPunct="1">
+      <a:defRPr sz="1800" kern="1200">
+        <a:solidFill>
+          <a:schemeClr val="tx1"/>
+        </a:solidFill>
+        <a:latin typeface="+mn-lt"/>
+        <a:ea typeface="+mn-ea"/>
+        <a:cs typeface="+mn-cs"/>
+      </a:defRPr>
+    </a:lvl7pPr>
+    <a:lvl8pPr marL="3200400" algn="l" defTabSz="914400" rtl="0" eaLnBrk="1" latinLnBrk="0" hangingPunct="1">
+      <a:defRPr sz="1800" kern="1200">
+        <a:solidFill>
+          <a:schemeClr val="tx1"/>
+        </a:solidFill>
+        <a:latin typeface="+mn-lt"/>
+        <a:ea typeface="+mn-ea"/>
+        <a:cs typeface="+mn-cs"/>
+      </a:defRPr>
+    </a:lvl8pPr>
+    <a:lvl9pPr marL="3657600" algn="l" defTabSz="914400" rtl="0" eaLnBrk="1" latinLnBrk="0" hangingPunct="1">
+      <a:defRPr sz="1800" kern="1200">
+        <a:solidFill>
+          <a:schemeClr val="tx1"/>
+        </a:solidFill>
+        <a:latin typeface="+mn-lt"/>
+        <a:ea typeface="+mn-ea"/>
+        <a:cs typeface="+mn-cs"/>
+      </a:defRPr>
+    </a:lvl9pPr>
+  </p:defaultTextStyle>
 </p:presentation>
 </file>
 
 <file path=ppt/slideLayouts/slideLayout1.xml><?xml version="1.0" encoding="utf-8"?>
-<p:sldLayout xmlns:a="http://schemas.openxmlformats.org/drawingml/2006/main" xmlns:p="http://schemas.openxmlformats.org/presentationml/2006/main" xmlns:r="http://schemas.openxmlformats.org/officeDocument/2006/relationships" xmlns:p14="http://schemas.microsoft.com/office/powerpoint/2010/main" xmlns:p15="http://schemas.microsoft.com/office/powerpoint/2012/main" xmlns:mc="http://schemas.openxmlformats.org/markup-compatibility/2006" type="blank" preserve="1">
+<p:sldLayout xmlns:a="http://schemas.openxmlformats.org/drawingml/2006/main" xmlns:r="http://schemas.openxmlformats.org/officeDocument/2006/relationships" xmlns:p="http://schemas.openxmlformats.org/presentationml/2006/main" type="blank" preserve="1">
   <p:cSld name="Blank Slide">
     <p:spTree>
       <p:nvGrpSpPr>
@@ -42,11 +137,14 @@
       </p:grpSpPr>
     </p:spTree>
   </p:cSld>
+  <p:clrMapOvr>
+    <a:masterClrMapping/>
+  </p:clrMapOvr>
 </p:sldLayout>
 </file>
 
 <file path=ppt/slideLayouts/slideLayout10.xml><?xml version="1.0" encoding="utf-8"?>
-<p:sldLayout xmlns:a="http://schemas.openxmlformats.org/drawingml/2006/main" xmlns:p="http://schemas.openxmlformats.org/presentationml/2006/main" xmlns:r="http://schemas.openxmlformats.org/officeDocument/2006/relationships" xmlns:p14="http://schemas.microsoft.com/office/powerpoint/2010/main" xmlns:p15="http://schemas.microsoft.com/office/powerpoint/2012/main" xmlns:mc="http://schemas.openxmlformats.org/markup-compatibility/2006" type="objOverTx" preserve="1">
+<p:sldLayout xmlns:a="http://schemas.openxmlformats.org/drawingml/2006/main" xmlns:r="http://schemas.openxmlformats.org/officeDocument/2006/relationships" xmlns:p="http://schemas.openxmlformats.org/presentationml/2006/main" type="objOverTx" preserve="1">
   <p:cSld name="Title, Content over Content">
     <p:spTree>
       <p:nvGrpSpPr>
@@ -82,16 +180,17 @@
           </a:prstGeom>
         </p:spPr>
         <p:txBody>
-          <a:bodyPr lIns="0" rIns="0" tIns="0" bIns="0" anchor="ctr"/>
+          <a:bodyPr lIns="0" tIns="0" rIns="0" bIns="0" anchor="ctr"/>
+          <a:lstStyle/>
           <a:p>
             <a:pPr algn="ctr"/>
-            <a:endParaRPr b="0" lang="en-GB" sz="4400" spc="-1" strike="noStrike">
-              <a:solidFill>
-                <a:srgbClr val="000000"/>
-              </a:solidFill>
-              <a:uFill>
-                <a:solidFill>
-                  <a:srgbClr val="ffffff"/>
+            <a:endParaRPr lang="en-GB" sz="4400" b="0" strike="noStrike" spc="-1">
+              <a:solidFill>
+                <a:srgbClr val="000000"/>
+              </a:solidFill>
+              <a:uFill>
+                <a:solidFill>
+                  <a:srgbClr val="FFFFFF"/>
                 </a:solidFill>
               </a:uFill>
               <a:latin typeface="Arial"/>
@@ -119,15 +218,16 @@
           </a:prstGeom>
         </p:spPr>
         <p:txBody>
-          <a:bodyPr lIns="0" rIns="0" tIns="0" bIns="0"/>
-          <a:p>
-            <a:endParaRPr b="0" lang="en-GB" sz="3200" spc="-1" strike="noStrike">
-              <a:solidFill>
-                <a:srgbClr val="000000"/>
-              </a:solidFill>
-              <a:uFill>
-                <a:solidFill>
-                  <a:srgbClr val="ffffff"/>
+          <a:bodyPr lIns="0" tIns="0" rIns="0" bIns="0"/>
+          <a:lstStyle/>
+          <a:p>
+            <a:endParaRPr lang="en-GB" sz="3200" b="0" strike="noStrike" spc="-1">
+              <a:solidFill>
+                <a:srgbClr val="000000"/>
+              </a:solidFill>
+              <a:uFill>
+                <a:solidFill>
+                  <a:srgbClr val="FFFFFF"/>
                 </a:solidFill>
               </a:uFill>
               <a:latin typeface="Arial"/>
@@ -155,15 +255,16 @@
           </a:prstGeom>
         </p:spPr>
         <p:txBody>
-          <a:bodyPr lIns="0" rIns="0" tIns="0" bIns="0"/>
-          <a:p>
-            <a:endParaRPr b="0" lang="en-GB" sz="3200" spc="-1" strike="noStrike">
-              <a:solidFill>
-                <a:srgbClr val="000000"/>
-              </a:solidFill>
-              <a:uFill>
-                <a:solidFill>
-                  <a:srgbClr val="ffffff"/>
+          <a:bodyPr lIns="0" tIns="0" rIns="0" bIns="0"/>
+          <a:lstStyle/>
+          <a:p>
+            <a:endParaRPr lang="en-GB" sz="3200" b="0" strike="noStrike" spc="-1">
+              <a:solidFill>
+                <a:srgbClr val="000000"/>
+              </a:solidFill>
+              <a:uFill>
+                <a:solidFill>
+                  <a:srgbClr val="FFFFFF"/>
                 </a:solidFill>
               </a:uFill>
               <a:latin typeface="Arial"/>
@@ -173,11 +274,14 @@
       </p:sp>
     </p:spTree>
   </p:cSld>
+  <p:clrMapOvr>
+    <a:masterClrMapping/>
+  </p:clrMapOvr>
 </p:sldLayout>
 </file>
 
 <file path=ppt/slideLayouts/slideLayout11.xml><?xml version="1.0" encoding="utf-8"?>
-<p:sldLayout xmlns:a="http://schemas.openxmlformats.org/drawingml/2006/main" xmlns:p="http://schemas.openxmlformats.org/presentationml/2006/main" xmlns:r="http://schemas.openxmlformats.org/officeDocument/2006/relationships" xmlns:p14="http://schemas.microsoft.com/office/powerpoint/2010/main" xmlns:p15="http://schemas.microsoft.com/office/powerpoint/2012/main" xmlns:mc="http://schemas.openxmlformats.org/markup-compatibility/2006" type="fourObj" preserve="1">
+<p:sldLayout xmlns:a="http://schemas.openxmlformats.org/drawingml/2006/main" xmlns:r="http://schemas.openxmlformats.org/officeDocument/2006/relationships" xmlns:p="http://schemas.openxmlformats.org/presentationml/2006/main" type="fourObj" preserve="1">
   <p:cSld name="Title, 4 Content">
     <p:spTree>
       <p:nvGrpSpPr>
@@ -213,16 +317,17 @@
           </a:prstGeom>
         </p:spPr>
         <p:txBody>
-          <a:bodyPr lIns="0" rIns="0" tIns="0" bIns="0" anchor="ctr"/>
+          <a:bodyPr lIns="0" tIns="0" rIns="0" bIns="0" anchor="ctr"/>
+          <a:lstStyle/>
           <a:p>
             <a:pPr algn="ctr"/>
-            <a:endParaRPr b="0" lang="en-GB" sz="4400" spc="-1" strike="noStrike">
-              <a:solidFill>
-                <a:srgbClr val="000000"/>
-              </a:solidFill>
-              <a:uFill>
-                <a:solidFill>
-                  <a:srgbClr val="ffffff"/>
+            <a:endParaRPr lang="en-GB" sz="4400" b="0" strike="noStrike" spc="-1">
+              <a:solidFill>
+                <a:srgbClr val="000000"/>
+              </a:solidFill>
+              <a:uFill>
+                <a:solidFill>
+                  <a:srgbClr val="FFFFFF"/>
                 </a:solidFill>
               </a:uFill>
               <a:latin typeface="Arial"/>
@@ -250,15 +355,16 @@
           </a:prstGeom>
         </p:spPr>
         <p:txBody>
-          <a:bodyPr lIns="0" rIns="0" tIns="0" bIns="0"/>
-          <a:p>
-            <a:endParaRPr b="0" lang="en-GB" sz="3200" spc="-1" strike="noStrike">
-              <a:solidFill>
-                <a:srgbClr val="000000"/>
-              </a:solidFill>
-              <a:uFill>
-                <a:solidFill>
-                  <a:srgbClr val="ffffff"/>
+          <a:bodyPr lIns="0" tIns="0" rIns="0" bIns="0"/>
+          <a:lstStyle/>
+          <a:p>
+            <a:endParaRPr lang="en-GB" sz="3200" b="0" strike="noStrike" spc="-1">
+              <a:solidFill>
+                <a:srgbClr val="000000"/>
+              </a:solidFill>
+              <a:uFill>
+                <a:solidFill>
+                  <a:srgbClr val="FFFFFF"/>
                 </a:solidFill>
               </a:uFill>
               <a:latin typeface="Arial"/>
@@ -286,15 +392,16 @@
           </a:prstGeom>
         </p:spPr>
         <p:txBody>
-          <a:bodyPr lIns="0" rIns="0" tIns="0" bIns="0"/>
-          <a:p>
-            <a:endParaRPr b="0" lang="en-GB" sz="3200" spc="-1" strike="noStrike">
-              <a:solidFill>
-                <a:srgbClr val="000000"/>
-              </a:solidFill>
-              <a:uFill>
-                <a:solidFill>
-                  <a:srgbClr val="ffffff"/>
+          <a:bodyPr lIns="0" tIns="0" rIns="0" bIns="0"/>
+          <a:lstStyle/>
+          <a:p>
+            <a:endParaRPr lang="en-GB" sz="3200" b="0" strike="noStrike" spc="-1">
+              <a:solidFill>
+                <a:srgbClr val="000000"/>
+              </a:solidFill>
+              <a:uFill>
+                <a:solidFill>
+                  <a:srgbClr val="FFFFFF"/>
                 </a:solidFill>
               </a:uFill>
               <a:latin typeface="Arial"/>
@@ -322,15 +429,16 @@
           </a:prstGeom>
         </p:spPr>
         <p:txBody>
-          <a:bodyPr lIns="0" rIns="0" tIns="0" bIns="0"/>
-          <a:p>
-            <a:endParaRPr b="0" lang="en-GB" sz="3200" spc="-1" strike="noStrike">
-              <a:solidFill>
-                <a:srgbClr val="000000"/>
-              </a:solidFill>
-              <a:uFill>
-                <a:solidFill>
-                  <a:srgbClr val="ffffff"/>
+          <a:bodyPr lIns="0" tIns="0" rIns="0" bIns="0"/>
+          <a:lstStyle/>
+          <a:p>
+            <a:endParaRPr lang="en-GB" sz="3200" b="0" strike="noStrike" spc="-1">
+              <a:solidFill>
+                <a:srgbClr val="000000"/>
+              </a:solidFill>
+              <a:uFill>
+                <a:solidFill>
+                  <a:srgbClr val="FFFFFF"/>
                 </a:solidFill>
               </a:uFill>
               <a:latin typeface="Arial"/>
@@ -358,15 +466,16 @@
           </a:prstGeom>
         </p:spPr>
         <p:txBody>
-          <a:bodyPr lIns="0" rIns="0" tIns="0" bIns="0"/>
-          <a:p>
-            <a:endParaRPr b="0" lang="en-GB" sz="3200" spc="-1" strike="noStrike">
-              <a:solidFill>
-                <a:srgbClr val="000000"/>
-              </a:solidFill>
-              <a:uFill>
-                <a:solidFill>
-                  <a:srgbClr val="ffffff"/>
+          <a:bodyPr lIns="0" tIns="0" rIns="0" bIns="0"/>
+          <a:lstStyle/>
+          <a:p>
+            <a:endParaRPr lang="en-GB" sz="3200" b="0" strike="noStrike" spc="-1">
+              <a:solidFill>
+                <a:srgbClr val="000000"/>
+              </a:solidFill>
+              <a:uFill>
+                <a:solidFill>
+                  <a:srgbClr val="FFFFFF"/>
                 </a:solidFill>
               </a:uFill>
               <a:latin typeface="Arial"/>
@@ -376,11 +485,14 @@
       </p:sp>
     </p:spTree>
   </p:cSld>
+  <p:clrMapOvr>
+    <a:masterClrMapping/>
+  </p:clrMapOvr>
 </p:sldLayout>
 </file>
 
 <file path=ppt/slideLayouts/slideLayout12.xml><?xml version="1.0" encoding="utf-8"?>
-<p:sldLayout xmlns:a="http://schemas.openxmlformats.org/drawingml/2006/main" xmlns:p="http://schemas.openxmlformats.org/presentationml/2006/main" xmlns:r="http://schemas.openxmlformats.org/officeDocument/2006/relationships" xmlns:p14="http://schemas.microsoft.com/office/powerpoint/2010/main" xmlns:p15="http://schemas.microsoft.com/office/powerpoint/2012/main" xmlns:mc="http://schemas.openxmlformats.org/markup-compatibility/2006" type="blank" preserve="1">
+<p:sldLayout xmlns:a="http://schemas.openxmlformats.org/drawingml/2006/main" xmlns:r="http://schemas.openxmlformats.org/officeDocument/2006/relationships" xmlns:p="http://schemas.openxmlformats.org/presentationml/2006/main" type="blank" preserve="1">
   <p:cSld name="Title, 6 Content">
     <p:spTree>
       <p:nvGrpSpPr>
@@ -416,16 +528,17 @@
           </a:prstGeom>
         </p:spPr>
         <p:txBody>
-          <a:bodyPr lIns="0" rIns="0" tIns="0" bIns="0" anchor="ctr"/>
+          <a:bodyPr lIns="0" tIns="0" rIns="0" bIns="0" anchor="ctr"/>
+          <a:lstStyle/>
           <a:p>
             <a:pPr algn="ctr"/>
-            <a:endParaRPr b="0" lang="en-GB" sz="4400" spc="-1" strike="noStrike">
-              <a:solidFill>
-                <a:srgbClr val="000000"/>
-              </a:solidFill>
-              <a:uFill>
-                <a:solidFill>
-                  <a:srgbClr val="ffffff"/>
+            <a:endParaRPr lang="en-GB" sz="4400" b="0" strike="noStrike" spc="-1">
+              <a:solidFill>
+                <a:srgbClr val="000000"/>
+              </a:solidFill>
+              <a:uFill>
+                <a:solidFill>
+                  <a:srgbClr val="FFFFFF"/>
                 </a:solidFill>
               </a:uFill>
               <a:latin typeface="Arial"/>
@@ -453,15 +566,16 @@
           </a:prstGeom>
         </p:spPr>
         <p:txBody>
-          <a:bodyPr lIns="0" rIns="0" tIns="0" bIns="0"/>
-          <a:p>
-            <a:endParaRPr b="0" lang="en-GB" sz="3200" spc="-1" strike="noStrike">
-              <a:solidFill>
-                <a:srgbClr val="000000"/>
-              </a:solidFill>
-              <a:uFill>
-                <a:solidFill>
-                  <a:srgbClr val="ffffff"/>
+          <a:bodyPr lIns="0" tIns="0" rIns="0" bIns="0"/>
+          <a:lstStyle/>
+          <a:p>
+            <a:endParaRPr lang="en-GB" sz="3200" b="0" strike="noStrike" spc="-1">
+              <a:solidFill>
+                <a:srgbClr val="000000"/>
+              </a:solidFill>
+              <a:uFill>
+                <a:solidFill>
+                  <a:srgbClr val="FFFFFF"/>
                 </a:solidFill>
               </a:uFill>
               <a:latin typeface="Arial"/>
@@ -489,15 +603,16 @@
           </a:prstGeom>
         </p:spPr>
         <p:txBody>
-          <a:bodyPr lIns="0" rIns="0" tIns="0" bIns="0"/>
-          <a:p>
-            <a:endParaRPr b="0" lang="en-GB" sz="3200" spc="-1" strike="noStrike">
-              <a:solidFill>
-                <a:srgbClr val="000000"/>
-              </a:solidFill>
-              <a:uFill>
-                <a:solidFill>
-                  <a:srgbClr val="ffffff"/>
+          <a:bodyPr lIns="0" tIns="0" rIns="0" bIns="0"/>
+          <a:lstStyle/>
+          <a:p>
+            <a:endParaRPr lang="en-GB" sz="3200" b="0" strike="noStrike" spc="-1">
+              <a:solidFill>
+                <a:srgbClr val="000000"/>
+              </a:solidFill>
+              <a:uFill>
+                <a:solidFill>
+                  <a:srgbClr val="FFFFFF"/>
                 </a:solidFill>
               </a:uFill>
               <a:latin typeface="Arial"/>
@@ -507,7 +622,7 @@
       </p:sp>
       <p:pic>
         <p:nvPicPr>
-          <p:cNvPr id="34" name="" descr=""/>
+          <p:cNvPr id="34" name="Picture 33"/>
           <p:cNvPicPr/>
           <p:nvPr/>
         </p:nvPicPr>
@@ -530,12 +645,12 @@
       </p:pic>
       <p:pic>
         <p:nvPicPr>
-          <p:cNvPr id="35" name="" descr=""/>
+          <p:cNvPr id="35" name="Picture 34"/>
           <p:cNvPicPr/>
           <p:nvPr/>
         </p:nvPicPr>
         <p:blipFill>
-          <a:blip r:embed="rId3"/>
+          <a:blip r:embed="rId2"/>
           <a:stretch/>
         </p:blipFill>
         <p:spPr>
@@ -553,11 +668,14 @@
       </p:pic>
     </p:spTree>
   </p:cSld>
+  <p:clrMapOvr>
+    <a:masterClrMapping/>
+  </p:clrMapOvr>
 </p:sldLayout>
 </file>
 
 <file path=ppt/slideLayouts/slideLayout13.xml><?xml version="1.0" encoding="utf-8"?>
-<p:sldLayout xmlns:a="http://schemas.openxmlformats.org/drawingml/2006/main" xmlns:p="http://schemas.openxmlformats.org/presentationml/2006/main" xmlns:r="http://schemas.openxmlformats.org/officeDocument/2006/relationships" xmlns:p14="http://schemas.microsoft.com/office/powerpoint/2010/main" xmlns:p15="http://schemas.microsoft.com/office/powerpoint/2012/main" xmlns:mc="http://schemas.openxmlformats.org/markup-compatibility/2006" type="blank" preserve="1">
+<p:sldLayout xmlns:a="http://schemas.openxmlformats.org/drawingml/2006/main" xmlns:r="http://schemas.openxmlformats.org/officeDocument/2006/relationships" xmlns:p="http://schemas.openxmlformats.org/presentationml/2006/main" type="blank" preserve="1">
   <p:cSld name="Blank Slide">
     <p:spTree>
       <p:nvGrpSpPr>
@@ -575,11 +693,14 @@
       </p:grpSpPr>
     </p:spTree>
   </p:cSld>
+  <p:clrMapOvr>
+    <a:masterClrMapping/>
+  </p:clrMapOvr>
 </p:sldLayout>
 </file>
 
 <file path=ppt/slideLayouts/slideLayout14.xml><?xml version="1.0" encoding="utf-8"?>
-<p:sldLayout xmlns:a="http://schemas.openxmlformats.org/drawingml/2006/main" xmlns:p="http://schemas.openxmlformats.org/presentationml/2006/main" xmlns:r="http://schemas.openxmlformats.org/officeDocument/2006/relationships" xmlns:p14="http://schemas.microsoft.com/office/powerpoint/2010/main" xmlns:p15="http://schemas.microsoft.com/office/powerpoint/2012/main" xmlns:mc="http://schemas.openxmlformats.org/markup-compatibility/2006" type="tx" preserve="1">
+<p:sldLayout xmlns:a="http://schemas.openxmlformats.org/drawingml/2006/main" xmlns:r="http://schemas.openxmlformats.org/officeDocument/2006/relationships" xmlns:p="http://schemas.openxmlformats.org/presentationml/2006/main" type="tx" preserve="1">
   <p:cSld name="Title Slide">
     <p:spTree>
       <p:nvGrpSpPr>
@@ -615,16 +736,17 @@
           </a:prstGeom>
         </p:spPr>
         <p:txBody>
-          <a:bodyPr lIns="0" rIns="0" tIns="0" bIns="0" anchor="ctr"/>
+          <a:bodyPr lIns="0" tIns="0" rIns="0" bIns="0" anchor="ctr"/>
+          <a:lstStyle/>
           <a:p>
             <a:pPr algn="ctr"/>
-            <a:endParaRPr b="0" lang="en-GB" sz="4400" spc="-1" strike="noStrike">
-              <a:solidFill>
-                <a:srgbClr val="000000"/>
-              </a:solidFill>
-              <a:uFill>
-                <a:solidFill>
-                  <a:srgbClr val="ffffff"/>
+            <a:endParaRPr lang="en-GB" sz="4400" b="0" strike="noStrike" spc="-1">
+              <a:solidFill>
+                <a:srgbClr val="000000"/>
+              </a:solidFill>
+              <a:uFill>
+                <a:solidFill>
+                  <a:srgbClr val="FFFFFF"/>
                 </a:solidFill>
               </a:uFill>
               <a:latin typeface="Arial"/>
@@ -652,16 +774,17 @@
           </a:prstGeom>
         </p:spPr>
         <p:txBody>
-          <a:bodyPr lIns="0" rIns="0" tIns="0" bIns="0" anchor="ctr"/>
+          <a:bodyPr lIns="0" tIns="0" rIns="0" bIns="0" anchor="ctr"/>
+          <a:lstStyle/>
           <a:p>
             <a:pPr algn="ctr"/>
-            <a:endParaRPr b="0" lang="en-GB" sz="3200" spc="-1" strike="noStrike">
-              <a:solidFill>
-                <a:srgbClr val="000000"/>
-              </a:solidFill>
-              <a:uFill>
-                <a:solidFill>
-                  <a:srgbClr val="ffffff"/>
+            <a:endParaRPr lang="en-GB" sz="3200" b="0" strike="noStrike" spc="-1">
+              <a:solidFill>
+                <a:srgbClr val="000000"/>
+              </a:solidFill>
+              <a:uFill>
+                <a:solidFill>
+                  <a:srgbClr val="FFFFFF"/>
                 </a:solidFill>
               </a:uFill>
               <a:latin typeface="Arial"/>
@@ -671,11 +794,14 @@
       </p:sp>
     </p:spTree>
   </p:cSld>
+  <p:clrMapOvr>
+    <a:masterClrMapping/>
+  </p:clrMapOvr>
 </p:sldLayout>
 </file>
 
 <file path=ppt/slideLayouts/slideLayout15.xml><?xml version="1.0" encoding="utf-8"?>
-<p:sldLayout xmlns:a="http://schemas.openxmlformats.org/drawingml/2006/main" xmlns:p="http://schemas.openxmlformats.org/presentationml/2006/main" xmlns:r="http://schemas.openxmlformats.org/officeDocument/2006/relationships" xmlns:p14="http://schemas.microsoft.com/office/powerpoint/2010/main" xmlns:p15="http://schemas.microsoft.com/office/powerpoint/2012/main" xmlns:mc="http://schemas.openxmlformats.org/markup-compatibility/2006" type="obj" preserve="1">
+<p:sldLayout xmlns:a="http://schemas.openxmlformats.org/drawingml/2006/main" xmlns:r="http://schemas.openxmlformats.org/officeDocument/2006/relationships" xmlns:p="http://schemas.openxmlformats.org/presentationml/2006/main" type="obj" preserve="1">
   <p:cSld name="Title, Content">
     <p:spTree>
       <p:nvGrpSpPr>
@@ -711,16 +837,17 @@
           </a:prstGeom>
         </p:spPr>
         <p:txBody>
-          <a:bodyPr lIns="0" rIns="0" tIns="0" bIns="0" anchor="ctr"/>
+          <a:bodyPr lIns="0" tIns="0" rIns="0" bIns="0" anchor="ctr"/>
+          <a:lstStyle/>
           <a:p>
             <a:pPr algn="ctr"/>
-            <a:endParaRPr b="0" lang="en-GB" sz="4400" spc="-1" strike="noStrike">
-              <a:solidFill>
-                <a:srgbClr val="000000"/>
-              </a:solidFill>
-              <a:uFill>
-                <a:solidFill>
-                  <a:srgbClr val="ffffff"/>
+            <a:endParaRPr lang="en-GB" sz="4400" b="0" strike="noStrike" spc="-1">
+              <a:solidFill>
+                <a:srgbClr val="000000"/>
+              </a:solidFill>
+              <a:uFill>
+                <a:solidFill>
+                  <a:srgbClr val="FFFFFF"/>
                 </a:solidFill>
               </a:uFill>
               <a:latin typeface="Arial"/>
@@ -748,15 +875,16 @@
           </a:prstGeom>
         </p:spPr>
         <p:txBody>
-          <a:bodyPr lIns="0" rIns="0" tIns="0" bIns="0"/>
-          <a:p>
-            <a:endParaRPr b="0" lang="en-GB" sz="3200" spc="-1" strike="noStrike">
-              <a:solidFill>
-                <a:srgbClr val="000000"/>
-              </a:solidFill>
-              <a:uFill>
-                <a:solidFill>
-                  <a:srgbClr val="ffffff"/>
+          <a:bodyPr lIns="0" tIns="0" rIns="0" bIns="0"/>
+          <a:lstStyle/>
+          <a:p>
+            <a:endParaRPr lang="en-GB" sz="3200" b="0" strike="noStrike" spc="-1">
+              <a:solidFill>
+                <a:srgbClr val="000000"/>
+              </a:solidFill>
+              <a:uFill>
+                <a:solidFill>
+                  <a:srgbClr val="FFFFFF"/>
                 </a:solidFill>
               </a:uFill>
               <a:latin typeface="Arial"/>
@@ -766,11 +894,14 @@
       </p:sp>
     </p:spTree>
   </p:cSld>
+  <p:clrMapOvr>
+    <a:masterClrMapping/>
+  </p:clrMapOvr>
 </p:sldLayout>
 </file>
 
 <file path=ppt/slideLayouts/slideLayout16.xml><?xml version="1.0" encoding="utf-8"?>
-<p:sldLayout xmlns:a="http://schemas.openxmlformats.org/drawingml/2006/main" xmlns:p="http://schemas.openxmlformats.org/presentationml/2006/main" xmlns:r="http://schemas.openxmlformats.org/officeDocument/2006/relationships" xmlns:p14="http://schemas.microsoft.com/office/powerpoint/2010/main" xmlns:p15="http://schemas.microsoft.com/office/powerpoint/2012/main" xmlns:mc="http://schemas.openxmlformats.org/markup-compatibility/2006" type="twoObj" preserve="1">
+<p:sldLayout xmlns:a="http://schemas.openxmlformats.org/drawingml/2006/main" xmlns:r="http://schemas.openxmlformats.org/officeDocument/2006/relationships" xmlns:p="http://schemas.openxmlformats.org/presentationml/2006/main" type="twoObj" preserve="1">
   <p:cSld name="Title, 2 Content">
     <p:spTree>
       <p:nvGrpSpPr>
@@ -806,16 +937,17 @@
           </a:prstGeom>
         </p:spPr>
         <p:txBody>
-          <a:bodyPr lIns="0" rIns="0" tIns="0" bIns="0" anchor="ctr"/>
+          <a:bodyPr lIns="0" tIns="0" rIns="0" bIns="0" anchor="ctr"/>
+          <a:lstStyle/>
           <a:p>
             <a:pPr algn="ctr"/>
-            <a:endParaRPr b="0" lang="en-GB" sz="4400" spc="-1" strike="noStrike">
-              <a:solidFill>
-                <a:srgbClr val="000000"/>
-              </a:solidFill>
-              <a:uFill>
-                <a:solidFill>
-                  <a:srgbClr val="ffffff"/>
+            <a:endParaRPr lang="en-GB" sz="4400" b="0" strike="noStrike" spc="-1">
+              <a:solidFill>
+                <a:srgbClr val="000000"/>
+              </a:solidFill>
+              <a:uFill>
+                <a:solidFill>
+                  <a:srgbClr val="FFFFFF"/>
                 </a:solidFill>
               </a:uFill>
               <a:latin typeface="Arial"/>
@@ -843,15 +975,16 @@
           </a:prstGeom>
         </p:spPr>
         <p:txBody>
-          <a:bodyPr lIns="0" rIns="0" tIns="0" bIns="0"/>
-          <a:p>
-            <a:endParaRPr b="0" lang="en-GB" sz="3200" spc="-1" strike="noStrike">
-              <a:solidFill>
-                <a:srgbClr val="000000"/>
-              </a:solidFill>
-              <a:uFill>
-                <a:solidFill>
-                  <a:srgbClr val="ffffff"/>
+          <a:bodyPr lIns="0" tIns="0" rIns="0" bIns="0"/>
+          <a:lstStyle/>
+          <a:p>
+            <a:endParaRPr lang="en-GB" sz="3200" b="0" strike="noStrike" spc="-1">
+              <a:solidFill>
+                <a:srgbClr val="000000"/>
+              </a:solidFill>
+              <a:uFill>
+                <a:solidFill>
+                  <a:srgbClr val="FFFFFF"/>
                 </a:solidFill>
               </a:uFill>
               <a:latin typeface="Arial"/>
@@ -879,15 +1012,16 @@
           </a:prstGeom>
         </p:spPr>
         <p:txBody>
-          <a:bodyPr lIns="0" rIns="0" tIns="0" bIns="0"/>
-          <a:p>
-            <a:endParaRPr b="0" lang="en-GB" sz="3200" spc="-1" strike="noStrike">
-              <a:solidFill>
-                <a:srgbClr val="000000"/>
-              </a:solidFill>
-              <a:uFill>
-                <a:solidFill>
-                  <a:srgbClr val="ffffff"/>
+          <a:bodyPr lIns="0" tIns="0" rIns="0" bIns="0"/>
+          <a:lstStyle/>
+          <a:p>
+            <a:endParaRPr lang="en-GB" sz="3200" b="0" strike="noStrike" spc="-1">
+              <a:solidFill>
+                <a:srgbClr val="000000"/>
+              </a:solidFill>
+              <a:uFill>
+                <a:solidFill>
+                  <a:srgbClr val="FFFFFF"/>
                 </a:solidFill>
               </a:uFill>
               <a:latin typeface="Arial"/>
@@ -897,11 +1031,14 @@
       </p:sp>
     </p:spTree>
   </p:cSld>
+  <p:clrMapOvr>
+    <a:masterClrMapping/>
+  </p:clrMapOvr>
 </p:sldLayout>
 </file>
 
 <file path=ppt/slideLayouts/slideLayout17.xml><?xml version="1.0" encoding="utf-8"?>
-<p:sldLayout xmlns:a="http://schemas.openxmlformats.org/drawingml/2006/main" xmlns:p="http://schemas.openxmlformats.org/presentationml/2006/main" xmlns:r="http://schemas.openxmlformats.org/officeDocument/2006/relationships" xmlns:p14="http://schemas.microsoft.com/office/powerpoint/2010/main" xmlns:p15="http://schemas.microsoft.com/office/powerpoint/2012/main" xmlns:mc="http://schemas.openxmlformats.org/markup-compatibility/2006" type="titleOnly" preserve="1">
+<p:sldLayout xmlns:a="http://schemas.openxmlformats.org/drawingml/2006/main" xmlns:r="http://schemas.openxmlformats.org/officeDocument/2006/relationships" xmlns:p="http://schemas.openxmlformats.org/presentationml/2006/main" type="titleOnly" preserve="1">
   <p:cSld name="Title Only">
     <p:spTree>
       <p:nvGrpSpPr>
@@ -937,16 +1074,17 @@
           </a:prstGeom>
         </p:spPr>
         <p:txBody>
-          <a:bodyPr lIns="0" rIns="0" tIns="0" bIns="0" anchor="ctr"/>
+          <a:bodyPr lIns="0" tIns="0" rIns="0" bIns="0" anchor="ctr"/>
+          <a:lstStyle/>
           <a:p>
             <a:pPr algn="ctr"/>
-            <a:endParaRPr b="0" lang="en-GB" sz="4400" spc="-1" strike="noStrike">
-              <a:solidFill>
-                <a:srgbClr val="000000"/>
-              </a:solidFill>
-              <a:uFill>
-                <a:solidFill>
-                  <a:srgbClr val="ffffff"/>
+            <a:endParaRPr lang="en-GB" sz="4400" b="0" strike="noStrike" spc="-1">
+              <a:solidFill>
+                <a:srgbClr val="000000"/>
+              </a:solidFill>
+              <a:uFill>
+                <a:solidFill>
+                  <a:srgbClr val="FFFFFF"/>
                 </a:solidFill>
               </a:uFill>
               <a:latin typeface="Arial"/>
@@ -956,11 +1094,14 @@
       </p:sp>
     </p:spTree>
   </p:cSld>
+  <p:clrMapOvr>
+    <a:masterClrMapping/>
+  </p:clrMapOvr>
 </p:sldLayout>
 </file>
 
 <file path=ppt/slideLayouts/slideLayout18.xml><?xml version="1.0" encoding="utf-8"?>
-<p:sldLayout xmlns:a="http://schemas.openxmlformats.org/drawingml/2006/main" xmlns:p="http://schemas.openxmlformats.org/presentationml/2006/main" xmlns:r="http://schemas.openxmlformats.org/officeDocument/2006/relationships" xmlns:p14="http://schemas.microsoft.com/office/powerpoint/2010/main" xmlns:p15="http://schemas.microsoft.com/office/powerpoint/2012/main" xmlns:mc="http://schemas.openxmlformats.org/markup-compatibility/2006" type="objOnly" preserve="1">
+<p:sldLayout xmlns:a="http://schemas.openxmlformats.org/drawingml/2006/main" xmlns:r="http://schemas.openxmlformats.org/officeDocument/2006/relationships" xmlns:p="http://schemas.openxmlformats.org/presentationml/2006/main" type="objOnly" preserve="1">
   <p:cSld name="Centered Text">
     <p:spTree>
       <p:nvGrpSpPr>
@@ -996,16 +1137,17 @@
           </a:prstGeom>
         </p:spPr>
         <p:txBody>
-          <a:bodyPr lIns="0" rIns="0" tIns="0" bIns="0" anchor="ctr"/>
+          <a:bodyPr lIns="0" tIns="0" rIns="0" bIns="0" anchor="ctr"/>
+          <a:lstStyle/>
           <a:p>
             <a:pPr algn="ctr"/>
-            <a:endParaRPr b="0" lang="en-GB" sz="3200" spc="-1" strike="noStrike">
-              <a:solidFill>
-                <a:srgbClr val="000000"/>
-              </a:solidFill>
-              <a:uFill>
-                <a:solidFill>
-                  <a:srgbClr val="ffffff"/>
+            <a:endParaRPr lang="en-GB" sz="3200" b="0" strike="noStrike" spc="-1">
+              <a:solidFill>
+                <a:srgbClr val="000000"/>
+              </a:solidFill>
+              <a:uFill>
+                <a:solidFill>
+                  <a:srgbClr val="FFFFFF"/>
                 </a:solidFill>
               </a:uFill>
               <a:latin typeface="Arial"/>
@@ -1015,11 +1157,14 @@
       </p:sp>
     </p:spTree>
   </p:cSld>
+  <p:clrMapOvr>
+    <a:masterClrMapping/>
+  </p:clrMapOvr>
 </p:sldLayout>
 </file>
 
 <file path=ppt/slideLayouts/slideLayout19.xml><?xml version="1.0" encoding="utf-8"?>
-<p:sldLayout xmlns:a="http://schemas.openxmlformats.org/drawingml/2006/main" xmlns:p="http://schemas.openxmlformats.org/presentationml/2006/main" xmlns:r="http://schemas.openxmlformats.org/officeDocument/2006/relationships" xmlns:p14="http://schemas.microsoft.com/office/powerpoint/2010/main" xmlns:p15="http://schemas.microsoft.com/office/powerpoint/2012/main" xmlns:mc="http://schemas.openxmlformats.org/markup-compatibility/2006" type="twoObjAndObj" preserve="1">
+<p:sldLayout xmlns:a="http://schemas.openxmlformats.org/drawingml/2006/main" xmlns:r="http://schemas.openxmlformats.org/officeDocument/2006/relationships" xmlns:p="http://schemas.openxmlformats.org/presentationml/2006/main" type="twoObjAndObj" preserve="1">
   <p:cSld name="Title, 2 Content and Content">
     <p:spTree>
       <p:nvGrpSpPr>
@@ -1055,16 +1200,17 @@
           </a:prstGeom>
         </p:spPr>
         <p:txBody>
-          <a:bodyPr lIns="0" rIns="0" tIns="0" bIns="0" anchor="ctr"/>
+          <a:bodyPr lIns="0" tIns="0" rIns="0" bIns="0" anchor="ctr"/>
+          <a:lstStyle/>
           <a:p>
             <a:pPr algn="ctr"/>
-            <a:endParaRPr b="0" lang="en-GB" sz="4400" spc="-1" strike="noStrike">
-              <a:solidFill>
-                <a:srgbClr val="000000"/>
-              </a:solidFill>
-              <a:uFill>
-                <a:solidFill>
-                  <a:srgbClr val="ffffff"/>
+            <a:endParaRPr lang="en-GB" sz="4400" b="0" strike="noStrike" spc="-1">
+              <a:solidFill>
+                <a:srgbClr val="000000"/>
+              </a:solidFill>
+              <a:uFill>
+                <a:solidFill>
+                  <a:srgbClr val="FFFFFF"/>
                 </a:solidFill>
               </a:uFill>
               <a:latin typeface="Arial"/>
@@ -1092,15 +1238,16 @@
           </a:prstGeom>
         </p:spPr>
         <p:txBody>
-          <a:bodyPr lIns="0" rIns="0" tIns="0" bIns="0"/>
-          <a:p>
-            <a:endParaRPr b="0" lang="en-GB" sz="3200" spc="-1" strike="noStrike">
-              <a:solidFill>
-                <a:srgbClr val="000000"/>
-              </a:solidFill>
-              <a:uFill>
-                <a:solidFill>
-                  <a:srgbClr val="ffffff"/>
+          <a:bodyPr lIns="0" tIns="0" rIns="0" bIns="0"/>
+          <a:lstStyle/>
+          <a:p>
+            <a:endParaRPr lang="en-GB" sz="3200" b="0" strike="noStrike" spc="-1">
+              <a:solidFill>
+                <a:srgbClr val="000000"/>
+              </a:solidFill>
+              <a:uFill>
+                <a:solidFill>
+                  <a:srgbClr val="FFFFFF"/>
                 </a:solidFill>
               </a:uFill>
               <a:latin typeface="Arial"/>
@@ -1128,15 +1275,16 @@
           </a:prstGeom>
         </p:spPr>
         <p:txBody>
-          <a:bodyPr lIns="0" rIns="0" tIns="0" bIns="0"/>
-          <a:p>
-            <a:endParaRPr b="0" lang="en-GB" sz="3200" spc="-1" strike="noStrike">
-              <a:solidFill>
-                <a:srgbClr val="000000"/>
-              </a:solidFill>
-              <a:uFill>
-                <a:solidFill>
-                  <a:srgbClr val="ffffff"/>
+          <a:bodyPr lIns="0" tIns="0" rIns="0" bIns="0"/>
+          <a:lstStyle/>
+          <a:p>
+            <a:endParaRPr lang="en-GB" sz="3200" b="0" strike="noStrike" spc="-1">
+              <a:solidFill>
+                <a:srgbClr val="000000"/>
+              </a:solidFill>
+              <a:uFill>
+                <a:solidFill>
+                  <a:srgbClr val="FFFFFF"/>
                 </a:solidFill>
               </a:uFill>
               <a:latin typeface="Arial"/>
@@ -1164,15 +1312,16 @@
           </a:prstGeom>
         </p:spPr>
         <p:txBody>
-          <a:bodyPr lIns="0" rIns="0" tIns="0" bIns="0"/>
-          <a:p>
-            <a:endParaRPr b="0" lang="en-GB" sz="3200" spc="-1" strike="noStrike">
-              <a:solidFill>
-                <a:srgbClr val="000000"/>
-              </a:solidFill>
-              <a:uFill>
-                <a:solidFill>
-                  <a:srgbClr val="ffffff"/>
+          <a:bodyPr lIns="0" tIns="0" rIns="0" bIns="0"/>
+          <a:lstStyle/>
+          <a:p>
+            <a:endParaRPr lang="en-GB" sz="3200" b="0" strike="noStrike" spc="-1">
+              <a:solidFill>
+                <a:srgbClr val="000000"/>
+              </a:solidFill>
+              <a:uFill>
+                <a:solidFill>
+                  <a:srgbClr val="FFFFFF"/>
                 </a:solidFill>
               </a:uFill>
               <a:latin typeface="Arial"/>
@@ -1182,11 +1331,14 @@
       </p:sp>
     </p:spTree>
   </p:cSld>
+  <p:clrMapOvr>
+    <a:masterClrMapping/>
+  </p:clrMapOvr>
 </p:sldLayout>
 </file>
 
 <file path=ppt/slideLayouts/slideLayout2.xml><?xml version="1.0" encoding="utf-8"?>
-<p:sldLayout xmlns:a="http://schemas.openxmlformats.org/drawingml/2006/main" xmlns:p="http://schemas.openxmlformats.org/presentationml/2006/main" xmlns:r="http://schemas.openxmlformats.org/officeDocument/2006/relationships" xmlns:p14="http://schemas.microsoft.com/office/powerpoint/2010/main" xmlns:p15="http://schemas.microsoft.com/office/powerpoint/2012/main" xmlns:mc="http://schemas.openxmlformats.org/markup-compatibility/2006" type="tx" preserve="1">
+<p:sldLayout xmlns:a="http://schemas.openxmlformats.org/drawingml/2006/main" xmlns:r="http://schemas.openxmlformats.org/officeDocument/2006/relationships" xmlns:p="http://schemas.openxmlformats.org/presentationml/2006/main" type="tx" preserve="1">
   <p:cSld name="Title Slide">
     <p:spTree>
       <p:nvGrpSpPr>
@@ -1222,16 +1374,17 @@
           </a:prstGeom>
         </p:spPr>
         <p:txBody>
-          <a:bodyPr lIns="0" rIns="0" tIns="0" bIns="0" anchor="ctr"/>
+          <a:bodyPr lIns="0" tIns="0" rIns="0" bIns="0" anchor="ctr"/>
+          <a:lstStyle/>
           <a:p>
             <a:pPr algn="ctr"/>
-            <a:endParaRPr b="0" lang="en-GB" sz="4400" spc="-1" strike="noStrike">
-              <a:solidFill>
-                <a:srgbClr val="000000"/>
-              </a:solidFill>
-              <a:uFill>
-                <a:solidFill>
-                  <a:srgbClr val="ffffff"/>
+            <a:endParaRPr lang="en-GB" sz="4400" b="0" strike="noStrike" spc="-1">
+              <a:solidFill>
+                <a:srgbClr val="000000"/>
+              </a:solidFill>
+              <a:uFill>
+                <a:solidFill>
+                  <a:srgbClr val="FFFFFF"/>
                 </a:solidFill>
               </a:uFill>
               <a:latin typeface="Arial"/>
@@ -1259,16 +1412,17 @@
           </a:prstGeom>
         </p:spPr>
         <p:txBody>
-          <a:bodyPr lIns="0" rIns="0" tIns="0" bIns="0" anchor="ctr"/>
+          <a:bodyPr lIns="0" tIns="0" rIns="0" bIns="0" anchor="ctr"/>
+          <a:lstStyle/>
           <a:p>
             <a:pPr algn="ctr"/>
-            <a:endParaRPr b="0" lang="en-GB" sz="3200" spc="-1" strike="noStrike">
-              <a:solidFill>
-                <a:srgbClr val="000000"/>
-              </a:solidFill>
-              <a:uFill>
-                <a:solidFill>
-                  <a:srgbClr val="ffffff"/>
+            <a:endParaRPr lang="en-GB" sz="3200" b="0" strike="noStrike" spc="-1">
+              <a:solidFill>
+                <a:srgbClr val="000000"/>
+              </a:solidFill>
+              <a:uFill>
+                <a:solidFill>
+                  <a:srgbClr val="FFFFFF"/>
                 </a:solidFill>
               </a:uFill>
               <a:latin typeface="Arial"/>
@@ -1278,11 +1432,14 @@
       </p:sp>
     </p:spTree>
   </p:cSld>
+  <p:clrMapOvr>
+    <a:masterClrMapping/>
+  </p:clrMapOvr>
 </p:sldLayout>
 </file>
 
 <file path=ppt/slideLayouts/slideLayout20.xml><?xml version="1.0" encoding="utf-8"?>
-<p:sldLayout xmlns:a="http://schemas.openxmlformats.org/drawingml/2006/main" xmlns:p="http://schemas.openxmlformats.org/presentationml/2006/main" xmlns:r="http://schemas.openxmlformats.org/officeDocument/2006/relationships" xmlns:p14="http://schemas.microsoft.com/office/powerpoint/2010/main" xmlns:p15="http://schemas.microsoft.com/office/powerpoint/2012/main" xmlns:mc="http://schemas.openxmlformats.org/markup-compatibility/2006" type="objAndTwoObj" preserve="1">
+<p:sldLayout xmlns:a="http://schemas.openxmlformats.org/drawingml/2006/main" xmlns:r="http://schemas.openxmlformats.org/officeDocument/2006/relationships" xmlns:p="http://schemas.openxmlformats.org/presentationml/2006/main" type="objAndTwoObj" preserve="1">
   <p:cSld name="Title Content and 2 Content">
     <p:spTree>
       <p:nvGrpSpPr>
@@ -1318,16 +1475,17 @@
           </a:prstGeom>
         </p:spPr>
         <p:txBody>
-          <a:bodyPr lIns="0" rIns="0" tIns="0" bIns="0" anchor="ctr"/>
+          <a:bodyPr lIns="0" tIns="0" rIns="0" bIns="0" anchor="ctr"/>
+          <a:lstStyle/>
           <a:p>
             <a:pPr algn="ctr"/>
-            <a:endParaRPr b="0" lang="en-GB" sz="4400" spc="-1" strike="noStrike">
-              <a:solidFill>
-                <a:srgbClr val="000000"/>
-              </a:solidFill>
-              <a:uFill>
-                <a:solidFill>
-                  <a:srgbClr val="ffffff"/>
+            <a:endParaRPr lang="en-GB" sz="4400" b="0" strike="noStrike" spc="-1">
+              <a:solidFill>
+                <a:srgbClr val="000000"/>
+              </a:solidFill>
+              <a:uFill>
+                <a:solidFill>
+                  <a:srgbClr val="FFFFFF"/>
                 </a:solidFill>
               </a:uFill>
               <a:latin typeface="Arial"/>
@@ -1355,15 +1513,16 @@
           </a:prstGeom>
         </p:spPr>
         <p:txBody>
-          <a:bodyPr lIns="0" rIns="0" tIns="0" bIns="0"/>
-          <a:p>
-            <a:endParaRPr b="0" lang="en-GB" sz="3200" spc="-1" strike="noStrike">
-              <a:solidFill>
-                <a:srgbClr val="000000"/>
-              </a:solidFill>
-              <a:uFill>
-                <a:solidFill>
-                  <a:srgbClr val="ffffff"/>
+          <a:bodyPr lIns="0" tIns="0" rIns="0" bIns="0"/>
+          <a:lstStyle/>
+          <a:p>
+            <a:endParaRPr lang="en-GB" sz="3200" b="0" strike="noStrike" spc="-1">
+              <a:solidFill>
+                <a:srgbClr val="000000"/>
+              </a:solidFill>
+              <a:uFill>
+                <a:solidFill>
+                  <a:srgbClr val="FFFFFF"/>
                 </a:solidFill>
               </a:uFill>
               <a:latin typeface="Arial"/>
@@ -1391,15 +1550,16 @@
           </a:prstGeom>
         </p:spPr>
         <p:txBody>
-          <a:bodyPr lIns="0" rIns="0" tIns="0" bIns="0"/>
-          <a:p>
-            <a:endParaRPr b="0" lang="en-GB" sz="3200" spc="-1" strike="noStrike">
-              <a:solidFill>
-                <a:srgbClr val="000000"/>
-              </a:solidFill>
-              <a:uFill>
-                <a:solidFill>
-                  <a:srgbClr val="ffffff"/>
+          <a:bodyPr lIns="0" tIns="0" rIns="0" bIns="0"/>
+          <a:lstStyle/>
+          <a:p>
+            <a:endParaRPr lang="en-GB" sz="3200" b="0" strike="noStrike" spc="-1">
+              <a:solidFill>
+                <a:srgbClr val="000000"/>
+              </a:solidFill>
+              <a:uFill>
+                <a:solidFill>
+                  <a:srgbClr val="FFFFFF"/>
                 </a:solidFill>
               </a:uFill>
               <a:latin typeface="Arial"/>
@@ -1427,15 +1587,16 @@
           </a:prstGeom>
         </p:spPr>
         <p:txBody>
-          <a:bodyPr lIns="0" rIns="0" tIns="0" bIns="0"/>
-          <a:p>
-            <a:endParaRPr b="0" lang="en-GB" sz="3200" spc="-1" strike="noStrike">
-              <a:solidFill>
-                <a:srgbClr val="000000"/>
-              </a:solidFill>
-              <a:uFill>
-                <a:solidFill>
-                  <a:srgbClr val="ffffff"/>
+          <a:bodyPr lIns="0" tIns="0" rIns="0" bIns="0"/>
+          <a:lstStyle/>
+          <a:p>
+            <a:endParaRPr lang="en-GB" sz="3200" b="0" strike="noStrike" spc="-1">
+              <a:solidFill>
+                <a:srgbClr val="000000"/>
+              </a:solidFill>
+              <a:uFill>
+                <a:solidFill>
+                  <a:srgbClr val="FFFFFF"/>
                 </a:solidFill>
               </a:uFill>
               <a:latin typeface="Arial"/>
@@ -1445,11 +1606,14 @@
       </p:sp>
     </p:spTree>
   </p:cSld>
+  <p:clrMapOvr>
+    <a:masterClrMapping/>
+  </p:clrMapOvr>
 </p:sldLayout>
 </file>
 
 <file path=ppt/slideLayouts/slideLayout21.xml><?xml version="1.0" encoding="utf-8"?>
-<p:sldLayout xmlns:a="http://schemas.openxmlformats.org/drawingml/2006/main" xmlns:p="http://schemas.openxmlformats.org/presentationml/2006/main" xmlns:r="http://schemas.openxmlformats.org/officeDocument/2006/relationships" xmlns:p14="http://schemas.microsoft.com/office/powerpoint/2010/main" xmlns:p15="http://schemas.microsoft.com/office/powerpoint/2012/main" xmlns:mc="http://schemas.openxmlformats.org/markup-compatibility/2006" type="twoObjOverTx" preserve="1">
+<p:sldLayout xmlns:a="http://schemas.openxmlformats.org/drawingml/2006/main" xmlns:r="http://schemas.openxmlformats.org/officeDocument/2006/relationships" xmlns:p="http://schemas.openxmlformats.org/presentationml/2006/main" type="twoObjOverTx" preserve="1">
   <p:cSld name="Title, 2 Content over Content">
     <p:spTree>
       <p:nvGrpSpPr>
@@ -1485,16 +1649,17 @@
           </a:prstGeom>
         </p:spPr>
         <p:txBody>
-          <a:bodyPr lIns="0" rIns="0" tIns="0" bIns="0" anchor="ctr"/>
+          <a:bodyPr lIns="0" tIns="0" rIns="0" bIns="0" anchor="ctr"/>
+          <a:lstStyle/>
           <a:p>
             <a:pPr algn="ctr"/>
-            <a:endParaRPr b="0" lang="en-GB" sz="4400" spc="-1" strike="noStrike">
-              <a:solidFill>
-                <a:srgbClr val="000000"/>
-              </a:solidFill>
-              <a:uFill>
-                <a:solidFill>
-                  <a:srgbClr val="ffffff"/>
+            <a:endParaRPr lang="en-GB" sz="4400" b="0" strike="noStrike" spc="-1">
+              <a:solidFill>
+                <a:srgbClr val="000000"/>
+              </a:solidFill>
+              <a:uFill>
+                <a:solidFill>
+                  <a:srgbClr val="FFFFFF"/>
                 </a:solidFill>
               </a:uFill>
               <a:latin typeface="Arial"/>
@@ -1522,15 +1687,16 @@
           </a:prstGeom>
         </p:spPr>
         <p:txBody>
-          <a:bodyPr lIns="0" rIns="0" tIns="0" bIns="0"/>
-          <a:p>
-            <a:endParaRPr b="0" lang="en-GB" sz="3200" spc="-1" strike="noStrike">
-              <a:solidFill>
-                <a:srgbClr val="000000"/>
-              </a:solidFill>
-              <a:uFill>
-                <a:solidFill>
-                  <a:srgbClr val="ffffff"/>
+          <a:bodyPr lIns="0" tIns="0" rIns="0" bIns="0"/>
+          <a:lstStyle/>
+          <a:p>
+            <a:endParaRPr lang="en-GB" sz="3200" b="0" strike="noStrike" spc="-1">
+              <a:solidFill>
+                <a:srgbClr val="000000"/>
+              </a:solidFill>
+              <a:uFill>
+                <a:solidFill>
+                  <a:srgbClr val="FFFFFF"/>
                 </a:solidFill>
               </a:uFill>
               <a:latin typeface="Arial"/>
@@ -1558,15 +1724,16 @@
           </a:prstGeom>
         </p:spPr>
         <p:txBody>
-          <a:bodyPr lIns="0" rIns="0" tIns="0" bIns="0"/>
-          <a:p>
-            <a:endParaRPr b="0" lang="en-GB" sz="3200" spc="-1" strike="noStrike">
-              <a:solidFill>
-                <a:srgbClr val="000000"/>
-              </a:solidFill>
-              <a:uFill>
-                <a:solidFill>
-                  <a:srgbClr val="ffffff"/>
+          <a:bodyPr lIns="0" tIns="0" rIns="0" bIns="0"/>
+          <a:lstStyle/>
+          <a:p>
+            <a:endParaRPr lang="en-GB" sz="3200" b="0" strike="noStrike" spc="-1">
+              <a:solidFill>
+                <a:srgbClr val="000000"/>
+              </a:solidFill>
+              <a:uFill>
+                <a:solidFill>
+                  <a:srgbClr val="FFFFFF"/>
                 </a:solidFill>
               </a:uFill>
               <a:latin typeface="Arial"/>
@@ -1594,15 +1761,16 @@
           </a:prstGeom>
         </p:spPr>
         <p:txBody>
-          <a:bodyPr lIns="0" rIns="0" tIns="0" bIns="0"/>
-          <a:p>
-            <a:endParaRPr b="0" lang="en-GB" sz="3200" spc="-1" strike="noStrike">
-              <a:solidFill>
-                <a:srgbClr val="000000"/>
-              </a:solidFill>
-              <a:uFill>
-                <a:solidFill>
-                  <a:srgbClr val="ffffff"/>
+          <a:bodyPr lIns="0" tIns="0" rIns="0" bIns="0"/>
+          <a:lstStyle/>
+          <a:p>
+            <a:endParaRPr lang="en-GB" sz="3200" b="0" strike="noStrike" spc="-1">
+              <a:solidFill>
+                <a:srgbClr val="000000"/>
+              </a:solidFill>
+              <a:uFill>
+                <a:solidFill>
+                  <a:srgbClr val="FFFFFF"/>
                 </a:solidFill>
               </a:uFill>
               <a:latin typeface="Arial"/>
@@ -1612,11 +1780,14 @@
       </p:sp>
     </p:spTree>
   </p:cSld>
+  <p:clrMapOvr>
+    <a:masterClrMapping/>
+  </p:clrMapOvr>
 </p:sldLayout>
 </file>
 
 <file path=ppt/slideLayouts/slideLayout22.xml><?xml version="1.0" encoding="utf-8"?>
-<p:sldLayout xmlns:a="http://schemas.openxmlformats.org/drawingml/2006/main" xmlns:p="http://schemas.openxmlformats.org/presentationml/2006/main" xmlns:r="http://schemas.openxmlformats.org/officeDocument/2006/relationships" xmlns:p14="http://schemas.microsoft.com/office/powerpoint/2010/main" xmlns:p15="http://schemas.microsoft.com/office/powerpoint/2012/main" xmlns:mc="http://schemas.openxmlformats.org/markup-compatibility/2006" type="objOverTx" preserve="1">
+<p:sldLayout xmlns:a="http://schemas.openxmlformats.org/drawingml/2006/main" xmlns:r="http://schemas.openxmlformats.org/officeDocument/2006/relationships" xmlns:p="http://schemas.openxmlformats.org/presentationml/2006/main" type="objOverTx" preserve="1">
   <p:cSld name="Title, Content over Content">
     <p:spTree>
       <p:nvGrpSpPr>
@@ -1652,16 +1823,17 @@
           </a:prstGeom>
         </p:spPr>
         <p:txBody>
-          <a:bodyPr lIns="0" rIns="0" tIns="0" bIns="0" anchor="ctr"/>
+          <a:bodyPr lIns="0" tIns="0" rIns="0" bIns="0" anchor="ctr"/>
+          <a:lstStyle/>
           <a:p>
             <a:pPr algn="ctr"/>
-            <a:endParaRPr b="0" lang="en-GB" sz="4400" spc="-1" strike="noStrike">
-              <a:solidFill>
-                <a:srgbClr val="000000"/>
-              </a:solidFill>
-              <a:uFill>
-                <a:solidFill>
-                  <a:srgbClr val="ffffff"/>
+            <a:endParaRPr lang="en-GB" sz="4400" b="0" strike="noStrike" spc="-1">
+              <a:solidFill>
+                <a:srgbClr val="000000"/>
+              </a:solidFill>
+              <a:uFill>
+                <a:solidFill>
+                  <a:srgbClr val="FFFFFF"/>
                 </a:solidFill>
               </a:uFill>
               <a:latin typeface="Arial"/>
@@ -1689,15 +1861,16 @@
           </a:prstGeom>
         </p:spPr>
         <p:txBody>
-          <a:bodyPr lIns="0" rIns="0" tIns="0" bIns="0"/>
-          <a:p>
-            <a:endParaRPr b="0" lang="en-GB" sz="3200" spc="-1" strike="noStrike">
-              <a:solidFill>
-                <a:srgbClr val="000000"/>
-              </a:solidFill>
-              <a:uFill>
-                <a:solidFill>
-                  <a:srgbClr val="ffffff"/>
+          <a:bodyPr lIns="0" tIns="0" rIns="0" bIns="0"/>
+          <a:lstStyle/>
+          <a:p>
+            <a:endParaRPr lang="en-GB" sz="3200" b="0" strike="noStrike" spc="-1">
+              <a:solidFill>
+                <a:srgbClr val="000000"/>
+              </a:solidFill>
+              <a:uFill>
+                <a:solidFill>
+                  <a:srgbClr val="FFFFFF"/>
                 </a:solidFill>
               </a:uFill>
               <a:latin typeface="Arial"/>
@@ -1725,15 +1898,16 @@
           </a:prstGeom>
         </p:spPr>
         <p:txBody>
-          <a:bodyPr lIns="0" rIns="0" tIns="0" bIns="0"/>
-          <a:p>
-            <a:endParaRPr b="0" lang="en-GB" sz="3200" spc="-1" strike="noStrike">
-              <a:solidFill>
-                <a:srgbClr val="000000"/>
-              </a:solidFill>
-              <a:uFill>
-                <a:solidFill>
-                  <a:srgbClr val="ffffff"/>
+          <a:bodyPr lIns="0" tIns="0" rIns="0" bIns="0"/>
+          <a:lstStyle/>
+          <a:p>
+            <a:endParaRPr lang="en-GB" sz="3200" b="0" strike="noStrike" spc="-1">
+              <a:solidFill>
+                <a:srgbClr val="000000"/>
+              </a:solidFill>
+              <a:uFill>
+                <a:solidFill>
+                  <a:srgbClr val="FFFFFF"/>
                 </a:solidFill>
               </a:uFill>
               <a:latin typeface="Arial"/>
@@ -1743,11 +1917,14 @@
       </p:sp>
     </p:spTree>
   </p:cSld>
+  <p:clrMapOvr>
+    <a:masterClrMapping/>
+  </p:clrMapOvr>
 </p:sldLayout>
 </file>
 
 <file path=ppt/slideLayouts/slideLayout23.xml><?xml version="1.0" encoding="utf-8"?>
-<p:sldLayout xmlns:a="http://schemas.openxmlformats.org/drawingml/2006/main" xmlns:p="http://schemas.openxmlformats.org/presentationml/2006/main" xmlns:r="http://schemas.openxmlformats.org/officeDocument/2006/relationships" xmlns:p14="http://schemas.microsoft.com/office/powerpoint/2010/main" xmlns:p15="http://schemas.microsoft.com/office/powerpoint/2012/main" xmlns:mc="http://schemas.openxmlformats.org/markup-compatibility/2006" type="fourObj" preserve="1">
+<p:sldLayout xmlns:a="http://schemas.openxmlformats.org/drawingml/2006/main" xmlns:r="http://schemas.openxmlformats.org/officeDocument/2006/relationships" xmlns:p="http://schemas.openxmlformats.org/presentationml/2006/main" type="fourObj" preserve="1">
   <p:cSld name="Title, 4 Content">
     <p:spTree>
       <p:nvGrpSpPr>
@@ -1783,16 +1960,17 @@
           </a:prstGeom>
         </p:spPr>
         <p:txBody>
-          <a:bodyPr lIns="0" rIns="0" tIns="0" bIns="0" anchor="ctr"/>
+          <a:bodyPr lIns="0" tIns="0" rIns="0" bIns="0" anchor="ctr"/>
+          <a:lstStyle/>
           <a:p>
             <a:pPr algn="ctr"/>
-            <a:endParaRPr b="0" lang="en-GB" sz="4400" spc="-1" strike="noStrike">
-              <a:solidFill>
-                <a:srgbClr val="000000"/>
-              </a:solidFill>
-              <a:uFill>
-                <a:solidFill>
-                  <a:srgbClr val="ffffff"/>
+            <a:endParaRPr lang="en-GB" sz="4400" b="0" strike="noStrike" spc="-1">
+              <a:solidFill>
+                <a:srgbClr val="000000"/>
+              </a:solidFill>
+              <a:uFill>
+                <a:solidFill>
+                  <a:srgbClr val="FFFFFF"/>
                 </a:solidFill>
               </a:uFill>
               <a:latin typeface="Arial"/>
@@ -1820,15 +1998,16 @@
           </a:prstGeom>
         </p:spPr>
         <p:txBody>
-          <a:bodyPr lIns="0" rIns="0" tIns="0" bIns="0"/>
-          <a:p>
-            <a:endParaRPr b="0" lang="en-GB" sz="3200" spc="-1" strike="noStrike">
-              <a:solidFill>
-                <a:srgbClr val="000000"/>
-              </a:solidFill>
-              <a:uFill>
-                <a:solidFill>
-                  <a:srgbClr val="ffffff"/>
+          <a:bodyPr lIns="0" tIns="0" rIns="0" bIns="0"/>
+          <a:lstStyle/>
+          <a:p>
+            <a:endParaRPr lang="en-GB" sz="3200" b="0" strike="noStrike" spc="-1">
+              <a:solidFill>
+                <a:srgbClr val="000000"/>
+              </a:solidFill>
+              <a:uFill>
+                <a:solidFill>
+                  <a:srgbClr val="FFFFFF"/>
                 </a:solidFill>
               </a:uFill>
               <a:latin typeface="Arial"/>
@@ -1856,15 +2035,16 @@
           </a:prstGeom>
         </p:spPr>
         <p:txBody>
-          <a:bodyPr lIns="0" rIns="0" tIns="0" bIns="0"/>
-          <a:p>
-            <a:endParaRPr b="0" lang="en-GB" sz="3200" spc="-1" strike="noStrike">
-              <a:solidFill>
-                <a:srgbClr val="000000"/>
-              </a:solidFill>
-              <a:uFill>
-                <a:solidFill>
-                  <a:srgbClr val="ffffff"/>
+          <a:bodyPr lIns="0" tIns="0" rIns="0" bIns="0"/>
+          <a:lstStyle/>
+          <a:p>
+            <a:endParaRPr lang="en-GB" sz="3200" b="0" strike="noStrike" spc="-1">
+              <a:solidFill>
+                <a:srgbClr val="000000"/>
+              </a:solidFill>
+              <a:uFill>
+                <a:solidFill>
+                  <a:srgbClr val="FFFFFF"/>
                 </a:solidFill>
               </a:uFill>
               <a:latin typeface="Arial"/>
@@ -1892,15 +2072,16 @@
           </a:prstGeom>
         </p:spPr>
         <p:txBody>
-          <a:bodyPr lIns="0" rIns="0" tIns="0" bIns="0"/>
-          <a:p>
-            <a:endParaRPr b="0" lang="en-GB" sz="3200" spc="-1" strike="noStrike">
-              <a:solidFill>
-                <a:srgbClr val="000000"/>
-              </a:solidFill>
-              <a:uFill>
-                <a:solidFill>
-                  <a:srgbClr val="ffffff"/>
+          <a:bodyPr lIns="0" tIns="0" rIns="0" bIns="0"/>
+          <a:lstStyle/>
+          <a:p>
+            <a:endParaRPr lang="en-GB" sz="3200" b="0" strike="noStrike" spc="-1">
+              <a:solidFill>
+                <a:srgbClr val="000000"/>
+              </a:solidFill>
+              <a:uFill>
+                <a:solidFill>
+                  <a:srgbClr val="FFFFFF"/>
                 </a:solidFill>
               </a:uFill>
               <a:latin typeface="Arial"/>
@@ -1928,15 +2109,16 @@
           </a:prstGeom>
         </p:spPr>
         <p:txBody>
-          <a:bodyPr lIns="0" rIns="0" tIns="0" bIns="0"/>
-          <a:p>
-            <a:endParaRPr b="0" lang="en-GB" sz="3200" spc="-1" strike="noStrike">
-              <a:solidFill>
-                <a:srgbClr val="000000"/>
-              </a:solidFill>
-              <a:uFill>
-                <a:solidFill>
-                  <a:srgbClr val="ffffff"/>
+          <a:bodyPr lIns="0" tIns="0" rIns="0" bIns="0"/>
+          <a:lstStyle/>
+          <a:p>
+            <a:endParaRPr lang="en-GB" sz="3200" b="0" strike="noStrike" spc="-1">
+              <a:solidFill>
+                <a:srgbClr val="000000"/>
+              </a:solidFill>
+              <a:uFill>
+                <a:solidFill>
+                  <a:srgbClr val="FFFFFF"/>
                 </a:solidFill>
               </a:uFill>
               <a:latin typeface="Arial"/>
@@ -1946,11 +2128,14 @@
       </p:sp>
     </p:spTree>
   </p:cSld>
+  <p:clrMapOvr>
+    <a:masterClrMapping/>
+  </p:clrMapOvr>
 </p:sldLayout>
 </file>
 
 <file path=ppt/slideLayouts/slideLayout24.xml><?xml version="1.0" encoding="utf-8"?>
-<p:sldLayout xmlns:a="http://schemas.openxmlformats.org/drawingml/2006/main" xmlns:p="http://schemas.openxmlformats.org/presentationml/2006/main" xmlns:r="http://schemas.openxmlformats.org/officeDocument/2006/relationships" xmlns:p14="http://schemas.microsoft.com/office/powerpoint/2010/main" xmlns:p15="http://schemas.microsoft.com/office/powerpoint/2012/main" xmlns:mc="http://schemas.openxmlformats.org/markup-compatibility/2006" type="blank" preserve="1">
+<p:sldLayout xmlns:a="http://schemas.openxmlformats.org/drawingml/2006/main" xmlns:r="http://schemas.openxmlformats.org/officeDocument/2006/relationships" xmlns:p="http://schemas.openxmlformats.org/presentationml/2006/main" type="blank" preserve="1">
   <p:cSld name="Title, 6 Content">
     <p:spTree>
       <p:nvGrpSpPr>
@@ -1986,16 +2171,17 @@
           </a:prstGeom>
         </p:spPr>
         <p:txBody>
-          <a:bodyPr lIns="0" rIns="0" tIns="0" bIns="0" anchor="ctr"/>
+          <a:bodyPr lIns="0" tIns="0" rIns="0" bIns="0" anchor="ctr"/>
+          <a:lstStyle/>
           <a:p>
             <a:pPr algn="ctr"/>
-            <a:endParaRPr b="0" lang="en-GB" sz="4400" spc="-1" strike="noStrike">
-              <a:solidFill>
-                <a:srgbClr val="000000"/>
-              </a:solidFill>
-              <a:uFill>
-                <a:solidFill>
-                  <a:srgbClr val="ffffff"/>
+            <a:endParaRPr lang="en-GB" sz="4400" b="0" strike="noStrike" spc="-1">
+              <a:solidFill>
+                <a:srgbClr val="000000"/>
+              </a:solidFill>
+              <a:uFill>
+                <a:solidFill>
+                  <a:srgbClr val="FFFFFF"/>
                 </a:solidFill>
               </a:uFill>
               <a:latin typeface="Arial"/>
@@ -2023,15 +2209,16 @@
           </a:prstGeom>
         </p:spPr>
         <p:txBody>
-          <a:bodyPr lIns="0" rIns="0" tIns="0" bIns="0"/>
-          <a:p>
-            <a:endParaRPr b="0" lang="en-GB" sz="3200" spc="-1" strike="noStrike">
-              <a:solidFill>
-                <a:srgbClr val="000000"/>
-              </a:solidFill>
-              <a:uFill>
-                <a:solidFill>
-                  <a:srgbClr val="ffffff"/>
+          <a:bodyPr lIns="0" tIns="0" rIns="0" bIns="0"/>
+          <a:lstStyle/>
+          <a:p>
+            <a:endParaRPr lang="en-GB" sz="3200" b="0" strike="noStrike" spc="-1">
+              <a:solidFill>
+                <a:srgbClr val="000000"/>
+              </a:solidFill>
+              <a:uFill>
+                <a:solidFill>
+                  <a:srgbClr val="FFFFFF"/>
                 </a:solidFill>
               </a:uFill>
               <a:latin typeface="Arial"/>
@@ -2059,15 +2246,16 @@
           </a:prstGeom>
         </p:spPr>
         <p:txBody>
-          <a:bodyPr lIns="0" rIns="0" tIns="0" bIns="0"/>
-          <a:p>
-            <a:endParaRPr b="0" lang="en-GB" sz="3200" spc="-1" strike="noStrike">
-              <a:solidFill>
-                <a:srgbClr val="000000"/>
-              </a:solidFill>
-              <a:uFill>
-                <a:solidFill>
-                  <a:srgbClr val="ffffff"/>
+          <a:bodyPr lIns="0" tIns="0" rIns="0" bIns="0"/>
+          <a:lstStyle/>
+          <a:p>
+            <a:endParaRPr lang="en-GB" sz="3200" b="0" strike="noStrike" spc="-1">
+              <a:solidFill>
+                <a:srgbClr val="000000"/>
+              </a:solidFill>
+              <a:uFill>
+                <a:solidFill>
+                  <a:srgbClr val="FFFFFF"/>
                 </a:solidFill>
               </a:uFill>
               <a:latin typeface="Arial"/>
@@ -2077,7 +2265,7 @@
       </p:sp>
       <p:pic>
         <p:nvPicPr>
-          <p:cNvPr id="70" name="" descr=""/>
+          <p:cNvPr id="70" name="Picture 69"/>
           <p:cNvPicPr/>
           <p:nvPr/>
         </p:nvPicPr>
@@ -2100,12 +2288,12 @@
       </p:pic>
       <p:pic>
         <p:nvPicPr>
-          <p:cNvPr id="71" name="" descr=""/>
+          <p:cNvPr id="71" name="Picture 70"/>
           <p:cNvPicPr/>
           <p:nvPr/>
         </p:nvPicPr>
         <p:blipFill>
-          <a:blip r:embed="rId3"/>
+          <a:blip r:embed="rId2"/>
           <a:stretch/>
         </p:blipFill>
         <p:spPr>
@@ -2123,11 +2311,14 @@
       </p:pic>
     </p:spTree>
   </p:cSld>
+  <p:clrMapOvr>
+    <a:masterClrMapping/>
+  </p:clrMapOvr>
 </p:sldLayout>
 </file>
 
 <file path=ppt/slideLayouts/slideLayout3.xml><?xml version="1.0" encoding="utf-8"?>
-<p:sldLayout xmlns:a="http://schemas.openxmlformats.org/drawingml/2006/main" xmlns:p="http://schemas.openxmlformats.org/presentationml/2006/main" xmlns:r="http://schemas.openxmlformats.org/officeDocument/2006/relationships" xmlns:p14="http://schemas.microsoft.com/office/powerpoint/2010/main" xmlns:p15="http://schemas.microsoft.com/office/powerpoint/2012/main" xmlns:mc="http://schemas.openxmlformats.org/markup-compatibility/2006" type="obj" preserve="1">
+<p:sldLayout xmlns:a="http://schemas.openxmlformats.org/drawingml/2006/main" xmlns:r="http://schemas.openxmlformats.org/officeDocument/2006/relationships" xmlns:p="http://schemas.openxmlformats.org/presentationml/2006/main" type="obj" preserve="1">
   <p:cSld name="Title, Content">
     <p:spTree>
       <p:nvGrpSpPr>
@@ -2163,16 +2354,17 @@
           </a:prstGeom>
         </p:spPr>
         <p:txBody>
-          <a:bodyPr lIns="0" rIns="0" tIns="0" bIns="0" anchor="ctr"/>
+          <a:bodyPr lIns="0" tIns="0" rIns="0" bIns="0" anchor="ctr"/>
+          <a:lstStyle/>
           <a:p>
             <a:pPr algn="ctr"/>
-            <a:endParaRPr b="0" lang="en-GB" sz="4400" spc="-1" strike="noStrike">
-              <a:solidFill>
-                <a:srgbClr val="000000"/>
-              </a:solidFill>
-              <a:uFill>
-                <a:solidFill>
-                  <a:srgbClr val="ffffff"/>
+            <a:endParaRPr lang="en-GB" sz="4400" b="0" strike="noStrike" spc="-1">
+              <a:solidFill>
+                <a:srgbClr val="000000"/>
+              </a:solidFill>
+              <a:uFill>
+                <a:solidFill>
+                  <a:srgbClr val="FFFFFF"/>
                 </a:solidFill>
               </a:uFill>
               <a:latin typeface="Arial"/>
@@ -2200,15 +2392,16 @@
           </a:prstGeom>
         </p:spPr>
         <p:txBody>
-          <a:bodyPr lIns="0" rIns="0" tIns="0" bIns="0"/>
-          <a:p>
-            <a:endParaRPr b="0" lang="en-GB" sz="3200" spc="-1" strike="noStrike">
-              <a:solidFill>
-                <a:srgbClr val="000000"/>
-              </a:solidFill>
-              <a:uFill>
-                <a:solidFill>
-                  <a:srgbClr val="ffffff"/>
+          <a:bodyPr lIns="0" tIns="0" rIns="0" bIns="0"/>
+          <a:lstStyle/>
+          <a:p>
+            <a:endParaRPr lang="en-GB" sz="3200" b="0" strike="noStrike" spc="-1">
+              <a:solidFill>
+                <a:srgbClr val="000000"/>
+              </a:solidFill>
+              <a:uFill>
+                <a:solidFill>
+                  <a:srgbClr val="FFFFFF"/>
                 </a:solidFill>
               </a:uFill>
               <a:latin typeface="Arial"/>
@@ -2218,11 +2411,14 @@
       </p:sp>
     </p:spTree>
   </p:cSld>
+  <p:clrMapOvr>
+    <a:masterClrMapping/>
+  </p:clrMapOvr>
 </p:sldLayout>
 </file>
 
 <file path=ppt/slideLayouts/slideLayout4.xml><?xml version="1.0" encoding="utf-8"?>
-<p:sldLayout xmlns:a="http://schemas.openxmlformats.org/drawingml/2006/main" xmlns:p="http://schemas.openxmlformats.org/presentationml/2006/main" xmlns:r="http://schemas.openxmlformats.org/officeDocument/2006/relationships" xmlns:p14="http://schemas.microsoft.com/office/powerpoint/2010/main" xmlns:p15="http://schemas.microsoft.com/office/powerpoint/2012/main" xmlns:mc="http://schemas.openxmlformats.org/markup-compatibility/2006" type="twoObj" preserve="1">
+<p:sldLayout xmlns:a="http://schemas.openxmlformats.org/drawingml/2006/main" xmlns:r="http://schemas.openxmlformats.org/officeDocument/2006/relationships" xmlns:p="http://schemas.openxmlformats.org/presentationml/2006/main" type="twoObj" preserve="1">
   <p:cSld name="Title, 2 Content">
     <p:spTree>
       <p:nvGrpSpPr>
@@ -2258,16 +2454,17 @@
           </a:prstGeom>
         </p:spPr>
         <p:txBody>
-          <a:bodyPr lIns="0" rIns="0" tIns="0" bIns="0" anchor="ctr"/>
+          <a:bodyPr lIns="0" tIns="0" rIns="0" bIns="0" anchor="ctr"/>
+          <a:lstStyle/>
           <a:p>
             <a:pPr algn="ctr"/>
-            <a:endParaRPr b="0" lang="en-GB" sz="4400" spc="-1" strike="noStrike">
-              <a:solidFill>
-                <a:srgbClr val="000000"/>
-              </a:solidFill>
-              <a:uFill>
-                <a:solidFill>
-                  <a:srgbClr val="ffffff"/>
+            <a:endParaRPr lang="en-GB" sz="4400" b="0" strike="noStrike" spc="-1">
+              <a:solidFill>
+                <a:srgbClr val="000000"/>
+              </a:solidFill>
+              <a:uFill>
+                <a:solidFill>
+                  <a:srgbClr val="FFFFFF"/>
                 </a:solidFill>
               </a:uFill>
               <a:latin typeface="Arial"/>
@@ -2295,15 +2492,16 @@
           </a:prstGeom>
         </p:spPr>
         <p:txBody>
-          <a:bodyPr lIns="0" rIns="0" tIns="0" bIns="0"/>
-          <a:p>
-            <a:endParaRPr b="0" lang="en-GB" sz="3200" spc="-1" strike="noStrike">
-              <a:solidFill>
-                <a:srgbClr val="000000"/>
-              </a:solidFill>
-              <a:uFill>
-                <a:solidFill>
-                  <a:srgbClr val="ffffff"/>
+          <a:bodyPr lIns="0" tIns="0" rIns="0" bIns="0"/>
+          <a:lstStyle/>
+          <a:p>
+            <a:endParaRPr lang="en-GB" sz="3200" b="0" strike="noStrike" spc="-1">
+              <a:solidFill>
+                <a:srgbClr val="000000"/>
+              </a:solidFill>
+              <a:uFill>
+                <a:solidFill>
+                  <a:srgbClr val="FFFFFF"/>
                 </a:solidFill>
               </a:uFill>
               <a:latin typeface="Arial"/>
@@ -2331,15 +2529,16 @@
           </a:prstGeom>
         </p:spPr>
         <p:txBody>
-          <a:bodyPr lIns="0" rIns="0" tIns="0" bIns="0"/>
-          <a:p>
-            <a:endParaRPr b="0" lang="en-GB" sz="3200" spc="-1" strike="noStrike">
-              <a:solidFill>
-                <a:srgbClr val="000000"/>
-              </a:solidFill>
-              <a:uFill>
-                <a:solidFill>
-                  <a:srgbClr val="ffffff"/>
+          <a:bodyPr lIns="0" tIns="0" rIns="0" bIns="0"/>
+          <a:lstStyle/>
+          <a:p>
+            <a:endParaRPr lang="en-GB" sz="3200" b="0" strike="noStrike" spc="-1">
+              <a:solidFill>
+                <a:srgbClr val="000000"/>
+              </a:solidFill>
+              <a:uFill>
+                <a:solidFill>
+                  <a:srgbClr val="FFFFFF"/>
                 </a:solidFill>
               </a:uFill>
               <a:latin typeface="Arial"/>
@@ -2349,11 +2548,14 @@
       </p:sp>
     </p:spTree>
   </p:cSld>
+  <p:clrMapOvr>
+    <a:masterClrMapping/>
+  </p:clrMapOvr>
 </p:sldLayout>
 </file>
 
 <file path=ppt/slideLayouts/slideLayout5.xml><?xml version="1.0" encoding="utf-8"?>
-<p:sldLayout xmlns:a="http://schemas.openxmlformats.org/drawingml/2006/main" xmlns:p="http://schemas.openxmlformats.org/presentationml/2006/main" xmlns:r="http://schemas.openxmlformats.org/officeDocument/2006/relationships" xmlns:p14="http://schemas.microsoft.com/office/powerpoint/2010/main" xmlns:p15="http://schemas.microsoft.com/office/powerpoint/2012/main" xmlns:mc="http://schemas.openxmlformats.org/markup-compatibility/2006" type="titleOnly" preserve="1">
+<p:sldLayout xmlns:a="http://schemas.openxmlformats.org/drawingml/2006/main" xmlns:r="http://schemas.openxmlformats.org/officeDocument/2006/relationships" xmlns:p="http://schemas.openxmlformats.org/presentationml/2006/main" type="titleOnly" preserve="1">
   <p:cSld name="Title Only">
     <p:spTree>
       <p:nvGrpSpPr>
@@ -2389,16 +2591,17 @@
           </a:prstGeom>
         </p:spPr>
         <p:txBody>
-          <a:bodyPr lIns="0" rIns="0" tIns="0" bIns="0" anchor="ctr"/>
+          <a:bodyPr lIns="0" tIns="0" rIns="0" bIns="0" anchor="ctr"/>
+          <a:lstStyle/>
           <a:p>
             <a:pPr algn="ctr"/>
-            <a:endParaRPr b="0" lang="en-GB" sz="4400" spc="-1" strike="noStrike">
-              <a:solidFill>
-                <a:srgbClr val="000000"/>
-              </a:solidFill>
-              <a:uFill>
-                <a:solidFill>
-                  <a:srgbClr val="ffffff"/>
+            <a:endParaRPr lang="en-GB" sz="4400" b="0" strike="noStrike" spc="-1">
+              <a:solidFill>
+                <a:srgbClr val="000000"/>
+              </a:solidFill>
+              <a:uFill>
+                <a:solidFill>
+                  <a:srgbClr val="FFFFFF"/>
                 </a:solidFill>
               </a:uFill>
               <a:latin typeface="Arial"/>
@@ -2408,11 +2611,14 @@
       </p:sp>
     </p:spTree>
   </p:cSld>
+  <p:clrMapOvr>
+    <a:masterClrMapping/>
+  </p:clrMapOvr>
 </p:sldLayout>
 </file>
 
 <file path=ppt/slideLayouts/slideLayout6.xml><?xml version="1.0" encoding="utf-8"?>
-<p:sldLayout xmlns:a="http://schemas.openxmlformats.org/drawingml/2006/main" xmlns:p="http://schemas.openxmlformats.org/presentationml/2006/main" xmlns:r="http://schemas.openxmlformats.org/officeDocument/2006/relationships" xmlns:p14="http://schemas.microsoft.com/office/powerpoint/2010/main" xmlns:p15="http://schemas.microsoft.com/office/powerpoint/2012/main" xmlns:mc="http://schemas.openxmlformats.org/markup-compatibility/2006" type="objOnly" preserve="1">
+<p:sldLayout xmlns:a="http://schemas.openxmlformats.org/drawingml/2006/main" xmlns:r="http://schemas.openxmlformats.org/officeDocument/2006/relationships" xmlns:p="http://schemas.openxmlformats.org/presentationml/2006/main" type="objOnly" preserve="1">
   <p:cSld name="Centered Text">
     <p:spTree>
       <p:nvGrpSpPr>
@@ -2448,16 +2654,17 @@
           </a:prstGeom>
         </p:spPr>
         <p:txBody>
-          <a:bodyPr lIns="0" rIns="0" tIns="0" bIns="0" anchor="ctr"/>
+          <a:bodyPr lIns="0" tIns="0" rIns="0" bIns="0" anchor="ctr"/>
+          <a:lstStyle/>
           <a:p>
             <a:pPr algn="ctr"/>
-            <a:endParaRPr b="0" lang="en-GB" sz="3200" spc="-1" strike="noStrike">
-              <a:solidFill>
-                <a:srgbClr val="000000"/>
-              </a:solidFill>
-              <a:uFill>
-                <a:solidFill>
-                  <a:srgbClr val="ffffff"/>
+            <a:endParaRPr lang="en-GB" sz="3200" b="0" strike="noStrike" spc="-1">
+              <a:solidFill>
+                <a:srgbClr val="000000"/>
+              </a:solidFill>
+              <a:uFill>
+                <a:solidFill>
+                  <a:srgbClr val="FFFFFF"/>
                 </a:solidFill>
               </a:uFill>
               <a:latin typeface="Arial"/>
@@ -2467,11 +2674,14 @@
       </p:sp>
     </p:spTree>
   </p:cSld>
+  <p:clrMapOvr>
+    <a:masterClrMapping/>
+  </p:clrMapOvr>
 </p:sldLayout>
 </file>
 
 <file path=ppt/slideLayouts/slideLayout7.xml><?xml version="1.0" encoding="utf-8"?>
-<p:sldLayout xmlns:a="http://schemas.openxmlformats.org/drawingml/2006/main" xmlns:p="http://schemas.openxmlformats.org/presentationml/2006/main" xmlns:r="http://schemas.openxmlformats.org/officeDocument/2006/relationships" xmlns:p14="http://schemas.microsoft.com/office/powerpoint/2010/main" xmlns:p15="http://schemas.microsoft.com/office/powerpoint/2012/main" xmlns:mc="http://schemas.openxmlformats.org/markup-compatibility/2006" type="twoObjAndObj" preserve="1">
+<p:sldLayout xmlns:a="http://schemas.openxmlformats.org/drawingml/2006/main" xmlns:r="http://schemas.openxmlformats.org/officeDocument/2006/relationships" xmlns:p="http://schemas.openxmlformats.org/presentationml/2006/main" type="twoObjAndObj" preserve="1">
   <p:cSld name="Title, 2 Content and Content">
     <p:spTree>
       <p:nvGrpSpPr>
@@ -2507,16 +2717,17 @@
           </a:prstGeom>
         </p:spPr>
         <p:txBody>
-          <a:bodyPr lIns="0" rIns="0" tIns="0" bIns="0" anchor="ctr"/>
+          <a:bodyPr lIns="0" tIns="0" rIns="0" bIns="0" anchor="ctr"/>
+          <a:lstStyle/>
           <a:p>
             <a:pPr algn="ctr"/>
-            <a:endParaRPr b="0" lang="en-GB" sz="4400" spc="-1" strike="noStrike">
-              <a:solidFill>
-                <a:srgbClr val="000000"/>
-              </a:solidFill>
-              <a:uFill>
-                <a:solidFill>
-                  <a:srgbClr val="ffffff"/>
+            <a:endParaRPr lang="en-GB" sz="4400" b="0" strike="noStrike" spc="-1">
+              <a:solidFill>
+                <a:srgbClr val="000000"/>
+              </a:solidFill>
+              <a:uFill>
+                <a:solidFill>
+                  <a:srgbClr val="FFFFFF"/>
                 </a:solidFill>
               </a:uFill>
               <a:latin typeface="Arial"/>
@@ -2544,15 +2755,16 @@
           </a:prstGeom>
         </p:spPr>
         <p:txBody>
-          <a:bodyPr lIns="0" rIns="0" tIns="0" bIns="0"/>
-          <a:p>
-            <a:endParaRPr b="0" lang="en-GB" sz="3200" spc="-1" strike="noStrike">
-              <a:solidFill>
-                <a:srgbClr val="000000"/>
-              </a:solidFill>
-              <a:uFill>
-                <a:solidFill>
-                  <a:srgbClr val="ffffff"/>
+          <a:bodyPr lIns="0" tIns="0" rIns="0" bIns="0"/>
+          <a:lstStyle/>
+          <a:p>
+            <a:endParaRPr lang="en-GB" sz="3200" b="0" strike="noStrike" spc="-1">
+              <a:solidFill>
+                <a:srgbClr val="000000"/>
+              </a:solidFill>
+              <a:uFill>
+                <a:solidFill>
+                  <a:srgbClr val="FFFFFF"/>
                 </a:solidFill>
               </a:uFill>
               <a:latin typeface="Arial"/>
@@ -2580,15 +2792,16 @@
           </a:prstGeom>
         </p:spPr>
         <p:txBody>
-          <a:bodyPr lIns="0" rIns="0" tIns="0" bIns="0"/>
-          <a:p>
-            <a:endParaRPr b="0" lang="en-GB" sz="3200" spc="-1" strike="noStrike">
-              <a:solidFill>
-                <a:srgbClr val="000000"/>
-              </a:solidFill>
-              <a:uFill>
-                <a:solidFill>
-                  <a:srgbClr val="ffffff"/>
+          <a:bodyPr lIns="0" tIns="0" rIns="0" bIns="0"/>
+          <a:lstStyle/>
+          <a:p>
+            <a:endParaRPr lang="en-GB" sz="3200" b="0" strike="noStrike" spc="-1">
+              <a:solidFill>
+                <a:srgbClr val="000000"/>
+              </a:solidFill>
+              <a:uFill>
+                <a:solidFill>
+                  <a:srgbClr val="FFFFFF"/>
                 </a:solidFill>
               </a:uFill>
               <a:latin typeface="Arial"/>
@@ -2616,15 +2829,16 @@
           </a:prstGeom>
         </p:spPr>
         <p:txBody>
-          <a:bodyPr lIns="0" rIns="0" tIns="0" bIns="0"/>
-          <a:p>
-            <a:endParaRPr b="0" lang="en-GB" sz="3200" spc="-1" strike="noStrike">
-              <a:solidFill>
-                <a:srgbClr val="000000"/>
-              </a:solidFill>
-              <a:uFill>
-                <a:solidFill>
-                  <a:srgbClr val="ffffff"/>
+          <a:bodyPr lIns="0" tIns="0" rIns="0" bIns="0"/>
+          <a:lstStyle/>
+          <a:p>
+            <a:endParaRPr lang="en-GB" sz="3200" b="0" strike="noStrike" spc="-1">
+              <a:solidFill>
+                <a:srgbClr val="000000"/>
+              </a:solidFill>
+              <a:uFill>
+                <a:solidFill>
+                  <a:srgbClr val="FFFFFF"/>
                 </a:solidFill>
               </a:uFill>
               <a:latin typeface="Arial"/>
@@ -2634,11 +2848,14 @@
       </p:sp>
     </p:spTree>
   </p:cSld>
+  <p:clrMapOvr>
+    <a:masterClrMapping/>
+  </p:clrMapOvr>
 </p:sldLayout>
 </file>
 
 <file path=ppt/slideLayouts/slideLayout8.xml><?xml version="1.0" encoding="utf-8"?>
-<p:sldLayout xmlns:a="http://schemas.openxmlformats.org/drawingml/2006/main" xmlns:p="http://schemas.openxmlformats.org/presentationml/2006/main" xmlns:r="http://schemas.openxmlformats.org/officeDocument/2006/relationships" xmlns:p14="http://schemas.microsoft.com/office/powerpoint/2010/main" xmlns:p15="http://schemas.microsoft.com/office/powerpoint/2012/main" xmlns:mc="http://schemas.openxmlformats.org/markup-compatibility/2006" type="objAndTwoObj" preserve="1">
+<p:sldLayout xmlns:a="http://schemas.openxmlformats.org/drawingml/2006/main" xmlns:r="http://schemas.openxmlformats.org/officeDocument/2006/relationships" xmlns:p="http://schemas.openxmlformats.org/presentationml/2006/main" type="objAndTwoObj" preserve="1">
   <p:cSld name="Title Content and 2 Content">
     <p:spTree>
       <p:nvGrpSpPr>
@@ -2674,16 +2891,17 @@
           </a:prstGeom>
         </p:spPr>
         <p:txBody>
-          <a:bodyPr lIns="0" rIns="0" tIns="0" bIns="0" anchor="ctr"/>
+          <a:bodyPr lIns="0" tIns="0" rIns="0" bIns="0" anchor="ctr"/>
+          <a:lstStyle/>
           <a:p>
             <a:pPr algn="ctr"/>
-            <a:endParaRPr b="0" lang="en-GB" sz="4400" spc="-1" strike="noStrike">
-              <a:solidFill>
-                <a:srgbClr val="000000"/>
-              </a:solidFill>
-              <a:uFill>
-                <a:solidFill>
-                  <a:srgbClr val="ffffff"/>
+            <a:endParaRPr lang="en-GB" sz="4400" b="0" strike="noStrike" spc="-1">
+              <a:solidFill>
+                <a:srgbClr val="000000"/>
+              </a:solidFill>
+              <a:uFill>
+                <a:solidFill>
+                  <a:srgbClr val="FFFFFF"/>
                 </a:solidFill>
               </a:uFill>
               <a:latin typeface="Arial"/>
@@ -2711,15 +2929,16 @@
           </a:prstGeom>
         </p:spPr>
         <p:txBody>
-          <a:bodyPr lIns="0" rIns="0" tIns="0" bIns="0"/>
-          <a:p>
-            <a:endParaRPr b="0" lang="en-GB" sz="3200" spc="-1" strike="noStrike">
-              <a:solidFill>
-                <a:srgbClr val="000000"/>
-              </a:solidFill>
-              <a:uFill>
-                <a:solidFill>
-                  <a:srgbClr val="ffffff"/>
+          <a:bodyPr lIns="0" tIns="0" rIns="0" bIns="0"/>
+          <a:lstStyle/>
+          <a:p>
+            <a:endParaRPr lang="en-GB" sz="3200" b="0" strike="noStrike" spc="-1">
+              <a:solidFill>
+                <a:srgbClr val="000000"/>
+              </a:solidFill>
+              <a:uFill>
+                <a:solidFill>
+                  <a:srgbClr val="FFFFFF"/>
                 </a:solidFill>
               </a:uFill>
               <a:latin typeface="Arial"/>
@@ -2747,15 +2966,16 @@
           </a:prstGeom>
         </p:spPr>
         <p:txBody>
-          <a:bodyPr lIns="0" rIns="0" tIns="0" bIns="0"/>
-          <a:p>
-            <a:endParaRPr b="0" lang="en-GB" sz="3200" spc="-1" strike="noStrike">
-              <a:solidFill>
-                <a:srgbClr val="000000"/>
-              </a:solidFill>
-              <a:uFill>
-                <a:solidFill>
-                  <a:srgbClr val="ffffff"/>
+          <a:bodyPr lIns="0" tIns="0" rIns="0" bIns="0"/>
+          <a:lstStyle/>
+          <a:p>
+            <a:endParaRPr lang="en-GB" sz="3200" b="0" strike="noStrike" spc="-1">
+              <a:solidFill>
+                <a:srgbClr val="000000"/>
+              </a:solidFill>
+              <a:uFill>
+                <a:solidFill>
+                  <a:srgbClr val="FFFFFF"/>
                 </a:solidFill>
               </a:uFill>
               <a:latin typeface="Arial"/>
@@ -2783,15 +3003,16 @@
           </a:prstGeom>
         </p:spPr>
         <p:txBody>
-          <a:bodyPr lIns="0" rIns="0" tIns="0" bIns="0"/>
-          <a:p>
-            <a:endParaRPr b="0" lang="en-GB" sz="3200" spc="-1" strike="noStrike">
-              <a:solidFill>
-                <a:srgbClr val="000000"/>
-              </a:solidFill>
-              <a:uFill>
-                <a:solidFill>
-                  <a:srgbClr val="ffffff"/>
+          <a:bodyPr lIns="0" tIns="0" rIns="0" bIns="0"/>
+          <a:lstStyle/>
+          <a:p>
+            <a:endParaRPr lang="en-GB" sz="3200" b="0" strike="noStrike" spc="-1">
+              <a:solidFill>
+                <a:srgbClr val="000000"/>
+              </a:solidFill>
+              <a:uFill>
+                <a:solidFill>
+                  <a:srgbClr val="FFFFFF"/>
                 </a:solidFill>
               </a:uFill>
               <a:latin typeface="Arial"/>
@@ -2801,11 +3022,14 @@
       </p:sp>
     </p:spTree>
   </p:cSld>
+  <p:clrMapOvr>
+    <a:masterClrMapping/>
+  </p:clrMapOvr>
 </p:sldLayout>
 </file>
 
 <file path=ppt/slideLayouts/slideLayout9.xml><?xml version="1.0" encoding="utf-8"?>
-<p:sldLayout xmlns:a="http://schemas.openxmlformats.org/drawingml/2006/main" xmlns:p="http://schemas.openxmlformats.org/presentationml/2006/main" xmlns:r="http://schemas.openxmlformats.org/officeDocument/2006/relationships" xmlns:p14="http://schemas.microsoft.com/office/powerpoint/2010/main" xmlns:p15="http://schemas.microsoft.com/office/powerpoint/2012/main" xmlns:mc="http://schemas.openxmlformats.org/markup-compatibility/2006" type="twoObjOverTx" preserve="1">
+<p:sldLayout xmlns:a="http://schemas.openxmlformats.org/drawingml/2006/main" xmlns:r="http://schemas.openxmlformats.org/officeDocument/2006/relationships" xmlns:p="http://schemas.openxmlformats.org/presentationml/2006/main" type="twoObjOverTx" preserve="1">
   <p:cSld name="Title, 2 Content over Content">
     <p:spTree>
       <p:nvGrpSpPr>
@@ -2841,16 +3065,17 @@
           </a:prstGeom>
         </p:spPr>
         <p:txBody>
-          <a:bodyPr lIns="0" rIns="0" tIns="0" bIns="0" anchor="ctr"/>
+          <a:bodyPr lIns="0" tIns="0" rIns="0" bIns="0" anchor="ctr"/>
+          <a:lstStyle/>
           <a:p>
             <a:pPr algn="ctr"/>
-            <a:endParaRPr b="0" lang="en-GB" sz="4400" spc="-1" strike="noStrike">
-              <a:solidFill>
-                <a:srgbClr val="000000"/>
-              </a:solidFill>
-              <a:uFill>
-                <a:solidFill>
-                  <a:srgbClr val="ffffff"/>
+            <a:endParaRPr lang="en-GB" sz="4400" b="0" strike="noStrike" spc="-1">
+              <a:solidFill>
+                <a:srgbClr val="000000"/>
+              </a:solidFill>
+              <a:uFill>
+                <a:solidFill>
+                  <a:srgbClr val="FFFFFF"/>
                 </a:solidFill>
               </a:uFill>
               <a:latin typeface="Arial"/>
@@ -2878,15 +3103,16 @@
           </a:prstGeom>
         </p:spPr>
         <p:txBody>
-          <a:bodyPr lIns="0" rIns="0" tIns="0" bIns="0"/>
-          <a:p>
-            <a:endParaRPr b="0" lang="en-GB" sz="3200" spc="-1" strike="noStrike">
-              <a:solidFill>
-                <a:srgbClr val="000000"/>
-              </a:solidFill>
-              <a:uFill>
-                <a:solidFill>
-                  <a:srgbClr val="ffffff"/>
+          <a:bodyPr lIns="0" tIns="0" rIns="0" bIns="0"/>
+          <a:lstStyle/>
+          <a:p>
+            <a:endParaRPr lang="en-GB" sz="3200" b="0" strike="noStrike" spc="-1">
+              <a:solidFill>
+                <a:srgbClr val="000000"/>
+              </a:solidFill>
+              <a:uFill>
+                <a:solidFill>
+                  <a:srgbClr val="FFFFFF"/>
                 </a:solidFill>
               </a:uFill>
               <a:latin typeface="Arial"/>
@@ -2914,15 +3140,16 @@
           </a:prstGeom>
         </p:spPr>
         <p:txBody>
-          <a:bodyPr lIns="0" rIns="0" tIns="0" bIns="0"/>
-          <a:p>
-            <a:endParaRPr b="0" lang="en-GB" sz="3200" spc="-1" strike="noStrike">
-              <a:solidFill>
-                <a:srgbClr val="000000"/>
-              </a:solidFill>
-              <a:uFill>
-                <a:solidFill>
-                  <a:srgbClr val="ffffff"/>
+          <a:bodyPr lIns="0" tIns="0" rIns="0" bIns="0"/>
+          <a:lstStyle/>
+          <a:p>
+            <a:endParaRPr lang="en-GB" sz="3200" b="0" strike="noStrike" spc="-1">
+              <a:solidFill>
+                <a:srgbClr val="000000"/>
+              </a:solidFill>
+              <a:uFill>
+                <a:solidFill>
+                  <a:srgbClr val="FFFFFF"/>
                 </a:solidFill>
               </a:uFill>
               <a:latin typeface="Arial"/>
@@ -2950,15 +3177,16 @@
           </a:prstGeom>
         </p:spPr>
         <p:txBody>
-          <a:bodyPr lIns="0" rIns="0" tIns="0" bIns="0"/>
-          <a:p>
-            <a:endParaRPr b="0" lang="en-GB" sz="3200" spc="-1" strike="noStrike">
-              <a:solidFill>
-                <a:srgbClr val="000000"/>
-              </a:solidFill>
-              <a:uFill>
-                <a:solidFill>
-                  <a:srgbClr val="ffffff"/>
+          <a:bodyPr lIns="0" tIns="0" rIns="0" bIns="0"/>
+          <a:lstStyle/>
+          <a:p>
+            <a:endParaRPr lang="en-GB" sz="3200" b="0" strike="noStrike" spc="-1">
+              <a:solidFill>
+                <a:srgbClr val="000000"/>
+              </a:solidFill>
+              <a:uFill>
+                <a:solidFill>
+                  <a:srgbClr val="FFFFFF"/>
                 </a:solidFill>
               </a:uFill>
               <a:latin typeface="Arial"/>
@@ -2968,17 +3196,21 @@
       </p:sp>
     </p:spTree>
   </p:cSld>
+  <p:clrMapOvr>
+    <a:masterClrMapping/>
+  </p:clrMapOvr>
 </p:sldLayout>
 </file>
 
 <file path=ppt/slideMasters/slideMaster1.xml><?xml version="1.0" encoding="utf-8"?>
-<p:sldMaster xmlns:a="http://schemas.openxmlformats.org/drawingml/2006/main" xmlns:p="http://schemas.openxmlformats.org/presentationml/2006/main" xmlns:r="http://schemas.openxmlformats.org/officeDocument/2006/relationships" xmlns:p14="http://schemas.microsoft.com/office/powerpoint/2010/main" xmlns:p15="http://schemas.microsoft.com/office/powerpoint/2012/main" xmlns:mc="http://schemas.openxmlformats.org/markup-compatibility/2006">
+<p:sldMaster xmlns:a="http://schemas.openxmlformats.org/drawingml/2006/main" xmlns:r="http://schemas.openxmlformats.org/officeDocument/2006/relationships" xmlns:p="http://schemas.openxmlformats.org/presentationml/2006/main">
   <p:cSld>
     <p:bg>
       <p:bgPr>
         <a:solidFill>
-          <a:srgbClr val="ffffff"/>
+          <a:srgbClr val="FFFFFF"/>
         </a:solidFill>
+        <a:effectLst/>
       </p:bgPr>
     </p:bg>
     <p:spTree>
@@ -2997,7 +3229,7 @@
       </p:grpSpPr>
       <p:sp>
         <p:nvSpPr>
-          <p:cNvPr id="0" name="PlaceHolder 1"/>
+          <p:cNvPr id="2" name="PlaceHolder 1"/>
           <p:cNvSpPr>
             <a:spLocks noGrp="1"/>
           </p:cNvSpPr>
@@ -3015,40 +3247,30 @@
           </a:prstGeom>
         </p:spPr>
         <p:txBody>
-          <a:bodyPr lIns="0" rIns="0" tIns="0" bIns="0" anchor="ctr"/>
+          <a:bodyPr lIns="0" tIns="0" rIns="0" bIns="0" anchor="ctr"/>
+          <a:lstStyle/>
           <a:p>
             <a:pPr algn="ctr"/>
             <a:r>
-              <a:rPr b="0" lang="en-GB" sz="4400" spc="-1" strike="noStrike">
-                <a:solidFill>
-                  <a:srgbClr val="000000"/>
-                </a:solidFill>
-                <a:uFill>
-                  <a:solidFill>
-                    <a:srgbClr val="ffffff"/>
+              <a:rPr lang="en-GB" sz="4400" b="0" strike="noStrike" spc="-1">
+                <a:solidFill>
+                  <a:srgbClr val="000000"/>
+                </a:solidFill>
+                <a:uFill>
+                  <a:solidFill>
+                    <a:srgbClr val="FFFFFF"/>
                   </a:solidFill>
                 </a:uFill>
                 <a:latin typeface="Arial"/>
               </a:rPr>
               <a:t>Click to edit the title text format</a:t>
             </a:r>
-            <a:endParaRPr b="0" lang="en-GB" sz="4400" spc="-1" strike="noStrike">
-              <a:solidFill>
-                <a:srgbClr val="000000"/>
-              </a:solidFill>
-              <a:uFill>
-                <a:solidFill>
-                  <a:srgbClr val="ffffff"/>
-                </a:solidFill>
-              </a:uFill>
-              <a:latin typeface="Arial"/>
-            </a:endParaRPr>
           </a:p>
         </p:txBody>
       </p:sp>
       <p:sp>
         <p:nvSpPr>
-          <p:cNvPr id="1" name="PlaceHolder 2"/>
+          <p:cNvPr id="3" name="PlaceHolder 2"/>
           <p:cNvSpPr>
             <a:spLocks noGrp="1"/>
           </p:cNvSpPr>
@@ -3066,7 +3288,8 @@
           </a:prstGeom>
         </p:spPr>
         <p:txBody>
-          <a:bodyPr lIns="0" rIns="0" tIns="0" bIns="0"/>
+          <a:bodyPr lIns="0" tIns="0" rIns="0" bIns="0"/>
+          <a:lstStyle/>
           <a:p>
             <a:pPr marL="432000" indent="-324000">
               <a:buClr>
@@ -3077,33 +3300,22 @@
               <a:buChar char=""/>
             </a:pPr>
             <a:r>
-              <a:rPr b="0" lang="en-GB" sz="3200" spc="-1" strike="noStrike">
-                <a:solidFill>
-                  <a:srgbClr val="000000"/>
-                </a:solidFill>
-                <a:uFill>
-                  <a:solidFill>
-                    <a:srgbClr val="ffffff"/>
+              <a:rPr lang="en-GB" sz="3200" b="0" strike="noStrike" spc="-1">
+                <a:solidFill>
+                  <a:srgbClr val="000000"/>
+                </a:solidFill>
+                <a:uFill>
+                  <a:solidFill>
+                    <a:srgbClr val="FFFFFF"/>
                   </a:solidFill>
                 </a:uFill>
                 <a:latin typeface="Arial"/>
               </a:rPr>
               <a:t>Click to edit the outline text format</a:t>
             </a:r>
-            <a:endParaRPr b="0" lang="en-GB" sz="3200" spc="-1" strike="noStrike">
-              <a:solidFill>
-                <a:srgbClr val="000000"/>
-              </a:solidFill>
-              <a:uFill>
-                <a:solidFill>
-                  <a:srgbClr val="ffffff"/>
-                </a:solidFill>
-              </a:uFill>
-              <a:latin typeface="Arial"/>
-            </a:endParaRPr>
-          </a:p>
-          <a:p>
-            <a:pPr lvl="1" marL="864000" indent="-324000">
+          </a:p>
+          <a:p>
+            <a:pPr marL="864000" lvl="1" indent="-324000">
               <a:buClr>
                 <a:srgbClr val="000000"/>
               </a:buClr>
@@ -3112,33 +3324,22 @@
               <a:buChar char=""/>
             </a:pPr>
             <a:r>
-              <a:rPr b="0" lang="en-GB" sz="2800" spc="-1" strike="noStrike">
-                <a:solidFill>
-                  <a:srgbClr val="000000"/>
-                </a:solidFill>
-                <a:uFill>
-                  <a:solidFill>
-                    <a:srgbClr val="ffffff"/>
+              <a:rPr lang="en-GB" sz="2800" b="0" strike="noStrike" spc="-1">
+                <a:solidFill>
+                  <a:srgbClr val="000000"/>
+                </a:solidFill>
+                <a:uFill>
+                  <a:solidFill>
+                    <a:srgbClr val="FFFFFF"/>
                   </a:solidFill>
                 </a:uFill>
                 <a:latin typeface="Arial"/>
               </a:rPr>
               <a:t>Second Outline Level</a:t>
             </a:r>
-            <a:endParaRPr b="0" lang="en-GB" sz="2800" spc="-1" strike="noStrike">
-              <a:solidFill>
-                <a:srgbClr val="000000"/>
-              </a:solidFill>
-              <a:uFill>
-                <a:solidFill>
-                  <a:srgbClr val="ffffff"/>
-                </a:solidFill>
-              </a:uFill>
-              <a:latin typeface="Arial"/>
-            </a:endParaRPr>
-          </a:p>
-          <a:p>
-            <a:pPr lvl="2" marL="1296000" indent="-288000">
+          </a:p>
+          <a:p>
+            <a:pPr marL="1296000" lvl="2" indent="-288000">
               <a:buClr>
                 <a:srgbClr val="000000"/>
               </a:buClr>
@@ -3147,33 +3348,22 @@
               <a:buChar char=""/>
             </a:pPr>
             <a:r>
-              <a:rPr b="0" lang="en-GB" sz="2400" spc="-1" strike="noStrike">
-                <a:solidFill>
-                  <a:srgbClr val="000000"/>
-                </a:solidFill>
-                <a:uFill>
-                  <a:solidFill>
-                    <a:srgbClr val="ffffff"/>
+              <a:rPr lang="en-GB" sz="2400" b="0" strike="noStrike" spc="-1">
+                <a:solidFill>
+                  <a:srgbClr val="000000"/>
+                </a:solidFill>
+                <a:uFill>
+                  <a:solidFill>
+                    <a:srgbClr val="FFFFFF"/>
                   </a:solidFill>
                 </a:uFill>
                 <a:latin typeface="Arial"/>
               </a:rPr>
               <a:t>Third Outline Level</a:t>
             </a:r>
-            <a:endParaRPr b="0" lang="en-GB" sz="2400" spc="-1" strike="noStrike">
-              <a:solidFill>
-                <a:srgbClr val="000000"/>
-              </a:solidFill>
-              <a:uFill>
-                <a:solidFill>
-                  <a:srgbClr val="ffffff"/>
-                </a:solidFill>
-              </a:uFill>
-              <a:latin typeface="Arial"/>
-            </a:endParaRPr>
-          </a:p>
-          <a:p>
-            <a:pPr lvl="3" marL="1728000" indent="-216000">
+          </a:p>
+          <a:p>
+            <a:pPr marL="1728000" lvl="3" indent="-216000">
               <a:buClr>
                 <a:srgbClr val="000000"/>
               </a:buClr>
@@ -3182,33 +3372,22 @@
               <a:buChar char=""/>
             </a:pPr>
             <a:r>
-              <a:rPr b="0" lang="en-GB" sz="2000" spc="-1" strike="noStrike">
-                <a:solidFill>
-                  <a:srgbClr val="000000"/>
-                </a:solidFill>
-                <a:uFill>
-                  <a:solidFill>
-                    <a:srgbClr val="ffffff"/>
+              <a:rPr lang="en-GB" sz="2000" b="0" strike="noStrike" spc="-1">
+                <a:solidFill>
+                  <a:srgbClr val="000000"/>
+                </a:solidFill>
+                <a:uFill>
+                  <a:solidFill>
+                    <a:srgbClr val="FFFFFF"/>
                   </a:solidFill>
                 </a:uFill>
                 <a:latin typeface="Arial"/>
               </a:rPr>
               <a:t>Fourth Outline Level</a:t>
             </a:r>
-            <a:endParaRPr b="0" lang="en-GB" sz="2000" spc="-1" strike="noStrike">
-              <a:solidFill>
-                <a:srgbClr val="000000"/>
-              </a:solidFill>
-              <a:uFill>
-                <a:solidFill>
-                  <a:srgbClr val="ffffff"/>
-                </a:solidFill>
-              </a:uFill>
-              <a:latin typeface="Arial"/>
-            </a:endParaRPr>
-          </a:p>
-          <a:p>
-            <a:pPr lvl="4" marL="2160000" indent="-216000">
+          </a:p>
+          <a:p>
+            <a:pPr marL="2160000" lvl="4" indent="-216000">
               <a:buClr>
                 <a:srgbClr val="000000"/>
               </a:buClr>
@@ -3217,33 +3396,22 @@
               <a:buChar char=""/>
             </a:pPr>
             <a:r>
-              <a:rPr b="0" lang="en-GB" sz="2000" spc="-1" strike="noStrike">
-                <a:solidFill>
-                  <a:srgbClr val="000000"/>
-                </a:solidFill>
-                <a:uFill>
-                  <a:solidFill>
-                    <a:srgbClr val="ffffff"/>
+              <a:rPr lang="en-GB" sz="2000" b="0" strike="noStrike" spc="-1">
+                <a:solidFill>
+                  <a:srgbClr val="000000"/>
+                </a:solidFill>
+                <a:uFill>
+                  <a:solidFill>
+                    <a:srgbClr val="FFFFFF"/>
                   </a:solidFill>
                 </a:uFill>
                 <a:latin typeface="Arial"/>
               </a:rPr>
               <a:t>Fifth Outline Level</a:t>
             </a:r>
-            <a:endParaRPr b="0" lang="en-GB" sz="2000" spc="-1" strike="noStrike">
-              <a:solidFill>
-                <a:srgbClr val="000000"/>
-              </a:solidFill>
-              <a:uFill>
-                <a:solidFill>
-                  <a:srgbClr val="ffffff"/>
-                </a:solidFill>
-              </a:uFill>
-              <a:latin typeface="Arial"/>
-            </a:endParaRPr>
-          </a:p>
-          <a:p>
-            <a:pPr lvl="5" marL="2592000" indent="-216000">
+          </a:p>
+          <a:p>
+            <a:pPr marL="2592000" lvl="5" indent="-216000">
               <a:buClr>
                 <a:srgbClr val="000000"/>
               </a:buClr>
@@ -3252,33 +3420,22 @@
               <a:buChar char=""/>
             </a:pPr>
             <a:r>
-              <a:rPr b="0" lang="en-GB" sz="2000" spc="-1" strike="noStrike">
-                <a:solidFill>
-                  <a:srgbClr val="000000"/>
-                </a:solidFill>
-                <a:uFill>
-                  <a:solidFill>
-                    <a:srgbClr val="ffffff"/>
+              <a:rPr lang="en-GB" sz="2000" b="0" strike="noStrike" spc="-1">
+                <a:solidFill>
+                  <a:srgbClr val="000000"/>
+                </a:solidFill>
+                <a:uFill>
+                  <a:solidFill>
+                    <a:srgbClr val="FFFFFF"/>
                   </a:solidFill>
                 </a:uFill>
                 <a:latin typeface="Arial"/>
               </a:rPr>
               <a:t>Sixth Outline Level</a:t>
             </a:r>
-            <a:endParaRPr b="0" lang="en-GB" sz="2000" spc="-1" strike="noStrike">
-              <a:solidFill>
-                <a:srgbClr val="000000"/>
-              </a:solidFill>
-              <a:uFill>
-                <a:solidFill>
-                  <a:srgbClr val="ffffff"/>
-                </a:solidFill>
-              </a:uFill>
-              <a:latin typeface="Arial"/>
-            </a:endParaRPr>
-          </a:p>
-          <a:p>
-            <a:pPr lvl="6" marL="3024000" indent="-216000">
+          </a:p>
+          <a:p>
+            <a:pPr marL="3024000" lvl="6" indent="-216000">
               <a:buClr>
                 <a:srgbClr val="000000"/>
               </a:buClr>
@@ -3287,61 +3444,331 @@
               <a:buChar char=""/>
             </a:pPr>
             <a:r>
-              <a:rPr b="0" lang="en-GB" sz="2000" spc="-1" strike="noStrike">
-                <a:solidFill>
-                  <a:srgbClr val="000000"/>
-                </a:solidFill>
-                <a:uFill>
-                  <a:solidFill>
-                    <a:srgbClr val="ffffff"/>
+              <a:rPr lang="en-GB" sz="2000" b="0" strike="noStrike" spc="-1">
+                <a:solidFill>
+                  <a:srgbClr val="000000"/>
+                </a:solidFill>
+                <a:uFill>
+                  <a:solidFill>
+                    <a:srgbClr val="FFFFFF"/>
                   </a:solidFill>
                 </a:uFill>
                 <a:latin typeface="Arial"/>
               </a:rPr>
               <a:t>Seventh Outline Level</a:t>
             </a:r>
-            <a:endParaRPr b="0" lang="en-GB" sz="2000" spc="-1" strike="noStrike">
-              <a:solidFill>
-                <a:srgbClr val="000000"/>
-              </a:solidFill>
-              <a:uFill>
-                <a:solidFill>
-                  <a:srgbClr val="ffffff"/>
-                </a:solidFill>
-              </a:uFill>
-              <a:latin typeface="Arial"/>
-            </a:endParaRPr>
           </a:p>
         </p:txBody>
       </p:sp>
     </p:spTree>
   </p:cSld>
-  <p:clrMap bg1="lt1" bg2="lt2" tx1="dk1" tx2="dk2" accent1="accent1" accent2="accent2" accent3="accent3" accent4="accent4" accent5="accent5" accent6="accent6" hlink="hlink" folHlink="folHlink"/>
+  <p:clrMap bg1="lt1" tx1="dk1" bg2="lt2" tx2="dk2" accent1="accent1" accent2="accent2" accent3="accent3" accent4="accent4" accent5="accent5" accent6="accent6" hlink="hlink" folHlink="folHlink"/>
   <p:sldLayoutIdLst>
-    <p:sldLayoutId id="2147483649" r:id="rId2"/>
-    <p:sldLayoutId id="2147483650" r:id="rId3"/>
-    <p:sldLayoutId id="2147483651" r:id="rId4"/>
-    <p:sldLayoutId id="2147483652" r:id="rId5"/>
-    <p:sldLayoutId id="2147483653" r:id="rId6"/>
-    <p:sldLayoutId id="2147483654" r:id="rId7"/>
-    <p:sldLayoutId id="2147483655" r:id="rId8"/>
-    <p:sldLayoutId id="2147483656" r:id="rId9"/>
-    <p:sldLayoutId id="2147483657" r:id="rId10"/>
-    <p:sldLayoutId id="2147483658" r:id="rId11"/>
-    <p:sldLayoutId id="2147483659" r:id="rId12"/>
-    <p:sldLayoutId id="2147483660" r:id="rId13"/>
+    <p:sldLayoutId id="2147483649" r:id="rId1"/>
+    <p:sldLayoutId id="2147483650" r:id="rId2"/>
+    <p:sldLayoutId id="2147483651" r:id="rId3"/>
+    <p:sldLayoutId id="2147483652" r:id="rId4"/>
+    <p:sldLayoutId id="2147483653" r:id="rId5"/>
+    <p:sldLayoutId id="2147483654" r:id="rId6"/>
+    <p:sldLayoutId id="2147483655" r:id="rId7"/>
+    <p:sldLayoutId id="2147483656" r:id="rId8"/>
+    <p:sldLayoutId id="2147483657" r:id="rId9"/>
+    <p:sldLayoutId id="2147483658" r:id="rId10"/>
+    <p:sldLayoutId id="2147483659" r:id="rId11"/>
+    <p:sldLayoutId id="2147483660" r:id="rId12"/>
   </p:sldLayoutIdLst>
+  <p:txStyles>
+    <p:titleStyle>
+      <a:lvl1pPr algn="l" defTabSz="914400" rtl="0" eaLnBrk="1" latinLnBrk="0" hangingPunct="1">
+        <a:lnSpc>
+          <a:spcPct val="90000"/>
+        </a:lnSpc>
+        <a:spcBef>
+          <a:spcPct val="0"/>
+        </a:spcBef>
+        <a:buNone/>
+        <a:defRPr sz="4400" kern="1200">
+          <a:solidFill>
+            <a:schemeClr val="tx1"/>
+          </a:solidFill>
+          <a:latin typeface="+mj-lt"/>
+          <a:ea typeface="+mj-ea"/>
+          <a:cs typeface="+mj-cs"/>
+        </a:defRPr>
+      </a:lvl1pPr>
+    </p:titleStyle>
+    <p:bodyStyle>
+      <a:lvl1pPr marL="228600" indent="-228600" algn="l" defTabSz="914400" rtl="0" eaLnBrk="1" latinLnBrk="0" hangingPunct="1">
+        <a:lnSpc>
+          <a:spcPct val="90000"/>
+        </a:lnSpc>
+        <a:spcBef>
+          <a:spcPts val="1000"/>
+        </a:spcBef>
+        <a:buFont typeface="Arial" panose="020B0604020202020204" pitchFamily="34" charset="0"/>
+        <a:buChar char="•"/>
+        <a:defRPr sz="2800" kern="1200">
+          <a:solidFill>
+            <a:schemeClr val="tx1"/>
+          </a:solidFill>
+          <a:latin typeface="+mn-lt"/>
+          <a:ea typeface="+mn-ea"/>
+          <a:cs typeface="+mn-cs"/>
+        </a:defRPr>
+      </a:lvl1pPr>
+      <a:lvl2pPr marL="685800" indent="-228600" algn="l" defTabSz="914400" rtl="0" eaLnBrk="1" latinLnBrk="0" hangingPunct="1">
+        <a:lnSpc>
+          <a:spcPct val="90000"/>
+        </a:lnSpc>
+        <a:spcBef>
+          <a:spcPts val="500"/>
+        </a:spcBef>
+        <a:buFont typeface="Arial" panose="020B0604020202020204" pitchFamily="34" charset="0"/>
+        <a:buChar char="•"/>
+        <a:defRPr sz="2400" kern="1200">
+          <a:solidFill>
+            <a:schemeClr val="tx1"/>
+          </a:solidFill>
+          <a:latin typeface="+mn-lt"/>
+          <a:ea typeface="+mn-ea"/>
+          <a:cs typeface="+mn-cs"/>
+        </a:defRPr>
+      </a:lvl2pPr>
+      <a:lvl3pPr marL="1143000" indent="-228600" algn="l" defTabSz="914400" rtl="0" eaLnBrk="1" latinLnBrk="0" hangingPunct="1">
+        <a:lnSpc>
+          <a:spcPct val="90000"/>
+        </a:lnSpc>
+        <a:spcBef>
+          <a:spcPts val="500"/>
+        </a:spcBef>
+        <a:buFont typeface="Arial" panose="020B0604020202020204" pitchFamily="34" charset="0"/>
+        <a:buChar char="•"/>
+        <a:defRPr sz="2000" kern="1200">
+          <a:solidFill>
+            <a:schemeClr val="tx1"/>
+          </a:solidFill>
+          <a:latin typeface="+mn-lt"/>
+          <a:ea typeface="+mn-ea"/>
+          <a:cs typeface="+mn-cs"/>
+        </a:defRPr>
+      </a:lvl3pPr>
+      <a:lvl4pPr marL="1600200" indent="-228600" algn="l" defTabSz="914400" rtl="0" eaLnBrk="1" latinLnBrk="0" hangingPunct="1">
+        <a:lnSpc>
+          <a:spcPct val="90000"/>
+        </a:lnSpc>
+        <a:spcBef>
+          <a:spcPts val="500"/>
+        </a:spcBef>
+        <a:buFont typeface="Arial" panose="020B0604020202020204" pitchFamily="34" charset="0"/>
+        <a:buChar char="•"/>
+        <a:defRPr sz="1800" kern="1200">
+          <a:solidFill>
+            <a:schemeClr val="tx1"/>
+          </a:solidFill>
+          <a:latin typeface="+mn-lt"/>
+          <a:ea typeface="+mn-ea"/>
+          <a:cs typeface="+mn-cs"/>
+        </a:defRPr>
+      </a:lvl4pPr>
+      <a:lvl5pPr marL="2057400" indent="-228600" algn="l" defTabSz="914400" rtl="0" eaLnBrk="1" latinLnBrk="0" hangingPunct="1">
+        <a:lnSpc>
+          <a:spcPct val="90000"/>
+        </a:lnSpc>
+        <a:spcBef>
+          <a:spcPts val="500"/>
+        </a:spcBef>
+        <a:buFont typeface="Arial" panose="020B0604020202020204" pitchFamily="34" charset="0"/>
+        <a:buChar char="•"/>
+        <a:defRPr sz="1800" kern="1200">
+          <a:solidFill>
+            <a:schemeClr val="tx1"/>
+          </a:solidFill>
+          <a:latin typeface="+mn-lt"/>
+          <a:ea typeface="+mn-ea"/>
+          <a:cs typeface="+mn-cs"/>
+        </a:defRPr>
+      </a:lvl5pPr>
+      <a:lvl6pPr marL="2514600" indent="-228600" algn="l" defTabSz="914400" rtl="0" eaLnBrk="1" latinLnBrk="0" hangingPunct="1">
+        <a:lnSpc>
+          <a:spcPct val="90000"/>
+        </a:lnSpc>
+        <a:spcBef>
+          <a:spcPts val="500"/>
+        </a:spcBef>
+        <a:buFont typeface="Arial" panose="020B0604020202020204" pitchFamily="34" charset="0"/>
+        <a:buChar char="•"/>
+        <a:defRPr sz="1800" kern="1200">
+          <a:solidFill>
+            <a:schemeClr val="tx1"/>
+          </a:solidFill>
+          <a:latin typeface="+mn-lt"/>
+          <a:ea typeface="+mn-ea"/>
+          <a:cs typeface="+mn-cs"/>
+        </a:defRPr>
+      </a:lvl6pPr>
+      <a:lvl7pPr marL="2971800" indent="-228600" algn="l" defTabSz="914400" rtl="0" eaLnBrk="1" latinLnBrk="0" hangingPunct="1">
+        <a:lnSpc>
+          <a:spcPct val="90000"/>
+        </a:lnSpc>
+        <a:spcBef>
+          <a:spcPts val="500"/>
+        </a:spcBef>
+        <a:buFont typeface="Arial" panose="020B0604020202020204" pitchFamily="34" charset="0"/>
+        <a:buChar char="•"/>
+        <a:defRPr sz="1800" kern="1200">
+          <a:solidFill>
+            <a:schemeClr val="tx1"/>
+          </a:solidFill>
+          <a:latin typeface="+mn-lt"/>
+          <a:ea typeface="+mn-ea"/>
+          <a:cs typeface="+mn-cs"/>
+        </a:defRPr>
+      </a:lvl7pPr>
+      <a:lvl8pPr marL="3429000" indent="-228600" algn="l" defTabSz="914400" rtl="0" eaLnBrk="1" latinLnBrk="0" hangingPunct="1">
+        <a:lnSpc>
+          <a:spcPct val="90000"/>
+        </a:lnSpc>
+        <a:spcBef>
+          <a:spcPts val="500"/>
+        </a:spcBef>
+        <a:buFont typeface="Arial" panose="020B0604020202020204" pitchFamily="34" charset="0"/>
+        <a:buChar char="•"/>
+        <a:defRPr sz="1800" kern="1200">
+          <a:solidFill>
+            <a:schemeClr val="tx1"/>
+          </a:solidFill>
+          <a:latin typeface="+mn-lt"/>
+          <a:ea typeface="+mn-ea"/>
+          <a:cs typeface="+mn-cs"/>
+        </a:defRPr>
+      </a:lvl8pPr>
+      <a:lvl9pPr marL="3886200" indent="-228600" algn="l" defTabSz="914400" rtl="0" eaLnBrk="1" latinLnBrk="0" hangingPunct="1">
+        <a:lnSpc>
+          <a:spcPct val="90000"/>
+        </a:lnSpc>
+        <a:spcBef>
+          <a:spcPts val="500"/>
+        </a:spcBef>
+        <a:buFont typeface="Arial" panose="020B0604020202020204" pitchFamily="34" charset="0"/>
+        <a:buChar char="•"/>
+        <a:defRPr sz="1800" kern="1200">
+          <a:solidFill>
+            <a:schemeClr val="tx1"/>
+          </a:solidFill>
+          <a:latin typeface="+mn-lt"/>
+          <a:ea typeface="+mn-ea"/>
+          <a:cs typeface="+mn-cs"/>
+        </a:defRPr>
+      </a:lvl9pPr>
+    </p:bodyStyle>
+    <p:otherStyle>
+      <a:defPPr>
+        <a:defRPr lang="en-US"/>
+      </a:defPPr>
+      <a:lvl1pPr marL="0" algn="l" defTabSz="914400" rtl="0" eaLnBrk="1" latinLnBrk="0" hangingPunct="1">
+        <a:defRPr sz="1800" kern="1200">
+          <a:solidFill>
+            <a:schemeClr val="tx1"/>
+          </a:solidFill>
+          <a:latin typeface="+mn-lt"/>
+          <a:ea typeface="+mn-ea"/>
+          <a:cs typeface="+mn-cs"/>
+        </a:defRPr>
+      </a:lvl1pPr>
+      <a:lvl2pPr marL="457200" algn="l" defTabSz="914400" rtl="0" eaLnBrk="1" latinLnBrk="0" hangingPunct="1">
+        <a:defRPr sz="1800" kern="1200">
+          <a:solidFill>
+            <a:schemeClr val="tx1"/>
+          </a:solidFill>
+          <a:latin typeface="+mn-lt"/>
+          <a:ea typeface="+mn-ea"/>
+          <a:cs typeface="+mn-cs"/>
+        </a:defRPr>
+      </a:lvl2pPr>
+      <a:lvl3pPr marL="914400" algn="l" defTabSz="914400" rtl="0" eaLnBrk="1" latinLnBrk="0" hangingPunct="1">
+        <a:defRPr sz="1800" kern="1200">
+          <a:solidFill>
+            <a:schemeClr val="tx1"/>
+          </a:solidFill>
+          <a:latin typeface="+mn-lt"/>
+          <a:ea typeface="+mn-ea"/>
+          <a:cs typeface="+mn-cs"/>
+        </a:defRPr>
+      </a:lvl3pPr>
+      <a:lvl4pPr marL="1371600" algn="l" defTabSz="914400" rtl="0" eaLnBrk="1" latinLnBrk="0" hangingPunct="1">
+        <a:defRPr sz="1800" kern="1200">
+          <a:solidFill>
+            <a:schemeClr val="tx1"/>
+          </a:solidFill>
+          <a:latin typeface="+mn-lt"/>
+          <a:ea typeface="+mn-ea"/>
+          <a:cs typeface="+mn-cs"/>
+        </a:defRPr>
+      </a:lvl4pPr>
+      <a:lvl5pPr marL="1828800" algn="l" defTabSz="914400" rtl="0" eaLnBrk="1" latinLnBrk="0" hangingPunct="1">
+        <a:defRPr sz="1800" kern="1200">
+          <a:solidFill>
+            <a:schemeClr val="tx1"/>
+          </a:solidFill>
+          <a:latin typeface="+mn-lt"/>
+          <a:ea typeface="+mn-ea"/>
+          <a:cs typeface="+mn-cs"/>
+        </a:defRPr>
+      </a:lvl5pPr>
+      <a:lvl6pPr marL="2286000" algn="l" defTabSz="914400" rtl="0" eaLnBrk="1" latinLnBrk="0" hangingPunct="1">
+        <a:defRPr sz="1800" kern="1200">
+          <a:solidFill>
+            <a:schemeClr val="tx1"/>
+          </a:solidFill>
+          <a:latin typeface="+mn-lt"/>
+          <a:ea typeface="+mn-ea"/>
+          <a:cs typeface="+mn-cs"/>
+        </a:defRPr>
+      </a:lvl6pPr>
+      <a:lvl7pPr marL="2743200" algn="l" defTabSz="914400" rtl="0" eaLnBrk="1" latinLnBrk="0" hangingPunct="1">
+        <a:defRPr sz="1800" kern="1200">
+          <a:solidFill>
+            <a:schemeClr val="tx1"/>
+          </a:solidFill>
+          <a:latin typeface="+mn-lt"/>
+          <a:ea typeface="+mn-ea"/>
+          <a:cs typeface="+mn-cs"/>
+        </a:defRPr>
+      </a:lvl7pPr>
+      <a:lvl8pPr marL="3200400" algn="l" defTabSz="914400" rtl="0" eaLnBrk="1" latinLnBrk="0" hangingPunct="1">
+        <a:defRPr sz="1800" kern="1200">
+          <a:solidFill>
+            <a:schemeClr val="tx1"/>
+          </a:solidFill>
+          <a:latin typeface="+mn-lt"/>
+          <a:ea typeface="+mn-ea"/>
+          <a:cs typeface="+mn-cs"/>
+        </a:defRPr>
+      </a:lvl8pPr>
+      <a:lvl9pPr marL="3657600" algn="l" defTabSz="914400" rtl="0" eaLnBrk="1" latinLnBrk="0" hangingPunct="1">
+        <a:defRPr sz="1800" kern="1200">
+          <a:solidFill>
+            <a:schemeClr val="tx1"/>
+          </a:solidFill>
+          <a:latin typeface="+mn-lt"/>
+          <a:ea typeface="+mn-ea"/>
+          <a:cs typeface="+mn-cs"/>
+        </a:defRPr>
+      </a:lvl9pPr>
+    </p:otherStyle>
+  </p:txStyles>
 </p:sldMaster>
 </file>
 
 <file path=ppt/slideMasters/slideMaster2.xml><?xml version="1.0" encoding="utf-8"?>
-<p:sldMaster xmlns:a="http://schemas.openxmlformats.org/drawingml/2006/main" xmlns:p="http://schemas.openxmlformats.org/presentationml/2006/main" xmlns:r="http://schemas.openxmlformats.org/officeDocument/2006/relationships" xmlns:p14="http://schemas.microsoft.com/office/powerpoint/2010/main" xmlns:p15="http://schemas.microsoft.com/office/powerpoint/2012/main" xmlns:mc="http://schemas.openxmlformats.org/markup-compatibility/2006">
+<p:sldMaster xmlns:a="http://schemas.openxmlformats.org/drawingml/2006/main" xmlns:r="http://schemas.openxmlformats.org/officeDocument/2006/relationships" xmlns:p="http://schemas.openxmlformats.org/presentationml/2006/main">
   <p:cSld>
     <p:bg>
       <p:bgPr>
         <a:solidFill>
-          <a:srgbClr val="ffffff"/>
+          <a:srgbClr val="FFFFFF"/>
         </a:solidFill>
+        <a:effectLst/>
       </p:bgPr>
     </p:bg>
     <p:spTree>
@@ -3378,34 +3805,24 @@
           </a:prstGeom>
         </p:spPr>
         <p:txBody>
-          <a:bodyPr lIns="0" rIns="0" tIns="0" bIns="0" anchor="ctr"/>
+          <a:bodyPr lIns="0" tIns="0" rIns="0" bIns="0" anchor="ctr"/>
+          <a:lstStyle/>
           <a:p>
             <a:pPr algn="ctr"/>
             <a:r>
-              <a:rPr b="0" lang="en-GB" sz="4400" spc="-1" strike="noStrike">
-                <a:solidFill>
-                  <a:srgbClr val="000000"/>
-                </a:solidFill>
-                <a:uFill>
-                  <a:solidFill>
-                    <a:srgbClr val="ffffff"/>
+              <a:rPr lang="en-GB" sz="4400" b="0" strike="noStrike" spc="-1">
+                <a:solidFill>
+                  <a:srgbClr val="000000"/>
+                </a:solidFill>
+                <a:uFill>
+                  <a:solidFill>
+                    <a:srgbClr val="FFFFFF"/>
                   </a:solidFill>
                 </a:uFill>
                 <a:latin typeface="Arial"/>
               </a:rPr>
               <a:t>Click to edit the title text format</a:t>
             </a:r>
-            <a:endParaRPr b="0" lang="en-GB" sz="4400" spc="-1" strike="noStrike">
-              <a:solidFill>
-                <a:srgbClr val="000000"/>
-              </a:solidFill>
-              <a:uFill>
-                <a:solidFill>
-                  <a:srgbClr val="ffffff"/>
-                </a:solidFill>
-              </a:uFill>
-              <a:latin typeface="Arial"/>
-            </a:endParaRPr>
           </a:p>
         </p:txBody>
       </p:sp>
@@ -3429,7 +3846,8 @@
           </a:prstGeom>
         </p:spPr>
         <p:txBody>
-          <a:bodyPr lIns="0" rIns="0" tIns="0" bIns="0"/>
+          <a:bodyPr lIns="0" tIns="0" rIns="0" bIns="0"/>
+          <a:lstStyle/>
           <a:p>
             <a:pPr marL="432000" indent="-324000">
               <a:buClr>
@@ -3440,33 +3858,22 @@
               <a:buChar char=""/>
             </a:pPr>
             <a:r>
-              <a:rPr b="0" lang="en-GB" sz="3200" spc="-1" strike="noStrike">
-                <a:solidFill>
-                  <a:srgbClr val="000000"/>
-                </a:solidFill>
-                <a:uFill>
-                  <a:solidFill>
-                    <a:srgbClr val="ffffff"/>
+              <a:rPr lang="en-GB" sz="3200" b="0" strike="noStrike" spc="-1">
+                <a:solidFill>
+                  <a:srgbClr val="000000"/>
+                </a:solidFill>
+                <a:uFill>
+                  <a:solidFill>
+                    <a:srgbClr val="FFFFFF"/>
                   </a:solidFill>
                 </a:uFill>
                 <a:latin typeface="Arial"/>
               </a:rPr>
               <a:t>Click to edit the outline text format</a:t>
             </a:r>
-            <a:endParaRPr b="0" lang="en-GB" sz="3200" spc="-1" strike="noStrike">
-              <a:solidFill>
-                <a:srgbClr val="000000"/>
-              </a:solidFill>
-              <a:uFill>
-                <a:solidFill>
-                  <a:srgbClr val="ffffff"/>
-                </a:solidFill>
-              </a:uFill>
-              <a:latin typeface="Arial"/>
-            </a:endParaRPr>
-          </a:p>
-          <a:p>
-            <a:pPr lvl="1" marL="864000" indent="-324000">
+          </a:p>
+          <a:p>
+            <a:pPr marL="864000" lvl="1" indent="-324000">
               <a:buClr>
                 <a:srgbClr val="000000"/>
               </a:buClr>
@@ -3475,33 +3882,22 @@
               <a:buChar char=""/>
             </a:pPr>
             <a:r>
-              <a:rPr b="0" lang="en-GB" sz="2800" spc="-1" strike="noStrike">
-                <a:solidFill>
-                  <a:srgbClr val="000000"/>
-                </a:solidFill>
-                <a:uFill>
-                  <a:solidFill>
-                    <a:srgbClr val="ffffff"/>
+              <a:rPr lang="en-GB" sz="2800" b="0" strike="noStrike" spc="-1">
+                <a:solidFill>
+                  <a:srgbClr val="000000"/>
+                </a:solidFill>
+                <a:uFill>
+                  <a:solidFill>
+                    <a:srgbClr val="FFFFFF"/>
                   </a:solidFill>
                 </a:uFill>
                 <a:latin typeface="Arial"/>
               </a:rPr>
               <a:t>Second Outline Level</a:t>
             </a:r>
-            <a:endParaRPr b="0" lang="en-GB" sz="2800" spc="-1" strike="noStrike">
-              <a:solidFill>
-                <a:srgbClr val="000000"/>
-              </a:solidFill>
-              <a:uFill>
-                <a:solidFill>
-                  <a:srgbClr val="ffffff"/>
-                </a:solidFill>
-              </a:uFill>
-              <a:latin typeface="Arial"/>
-            </a:endParaRPr>
-          </a:p>
-          <a:p>
-            <a:pPr lvl="2" marL="1296000" indent="-288000">
+          </a:p>
+          <a:p>
+            <a:pPr marL="1296000" lvl="2" indent="-288000">
               <a:buClr>
                 <a:srgbClr val="000000"/>
               </a:buClr>
@@ -3510,33 +3906,22 @@
               <a:buChar char=""/>
             </a:pPr>
             <a:r>
-              <a:rPr b="0" lang="en-GB" sz="2400" spc="-1" strike="noStrike">
-                <a:solidFill>
-                  <a:srgbClr val="000000"/>
-                </a:solidFill>
-                <a:uFill>
-                  <a:solidFill>
-                    <a:srgbClr val="ffffff"/>
+              <a:rPr lang="en-GB" sz="2400" b="0" strike="noStrike" spc="-1">
+                <a:solidFill>
+                  <a:srgbClr val="000000"/>
+                </a:solidFill>
+                <a:uFill>
+                  <a:solidFill>
+                    <a:srgbClr val="FFFFFF"/>
                   </a:solidFill>
                 </a:uFill>
                 <a:latin typeface="Arial"/>
               </a:rPr>
               <a:t>Third Outline Level</a:t>
             </a:r>
-            <a:endParaRPr b="0" lang="en-GB" sz="2400" spc="-1" strike="noStrike">
-              <a:solidFill>
-                <a:srgbClr val="000000"/>
-              </a:solidFill>
-              <a:uFill>
-                <a:solidFill>
-                  <a:srgbClr val="ffffff"/>
-                </a:solidFill>
-              </a:uFill>
-              <a:latin typeface="Arial"/>
-            </a:endParaRPr>
-          </a:p>
-          <a:p>
-            <a:pPr lvl="3" marL="1728000" indent="-216000">
+          </a:p>
+          <a:p>
+            <a:pPr marL="1728000" lvl="3" indent="-216000">
               <a:buClr>
                 <a:srgbClr val="000000"/>
               </a:buClr>
@@ -3545,33 +3930,22 @@
               <a:buChar char=""/>
             </a:pPr>
             <a:r>
-              <a:rPr b="0" lang="en-GB" sz="2000" spc="-1" strike="noStrike">
-                <a:solidFill>
-                  <a:srgbClr val="000000"/>
-                </a:solidFill>
-                <a:uFill>
-                  <a:solidFill>
-                    <a:srgbClr val="ffffff"/>
+              <a:rPr lang="en-GB" sz="2000" b="0" strike="noStrike" spc="-1">
+                <a:solidFill>
+                  <a:srgbClr val="000000"/>
+                </a:solidFill>
+                <a:uFill>
+                  <a:solidFill>
+                    <a:srgbClr val="FFFFFF"/>
                   </a:solidFill>
                 </a:uFill>
                 <a:latin typeface="Arial"/>
               </a:rPr>
               <a:t>Fourth Outline Level</a:t>
             </a:r>
-            <a:endParaRPr b="0" lang="en-GB" sz="2000" spc="-1" strike="noStrike">
-              <a:solidFill>
-                <a:srgbClr val="000000"/>
-              </a:solidFill>
-              <a:uFill>
-                <a:solidFill>
-                  <a:srgbClr val="ffffff"/>
-                </a:solidFill>
-              </a:uFill>
-              <a:latin typeface="Arial"/>
-            </a:endParaRPr>
-          </a:p>
-          <a:p>
-            <a:pPr lvl="4" marL="2160000" indent="-216000">
+          </a:p>
+          <a:p>
+            <a:pPr marL="2160000" lvl="4" indent="-216000">
               <a:buClr>
                 <a:srgbClr val="000000"/>
               </a:buClr>
@@ -3580,33 +3954,22 @@
               <a:buChar char=""/>
             </a:pPr>
             <a:r>
-              <a:rPr b="0" lang="en-GB" sz="2000" spc="-1" strike="noStrike">
-                <a:solidFill>
-                  <a:srgbClr val="000000"/>
-                </a:solidFill>
-                <a:uFill>
-                  <a:solidFill>
-                    <a:srgbClr val="ffffff"/>
+              <a:rPr lang="en-GB" sz="2000" b="0" strike="noStrike" spc="-1">
+                <a:solidFill>
+                  <a:srgbClr val="000000"/>
+                </a:solidFill>
+                <a:uFill>
+                  <a:solidFill>
+                    <a:srgbClr val="FFFFFF"/>
                   </a:solidFill>
                 </a:uFill>
                 <a:latin typeface="Arial"/>
               </a:rPr>
               <a:t>Fifth Outline Level</a:t>
             </a:r>
-            <a:endParaRPr b="0" lang="en-GB" sz="2000" spc="-1" strike="noStrike">
-              <a:solidFill>
-                <a:srgbClr val="000000"/>
-              </a:solidFill>
-              <a:uFill>
-                <a:solidFill>
-                  <a:srgbClr val="ffffff"/>
-                </a:solidFill>
-              </a:uFill>
-              <a:latin typeface="Arial"/>
-            </a:endParaRPr>
-          </a:p>
-          <a:p>
-            <a:pPr lvl="5" marL="2592000" indent="-216000">
+          </a:p>
+          <a:p>
+            <a:pPr marL="2592000" lvl="5" indent="-216000">
               <a:buClr>
                 <a:srgbClr val="000000"/>
               </a:buClr>
@@ -3615,33 +3978,22 @@
               <a:buChar char=""/>
             </a:pPr>
             <a:r>
-              <a:rPr b="0" lang="en-GB" sz="2000" spc="-1" strike="noStrike">
-                <a:solidFill>
-                  <a:srgbClr val="000000"/>
-                </a:solidFill>
-                <a:uFill>
-                  <a:solidFill>
-                    <a:srgbClr val="ffffff"/>
+              <a:rPr lang="en-GB" sz="2000" b="0" strike="noStrike" spc="-1">
+                <a:solidFill>
+                  <a:srgbClr val="000000"/>
+                </a:solidFill>
+                <a:uFill>
+                  <a:solidFill>
+                    <a:srgbClr val="FFFFFF"/>
                   </a:solidFill>
                 </a:uFill>
                 <a:latin typeface="Arial"/>
               </a:rPr>
               <a:t>Sixth Outline Level</a:t>
             </a:r>
-            <a:endParaRPr b="0" lang="en-GB" sz="2000" spc="-1" strike="noStrike">
-              <a:solidFill>
-                <a:srgbClr val="000000"/>
-              </a:solidFill>
-              <a:uFill>
-                <a:solidFill>
-                  <a:srgbClr val="ffffff"/>
-                </a:solidFill>
-              </a:uFill>
-              <a:latin typeface="Arial"/>
-            </a:endParaRPr>
-          </a:p>
-          <a:p>
-            <a:pPr lvl="6" marL="3024000" indent="-216000">
+          </a:p>
+          <a:p>
+            <a:pPr marL="3024000" lvl="6" indent="-216000">
               <a:buClr>
                 <a:srgbClr val="000000"/>
               </a:buClr>
@@ -3650,55 +4002,324 @@
               <a:buChar char=""/>
             </a:pPr>
             <a:r>
-              <a:rPr b="0" lang="en-GB" sz="2000" spc="-1" strike="noStrike">
-                <a:solidFill>
-                  <a:srgbClr val="000000"/>
-                </a:solidFill>
-                <a:uFill>
-                  <a:solidFill>
-                    <a:srgbClr val="ffffff"/>
+              <a:rPr lang="en-GB" sz="2000" b="0" strike="noStrike" spc="-1">
+                <a:solidFill>
+                  <a:srgbClr val="000000"/>
+                </a:solidFill>
+                <a:uFill>
+                  <a:solidFill>
+                    <a:srgbClr val="FFFFFF"/>
                   </a:solidFill>
                 </a:uFill>
                 <a:latin typeface="Arial"/>
               </a:rPr>
               <a:t>Seventh Outline Level</a:t>
             </a:r>
-            <a:endParaRPr b="0" lang="en-GB" sz="2000" spc="-1" strike="noStrike">
-              <a:solidFill>
-                <a:srgbClr val="000000"/>
-              </a:solidFill>
-              <a:uFill>
-                <a:solidFill>
-                  <a:srgbClr val="ffffff"/>
-                </a:solidFill>
-              </a:uFill>
-              <a:latin typeface="Arial"/>
-            </a:endParaRPr>
           </a:p>
         </p:txBody>
       </p:sp>
     </p:spTree>
   </p:cSld>
-  <p:clrMap bg1="lt1" bg2="lt2" tx1="dk1" tx2="dk2" accent1="accent1" accent2="accent2" accent3="accent3" accent4="accent4" accent5="accent5" accent6="accent6" hlink="hlink" folHlink="folHlink"/>
+  <p:clrMap bg1="lt1" tx1="dk1" bg2="lt2" tx2="dk2" accent1="accent1" accent2="accent2" accent3="accent3" accent4="accent4" accent5="accent5" accent6="accent6" hlink="hlink" folHlink="folHlink"/>
   <p:sldLayoutIdLst>
-    <p:sldLayoutId id="2147483662" r:id="rId2"/>
-    <p:sldLayoutId id="2147483663" r:id="rId3"/>
-    <p:sldLayoutId id="2147483664" r:id="rId4"/>
-    <p:sldLayoutId id="2147483665" r:id="rId5"/>
-    <p:sldLayoutId id="2147483666" r:id="rId6"/>
-    <p:sldLayoutId id="2147483667" r:id="rId7"/>
-    <p:sldLayoutId id="2147483668" r:id="rId8"/>
-    <p:sldLayoutId id="2147483669" r:id="rId9"/>
-    <p:sldLayoutId id="2147483670" r:id="rId10"/>
-    <p:sldLayoutId id="2147483671" r:id="rId11"/>
-    <p:sldLayoutId id="2147483672" r:id="rId12"/>
-    <p:sldLayoutId id="2147483673" r:id="rId13"/>
+    <p:sldLayoutId id="2147483662" r:id="rId1"/>
+    <p:sldLayoutId id="2147483663" r:id="rId2"/>
+    <p:sldLayoutId id="2147483664" r:id="rId3"/>
+    <p:sldLayoutId id="2147483665" r:id="rId4"/>
+    <p:sldLayoutId id="2147483666" r:id="rId5"/>
+    <p:sldLayoutId id="2147483667" r:id="rId6"/>
+    <p:sldLayoutId id="2147483668" r:id="rId7"/>
+    <p:sldLayoutId id="2147483669" r:id="rId8"/>
+    <p:sldLayoutId id="2147483670" r:id="rId9"/>
+    <p:sldLayoutId id="2147483671" r:id="rId10"/>
+    <p:sldLayoutId id="2147483672" r:id="rId11"/>
+    <p:sldLayoutId id="2147483673" r:id="rId12"/>
   </p:sldLayoutIdLst>
+  <p:txStyles>
+    <p:titleStyle>
+      <a:lvl1pPr algn="l" defTabSz="914400" rtl="0" eaLnBrk="1" latinLnBrk="0" hangingPunct="1">
+        <a:lnSpc>
+          <a:spcPct val="90000"/>
+        </a:lnSpc>
+        <a:spcBef>
+          <a:spcPct val="0"/>
+        </a:spcBef>
+        <a:buNone/>
+        <a:defRPr sz="4400" kern="1200">
+          <a:solidFill>
+            <a:schemeClr val="tx1"/>
+          </a:solidFill>
+          <a:latin typeface="+mj-lt"/>
+          <a:ea typeface="+mj-ea"/>
+          <a:cs typeface="+mj-cs"/>
+        </a:defRPr>
+      </a:lvl1pPr>
+    </p:titleStyle>
+    <p:bodyStyle>
+      <a:lvl1pPr marL="228600" indent="-228600" algn="l" defTabSz="914400" rtl="0" eaLnBrk="1" latinLnBrk="0" hangingPunct="1">
+        <a:lnSpc>
+          <a:spcPct val="90000"/>
+        </a:lnSpc>
+        <a:spcBef>
+          <a:spcPts val="1000"/>
+        </a:spcBef>
+        <a:buFont typeface="Arial" panose="020B0604020202020204" pitchFamily="34" charset="0"/>
+        <a:buChar char="•"/>
+        <a:defRPr sz="2800" kern="1200">
+          <a:solidFill>
+            <a:schemeClr val="tx1"/>
+          </a:solidFill>
+          <a:latin typeface="+mn-lt"/>
+          <a:ea typeface="+mn-ea"/>
+          <a:cs typeface="+mn-cs"/>
+        </a:defRPr>
+      </a:lvl1pPr>
+      <a:lvl2pPr marL="685800" indent="-228600" algn="l" defTabSz="914400" rtl="0" eaLnBrk="1" latinLnBrk="0" hangingPunct="1">
+        <a:lnSpc>
+          <a:spcPct val="90000"/>
+        </a:lnSpc>
+        <a:spcBef>
+          <a:spcPts val="500"/>
+        </a:spcBef>
+        <a:buFont typeface="Arial" panose="020B0604020202020204" pitchFamily="34" charset="0"/>
+        <a:buChar char="•"/>
+        <a:defRPr sz="2400" kern="1200">
+          <a:solidFill>
+            <a:schemeClr val="tx1"/>
+          </a:solidFill>
+          <a:latin typeface="+mn-lt"/>
+          <a:ea typeface="+mn-ea"/>
+          <a:cs typeface="+mn-cs"/>
+        </a:defRPr>
+      </a:lvl2pPr>
+      <a:lvl3pPr marL="1143000" indent="-228600" algn="l" defTabSz="914400" rtl="0" eaLnBrk="1" latinLnBrk="0" hangingPunct="1">
+        <a:lnSpc>
+          <a:spcPct val="90000"/>
+        </a:lnSpc>
+        <a:spcBef>
+          <a:spcPts val="500"/>
+        </a:spcBef>
+        <a:buFont typeface="Arial" panose="020B0604020202020204" pitchFamily="34" charset="0"/>
+        <a:buChar char="•"/>
+        <a:defRPr sz="2000" kern="1200">
+          <a:solidFill>
+            <a:schemeClr val="tx1"/>
+          </a:solidFill>
+          <a:latin typeface="+mn-lt"/>
+          <a:ea typeface="+mn-ea"/>
+          <a:cs typeface="+mn-cs"/>
+        </a:defRPr>
+      </a:lvl3pPr>
+      <a:lvl4pPr marL="1600200" indent="-228600" algn="l" defTabSz="914400" rtl="0" eaLnBrk="1" latinLnBrk="0" hangingPunct="1">
+        <a:lnSpc>
+          <a:spcPct val="90000"/>
+        </a:lnSpc>
+        <a:spcBef>
+          <a:spcPts val="500"/>
+        </a:spcBef>
+        <a:buFont typeface="Arial" panose="020B0604020202020204" pitchFamily="34" charset="0"/>
+        <a:buChar char="•"/>
+        <a:defRPr sz="1800" kern="1200">
+          <a:solidFill>
+            <a:schemeClr val="tx1"/>
+          </a:solidFill>
+          <a:latin typeface="+mn-lt"/>
+          <a:ea typeface="+mn-ea"/>
+          <a:cs typeface="+mn-cs"/>
+        </a:defRPr>
+      </a:lvl4pPr>
+      <a:lvl5pPr marL="2057400" indent="-228600" algn="l" defTabSz="914400" rtl="0" eaLnBrk="1" latinLnBrk="0" hangingPunct="1">
+        <a:lnSpc>
+          <a:spcPct val="90000"/>
+        </a:lnSpc>
+        <a:spcBef>
+          <a:spcPts val="500"/>
+        </a:spcBef>
+        <a:buFont typeface="Arial" panose="020B0604020202020204" pitchFamily="34" charset="0"/>
+        <a:buChar char="•"/>
+        <a:defRPr sz="1800" kern="1200">
+          <a:solidFill>
+            <a:schemeClr val="tx1"/>
+          </a:solidFill>
+          <a:latin typeface="+mn-lt"/>
+          <a:ea typeface="+mn-ea"/>
+          <a:cs typeface="+mn-cs"/>
+        </a:defRPr>
+      </a:lvl5pPr>
+      <a:lvl6pPr marL="2514600" indent="-228600" algn="l" defTabSz="914400" rtl="0" eaLnBrk="1" latinLnBrk="0" hangingPunct="1">
+        <a:lnSpc>
+          <a:spcPct val="90000"/>
+        </a:lnSpc>
+        <a:spcBef>
+          <a:spcPts val="500"/>
+        </a:spcBef>
+        <a:buFont typeface="Arial" panose="020B0604020202020204" pitchFamily="34" charset="0"/>
+        <a:buChar char="•"/>
+        <a:defRPr sz="1800" kern="1200">
+          <a:solidFill>
+            <a:schemeClr val="tx1"/>
+          </a:solidFill>
+          <a:latin typeface="+mn-lt"/>
+          <a:ea typeface="+mn-ea"/>
+          <a:cs typeface="+mn-cs"/>
+        </a:defRPr>
+      </a:lvl6pPr>
+      <a:lvl7pPr marL="2971800" indent="-228600" algn="l" defTabSz="914400" rtl="0" eaLnBrk="1" latinLnBrk="0" hangingPunct="1">
+        <a:lnSpc>
+          <a:spcPct val="90000"/>
+        </a:lnSpc>
+        <a:spcBef>
+          <a:spcPts val="500"/>
+        </a:spcBef>
+        <a:buFont typeface="Arial" panose="020B0604020202020204" pitchFamily="34" charset="0"/>
+        <a:buChar char="•"/>
+        <a:defRPr sz="1800" kern="1200">
+          <a:solidFill>
+            <a:schemeClr val="tx1"/>
+          </a:solidFill>
+          <a:latin typeface="+mn-lt"/>
+          <a:ea typeface="+mn-ea"/>
+          <a:cs typeface="+mn-cs"/>
+        </a:defRPr>
+      </a:lvl7pPr>
+      <a:lvl8pPr marL="3429000" indent="-228600" algn="l" defTabSz="914400" rtl="0" eaLnBrk="1" latinLnBrk="0" hangingPunct="1">
+        <a:lnSpc>
+          <a:spcPct val="90000"/>
+        </a:lnSpc>
+        <a:spcBef>
+          <a:spcPts val="500"/>
+        </a:spcBef>
+        <a:buFont typeface="Arial" panose="020B0604020202020204" pitchFamily="34" charset="0"/>
+        <a:buChar char="•"/>
+        <a:defRPr sz="1800" kern="1200">
+          <a:solidFill>
+            <a:schemeClr val="tx1"/>
+          </a:solidFill>
+          <a:latin typeface="+mn-lt"/>
+          <a:ea typeface="+mn-ea"/>
+          <a:cs typeface="+mn-cs"/>
+        </a:defRPr>
+      </a:lvl8pPr>
+      <a:lvl9pPr marL="3886200" indent="-228600" algn="l" defTabSz="914400" rtl="0" eaLnBrk="1" latinLnBrk="0" hangingPunct="1">
+        <a:lnSpc>
+          <a:spcPct val="90000"/>
+        </a:lnSpc>
+        <a:spcBef>
+          <a:spcPts val="500"/>
+        </a:spcBef>
+        <a:buFont typeface="Arial" panose="020B0604020202020204" pitchFamily="34" charset="0"/>
+        <a:buChar char="•"/>
+        <a:defRPr sz="1800" kern="1200">
+          <a:solidFill>
+            <a:schemeClr val="tx1"/>
+          </a:solidFill>
+          <a:latin typeface="+mn-lt"/>
+          <a:ea typeface="+mn-ea"/>
+          <a:cs typeface="+mn-cs"/>
+        </a:defRPr>
+      </a:lvl9pPr>
+    </p:bodyStyle>
+    <p:otherStyle>
+      <a:defPPr>
+        <a:defRPr lang="en-US"/>
+      </a:defPPr>
+      <a:lvl1pPr marL="0" algn="l" defTabSz="914400" rtl="0" eaLnBrk="1" latinLnBrk="0" hangingPunct="1">
+        <a:defRPr sz="1800" kern="1200">
+          <a:solidFill>
+            <a:schemeClr val="tx1"/>
+          </a:solidFill>
+          <a:latin typeface="+mn-lt"/>
+          <a:ea typeface="+mn-ea"/>
+          <a:cs typeface="+mn-cs"/>
+        </a:defRPr>
+      </a:lvl1pPr>
+      <a:lvl2pPr marL="457200" algn="l" defTabSz="914400" rtl="0" eaLnBrk="1" latinLnBrk="0" hangingPunct="1">
+        <a:defRPr sz="1800" kern="1200">
+          <a:solidFill>
+            <a:schemeClr val="tx1"/>
+          </a:solidFill>
+          <a:latin typeface="+mn-lt"/>
+          <a:ea typeface="+mn-ea"/>
+          <a:cs typeface="+mn-cs"/>
+        </a:defRPr>
+      </a:lvl2pPr>
+      <a:lvl3pPr marL="914400" algn="l" defTabSz="914400" rtl="0" eaLnBrk="1" latinLnBrk="0" hangingPunct="1">
+        <a:defRPr sz="1800" kern="1200">
+          <a:solidFill>
+            <a:schemeClr val="tx1"/>
+          </a:solidFill>
+          <a:latin typeface="+mn-lt"/>
+          <a:ea typeface="+mn-ea"/>
+          <a:cs typeface="+mn-cs"/>
+        </a:defRPr>
+      </a:lvl3pPr>
+      <a:lvl4pPr marL="1371600" algn="l" defTabSz="914400" rtl="0" eaLnBrk="1" latinLnBrk="0" hangingPunct="1">
+        <a:defRPr sz="1800" kern="1200">
+          <a:solidFill>
+            <a:schemeClr val="tx1"/>
+          </a:solidFill>
+          <a:latin typeface="+mn-lt"/>
+          <a:ea typeface="+mn-ea"/>
+          <a:cs typeface="+mn-cs"/>
+        </a:defRPr>
+      </a:lvl4pPr>
+      <a:lvl5pPr marL="1828800" algn="l" defTabSz="914400" rtl="0" eaLnBrk="1" latinLnBrk="0" hangingPunct="1">
+        <a:defRPr sz="1800" kern="1200">
+          <a:solidFill>
+            <a:schemeClr val="tx1"/>
+          </a:solidFill>
+          <a:latin typeface="+mn-lt"/>
+          <a:ea typeface="+mn-ea"/>
+          <a:cs typeface="+mn-cs"/>
+        </a:defRPr>
+      </a:lvl5pPr>
+      <a:lvl6pPr marL="2286000" algn="l" defTabSz="914400" rtl="0" eaLnBrk="1" latinLnBrk="0" hangingPunct="1">
+        <a:defRPr sz="1800" kern="1200">
+          <a:solidFill>
+            <a:schemeClr val="tx1"/>
+          </a:solidFill>
+          <a:latin typeface="+mn-lt"/>
+          <a:ea typeface="+mn-ea"/>
+          <a:cs typeface="+mn-cs"/>
+        </a:defRPr>
+      </a:lvl6pPr>
+      <a:lvl7pPr marL="2743200" algn="l" defTabSz="914400" rtl="0" eaLnBrk="1" latinLnBrk="0" hangingPunct="1">
+        <a:defRPr sz="1800" kern="1200">
+          <a:solidFill>
+            <a:schemeClr val="tx1"/>
+          </a:solidFill>
+          <a:latin typeface="+mn-lt"/>
+          <a:ea typeface="+mn-ea"/>
+          <a:cs typeface="+mn-cs"/>
+        </a:defRPr>
+      </a:lvl7pPr>
+      <a:lvl8pPr marL="3200400" algn="l" defTabSz="914400" rtl="0" eaLnBrk="1" latinLnBrk="0" hangingPunct="1">
+        <a:defRPr sz="1800" kern="1200">
+          <a:solidFill>
+            <a:schemeClr val="tx1"/>
+          </a:solidFill>
+          <a:latin typeface="+mn-lt"/>
+          <a:ea typeface="+mn-ea"/>
+          <a:cs typeface="+mn-cs"/>
+        </a:defRPr>
+      </a:lvl8pPr>
+      <a:lvl9pPr marL="3657600" algn="l" defTabSz="914400" rtl="0" eaLnBrk="1" latinLnBrk="0" hangingPunct="1">
+        <a:defRPr sz="1800" kern="1200">
+          <a:solidFill>
+            <a:schemeClr val="tx1"/>
+          </a:solidFill>
+          <a:latin typeface="+mn-lt"/>
+          <a:ea typeface="+mn-ea"/>
+          <a:cs typeface="+mn-cs"/>
+        </a:defRPr>
+      </a:lvl9pPr>
+    </p:otherStyle>
+  </p:txStyles>
 </p:sldMaster>
 </file>
 
 <file path=ppt/slides/slide1.xml><?xml version="1.0" encoding="utf-8"?>
-<p:sld xmlns:a="http://schemas.openxmlformats.org/drawingml/2006/main" xmlns:p="http://schemas.openxmlformats.org/presentationml/2006/main" xmlns:r="http://schemas.openxmlformats.org/officeDocument/2006/relationships" xmlns:p14="http://schemas.microsoft.com/office/powerpoint/2010/main" xmlns:p15="http://schemas.microsoft.com/office/powerpoint/2012/main" xmlns:mc="http://schemas.openxmlformats.org/markup-compatibility/2006">
+<p:sld xmlns:a="http://schemas.openxmlformats.org/drawingml/2006/main" xmlns:r="http://schemas.openxmlformats.org/officeDocument/2006/relationships" xmlns:p="http://schemas.openxmlformats.org/presentationml/2006/main">
   <p:cSld>
     <p:spTree>
       <p:nvGrpSpPr>
@@ -3734,13 +4355,20 @@
           </a:ln>
         </p:spPr>
         <p:style>
-          <a:lnRef idx="0"/>
-          <a:fillRef idx="0"/>
-          <a:effectRef idx="0"/>
+          <a:lnRef idx="0">
+            <a:scrgbClr r="0" g="0" b="0"/>
+          </a:lnRef>
+          <a:fillRef idx="0">
+            <a:scrgbClr r="0" g="0" b="0"/>
+          </a:fillRef>
+          <a:effectRef idx="0">
+            <a:scrgbClr r="0" g="0" b="0"/>
+          </a:effectRef>
           <a:fontRef idx="minor"/>
         </p:style>
         <p:txBody>
-          <a:bodyPr lIns="0" rIns="0" tIns="0" bIns="0" anchor="ctr"/>
+          <a:bodyPr lIns="0" tIns="0" rIns="0" bIns="0" anchor="ctr"/>
+          <a:lstStyle/>
           <a:p>
             <a:pPr algn="ctr">
               <a:lnSpc>
@@ -3748,13 +4376,13 @@
               </a:lnSpc>
             </a:pPr>
             <a:r>
-              <a:rPr b="0" lang="en-GB" sz="4800" spc="-1" strike="noStrike">
-                <a:solidFill>
-                  <a:srgbClr val="000000"/>
-                </a:solidFill>
-                <a:uFill>
-                  <a:solidFill>
-                    <a:srgbClr val="ffffff"/>
+              <a:rPr lang="en-GB" sz="4800" b="0" strike="noStrike" spc="-1">
+                <a:solidFill>
+                  <a:srgbClr val="000000"/>
+                </a:solidFill>
+                <a:uFill>
+                  <a:solidFill>
+                    <a:srgbClr val="FFFFFF"/>
                   </a:solidFill>
                 </a:uFill>
                 <a:latin typeface="Arial"/>
@@ -3762,13 +4390,13 @@
               </a:rPr>
               <a:t>Aberystwyth Robotics Club</a:t>
             </a:r>
-            <a:endParaRPr b="0" lang="en-GB" sz="1800" spc="-1" strike="noStrike">
-              <a:solidFill>
-                <a:srgbClr val="000000"/>
-              </a:solidFill>
-              <a:uFill>
-                <a:solidFill>
-                  <a:srgbClr val="ffffff"/>
+            <a:endParaRPr lang="en-GB" sz="1800" b="0" strike="noStrike" spc="-1">
+              <a:solidFill>
+                <a:srgbClr val="000000"/>
+              </a:solidFill>
+              <a:uFill>
+                <a:solidFill>
+                  <a:srgbClr val="FFFFFF"/>
                 </a:solidFill>
               </a:uFill>
               <a:latin typeface="Arial"/>
@@ -3781,13 +4409,13 @@
               </a:lnSpc>
             </a:pPr>
             <a:r>
-              <a:rPr b="0" lang="en-GB" sz="4800" spc="-1" strike="noStrike">
-                <a:solidFill>
-                  <a:srgbClr val="000000"/>
-                </a:solidFill>
-                <a:uFill>
-                  <a:solidFill>
-                    <a:srgbClr val="ffffff"/>
+              <a:rPr lang="en-GB" sz="4800" b="0" strike="noStrike" spc="-1">
+                <a:solidFill>
+                  <a:srgbClr val="000000"/>
+                </a:solidFill>
+                <a:uFill>
+                  <a:solidFill>
+                    <a:srgbClr val="FFFFFF"/>
                   </a:solidFill>
                 </a:uFill>
                 <a:latin typeface="Arial"/>
@@ -3795,13 +4423,13 @@
               </a:rPr>
               <a:t>News</a:t>
             </a:r>
-            <a:endParaRPr b="0" lang="en-GB" sz="1800" spc="-1" strike="noStrike">
-              <a:solidFill>
-                <a:srgbClr val="000000"/>
-              </a:solidFill>
-              <a:uFill>
-                <a:solidFill>
-                  <a:srgbClr val="ffffff"/>
+            <a:endParaRPr lang="en-GB" sz="1800" b="0" strike="noStrike" spc="-1">
+              <a:solidFill>
+                <a:srgbClr val="000000"/>
+              </a:solidFill>
+              <a:uFill>
+                <a:solidFill>
+                  <a:srgbClr val="FFFFFF"/>
                 </a:solidFill>
               </a:uFill>
               <a:latin typeface="Arial"/>
@@ -3814,13 +4442,13 @@
               </a:lnSpc>
             </a:pPr>
             <a:r>
-              <a:rPr b="0" lang="en-GB" sz="4800" spc="-1" strike="noStrike">
-                <a:solidFill>
-                  <a:srgbClr val="000000"/>
-                </a:solidFill>
-                <a:uFill>
-                  <a:solidFill>
-                    <a:srgbClr val="ffffff"/>
+              <a:rPr lang="en-GB" sz="4800" b="0" strike="noStrike" spc="-1">
+                <a:solidFill>
+                  <a:srgbClr val="000000"/>
+                </a:solidFill>
+                <a:uFill>
+                  <a:solidFill>
+                    <a:srgbClr val="FFFFFF"/>
                   </a:solidFill>
                 </a:uFill>
                 <a:latin typeface="Arial"/>
@@ -3828,13 +4456,13 @@
               </a:rPr>
               <a:t>07/02/2018</a:t>
             </a:r>
-            <a:endParaRPr b="0" lang="en-GB" sz="1800" spc="-1" strike="noStrike">
-              <a:solidFill>
-                <a:srgbClr val="000000"/>
-              </a:solidFill>
-              <a:uFill>
-                <a:solidFill>
-                  <a:srgbClr val="ffffff"/>
+            <a:endParaRPr lang="en-GB" sz="1800" b="0" strike="noStrike" spc="-1">
+              <a:solidFill>
+                <a:srgbClr val="000000"/>
+              </a:solidFill>
+              <a:uFill>
+                <a:solidFill>
+                  <a:srgbClr val="FFFFFF"/>
                 </a:solidFill>
               </a:uFill>
               <a:latin typeface="Arial"/>
@@ -3846,13 +4474,13 @@
                 <a:spcPct val="100000"/>
               </a:lnSpc>
             </a:pPr>
-            <a:endParaRPr b="0" lang="en-GB" sz="1800" spc="-1" strike="noStrike">
-              <a:solidFill>
-                <a:srgbClr val="000000"/>
-              </a:solidFill>
-              <a:uFill>
-                <a:solidFill>
-                  <a:srgbClr val="ffffff"/>
+            <a:endParaRPr lang="en-GB" sz="1800" b="0" strike="noStrike" spc="-1">
+              <a:solidFill>
+                <a:srgbClr val="000000"/>
+              </a:solidFill>
+              <a:uFill>
+                <a:solidFill>
+                  <a:srgbClr val="FFFFFF"/>
                 </a:solidFill>
               </a:uFill>
               <a:latin typeface="Arial"/>
@@ -3865,13 +4493,13 @@
               </a:lnSpc>
             </a:pPr>
             <a:r>
-              <a:rPr b="0" lang="en-GB" sz="3200" spc="-1" strike="noStrike">
-                <a:solidFill>
-                  <a:srgbClr val="000000"/>
-                </a:solidFill>
-                <a:uFill>
-                  <a:solidFill>
-                    <a:srgbClr val="ffffff"/>
+              <a:rPr lang="en-GB" sz="3200" b="0" strike="noStrike" spc="-1">
+                <a:solidFill>
+                  <a:srgbClr val="000000"/>
+                </a:solidFill>
+                <a:uFill>
+                  <a:solidFill>
+                    <a:srgbClr val="FFFFFF"/>
                   </a:solidFill>
                 </a:uFill>
                 <a:latin typeface="Arial"/>
@@ -3879,13 +4507,13 @@
               </a:rPr>
               <a:t>Tomos Fearn</a:t>
             </a:r>
-            <a:endParaRPr b="0" lang="en-GB" sz="1800" spc="-1" strike="noStrike">
-              <a:solidFill>
-                <a:srgbClr val="000000"/>
-              </a:solidFill>
-              <a:uFill>
-                <a:solidFill>
-                  <a:srgbClr val="ffffff"/>
+            <a:endParaRPr lang="en-GB" sz="1800" b="0" strike="noStrike" spc="-1">
+              <a:solidFill>
+                <a:srgbClr val="000000"/>
+              </a:solidFill>
+              <a:uFill>
+                <a:solidFill>
+                  <a:srgbClr val="FFFFFF"/>
                 </a:solidFill>
               </a:uFill>
               <a:latin typeface="Arial"/>
@@ -3898,29 +4526,29 @@
               </a:lnSpc>
             </a:pPr>
             <a:r>
-              <a:rPr b="0" lang="en-GB" sz="3200" spc="-1" strike="noStrike" u="sng">
-                <a:solidFill>
-                  <a:srgbClr val="0000ff"/>
-                </a:solidFill>
-                <a:uFill>
-                  <a:solidFill>
-                    <a:srgbClr val="ffffff"/>
+              <a:rPr lang="en-GB" sz="3200" b="0" u="sng" strike="noStrike" spc="-1">
+                <a:solidFill>
+                  <a:srgbClr val="0000FF"/>
+                </a:solidFill>
+                <a:uFill>
+                  <a:solidFill>
+                    <a:srgbClr val="FFFFFF"/>
                   </a:solidFill>
                 </a:uFill>
                 <a:latin typeface="Arial"/>
                 <a:ea typeface="DejaVu Sans"/>
-                <a:hlinkClick r:id="rId1"/>
+                <a:hlinkClick r:id="rId2"/>
               </a:rPr>
               <a:t>tof7@aber.ac.uk</a:t>
             </a:r>
             <a:r>
-              <a:rPr b="0" lang="en-GB" sz="3200" spc="-1" strike="noStrike" u="sng">
-                <a:solidFill>
-                  <a:srgbClr val="0000ff"/>
-                </a:solidFill>
-                <a:uFill>
-                  <a:solidFill>
-                    <a:srgbClr val="ffffff"/>
+              <a:rPr lang="en-GB" sz="3200" b="0" u="sng" strike="noStrike" spc="-1">
+                <a:solidFill>
+                  <a:srgbClr val="0000FF"/>
+                </a:solidFill>
+                <a:uFill>
+                  <a:solidFill>
+                    <a:srgbClr val="FFFFFF"/>
                   </a:solidFill>
                 </a:uFill>
                 <a:latin typeface="Arial"/>
@@ -3929,13 +4557,13 @@
               <a:t> </a:t>
             </a:r>
             <a:r>
-              <a:rPr b="0" lang="en-GB" sz="3200" spc="-1" strike="noStrike">
-                <a:solidFill>
-                  <a:srgbClr val="000000"/>
-                </a:solidFill>
-                <a:uFill>
-                  <a:solidFill>
-                    <a:srgbClr val="ffffff"/>
+              <a:rPr lang="en-GB" sz="3200" b="0" strike="noStrike" spc="-1">
+                <a:solidFill>
+                  <a:srgbClr val="000000"/>
+                </a:solidFill>
+                <a:uFill>
+                  <a:solidFill>
+                    <a:srgbClr val="FFFFFF"/>
                   </a:solidFill>
                 </a:uFill>
                 <a:latin typeface="Arial"/>
@@ -3943,13 +4571,13 @@
               </a:rPr>
               <a:t> </a:t>
             </a:r>
-            <a:endParaRPr b="0" lang="en-GB" sz="1800" spc="-1" strike="noStrike">
-              <a:solidFill>
-                <a:srgbClr val="000000"/>
-              </a:solidFill>
-              <a:uFill>
-                <a:solidFill>
-                  <a:srgbClr val="ffffff"/>
+            <a:endParaRPr lang="en-GB" sz="1800" b="0" strike="noStrike" spc="-1">
+              <a:solidFill>
+                <a:srgbClr val="000000"/>
+              </a:solidFill>
+              <a:uFill>
+                <a:solidFill>
+                  <a:srgbClr val="FFFFFF"/>
                 </a:solidFill>
               </a:uFill>
               <a:latin typeface="Arial"/>
@@ -3959,12 +4587,12 @@
       </p:sp>
       <p:pic>
         <p:nvPicPr>
-          <p:cNvPr id="73" name="Picture 3" descr=""/>
+          <p:cNvPr id="73" name="Picture 3"/>
           <p:cNvPicPr/>
           <p:nvPr/>
         </p:nvPicPr>
         <p:blipFill>
-          <a:blip r:embed="rId2"/>
+          <a:blip r:embed="rId3"/>
           <a:stretch/>
         </p:blipFill>
         <p:spPr>
@@ -4000,13 +4628,20 @@
           </a:ln>
         </p:spPr>
         <p:style>
-          <a:lnRef idx="0"/>
-          <a:fillRef idx="0"/>
-          <a:effectRef idx="0"/>
+          <a:lnRef idx="0">
+            <a:scrgbClr r="0" g="0" b="0"/>
+          </a:lnRef>
+          <a:fillRef idx="0">
+            <a:scrgbClr r="0" g="0" b="0"/>
+          </a:fillRef>
+          <a:effectRef idx="0">
+            <a:scrgbClr r="0" g="0" b="0"/>
+          </a:effectRef>
           <a:fontRef idx="minor"/>
         </p:style>
         <p:txBody>
-          <a:bodyPr lIns="90000" rIns="90000" tIns="45000" bIns="45000"/>
+          <a:bodyPr lIns="90000" tIns="45000" rIns="90000" bIns="45000"/>
+          <a:lstStyle/>
           <a:p>
             <a:pPr>
               <a:lnSpc>
@@ -4014,13 +4649,13 @@
               </a:lnSpc>
             </a:pPr>
             <a:r>
-              <a:rPr b="1" lang="en-GB" sz="3200" spc="-1" strike="noStrike">
-                <a:solidFill>
-                  <a:srgbClr val="000000"/>
-                </a:solidFill>
-                <a:uFill>
-                  <a:solidFill>
-                    <a:srgbClr val="ffffff"/>
+              <a:rPr lang="en-GB" sz="3200" b="1" strike="noStrike" spc="-1">
+                <a:solidFill>
+                  <a:srgbClr val="000000"/>
+                </a:solidFill>
+                <a:uFill>
+                  <a:solidFill>
+                    <a:srgbClr val="FFFFFF"/>
                   </a:solidFill>
                 </a:uFill>
                 <a:latin typeface="Eras Bold ITC"/>
@@ -4028,13 +4663,13 @@
               </a:rPr>
               <a:t>www.students.aberrobotics.club</a:t>
             </a:r>
-            <a:endParaRPr b="0" lang="en-GB" sz="1800" spc="-1" strike="noStrike">
-              <a:solidFill>
-                <a:srgbClr val="000000"/>
-              </a:solidFill>
-              <a:uFill>
-                <a:solidFill>
-                  <a:srgbClr val="ffffff"/>
+            <a:endParaRPr lang="en-GB" sz="1800" b="0" strike="noStrike" spc="-1">
+              <a:solidFill>
+                <a:srgbClr val="000000"/>
+              </a:solidFill>
+              <a:uFill>
+                <a:solidFill>
+                  <a:srgbClr val="FFFFFF"/>
                 </a:solidFill>
               </a:uFill>
               <a:latin typeface="Arial"/>
@@ -4044,30 +4679,7 @@
       </p:sp>
       <p:pic>
         <p:nvPicPr>
-          <p:cNvPr id="75" name="Picture 4" descr=""/>
-          <p:cNvPicPr/>
-          <p:nvPr/>
-        </p:nvPicPr>
-        <p:blipFill>
-          <a:blip r:embed="rId3"/>
-          <a:stretch/>
-        </p:blipFill>
-        <p:spPr>
-          <a:xfrm>
-            <a:off x="39240" y="0"/>
-            <a:ext cx="1066680" cy="1075320"/>
-          </a:xfrm>
-          <a:prstGeom prst="rect">
-            <a:avLst/>
-          </a:prstGeom>
-          <a:ln>
-            <a:noFill/>
-          </a:ln>
-        </p:spPr>
-      </p:pic>
-      <p:pic>
-        <p:nvPicPr>
-          <p:cNvPr id="76" name="Picture 4" descr=""/>
+          <p:cNvPr id="75" name="Picture 4"/>
           <p:cNvPicPr/>
           <p:nvPr/>
         </p:nvPicPr>
@@ -4077,8 +4689,8 @@
         </p:blipFill>
         <p:spPr>
           <a:xfrm>
-            <a:off x="3718440" y="4659840"/>
-            <a:ext cx="2639880" cy="2660760"/>
+            <a:off x="39240" y="0"/>
+            <a:ext cx="1066680" cy="1075320"/>
           </a:xfrm>
           <a:prstGeom prst="rect">
             <a:avLst/>
@@ -4088,8 +4700,34 @@
           </a:ln>
         </p:spPr>
       </p:pic>
+      <p:pic>
+        <p:nvPicPr>
+          <p:cNvPr id="76" name="Picture 4"/>
+          <p:cNvPicPr/>
+          <p:nvPr/>
+        </p:nvPicPr>
+        <p:blipFill>
+          <a:blip r:embed="rId4"/>
+          <a:stretch/>
+        </p:blipFill>
+        <p:spPr>
+          <a:xfrm>
+            <a:off x="3718440" y="4659840"/>
+            <a:ext cx="2639880" cy="2660760"/>
+          </a:xfrm>
+          <a:prstGeom prst="rect">
+            <a:avLst/>
+          </a:prstGeom>
+          <a:ln>
+            <a:noFill/>
+          </a:ln>
+        </p:spPr>
+      </p:pic>
     </p:spTree>
   </p:cSld>
+  <p:clrMapOvr>
+    <a:masterClrMapping/>
+  </p:clrMapOvr>
   <p:timing>
     <p:tnLst>
       <p:par>
@@ -4098,14 +4736,14 @@
             <p:seq>
               <p:cTn id="2" nodeType="mainSeq"/>
               <p:prevCondLst>
-                <p:cond delay="0" evt="onPrev">
+                <p:cond evt="onPrev" delay="0">
                   <p:tgtEl>
                     <p:sldTgt/>
                   </p:tgtEl>
                 </p:cond>
               </p:prevCondLst>
               <p:nextCondLst>
-                <p:cond delay="0" evt="onNext">
+                <p:cond evt="onNext" delay="0">
                   <p:tgtEl>
                     <p:sldTgt/>
                   </p:tgtEl>
@@ -4121,7 +4759,7 @@
 </file>
 
 <file path=ppt/slides/slide10.xml><?xml version="1.0" encoding="utf-8"?>
-<p:sld xmlns:a="http://schemas.openxmlformats.org/drawingml/2006/main" xmlns:p="http://schemas.openxmlformats.org/presentationml/2006/main" xmlns:r="http://schemas.openxmlformats.org/officeDocument/2006/relationships" xmlns:p14="http://schemas.microsoft.com/office/powerpoint/2010/main" xmlns:p15="http://schemas.microsoft.com/office/powerpoint/2012/main" xmlns:mc="http://schemas.openxmlformats.org/markup-compatibility/2006">
+<p:sld xmlns:a="http://schemas.openxmlformats.org/drawingml/2006/main" xmlns:r="http://schemas.openxmlformats.org/officeDocument/2006/relationships" xmlns:p="http://schemas.openxmlformats.org/presentationml/2006/main">
   <p:cSld>
     <p:spTree>
       <p:nvGrpSpPr>
@@ -4157,13 +4795,20 @@
           </a:ln>
         </p:spPr>
         <p:style>
-          <a:lnRef idx="0"/>
-          <a:fillRef idx="0"/>
-          <a:effectRef idx="0"/>
+          <a:lnRef idx="0">
+            <a:scrgbClr r="0" g="0" b="0"/>
+          </a:lnRef>
+          <a:fillRef idx="0">
+            <a:scrgbClr r="0" g="0" b="0"/>
+          </a:fillRef>
+          <a:effectRef idx="0">
+            <a:scrgbClr r="0" g="0" b="0"/>
+          </a:effectRef>
           <a:fontRef idx="minor"/>
         </p:style>
         <p:txBody>
-          <a:bodyPr lIns="0" rIns="0" tIns="0" bIns="0" anchor="ctr"/>
+          <a:bodyPr lIns="0" tIns="0" rIns="0" bIns="0" anchor="ctr"/>
+          <a:lstStyle/>
           <a:p>
             <a:pPr algn="ctr">
               <a:lnSpc>
@@ -4171,13 +4816,13 @@
               </a:lnSpc>
             </a:pPr>
             <a:r>
-              <a:rPr b="0" lang="en-GB" sz="4400" spc="-1" strike="noStrike">
-                <a:solidFill>
-                  <a:srgbClr val="000000"/>
-                </a:solidFill>
-                <a:uFill>
-                  <a:solidFill>
-                    <a:srgbClr val="ffffff"/>
+              <a:rPr lang="en-GB" sz="4400" b="0" strike="noStrike" spc="-1">
+                <a:solidFill>
+                  <a:srgbClr val="000000"/>
+                </a:solidFill>
+                <a:uFill>
+                  <a:solidFill>
+                    <a:srgbClr val="FFFFFF"/>
                   </a:solidFill>
                 </a:uFill>
                 <a:latin typeface="Arial"/>
@@ -4185,13 +4830,13 @@
               </a:rPr>
               <a:t>End of year Certificates </a:t>
             </a:r>
-            <a:endParaRPr b="0" lang="en-GB" sz="1800" spc="-1" strike="noStrike">
-              <a:solidFill>
-                <a:srgbClr val="000000"/>
-              </a:solidFill>
-              <a:uFill>
-                <a:solidFill>
-                  <a:srgbClr val="ffffff"/>
+            <a:endParaRPr lang="en-GB" sz="1800" b="0" strike="noStrike" spc="-1">
+              <a:solidFill>
+                <a:srgbClr val="000000"/>
+              </a:solidFill>
+              <a:uFill>
+                <a:solidFill>
+                  <a:srgbClr val="FFFFFF"/>
                 </a:solidFill>
               </a:uFill>
               <a:latin typeface="Arial"/>
@@ -4204,13 +4849,13 @@
               </a:lnSpc>
             </a:pPr>
             <a:r>
-              <a:rPr b="0" lang="en-GB" sz="4400" spc="-1" strike="noStrike">
-                <a:solidFill>
-                  <a:srgbClr val="000000"/>
-                </a:solidFill>
-                <a:uFill>
-                  <a:solidFill>
-                    <a:srgbClr val="ffffff"/>
+              <a:rPr lang="en-GB" sz="4400" b="0" strike="noStrike" spc="-1">
+                <a:solidFill>
+                  <a:srgbClr val="000000"/>
+                </a:solidFill>
+                <a:uFill>
+                  <a:solidFill>
+                    <a:srgbClr val="FFFFFF"/>
                   </a:solidFill>
                 </a:uFill>
                 <a:latin typeface="Arial"/>
@@ -4218,13 +4863,13 @@
               </a:rPr>
               <a:t>and Movie Night</a:t>
             </a:r>
-            <a:endParaRPr b="0" lang="en-GB" sz="1800" spc="-1" strike="noStrike">
-              <a:solidFill>
-                <a:srgbClr val="000000"/>
-              </a:solidFill>
-              <a:uFill>
-                <a:solidFill>
-                  <a:srgbClr val="ffffff"/>
+            <a:endParaRPr lang="en-GB" sz="1800" b="0" strike="noStrike" spc="-1">
+              <a:solidFill>
+                <a:srgbClr val="000000"/>
+              </a:solidFill>
+              <a:uFill>
+                <a:solidFill>
+                  <a:srgbClr val="FFFFFF"/>
                 </a:solidFill>
               </a:uFill>
               <a:latin typeface="Arial"/>
@@ -4252,13 +4897,20 @@
           </a:ln>
         </p:spPr>
         <p:style>
-          <a:lnRef idx="0"/>
-          <a:fillRef idx="0"/>
-          <a:effectRef idx="0"/>
+          <a:lnRef idx="0">
+            <a:scrgbClr r="0" g="0" b="0"/>
+          </a:lnRef>
+          <a:fillRef idx="0">
+            <a:scrgbClr r="0" g="0" b="0"/>
+          </a:fillRef>
+          <a:effectRef idx="0">
+            <a:scrgbClr r="0" g="0" b="0"/>
+          </a:effectRef>
           <a:fontRef idx="minor"/>
         </p:style>
         <p:txBody>
-          <a:bodyPr lIns="0" rIns="0" tIns="0" bIns="0"/>
+          <a:bodyPr lIns="0" tIns="0" rIns="0" bIns="0"/>
+          <a:lstStyle/>
           <a:p>
             <a:pPr marL="432000" indent="-320400">
               <a:lnSpc>
@@ -4272,13 +4924,13 @@
               <a:buChar char=""/>
             </a:pPr>
             <a:r>
-              <a:rPr b="0" lang="en-GB" sz="2800" spc="-1" strike="noStrike">
-                <a:solidFill>
-                  <a:srgbClr val="000000"/>
-                </a:solidFill>
-                <a:uFill>
-                  <a:solidFill>
-                    <a:srgbClr val="ffffff"/>
+              <a:rPr lang="en-GB" sz="2800" b="0" strike="noStrike" spc="-1">
+                <a:solidFill>
+                  <a:srgbClr val="000000"/>
+                </a:solidFill>
+                <a:uFill>
+                  <a:solidFill>
+                    <a:srgbClr val="FFFFFF"/>
                   </a:solidFill>
                 </a:uFill>
                 <a:latin typeface="Arial"/>
@@ -4286,13 +4938,13 @@
               </a:rPr>
               <a:t>Certificates of achievement</a:t>
             </a:r>
-            <a:endParaRPr b="0" lang="en-GB" sz="1800" spc="-1" strike="noStrike">
-              <a:solidFill>
-                <a:srgbClr val="000000"/>
-              </a:solidFill>
-              <a:uFill>
-                <a:solidFill>
-                  <a:srgbClr val="ffffff"/>
+            <a:endParaRPr lang="en-GB" sz="1800" b="0" strike="noStrike" spc="-1">
+              <a:solidFill>
+                <a:srgbClr val="000000"/>
+              </a:solidFill>
+              <a:uFill>
+                <a:solidFill>
+                  <a:srgbClr val="FFFFFF"/>
                 </a:solidFill>
               </a:uFill>
               <a:latin typeface="Arial"/>
@@ -4311,13 +4963,13 @@
               <a:buChar char=""/>
             </a:pPr>
             <a:r>
-              <a:rPr b="0" lang="en-GB" sz="2800" spc="-1" strike="noStrike">
-                <a:solidFill>
-                  <a:srgbClr val="000000"/>
-                </a:solidFill>
-                <a:uFill>
-                  <a:solidFill>
-                    <a:srgbClr val="ffffff"/>
+              <a:rPr lang="en-GB" sz="2800" b="0" strike="noStrike" spc="-1">
+                <a:solidFill>
+                  <a:srgbClr val="000000"/>
+                </a:solidFill>
+                <a:uFill>
+                  <a:solidFill>
+                    <a:srgbClr val="FFFFFF"/>
                   </a:solidFill>
                 </a:uFill>
                 <a:latin typeface="Arial"/>
@@ -4325,13 +4977,13 @@
               </a:rPr>
               <a:t>Star Wars in Physics Main?</a:t>
             </a:r>
-            <a:endParaRPr b="0" lang="en-GB" sz="1800" spc="-1" strike="noStrike">
-              <a:solidFill>
-                <a:srgbClr val="000000"/>
-              </a:solidFill>
-              <a:uFill>
-                <a:solidFill>
-                  <a:srgbClr val="ffffff"/>
+            <a:endParaRPr lang="en-GB" sz="1800" b="0" strike="noStrike" spc="-1">
+              <a:solidFill>
+                <a:srgbClr val="000000"/>
+              </a:solidFill>
+              <a:uFill>
+                <a:solidFill>
+                  <a:srgbClr val="FFFFFF"/>
                 </a:solidFill>
               </a:uFill>
               <a:latin typeface="Arial"/>
@@ -4350,13 +5002,13 @@
               <a:buChar char=""/>
             </a:pPr>
             <a:r>
-              <a:rPr b="0" lang="en-GB" sz="2800" spc="-1" strike="noStrike">
-                <a:solidFill>
-                  <a:srgbClr val="000000"/>
-                </a:solidFill>
-                <a:uFill>
-                  <a:solidFill>
-                    <a:srgbClr val="ffffff"/>
+              <a:rPr lang="en-GB" sz="2800" b="0" strike="noStrike" spc="-1">
+                <a:solidFill>
+                  <a:srgbClr val="000000"/>
+                </a:solidFill>
+                <a:uFill>
+                  <a:solidFill>
+                    <a:srgbClr val="FFFFFF"/>
                   </a:solidFill>
                 </a:uFill>
                 <a:latin typeface="Arial"/>
@@ -4364,13 +5016,13 @@
               </a:rPr>
               <a:t>Pizza or Cake?</a:t>
             </a:r>
-            <a:endParaRPr b="0" lang="en-GB" sz="1800" spc="-1" strike="noStrike">
-              <a:solidFill>
-                <a:srgbClr val="000000"/>
-              </a:solidFill>
-              <a:uFill>
-                <a:solidFill>
-                  <a:srgbClr val="ffffff"/>
+            <a:endParaRPr lang="en-GB" sz="1800" b="0" strike="noStrike" spc="-1">
+              <a:solidFill>
+                <a:srgbClr val="000000"/>
+              </a:solidFill>
+              <a:uFill>
+                <a:solidFill>
+                  <a:srgbClr val="FFFFFF"/>
                 </a:solidFill>
               </a:uFill>
               <a:latin typeface="Arial"/>
@@ -4380,30 +5032,7 @@
       </p:sp>
       <p:pic>
         <p:nvPicPr>
-          <p:cNvPr id="119" name="Picture 3" descr=""/>
-          <p:cNvPicPr/>
-          <p:nvPr/>
-        </p:nvPicPr>
-        <p:blipFill>
-          <a:blip r:embed="rId1"/>
-          <a:stretch/>
-        </p:blipFill>
-        <p:spPr>
-          <a:xfrm>
-            <a:off x="0" y="0"/>
-            <a:ext cx="10076400" cy="1046880"/>
-          </a:xfrm>
-          <a:prstGeom prst="rect">
-            <a:avLst/>
-          </a:prstGeom>
-          <a:ln>
-            <a:noFill/>
-          </a:ln>
-        </p:spPr>
-      </p:pic>
-      <p:pic>
-        <p:nvPicPr>
-          <p:cNvPr id="120" name="Picture 4" descr=""/>
+          <p:cNvPr id="119" name="Picture 3"/>
           <p:cNvPicPr/>
           <p:nvPr/>
         </p:nvPicPr>
@@ -4413,6 +5042,29 @@
         </p:blipFill>
         <p:spPr>
           <a:xfrm>
+            <a:off x="0" y="0"/>
+            <a:ext cx="10076400" cy="1046880"/>
+          </a:xfrm>
+          <a:prstGeom prst="rect">
+            <a:avLst/>
+          </a:prstGeom>
+          <a:ln>
+            <a:noFill/>
+          </a:ln>
+        </p:spPr>
+      </p:pic>
+      <p:pic>
+        <p:nvPicPr>
+          <p:cNvPr id="120" name="Picture 4"/>
+          <p:cNvPicPr/>
+          <p:nvPr/>
+        </p:nvPicPr>
+        <p:blipFill>
+          <a:blip r:embed="rId3"/>
+          <a:stretch/>
+        </p:blipFill>
+        <p:spPr>
+          <a:xfrm>
             <a:off x="39240" y="0"/>
             <a:ext cx="1066320" cy="1074960"/>
           </a:xfrm>
@@ -4444,13 +5096,20 @@
           </a:ln>
         </p:spPr>
         <p:style>
-          <a:lnRef idx="0"/>
-          <a:fillRef idx="0"/>
-          <a:effectRef idx="0"/>
+          <a:lnRef idx="0">
+            <a:scrgbClr r="0" g="0" b="0"/>
+          </a:lnRef>
+          <a:fillRef idx="0">
+            <a:scrgbClr r="0" g="0" b="0"/>
+          </a:fillRef>
+          <a:effectRef idx="0">
+            <a:scrgbClr r="0" g="0" b="0"/>
+          </a:effectRef>
           <a:fontRef idx="minor"/>
         </p:style>
         <p:txBody>
-          <a:bodyPr lIns="90000" rIns="90000" tIns="45000" bIns="45000"/>
+          <a:bodyPr lIns="90000" tIns="45000" rIns="90000" bIns="45000"/>
+          <a:lstStyle/>
           <a:p>
             <a:pPr>
               <a:lnSpc>
@@ -4458,13 +5117,13 @@
               </a:lnSpc>
             </a:pPr>
             <a:r>
-              <a:rPr b="1" lang="en-GB" sz="3200" spc="-1" strike="noStrike">
-                <a:solidFill>
-                  <a:srgbClr val="000000"/>
-                </a:solidFill>
-                <a:uFill>
-                  <a:solidFill>
-                    <a:srgbClr val="ffffff"/>
+              <a:rPr lang="en-GB" sz="3200" b="1" strike="noStrike" spc="-1">
+                <a:solidFill>
+                  <a:srgbClr val="000000"/>
+                </a:solidFill>
+                <a:uFill>
+                  <a:solidFill>
+                    <a:srgbClr val="FFFFFF"/>
                   </a:solidFill>
                 </a:uFill>
                 <a:latin typeface="Eras Bold ITC"/>
@@ -4472,13 +5131,13 @@
               </a:rPr>
               <a:t>www.students.aberrobotics.club</a:t>
             </a:r>
-            <a:endParaRPr b="0" lang="en-GB" sz="1800" spc="-1" strike="noStrike">
-              <a:solidFill>
-                <a:srgbClr val="000000"/>
-              </a:solidFill>
-              <a:uFill>
-                <a:solidFill>
-                  <a:srgbClr val="ffffff"/>
+            <a:endParaRPr lang="en-GB" sz="1800" b="0" strike="noStrike" spc="-1">
+              <a:solidFill>
+                <a:srgbClr val="000000"/>
+              </a:solidFill>
+              <a:uFill>
+                <a:solidFill>
+                  <a:srgbClr val="FFFFFF"/>
                 </a:solidFill>
               </a:uFill>
               <a:latin typeface="Arial"/>
@@ -4488,22 +5147,25 @@
       </p:sp>
     </p:spTree>
   </p:cSld>
+  <p:clrMapOvr>
+    <a:masterClrMapping/>
+  </p:clrMapOvr>
   <p:timing>
     <p:tnLst>
       <p:par>
-        <p:cTn id="19" dur="indefinite" restart="never" nodeType="tmRoot">
+        <p:cTn id="1" dur="indefinite" restart="never" nodeType="tmRoot">
           <p:childTnLst>
             <p:seq>
-              <p:cTn id="20" nodeType="mainSeq"/>
+              <p:cTn id="2" nodeType="mainSeq"/>
               <p:prevCondLst>
-                <p:cond delay="0" evt="onPrev">
+                <p:cond evt="onPrev" delay="0">
                   <p:tgtEl>
                     <p:sldTgt/>
                   </p:tgtEl>
                 </p:cond>
               </p:prevCondLst>
               <p:nextCondLst>
-                <p:cond delay="0" evt="onNext">
+                <p:cond evt="onNext" delay="0">
                   <p:tgtEl>
                     <p:sldTgt/>
                   </p:tgtEl>
@@ -4519,7 +5181,7 @@
 </file>
 
 <file path=ppt/slides/slide11.xml><?xml version="1.0" encoding="utf-8"?>
-<p:sld xmlns:a="http://schemas.openxmlformats.org/drawingml/2006/main" xmlns:p="http://schemas.openxmlformats.org/presentationml/2006/main" xmlns:r="http://schemas.openxmlformats.org/officeDocument/2006/relationships" xmlns:p14="http://schemas.microsoft.com/office/powerpoint/2010/main" xmlns:p15="http://schemas.microsoft.com/office/powerpoint/2012/main" xmlns:mc="http://schemas.openxmlformats.org/markup-compatibility/2006">
+<p:sld xmlns:a="http://schemas.openxmlformats.org/drawingml/2006/main" xmlns:r="http://schemas.openxmlformats.org/officeDocument/2006/relationships" xmlns:p="http://schemas.openxmlformats.org/presentationml/2006/main">
   <p:cSld>
     <p:spTree>
       <p:nvGrpSpPr>
@@ -4555,13 +5217,20 @@
           </a:ln>
         </p:spPr>
         <p:style>
-          <a:lnRef idx="0"/>
-          <a:fillRef idx="0"/>
-          <a:effectRef idx="0"/>
+          <a:lnRef idx="0">
+            <a:scrgbClr r="0" g="0" b="0"/>
+          </a:lnRef>
+          <a:fillRef idx="0">
+            <a:scrgbClr r="0" g="0" b="0"/>
+          </a:fillRef>
+          <a:effectRef idx="0">
+            <a:scrgbClr r="0" g="0" b="0"/>
+          </a:effectRef>
           <a:fontRef idx="minor"/>
         </p:style>
         <p:txBody>
-          <a:bodyPr lIns="0" rIns="0" tIns="0" bIns="0" anchor="ctr"/>
+          <a:bodyPr lIns="0" tIns="0" rIns="0" bIns="0" anchor="ctr"/>
+          <a:lstStyle/>
           <a:p>
             <a:pPr algn="ctr">
               <a:lnSpc>
@@ -4569,13 +5238,13 @@
               </a:lnSpc>
             </a:pPr>
             <a:r>
-              <a:rPr b="0" lang="en-GB" sz="4400" spc="-1" strike="noStrike">
-                <a:solidFill>
-                  <a:srgbClr val="000000"/>
-                </a:solidFill>
-                <a:uFill>
-                  <a:solidFill>
-                    <a:srgbClr val="ffffff"/>
+              <a:rPr lang="en-GB" sz="4400" b="0" strike="noStrike" spc="-1">
+                <a:solidFill>
+                  <a:srgbClr val="000000"/>
+                </a:solidFill>
+                <a:uFill>
+                  <a:solidFill>
+                    <a:srgbClr val="FFFFFF"/>
                   </a:solidFill>
                 </a:uFill>
                 <a:latin typeface="Arial"/>
@@ -4583,13 +5252,13 @@
               </a:rPr>
               <a:t>Have Fun!</a:t>
             </a:r>
-            <a:endParaRPr b="0" lang="en-GB" sz="1800" spc="-1" strike="noStrike">
-              <a:solidFill>
-                <a:srgbClr val="000000"/>
-              </a:solidFill>
-              <a:uFill>
-                <a:solidFill>
-                  <a:srgbClr val="ffffff"/>
+            <a:endParaRPr lang="en-GB" sz="1800" b="0" strike="noStrike" spc="-1">
+              <a:solidFill>
+                <a:srgbClr val="000000"/>
+              </a:solidFill>
+              <a:uFill>
+                <a:solidFill>
+                  <a:srgbClr val="FFFFFF"/>
                 </a:solidFill>
               </a:uFill>
               <a:latin typeface="Arial"/>
@@ -4617,38 +5286,21 @@
           </a:ln>
         </p:spPr>
         <p:style>
-          <a:lnRef idx="0"/>
-          <a:fillRef idx="0"/>
-          <a:effectRef idx="0"/>
+          <a:lnRef idx="0">
+            <a:scrgbClr r="0" g="0" b="0"/>
+          </a:lnRef>
+          <a:fillRef idx="0">
+            <a:scrgbClr r="0" g="0" b="0"/>
+          </a:fillRef>
+          <a:effectRef idx="0">
+            <a:scrgbClr r="0" g="0" b="0"/>
+          </a:effectRef>
           <a:fontRef idx="minor"/>
         </p:style>
       </p:sp>
       <p:pic>
         <p:nvPicPr>
-          <p:cNvPr id="124" name="Picture 3" descr=""/>
-          <p:cNvPicPr/>
-          <p:nvPr/>
-        </p:nvPicPr>
-        <p:blipFill>
-          <a:blip r:embed="rId1"/>
-          <a:stretch/>
-        </p:blipFill>
-        <p:spPr>
-          <a:xfrm>
-            <a:off x="0" y="0"/>
-            <a:ext cx="10076400" cy="1046880"/>
-          </a:xfrm>
-          <a:prstGeom prst="rect">
-            <a:avLst/>
-          </a:prstGeom>
-          <a:ln>
-            <a:noFill/>
-          </a:ln>
-        </p:spPr>
-      </p:pic>
-      <p:pic>
-        <p:nvPicPr>
-          <p:cNvPr id="125" name="Picture 4" descr=""/>
+          <p:cNvPr id="124" name="Picture 3"/>
           <p:cNvPicPr/>
           <p:nvPr/>
         </p:nvPicPr>
@@ -4658,6 +5310,29 @@
         </p:blipFill>
         <p:spPr>
           <a:xfrm>
+            <a:off x="0" y="0"/>
+            <a:ext cx="10076400" cy="1046880"/>
+          </a:xfrm>
+          <a:prstGeom prst="rect">
+            <a:avLst/>
+          </a:prstGeom>
+          <a:ln>
+            <a:noFill/>
+          </a:ln>
+        </p:spPr>
+      </p:pic>
+      <p:pic>
+        <p:nvPicPr>
+          <p:cNvPr id="125" name="Picture 4"/>
+          <p:cNvPicPr/>
+          <p:nvPr/>
+        </p:nvPicPr>
+        <p:blipFill>
+          <a:blip r:embed="rId3"/>
+          <a:stretch/>
+        </p:blipFill>
+        <p:spPr>
+          <a:xfrm>
             <a:off x="39240" y="0"/>
             <a:ext cx="1066320" cy="1074960"/>
           </a:xfrm>
@@ -4689,13 +5364,20 @@
           </a:ln>
         </p:spPr>
         <p:style>
-          <a:lnRef idx="0"/>
-          <a:fillRef idx="0"/>
-          <a:effectRef idx="0"/>
+          <a:lnRef idx="0">
+            <a:scrgbClr r="0" g="0" b="0"/>
+          </a:lnRef>
+          <a:fillRef idx="0">
+            <a:scrgbClr r="0" g="0" b="0"/>
+          </a:fillRef>
+          <a:effectRef idx="0">
+            <a:scrgbClr r="0" g="0" b="0"/>
+          </a:effectRef>
           <a:fontRef idx="minor"/>
         </p:style>
         <p:txBody>
-          <a:bodyPr lIns="90000" rIns="90000" tIns="45000" bIns="45000"/>
+          <a:bodyPr lIns="90000" tIns="45000" rIns="90000" bIns="45000"/>
+          <a:lstStyle/>
           <a:p>
             <a:pPr>
               <a:lnSpc>
@@ -4703,13 +5385,13 @@
               </a:lnSpc>
             </a:pPr>
             <a:r>
-              <a:rPr b="1" lang="en-GB" sz="3200" spc="-1" strike="noStrike">
-                <a:solidFill>
-                  <a:srgbClr val="000000"/>
-                </a:solidFill>
-                <a:uFill>
-                  <a:solidFill>
-                    <a:srgbClr val="ffffff"/>
+              <a:rPr lang="en-GB" sz="3200" b="1" strike="noStrike" spc="-1">
+                <a:solidFill>
+                  <a:srgbClr val="000000"/>
+                </a:solidFill>
+                <a:uFill>
+                  <a:solidFill>
+                    <a:srgbClr val="FFFFFF"/>
                   </a:solidFill>
                 </a:uFill>
                 <a:latin typeface="Eras Bold ITC"/>
@@ -4717,13 +5399,13 @@
               </a:rPr>
               <a:t>www.students.aberrobotics.club</a:t>
             </a:r>
-            <a:endParaRPr b="0" lang="en-GB" sz="1800" spc="-1" strike="noStrike">
-              <a:solidFill>
-                <a:srgbClr val="000000"/>
-              </a:solidFill>
-              <a:uFill>
-                <a:solidFill>
-                  <a:srgbClr val="ffffff"/>
+            <a:endParaRPr lang="en-GB" sz="1800" b="0" strike="noStrike" spc="-1">
+              <a:solidFill>
+                <a:srgbClr val="000000"/>
+              </a:solidFill>
+              <a:uFill>
+                <a:solidFill>
+                  <a:srgbClr val="FFFFFF"/>
                 </a:solidFill>
               </a:uFill>
               <a:latin typeface="Arial"/>
@@ -4733,22 +5415,25 @@
       </p:sp>
     </p:spTree>
   </p:cSld>
+  <p:clrMapOvr>
+    <a:masterClrMapping/>
+  </p:clrMapOvr>
   <p:timing>
     <p:tnLst>
       <p:par>
-        <p:cTn id="21" dur="indefinite" restart="never" nodeType="tmRoot">
+        <p:cTn id="1" dur="indefinite" restart="never" nodeType="tmRoot">
           <p:childTnLst>
             <p:seq>
-              <p:cTn id="22" nodeType="mainSeq"/>
+              <p:cTn id="2" nodeType="mainSeq"/>
               <p:prevCondLst>
-                <p:cond delay="0" evt="onPrev">
+                <p:cond evt="onPrev" delay="0">
                   <p:tgtEl>
                     <p:sldTgt/>
                   </p:tgtEl>
                 </p:cond>
               </p:prevCondLst>
               <p:nextCondLst>
-                <p:cond delay="0" evt="onNext">
+                <p:cond evt="onNext" delay="0">
                   <p:tgtEl>
                     <p:sldTgt/>
                   </p:tgtEl>
@@ -4764,7 +5449,7 @@
 </file>
 
 <file path=ppt/slides/slide2.xml><?xml version="1.0" encoding="utf-8"?>
-<p:sld xmlns:a="http://schemas.openxmlformats.org/drawingml/2006/main" xmlns:p="http://schemas.openxmlformats.org/presentationml/2006/main" xmlns:r="http://schemas.openxmlformats.org/officeDocument/2006/relationships" xmlns:p14="http://schemas.microsoft.com/office/powerpoint/2010/main" xmlns:p15="http://schemas.microsoft.com/office/powerpoint/2012/main" xmlns:mc="http://schemas.openxmlformats.org/markup-compatibility/2006">
+<p:sld xmlns:a="http://schemas.openxmlformats.org/drawingml/2006/main" xmlns:r="http://schemas.openxmlformats.org/officeDocument/2006/relationships" xmlns:p="http://schemas.openxmlformats.org/presentationml/2006/main">
   <p:cSld>
     <p:spTree>
       <p:nvGrpSpPr>
@@ -4800,13 +5485,20 @@
           </a:ln>
         </p:spPr>
         <p:style>
-          <a:lnRef idx="0"/>
-          <a:fillRef idx="0"/>
-          <a:effectRef idx="0"/>
+          <a:lnRef idx="0">
+            <a:scrgbClr r="0" g="0" b="0"/>
+          </a:lnRef>
+          <a:fillRef idx="0">
+            <a:scrgbClr r="0" g="0" b="0"/>
+          </a:fillRef>
+          <a:effectRef idx="0">
+            <a:scrgbClr r="0" g="0" b="0"/>
+          </a:effectRef>
           <a:fontRef idx="minor"/>
         </p:style>
         <p:txBody>
-          <a:bodyPr lIns="0" rIns="0" tIns="0" bIns="0" anchor="ctr"/>
+          <a:bodyPr lIns="0" tIns="0" rIns="0" bIns="0" anchor="ctr"/>
+          <a:lstStyle/>
           <a:p>
             <a:pPr algn="ctr">
               <a:lnSpc>
@@ -4814,13 +5506,13 @@
               </a:lnSpc>
             </a:pPr>
             <a:r>
-              <a:rPr b="0" lang="en-GB" sz="4400" spc="-1" strike="noStrike">
-                <a:solidFill>
-                  <a:srgbClr val="000000"/>
-                </a:solidFill>
-                <a:uFill>
-                  <a:solidFill>
-                    <a:srgbClr val="ffffff"/>
+              <a:rPr lang="en-GB" sz="4400" b="0" strike="noStrike" spc="-1">
+                <a:solidFill>
+                  <a:srgbClr val="000000"/>
+                </a:solidFill>
+                <a:uFill>
+                  <a:solidFill>
+                    <a:srgbClr val="FFFFFF"/>
                   </a:solidFill>
                 </a:uFill>
                 <a:latin typeface="Arial"/>
@@ -4828,13 +5520,13 @@
               </a:rPr>
               <a:t>Welcome Back</a:t>
             </a:r>
-            <a:endParaRPr b="0" lang="en-GB" sz="1800" spc="-1" strike="noStrike">
-              <a:solidFill>
-                <a:srgbClr val="000000"/>
-              </a:solidFill>
-              <a:uFill>
-                <a:solidFill>
-                  <a:srgbClr val="ffffff"/>
+            <a:endParaRPr lang="en-GB" sz="1800" b="0" strike="noStrike" spc="-1">
+              <a:solidFill>
+                <a:srgbClr val="000000"/>
+              </a:solidFill>
+              <a:uFill>
+                <a:solidFill>
+                  <a:srgbClr val="FFFFFF"/>
                 </a:solidFill>
               </a:uFill>
               <a:latin typeface="Arial"/>
@@ -4862,13 +5554,20 @@
           </a:ln>
         </p:spPr>
         <p:style>
-          <a:lnRef idx="0"/>
-          <a:fillRef idx="0"/>
-          <a:effectRef idx="0"/>
+          <a:lnRef idx="0">
+            <a:scrgbClr r="0" g="0" b="0"/>
+          </a:lnRef>
+          <a:fillRef idx="0">
+            <a:scrgbClr r="0" g="0" b="0"/>
+          </a:fillRef>
+          <a:effectRef idx="0">
+            <a:scrgbClr r="0" g="0" b="0"/>
+          </a:effectRef>
           <a:fontRef idx="minor"/>
         </p:style>
         <p:txBody>
-          <a:bodyPr lIns="0" rIns="0" tIns="0" bIns="0"/>
+          <a:bodyPr lIns="0" tIns="0" rIns="0" bIns="0"/>
+          <a:lstStyle/>
           <a:p>
             <a:pPr marL="432000" indent="-320400">
               <a:lnSpc>
@@ -4882,13 +5581,13 @@
               <a:buChar char=""/>
             </a:pPr>
             <a:r>
-              <a:rPr b="0" lang="en-GB" sz="2800" spc="-1" strike="noStrike">
-                <a:solidFill>
-                  <a:srgbClr val="000000"/>
-                </a:solidFill>
-                <a:uFill>
-                  <a:solidFill>
-                    <a:srgbClr val="ffffff"/>
+              <a:rPr lang="en-GB" sz="2800" b="0" strike="noStrike" spc="-1">
+                <a:solidFill>
+                  <a:srgbClr val="000000"/>
+                </a:solidFill>
+                <a:uFill>
+                  <a:solidFill>
+                    <a:srgbClr val="FFFFFF"/>
                   </a:solidFill>
                 </a:uFill>
                 <a:latin typeface="Arial"/>
@@ -4896,13 +5595,13 @@
               </a:rPr>
               <a:t>Hope you had a good holiday, and exams went well!</a:t>
             </a:r>
-            <a:endParaRPr b="0" lang="en-GB" sz="1800" spc="-1" strike="noStrike">
-              <a:solidFill>
-                <a:srgbClr val="000000"/>
-              </a:solidFill>
-              <a:uFill>
-                <a:solidFill>
-                  <a:srgbClr val="ffffff"/>
+            <a:endParaRPr lang="en-GB" sz="1800" b="0" strike="noStrike" spc="-1">
+              <a:solidFill>
+                <a:srgbClr val="000000"/>
+              </a:solidFill>
+              <a:uFill>
+                <a:solidFill>
+                  <a:srgbClr val="FFFFFF"/>
                 </a:solidFill>
               </a:uFill>
               <a:latin typeface="Arial"/>
@@ -4921,29 +5620,29 @@
               <a:buChar char=""/>
             </a:pPr>
             <a:r>
-              <a:rPr b="0" lang="en-GB" sz="2800" spc="-1" strike="noStrike" u="sng">
-                <a:solidFill>
-                  <a:srgbClr val="0000ff"/>
-                </a:solidFill>
-                <a:uFill>
-                  <a:solidFill>
-                    <a:srgbClr val="ffffff"/>
+              <a:rPr lang="en-GB" sz="2800" b="0" u="sng" strike="noStrike" spc="-1">
+                <a:solidFill>
+                  <a:srgbClr val="0000FF"/>
+                </a:solidFill>
+                <a:uFill>
+                  <a:solidFill>
+                    <a:srgbClr val="FFFFFF"/>
                   </a:solidFill>
                 </a:uFill>
                 <a:latin typeface="Arial"/>
                 <a:ea typeface="DejaVu Sans"/>
-                <a:hlinkClick r:id="rId1"/>
+                <a:hlinkClick r:id="rId2"/>
               </a:rPr>
               <a:t>students@aberrobotics.club</a:t>
             </a:r>
             <a:r>
-              <a:rPr b="0" lang="en-GB" sz="2800" spc="-1" strike="noStrike">
-                <a:solidFill>
-                  <a:srgbClr val="000000"/>
-                </a:solidFill>
-                <a:uFill>
-                  <a:solidFill>
-                    <a:srgbClr val="ffffff"/>
+              <a:rPr lang="en-GB" sz="2800" b="0" strike="noStrike" spc="-1">
+                <a:solidFill>
+                  <a:srgbClr val="000000"/>
+                </a:solidFill>
+                <a:uFill>
+                  <a:solidFill>
+                    <a:srgbClr val="FFFFFF"/>
                   </a:solidFill>
                 </a:uFill>
                 <a:latin typeface="Arial"/>
@@ -4951,13 +5650,13 @@
               </a:rPr>
               <a:t> - broken email server :(</a:t>
             </a:r>
-            <a:endParaRPr b="0" lang="en-GB" sz="1800" spc="-1" strike="noStrike">
-              <a:solidFill>
-                <a:srgbClr val="000000"/>
-              </a:solidFill>
-              <a:uFill>
-                <a:solidFill>
-                  <a:srgbClr val="ffffff"/>
+            <a:endParaRPr lang="en-GB" sz="1800" b="0" strike="noStrike" spc="-1">
+              <a:solidFill>
+                <a:srgbClr val="000000"/>
+              </a:solidFill>
+              <a:uFill>
+                <a:solidFill>
+                  <a:srgbClr val="FFFFFF"/>
                 </a:solidFill>
               </a:uFill>
               <a:latin typeface="Arial"/>
@@ -4976,13 +5675,13 @@
               <a:buChar char=""/>
             </a:pPr>
             <a:r>
-              <a:rPr b="0" lang="en-GB" sz="2800" spc="-1" strike="noStrike">
-                <a:solidFill>
-                  <a:srgbClr val="000000"/>
-                </a:solidFill>
-                <a:uFill>
-                  <a:solidFill>
-                    <a:srgbClr val="ffffff"/>
+              <a:rPr lang="en-GB" sz="2800" b="0" strike="noStrike" spc="-1">
+                <a:solidFill>
+                  <a:srgbClr val="000000"/>
+                </a:solidFill>
+                <a:uFill>
+                  <a:solidFill>
+                    <a:srgbClr val="FFFFFF"/>
                   </a:solidFill>
                 </a:uFill>
                 <a:latin typeface="Arial"/>
@@ -4990,13 +5689,13 @@
               </a:rPr>
               <a:t> </a:t>
             </a:r>
-            <a:endParaRPr b="0" lang="en-GB" sz="1800" spc="-1" strike="noStrike">
-              <a:solidFill>
-                <a:srgbClr val="000000"/>
-              </a:solidFill>
-              <a:uFill>
-                <a:solidFill>
-                  <a:srgbClr val="ffffff"/>
+            <a:endParaRPr lang="en-GB" sz="1800" b="0" strike="noStrike" spc="-1">
+              <a:solidFill>
+                <a:srgbClr val="000000"/>
+              </a:solidFill>
+              <a:uFill>
+                <a:solidFill>
+                  <a:srgbClr val="FFFFFF"/>
                 </a:solidFill>
               </a:uFill>
               <a:latin typeface="Arial"/>
@@ -5015,13 +5714,13 @@
               <a:buChar char=""/>
             </a:pPr>
             <a:r>
-              <a:rPr b="0" lang="en-GB" sz="2800" spc="-1" strike="noStrike">
-                <a:solidFill>
-                  <a:srgbClr val="000000"/>
-                </a:solidFill>
-                <a:uFill>
-                  <a:solidFill>
-                    <a:srgbClr val="ffffff"/>
+              <a:rPr lang="en-GB" sz="2800" b="0" strike="noStrike" spc="-1">
+                <a:solidFill>
+                  <a:srgbClr val="000000"/>
+                </a:solidFill>
+                <a:uFill>
+                  <a:solidFill>
+                    <a:srgbClr val="FFFFFF"/>
                   </a:solidFill>
                 </a:uFill>
                 <a:latin typeface="Arial"/>
@@ -5029,20 +5728,20 @@
               </a:rPr>
               <a:t>Contact directly:</a:t>
             </a:r>
-            <a:endParaRPr b="0" lang="en-GB" sz="1800" spc="-1" strike="noStrike">
-              <a:solidFill>
-                <a:srgbClr val="000000"/>
-              </a:solidFill>
-              <a:uFill>
-                <a:solidFill>
-                  <a:srgbClr val="ffffff"/>
-                </a:solidFill>
-              </a:uFill>
-              <a:latin typeface="Arial"/>
-            </a:endParaRPr>
-          </a:p>
-          <a:p>
-            <a:pPr lvl="3" marL="864000" indent="-214920">
+            <a:endParaRPr lang="en-GB" sz="1800" b="0" strike="noStrike" spc="-1">
+              <a:solidFill>
+                <a:srgbClr val="000000"/>
+              </a:solidFill>
+              <a:uFill>
+                <a:solidFill>
+                  <a:srgbClr val="FFFFFF"/>
+                </a:solidFill>
+              </a:uFill>
+              <a:latin typeface="Arial"/>
+            </a:endParaRPr>
+          </a:p>
+          <a:p>
+            <a:pPr marL="864000" lvl="3" indent="-214920">
               <a:lnSpc>
                 <a:spcPct val="100000"/>
               </a:lnSpc>
@@ -5054,13 +5753,13 @@
               <a:buChar char=""/>
             </a:pPr>
             <a:r>
-              <a:rPr b="0" lang="en-GB" sz="2800" spc="-1" strike="noStrike">
-                <a:solidFill>
-                  <a:srgbClr val="000000"/>
-                </a:solidFill>
-                <a:uFill>
-                  <a:solidFill>
-                    <a:srgbClr val="ffffff"/>
+              <a:rPr lang="en-GB" sz="2800" b="0" strike="noStrike" spc="-1">
+                <a:solidFill>
+                  <a:srgbClr val="000000"/>
+                </a:solidFill>
+                <a:uFill>
+                  <a:solidFill>
+                    <a:srgbClr val="FFFFFF"/>
                   </a:solidFill>
                 </a:uFill>
                 <a:latin typeface="Arial"/>
@@ -5069,35 +5768,35 @@
               <a:t>Tomos - </a:t>
             </a:r>
             <a:r>
-              <a:rPr b="0" lang="en-GB" sz="2800" spc="-1" strike="noStrike" u="sng">
-                <a:solidFill>
-                  <a:srgbClr val="0000ff"/>
-                </a:solidFill>
-                <a:uFill>
-                  <a:solidFill>
-                    <a:srgbClr val="ffffff"/>
+              <a:rPr lang="en-GB" sz="2800" b="0" u="sng" strike="noStrike" spc="-1">
+                <a:solidFill>
+                  <a:srgbClr val="0000FF"/>
+                </a:solidFill>
+                <a:uFill>
+                  <a:solidFill>
+                    <a:srgbClr val="FFFFFF"/>
                   </a:solidFill>
                 </a:uFill>
                 <a:latin typeface="Arial"/>
                 <a:ea typeface="DejaVu Sans"/>
-                <a:hlinkClick r:id="rId2"/>
+                <a:hlinkClick r:id="rId3"/>
               </a:rPr>
               <a:t>tof7@aber.ac.uk</a:t>
             </a:r>
-            <a:endParaRPr b="0" lang="en-GB" sz="1800" spc="-1" strike="noStrike">
-              <a:solidFill>
-                <a:srgbClr val="000000"/>
-              </a:solidFill>
-              <a:uFill>
-                <a:solidFill>
-                  <a:srgbClr val="ffffff"/>
-                </a:solidFill>
-              </a:uFill>
-              <a:latin typeface="Arial"/>
-            </a:endParaRPr>
-          </a:p>
-          <a:p>
-            <a:pPr lvl="3" marL="864000" indent="-214920">
+            <a:endParaRPr lang="en-GB" sz="1800" b="0" strike="noStrike" spc="-1">
+              <a:solidFill>
+                <a:srgbClr val="000000"/>
+              </a:solidFill>
+              <a:uFill>
+                <a:solidFill>
+                  <a:srgbClr val="FFFFFF"/>
+                </a:solidFill>
+              </a:uFill>
+              <a:latin typeface="Arial"/>
+            </a:endParaRPr>
+          </a:p>
+          <a:p>
+            <a:pPr marL="864000" lvl="3" indent="-214920">
               <a:lnSpc>
                 <a:spcPct val="100000"/>
               </a:lnSpc>
@@ -5109,13 +5808,13 @@
               <a:buChar char=""/>
             </a:pPr>
             <a:r>
-              <a:rPr b="0" lang="en-GB" sz="2800" spc="-1" strike="noStrike">
-                <a:solidFill>
-                  <a:srgbClr val="000000"/>
-                </a:solidFill>
-                <a:uFill>
-                  <a:solidFill>
-                    <a:srgbClr val="ffffff"/>
+              <a:rPr lang="en-GB" sz="2800" b="0" strike="noStrike" spc="-1">
+                <a:solidFill>
+                  <a:srgbClr val="000000"/>
+                </a:solidFill>
+                <a:uFill>
+                  <a:solidFill>
+                    <a:srgbClr val="FFFFFF"/>
                   </a:solidFill>
                 </a:uFill>
                 <a:latin typeface="Arial"/>
@@ -5124,35 +5823,35 @@
               <a:t>Phoebe - </a:t>
             </a:r>
             <a:r>
-              <a:rPr b="0" lang="en-GB" sz="2800" spc="-1" strike="noStrike" u="sng">
-                <a:solidFill>
-                  <a:srgbClr val="0000ff"/>
-                </a:solidFill>
-                <a:uFill>
-                  <a:solidFill>
-                    <a:srgbClr val="ffffff"/>
+              <a:rPr lang="en-GB" sz="2800" b="0" u="sng" strike="noStrike" spc="-1">
+                <a:solidFill>
+                  <a:srgbClr val="0000FF"/>
+                </a:solidFill>
+                <a:uFill>
+                  <a:solidFill>
+                    <a:srgbClr val="FFFFFF"/>
                   </a:solidFill>
                 </a:uFill>
                 <a:latin typeface="Arial"/>
                 <a:ea typeface="DejaVu Sans"/>
-                <a:hlinkClick r:id="rId3"/>
+                <a:hlinkClick r:id="rId4"/>
               </a:rPr>
               <a:t>psh6@aber.ac.uk</a:t>
             </a:r>
-            <a:endParaRPr b="0" lang="en-GB" sz="1800" spc="-1" strike="noStrike">
-              <a:solidFill>
-                <a:srgbClr val="000000"/>
-              </a:solidFill>
-              <a:uFill>
-                <a:solidFill>
-                  <a:srgbClr val="ffffff"/>
-                </a:solidFill>
-              </a:uFill>
-              <a:latin typeface="Arial"/>
-            </a:endParaRPr>
-          </a:p>
-          <a:p>
-            <a:pPr lvl="3" marL="864000" indent="-214920">
+            <a:endParaRPr lang="en-GB" sz="1800" b="0" strike="noStrike" spc="-1">
+              <a:solidFill>
+                <a:srgbClr val="000000"/>
+              </a:solidFill>
+              <a:uFill>
+                <a:solidFill>
+                  <a:srgbClr val="FFFFFF"/>
+                </a:solidFill>
+              </a:uFill>
+              <a:latin typeface="Arial"/>
+            </a:endParaRPr>
+          </a:p>
+          <a:p>
+            <a:pPr marL="864000" lvl="3" indent="-214920">
               <a:lnSpc>
                 <a:spcPct val="100000"/>
               </a:lnSpc>
@@ -5164,13 +5863,13 @@
               <a:buChar char=""/>
             </a:pPr>
             <a:r>
-              <a:rPr b="0" lang="en-GB" sz="2800" spc="-1" strike="noStrike">
-                <a:solidFill>
-                  <a:srgbClr val="000000"/>
-                </a:solidFill>
-                <a:uFill>
-                  <a:solidFill>
-                    <a:srgbClr val="ffffff"/>
+              <a:rPr lang="en-GB" sz="2800" b="0" strike="noStrike" spc="-1">
+                <a:solidFill>
+                  <a:srgbClr val="000000"/>
+                </a:solidFill>
+                <a:uFill>
+                  <a:solidFill>
+                    <a:srgbClr val="FFFFFF"/>
                   </a:solidFill>
                 </a:uFill>
                 <a:latin typeface="Arial"/>
@@ -5179,29 +5878,29 @@
               <a:t>Charlotte - </a:t>
             </a:r>
             <a:r>
-              <a:rPr b="0" lang="en-GB" sz="2800" spc="-1" strike="noStrike" u="sng">
-                <a:solidFill>
-                  <a:srgbClr val="0000ff"/>
-                </a:solidFill>
-                <a:uFill>
-                  <a:solidFill>
-                    <a:srgbClr val="ffffff"/>
+              <a:rPr lang="en-GB" sz="2800" b="0" u="sng" strike="noStrike" spc="-1">
+                <a:solidFill>
+                  <a:srgbClr val="0000FF"/>
+                </a:solidFill>
+                <a:uFill>
+                  <a:solidFill>
+                    <a:srgbClr val="FFFFFF"/>
                   </a:solidFill>
                 </a:uFill>
                 <a:latin typeface="Arial"/>
                 <a:ea typeface="DejaVu Sans"/>
-                <a:hlinkClick r:id="rId4"/>
+                <a:hlinkClick r:id="rId5"/>
               </a:rPr>
               <a:t>cmp2@aber.ac.uk</a:t>
             </a:r>
             <a:r>
-              <a:rPr b="0" lang="en-GB" sz="2800" spc="-1" strike="noStrike">
-                <a:solidFill>
-                  <a:srgbClr val="000000"/>
-                </a:solidFill>
-                <a:uFill>
-                  <a:solidFill>
-                    <a:srgbClr val="ffffff"/>
+              <a:rPr lang="en-GB" sz="2800" b="0" strike="noStrike" spc="-1">
+                <a:solidFill>
+                  <a:srgbClr val="000000"/>
+                </a:solidFill>
+                <a:uFill>
+                  <a:solidFill>
+                    <a:srgbClr val="FFFFFF"/>
                   </a:solidFill>
                 </a:uFill>
                 <a:latin typeface="Arial"/>
@@ -5209,13 +5908,13 @@
               </a:rPr>
               <a:t> </a:t>
             </a:r>
-            <a:endParaRPr b="0" lang="en-GB" sz="1800" spc="-1" strike="noStrike">
-              <a:solidFill>
-                <a:srgbClr val="000000"/>
-              </a:solidFill>
-              <a:uFill>
-                <a:solidFill>
-                  <a:srgbClr val="ffffff"/>
+            <a:endParaRPr lang="en-GB" sz="1800" b="0" strike="noStrike" spc="-1">
+              <a:solidFill>
+                <a:srgbClr val="000000"/>
+              </a:solidFill>
+              <a:uFill>
+                <a:solidFill>
+                  <a:srgbClr val="FFFFFF"/>
                 </a:solidFill>
               </a:uFill>
               <a:latin typeface="Arial"/>
@@ -5225,30 +5924,7 @@
       </p:sp>
       <p:pic>
         <p:nvPicPr>
-          <p:cNvPr id="79" name="Picture 3" descr=""/>
-          <p:cNvPicPr/>
-          <p:nvPr/>
-        </p:nvPicPr>
-        <p:blipFill>
-          <a:blip r:embed="rId5"/>
-          <a:stretch/>
-        </p:blipFill>
-        <p:spPr>
-          <a:xfrm>
-            <a:off x="0" y="0"/>
-            <a:ext cx="10076400" cy="1046880"/>
-          </a:xfrm>
-          <a:prstGeom prst="rect">
-            <a:avLst/>
-          </a:prstGeom>
-          <a:ln>
-            <a:noFill/>
-          </a:ln>
-        </p:spPr>
-      </p:pic>
-      <p:pic>
-        <p:nvPicPr>
-          <p:cNvPr id="80" name="Picture 4" descr=""/>
+          <p:cNvPr id="79" name="Picture 3"/>
           <p:cNvPicPr/>
           <p:nvPr/>
         </p:nvPicPr>
@@ -5258,6 +5934,29 @@
         </p:blipFill>
         <p:spPr>
           <a:xfrm>
+            <a:off x="0" y="0"/>
+            <a:ext cx="10076400" cy="1046880"/>
+          </a:xfrm>
+          <a:prstGeom prst="rect">
+            <a:avLst/>
+          </a:prstGeom>
+          <a:ln>
+            <a:noFill/>
+          </a:ln>
+        </p:spPr>
+      </p:pic>
+      <p:pic>
+        <p:nvPicPr>
+          <p:cNvPr id="80" name="Picture 4"/>
+          <p:cNvPicPr/>
+          <p:nvPr/>
+        </p:nvPicPr>
+        <p:blipFill>
+          <a:blip r:embed="rId7"/>
+          <a:stretch/>
+        </p:blipFill>
+        <p:spPr>
+          <a:xfrm>
             <a:off x="39240" y="0"/>
             <a:ext cx="1066320" cy="1074960"/>
           </a:xfrm>
@@ -5289,13 +5988,20 @@
           </a:ln>
         </p:spPr>
         <p:style>
-          <a:lnRef idx="0"/>
-          <a:fillRef idx="0"/>
-          <a:effectRef idx="0"/>
+          <a:lnRef idx="0">
+            <a:scrgbClr r="0" g="0" b="0"/>
+          </a:lnRef>
+          <a:fillRef idx="0">
+            <a:scrgbClr r="0" g="0" b="0"/>
+          </a:fillRef>
+          <a:effectRef idx="0">
+            <a:scrgbClr r="0" g="0" b="0"/>
+          </a:effectRef>
           <a:fontRef idx="minor"/>
         </p:style>
         <p:txBody>
-          <a:bodyPr lIns="90000" rIns="90000" tIns="45000" bIns="45000"/>
+          <a:bodyPr lIns="90000" tIns="45000" rIns="90000" bIns="45000"/>
+          <a:lstStyle/>
           <a:p>
             <a:pPr>
               <a:lnSpc>
@@ -5303,13 +6009,13 @@
               </a:lnSpc>
             </a:pPr>
             <a:r>
-              <a:rPr b="1" lang="en-GB" sz="3200" spc="-1" strike="noStrike">
-                <a:solidFill>
-                  <a:srgbClr val="000000"/>
-                </a:solidFill>
-                <a:uFill>
-                  <a:solidFill>
-                    <a:srgbClr val="ffffff"/>
+              <a:rPr lang="en-GB" sz="3200" b="1" strike="noStrike" spc="-1">
+                <a:solidFill>
+                  <a:srgbClr val="000000"/>
+                </a:solidFill>
+                <a:uFill>
+                  <a:solidFill>
+                    <a:srgbClr val="FFFFFF"/>
                   </a:solidFill>
                 </a:uFill>
                 <a:latin typeface="Eras Bold ITC"/>
@@ -5317,13 +6023,13 @@
               </a:rPr>
               <a:t>www.students.aberrobotics.club</a:t>
             </a:r>
-            <a:endParaRPr b="0" lang="en-GB" sz="1800" spc="-1" strike="noStrike">
-              <a:solidFill>
-                <a:srgbClr val="000000"/>
-              </a:solidFill>
-              <a:uFill>
-                <a:solidFill>
-                  <a:srgbClr val="ffffff"/>
+            <a:endParaRPr lang="en-GB" sz="1800" b="0" strike="noStrike" spc="-1">
+              <a:solidFill>
+                <a:srgbClr val="000000"/>
+              </a:solidFill>
+              <a:uFill>
+                <a:solidFill>
+                  <a:srgbClr val="FFFFFF"/>
                 </a:solidFill>
               </a:uFill>
               <a:latin typeface="Arial"/>
@@ -5333,22 +6039,25 @@
       </p:sp>
     </p:spTree>
   </p:cSld>
+  <p:clrMapOvr>
+    <a:masterClrMapping/>
+  </p:clrMapOvr>
   <p:timing>
     <p:tnLst>
       <p:par>
-        <p:cTn id="3" dur="indefinite" restart="never" nodeType="tmRoot">
+        <p:cTn id="1" dur="indefinite" restart="never" nodeType="tmRoot">
           <p:childTnLst>
             <p:seq>
-              <p:cTn id="4" nodeType="mainSeq"/>
+              <p:cTn id="2" nodeType="mainSeq"/>
               <p:prevCondLst>
-                <p:cond delay="0" evt="onPrev">
+                <p:cond evt="onPrev" delay="0">
                   <p:tgtEl>
                     <p:sldTgt/>
                   </p:tgtEl>
                 </p:cond>
               </p:prevCondLst>
               <p:nextCondLst>
-                <p:cond delay="0" evt="onNext">
+                <p:cond evt="onNext" delay="0">
                   <p:tgtEl>
                     <p:sldTgt/>
                   </p:tgtEl>
@@ -5364,7 +6073,7 @@
 </file>
 
 <file path=ppt/slides/slide3.xml><?xml version="1.0" encoding="utf-8"?>
-<p:sld xmlns:a="http://schemas.openxmlformats.org/drawingml/2006/main" xmlns:p="http://schemas.openxmlformats.org/presentationml/2006/main" xmlns:r="http://schemas.openxmlformats.org/officeDocument/2006/relationships" xmlns:p14="http://schemas.microsoft.com/office/powerpoint/2010/main" xmlns:p15="http://schemas.microsoft.com/office/powerpoint/2012/main" xmlns:mc="http://schemas.openxmlformats.org/markup-compatibility/2006">
+<p:sld xmlns:a="http://schemas.openxmlformats.org/drawingml/2006/main" xmlns:r="http://schemas.openxmlformats.org/officeDocument/2006/relationships" xmlns:p="http://schemas.openxmlformats.org/presentationml/2006/main">
   <p:cSld>
     <p:spTree>
       <p:nvGrpSpPr>
@@ -5400,13 +6109,20 @@
           </a:ln>
         </p:spPr>
         <p:style>
-          <a:lnRef idx="0"/>
-          <a:fillRef idx="0"/>
-          <a:effectRef idx="0"/>
+          <a:lnRef idx="0">
+            <a:scrgbClr r="0" g="0" b="0"/>
+          </a:lnRef>
+          <a:fillRef idx="0">
+            <a:scrgbClr r="0" g="0" b="0"/>
+          </a:fillRef>
+          <a:effectRef idx="0">
+            <a:scrgbClr r="0" g="0" b="0"/>
+          </a:effectRef>
           <a:fontRef idx="minor"/>
         </p:style>
         <p:txBody>
-          <a:bodyPr lIns="0" rIns="0" tIns="0" bIns="0" anchor="ctr"/>
+          <a:bodyPr lIns="0" tIns="0" rIns="0" bIns="0" anchor="ctr"/>
+          <a:lstStyle/>
           <a:p>
             <a:pPr algn="ctr">
               <a:lnSpc>
@@ -5414,13 +6130,13 @@
               </a:lnSpc>
             </a:pPr>
             <a:r>
-              <a:rPr b="0" lang="en-GB" sz="4400" spc="-1" strike="noStrike">
-                <a:solidFill>
-                  <a:srgbClr val="000000"/>
-                </a:solidFill>
-                <a:uFill>
-                  <a:solidFill>
-                    <a:srgbClr val="ffffff"/>
+              <a:rPr lang="en-GB" sz="4400" b="0" strike="noStrike" spc="-1">
+                <a:solidFill>
+                  <a:srgbClr val="000000"/>
+                </a:solidFill>
+                <a:uFill>
+                  <a:solidFill>
+                    <a:srgbClr val="FFFFFF"/>
                   </a:solidFill>
                 </a:uFill>
                 <a:latin typeface="Arial"/>
@@ -5428,13 +6144,13 @@
               </a:rPr>
               <a:t>Projects</a:t>
             </a:r>
-            <a:endParaRPr b="0" lang="en-GB" sz="1800" spc="-1" strike="noStrike">
-              <a:solidFill>
-                <a:srgbClr val="000000"/>
-              </a:solidFill>
-              <a:uFill>
-                <a:solidFill>
-                  <a:srgbClr val="ffffff"/>
+            <a:endParaRPr lang="en-GB" sz="1800" b="0" strike="noStrike" spc="-1">
+              <a:solidFill>
+                <a:srgbClr val="000000"/>
+              </a:solidFill>
+              <a:uFill>
+                <a:solidFill>
+                  <a:srgbClr val="FFFFFF"/>
                 </a:solidFill>
               </a:uFill>
               <a:latin typeface="Arial"/>
@@ -5462,13 +6178,20 @@
           </a:ln>
         </p:spPr>
         <p:style>
-          <a:lnRef idx="0"/>
-          <a:fillRef idx="0"/>
-          <a:effectRef idx="0"/>
+          <a:lnRef idx="0">
+            <a:scrgbClr r="0" g="0" b="0"/>
+          </a:lnRef>
+          <a:fillRef idx="0">
+            <a:scrgbClr r="0" g="0" b="0"/>
+          </a:fillRef>
+          <a:effectRef idx="0">
+            <a:scrgbClr r="0" g="0" b="0"/>
+          </a:effectRef>
           <a:fontRef idx="minor"/>
         </p:style>
         <p:txBody>
-          <a:bodyPr lIns="0" rIns="0" tIns="0" bIns="0"/>
+          <a:bodyPr lIns="0" tIns="0" rIns="0" bIns="0"/>
+          <a:lstStyle/>
           <a:p>
             <a:pPr marL="432000" indent="-320400">
               <a:lnSpc>
@@ -5482,13 +6205,13 @@
               <a:buChar char=""/>
             </a:pPr>
             <a:r>
-              <a:rPr b="0" lang="en-GB" sz="2800" spc="-1" strike="noStrike">
-                <a:solidFill>
-                  <a:srgbClr val="000000"/>
-                </a:solidFill>
-                <a:uFill>
-                  <a:solidFill>
-                    <a:srgbClr val="ffffff"/>
+              <a:rPr lang="en-GB" sz="2800" b="0" strike="noStrike" spc="-1">
+                <a:solidFill>
+                  <a:srgbClr val="000000"/>
+                </a:solidFill>
+                <a:uFill>
+                  <a:solidFill>
+                    <a:srgbClr val="FFFFFF"/>
                   </a:solidFill>
                 </a:uFill>
                 <a:latin typeface="Arial"/>
@@ -5496,13 +6219,13 @@
               </a:rPr>
               <a:t>Continuing with group/individual projects</a:t>
             </a:r>
-            <a:endParaRPr b="0" lang="en-GB" sz="1800" spc="-1" strike="noStrike">
-              <a:solidFill>
-                <a:srgbClr val="000000"/>
-              </a:solidFill>
-              <a:uFill>
-                <a:solidFill>
-                  <a:srgbClr val="ffffff"/>
+            <a:endParaRPr lang="en-GB" sz="1800" b="0" strike="noStrike" spc="-1">
+              <a:solidFill>
+                <a:srgbClr val="000000"/>
+              </a:solidFill>
+              <a:uFill>
+                <a:solidFill>
+                  <a:srgbClr val="FFFFFF"/>
                 </a:solidFill>
               </a:uFill>
               <a:latin typeface="Arial"/>
@@ -5521,13 +6244,13 @@
               <a:buChar char=""/>
             </a:pPr>
             <a:r>
-              <a:rPr b="0" lang="en-GB" sz="2800" spc="-1" strike="noStrike">
-                <a:solidFill>
-                  <a:srgbClr val="000000"/>
-                </a:solidFill>
-                <a:uFill>
-                  <a:solidFill>
-                    <a:srgbClr val="ffffff"/>
+              <a:rPr lang="en-GB" sz="2800" b="0" strike="noStrike" spc="-1">
+                <a:solidFill>
+                  <a:srgbClr val="000000"/>
+                </a:solidFill>
+                <a:uFill>
+                  <a:solidFill>
+                    <a:srgbClr val="FFFFFF"/>
                   </a:solidFill>
                 </a:uFill>
                 <a:latin typeface="Arial"/>
@@ -5535,13 +6258,13 @@
               </a:rPr>
               <a:t>£10 - £15 budget for all groups :)</a:t>
             </a:r>
-            <a:endParaRPr b="0" lang="en-GB" sz="1800" spc="-1" strike="noStrike">
-              <a:solidFill>
-                <a:srgbClr val="000000"/>
-              </a:solidFill>
-              <a:uFill>
-                <a:solidFill>
-                  <a:srgbClr val="ffffff"/>
+            <a:endParaRPr lang="en-GB" sz="1800" b="0" strike="noStrike" spc="-1">
+              <a:solidFill>
+                <a:srgbClr val="000000"/>
+              </a:solidFill>
+              <a:uFill>
+                <a:solidFill>
+                  <a:srgbClr val="FFFFFF"/>
                 </a:solidFill>
               </a:uFill>
               <a:latin typeface="Arial"/>
@@ -5560,13 +6283,13 @@
               <a:buChar char=""/>
             </a:pPr>
             <a:r>
-              <a:rPr b="0" lang="en-GB" sz="2800" spc="-1" strike="noStrike">
-                <a:solidFill>
-                  <a:srgbClr val="000000"/>
-                </a:solidFill>
-                <a:uFill>
-                  <a:solidFill>
-                    <a:srgbClr val="ffffff"/>
+              <a:rPr lang="en-GB" sz="2800" b="0" strike="noStrike" spc="-1">
+                <a:solidFill>
+                  <a:srgbClr val="000000"/>
+                </a:solidFill>
+                <a:uFill>
+                  <a:solidFill>
+                    <a:srgbClr val="FFFFFF"/>
                   </a:solidFill>
                 </a:uFill>
                 <a:latin typeface="Arial"/>
@@ -5574,13 +6297,13 @@
               </a:rPr>
               <a:t>Maybe a bit more later on in the year :) :)</a:t>
             </a:r>
-            <a:endParaRPr b="0" lang="en-GB" sz="1800" spc="-1" strike="noStrike">
-              <a:solidFill>
-                <a:srgbClr val="000000"/>
-              </a:solidFill>
-              <a:uFill>
-                <a:solidFill>
-                  <a:srgbClr val="ffffff"/>
+            <a:endParaRPr lang="en-GB" sz="1800" b="0" strike="noStrike" spc="-1">
+              <a:solidFill>
+                <a:srgbClr val="000000"/>
+              </a:solidFill>
+              <a:uFill>
+                <a:solidFill>
+                  <a:srgbClr val="FFFFFF"/>
                 </a:solidFill>
               </a:uFill>
               <a:latin typeface="Arial"/>
@@ -5599,13 +6322,13 @@
               <a:buChar char=""/>
             </a:pPr>
             <a:r>
-              <a:rPr b="0" lang="en-GB" sz="2800" spc="-1" strike="noStrike">
-                <a:solidFill>
-                  <a:srgbClr val="000000"/>
-                </a:solidFill>
-                <a:uFill>
-                  <a:solidFill>
-                    <a:srgbClr val="ffffff"/>
+              <a:rPr lang="en-GB" sz="2800" b="0" strike="noStrike" spc="-1">
+                <a:solidFill>
+                  <a:srgbClr val="000000"/>
+                </a:solidFill>
+                <a:uFill>
+                  <a:solidFill>
+                    <a:srgbClr val="FFFFFF"/>
                   </a:solidFill>
                 </a:uFill>
                 <a:latin typeface="Arial"/>
@@ -5613,13 +6336,13 @@
               </a:rPr>
               <a:t>For components we don’t already have…</a:t>
             </a:r>
-            <a:endParaRPr b="0" lang="en-GB" sz="1800" spc="-1" strike="noStrike">
-              <a:solidFill>
-                <a:srgbClr val="000000"/>
-              </a:solidFill>
-              <a:uFill>
-                <a:solidFill>
-                  <a:srgbClr val="ffffff"/>
+            <a:endParaRPr lang="en-GB" sz="1800" b="0" strike="noStrike" spc="-1">
+              <a:solidFill>
+                <a:srgbClr val="000000"/>
+              </a:solidFill>
+              <a:uFill>
+                <a:solidFill>
+                  <a:srgbClr val="FFFFFF"/>
                 </a:solidFill>
               </a:uFill>
               <a:latin typeface="Arial"/>
@@ -5638,13 +6361,13 @@
               <a:buChar char=""/>
             </a:pPr>
             <a:r>
-              <a:rPr b="0" lang="en-GB" sz="2800" spc="-1" strike="noStrike">
-                <a:solidFill>
-                  <a:srgbClr val="000000"/>
-                </a:solidFill>
-                <a:uFill>
-                  <a:solidFill>
-                    <a:srgbClr val="ffffff"/>
+              <a:rPr lang="en-GB" sz="2800" b="0" strike="noStrike" spc="-1">
+                <a:solidFill>
+                  <a:srgbClr val="000000"/>
+                </a:solidFill>
+                <a:uFill>
+                  <a:solidFill>
+                    <a:srgbClr val="FFFFFF"/>
                   </a:solidFill>
                 </a:uFill>
                 <a:latin typeface="Arial"/>
@@ -5652,13 +6375,13 @@
               </a:rPr>
               <a:t>May not be enough for some groups, we’ll find extra funding/sponsors</a:t>
             </a:r>
-            <a:endParaRPr b="0" lang="en-GB" sz="1800" spc="-1" strike="noStrike">
-              <a:solidFill>
-                <a:srgbClr val="000000"/>
-              </a:solidFill>
-              <a:uFill>
-                <a:solidFill>
-                  <a:srgbClr val="ffffff"/>
+            <a:endParaRPr lang="en-GB" sz="1800" b="0" strike="noStrike" spc="-1">
+              <a:solidFill>
+                <a:srgbClr val="000000"/>
+              </a:solidFill>
+              <a:uFill>
+                <a:solidFill>
+                  <a:srgbClr val="FFFFFF"/>
                 </a:solidFill>
               </a:uFill>
               <a:latin typeface="Arial"/>
@@ -5668,30 +6391,7 @@
       </p:sp>
       <p:pic>
         <p:nvPicPr>
-          <p:cNvPr id="84" name="Picture 3" descr=""/>
-          <p:cNvPicPr/>
-          <p:nvPr/>
-        </p:nvPicPr>
-        <p:blipFill>
-          <a:blip r:embed="rId1"/>
-          <a:stretch/>
-        </p:blipFill>
-        <p:spPr>
-          <a:xfrm>
-            <a:off x="0" y="0"/>
-            <a:ext cx="10076400" cy="1046880"/>
-          </a:xfrm>
-          <a:prstGeom prst="rect">
-            <a:avLst/>
-          </a:prstGeom>
-          <a:ln>
-            <a:noFill/>
-          </a:ln>
-        </p:spPr>
-      </p:pic>
-      <p:pic>
-        <p:nvPicPr>
-          <p:cNvPr id="85" name="Picture 4" descr=""/>
+          <p:cNvPr id="84" name="Picture 3"/>
           <p:cNvPicPr/>
           <p:nvPr/>
         </p:nvPicPr>
@@ -5701,6 +6401,29 @@
         </p:blipFill>
         <p:spPr>
           <a:xfrm>
+            <a:off x="0" y="0"/>
+            <a:ext cx="10076400" cy="1046880"/>
+          </a:xfrm>
+          <a:prstGeom prst="rect">
+            <a:avLst/>
+          </a:prstGeom>
+          <a:ln>
+            <a:noFill/>
+          </a:ln>
+        </p:spPr>
+      </p:pic>
+      <p:pic>
+        <p:nvPicPr>
+          <p:cNvPr id="85" name="Picture 4"/>
+          <p:cNvPicPr/>
+          <p:nvPr/>
+        </p:nvPicPr>
+        <p:blipFill>
+          <a:blip r:embed="rId3"/>
+          <a:stretch/>
+        </p:blipFill>
+        <p:spPr>
+          <a:xfrm>
             <a:off x="39240" y="0"/>
             <a:ext cx="1066320" cy="1074960"/>
           </a:xfrm>
@@ -5732,13 +6455,20 @@
           </a:ln>
         </p:spPr>
         <p:style>
-          <a:lnRef idx="0"/>
-          <a:fillRef idx="0"/>
-          <a:effectRef idx="0"/>
+          <a:lnRef idx="0">
+            <a:scrgbClr r="0" g="0" b="0"/>
+          </a:lnRef>
+          <a:fillRef idx="0">
+            <a:scrgbClr r="0" g="0" b="0"/>
+          </a:fillRef>
+          <a:effectRef idx="0">
+            <a:scrgbClr r="0" g="0" b="0"/>
+          </a:effectRef>
           <a:fontRef idx="minor"/>
         </p:style>
         <p:txBody>
-          <a:bodyPr lIns="90000" rIns="90000" tIns="45000" bIns="45000"/>
+          <a:bodyPr lIns="90000" tIns="45000" rIns="90000" bIns="45000"/>
+          <a:lstStyle/>
           <a:p>
             <a:pPr>
               <a:lnSpc>
@@ -5746,13 +6476,13 @@
               </a:lnSpc>
             </a:pPr>
             <a:r>
-              <a:rPr b="1" lang="en-GB" sz="3200" spc="-1" strike="noStrike">
-                <a:solidFill>
-                  <a:srgbClr val="000000"/>
-                </a:solidFill>
-                <a:uFill>
-                  <a:solidFill>
-                    <a:srgbClr val="ffffff"/>
+              <a:rPr lang="en-GB" sz="3200" b="1" strike="noStrike" spc="-1">
+                <a:solidFill>
+                  <a:srgbClr val="000000"/>
+                </a:solidFill>
+                <a:uFill>
+                  <a:solidFill>
+                    <a:srgbClr val="FFFFFF"/>
                   </a:solidFill>
                 </a:uFill>
                 <a:latin typeface="Eras Bold ITC"/>
@@ -5760,13 +6490,13 @@
               </a:rPr>
               <a:t>www.students.aberrobotics.club</a:t>
             </a:r>
-            <a:endParaRPr b="0" lang="en-GB" sz="1800" spc="-1" strike="noStrike">
-              <a:solidFill>
-                <a:srgbClr val="000000"/>
-              </a:solidFill>
-              <a:uFill>
-                <a:solidFill>
-                  <a:srgbClr val="ffffff"/>
+            <a:endParaRPr lang="en-GB" sz="1800" b="0" strike="noStrike" spc="-1">
+              <a:solidFill>
+                <a:srgbClr val="000000"/>
+              </a:solidFill>
+              <a:uFill>
+                <a:solidFill>
+                  <a:srgbClr val="FFFFFF"/>
                 </a:solidFill>
               </a:uFill>
               <a:latin typeface="Arial"/>
@@ -5776,22 +6506,25 @@
       </p:sp>
     </p:spTree>
   </p:cSld>
+  <p:clrMapOvr>
+    <a:masterClrMapping/>
+  </p:clrMapOvr>
   <p:timing>
     <p:tnLst>
       <p:par>
-        <p:cTn id="5" dur="indefinite" restart="never" nodeType="tmRoot">
+        <p:cTn id="1" dur="indefinite" restart="never" nodeType="tmRoot">
           <p:childTnLst>
             <p:seq>
-              <p:cTn id="6" nodeType="mainSeq"/>
+              <p:cTn id="2" nodeType="mainSeq"/>
               <p:prevCondLst>
-                <p:cond delay="0" evt="onPrev">
+                <p:cond evt="onPrev" delay="0">
                   <p:tgtEl>
                     <p:sldTgt/>
                   </p:tgtEl>
                 </p:cond>
               </p:prevCondLst>
               <p:nextCondLst>
-                <p:cond delay="0" evt="onNext">
+                <p:cond evt="onNext" delay="0">
                   <p:tgtEl>
                     <p:sldTgt/>
                   </p:tgtEl>
@@ -5807,7 +6540,7 @@
 </file>
 
 <file path=ppt/slides/slide4.xml><?xml version="1.0" encoding="utf-8"?>
-<p:sld xmlns:a="http://schemas.openxmlformats.org/drawingml/2006/main" xmlns:p="http://schemas.openxmlformats.org/presentationml/2006/main" xmlns:r="http://schemas.openxmlformats.org/officeDocument/2006/relationships" xmlns:p14="http://schemas.microsoft.com/office/powerpoint/2010/main" xmlns:p15="http://schemas.microsoft.com/office/powerpoint/2012/main" xmlns:mc="http://schemas.openxmlformats.org/markup-compatibility/2006">
+<p:sld xmlns:a="http://schemas.openxmlformats.org/drawingml/2006/main" xmlns:r="http://schemas.openxmlformats.org/officeDocument/2006/relationships" xmlns:p="http://schemas.openxmlformats.org/presentationml/2006/main">
   <p:cSld>
     <p:spTree>
       <p:nvGrpSpPr>
@@ -5843,13 +6576,20 @@
           </a:ln>
         </p:spPr>
         <p:style>
-          <a:lnRef idx="0"/>
-          <a:fillRef idx="0"/>
-          <a:effectRef idx="0"/>
+          <a:lnRef idx="0">
+            <a:scrgbClr r="0" g="0" b="0"/>
+          </a:lnRef>
+          <a:fillRef idx="0">
+            <a:scrgbClr r="0" g="0" b="0"/>
+          </a:fillRef>
+          <a:effectRef idx="0">
+            <a:scrgbClr r="0" g="0" b="0"/>
+          </a:effectRef>
           <a:fontRef idx="minor"/>
         </p:style>
         <p:txBody>
-          <a:bodyPr lIns="0" rIns="0" tIns="0" bIns="0" anchor="ctr"/>
+          <a:bodyPr lIns="0" tIns="0" rIns="0" bIns="0" anchor="ctr"/>
+          <a:lstStyle/>
           <a:p>
             <a:pPr algn="ctr">
               <a:lnSpc>
@@ -5857,13 +6597,13 @@
               </a:lnSpc>
             </a:pPr>
             <a:r>
-              <a:rPr b="0" lang="en-GB" sz="4400" spc="-1" strike="noStrike">
-                <a:solidFill>
-                  <a:srgbClr val="000000"/>
-                </a:solidFill>
-                <a:uFill>
-                  <a:solidFill>
-                    <a:srgbClr val="ffffff"/>
+              <a:rPr lang="en-GB" sz="4400" b="0" strike="noStrike" spc="-1">
+                <a:solidFill>
+                  <a:srgbClr val="000000"/>
+                </a:solidFill>
+                <a:uFill>
+                  <a:solidFill>
+                    <a:srgbClr val="FFFFFF"/>
                   </a:solidFill>
                 </a:uFill>
                 <a:latin typeface="Arial"/>
@@ -5871,13 +6611,13 @@
               </a:rPr>
               <a:t>Times</a:t>
             </a:r>
-            <a:endParaRPr b="0" lang="en-GB" sz="1800" spc="-1" strike="noStrike">
-              <a:solidFill>
-                <a:srgbClr val="000000"/>
-              </a:solidFill>
-              <a:uFill>
-                <a:solidFill>
-                  <a:srgbClr val="ffffff"/>
+            <a:endParaRPr lang="en-GB" sz="1800" b="0" strike="noStrike" spc="-1">
+              <a:solidFill>
+                <a:srgbClr val="000000"/>
+              </a:solidFill>
+              <a:uFill>
+                <a:solidFill>
+                  <a:srgbClr val="FFFFFF"/>
                 </a:solidFill>
               </a:uFill>
               <a:latin typeface="Arial"/>
@@ -5905,13 +6645,20 @@
           </a:ln>
         </p:spPr>
         <p:style>
-          <a:lnRef idx="0"/>
-          <a:fillRef idx="0"/>
-          <a:effectRef idx="0"/>
+          <a:lnRef idx="0">
+            <a:scrgbClr r="0" g="0" b="0"/>
+          </a:lnRef>
+          <a:fillRef idx="0">
+            <a:scrgbClr r="0" g="0" b="0"/>
+          </a:fillRef>
+          <a:effectRef idx="0">
+            <a:scrgbClr r="0" g="0" b="0"/>
+          </a:effectRef>
           <a:fontRef idx="minor"/>
         </p:style>
         <p:txBody>
-          <a:bodyPr lIns="0" rIns="0" tIns="0" bIns="0"/>
+          <a:bodyPr lIns="0" tIns="0" rIns="0" bIns="0"/>
+          <a:lstStyle/>
           <a:p>
             <a:pPr marL="432000" indent="-320400">
               <a:lnSpc>
@@ -5925,13 +6672,13 @@
               <a:buChar char=""/>
             </a:pPr>
             <a:r>
-              <a:rPr b="0" lang="en-GB" sz="2800" spc="-1" strike="noStrike">
-                <a:solidFill>
-                  <a:srgbClr val="000000"/>
-                </a:solidFill>
-                <a:uFill>
-                  <a:solidFill>
-                    <a:srgbClr val="ffffff"/>
+              <a:rPr lang="en-GB" sz="2800" b="0" strike="noStrike" spc="-1">
+                <a:solidFill>
+                  <a:srgbClr val="000000"/>
+                </a:solidFill>
+                <a:uFill>
+                  <a:solidFill>
+                    <a:srgbClr val="FFFFFF"/>
                   </a:solidFill>
                 </a:uFill>
                 <a:latin typeface="Arial"/>
@@ -5939,13 +6686,13 @@
               </a:rPr>
               <a:t>Usual time 1:30 – 3PM</a:t>
             </a:r>
-            <a:endParaRPr b="0" lang="en-GB" sz="1800" spc="-1" strike="noStrike">
-              <a:solidFill>
-                <a:srgbClr val="000000"/>
-              </a:solidFill>
-              <a:uFill>
-                <a:solidFill>
-                  <a:srgbClr val="ffffff"/>
+            <a:endParaRPr lang="en-GB" sz="1800" b="0" strike="noStrike" spc="-1">
+              <a:solidFill>
+                <a:srgbClr val="000000"/>
+              </a:solidFill>
+              <a:uFill>
+                <a:solidFill>
+                  <a:srgbClr val="FFFFFF"/>
                 </a:solidFill>
               </a:uFill>
               <a:latin typeface="Arial"/>
@@ -5964,13 +6711,13 @@
               <a:buChar char=""/>
             </a:pPr>
             <a:r>
-              <a:rPr b="0" lang="en-GB" sz="2800" spc="-1" strike="noStrike">
-                <a:solidFill>
-                  <a:srgbClr val="000000"/>
-                </a:solidFill>
-                <a:uFill>
-                  <a:solidFill>
-                    <a:srgbClr val="ffffff"/>
+              <a:rPr lang="en-GB" sz="2800" b="0" strike="noStrike" spc="-1">
+                <a:solidFill>
+                  <a:srgbClr val="000000"/>
+                </a:solidFill>
+                <a:uFill>
+                  <a:solidFill>
+                    <a:srgbClr val="FFFFFF"/>
                   </a:solidFill>
                 </a:uFill>
                 <a:latin typeface="Arial"/>
@@ -5978,13 +6725,13 @@
               </a:rPr>
               <a:t>We are timetabled to start at 1:30</a:t>
             </a:r>
-            <a:endParaRPr b="0" lang="en-GB" sz="1800" spc="-1" strike="noStrike">
-              <a:solidFill>
-                <a:srgbClr val="000000"/>
-              </a:solidFill>
-              <a:uFill>
-                <a:solidFill>
-                  <a:srgbClr val="ffffff"/>
+            <a:endParaRPr lang="en-GB" sz="1800" b="0" strike="noStrike" spc="-1">
+              <a:solidFill>
+                <a:srgbClr val="000000"/>
+              </a:solidFill>
+              <a:uFill>
+                <a:solidFill>
+                  <a:srgbClr val="FFFFFF"/>
                 </a:solidFill>
               </a:uFill>
               <a:latin typeface="Arial"/>
@@ -6003,13 +6750,13 @@
               <a:buChar char=""/>
             </a:pPr>
             <a:r>
-              <a:rPr b="0" lang="en-GB" sz="2800" spc="-1" strike="noStrike">
-                <a:solidFill>
-                  <a:srgbClr val="000000"/>
-                </a:solidFill>
-                <a:uFill>
-                  <a:solidFill>
-                    <a:srgbClr val="ffffff"/>
+              <a:rPr lang="en-GB" sz="2800" b="0" strike="noStrike" spc="-1">
+                <a:solidFill>
+                  <a:srgbClr val="000000"/>
+                </a:solidFill>
+                <a:uFill>
+                  <a:solidFill>
+                    <a:srgbClr val="FFFFFF"/>
                   </a:solidFill>
                 </a:uFill>
                 <a:latin typeface="Arial"/>
@@ -6017,20 +6764,20 @@
               </a:rPr>
               <a:t>Labs running beforehand</a:t>
             </a:r>
-            <a:endParaRPr b="0" lang="en-GB" sz="1800" spc="-1" strike="noStrike">
-              <a:solidFill>
-                <a:srgbClr val="000000"/>
-              </a:solidFill>
-              <a:uFill>
-                <a:solidFill>
-                  <a:srgbClr val="ffffff"/>
-                </a:solidFill>
-              </a:uFill>
-              <a:latin typeface="Arial"/>
-            </a:endParaRPr>
-          </a:p>
-          <a:p>
-            <a:pPr lvl="4" marL="1080000" indent="-215640">
+            <a:endParaRPr lang="en-GB" sz="1800" b="0" strike="noStrike" spc="-1">
+              <a:solidFill>
+                <a:srgbClr val="000000"/>
+              </a:solidFill>
+              <a:uFill>
+                <a:solidFill>
+                  <a:srgbClr val="FFFFFF"/>
+                </a:solidFill>
+              </a:uFill>
+              <a:latin typeface="Arial"/>
+            </a:endParaRPr>
+          </a:p>
+          <a:p>
+            <a:pPr marL="1080000" lvl="4" indent="-215640">
               <a:lnSpc>
                 <a:spcPct val="100000"/>
               </a:lnSpc>
@@ -6042,13 +6789,13 @@
               <a:buChar char=""/>
             </a:pPr>
             <a:r>
-              <a:rPr b="0" lang="en-GB" sz="2800" spc="-1" strike="noStrike">
-                <a:solidFill>
-                  <a:srgbClr val="000000"/>
-                </a:solidFill>
-                <a:uFill>
-                  <a:solidFill>
-                    <a:srgbClr val="ffffff"/>
+              <a:rPr lang="en-GB" sz="2800" b="0" strike="noStrike" spc="-1">
+                <a:solidFill>
+                  <a:srgbClr val="000000"/>
+                </a:solidFill>
+                <a:uFill>
+                  <a:solidFill>
+                    <a:srgbClr val="FFFFFF"/>
                   </a:solidFill>
                 </a:uFill>
                 <a:latin typeface="Arial"/>
@@ -6056,20 +6803,20 @@
               </a:rPr>
               <a:t>Please wait until they have finished</a:t>
             </a:r>
-            <a:endParaRPr b="0" lang="en-GB" sz="1800" spc="-1" strike="noStrike">
-              <a:solidFill>
-                <a:srgbClr val="000000"/>
-              </a:solidFill>
-              <a:uFill>
-                <a:solidFill>
-                  <a:srgbClr val="ffffff"/>
-                </a:solidFill>
-              </a:uFill>
-              <a:latin typeface="Arial"/>
-            </a:endParaRPr>
-          </a:p>
-          <a:p>
-            <a:pPr lvl="4" marL="1080000" indent="-215640">
+            <a:endParaRPr lang="en-GB" sz="1800" b="0" strike="noStrike" spc="-1">
+              <a:solidFill>
+                <a:srgbClr val="000000"/>
+              </a:solidFill>
+              <a:uFill>
+                <a:solidFill>
+                  <a:srgbClr val="FFFFFF"/>
+                </a:solidFill>
+              </a:uFill>
+              <a:latin typeface="Arial"/>
+            </a:endParaRPr>
+          </a:p>
+          <a:p>
+            <a:pPr marL="1080000" lvl="4" indent="-215640">
               <a:lnSpc>
                 <a:spcPct val="100000"/>
               </a:lnSpc>
@@ -6081,13 +6828,13 @@
               <a:buChar char=""/>
             </a:pPr>
             <a:r>
-              <a:rPr b="0" lang="en-GB" sz="2800" spc="-1" strike="noStrike">
-                <a:solidFill>
-                  <a:srgbClr val="000000"/>
-                </a:solidFill>
-                <a:uFill>
-                  <a:solidFill>
-                    <a:srgbClr val="ffffff"/>
+              <a:rPr lang="en-GB" sz="2800" b="0" strike="noStrike" spc="-1">
+                <a:solidFill>
+                  <a:srgbClr val="000000"/>
+                </a:solidFill>
+                <a:uFill>
+                  <a:solidFill>
+                    <a:srgbClr val="FFFFFF"/>
                   </a:solidFill>
                 </a:uFill>
                 <a:latin typeface="Arial"/>
@@ -6095,13 +6842,13 @@
               </a:rPr>
               <a:t>They finish at 1PM</a:t>
             </a:r>
-            <a:endParaRPr b="0" lang="en-GB" sz="1800" spc="-1" strike="noStrike">
-              <a:solidFill>
-                <a:srgbClr val="000000"/>
-              </a:solidFill>
-              <a:uFill>
-                <a:solidFill>
-                  <a:srgbClr val="ffffff"/>
+            <a:endParaRPr lang="en-GB" sz="1800" b="0" strike="noStrike" spc="-1">
+              <a:solidFill>
+                <a:srgbClr val="000000"/>
+              </a:solidFill>
+              <a:uFill>
+                <a:solidFill>
+                  <a:srgbClr val="FFFFFF"/>
                 </a:solidFill>
               </a:uFill>
               <a:latin typeface="Arial"/>
@@ -6111,30 +6858,7 @@
       </p:sp>
       <p:pic>
         <p:nvPicPr>
-          <p:cNvPr id="89" name="Picture 3" descr=""/>
-          <p:cNvPicPr/>
-          <p:nvPr/>
-        </p:nvPicPr>
-        <p:blipFill>
-          <a:blip r:embed="rId1"/>
-          <a:stretch/>
-        </p:blipFill>
-        <p:spPr>
-          <a:xfrm>
-            <a:off x="0" y="0"/>
-            <a:ext cx="10076400" cy="1046880"/>
-          </a:xfrm>
-          <a:prstGeom prst="rect">
-            <a:avLst/>
-          </a:prstGeom>
-          <a:ln>
-            <a:noFill/>
-          </a:ln>
-        </p:spPr>
-      </p:pic>
-      <p:pic>
-        <p:nvPicPr>
-          <p:cNvPr id="90" name="Picture 4" descr=""/>
+          <p:cNvPr id="89" name="Picture 3"/>
           <p:cNvPicPr/>
           <p:nvPr/>
         </p:nvPicPr>
@@ -6144,6 +6868,29 @@
         </p:blipFill>
         <p:spPr>
           <a:xfrm>
+            <a:off x="0" y="0"/>
+            <a:ext cx="10076400" cy="1046880"/>
+          </a:xfrm>
+          <a:prstGeom prst="rect">
+            <a:avLst/>
+          </a:prstGeom>
+          <a:ln>
+            <a:noFill/>
+          </a:ln>
+        </p:spPr>
+      </p:pic>
+      <p:pic>
+        <p:nvPicPr>
+          <p:cNvPr id="90" name="Picture 4"/>
+          <p:cNvPicPr/>
+          <p:nvPr/>
+        </p:nvPicPr>
+        <p:blipFill>
+          <a:blip r:embed="rId3"/>
+          <a:stretch/>
+        </p:blipFill>
+        <p:spPr>
+          <a:xfrm>
             <a:off x="39240" y="0"/>
             <a:ext cx="1066320" cy="1074960"/>
           </a:xfrm>
@@ -6175,13 +6922,20 @@
           </a:ln>
         </p:spPr>
         <p:style>
-          <a:lnRef idx="0"/>
-          <a:fillRef idx="0"/>
-          <a:effectRef idx="0"/>
+          <a:lnRef idx="0">
+            <a:scrgbClr r="0" g="0" b="0"/>
+          </a:lnRef>
+          <a:fillRef idx="0">
+            <a:scrgbClr r="0" g="0" b="0"/>
+          </a:fillRef>
+          <a:effectRef idx="0">
+            <a:scrgbClr r="0" g="0" b="0"/>
+          </a:effectRef>
           <a:fontRef idx="minor"/>
         </p:style>
         <p:txBody>
-          <a:bodyPr lIns="90000" rIns="90000" tIns="45000" bIns="45000"/>
+          <a:bodyPr lIns="90000" tIns="45000" rIns="90000" bIns="45000"/>
+          <a:lstStyle/>
           <a:p>
             <a:pPr>
               <a:lnSpc>
@@ -6189,13 +6943,13 @@
               </a:lnSpc>
             </a:pPr>
             <a:r>
-              <a:rPr b="1" lang="en-GB" sz="3200" spc="-1" strike="noStrike">
-                <a:solidFill>
-                  <a:srgbClr val="000000"/>
-                </a:solidFill>
-                <a:uFill>
-                  <a:solidFill>
-                    <a:srgbClr val="ffffff"/>
+              <a:rPr lang="en-GB" sz="3200" b="1" strike="noStrike" spc="-1">
+                <a:solidFill>
+                  <a:srgbClr val="000000"/>
+                </a:solidFill>
+                <a:uFill>
+                  <a:solidFill>
+                    <a:srgbClr val="FFFFFF"/>
                   </a:solidFill>
                 </a:uFill>
                 <a:latin typeface="Eras Bold ITC"/>
@@ -6203,13 +6957,13 @@
               </a:rPr>
               <a:t>www.students.aberrobotics.club</a:t>
             </a:r>
-            <a:endParaRPr b="0" lang="en-GB" sz="1800" spc="-1" strike="noStrike">
-              <a:solidFill>
-                <a:srgbClr val="000000"/>
-              </a:solidFill>
-              <a:uFill>
-                <a:solidFill>
-                  <a:srgbClr val="ffffff"/>
+            <a:endParaRPr lang="en-GB" sz="1800" b="0" strike="noStrike" spc="-1">
+              <a:solidFill>
+                <a:srgbClr val="000000"/>
+              </a:solidFill>
+              <a:uFill>
+                <a:solidFill>
+                  <a:srgbClr val="FFFFFF"/>
                 </a:solidFill>
               </a:uFill>
               <a:latin typeface="Arial"/>
@@ -6219,22 +6973,25 @@
       </p:sp>
     </p:spTree>
   </p:cSld>
+  <p:clrMapOvr>
+    <a:masterClrMapping/>
+  </p:clrMapOvr>
   <p:timing>
     <p:tnLst>
       <p:par>
-        <p:cTn id="7" dur="indefinite" restart="never" nodeType="tmRoot">
+        <p:cTn id="1" dur="indefinite" restart="never" nodeType="tmRoot">
           <p:childTnLst>
             <p:seq>
-              <p:cTn id="8" nodeType="mainSeq"/>
+              <p:cTn id="2" nodeType="mainSeq"/>
               <p:prevCondLst>
-                <p:cond delay="0" evt="onPrev">
+                <p:cond evt="onPrev" delay="0">
                   <p:tgtEl>
                     <p:sldTgt/>
                   </p:tgtEl>
                 </p:cond>
               </p:prevCondLst>
               <p:nextCondLst>
-                <p:cond delay="0" evt="onNext">
+                <p:cond evt="onNext" delay="0">
                   <p:tgtEl>
                     <p:sldTgt/>
                   </p:tgtEl>
@@ -6250,7 +7007,7 @@
 </file>
 
 <file path=ppt/slides/slide5.xml><?xml version="1.0" encoding="utf-8"?>
-<p:sld xmlns:a="http://schemas.openxmlformats.org/drawingml/2006/main" xmlns:p="http://schemas.openxmlformats.org/presentationml/2006/main" xmlns:r="http://schemas.openxmlformats.org/officeDocument/2006/relationships" xmlns:p14="http://schemas.microsoft.com/office/powerpoint/2010/main" xmlns:p15="http://schemas.microsoft.com/office/powerpoint/2012/main" xmlns:mc="http://schemas.openxmlformats.org/markup-compatibility/2006">
+<p:sld xmlns:a="http://schemas.openxmlformats.org/drawingml/2006/main" xmlns:r="http://schemas.openxmlformats.org/officeDocument/2006/relationships" xmlns:p="http://schemas.openxmlformats.org/presentationml/2006/main">
   <p:cSld>
     <p:spTree>
       <p:nvGrpSpPr>
@@ -6286,13 +7043,20 @@
           </a:ln>
         </p:spPr>
         <p:style>
-          <a:lnRef idx="0"/>
-          <a:fillRef idx="0"/>
-          <a:effectRef idx="0"/>
+          <a:lnRef idx="0">
+            <a:scrgbClr r="0" g="0" b="0"/>
+          </a:lnRef>
+          <a:fillRef idx="0">
+            <a:scrgbClr r="0" g="0" b="0"/>
+          </a:fillRef>
+          <a:effectRef idx="0">
+            <a:scrgbClr r="0" g="0" b="0"/>
+          </a:effectRef>
           <a:fontRef idx="minor"/>
         </p:style>
         <p:txBody>
-          <a:bodyPr lIns="0" rIns="0" tIns="0" bIns="0" anchor="ctr"/>
+          <a:bodyPr lIns="0" tIns="0" rIns="0" bIns="0" anchor="ctr"/>
+          <a:lstStyle/>
           <a:p>
             <a:pPr algn="ctr">
               <a:lnSpc>
@@ -6300,13 +7064,13 @@
               </a:lnSpc>
             </a:pPr>
             <a:r>
-              <a:rPr b="0" lang="en-GB" sz="4800" spc="-1" strike="noStrike">
-                <a:solidFill>
-                  <a:srgbClr val="000000"/>
-                </a:solidFill>
-                <a:uFill>
-                  <a:solidFill>
-                    <a:srgbClr val="ffffff"/>
+              <a:rPr lang="en-GB" sz="4800" b="0" strike="noStrike" spc="-1">
+                <a:solidFill>
+                  <a:srgbClr val="000000"/>
+                </a:solidFill>
+                <a:uFill>
+                  <a:solidFill>
+                    <a:srgbClr val="FFFFFF"/>
                   </a:solidFill>
                 </a:uFill>
                 <a:latin typeface="Arial"/>
@@ -6314,13 +7078,13 @@
               </a:rPr>
               <a:t>Events and </a:t>
             </a:r>
-            <a:endParaRPr b="0" lang="en-GB" sz="1800" spc="-1" strike="noStrike">
-              <a:solidFill>
-                <a:srgbClr val="000000"/>
-              </a:solidFill>
-              <a:uFill>
-                <a:solidFill>
-                  <a:srgbClr val="ffffff"/>
+            <a:endParaRPr lang="en-GB" sz="1800" b="0" strike="noStrike" spc="-1">
+              <a:solidFill>
+                <a:srgbClr val="000000"/>
+              </a:solidFill>
+              <a:uFill>
+                <a:solidFill>
+                  <a:srgbClr val="FFFFFF"/>
                 </a:solidFill>
               </a:uFill>
               <a:latin typeface="Arial"/>
@@ -6333,13 +7097,13 @@
               </a:lnSpc>
             </a:pPr>
             <a:r>
-              <a:rPr b="0" lang="en-GB" sz="4800" spc="-1" strike="noStrike">
-                <a:solidFill>
-                  <a:srgbClr val="000000"/>
-                </a:solidFill>
-                <a:uFill>
-                  <a:solidFill>
-                    <a:srgbClr val="ffffff"/>
+              <a:rPr lang="en-GB" sz="4800" b="0" strike="noStrike" spc="-1">
+                <a:solidFill>
+                  <a:srgbClr val="000000"/>
+                </a:solidFill>
+                <a:uFill>
+                  <a:solidFill>
+                    <a:srgbClr val="FFFFFF"/>
                   </a:solidFill>
                 </a:uFill>
                 <a:latin typeface="Arial"/>
@@ -6347,13 +7111,13 @@
               </a:rPr>
               <a:t>Dates for the Diary</a:t>
             </a:r>
-            <a:endParaRPr b="0" lang="en-GB" sz="1800" spc="-1" strike="noStrike">
-              <a:solidFill>
-                <a:srgbClr val="000000"/>
-              </a:solidFill>
-              <a:uFill>
-                <a:solidFill>
-                  <a:srgbClr val="ffffff"/>
+            <a:endParaRPr lang="en-GB" sz="1800" b="0" strike="noStrike" spc="-1">
+              <a:solidFill>
+                <a:srgbClr val="000000"/>
+              </a:solidFill>
+              <a:uFill>
+                <a:solidFill>
+                  <a:srgbClr val="FFFFFF"/>
                 </a:solidFill>
               </a:uFill>
               <a:latin typeface="Arial"/>
@@ -6363,30 +7127,7 @@
       </p:sp>
       <p:pic>
         <p:nvPicPr>
-          <p:cNvPr id="93" name="Picture 3" descr=""/>
-          <p:cNvPicPr/>
-          <p:nvPr/>
-        </p:nvPicPr>
-        <p:blipFill>
-          <a:blip r:embed="rId1"/>
-          <a:stretch/>
-        </p:blipFill>
-        <p:spPr>
-          <a:xfrm>
-            <a:off x="0" y="0"/>
-            <a:ext cx="10076760" cy="1047240"/>
-          </a:xfrm>
-          <a:prstGeom prst="rect">
-            <a:avLst/>
-          </a:prstGeom>
-          <a:ln>
-            <a:noFill/>
-          </a:ln>
-        </p:spPr>
-      </p:pic>
-      <p:pic>
-        <p:nvPicPr>
-          <p:cNvPr id="94" name="Picture 4" descr=""/>
+          <p:cNvPr id="93" name="Picture 3"/>
           <p:cNvPicPr/>
           <p:nvPr/>
         </p:nvPicPr>
@@ -6396,8 +7137,8 @@
         </p:blipFill>
         <p:spPr>
           <a:xfrm>
-            <a:off x="39240" y="0"/>
-            <a:ext cx="1066680" cy="1075320"/>
+            <a:off x="0" y="0"/>
+            <a:ext cx="10076760" cy="1047240"/>
           </a:xfrm>
           <a:prstGeom prst="rect">
             <a:avLst/>
@@ -6409,7 +7150,7 @@
       </p:pic>
       <p:pic>
         <p:nvPicPr>
-          <p:cNvPr id="95" name="Picture 4" descr=""/>
+          <p:cNvPr id="94" name="Picture 4"/>
           <p:cNvPicPr/>
           <p:nvPr/>
         </p:nvPicPr>
@@ -6419,6 +7160,29 @@
         </p:blipFill>
         <p:spPr>
           <a:xfrm>
+            <a:off x="39240" y="0"/>
+            <a:ext cx="1066680" cy="1075320"/>
+          </a:xfrm>
+          <a:prstGeom prst="rect">
+            <a:avLst/>
+          </a:prstGeom>
+          <a:ln>
+            <a:noFill/>
+          </a:ln>
+        </p:spPr>
+      </p:pic>
+      <p:pic>
+        <p:nvPicPr>
+          <p:cNvPr id="95" name="Picture 4"/>
+          <p:cNvPicPr/>
+          <p:nvPr/>
+        </p:nvPicPr>
+        <p:blipFill>
+          <a:blip r:embed="rId3"/>
+          <a:stretch/>
+        </p:blipFill>
+        <p:spPr>
+          <a:xfrm>
             <a:off x="3718440" y="4659840"/>
             <a:ext cx="2639880" cy="2660760"/>
           </a:xfrm>
@@ -6450,13 +7214,20 @@
           </a:ln>
         </p:spPr>
         <p:style>
-          <a:lnRef idx="0"/>
-          <a:fillRef idx="0"/>
-          <a:effectRef idx="0"/>
+          <a:lnRef idx="0">
+            <a:scrgbClr r="0" g="0" b="0"/>
+          </a:lnRef>
+          <a:fillRef idx="0">
+            <a:scrgbClr r="0" g="0" b="0"/>
+          </a:fillRef>
+          <a:effectRef idx="0">
+            <a:scrgbClr r="0" g="0" b="0"/>
+          </a:effectRef>
           <a:fontRef idx="minor"/>
         </p:style>
         <p:txBody>
-          <a:bodyPr lIns="90000" rIns="90000" tIns="45000" bIns="45000"/>
+          <a:bodyPr lIns="90000" tIns="45000" rIns="90000" bIns="45000"/>
+          <a:lstStyle/>
           <a:p>
             <a:pPr>
               <a:lnSpc>
@@ -6464,13 +7235,13 @@
               </a:lnSpc>
             </a:pPr>
             <a:r>
-              <a:rPr b="1" lang="en-GB" sz="3200" spc="-1" strike="noStrike">
-                <a:solidFill>
-                  <a:srgbClr val="000000"/>
-                </a:solidFill>
-                <a:uFill>
-                  <a:solidFill>
-                    <a:srgbClr val="ffffff"/>
+              <a:rPr lang="en-GB" sz="3200" b="1" strike="noStrike" spc="-1">
+                <a:solidFill>
+                  <a:srgbClr val="000000"/>
+                </a:solidFill>
+                <a:uFill>
+                  <a:solidFill>
+                    <a:srgbClr val="FFFFFF"/>
                   </a:solidFill>
                 </a:uFill>
                 <a:latin typeface="Eras Bold ITC"/>
@@ -6478,13 +7249,13 @@
               </a:rPr>
               <a:t>www.students.aberrobotics.club</a:t>
             </a:r>
-            <a:endParaRPr b="0" lang="en-GB" sz="1800" spc="-1" strike="noStrike">
-              <a:solidFill>
-                <a:srgbClr val="000000"/>
-              </a:solidFill>
-              <a:uFill>
-                <a:solidFill>
-                  <a:srgbClr val="ffffff"/>
+            <a:endParaRPr lang="en-GB" sz="1800" b="0" strike="noStrike" spc="-1">
+              <a:solidFill>
+                <a:srgbClr val="000000"/>
+              </a:solidFill>
+              <a:uFill>
+                <a:solidFill>
+                  <a:srgbClr val="FFFFFF"/>
                 </a:solidFill>
               </a:uFill>
               <a:latin typeface="Arial"/>
@@ -6494,22 +7265,25 @@
       </p:sp>
     </p:spTree>
   </p:cSld>
+  <p:clrMapOvr>
+    <a:masterClrMapping/>
+  </p:clrMapOvr>
   <p:timing>
     <p:tnLst>
       <p:par>
-        <p:cTn id="9" dur="indefinite" restart="never" nodeType="tmRoot">
+        <p:cTn id="1" dur="indefinite" restart="never" nodeType="tmRoot">
           <p:childTnLst>
             <p:seq>
-              <p:cTn id="10" nodeType="mainSeq"/>
+              <p:cTn id="2" nodeType="mainSeq"/>
               <p:prevCondLst>
-                <p:cond delay="0" evt="onPrev">
+                <p:cond evt="onPrev" delay="0">
                   <p:tgtEl>
                     <p:sldTgt/>
                   </p:tgtEl>
                 </p:cond>
               </p:prevCondLst>
               <p:nextCondLst>
-                <p:cond delay="0" evt="onNext">
+                <p:cond evt="onNext" delay="0">
                   <p:tgtEl>
                     <p:sldTgt/>
                   </p:tgtEl>
@@ -6525,7 +7299,7 @@
 </file>
 
 <file path=ppt/slides/slide6.xml><?xml version="1.0" encoding="utf-8"?>
-<p:sld xmlns:a="http://schemas.openxmlformats.org/drawingml/2006/main" xmlns:p="http://schemas.openxmlformats.org/presentationml/2006/main" xmlns:r="http://schemas.openxmlformats.org/officeDocument/2006/relationships" xmlns:p14="http://schemas.microsoft.com/office/powerpoint/2010/main" xmlns:p15="http://schemas.microsoft.com/office/powerpoint/2012/main" xmlns:mc="http://schemas.openxmlformats.org/markup-compatibility/2006">
+<p:sld xmlns:a="http://schemas.openxmlformats.org/drawingml/2006/main" xmlns:r="http://schemas.openxmlformats.org/officeDocument/2006/relationships" xmlns:p="http://schemas.openxmlformats.org/presentationml/2006/main">
   <p:cSld>
     <p:spTree>
       <p:nvGrpSpPr>
@@ -6561,13 +7335,20 @@
           </a:ln>
         </p:spPr>
         <p:style>
-          <a:lnRef idx="0"/>
-          <a:fillRef idx="0"/>
-          <a:effectRef idx="0"/>
+          <a:lnRef idx="0">
+            <a:scrgbClr r="0" g="0" b="0"/>
+          </a:lnRef>
+          <a:fillRef idx="0">
+            <a:scrgbClr r="0" g="0" b="0"/>
+          </a:fillRef>
+          <a:effectRef idx="0">
+            <a:scrgbClr r="0" g="0" b="0"/>
+          </a:effectRef>
           <a:fontRef idx="minor"/>
         </p:style>
         <p:txBody>
-          <a:bodyPr lIns="0" rIns="0" tIns="0" bIns="0" anchor="ctr"/>
+          <a:bodyPr lIns="0" tIns="0" rIns="0" bIns="0" anchor="ctr"/>
+          <a:lstStyle/>
           <a:p>
             <a:pPr algn="ctr">
               <a:lnSpc>
@@ -6575,13 +7356,13 @@
               </a:lnSpc>
             </a:pPr>
             <a:r>
-              <a:rPr b="0" lang="en-GB" sz="4400" spc="-1" strike="noStrike">
-                <a:solidFill>
-                  <a:srgbClr val="000000"/>
-                </a:solidFill>
-                <a:uFill>
-                  <a:solidFill>
-                    <a:srgbClr val="ffffff"/>
+              <a:rPr lang="en-GB" sz="4400" b="0" strike="noStrike" spc="-1">
+                <a:solidFill>
+                  <a:srgbClr val="000000"/>
+                </a:solidFill>
+                <a:uFill>
+                  <a:solidFill>
+                    <a:srgbClr val="FFFFFF"/>
                   </a:solidFill>
                 </a:uFill>
                 <a:latin typeface="Arial"/>
@@ -6589,13 +7370,13 @@
               </a:rPr>
               <a:t>Clothes</a:t>
             </a:r>
-            <a:endParaRPr b="0" lang="en-GB" sz="1800" spc="-1" strike="noStrike">
-              <a:solidFill>
-                <a:srgbClr val="000000"/>
-              </a:solidFill>
-              <a:uFill>
-                <a:solidFill>
-                  <a:srgbClr val="ffffff"/>
+            <a:endParaRPr lang="en-GB" sz="1800" b="0" strike="noStrike" spc="-1">
+              <a:solidFill>
+                <a:srgbClr val="000000"/>
+              </a:solidFill>
+              <a:uFill>
+                <a:solidFill>
+                  <a:srgbClr val="FFFFFF"/>
                 </a:solidFill>
               </a:uFill>
               <a:latin typeface="Arial"/>
@@ -6623,13 +7404,20 @@
           </a:ln>
         </p:spPr>
         <p:style>
-          <a:lnRef idx="0"/>
-          <a:fillRef idx="0"/>
-          <a:effectRef idx="0"/>
+          <a:lnRef idx="0">
+            <a:scrgbClr r="0" g="0" b="0"/>
+          </a:lnRef>
+          <a:fillRef idx="0">
+            <a:scrgbClr r="0" g="0" b="0"/>
+          </a:fillRef>
+          <a:effectRef idx="0">
+            <a:scrgbClr r="0" g="0" b="0"/>
+          </a:effectRef>
           <a:fontRef idx="minor"/>
         </p:style>
         <p:txBody>
-          <a:bodyPr lIns="0" rIns="0" tIns="0" bIns="0"/>
+          <a:bodyPr lIns="0" tIns="0" rIns="0" bIns="0"/>
+          <a:lstStyle/>
           <a:p>
             <a:pPr marL="432000" indent="-320400">
               <a:lnSpc>
@@ -6643,13 +7431,13 @@
               <a:buChar char=""/>
             </a:pPr>
             <a:r>
-              <a:rPr b="0" lang="en-GB" sz="2800" spc="-1" strike="noStrike">
-                <a:solidFill>
-                  <a:srgbClr val="000000"/>
-                </a:solidFill>
-                <a:uFill>
-                  <a:solidFill>
-                    <a:srgbClr val="ffffff"/>
+              <a:rPr lang="en-GB" sz="2800" b="0" strike="noStrike" spc="-1" dirty="0">
+                <a:solidFill>
+                  <a:srgbClr val="000000"/>
+                </a:solidFill>
+                <a:uFill>
+                  <a:solidFill>
+                    <a:srgbClr val="FFFFFF"/>
                   </a:solidFill>
                 </a:uFill>
                 <a:latin typeface="Arial"/>
@@ -6658,29 +7446,29 @@
               <a:t>Sizes and prices at: </a:t>
             </a:r>
             <a:r>
-              <a:rPr b="0" lang="en-GB" sz="2800" spc="-1" strike="noStrike" u="sng">
-                <a:solidFill>
-                  <a:srgbClr val="0000ff"/>
-                </a:solidFill>
-                <a:uFill>
-                  <a:solidFill>
-                    <a:srgbClr val="ffffff"/>
+              <a:rPr lang="en-GB" sz="2800" b="0" u="sng" strike="noStrike" spc="-1" dirty="0">
+                <a:solidFill>
+                  <a:srgbClr val="0000FF"/>
+                </a:solidFill>
+                <a:uFill>
+                  <a:solidFill>
+                    <a:srgbClr val="FFFFFF"/>
                   </a:solidFill>
                 </a:uFill>
                 <a:latin typeface="Arial"/>
                 <a:ea typeface="DejaVu Sans"/>
-                <a:hlinkClick r:id="rId1"/>
+                <a:hlinkClick r:id="rId2"/>
               </a:rPr>
               <a:t>http://students.aberrobotics.club/shop</a:t>
             </a:r>
             <a:r>
-              <a:rPr b="0" lang="en-GB" sz="2800" spc="-1" strike="noStrike">
-                <a:solidFill>
-                  <a:srgbClr val="000000"/>
-                </a:solidFill>
-                <a:uFill>
-                  <a:solidFill>
-                    <a:srgbClr val="ffffff"/>
+              <a:rPr lang="en-GB" sz="2800" b="0" strike="noStrike" spc="-1" dirty="0">
+                <a:solidFill>
+                  <a:srgbClr val="000000"/>
+                </a:solidFill>
+                <a:uFill>
+                  <a:solidFill>
+                    <a:srgbClr val="FFFFFF"/>
                   </a:solidFill>
                 </a:uFill>
                 <a:latin typeface="Arial"/>
@@ -6688,13 +7476,13 @@
               </a:rPr>
               <a:t> </a:t>
             </a:r>
-            <a:endParaRPr b="0" lang="en-GB" sz="1800" spc="-1" strike="noStrike">
-              <a:solidFill>
-                <a:srgbClr val="000000"/>
-              </a:solidFill>
-              <a:uFill>
-                <a:solidFill>
-                  <a:srgbClr val="ffffff"/>
+            <a:endParaRPr lang="en-GB" sz="1800" b="0" strike="noStrike" spc="-1" dirty="0">
+              <a:solidFill>
+                <a:srgbClr val="000000"/>
+              </a:solidFill>
+              <a:uFill>
+                <a:solidFill>
+                  <a:srgbClr val="FFFFFF"/>
                 </a:solidFill>
               </a:uFill>
               <a:latin typeface="Arial"/>
@@ -6713,13 +7501,13 @@
               <a:buChar char=""/>
             </a:pPr>
             <a:r>
-              <a:rPr b="0" lang="en-GB" sz="2800" spc="-1" strike="noStrike">
-                <a:solidFill>
-                  <a:srgbClr val="000000"/>
-                </a:solidFill>
-                <a:uFill>
-                  <a:solidFill>
-                    <a:srgbClr val="ffffff"/>
+              <a:rPr lang="en-GB" sz="2800" b="0" strike="noStrike" spc="-1" dirty="0">
+                <a:solidFill>
+                  <a:srgbClr val="000000"/>
+                </a:solidFill>
+                <a:uFill>
+                  <a:solidFill>
+                    <a:srgbClr val="FFFFFF"/>
                   </a:solidFill>
                 </a:uFill>
                 <a:latin typeface="Arial"/>
@@ -6728,13 +7516,13 @@
               <a:t>We will be ordering and taking </a:t>
             </a:r>
             <a:r>
-              <a:rPr b="1" lang="en-GB" sz="2800" spc="-1" strike="noStrike" u="sng">
-                <a:solidFill>
-                  <a:srgbClr val="000000"/>
-                </a:solidFill>
-                <a:uFill>
-                  <a:solidFill>
-                    <a:srgbClr val="ffffff"/>
+              <a:rPr lang="en-GB" sz="2800" b="1" u="sng" strike="noStrike" spc="-1" dirty="0">
+                <a:solidFill>
+                  <a:srgbClr val="000000"/>
+                </a:solidFill>
+                <a:uFill>
+                  <a:solidFill>
+                    <a:srgbClr val="FFFFFF"/>
                   </a:solidFill>
                 </a:uFill>
                 <a:latin typeface="Arial"/>
@@ -6743,13 +7531,13 @@
               <a:t>cash</a:t>
             </a:r>
             <a:r>
-              <a:rPr b="0" lang="en-GB" sz="2800" spc="-1" strike="noStrike">
-                <a:solidFill>
-                  <a:srgbClr val="000000"/>
-                </a:solidFill>
-                <a:uFill>
-                  <a:solidFill>
-                    <a:srgbClr val="ffffff"/>
+              <a:rPr lang="en-GB" sz="2800" b="0" strike="noStrike" spc="-1" dirty="0">
+                <a:solidFill>
+                  <a:srgbClr val="000000"/>
+                </a:solidFill>
+                <a:uFill>
+                  <a:solidFill>
+                    <a:srgbClr val="FFFFFF"/>
                   </a:solidFill>
                 </a:uFill>
                 <a:latin typeface="Arial"/>
@@ -6757,20 +7545,20 @@
               </a:rPr>
               <a:t> Wednesday </a:t>
             </a:r>
-            <a:endParaRPr b="0" lang="en-GB" sz="1800" spc="-1" strike="noStrike">
-              <a:solidFill>
-                <a:srgbClr val="000000"/>
-              </a:solidFill>
-              <a:uFill>
-                <a:solidFill>
-                  <a:srgbClr val="ffffff"/>
-                </a:solidFill>
-              </a:uFill>
-              <a:latin typeface="Arial"/>
-            </a:endParaRPr>
-          </a:p>
-          <a:p>
-            <a:pPr lvl="4" marL="1080000" indent="-214560">
+            <a:endParaRPr lang="en-GB" sz="1800" b="0" strike="noStrike" spc="-1" dirty="0">
+              <a:solidFill>
+                <a:srgbClr val="000000"/>
+              </a:solidFill>
+              <a:uFill>
+                <a:solidFill>
+                  <a:srgbClr val="FFFFFF"/>
+                </a:solidFill>
+              </a:uFill>
+              <a:latin typeface="Arial"/>
+            </a:endParaRPr>
+          </a:p>
+          <a:p>
+            <a:pPr marL="1080000" lvl="4" indent="-214560">
               <a:lnSpc>
                 <a:spcPct val="100000"/>
               </a:lnSpc>
@@ -6782,64 +7570,34 @@
               <a:buChar char=""/>
             </a:pPr>
             <a:r>
-              <a:rPr b="0" lang="en-GB" sz="2800" spc="-1" strike="noStrike">
-                <a:solidFill>
-                  <a:srgbClr val="000000"/>
-                </a:solidFill>
-                <a:uFill>
-                  <a:solidFill>
-                    <a:srgbClr val="ffffff"/>
+              <a:rPr lang="en-GB" sz="2800" b="0" strike="noStrike" spc="-1" dirty="0">
+                <a:solidFill>
+                  <a:srgbClr val="000000"/>
+                </a:solidFill>
+                <a:uFill>
+                  <a:solidFill>
+                    <a:srgbClr val="FFFFFF"/>
                   </a:solidFill>
                 </a:uFill>
                 <a:latin typeface="Arial"/>
                 <a:ea typeface="DejaVu Sans"/>
               </a:rPr>
-              <a:t>7</a:t>
-            </a:r>
-            <a:r>
-              <a:rPr b="0" lang="en-GB" sz="2800" spc="-1" strike="noStrike" baseline="101000">
-                <a:solidFill>
-                  <a:srgbClr val="000000"/>
-                </a:solidFill>
-                <a:uFill>
-                  <a:solidFill>
-                    <a:srgbClr val="ffffff"/>
-                  </a:solidFill>
-                </a:uFill>
-                <a:latin typeface="Arial"/>
-                <a:ea typeface="DejaVu Sans"/>
-              </a:rPr>
-              <a:t>th</a:t>
-            </a:r>
-            <a:r>
-              <a:rPr b="0" lang="en-GB" sz="2800" spc="-1" strike="noStrike">
-                <a:solidFill>
-                  <a:srgbClr val="000000"/>
-                </a:solidFill>
-                <a:uFill>
-                  <a:solidFill>
-                    <a:srgbClr val="ffffff"/>
-                  </a:solidFill>
-                </a:uFill>
-                <a:latin typeface="Arial"/>
-                <a:ea typeface="DejaVu Sans"/>
-              </a:rPr>
-              <a:t> February 2018</a:t>
-            </a:r>
-            <a:endParaRPr b="0" lang="en-GB" sz="1800" spc="-1" strike="noStrike">
-              <a:solidFill>
-                <a:srgbClr val="000000"/>
-              </a:solidFill>
-              <a:uFill>
-                <a:solidFill>
-                  <a:srgbClr val="ffffff"/>
-                </a:solidFill>
-              </a:uFill>
-              <a:latin typeface="Arial"/>
-            </a:endParaRPr>
-          </a:p>
-          <a:p>
-            <a:pPr lvl="4" marL="1080000" indent="-214560">
+              <a:t>7th February 2018</a:t>
+            </a:r>
+            <a:endParaRPr lang="en-GB" sz="1800" b="0" strike="noStrike" spc="-1" dirty="0">
+              <a:solidFill>
+                <a:srgbClr val="000000"/>
+              </a:solidFill>
+              <a:uFill>
+                <a:solidFill>
+                  <a:srgbClr val="FFFFFF"/>
+                </a:solidFill>
+              </a:uFill>
+              <a:latin typeface="Arial"/>
+            </a:endParaRPr>
+          </a:p>
+          <a:p>
+            <a:pPr marL="1080000" lvl="4" indent="-214560">
               <a:lnSpc>
                 <a:spcPct val="100000"/>
               </a:lnSpc>
@@ -6851,64 +7609,34 @@
               <a:buChar char=""/>
             </a:pPr>
             <a:r>
-              <a:rPr b="0" lang="en-GB" sz="2800" spc="-1" strike="noStrike">
-                <a:solidFill>
-                  <a:srgbClr val="000000"/>
-                </a:solidFill>
-                <a:uFill>
-                  <a:solidFill>
-                    <a:srgbClr val="ffffff"/>
+              <a:rPr lang="en-GB" sz="2800" b="0" strike="noStrike" spc="-1" dirty="0">
+                <a:solidFill>
+                  <a:srgbClr val="000000"/>
+                </a:solidFill>
+                <a:uFill>
+                  <a:solidFill>
+                    <a:srgbClr val="FFFFFF"/>
                   </a:solidFill>
                 </a:uFill>
                 <a:latin typeface="Arial"/>
                 <a:ea typeface="DejaVu Sans"/>
               </a:rPr>
-              <a:t>14</a:t>
-            </a:r>
-            <a:r>
-              <a:rPr b="0" lang="en-GB" sz="2800" spc="-1" strike="noStrike" baseline="101000">
-                <a:solidFill>
-                  <a:srgbClr val="000000"/>
-                </a:solidFill>
-                <a:uFill>
-                  <a:solidFill>
-                    <a:srgbClr val="ffffff"/>
-                  </a:solidFill>
-                </a:uFill>
-                <a:latin typeface="Arial"/>
-                <a:ea typeface="DejaVu Sans"/>
-              </a:rPr>
-              <a:t>th</a:t>
-            </a:r>
-            <a:r>
-              <a:rPr b="0" lang="en-GB" sz="2800" spc="-1" strike="noStrike">
-                <a:solidFill>
-                  <a:srgbClr val="000000"/>
-                </a:solidFill>
-                <a:uFill>
-                  <a:solidFill>
-                    <a:srgbClr val="ffffff"/>
-                  </a:solidFill>
-                </a:uFill>
-                <a:latin typeface="Arial"/>
-                <a:ea typeface="DejaVu Sans"/>
-              </a:rPr>
-              <a:t> February 2018</a:t>
-            </a:r>
-            <a:endParaRPr b="0" lang="en-GB" sz="1800" spc="-1" strike="noStrike">
-              <a:solidFill>
-                <a:srgbClr val="000000"/>
-              </a:solidFill>
-              <a:uFill>
-                <a:solidFill>
-                  <a:srgbClr val="ffffff"/>
-                </a:solidFill>
-              </a:uFill>
-              <a:latin typeface="Arial"/>
-            </a:endParaRPr>
-          </a:p>
-          <a:p>
-            <a:pPr lvl="4" marL="1080000" indent="-214560">
+              <a:t>14th February 2018</a:t>
+            </a:r>
+            <a:endParaRPr lang="en-GB" sz="1800" b="0" strike="noStrike" spc="-1" dirty="0">
+              <a:solidFill>
+                <a:srgbClr val="000000"/>
+              </a:solidFill>
+              <a:uFill>
+                <a:solidFill>
+                  <a:srgbClr val="FFFFFF"/>
+                </a:solidFill>
+              </a:uFill>
+              <a:latin typeface="Arial"/>
+            </a:endParaRPr>
+          </a:p>
+          <a:p>
+            <a:pPr marL="1080000" lvl="4" indent="-214560">
               <a:lnSpc>
                 <a:spcPct val="100000"/>
               </a:lnSpc>
@@ -6920,64 +7648,110 @@
               <a:buChar char=""/>
             </a:pPr>
             <a:r>
-              <a:rPr b="0" lang="en-GB" sz="2800" spc="-1" strike="noStrike">
-                <a:solidFill>
-                  <a:srgbClr val="000000"/>
-                </a:solidFill>
-                <a:uFill>
-                  <a:solidFill>
-                    <a:srgbClr val="ffffff"/>
+              <a:rPr lang="en-GB" sz="2800" b="0" strike="noStrike" spc="-1" dirty="0">
+                <a:solidFill>
+                  <a:srgbClr val="000000"/>
+                </a:solidFill>
+                <a:uFill>
+                  <a:solidFill>
+                    <a:srgbClr val="FFFFFF"/>
                   </a:solidFill>
                 </a:uFill>
                 <a:latin typeface="Arial"/>
                 <a:ea typeface="DejaVu Sans"/>
               </a:rPr>
-              <a:t>21</a:t>
-            </a:r>
-            <a:r>
-              <a:rPr b="0" lang="en-GB" sz="2800" spc="-1" strike="noStrike" baseline="101000">
-                <a:solidFill>
-                  <a:srgbClr val="000000"/>
-                </a:solidFill>
-                <a:uFill>
-                  <a:solidFill>
-                    <a:srgbClr val="ffffff"/>
+              <a:t>21st February 2018</a:t>
+            </a:r>
+            <a:r>
+              <a:rPr lang="en-GB" sz="2000" spc="-1" dirty="0">
+                <a:solidFill>
+                  <a:srgbClr val="000000"/>
+                </a:solidFill>
+                <a:uFill>
+                  <a:solidFill>
+                    <a:srgbClr val="FFFFFF"/>
+                  </a:solidFill>
+                </a:uFill>
+              </a:rPr>
+              <a:t> – </a:t>
+            </a:r>
+            <a:r>
+              <a:rPr lang="en-GB" sz="2000" b="1" u="sng" spc="-1" dirty="0">
+                <a:solidFill>
+                  <a:srgbClr val="000000"/>
+                </a:solidFill>
+                <a:uFill>
+                  <a:solidFill>
+                    <a:srgbClr val="FFFFFF"/>
+                  </a:solidFill>
+                </a:uFill>
+              </a:rPr>
+              <a:t>DEADLINE </a:t>
+            </a:r>
+            <a:r>
+              <a:rPr lang="en-GB" b="1" u="sng" spc="-1" dirty="0">
+                <a:solidFill>
+                  <a:srgbClr val="000000"/>
+                </a:solidFill>
+                <a:uFill>
+                  <a:solidFill>
+                    <a:srgbClr val="FFFFFF"/>
+                  </a:solidFill>
+                </a:uFill>
+              </a:rPr>
+              <a:t>(sooner the better)</a:t>
+            </a:r>
+            <a:endParaRPr lang="en-GB" u="sng" spc="-1" dirty="0">
+              <a:solidFill>
+                <a:srgbClr val="000000"/>
+              </a:solidFill>
+              <a:uFill>
+                <a:solidFill>
+                  <a:srgbClr val="FFFFFF"/>
+                </a:solidFill>
+              </a:uFill>
+              <a:latin typeface="Arial"/>
+            </a:endParaRPr>
+          </a:p>
+          <a:p>
+            <a:pPr marL="865440" lvl="4">
+              <a:lnSpc>
+                <a:spcPct val="100000"/>
+              </a:lnSpc>
+              <a:buClr>
+                <a:srgbClr val="000000"/>
+              </a:buClr>
+              <a:buSzPct val="45000"/>
+            </a:pPr>
+            <a:r>
+              <a:rPr lang="en-GB" sz="2800" b="0" strike="noStrike" spc="-1" dirty="0">
+                <a:solidFill>
+                  <a:srgbClr val="000000"/>
+                </a:solidFill>
+                <a:uFill>
+                  <a:solidFill>
+                    <a:srgbClr val="FFFFFF"/>
                   </a:solidFill>
                 </a:uFill>
                 <a:latin typeface="Arial"/>
                 <a:ea typeface="DejaVu Sans"/>
               </a:rPr>
-              <a:t>st</a:t>
-            </a:r>
-            <a:r>
-              <a:rPr b="0" lang="en-GB" sz="2800" spc="-1" strike="noStrike">
-                <a:solidFill>
-                  <a:srgbClr val="000000"/>
-                </a:solidFill>
-                <a:uFill>
-                  <a:solidFill>
-                    <a:srgbClr val="ffffff"/>
-                  </a:solidFill>
-                </a:uFill>
-                <a:latin typeface="Arial"/>
-                <a:ea typeface="DejaVu Sans"/>
-              </a:rPr>
-              <a:t> February 2018</a:t>
-            </a:r>
-            <a:endParaRPr b="0" lang="en-GB" sz="1800" spc="-1" strike="noStrike">
-              <a:solidFill>
-                <a:srgbClr val="000000"/>
-              </a:solidFill>
-              <a:uFill>
-                <a:solidFill>
-                  <a:srgbClr val="ffffff"/>
-                </a:solidFill>
-              </a:uFill>
-              <a:latin typeface="Arial"/>
-            </a:endParaRPr>
-          </a:p>
-          <a:p>
-            <a:pPr lvl="4" marL="1080000" indent="-214560">
+              <a:t>Phoebe will be managing the orders</a:t>
+            </a:r>
+            <a:endParaRPr lang="en-GB" sz="1800" b="0" strike="noStrike" spc="-1" dirty="0">
+              <a:solidFill>
+                <a:srgbClr val="000000"/>
+              </a:solidFill>
+              <a:uFill>
+                <a:solidFill>
+                  <a:srgbClr val="FFFFFF"/>
+                </a:solidFill>
+              </a:uFill>
+              <a:latin typeface="Arial"/>
+            </a:endParaRPr>
+          </a:p>
+          <a:p>
+            <a:pPr marL="432000" indent="-320400">
               <a:lnSpc>
                 <a:spcPct val="100000"/>
               </a:lnSpc>
@@ -6989,165 +7763,27 @@
               <a:buChar char=""/>
             </a:pPr>
             <a:r>
-              <a:rPr b="0" lang="en-GB" sz="2800" spc="-1" strike="noStrike">
-                <a:solidFill>
-                  <a:srgbClr val="000000"/>
-                </a:solidFill>
-                <a:uFill>
-                  <a:solidFill>
-                    <a:srgbClr val="ffffff"/>
+              <a:rPr lang="en-GB" sz="2800" b="0" strike="noStrike" spc="-1" dirty="0">
+                <a:solidFill>
+                  <a:srgbClr val="000000"/>
+                </a:solidFill>
+                <a:uFill>
+                  <a:solidFill>
+                    <a:srgbClr val="FFFFFF"/>
                   </a:solidFill>
                 </a:uFill>
                 <a:latin typeface="Arial"/>
                 <a:ea typeface="DejaVu Sans"/>
               </a:rPr>
-              <a:t>28</a:t>
-            </a:r>
-            <a:r>
-              <a:rPr b="0" lang="en-GB" sz="2800" spc="-1" strike="noStrike" baseline="101000">
-                <a:solidFill>
-                  <a:srgbClr val="000000"/>
-                </a:solidFill>
-                <a:uFill>
-                  <a:solidFill>
-                    <a:srgbClr val="ffffff"/>
-                  </a:solidFill>
-                </a:uFill>
-                <a:latin typeface="Arial"/>
-                <a:ea typeface="DejaVu Sans"/>
-              </a:rPr>
-              <a:t>th</a:t>
-            </a:r>
-            <a:r>
-              <a:rPr b="0" lang="en-GB" sz="2800" spc="-1" strike="noStrike">
-                <a:solidFill>
-                  <a:srgbClr val="000000"/>
-                </a:solidFill>
-                <a:uFill>
-                  <a:solidFill>
-                    <a:srgbClr val="ffffff"/>
-                  </a:solidFill>
-                </a:uFill>
-                <a:latin typeface="Arial"/>
-                <a:ea typeface="DejaVu Sans"/>
-              </a:rPr>
-              <a:t> February 2018 – </a:t>
-            </a:r>
-            <a:r>
-              <a:rPr b="1" lang="en-GB" sz="2800" spc="-1" strike="noStrike" u="sng">
-                <a:solidFill>
-                  <a:srgbClr val="000000"/>
-                </a:solidFill>
-                <a:uFill>
-                  <a:solidFill>
-                    <a:srgbClr val="ffffff"/>
-                  </a:solidFill>
-                </a:uFill>
-                <a:latin typeface="Arial"/>
-                <a:ea typeface="DejaVu Sans"/>
-              </a:rPr>
-              <a:t>DEADLINE </a:t>
-            </a:r>
-            <a:r>
-              <a:rPr b="1" lang="en-GB" sz="2400" spc="-1" strike="noStrike" u="sng">
-                <a:solidFill>
-                  <a:srgbClr val="000000"/>
-                </a:solidFill>
-                <a:uFill>
-                  <a:solidFill>
-                    <a:srgbClr val="ffffff"/>
-                  </a:solidFill>
-                </a:uFill>
-                <a:latin typeface="Arial"/>
-                <a:ea typeface="DejaVu Sans"/>
-              </a:rPr>
-              <a:t>(sooner the better)</a:t>
-            </a:r>
-            <a:endParaRPr b="0" lang="en-GB" sz="1800" spc="-1" strike="noStrike">
-              <a:solidFill>
-                <a:srgbClr val="000000"/>
-              </a:solidFill>
-              <a:uFill>
-                <a:solidFill>
-                  <a:srgbClr val="ffffff"/>
-                </a:solidFill>
-              </a:uFill>
-              <a:latin typeface="Arial"/>
-            </a:endParaRPr>
-          </a:p>
-          <a:p>
-            <a:pPr marL="432000" indent="-320400">
-              <a:lnSpc>
-                <a:spcPct val="100000"/>
-              </a:lnSpc>
-              <a:buClr>
-                <a:srgbClr val="000000"/>
-              </a:buClr>
-              <a:buSzPct val="45000"/>
-              <a:buFont typeface="Wingdings" charset="2"/>
-              <a:buChar char=""/>
-            </a:pPr>
-            <a:r>
-              <a:rPr b="0" lang="en-GB" sz="2800" spc="-1" strike="noStrike">
-                <a:solidFill>
-                  <a:srgbClr val="000000"/>
-                </a:solidFill>
-                <a:uFill>
-                  <a:solidFill>
-                    <a:srgbClr val="ffffff"/>
-                  </a:solidFill>
-                </a:uFill>
-                <a:latin typeface="Arial"/>
-                <a:ea typeface="DejaVu Sans"/>
-              </a:rPr>
-              <a:t>Phoebe will be managing the orders</a:t>
-            </a:r>
-            <a:endParaRPr b="0" lang="en-GB" sz="1800" spc="-1" strike="noStrike">
-              <a:solidFill>
-                <a:srgbClr val="000000"/>
-              </a:solidFill>
-              <a:uFill>
-                <a:solidFill>
-                  <a:srgbClr val="ffffff"/>
-                </a:solidFill>
-              </a:uFill>
-              <a:latin typeface="Arial"/>
-            </a:endParaRPr>
-          </a:p>
-          <a:p>
-            <a:pPr marL="432000" indent="-320400">
-              <a:lnSpc>
-                <a:spcPct val="100000"/>
-              </a:lnSpc>
-              <a:buClr>
-                <a:srgbClr val="000000"/>
-              </a:buClr>
-              <a:buSzPct val="45000"/>
-              <a:buFont typeface="Wingdings" charset="2"/>
-              <a:buChar char=""/>
-            </a:pPr>
-            <a:r>
-              <a:rPr b="0" lang="en-GB" sz="2800" spc="-1" strike="noStrike">
-                <a:solidFill>
-                  <a:srgbClr val="000000"/>
-                </a:solidFill>
-                <a:uFill>
-                  <a:solidFill>
-                    <a:srgbClr val="ffffff"/>
-                  </a:solidFill>
-                </a:uFill>
-                <a:latin typeface="Arial"/>
-                <a:ea typeface="DejaVu Sans"/>
-              </a:rPr>
               <a:t>Delivery around middle of March 2018 – ready for Science Week</a:t>
             </a:r>
-            <a:endParaRPr b="0" lang="en-GB" sz="1800" spc="-1" strike="noStrike">
-              <a:solidFill>
-                <a:srgbClr val="000000"/>
-              </a:solidFill>
-              <a:uFill>
-                <a:solidFill>
-                  <a:srgbClr val="ffffff"/>
+            <a:endParaRPr lang="en-GB" sz="1800" b="0" strike="noStrike" spc="-1" dirty="0">
+              <a:solidFill>
+                <a:srgbClr val="000000"/>
+              </a:solidFill>
+              <a:uFill>
+                <a:solidFill>
+                  <a:srgbClr val="FFFFFF"/>
                 </a:solidFill>
               </a:uFill>
               <a:latin typeface="Arial"/>
@@ -7157,30 +7793,7 @@
       </p:sp>
       <p:pic>
         <p:nvPicPr>
-          <p:cNvPr id="99" name="Picture 3" descr=""/>
-          <p:cNvPicPr/>
-          <p:nvPr/>
-        </p:nvPicPr>
-        <p:blipFill>
-          <a:blip r:embed="rId2"/>
-          <a:stretch/>
-        </p:blipFill>
-        <p:spPr>
-          <a:xfrm>
-            <a:off x="0" y="0"/>
-            <a:ext cx="10076400" cy="1046880"/>
-          </a:xfrm>
-          <a:prstGeom prst="rect">
-            <a:avLst/>
-          </a:prstGeom>
-          <a:ln>
-            <a:noFill/>
-          </a:ln>
-        </p:spPr>
-      </p:pic>
-      <p:pic>
-        <p:nvPicPr>
-          <p:cNvPr id="100" name="Picture 4" descr=""/>
+          <p:cNvPr id="99" name="Picture 3"/>
           <p:cNvPicPr/>
           <p:nvPr/>
         </p:nvPicPr>
@@ -7190,6 +7803,29 @@
         </p:blipFill>
         <p:spPr>
           <a:xfrm>
+            <a:off x="0" y="0"/>
+            <a:ext cx="10076400" cy="1046880"/>
+          </a:xfrm>
+          <a:prstGeom prst="rect">
+            <a:avLst/>
+          </a:prstGeom>
+          <a:ln>
+            <a:noFill/>
+          </a:ln>
+        </p:spPr>
+      </p:pic>
+      <p:pic>
+        <p:nvPicPr>
+          <p:cNvPr id="100" name="Picture 4"/>
+          <p:cNvPicPr/>
+          <p:nvPr/>
+        </p:nvPicPr>
+        <p:blipFill>
+          <a:blip r:embed="rId4"/>
+          <a:stretch/>
+        </p:blipFill>
+        <p:spPr>
+          <a:xfrm>
             <a:off x="39240" y="0"/>
             <a:ext cx="1066320" cy="1074960"/>
           </a:xfrm>
@@ -7221,13 +7857,20 @@
           </a:ln>
         </p:spPr>
         <p:style>
-          <a:lnRef idx="0"/>
-          <a:fillRef idx="0"/>
-          <a:effectRef idx="0"/>
+          <a:lnRef idx="0">
+            <a:scrgbClr r="0" g="0" b="0"/>
+          </a:lnRef>
+          <a:fillRef idx="0">
+            <a:scrgbClr r="0" g="0" b="0"/>
+          </a:fillRef>
+          <a:effectRef idx="0">
+            <a:scrgbClr r="0" g="0" b="0"/>
+          </a:effectRef>
           <a:fontRef idx="minor"/>
         </p:style>
         <p:txBody>
-          <a:bodyPr lIns="90000" rIns="90000" tIns="45000" bIns="45000"/>
+          <a:bodyPr lIns="90000" tIns="45000" rIns="90000" bIns="45000"/>
+          <a:lstStyle/>
           <a:p>
             <a:pPr>
               <a:lnSpc>
@@ -7235,13 +7878,13 @@
               </a:lnSpc>
             </a:pPr>
             <a:r>
-              <a:rPr b="1" lang="en-GB" sz="3200" spc="-1" strike="noStrike">
-                <a:solidFill>
-                  <a:srgbClr val="000000"/>
-                </a:solidFill>
-                <a:uFill>
-                  <a:solidFill>
-                    <a:srgbClr val="ffffff"/>
+              <a:rPr lang="en-GB" sz="3200" b="1" strike="noStrike" spc="-1">
+                <a:solidFill>
+                  <a:srgbClr val="000000"/>
+                </a:solidFill>
+                <a:uFill>
+                  <a:solidFill>
+                    <a:srgbClr val="FFFFFF"/>
                   </a:solidFill>
                 </a:uFill>
                 <a:latin typeface="Eras Bold ITC"/>
@@ -7249,13 +7892,13 @@
               </a:rPr>
               <a:t>www.students.aberrobotics.club</a:t>
             </a:r>
-            <a:endParaRPr b="0" lang="en-GB" sz="1800" spc="-1" strike="noStrike">
-              <a:solidFill>
-                <a:srgbClr val="000000"/>
-              </a:solidFill>
-              <a:uFill>
-                <a:solidFill>
-                  <a:srgbClr val="ffffff"/>
+            <a:endParaRPr lang="en-GB" sz="1800" b="0" strike="noStrike" spc="-1">
+              <a:solidFill>
+                <a:srgbClr val="000000"/>
+              </a:solidFill>
+              <a:uFill>
+                <a:solidFill>
+                  <a:srgbClr val="FFFFFF"/>
                 </a:solidFill>
               </a:uFill>
               <a:latin typeface="Arial"/>
@@ -7265,22 +7908,25 @@
       </p:sp>
     </p:spTree>
   </p:cSld>
+  <p:clrMapOvr>
+    <a:masterClrMapping/>
+  </p:clrMapOvr>
   <p:timing>
     <p:tnLst>
       <p:par>
-        <p:cTn id="11" dur="indefinite" restart="never" nodeType="tmRoot">
+        <p:cTn id="1" dur="indefinite" restart="never" nodeType="tmRoot">
           <p:childTnLst>
             <p:seq>
-              <p:cTn id="12" nodeType="mainSeq"/>
+              <p:cTn id="2" nodeType="mainSeq"/>
               <p:prevCondLst>
-                <p:cond delay="0" evt="onPrev">
+                <p:cond evt="onPrev" delay="0">
                   <p:tgtEl>
                     <p:sldTgt/>
                   </p:tgtEl>
                 </p:cond>
               </p:prevCondLst>
               <p:nextCondLst>
-                <p:cond delay="0" evt="onNext">
+                <p:cond evt="onNext" delay="0">
                   <p:tgtEl>
                     <p:sldTgt/>
                   </p:tgtEl>
@@ -7296,7 +7942,7 @@
 </file>
 
 <file path=ppt/slides/slide7.xml><?xml version="1.0" encoding="utf-8"?>
-<p:sld xmlns:a="http://schemas.openxmlformats.org/drawingml/2006/main" xmlns:p="http://schemas.openxmlformats.org/presentationml/2006/main" xmlns:r="http://schemas.openxmlformats.org/officeDocument/2006/relationships" xmlns:p14="http://schemas.microsoft.com/office/powerpoint/2010/main" xmlns:p15="http://schemas.microsoft.com/office/powerpoint/2012/main" xmlns:mc="http://schemas.openxmlformats.org/markup-compatibility/2006">
+<p:sld xmlns:a="http://schemas.openxmlformats.org/drawingml/2006/main" xmlns:r="http://schemas.openxmlformats.org/officeDocument/2006/relationships" xmlns:p="http://schemas.openxmlformats.org/presentationml/2006/main">
   <p:cSld>
     <p:spTree>
       <p:nvGrpSpPr>
@@ -7332,13 +7978,20 @@
           </a:ln>
         </p:spPr>
         <p:style>
-          <a:lnRef idx="0"/>
-          <a:fillRef idx="0"/>
-          <a:effectRef idx="0"/>
+          <a:lnRef idx="0">
+            <a:scrgbClr r="0" g="0" b="0"/>
+          </a:lnRef>
+          <a:fillRef idx="0">
+            <a:scrgbClr r="0" g="0" b="0"/>
+          </a:fillRef>
+          <a:effectRef idx="0">
+            <a:scrgbClr r="0" g="0" b="0"/>
+          </a:effectRef>
           <a:fontRef idx="minor"/>
         </p:style>
         <p:txBody>
-          <a:bodyPr lIns="0" rIns="0" tIns="0" bIns="0" anchor="ctr"/>
+          <a:bodyPr lIns="0" tIns="0" rIns="0" bIns="0" anchor="ctr"/>
+          <a:lstStyle/>
           <a:p>
             <a:pPr algn="ctr">
               <a:lnSpc>
@@ -7346,13 +7999,13 @@
               </a:lnSpc>
             </a:pPr>
             <a:r>
-              <a:rPr b="0" lang="en-GB" sz="4400" spc="-1" strike="noStrike">
-                <a:solidFill>
-                  <a:srgbClr val="000000"/>
-                </a:solidFill>
-                <a:uFill>
-                  <a:solidFill>
-                    <a:srgbClr val="ffffff"/>
+              <a:rPr lang="en-GB" sz="4400" b="0" strike="noStrike" spc="-1">
+                <a:solidFill>
+                  <a:srgbClr val="000000"/>
+                </a:solidFill>
+                <a:uFill>
+                  <a:solidFill>
+                    <a:srgbClr val="FFFFFF"/>
                   </a:solidFill>
                 </a:uFill>
                 <a:latin typeface="Arial"/>
@@ -7360,13 +8013,13 @@
               </a:rPr>
               <a:t>AGM</a:t>
             </a:r>
-            <a:endParaRPr b="0" lang="en-GB" sz="1800" spc="-1" strike="noStrike">
-              <a:solidFill>
-                <a:srgbClr val="000000"/>
-              </a:solidFill>
-              <a:uFill>
-                <a:solidFill>
-                  <a:srgbClr val="ffffff"/>
+            <a:endParaRPr lang="en-GB" sz="1800" b="0" strike="noStrike" spc="-1">
+              <a:solidFill>
+                <a:srgbClr val="000000"/>
+              </a:solidFill>
+              <a:uFill>
+                <a:solidFill>
+                  <a:srgbClr val="FFFFFF"/>
                 </a:solidFill>
               </a:uFill>
               <a:latin typeface="Arial"/>
@@ -7394,13 +8047,20 @@
           </a:ln>
         </p:spPr>
         <p:style>
-          <a:lnRef idx="0"/>
-          <a:fillRef idx="0"/>
-          <a:effectRef idx="0"/>
+          <a:lnRef idx="0">
+            <a:scrgbClr r="0" g="0" b="0"/>
+          </a:lnRef>
+          <a:fillRef idx="0">
+            <a:scrgbClr r="0" g="0" b="0"/>
+          </a:fillRef>
+          <a:effectRef idx="0">
+            <a:scrgbClr r="0" g="0" b="0"/>
+          </a:effectRef>
           <a:fontRef idx="minor"/>
         </p:style>
         <p:txBody>
-          <a:bodyPr lIns="0" rIns="0" tIns="0" bIns="0"/>
+          <a:bodyPr lIns="0" tIns="0" rIns="0" bIns="0"/>
+          <a:lstStyle/>
           <a:p>
             <a:pPr marL="432000" indent="-320400">
               <a:lnSpc>
@@ -7414,13 +8074,13 @@
               <a:buChar char=""/>
             </a:pPr>
             <a:r>
-              <a:rPr b="0" lang="en-GB" sz="2800" spc="-1" strike="noStrike">
-                <a:solidFill>
-                  <a:srgbClr val="000000"/>
-                </a:solidFill>
-                <a:uFill>
-                  <a:solidFill>
-                    <a:srgbClr val="ffffff"/>
+              <a:rPr lang="en-GB" sz="2800" b="0" strike="noStrike" spc="-1">
+                <a:solidFill>
+                  <a:srgbClr val="000000"/>
+                </a:solidFill>
+                <a:uFill>
+                  <a:solidFill>
+                    <a:srgbClr val="FFFFFF"/>
                   </a:solidFill>
                 </a:uFill>
                 <a:latin typeface="Arial"/>
@@ -7428,13 +8088,13 @@
               </a:rPr>
               <a:t>Annual General Meeting</a:t>
             </a:r>
-            <a:endParaRPr b="0" lang="en-GB" sz="1800" spc="-1" strike="noStrike">
-              <a:solidFill>
-                <a:srgbClr val="000000"/>
-              </a:solidFill>
-              <a:uFill>
-                <a:solidFill>
-                  <a:srgbClr val="ffffff"/>
+            <a:endParaRPr lang="en-GB" sz="1800" b="0" strike="noStrike" spc="-1">
+              <a:solidFill>
+                <a:srgbClr val="000000"/>
+              </a:solidFill>
+              <a:uFill>
+                <a:solidFill>
+                  <a:srgbClr val="FFFFFF"/>
                 </a:solidFill>
               </a:uFill>
               <a:latin typeface="Arial"/>
@@ -7453,13 +8113,13 @@
               <a:buChar char=""/>
             </a:pPr>
             <a:r>
-              <a:rPr b="0" lang="en-GB" sz="2800" spc="-1" strike="noStrike">
-                <a:solidFill>
-                  <a:srgbClr val="000000"/>
-                </a:solidFill>
-                <a:uFill>
-                  <a:solidFill>
-                    <a:srgbClr val="ffffff"/>
+              <a:rPr lang="en-GB" sz="2800" b="0" strike="noStrike" spc="-1">
+                <a:solidFill>
+                  <a:srgbClr val="000000"/>
+                </a:solidFill>
+                <a:uFill>
+                  <a:solidFill>
+                    <a:srgbClr val="FFFFFF"/>
                   </a:solidFill>
                 </a:uFill>
                 <a:latin typeface="Arial"/>
@@ -7468,13 +8128,13 @@
               <a:t>28</a:t>
             </a:r>
             <a:r>
-              <a:rPr b="0" lang="en-GB" sz="2800" spc="-1" strike="noStrike" baseline="101000">
-                <a:solidFill>
-                  <a:srgbClr val="000000"/>
-                </a:solidFill>
-                <a:uFill>
-                  <a:solidFill>
-                    <a:srgbClr val="ffffff"/>
+              <a:rPr lang="en-GB" sz="2800" b="0" strike="noStrike" spc="-1" baseline="101000">
+                <a:solidFill>
+                  <a:srgbClr val="000000"/>
+                </a:solidFill>
+                <a:uFill>
+                  <a:solidFill>
+                    <a:srgbClr val="FFFFFF"/>
                   </a:solidFill>
                 </a:uFill>
                 <a:latin typeface="Arial"/>
@@ -7483,13 +8143,13 @@
               <a:t>th</a:t>
             </a:r>
             <a:r>
-              <a:rPr b="0" lang="en-GB" sz="2800" spc="-1" strike="noStrike">
-                <a:solidFill>
-                  <a:srgbClr val="000000"/>
-                </a:solidFill>
-                <a:uFill>
-                  <a:solidFill>
-                    <a:srgbClr val="ffffff"/>
+              <a:rPr lang="en-GB" sz="2800" b="0" strike="noStrike" spc="-1">
+                <a:solidFill>
+                  <a:srgbClr val="000000"/>
+                </a:solidFill>
+                <a:uFill>
+                  <a:solidFill>
+                    <a:srgbClr val="FFFFFF"/>
                   </a:solidFill>
                 </a:uFill>
                 <a:latin typeface="Arial"/>
@@ -7497,13 +8157,13 @@
               </a:rPr>
               <a:t> February 2018</a:t>
             </a:r>
-            <a:endParaRPr b="0" lang="en-GB" sz="1800" spc="-1" strike="noStrike">
-              <a:solidFill>
-                <a:srgbClr val="000000"/>
-              </a:solidFill>
-              <a:uFill>
-                <a:solidFill>
-                  <a:srgbClr val="ffffff"/>
+            <a:endParaRPr lang="en-GB" sz="1800" b="0" strike="noStrike" spc="-1">
+              <a:solidFill>
+                <a:srgbClr val="000000"/>
+              </a:solidFill>
+              <a:uFill>
+                <a:solidFill>
+                  <a:srgbClr val="FFFFFF"/>
                 </a:solidFill>
               </a:uFill>
               <a:latin typeface="Arial"/>
@@ -7522,13 +8182,13 @@
               <a:buChar char=""/>
             </a:pPr>
             <a:r>
-              <a:rPr b="0" lang="en-GB" sz="2800" spc="-1" strike="noStrike">
-                <a:solidFill>
-                  <a:srgbClr val="000000"/>
-                </a:solidFill>
-                <a:uFill>
-                  <a:solidFill>
-                    <a:srgbClr val="ffffff"/>
+              <a:rPr lang="en-GB" sz="2800" b="0" strike="noStrike" spc="-1">
+                <a:solidFill>
+                  <a:srgbClr val="000000"/>
+                </a:solidFill>
+                <a:uFill>
+                  <a:solidFill>
+                    <a:srgbClr val="FFFFFF"/>
                   </a:solidFill>
                 </a:uFill>
                 <a:latin typeface="Arial"/>
@@ -7536,13 +8196,13 @@
               </a:rPr>
               <a:t>Probably take about 30 minutes</a:t>
             </a:r>
-            <a:endParaRPr b="0" lang="en-GB" sz="1800" spc="-1" strike="noStrike">
-              <a:solidFill>
-                <a:srgbClr val="000000"/>
-              </a:solidFill>
-              <a:uFill>
-                <a:solidFill>
-                  <a:srgbClr val="ffffff"/>
+            <a:endParaRPr lang="en-GB" sz="1800" b="0" strike="noStrike" spc="-1">
+              <a:solidFill>
+                <a:srgbClr val="000000"/>
+              </a:solidFill>
+              <a:uFill>
+                <a:solidFill>
+                  <a:srgbClr val="FFFFFF"/>
                 </a:solidFill>
               </a:uFill>
               <a:latin typeface="Arial"/>
@@ -7561,13 +8221,13 @@
               <a:buChar char=""/>
             </a:pPr>
             <a:r>
-              <a:rPr b="0" lang="en-GB" sz="2800" spc="-1" strike="noStrike">
-                <a:solidFill>
-                  <a:srgbClr val="000000"/>
-                </a:solidFill>
-                <a:uFill>
-                  <a:solidFill>
-                    <a:srgbClr val="ffffff"/>
+              <a:rPr lang="en-GB" sz="2800" b="0" strike="noStrike" spc="-1">
+                <a:solidFill>
+                  <a:srgbClr val="000000"/>
+                </a:solidFill>
+                <a:uFill>
+                  <a:solidFill>
+                    <a:srgbClr val="FFFFFF"/>
                   </a:solidFill>
                 </a:uFill>
                 <a:latin typeface="Arial"/>
@@ -7575,13 +8235,13 @@
               </a:rPr>
               <a:t>During club times on a Wednesday 1:30-3PM</a:t>
             </a:r>
-            <a:endParaRPr b="0" lang="en-GB" sz="1800" spc="-1" strike="noStrike">
-              <a:solidFill>
-                <a:srgbClr val="000000"/>
-              </a:solidFill>
-              <a:uFill>
-                <a:solidFill>
-                  <a:srgbClr val="ffffff"/>
+            <a:endParaRPr lang="en-GB" sz="1800" b="0" strike="noStrike" spc="-1">
+              <a:solidFill>
+                <a:srgbClr val="000000"/>
+              </a:solidFill>
+              <a:uFill>
+                <a:solidFill>
+                  <a:srgbClr val="FFFFFF"/>
                 </a:solidFill>
               </a:uFill>
               <a:latin typeface="Arial"/>
@@ -7600,13 +8260,13 @@
               <a:buChar char=""/>
             </a:pPr>
             <a:r>
-              <a:rPr b="1" lang="en-GB" sz="2800" spc="-1" strike="noStrike" u="sng">
-                <a:solidFill>
-                  <a:srgbClr val="000000"/>
-                </a:solidFill>
-                <a:uFill>
-                  <a:solidFill>
-                    <a:srgbClr val="ffffff"/>
+              <a:rPr lang="en-GB" sz="2800" b="1" u="sng" strike="noStrike" spc="-1">
+                <a:solidFill>
+                  <a:srgbClr val="000000"/>
+                </a:solidFill>
+                <a:uFill>
+                  <a:solidFill>
+                    <a:srgbClr val="FFFFFF"/>
                   </a:solidFill>
                 </a:uFill>
                 <a:latin typeface="Arial"/>
@@ -7614,13 +8274,13 @@
               </a:rPr>
               <a:t>WE WANT YOU!</a:t>
             </a:r>
-            <a:endParaRPr b="0" lang="en-GB" sz="1800" spc="-1" strike="noStrike">
-              <a:solidFill>
-                <a:srgbClr val="000000"/>
-              </a:solidFill>
-              <a:uFill>
-                <a:solidFill>
-                  <a:srgbClr val="ffffff"/>
+            <a:endParaRPr lang="en-GB" sz="1800" b="0" strike="noStrike" spc="-1">
+              <a:solidFill>
+                <a:srgbClr val="000000"/>
+              </a:solidFill>
+              <a:uFill>
+                <a:solidFill>
+                  <a:srgbClr val="FFFFFF"/>
                 </a:solidFill>
               </a:uFill>
               <a:latin typeface="Arial"/>
@@ -7639,29 +8299,29 @@
               <a:buChar char=""/>
             </a:pPr>
             <a:r>
-              <a:rPr b="0" lang="en-GB" sz="2800" spc="-1" strike="noStrike" u="sng">
-                <a:solidFill>
-                  <a:srgbClr val="0000ff"/>
-                </a:solidFill>
-                <a:uFill>
-                  <a:solidFill>
-                    <a:srgbClr val="ffffff"/>
+              <a:rPr lang="en-GB" sz="2800" b="0" u="sng" strike="noStrike" spc="-1">
+                <a:solidFill>
+                  <a:srgbClr val="0000FF"/>
+                </a:solidFill>
+                <a:uFill>
+                  <a:solidFill>
+                    <a:srgbClr val="FFFFFF"/>
                   </a:solidFill>
                 </a:uFill>
                 <a:latin typeface="Arial"/>
                 <a:ea typeface="DejaVu Sans"/>
-                <a:hlinkClick r:id="rId1"/>
+                <a:hlinkClick r:id="rId2"/>
               </a:rPr>
               <a:t>http://students.aberrobotics.club/committee</a:t>
             </a:r>
             <a:r>
-              <a:rPr b="0" lang="en-GB" sz="2800" spc="-1" strike="noStrike">
-                <a:solidFill>
-                  <a:srgbClr val="000000"/>
-                </a:solidFill>
-                <a:uFill>
-                  <a:solidFill>
-                    <a:srgbClr val="ffffff"/>
+              <a:rPr lang="en-GB" sz="2800" b="0" strike="noStrike" spc="-1">
+                <a:solidFill>
+                  <a:srgbClr val="000000"/>
+                </a:solidFill>
+                <a:uFill>
+                  <a:solidFill>
+                    <a:srgbClr val="FFFFFF"/>
                   </a:solidFill>
                 </a:uFill>
                 <a:latin typeface="Arial"/>
@@ -7669,13 +8329,13 @@
               </a:rPr>
               <a:t> </a:t>
             </a:r>
-            <a:endParaRPr b="0" lang="en-GB" sz="1800" spc="-1" strike="noStrike">
-              <a:solidFill>
-                <a:srgbClr val="000000"/>
-              </a:solidFill>
-              <a:uFill>
-                <a:solidFill>
-                  <a:srgbClr val="ffffff"/>
+            <a:endParaRPr lang="en-GB" sz="1800" b="0" strike="noStrike" spc="-1">
+              <a:solidFill>
+                <a:srgbClr val="000000"/>
+              </a:solidFill>
+              <a:uFill>
+                <a:solidFill>
+                  <a:srgbClr val="FFFFFF"/>
                 </a:solidFill>
               </a:uFill>
               <a:latin typeface="Arial"/>
@@ -7685,30 +8345,7 @@
       </p:sp>
       <p:pic>
         <p:nvPicPr>
-          <p:cNvPr id="104" name="Picture 3" descr=""/>
-          <p:cNvPicPr/>
-          <p:nvPr/>
-        </p:nvPicPr>
-        <p:blipFill>
-          <a:blip r:embed="rId2"/>
-          <a:stretch/>
-        </p:blipFill>
-        <p:spPr>
-          <a:xfrm>
-            <a:off x="0" y="0"/>
-            <a:ext cx="10076400" cy="1046880"/>
-          </a:xfrm>
-          <a:prstGeom prst="rect">
-            <a:avLst/>
-          </a:prstGeom>
-          <a:ln>
-            <a:noFill/>
-          </a:ln>
-        </p:spPr>
-      </p:pic>
-      <p:pic>
-        <p:nvPicPr>
-          <p:cNvPr id="105" name="Picture 4" descr=""/>
+          <p:cNvPr id="104" name="Picture 3"/>
           <p:cNvPicPr/>
           <p:nvPr/>
         </p:nvPicPr>
@@ -7718,6 +8355,29 @@
         </p:blipFill>
         <p:spPr>
           <a:xfrm>
+            <a:off x="0" y="0"/>
+            <a:ext cx="10076400" cy="1046880"/>
+          </a:xfrm>
+          <a:prstGeom prst="rect">
+            <a:avLst/>
+          </a:prstGeom>
+          <a:ln>
+            <a:noFill/>
+          </a:ln>
+        </p:spPr>
+      </p:pic>
+      <p:pic>
+        <p:nvPicPr>
+          <p:cNvPr id="105" name="Picture 4"/>
+          <p:cNvPicPr/>
+          <p:nvPr/>
+        </p:nvPicPr>
+        <p:blipFill>
+          <a:blip r:embed="rId4"/>
+          <a:stretch/>
+        </p:blipFill>
+        <p:spPr>
+          <a:xfrm>
             <a:off x="39240" y="0"/>
             <a:ext cx="1066320" cy="1074960"/>
           </a:xfrm>
@@ -7749,13 +8409,20 @@
           </a:ln>
         </p:spPr>
         <p:style>
-          <a:lnRef idx="0"/>
-          <a:fillRef idx="0"/>
-          <a:effectRef idx="0"/>
+          <a:lnRef idx="0">
+            <a:scrgbClr r="0" g="0" b="0"/>
+          </a:lnRef>
+          <a:fillRef idx="0">
+            <a:scrgbClr r="0" g="0" b="0"/>
+          </a:fillRef>
+          <a:effectRef idx="0">
+            <a:scrgbClr r="0" g="0" b="0"/>
+          </a:effectRef>
           <a:fontRef idx="minor"/>
         </p:style>
         <p:txBody>
-          <a:bodyPr lIns="90000" rIns="90000" tIns="45000" bIns="45000"/>
+          <a:bodyPr lIns="90000" tIns="45000" rIns="90000" bIns="45000"/>
+          <a:lstStyle/>
           <a:p>
             <a:pPr>
               <a:lnSpc>
@@ -7763,13 +8430,13 @@
               </a:lnSpc>
             </a:pPr>
             <a:r>
-              <a:rPr b="1" lang="en-GB" sz="3200" spc="-1" strike="noStrike">
-                <a:solidFill>
-                  <a:srgbClr val="000000"/>
-                </a:solidFill>
-                <a:uFill>
-                  <a:solidFill>
-                    <a:srgbClr val="ffffff"/>
+              <a:rPr lang="en-GB" sz="3200" b="1" strike="noStrike" spc="-1">
+                <a:solidFill>
+                  <a:srgbClr val="000000"/>
+                </a:solidFill>
+                <a:uFill>
+                  <a:solidFill>
+                    <a:srgbClr val="FFFFFF"/>
                   </a:solidFill>
                 </a:uFill>
                 <a:latin typeface="Eras Bold ITC"/>
@@ -7777,13 +8444,13 @@
               </a:rPr>
               <a:t>www.students.aberrobotics.club</a:t>
             </a:r>
-            <a:endParaRPr b="0" lang="en-GB" sz="1800" spc="-1" strike="noStrike">
-              <a:solidFill>
-                <a:srgbClr val="000000"/>
-              </a:solidFill>
-              <a:uFill>
-                <a:solidFill>
-                  <a:srgbClr val="ffffff"/>
+            <a:endParaRPr lang="en-GB" sz="1800" b="0" strike="noStrike" spc="-1">
+              <a:solidFill>
+                <a:srgbClr val="000000"/>
+              </a:solidFill>
+              <a:uFill>
+                <a:solidFill>
+                  <a:srgbClr val="FFFFFF"/>
                 </a:solidFill>
               </a:uFill>
               <a:latin typeface="Arial"/>
@@ -7793,22 +8460,25 @@
       </p:sp>
     </p:spTree>
   </p:cSld>
+  <p:clrMapOvr>
+    <a:masterClrMapping/>
+  </p:clrMapOvr>
   <p:timing>
     <p:tnLst>
       <p:par>
-        <p:cTn id="13" dur="indefinite" restart="never" nodeType="tmRoot">
+        <p:cTn id="1" dur="indefinite" restart="never" nodeType="tmRoot">
           <p:childTnLst>
             <p:seq>
-              <p:cTn id="14" nodeType="mainSeq"/>
+              <p:cTn id="2" nodeType="mainSeq"/>
               <p:prevCondLst>
-                <p:cond delay="0" evt="onPrev">
+                <p:cond evt="onPrev" delay="0">
                   <p:tgtEl>
                     <p:sldTgt/>
                   </p:tgtEl>
                 </p:cond>
               </p:prevCondLst>
               <p:nextCondLst>
-                <p:cond delay="0" evt="onNext">
+                <p:cond evt="onNext" delay="0">
                   <p:tgtEl>
                     <p:sldTgt/>
                   </p:tgtEl>
@@ -7824,7 +8494,7 @@
 </file>
 
 <file path=ppt/slides/slide8.xml><?xml version="1.0" encoding="utf-8"?>
-<p:sld xmlns:a="http://schemas.openxmlformats.org/drawingml/2006/main" xmlns:p="http://schemas.openxmlformats.org/presentationml/2006/main" xmlns:r="http://schemas.openxmlformats.org/officeDocument/2006/relationships" xmlns:p14="http://schemas.microsoft.com/office/powerpoint/2010/main" xmlns:p15="http://schemas.microsoft.com/office/powerpoint/2012/main" xmlns:mc="http://schemas.openxmlformats.org/markup-compatibility/2006">
+<p:sld xmlns:a="http://schemas.openxmlformats.org/drawingml/2006/main" xmlns:r="http://schemas.openxmlformats.org/officeDocument/2006/relationships" xmlns:p="http://schemas.openxmlformats.org/presentationml/2006/main">
   <p:cSld>
     <p:spTree>
       <p:nvGrpSpPr>
@@ -7860,13 +8530,20 @@
           </a:ln>
         </p:spPr>
         <p:style>
-          <a:lnRef idx="0"/>
-          <a:fillRef idx="0"/>
-          <a:effectRef idx="0"/>
+          <a:lnRef idx="0">
+            <a:scrgbClr r="0" g="0" b="0"/>
+          </a:lnRef>
+          <a:fillRef idx="0">
+            <a:scrgbClr r="0" g="0" b="0"/>
+          </a:fillRef>
+          <a:effectRef idx="0">
+            <a:scrgbClr r="0" g="0" b="0"/>
+          </a:effectRef>
           <a:fontRef idx="minor"/>
         </p:style>
         <p:txBody>
-          <a:bodyPr lIns="0" rIns="0" tIns="0" bIns="0" anchor="ctr"/>
+          <a:bodyPr lIns="0" tIns="0" rIns="0" bIns="0" anchor="ctr"/>
+          <a:lstStyle/>
           <a:p>
             <a:pPr algn="ctr">
               <a:lnSpc>
@@ -7874,13 +8551,13 @@
               </a:lnSpc>
             </a:pPr>
             <a:r>
-              <a:rPr b="0" lang="en-GB" sz="4400" spc="-1" strike="noStrike">
-                <a:solidFill>
-                  <a:srgbClr val="000000"/>
-                </a:solidFill>
-                <a:uFill>
-                  <a:solidFill>
-                    <a:srgbClr val="ffffff"/>
+              <a:rPr lang="en-GB" sz="4400" b="0" strike="noStrike" spc="-1">
+                <a:solidFill>
+                  <a:srgbClr val="000000"/>
+                </a:solidFill>
+                <a:uFill>
+                  <a:solidFill>
+                    <a:srgbClr val="FFFFFF"/>
                   </a:solidFill>
                 </a:uFill>
                 <a:latin typeface="Arial"/>
@@ -7888,13 +8565,13 @@
               </a:rPr>
               <a:t>Science Week 2018</a:t>
             </a:r>
-            <a:endParaRPr b="0" lang="en-GB" sz="1800" spc="-1" strike="noStrike">
-              <a:solidFill>
-                <a:srgbClr val="000000"/>
-              </a:solidFill>
-              <a:uFill>
-                <a:solidFill>
-                  <a:srgbClr val="ffffff"/>
+            <a:endParaRPr lang="en-GB" sz="1800" b="0" strike="noStrike" spc="-1">
+              <a:solidFill>
+                <a:srgbClr val="000000"/>
+              </a:solidFill>
+              <a:uFill>
+                <a:solidFill>
+                  <a:srgbClr val="FFFFFF"/>
                 </a:solidFill>
               </a:uFill>
               <a:latin typeface="Arial"/>
@@ -7907,42 +8584,27 @@
               </a:lnSpc>
             </a:pPr>
             <a:r>
-              <a:rPr b="0" lang="en-GB" sz="4400" spc="-1" strike="noStrike">
-                <a:solidFill>
-                  <a:srgbClr val="000000"/>
-                </a:solidFill>
-                <a:uFill>
-                  <a:solidFill>
-                    <a:srgbClr val="ffffff"/>
+              <a:rPr lang="en-GB" sz="4400" b="0" strike="noStrike" spc="-1">
+                <a:solidFill>
+                  <a:srgbClr val="000000"/>
+                </a:solidFill>
+                <a:uFill>
+                  <a:solidFill>
+                    <a:srgbClr val="FFFFFF"/>
                   </a:solidFill>
                 </a:uFill>
                 <a:latin typeface="Arial"/>
                 <a:ea typeface="DejaVu Sans"/>
               </a:rPr>
-              <a:t>“</a:t>
-            </a:r>
-            <a:r>
-              <a:rPr b="0" lang="en-GB" sz="4400" spc="-1" strike="noStrike">
-                <a:solidFill>
-                  <a:srgbClr val="000000"/>
-                </a:solidFill>
-                <a:uFill>
-                  <a:solidFill>
-                    <a:srgbClr val="ffffff"/>
-                  </a:solidFill>
-                </a:uFill>
-                <a:latin typeface="Arial"/>
-                <a:ea typeface="DejaVu Sans"/>
-              </a:rPr>
-              <a:t>Exploration and Discovery”</a:t>
-            </a:r>
-            <a:endParaRPr b="0" lang="en-GB" sz="1800" spc="-1" strike="noStrike">
-              <a:solidFill>
-                <a:srgbClr val="000000"/>
-              </a:solidFill>
-              <a:uFill>
-                <a:solidFill>
-                  <a:srgbClr val="ffffff"/>
+              <a:t>“Exploration and Discovery”</a:t>
+            </a:r>
+            <a:endParaRPr lang="en-GB" sz="1800" b="0" strike="noStrike" spc="-1">
+              <a:solidFill>
+                <a:srgbClr val="000000"/>
+              </a:solidFill>
+              <a:uFill>
+                <a:solidFill>
+                  <a:srgbClr val="FFFFFF"/>
                 </a:solidFill>
               </a:uFill>
               <a:latin typeface="Arial"/>
@@ -7970,13 +8632,20 @@
           </a:ln>
         </p:spPr>
         <p:style>
-          <a:lnRef idx="0"/>
-          <a:fillRef idx="0"/>
-          <a:effectRef idx="0"/>
+          <a:lnRef idx="0">
+            <a:scrgbClr r="0" g="0" b="0"/>
+          </a:lnRef>
+          <a:fillRef idx="0">
+            <a:scrgbClr r="0" g="0" b="0"/>
+          </a:fillRef>
+          <a:effectRef idx="0">
+            <a:scrgbClr r="0" g="0" b="0"/>
+          </a:effectRef>
           <a:fontRef idx="minor"/>
         </p:style>
         <p:txBody>
-          <a:bodyPr lIns="0" rIns="0" tIns="0" bIns="0"/>
+          <a:bodyPr lIns="0" tIns="0" rIns="0" bIns="0"/>
+          <a:lstStyle/>
           <a:p>
             <a:pPr marL="432000" indent="-320400">
               <a:lnSpc>
@@ -7990,132 +8659,57 @@
               <a:buChar char=""/>
             </a:pPr>
             <a:r>
-              <a:rPr b="0" lang="en-GB" sz="2800" spc="-1" strike="noStrike">
-                <a:solidFill>
-                  <a:srgbClr val="000000"/>
-                </a:solidFill>
-                <a:uFill>
-                  <a:solidFill>
-                    <a:srgbClr val="ffffff"/>
+              <a:rPr lang="en-GB" sz="2800" b="0" strike="noStrike" spc="-1" dirty="0">
+                <a:solidFill>
+                  <a:srgbClr val="000000"/>
+                </a:solidFill>
+                <a:uFill>
+                  <a:solidFill>
+                    <a:srgbClr val="FFFFFF"/>
                   </a:solidFill>
                 </a:uFill>
                 <a:latin typeface="Arial"/>
                 <a:ea typeface="DejaVu Sans"/>
               </a:rPr>
-              <a:t>13</a:t>
-            </a:r>
-            <a:r>
-              <a:rPr b="0" lang="en-GB" sz="2800" spc="-1" strike="noStrike" baseline="101000">
-                <a:solidFill>
-                  <a:srgbClr val="000000"/>
-                </a:solidFill>
-                <a:uFill>
-                  <a:solidFill>
-                    <a:srgbClr val="ffffff"/>
+              <a:t>13th, </a:t>
+            </a:r>
+            <a:r>
+              <a:rPr lang="en-GB" sz="2800" b="1" u="sng" strike="noStrike" spc="-1" dirty="0">
+                <a:solidFill>
+                  <a:srgbClr val="000000"/>
+                </a:solidFill>
+                <a:uFill>
+                  <a:solidFill>
+                    <a:srgbClr val="FFFFFF"/>
                   </a:solidFill>
                 </a:uFill>
                 <a:latin typeface="Arial"/>
                 <a:ea typeface="DejaVu Sans"/>
               </a:rPr>
-              <a:t>th</a:t>
-            </a:r>
-            <a:r>
-              <a:rPr b="0" lang="en-GB" sz="2800" spc="-1" strike="noStrike">
-                <a:solidFill>
-                  <a:srgbClr val="000000"/>
-                </a:solidFill>
-                <a:uFill>
-                  <a:solidFill>
-                    <a:srgbClr val="ffffff"/>
+              <a:t>14th</a:t>
+            </a:r>
+            <a:r>
+              <a:rPr lang="en-GB" sz="2800" b="0" strike="noStrike" spc="-1" dirty="0">
+                <a:solidFill>
+                  <a:srgbClr val="000000"/>
+                </a:solidFill>
+                <a:uFill>
+                  <a:solidFill>
+                    <a:srgbClr val="FFFFFF"/>
                   </a:solidFill>
                 </a:uFill>
                 <a:latin typeface="Arial"/>
                 <a:ea typeface="DejaVu Sans"/>
               </a:rPr>
-              <a:t>, </a:t>
-            </a:r>
-            <a:r>
-              <a:rPr b="1" lang="en-GB" sz="2800" spc="-1" strike="noStrike" u="sng">
-                <a:solidFill>
-                  <a:srgbClr val="000000"/>
-                </a:solidFill>
-                <a:uFill>
-                  <a:solidFill>
-                    <a:srgbClr val="ffffff"/>
-                  </a:solidFill>
-                </a:uFill>
-                <a:latin typeface="Arial"/>
-                <a:ea typeface="DejaVu Sans"/>
-              </a:rPr>
-              <a:t>14</a:t>
-            </a:r>
-            <a:r>
-              <a:rPr b="1" lang="en-GB" sz="2800" spc="-1" strike="noStrike" u="sng" baseline="101000">
-                <a:solidFill>
-                  <a:srgbClr val="000000"/>
-                </a:solidFill>
-                <a:uFill>
-                  <a:solidFill>
-                    <a:srgbClr val="ffffff"/>
-                  </a:solidFill>
-                </a:uFill>
-                <a:latin typeface="Arial"/>
-                <a:ea typeface="DejaVu Sans"/>
-              </a:rPr>
-              <a:t>th</a:t>
-            </a:r>
-            <a:r>
-              <a:rPr b="0" lang="en-GB" sz="2800" spc="-1" strike="noStrike">
-                <a:solidFill>
-                  <a:srgbClr val="000000"/>
-                </a:solidFill>
-                <a:uFill>
-                  <a:solidFill>
-                    <a:srgbClr val="ffffff"/>
-                  </a:solidFill>
-                </a:uFill>
-                <a:latin typeface="Arial"/>
-                <a:ea typeface="DejaVu Sans"/>
-              </a:rPr>
-              <a:t> and 15</a:t>
-            </a:r>
-            <a:r>
-              <a:rPr b="0" lang="en-GB" sz="2800" spc="-1" strike="noStrike" baseline="101000">
-                <a:solidFill>
-                  <a:srgbClr val="000000"/>
-                </a:solidFill>
-                <a:uFill>
-                  <a:solidFill>
-                    <a:srgbClr val="ffffff"/>
-                  </a:solidFill>
-                </a:uFill>
-                <a:latin typeface="Arial"/>
-                <a:ea typeface="DejaVu Sans"/>
-              </a:rPr>
-              <a:t>th</a:t>
-            </a:r>
-            <a:r>
-              <a:rPr b="0" lang="en-GB" sz="2800" spc="-1" strike="noStrike">
-                <a:solidFill>
-                  <a:srgbClr val="000000"/>
-                </a:solidFill>
-                <a:uFill>
-                  <a:solidFill>
-                    <a:srgbClr val="ffffff"/>
-                  </a:solidFill>
-                </a:uFill>
-                <a:latin typeface="Arial"/>
-                <a:ea typeface="DejaVu Sans"/>
-              </a:rPr>
-              <a:t> of March 2018</a:t>
-            </a:r>
-            <a:endParaRPr b="0" lang="en-GB" sz="1800" spc="-1" strike="noStrike">
-              <a:solidFill>
-                <a:srgbClr val="000000"/>
-              </a:solidFill>
-              <a:uFill>
-                <a:solidFill>
-                  <a:srgbClr val="ffffff"/>
+              <a:t> and 15th of March 2018</a:t>
+            </a:r>
+            <a:endParaRPr lang="en-GB" sz="1800" b="0" strike="noStrike" spc="-1" dirty="0">
+              <a:solidFill>
+                <a:srgbClr val="000000"/>
+              </a:solidFill>
+              <a:uFill>
+                <a:solidFill>
+                  <a:srgbClr val="FFFFFF"/>
                 </a:solidFill>
               </a:uFill>
               <a:latin typeface="Arial"/>
@@ -8134,13 +8728,13 @@
               <a:buChar char=""/>
             </a:pPr>
             <a:r>
-              <a:rPr b="0" lang="en-GB" sz="2800" spc="-1" strike="noStrike">
-                <a:solidFill>
-                  <a:srgbClr val="000000"/>
-                </a:solidFill>
-                <a:uFill>
-                  <a:solidFill>
-                    <a:srgbClr val="ffffff"/>
+              <a:rPr lang="en-GB" sz="2800" b="0" strike="noStrike" spc="-1" dirty="0">
+                <a:solidFill>
+                  <a:srgbClr val="000000"/>
+                </a:solidFill>
+                <a:uFill>
+                  <a:solidFill>
+                    <a:srgbClr val="FFFFFF"/>
                   </a:solidFill>
                 </a:uFill>
                 <a:latin typeface="Arial"/>
@@ -8149,13 +8743,13 @@
               <a:t>University </a:t>
             </a:r>
             <a:r>
-              <a:rPr b="1" lang="en-GB" sz="2800" spc="-1" strike="noStrike" u="sng">
-                <a:solidFill>
-                  <a:srgbClr val="000000"/>
-                </a:solidFill>
-                <a:uFill>
-                  <a:solidFill>
-                    <a:srgbClr val="ffffff"/>
+              <a:rPr lang="en-GB" sz="2800" b="1" u="sng" strike="noStrike" spc="-1" dirty="0">
+                <a:solidFill>
+                  <a:srgbClr val="000000"/>
+                </a:solidFill>
+                <a:uFill>
+                  <a:solidFill>
+                    <a:srgbClr val="FFFFFF"/>
                   </a:solidFill>
                 </a:uFill>
                 <a:latin typeface="Arial"/>
@@ -8163,13 +8757,13 @@
               </a:rPr>
               <a:t>Sports Cage</a:t>
             </a:r>
-            <a:endParaRPr b="0" lang="en-GB" sz="1800" spc="-1" strike="noStrike">
-              <a:solidFill>
-                <a:srgbClr val="000000"/>
-              </a:solidFill>
-              <a:uFill>
-                <a:solidFill>
-                  <a:srgbClr val="ffffff"/>
+            <a:endParaRPr lang="en-GB" sz="1800" b="0" strike="noStrike" spc="-1" dirty="0">
+              <a:solidFill>
+                <a:srgbClr val="000000"/>
+              </a:solidFill>
+              <a:uFill>
+                <a:solidFill>
+                  <a:srgbClr val="FFFFFF"/>
                 </a:solidFill>
               </a:uFill>
               <a:latin typeface="Arial"/>
@@ -8188,13 +8782,13 @@
               <a:buChar char=""/>
             </a:pPr>
             <a:r>
-              <a:rPr b="0" lang="en-GB" sz="2800" spc="-1" strike="noStrike">
-                <a:solidFill>
-                  <a:srgbClr val="000000"/>
-                </a:solidFill>
-                <a:uFill>
-                  <a:solidFill>
-                    <a:srgbClr val="ffffff"/>
+              <a:rPr lang="en-GB" sz="2800" b="0" strike="noStrike" spc="-1" dirty="0">
+                <a:solidFill>
+                  <a:srgbClr val="000000"/>
+                </a:solidFill>
+                <a:uFill>
+                  <a:solidFill>
+                    <a:srgbClr val="FFFFFF"/>
                   </a:solidFill>
                 </a:uFill>
                 <a:latin typeface="Arial"/>
@@ -8203,13 +8797,13 @@
               <a:t>Open to the public </a:t>
             </a:r>
             <a:r>
-              <a:rPr b="1" lang="en-GB" sz="2800" spc="-1" strike="noStrike" u="sng">
-                <a:solidFill>
-                  <a:srgbClr val="000000"/>
-                </a:solidFill>
-                <a:uFill>
-                  <a:solidFill>
-                    <a:srgbClr val="ffffff"/>
+              <a:rPr lang="en-GB" sz="2800" b="1" u="sng" strike="noStrike" spc="-1" dirty="0">
+                <a:solidFill>
+                  <a:srgbClr val="000000"/>
+                </a:solidFill>
+                <a:uFill>
+                  <a:solidFill>
+                    <a:srgbClr val="FFFFFF"/>
                   </a:solidFill>
                 </a:uFill>
                 <a:latin typeface="Arial"/>
@@ -8218,13 +8812,13 @@
               <a:t>Wednesday</a:t>
             </a:r>
             <a:r>
-              <a:rPr b="0" lang="en-GB" sz="2800" spc="-1" strike="noStrike">
-                <a:solidFill>
-                  <a:srgbClr val="000000"/>
-                </a:solidFill>
-                <a:uFill>
-                  <a:solidFill>
-                    <a:srgbClr val="ffffff"/>
+              <a:rPr lang="en-GB" sz="2800" b="0" strike="noStrike" spc="-1" dirty="0">
+                <a:solidFill>
+                  <a:srgbClr val="000000"/>
+                </a:solidFill>
+                <a:uFill>
+                  <a:solidFill>
+                    <a:srgbClr val="FFFFFF"/>
                   </a:solidFill>
                 </a:uFill>
                 <a:latin typeface="Arial"/>
@@ -8232,13 +8826,13 @@
               </a:rPr>
               <a:t> between 4-6PM</a:t>
             </a:r>
-            <a:endParaRPr b="0" lang="en-GB" sz="1800" spc="-1" strike="noStrike">
-              <a:solidFill>
-                <a:srgbClr val="000000"/>
-              </a:solidFill>
-              <a:uFill>
-                <a:solidFill>
-                  <a:srgbClr val="ffffff"/>
+            <a:endParaRPr lang="en-GB" sz="1800" b="0" strike="noStrike" spc="-1" dirty="0">
+              <a:solidFill>
+                <a:srgbClr val="000000"/>
+              </a:solidFill>
+              <a:uFill>
+                <a:solidFill>
+                  <a:srgbClr val="FFFFFF"/>
                 </a:solidFill>
               </a:uFill>
               <a:latin typeface="Arial"/>
@@ -8257,13 +8851,13 @@
               <a:buChar char=""/>
             </a:pPr>
             <a:r>
-              <a:rPr b="1" lang="en-GB" sz="2800" spc="-1" strike="noStrike" u="sng">
-                <a:solidFill>
-                  <a:srgbClr val="000000"/>
-                </a:solidFill>
-                <a:uFill>
-                  <a:solidFill>
-                    <a:srgbClr val="ffffff"/>
+              <a:rPr lang="en-GB" sz="2800" b="1" u="sng" strike="noStrike" spc="-1" dirty="0">
+                <a:solidFill>
+                  <a:srgbClr val="000000"/>
+                </a:solidFill>
+                <a:uFill>
+                  <a:solidFill>
+                    <a:srgbClr val="FFFFFF"/>
                   </a:solidFill>
                 </a:uFill>
                 <a:latin typeface="Arial"/>
@@ -8272,13 +8866,13 @@
               <a:t>Meeting will be 3:30-5:30PM instead of 1:30-3PM</a:t>
             </a:r>
             <a:r>
-              <a:rPr b="0" lang="en-GB" sz="2800" spc="-1" strike="noStrike">
-                <a:solidFill>
-                  <a:srgbClr val="000000"/>
-                </a:solidFill>
-                <a:uFill>
-                  <a:solidFill>
-                    <a:srgbClr val="ffffff"/>
+              <a:rPr lang="en-GB" sz="2800" b="0" strike="noStrike" spc="-1" dirty="0">
+                <a:solidFill>
+                  <a:srgbClr val="000000"/>
+                </a:solidFill>
+                <a:uFill>
+                  <a:solidFill>
+                    <a:srgbClr val="FFFFFF"/>
                   </a:solidFill>
                 </a:uFill>
                 <a:latin typeface="Arial"/>
@@ -8286,13 +8880,13 @@
               </a:rPr>
               <a:t> </a:t>
             </a:r>
-            <a:endParaRPr b="0" lang="en-GB" sz="1800" spc="-1" strike="noStrike">
-              <a:solidFill>
-                <a:srgbClr val="000000"/>
-              </a:solidFill>
-              <a:uFill>
-                <a:solidFill>
-                  <a:srgbClr val="ffffff"/>
+            <a:endParaRPr lang="en-GB" sz="1800" b="0" strike="noStrike" spc="-1" dirty="0">
+              <a:solidFill>
+                <a:srgbClr val="000000"/>
+              </a:solidFill>
+              <a:uFill>
+                <a:solidFill>
+                  <a:srgbClr val="FFFFFF"/>
                 </a:solidFill>
               </a:uFill>
               <a:latin typeface="Arial"/>
@@ -8311,13 +8905,13 @@
               <a:buChar char=""/>
             </a:pPr>
             <a:r>
-              <a:rPr b="0" lang="en-GB" sz="2800" spc="-1" strike="noStrike">
-                <a:solidFill>
-                  <a:srgbClr val="000000"/>
-                </a:solidFill>
-                <a:uFill>
-                  <a:solidFill>
-                    <a:srgbClr val="ffffff"/>
+              <a:rPr lang="en-GB" sz="2800" b="0" strike="noStrike" spc="-1" dirty="0">
+                <a:solidFill>
+                  <a:srgbClr val="000000"/>
+                </a:solidFill>
+                <a:uFill>
+                  <a:solidFill>
+                    <a:srgbClr val="FFFFFF"/>
                   </a:solidFill>
                 </a:uFill>
                 <a:latin typeface="Arial"/>
@@ -8325,20 +8919,20 @@
               </a:rPr>
               <a:t>Your robots will be on display with the ARC</a:t>
             </a:r>
-            <a:endParaRPr b="0" lang="en-GB" sz="1800" spc="-1" strike="noStrike">
-              <a:solidFill>
-                <a:srgbClr val="000000"/>
-              </a:solidFill>
-              <a:uFill>
-                <a:solidFill>
-                  <a:srgbClr val="ffffff"/>
-                </a:solidFill>
-              </a:uFill>
-              <a:latin typeface="Arial"/>
-            </a:endParaRPr>
-          </a:p>
-          <a:p>
-            <a:pPr lvl="3" marL="864000" indent="-215280">
+            <a:endParaRPr lang="en-GB" sz="1800" b="0" strike="noStrike" spc="-1" dirty="0">
+              <a:solidFill>
+                <a:srgbClr val="000000"/>
+              </a:solidFill>
+              <a:uFill>
+                <a:solidFill>
+                  <a:srgbClr val="FFFFFF"/>
+                </a:solidFill>
+              </a:uFill>
+              <a:latin typeface="Arial"/>
+            </a:endParaRPr>
+          </a:p>
+          <a:p>
+            <a:pPr marL="864000" lvl="3" indent="-215280">
               <a:lnSpc>
                 <a:spcPct val="100000"/>
               </a:lnSpc>
@@ -8350,13 +8944,13 @@
               <a:buChar char=""/>
             </a:pPr>
             <a:r>
-              <a:rPr b="0" lang="en-GB" sz="2800" spc="-1" strike="noStrike">
-                <a:solidFill>
-                  <a:srgbClr val="000000"/>
-                </a:solidFill>
-                <a:uFill>
-                  <a:solidFill>
-                    <a:srgbClr val="ffffff"/>
+              <a:rPr lang="en-GB" sz="2800" b="0" strike="noStrike" spc="-1" dirty="0">
+                <a:solidFill>
+                  <a:srgbClr val="000000"/>
+                </a:solidFill>
+                <a:uFill>
+                  <a:solidFill>
+                    <a:srgbClr val="FFFFFF"/>
                   </a:solidFill>
                 </a:uFill>
                 <a:latin typeface="Arial"/>
@@ -8364,20 +8958,20 @@
               </a:rPr>
               <a:t>Don’t come to the labs…</a:t>
             </a:r>
-            <a:endParaRPr b="0" lang="en-GB" sz="1800" spc="-1" strike="noStrike">
-              <a:solidFill>
-                <a:srgbClr val="000000"/>
-              </a:solidFill>
-              <a:uFill>
-                <a:solidFill>
-                  <a:srgbClr val="ffffff"/>
-                </a:solidFill>
-              </a:uFill>
-              <a:latin typeface="Arial"/>
-            </a:endParaRPr>
-          </a:p>
-          <a:p>
-            <a:pPr lvl="3" marL="864000" indent="-215280">
+            <a:endParaRPr lang="en-GB" sz="1800" b="0" strike="noStrike" spc="-1" dirty="0">
+              <a:solidFill>
+                <a:srgbClr val="000000"/>
+              </a:solidFill>
+              <a:uFill>
+                <a:solidFill>
+                  <a:srgbClr val="FFFFFF"/>
+                </a:solidFill>
+              </a:uFill>
+              <a:latin typeface="Arial"/>
+            </a:endParaRPr>
+          </a:p>
+          <a:p>
+            <a:pPr marL="864000" lvl="3" indent="-215280">
               <a:lnSpc>
                 <a:spcPct val="100000"/>
               </a:lnSpc>
@@ -8389,13 +8983,13 @@
               <a:buChar char=""/>
             </a:pPr>
             <a:r>
-              <a:rPr b="1" lang="en-GB" sz="2800" spc="-1" strike="noStrike" u="sng">
-                <a:solidFill>
-                  <a:srgbClr val="000000"/>
-                </a:solidFill>
-                <a:uFill>
-                  <a:solidFill>
-                    <a:srgbClr val="ffffff"/>
+              <a:rPr lang="en-GB" sz="2800" b="1" u="sng" strike="noStrike" spc="-1" dirty="0">
+                <a:solidFill>
+                  <a:srgbClr val="000000"/>
+                </a:solidFill>
+                <a:uFill>
+                  <a:solidFill>
+                    <a:srgbClr val="FFFFFF"/>
                   </a:solidFill>
                 </a:uFill>
                 <a:latin typeface="Arial"/>
@@ -8403,13 +8997,13 @@
               </a:rPr>
               <a:t>Go to the Sports Cage </a:t>
             </a:r>
-            <a:endParaRPr b="0" lang="en-GB" sz="1800" spc="-1" strike="noStrike">
-              <a:solidFill>
-                <a:srgbClr val="000000"/>
-              </a:solidFill>
-              <a:uFill>
-                <a:solidFill>
-                  <a:srgbClr val="ffffff"/>
+            <a:endParaRPr lang="en-GB" sz="1800" b="0" strike="noStrike" spc="-1" dirty="0">
+              <a:solidFill>
+                <a:srgbClr val="000000"/>
+              </a:solidFill>
+              <a:uFill>
+                <a:solidFill>
+                  <a:srgbClr val="FFFFFF"/>
                 </a:solidFill>
               </a:uFill>
               <a:latin typeface="Arial"/>
@@ -8428,13 +9022,13 @@
               <a:buChar char=""/>
             </a:pPr>
             <a:r>
-              <a:rPr b="0" lang="en-GB" sz="2800" spc="-1" strike="noStrike">
-                <a:solidFill>
-                  <a:srgbClr val="000000"/>
-                </a:solidFill>
-                <a:uFill>
-                  <a:solidFill>
-                    <a:srgbClr val="ffffff"/>
+              <a:rPr lang="en-GB" sz="2800" b="0" strike="noStrike" spc="-1" dirty="0">
+                <a:solidFill>
+                  <a:srgbClr val="000000"/>
+                </a:solidFill>
+                <a:uFill>
+                  <a:solidFill>
+                    <a:srgbClr val="FFFFFF"/>
                   </a:solidFill>
                 </a:uFill>
                 <a:latin typeface="Arial"/>
@@ -8442,13 +9036,13 @@
               </a:rPr>
               <a:t>A chance to show and explain how the robots work, or just carry on developing them.</a:t>
             </a:r>
-            <a:endParaRPr b="0" lang="en-GB" sz="1800" spc="-1" strike="noStrike">
-              <a:solidFill>
-                <a:srgbClr val="000000"/>
-              </a:solidFill>
-              <a:uFill>
-                <a:solidFill>
-                  <a:srgbClr val="ffffff"/>
+            <a:endParaRPr lang="en-GB" sz="1800" b="0" strike="noStrike" spc="-1" dirty="0">
+              <a:solidFill>
+                <a:srgbClr val="000000"/>
+              </a:solidFill>
+              <a:uFill>
+                <a:solidFill>
+                  <a:srgbClr val="FFFFFF"/>
                 </a:solidFill>
               </a:uFill>
               <a:latin typeface="Arial"/>
@@ -8458,30 +9052,7 @@
       </p:sp>
       <p:pic>
         <p:nvPicPr>
-          <p:cNvPr id="109" name="Picture 3" descr=""/>
-          <p:cNvPicPr/>
-          <p:nvPr/>
-        </p:nvPicPr>
-        <p:blipFill>
-          <a:blip r:embed="rId1"/>
-          <a:stretch/>
-        </p:blipFill>
-        <p:spPr>
-          <a:xfrm>
-            <a:off x="0" y="0"/>
-            <a:ext cx="10076400" cy="1046880"/>
-          </a:xfrm>
-          <a:prstGeom prst="rect">
-            <a:avLst/>
-          </a:prstGeom>
-          <a:ln>
-            <a:noFill/>
-          </a:ln>
-        </p:spPr>
-      </p:pic>
-      <p:pic>
-        <p:nvPicPr>
-          <p:cNvPr id="110" name="Picture 4" descr=""/>
+          <p:cNvPr id="109" name="Picture 3"/>
           <p:cNvPicPr/>
           <p:nvPr/>
         </p:nvPicPr>
@@ -8491,6 +9062,29 @@
         </p:blipFill>
         <p:spPr>
           <a:xfrm>
+            <a:off x="0" y="0"/>
+            <a:ext cx="10076400" cy="1046880"/>
+          </a:xfrm>
+          <a:prstGeom prst="rect">
+            <a:avLst/>
+          </a:prstGeom>
+          <a:ln>
+            <a:noFill/>
+          </a:ln>
+        </p:spPr>
+      </p:pic>
+      <p:pic>
+        <p:nvPicPr>
+          <p:cNvPr id="110" name="Picture 4"/>
+          <p:cNvPicPr/>
+          <p:nvPr/>
+        </p:nvPicPr>
+        <p:blipFill>
+          <a:blip r:embed="rId3"/>
+          <a:stretch/>
+        </p:blipFill>
+        <p:spPr>
+          <a:xfrm>
             <a:off x="39240" y="0"/>
             <a:ext cx="1066320" cy="1074960"/>
           </a:xfrm>
@@ -8522,13 +9116,20 @@
           </a:ln>
         </p:spPr>
         <p:style>
-          <a:lnRef idx="0"/>
-          <a:fillRef idx="0"/>
-          <a:effectRef idx="0"/>
+          <a:lnRef idx="0">
+            <a:scrgbClr r="0" g="0" b="0"/>
+          </a:lnRef>
+          <a:fillRef idx="0">
+            <a:scrgbClr r="0" g="0" b="0"/>
+          </a:fillRef>
+          <a:effectRef idx="0">
+            <a:scrgbClr r="0" g="0" b="0"/>
+          </a:effectRef>
           <a:fontRef idx="minor"/>
         </p:style>
         <p:txBody>
-          <a:bodyPr lIns="90000" rIns="90000" tIns="45000" bIns="45000"/>
+          <a:bodyPr lIns="90000" tIns="45000" rIns="90000" bIns="45000"/>
+          <a:lstStyle/>
           <a:p>
             <a:pPr>
               <a:lnSpc>
@@ -8536,13 +9137,13 @@
               </a:lnSpc>
             </a:pPr>
             <a:r>
-              <a:rPr b="1" lang="en-GB" sz="3200" spc="-1" strike="noStrike">
-                <a:solidFill>
-                  <a:srgbClr val="000000"/>
-                </a:solidFill>
-                <a:uFill>
-                  <a:solidFill>
-                    <a:srgbClr val="ffffff"/>
+              <a:rPr lang="en-GB" sz="3200" b="1" strike="noStrike" spc="-1">
+                <a:solidFill>
+                  <a:srgbClr val="000000"/>
+                </a:solidFill>
+                <a:uFill>
+                  <a:solidFill>
+                    <a:srgbClr val="FFFFFF"/>
                   </a:solidFill>
                 </a:uFill>
                 <a:latin typeface="Eras Bold ITC"/>
@@ -8550,13 +9151,13 @@
               </a:rPr>
               <a:t>www.students.aberrobotics.club</a:t>
             </a:r>
-            <a:endParaRPr b="0" lang="en-GB" sz="1800" spc="-1" strike="noStrike">
-              <a:solidFill>
-                <a:srgbClr val="000000"/>
-              </a:solidFill>
-              <a:uFill>
-                <a:solidFill>
-                  <a:srgbClr val="ffffff"/>
+            <a:endParaRPr lang="en-GB" sz="1800" b="0" strike="noStrike" spc="-1">
+              <a:solidFill>
+                <a:srgbClr val="000000"/>
+              </a:solidFill>
+              <a:uFill>
+                <a:solidFill>
+                  <a:srgbClr val="FFFFFF"/>
                 </a:solidFill>
               </a:uFill>
               <a:latin typeface="Arial"/>
@@ -8566,22 +9167,25 @@
       </p:sp>
     </p:spTree>
   </p:cSld>
+  <p:clrMapOvr>
+    <a:masterClrMapping/>
+  </p:clrMapOvr>
   <p:timing>
     <p:tnLst>
       <p:par>
-        <p:cTn id="15" dur="indefinite" restart="never" nodeType="tmRoot">
+        <p:cTn id="1" dur="indefinite" restart="never" nodeType="tmRoot">
           <p:childTnLst>
             <p:seq>
-              <p:cTn id="16" nodeType="mainSeq"/>
+              <p:cTn id="2" nodeType="mainSeq"/>
               <p:prevCondLst>
-                <p:cond delay="0" evt="onPrev">
+                <p:cond evt="onPrev" delay="0">
                   <p:tgtEl>
                     <p:sldTgt/>
                   </p:tgtEl>
                 </p:cond>
               </p:prevCondLst>
               <p:nextCondLst>
-                <p:cond delay="0" evt="onNext">
+                <p:cond evt="onNext" delay="0">
                   <p:tgtEl>
                     <p:sldTgt/>
                   </p:tgtEl>
@@ -8597,7 +9201,7 @@
 </file>
 
 <file path=ppt/slides/slide9.xml><?xml version="1.0" encoding="utf-8"?>
-<p:sld xmlns:a="http://schemas.openxmlformats.org/drawingml/2006/main" xmlns:p="http://schemas.openxmlformats.org/presentationml/2006/main" xmlns:r="http://schemas.openxmlformats.org/officeDocument/2006/relationships" xmlns:p14="http://schemas.microsoft.com/office/powerpoint/2010/main" xmlns:p15="http://schemas.microsoft.com/office/powerpoint/2012/main" xmlns:mc="http://schemas.openxmlformats.org/markup-compatibility/2006">
+<p:sld xmlns:a="http://schemas.openxmlformats.org/drawingml/2006/main" xmlns:r="http://schemas.openxmlformats.org/officeDocument/2006/relationships" xmlns:p="http://schemas.openxmlformats.org/presentationml/2006/main">
   <p:cSld>
     <p:spTree>
       <p:nvGrpSpPr>
@@ -8633,13 +9237,20 @@
           </a:ln>
         </p:spPr>
         <p:style>
-          <a:lnRef idx="0"/>
-          <a:fillRef idx="0"/>
-          <a:effectRef idx="0"/>
+          <a:lnRef idx="0">
+            <a:scrgbClr r="0" g="0" b="0"/>
+          </a:lnRef>
+          <a:fillRef idx="0">
+            <a:scrgbClr r="0" g="0" b="0"/>
+          </a:fillRef>
+          <a:effectRef idx="0">
+            <a:scrgbClr r="0" g="0" b="0"/>
+          </a:effectRef>
           <a:fontRef idx="minor"/>
         </p:style>
         <p:txBody>
-          <a:bodyPr lIns="0" rIns="0" tIns="0" bIns="0" anchor="ctr"/>
+          <a:bodyPr lIns="0" tIns="0" rIns="0" bIns="0" anchor="ctr"/>
+          <a:lstStyle/>
           <a:p>
             <a:pPr algn="ctr">
               <a:lnSpc>
@@ -8647,13 +9258,13 @@
               </a:lnSpc>
             </a:pPr>
             <a:r>
-              <a:rPr b="0" lang="en-GB" sz="4400" spc="-1" strike="noStrike">
-                <a:solidFill>
-                  <a:srgbClr val="000000"/>
-                </a:solidFill>
-                <a:uFill>
-                  <a:solidFill>
-                    <a:srgbClr val="ffffff"/>
+              <a:rPr lang="en-GB" sz="4400" b="0" strike="noStrike" spc="-1">
+                <a:solidFill>
+                  <a:srgbClr val="000000"/>
+                </a:solidFill>
+                <a:uFill>
+                  <a:solidFill>
+                    <a:srgbClr val="FFFFFF"/>
                   </a:solidFill>
                 </a:uFill>
                 <a:latin typeface="Arial"/>
@@ -8661,13 +9272,13 @@
               </a:rPr>
               <a:t>Guest Speakers</a:t>
             </a:r>
-            <a:endParaRPr b="0" lang="en-GB" sz="1800" spc="-1" strike="noStrike">
-              <a:solidFill>
-                <a:srgbClr val="000000"/>
-              </a:solidFill>
-              <a:uFill>
-                <a:solidFill>
-                  <a:srgbClr val="ffffff"/>
+            <a:endParaRPr lang="en-GB" sz="1800" b="0" strike="noStrike" spc="-1">
+              <a:solidFill>
+                <a:srgbClr val="000000"/>
+              </a:solidFill>
+              <a:uFill>
+                <a:solidFill>
+                  <a:srgbClr val="FFFFFF"/>
                 </a:solidFill>
               </a:uFill>
               <a:latin typeface="Arial"/>
@@ -8695,13 +9306,20 @@
           </a:ln>
         </p:spPr>
         <p:style>
-          <a:lnRef idx="0"/>
-          <a:fillRef idx="0"/>
-          <a:effectRef idx="0"/>
+          <a:lnRef idx="0">
+            <a:scrgbClr r="0" g="0" b="0"/>
+          </a:lnRef>
+          <a:fillRef idx="0">
+            <a:scrgbClr r="0" g="0" b="0"/>
+          </a:fillRef>
+          <a:effectRef idx="0">
+            <a:scrgbClr r="0" g="0" b="0"/>
+          </a:effectRef>
           <a:fontRef idx="minor"/>
         </p:style>
         <p:txBody>
-          <a:bodyPr lIns="0" rIns="0" tIns="0" bIns="0"/>
+          <a:bodyPr lIns="0" tIns="0" rIns="0" bIns="0"/>
+          <a:lstStyle/>
           <a:p>
             <a:pPr marL="432000" indent="-320400">
               <a:lnSpc>
@@ -8715,13 +9333,13 @@
               <a:buChar char=""/>
             </a:pPr>
             <a:r>
-              <a:rPr b="0" lang="en-GB" sz="2800" spc="-1" strike="noStrike">
-                <a:solidFill>
-                  <a:srgbClr val="000000"/>
-                </a:solidFill>
-                <a:uFill>
-                  <a:solidFill>
-                    <a:srgbClr val="ffffff"/>
+              <a:rPr lang="en-GB" sz="2800" b="0" strike="noStrike" spc="-1" dirty="0">
+                <a:solidFill>
+                  <a:srgbClr val="000000"/>
+                </a:solidFill>
+                <a:uFill>
+                  <a:solidFill>
+                    <a:srgbClr val="FFFFFF"/>
                   </a:solidFill>
                 </a:uFill>
                 <a:latin typeface="Arial"/>
@@ -8729,13 +9347,13 @@
               </a:rPr>
               <a:t>We are looking for some interesting guest speakers</a:t>
             </a:r>
-            <a:endParaRPr b="0" lang="en-GB" sz="1800" spc="-1" strike="noStrike">
-              <a:solidFill>
-                <a:srgbClr val="000000"/>
-              </a:solidFill>
-              <a:uFill>
-                <a:solidFill>
-                  <a:srgbClr val="ffffff"/>
+            <a:endParaRPr lang="en-GB" sz="1800" b="0" strike="noStrike" spc="-1" dirty="0">
+              <a:solidFill>
+                <a:srgbClr val="000000"/>
+              </a:solidFill>
+              <a:uFill>
+                <a:solidFill>
+                  <a:srgbClr val="FFFFFF"/>
                 </a:solidFill>
               </a:uFill>
               <a:latin typeface="Arial"/>
@@ -8754,13 +9372,13 @@
               <a:buChar char=""/>
             </a:pPr>
             <a:r>
-              <a:rPr b="0" lang="en-GB" sz="2800" spc="-1" strike="noStrike">
-                <a:solidFill>
-                  <a:srgbClr val="000000"/>
-                </a:solidFill>
-                <a:uFill>
-                  <a:solidFill>
-                    <a:srgbClr val="ffffff"/>
+              <a:rPr lang="en-GB" sz="2800" b="0" strike="noStrike" spc="-1" dirty="0" err="1">
+                <a:solidFill>
+                  <a:srgbClr val="000000"/>
+                </a:solidFill>
+                <a:uFill>
+                  <a:solidFill>
+                    <a:srgbClr val="FFFFFF"/>
                   </a:solidFill>
                 </a:uFill>
                 <a:latin typeface="Arial"/>
@@ -8768,13 +9386,13 @@
               </a:rPr>
               <a:t>ExoMars</a:t>
             </a:r>
-            <a:endParaRPr b="0" lang="en-GB" sz="1800" spc="-1" strike="noStrike">
-              <a:solidFill>
-                <a:srgbClr val="000000"/>
-              </a:solidFill>
-              <a:uFill>
-                <a:solidFill>
-                  <a:srgbClr val="ffffff"/>
+            <a:endParaRPr lang="en-GB" sz="1800" b="0" strike="noStrike" spc="-1" dirty="0">
+              <a:solidFill>
+                <a:srgbClr val="000000"/>
+              </a:solidFill>
+              <a:uFill>
+                <a:solidFill>
+                  <a:srgbClr val="FFFFFF"/>
                 </a:solidFill>
               </a:uFill>
               <a:latin typeface="Arial"/>
@@ -8793,13 +9411,13 @@
               <a:buChar char=""/>
             </a:pPr>
             <a:r>
-              <a:rPr b="0" lang="en-GB" sz="2800" spc="-1" strike="noStrike">
-                <a:solidFill>
-                  <a:srgbClr val="000000"/>
-                </a:solidFill>
-                <a:uFill>
-                  <a:solidFill>
-                    <a:srgbClr val="ffffff"/>
+              <a:rPr lang="en-GB" sz="2800" b="0" strike="noStrike" spc="-1" dirty="0">
+                <a:solidFill>
+                  <a:srgbClr val="000000"/>
+                </a:solidFill>
+                <a:uFill>
+                  <a:solidFill>
+                    <a:srgbClr val="FFFFFF"/>
                   </a:solidFill>
                 </a:uFill>
                 <a:latin typeface="Arial"/>
@@ -8807,20 +9425,20 @@
               </a:rPr>
               <a:t>Research – Intelligent Robotics</a:t>
             </a:r>
-            <a:endParaRPr b="0" lang="en-GB" sz="1800" spc="-1" strike="noStrike">
-              <a:solidFill>
-                <a:srgbClr val="000000"/>
-              </a:solidFill>
-              <a:uFill>
-                <a:solidFill>
-                  <a:srgbClr val="ffffff"/>
-                </a:solidFill>
-              </a:uFill>
-              <a:latin typeface="Arial"/>
-            </a:endParaRPr>
-          </a:p>
-          <a:p>
-            <a:pPr lvl="4" marL="1080000" indent="-214560">
+            <a:endParaRPr lang="en-GB" sz="1800" b="0" strike="noStrike" spc="-1" dirty="0">
+              <a:solidFill>
+                <a:srgbClr val="000000"/>
+              </a:solidFill>
+              <a:uFill>
+                <a:solidFill>
+                  <a:srgbClr val="FFFFFF"/>
+                </a:solidFill>
+              </a:uFill>
+              <a:latin typeface="Arial"/>
+            </a:endParaRPr>
+          </a:p>
+          <a:p>
+            <a:pPr marL="1080000" lvl="4" indent="-214560">
               <a:lnSpc>
                 <a:spcPct val="100000"/>
               </a:lnSpc>
@@ -8832,13 +9450,13 @@
               <a:buChar char=""/>
             </a:pPr>
             <a:r>
-              <a:rPr b="0" lang="en-GB" sz="2800" spc="-1" strike="noStrike">
-                <a:solidFill>
-                  <a:srgbClr val="000000"/>
-                </a:solidFill>
-                <a:uFill>
-                  <a:solidFill>
-                    <a:srgbClr val="ffffff"/>
+              <a:rPr lang="en-GB" sz="2800" b="0" strike="noStrike" spc="-1" dirty="0" err="1">
+                <a:solidFill>
+                  <a:srgbClr val="000000"/>
+                </a:solidFill>
+                <a:uFill>
+                  <a:solidFill>
+                    <a:srgbClr val="FFFFFF"/>
                   </a:solidFill>
                 </a:uFill>
                 <a:latin typeface="Arial"/>
@@ -8846,20 +9464,20 @@
               </a:rPr>
               <a:t>iCub</a:t>
             </a:r>
-            <a:endParaRPr b="0" lang="en-GB" sz="1800" spc="-1" strike="noStrike">
-              <a:solidFill>
-                <a:srgbClr val="000000"/>
-              </a:solidFill>
-              <a:uFill>
-                <a:solidFill>
-                  <a:srgbClr val="ffffff"/>
-                </a:solidFill>
-              </a:uFill>
-              <a:latin typeface="Arial"/>
-            </a:endParaRPr>
-          </a:p>
-          <a:p>
-            <a:pPr lvl="4" marL="1080000" indent="-214560">
+            <a:endParaRPr lang="en-GB" sz="1800" b="0" strike="noStrike" spc="-1" dirty="0">
+              <a:solidFill>
+                <a:srgbClr val="000000"/>
+              </a:solidFill>
+              <a:uFill>
+                <a:solidFill>
+                  <a:srgbClr val="FFFFFF"/>
+                </a:solidFill>
+              </a:uFill>
+              <a:latin typeface="Arial"/>
+            </a:endParaRPr>
+          </a:p>
+          <a:p>
+            <a:pPr marL="1080000" lvl="4" indent="-214560">
               <a:lnSpc>
                 <a:spcPct val="100000"/>
               </a:lnSpc>
@@ -8871,13 +9489,13 @@
               <a:buChar char=""/>
             </a:pPr>
             <a:r>
-              <a:rPr b="0" lang="en-GB" sz="2800" spc="-1" strike="noStrike">
-                <a:solidFill>
-                  <a:srgbClr val="000000"/>
-                </a:solidFill>
-                <a:uFill>
-                  <a:solidFill>
-                    <a:srgbClr val="ffffff"/>
+              <a:rPr lang="en-GB" sz="2800" b="0" strike="noStrike" spc="-1" dirty="0">
+                <a:solidFill>
+                  <a:srgbClr val="000000"/>
+                </a:solidFill>
+                <a:uFill>
+                  <a:solidFill>
+                    <a:srgbClr val="FFFFFF"/>
                   </a:solidFill>
                 </a:uFill>
                 <a:latin typeface="Arial"/>
@@ -8885,20 +9503,20 @@
               </a:rPr>
               <a:t>Idris – path finding using cameras and ROS</a:t>
             </a:r>
-            <a:endParaRPr b="0" lang="en-GB" sz="1800" spc="-1" strike="noStrike">
-              <a:solidFill>
-                <a:srgbClr val="000000"/>
-              </a:solidFill>
-              <a:uFill>
-                <a:solidFill>
-                  <a:srgbClr val="ffffff"/>
-                </a:solidFill>
-              </a:uFill>
-              <a:latin typeface="Arial"/>
-            </a:endParaRPr>
-          </a:p>
-          <a:p>
-            <a:pPr lvl="4" marL="1080000" indent="-214560">
+            <a:endParaRPr lang="en-GB" sz="1800" b="0" strike="noStrike" spc="-1" dirty="0">
+              <a:solidFill>
+                <a:srgbClr val="000000"/>
+              </a:solidFill>
+              <a:uFill>
+                <a:solidFill>
+                  <a:srgbClr val="FFFFFF"/>
+                </a:solidFill>
+              </a:uFill>
+              <a:latin typeface="Arial"/>
+            </a:endParaRPr>
+          </a:p>
+          <a:p>
+            <a:pPr marL="1080000" lvl="4" indent="-214560">
               <a:lnSpc>
                 <a:spcPct val="100000"/>
               </a:lnSpc>
@@ -8910,13 +9528,13 @@
               <a:buChar char=""/>
             </a:pPr>
             <a:r>
-              <a:rPr b="0" lang="en-GB" sz="2800" spc="-1" strike="noStrike">
-                <a:solidFill>
-                  <a:srgbClr val="000000"/>
-                </a:solidFill>
-                <a:uFill>
-                  <a:solidFill>
-                    <a:srgbClr val="ffffff"/>
+              <a:rPr lang="en-GB" sz="2800" b="0" strike="noStrike" spc="-1" dirty="0">
+                <a:solidFill>
+                  <a:srgbClr val="000000"/>
+                </a:solidFill>
+                <a:uFill>
+                  <a:solidFill>
+                    <a:srgbClr val="FFFFFF"/>
                   </a:solidFill>
                 </a:uFill>
                 <a:latin typeface="Arial"/>
@@ -8924,13 +9542,13 @@
               </a:rPr>
               <a:t>UAV and aerial mapping</a:t>
             </a:r>
-            <a:endParaRPr b="0" lang="en-GB" sz="1800" spc="-1" strike="noStrike">
-              <a:solidFill>
-                <a:srgbClr val="000000"/>
-              </a:solidFill>
-              <a:uFill>
-                <a:solidFill>
-                  <a:srgbClr val="ffffff"/>
+            <a:endParaRPr lang="en-GB" sz="1800" b="0" strike="noStrike" spc="-1" dirty="0">
+              <a:solidFill>
+                <a:srgbClr val="000000"/>
+              </a:solidFill>
+              <a:uFill>
+                <a:solidFill>
+                  <a:srgbClr val="FFFFFF"/>
                 </a:solidFill>
               </a:uFill>
               <a:latin typeface="Arial"/>
@@ -8949,13 +9567,13 @@
               <a:buChar char=""/>
             </a:pPr>
             <a:r>
-              <a:rPr b="0" lang="en-GB" sz="2800" spc="-1" strike="noStrike">
-                <a:solidFill>
-                  <a:srgbClr val="000000"/>
-                </a:solidFill>
-                <a:uFill>
-                  <a:solidFill>
-                    <a:srgbClr val="ffffff"/>
+              <a:rPr lang="en-GB" sz="2800" b="0" strike="noStrike" spc="-1" dirty="0">
+                <a:solidFill>
+                  <a:srgbClr val="000000"/>
+                </a:solidFill>
+                <a:uFill>
+                  <a:solidFill>
+                    <a:srgbClr val="FFFFFF"/>
                   </a:solidFill>
                 </a:uFill>
                 <a:latin typeface="Arial"/>
@@ -8963,13 +9581,13 @@
               </a:rPr>
               <a:t>Interactive Robotics</a:t>
             </a:r>
-            <a:endParaRPr b="0" lang="en-GB" sz="1800" spc="-1" strike="noStrike">
-              <a:solidFill>
-                <a:srgbClr val="000000"/>
-              </a:solidFill>
-              <a:uFill>
-                <a:solidFill>
-                  <a:srgbClr val="ffffff"/>
+            <a:endParaRPr lang="en-GB" sz="1800" b="0" strike="noStrike" spc="-1" dirty="0">
+              <a:solidFill>
+                <a:srgbClr val="000000"/>
+              </a:solidFill>
+              <a:uFill>
+                <a:solidFill>
+                  <a:srgbClr val="FFFFFF"/>
                 </a:solidFill>
               </a:uFill>
               <a:latin typeface="Arial"/>
@@ -8988,57 +9606,27 @@
               <a:buChar char=""/>
             </a:pPr>
             <a:r>
-              <a:rPr b="0" lang="en-GB" sz="2800" spc="-1" strike="noStrike">
-                <a:solidFill>
-                  <a:srgbClr val="000000"/>
-                </a:solidFill>
-                <a:uFill>
-                  <a:solidFill>
-                    <a:srgbClr val="ffffff"/>
+              <a:rPr lang="en-GB" sz="2800" b="0" strike="noStrike" spc="-1" dirty="0">
+                <a:solidFill>
+                  <a:srgbClr val="000000"/>
+                </a:solidFill>
+                <a:uFill>
+                  <a:solidFill>
+                    <a:srgbClr val="FFFFFF"/>
                   </a:solidFill>
                 </a:uFill>
                 <a:latin typeface="Arial"/>
                 <a:ea typeface="DejaVu Sans"/>
               </a:rPr>
-              <a:t>3</a:t>
-            </a:r>
-            <a:r>
-              <a:rPr b="0" lang="en-GB" sz="2800" spc="-1" strike="noStrike" baseline="101000">
-                <a:solidFill>
-                  <a:srgbClr val="000000"/>
-                </a:solidFill>
-                <a:uFill>
-                  <a:solidFill>
-                    <a:srgbClr val="ffffff"/>
-                  </a:solidFill>
-                </a:uFill>
-                <a:latin typeface="Arial"/>
-                <a:ea typeface="DejaVu Sans"/>
-              </a:rPr>
-              <a:t>rd</a:t>
-            </a:r>
-            <a:r>
-              <a:rPr b="0" lang="en-GB" sz="2800" spc="-1" strike="noStrike">
-                <a:solidFill>
-                  <a:srgbClr val="000000"/>
-                </a:solidFill>
-                <a:uFill>
-                  <a:solidFill>
-                    <a:srgbClr val="ffffff"/>
-                  </a:solidFill>
-                </a:uFill>
-                <a:latin typeface="Arial"/>
-                <a:ea typeface="DejaVu Sans"/>
-              </a:rPr>
-              <a:t> Year Projects – AI, Robotics, Space Robotics</a:t>
-            </a:r>
-            <a:endParaRPr b="0" lang="en-GB" sz="1800" spc="-1" strike="noStrike">
-              <a:solidFill>
-                <a:srgbClr val="000000"/>
-              </a:solidFill>
-              <a:uFill>
-                <a:solidFill>
-                  <a:srgbClr val="ffffff"/>
+              <a:t>3rd Year Projects – AI, Robotics, Space Robotics</a:t>
+            </a:r>
+            <a:endParaRPr lang="en-GB" sz="1800" b="0" strike="noStrike" spc="-1" dirty="0">
+              <a:solidFill>
+                <a:srgbClr val="000000"/>
+              </a:solidFill>
+              <a:uFill>
+                <a:solidFill>
+                  <a:srgbClr val="FFFFFF"/>
                 </a:solidFill>
               </a:uFill>
               <a:latin typeface="Arial"/>
@@ -9048,30 +9636,7 @@
       </p:sp>
       <p:pic>
         <p:nvPicPr>
-          <p:cNvPr id="114" name="Picture 3" descr=""/>
-          <p:cNvPicPr/>
-          <p:nvPr/>
-        </p:nvPicPr>
-        <p:blipFill>
-          <a:blip r:embed="rId1"/>
-          <a:stretch/>
-        </p:blipFill>
-        <p:spPr>
-          <a:xfrm>
-            <a:off x="0" y="0"/>
-            <a:ext cx="10076400" cy="1046880"/>
-          </a:xfrm>
-          <a:prstGeom prst="rect">
-            <a:avLst/>
-          </a:prstGeom>
-          <a:ln>
-            <a:noFill/>
-          </a:ln>
-        </p:spPr>
-      </p:pic>
-      <p:pic>
-        <p:nvPicPr>
-          <p:cNvPr id="115" name="Picture 4" descr=""/>
+          <p:cNvPr id="114" name="Picture 3"/>
           <p:cNvPicPr/>
           <p:nvPr/>
         </p:nvPicPr>
@@ -9081,6 +9646,29 @@
         </p:blipFill>
         <p:spPr>
           <a:xfrm>
+            <a:off x="0" y="0"/>
+            <a:ext cx="10076400" cy="1046880"/>
+          </a:xfrm>
+          <a:prstGeom prst="rect">
+            <a:avLst/>
+          </a:prstGeom>
+          <a:ln>
+            <a:noFill/>
+          </a:ln>
+        </p:spPr>
+      </p:pic>
+      <p:pic>
+        <p:nvPicPr>
+          <p:cNvPr id="115" name="Picture 4"/>
+          <p:cNvPicPr/>
+          <p:nvPr/>
+        </p:nvPicPr>
+        <p:blipFill>
+          <a:blip r:embed="rId3"/>
+          <a:stretch/>
+        </p:blipFill>
+        <p:spPr>
+          <a:xfrm>
             <a:off x="39240" y="0"/>
             <a:ext cx="1066320" cy="1074960"/>
           </a:xfrm>
@@ -9112,13 +9700,20 @@
           </a:ln>
         </p:spPr>
         <p:style>
-          <a:lnRef idx="0"/>
-          <a:fillRef idx="0"/>
-          <a:effectRef idx="0"/>
+          <a:lnRef idx="0">
+            <a:scrgbClr r="0" g="0" b="0"/>
+          </a:lnRef>
+          <a:fillRef idx="0">
+            <a:scrgbClr r="0" g="0" b="0"/>
+          </a:fillRef>
+          <a:effectRef idx="0">
+            <a:scrgbClr r="0" g="0" b="0"/>
+          </a:effectRef>
           <a:fontRef idx="minor"/>
         </p:style>
         <p:txBody>
-          <a:bodyPr lIns="90000" rIns="90000" tIns="45000" bIns="45000"/>
+          <a:bodyPr lIns="90000" tIns="45000" rIns="90000" bIns="45000"/>
+          <a:lstStyle/>
           <a:p>
             <a:pPr>
               <a:lnSpc>
@@ -9126,13 +9721,13 @@
               </a:lnSpc>
             </a:pPr>
             <a:r>
-              <a:rPr b="1" lang="en-GB" sz="3200" spc="-1" strike="noStrike">
-                <a:solidFill>
-                  <a:srgbClr val="000000"/>
-                </a:solidFill>
-                <a:uFill>
-                  <a:solidFill>
-                    <a:srgbClr val="ffffff"/>
+              <a:rPr lang="en-GB" sz="3200" b="1" strike="noStrike" spc="-1">
+                <a:solidFill>
+                  <a:srgbClr val="000000"/>
+                </a:solidFill>
+                <a:uFill>
+                  <a:solidFill>
+                    <a:srgbClr val="FFFFFF"/>
                   </a:solidFill>
                 </a:uFill>
                 <a:latin typeface="Eras Bold ITC"/>
@@ -9140,13 +9735,13 @@
               </a:rPr>
               <a:t>www.students.aberrobotics.club</a:t>
             </a:r>
-            <a:endParaRPr b="0" lang="en-GB" sz="1800" spc="-1" strike="noStrike">
-              <a:solidFill>
-                <a:srgbClr val="000000"/>
-              </a:solidFill>
-              <a:uFill>
-                <a:solidFill>
-                  <a:srgbClr val="ffffff"/>
+            <a:endParaRPr lang="en-GB" sz="1800" b="0" strike="noStrike" spc="-1">
+              <a:solidFill>
+                <a:srgbClr val="000000"/>
+              </a:solidFill>
+              <a:uFill>
+                <a:solidFill>
+                  <a:srgbClr val="FFFFFF"/>
                 </a:solidFill>
               </a:uFill>
               <a:latin typeface="Arial"/>
@@ -9156,22 +9751,25 @@
       </p:sp>
     </p:spTree>
   </p:cSld>
+  <p:clrMapOvr>
+    <a:masterClrMapping/>
+  </p:clrMapOvr>
   <p:timing>
     <p:tnLst>
       <p:par>
-        <p:cTn id="17" dur="indefinite" restart="never" nodeType="tmRoot">
+        <p:cTn id="1" dur="indefinite" restart="never" nodeType="tmRoot">
           <p:childTnLst>
             <p:seq>
-              <p:cTn id="18" nodeType="mainSeq"/>
+              <p:cTn id="2" nodeType="mainSeq"/>
               <p:prevCondLst>
-                <p:cond delay="0" evt="onPrev">
+                <p:cond evt="onPrev" delay="0">
                   <p:tgtEl>
                     <p:sldTgt/>
                   </p:tgtEl>
                 </p:cond>
               </p:prevCondLst>
               <p:nextCondLst>
-                <p:cond delay="0" evt="onNext">
+                <p:cond evt="onNext" delay="0">
                   <p:tgtEl>
                     <p:sldTgt/>
                   </p:tgtEl>
@@ -9406,6 +10004,8 @@
       </a:bgFillStyleLst>
     </a:fmtScheme>
   </a:themeElements>
+  <a:objectDefaults/>
+  <a:extraClrSchemeLst/>
 </a:theme>
 </file>
 
@@ -9629,5 +10229,7 @@
       </a:bgFillStyleLst>
     </a:fmtScheme>
   </a:themeElements>
+  <a:objectDefaults/>
+  <a:extraClrSchemeLst/>
 </a:theme>
 </file>